--- a/companion-website/public/files/Template.pptx
+++ b/companion-website/public/files/Template.pptx
@@ -5,7 +5,7 @@
     <p:sldMasterId id="2147483648" r:id="rId1"/>
   </p:sldMasterIdLst>
   <p:notesMasterIdLst>
-    <p:notesMasterId r:id="rId40"/>
+    <p:notesMasterId r:id="rId39"/>
   </p:notesMasterIdLst>
   <p:sldIdLst>
     <p:sldId id="275" r:id="rId2"/>
@@ -30,22 +30,21 @@
     <p:sldId id="447" r:id="rId21"/>
     <p:sldId id="448" r:id="rId22"/>
     <p:sldId id="455" r:id="rId23"/>
-    <p:sldId id="456" r:id="rId24"/>
-    <p:sldId id="438" r:id="rId25"/>
-    <p:sldId id="439" r:id="rId26"/>
-    <p:sldId id="445" r:id="rId27"/>
-    <p:sldId id="267" r:id="rId28"/>
-    <p:sldId id="269" r:id="rId29"/>
-    <p:sldId id="270" r:id="rId30"/>
-    <p:sldId id="268" r:id="rId31"/>
-    <p:sldId id="446" r:id="rId32"/>
-    <p:sldId id="271" r:id="rId33"/>
-    <p:sldId id="444" r:id="rId34"/>
-    <p:sldId id="440" r:id="rId35"/>
-    <p:sldId id="451" r:id="rId36"/>
-    <p:sldId id="452" r:id="rId37"/>
-    <p:sldId id="453" r:id="rId38"/>
-    <p:sldId id="443" r:id="rId39"/>
+    <p:sldId id="438" r:id="rId24"/>
+    <p:sldId id="439" r:id="rId25"/>
+    <p:sldId id="445" r:id="rId26"/>
+    <p:sldId id="267" r:id="rId27"/>
+    <p:sldId id="269" r:id="rId28"/>
+    <p:sldId id="270" r:id="rId29"/>
+    <p:sldId id="268" r:id="rId30"/>
+    <p:sldId id="446" r:id="rId31"/>
+    <p:sldId id="271" r:id="rId32"/>
+    <p:sldId id="444" r:id="rId33"/>
+    <p:sldId id="440" r:id="rId34"/>
+    <p:sldId id="451" r:id="rId35"/>
+    <p:sldId id="452" r:id="rId36"/>
+    <p:sldId id="453" r:id="rId37"/>
+    <p:sldId id="443" r:id="rId38"/>
   </p:sldIdLst>
   <p:sldSz cx="9144000" cy="6858000" type="screen4x3"/>
   <p:notesSz cx="6858000" cy="9144000"/>
@@ -3917,7 +3916,7 @@
           <a:p>
             <a:fld id="{8F7EB338-8BB0-B64B-9F79-C87EA24D723F}" type="datetimeFigureOut">
               <a:rPr lang="en-US" smtClean="0"/>
-              <a:t>8/7/20</a:t>
+              <a:t>8/26/20</a:t>
             </a:fld>
             <a:endParaRPr lang="en-US"/>
           </a:p>
@@ -5330,7 +5329,7 @@
             <a:fld id="{DBE77699-C466-4996-ADED-71C8160E04A2}" type="datetimeFigureOut">
               <a:rPr lang="en-US" smtClean="0"/>
               <a:pPr/>
-              <a:t>8/7/20</a:t>
+              <a:t>8/26/20</a:t>
             </a:fld>
             <a:endParaRPr lang="en-US"/>
           </a:p>
@@ -5495,7 +5494,7 @@
             <a:fld id="{DBE77699-C466-4996-ADED-71C8160E04A2}" type="datetimeFigureOut">
               <a:rPr lang="en-US" smtClean="0"/>
               <a:pPr/>
-              <a:t>8/7/20</a:t>
+              <a:t>8/26/20</a:t>
             </a:fld>
             <a:endParaRPr lang="en-US"/>
           </a:p>
@@ -5670,7 +5669,7 @@
             <a:fld id="{DBE77699-C466-4996-ADED-71C8160E04A2}" type="datetimeFigureOut">
               <a:rPr lang="en-US" smtClean="0"/>
               <a:pPr/>
-              <a:t>8/7/20</a:t>
+              <a:t>8/26/20</a:t>
             </a:fld>
             <a:endParaRPr lang="en-US"/>
           </a:p>
@@ -5849,7 +5848,7 @@
             <a:fld id="{DBE77699-C466-4996-ADED-71C8160E04A2}" type="datetimeFigureOut">
               <a:rPr lang="en-US" smtClean="0"/>
               <a:pPr/>
-              <a:t>8/7/20</a:t>
+              <a:t>8/26/20</a:t>
             </a:fld>
             <a:endParaRPr lang="en-US"/>
           </a:p>
@@ -6012,7 +6011,7 @@
             <a:fld id="{DBE77699-C466-4996-ADED-71C8160E04A2}" type="datetimeFigureOut">
               <a:rPr lang="en-US" smtClean="0"/>
               <a:pPr/>
-              <a:t>8/7/20</a:t>
+              <a:t>8/26/20</a:t>
             </a:fld>
             <a:endParaRPr lang="en-US"/>
           </a:p>
@@ -6420,7 +6419,7 @@
             <a:fld id="{DBE77699-C466-4996-ADED-71C8160E04A2}" type="datetimeFigureOut">
               <a:rPr lang="en-US" smtClean="0"/>
               <a:pPr/>
-              <a:t>8/7/20</a:t>
+              <a:t>8/26/20</a:t>
             </a:fld>
             <a:endParaRPr lang="en-US"/>
           </a:p>
@@ -6662,7 +6661,7 @@
             <a:fld id="{DBE77699-C466-4996-ADED-71C8160E04A2}" type="datetimeFigureOut">
               <a:rPr lang="en-US" smtClean="0"/>
               <a:pPr/>
-              <a:t>8/7/20</a:t>
+              <a:t>8/26/20</a:t>
             </a:fld>
             <a:endParaRPr lang="en-US"/>
           </a:p>
@@ -6944,7 +6943,7 @@
             <a:fld id="{DBE77699-C466-4996-ADED-71C8160E04A2}" type="datetimeFigureOut">
               <a:rPr lang="en-US" smtClean="0"/>
               <a:pPr/>
-              <a:t>8/7/20</a:t>
+              <a:t>8/26/20</a:t>
             </a:fld>
             <a:endParaRPr lang="en-US"/>
           </a:p>
@@ -7360,7 +7359,7 @@
             <a:fld id="{DBE77699-C466-4996-ADED-71C8160E04A2}" type="datetimeFigureOut">
               <a:rPr lang="en-US" smtClean="0"/>
               <a:pPr/>
-              <a:t>8/7/20</a:t>
+              <a:t>8/26/20</a:t>
             </a:fld>
             <a:endParaRPr lang="en-US"/>
           </a:p>
@@ -7474,7 +7473,7 @@
             <a:fld id="{DBE77699-C466-4996-ADED-71C8160E04A2}" type="datetimeFigureOut">
               <a:rPr lang="en-US" smtClean="0"/>
               <a:pPr/>
-              <a:t>8/7/20</a:t>
+              <a:t>8/26/20</a:t>
             </a:fld>
             <a:endParaRPr lang="en-US"/>
           </a:p>
@@ -7566,7 +7565,7 @@
             <a:fld id="{DBE77699-C466-4996-ADED-71C8160E04A2}" type="datetimeFigureOut">
               <a:rPr lang="en-US" smtClean="0"/>
               <a:pPr/>
-              <a:t>8/7/20</a:t>
+              <a:t>8/26/20</a:t>
             </a:fld>
             <a:endParaRPr lang="en-US"/>
           </a:p>
@@ -7838,7 +7837,7 @@
             <a:fld id="{DBE77699-C466-4996-ADED-71C8160E04A2}" type="datetimeFigureOut">
               <a:rPr lang="en-US" smtClean="0"/>
               <a:pPr/>
-              <a:t>8/7/20</a:t>
+              <a:t>8/26/20</a:t>
             </a:fld>
             <a:endParaRPr lang="en-US"/>
           </a:p>
@@ -8087,7 +8086,7 @@
             <a:fld id="{DBE77699-C466-4996-ADED-71C8160E04A2}" type="datetimeFigureOut">
               <a:rPr lang="en-US" smtClean="0"/>
               <a:pPr/>
-              <a:t>8/7/20</a:t>
+              <a:t>8/26/20</a:t>
             </a:fld>
             <a:endParaRPr lang="en-US"/>
           </a:p>
@@ -8298,7 +8297,7 @@
             <a:fld id="{DBE77699-C466-4996-ADED-71C8160E04A2}" type="datetimeFigureOut">
               <a:rPr lang="en-US" smtClean="0"/>
               <a:pPr/>
-              <a:t>8/7/20</a:t>
+              <a:t>8/26/20</a:t>
             </a:fld>
             <a:endParaRPr lang="en-US"/>
           </a:p>
@@ -18743,109 +18742,6 @@
       </p:grpSpPr>
       <p:sp>
         <p:nvSpPr>
-          <p:cNvPr id="2" name="Title 1">
-            <a:extLst>
-              <a:ext uri="{FF2B5EF4-FFF2-40B4-BE49-F238E27FC236}">
-                <a16:creationId xmlns:a16="http://schemas.microsoft.com/office/drawing/2014/main" id="{B14015FF-A9F0-9A48-A5A5-58F2C06B8F98}"/>
-              </a:ext>
-            </a:extLst>
-          </p:cNvPr>
-          <p:cNvSpPr>
-            <a:spLocks noGrp="1"/>
-          </p:cNvSpPr>
-          <p:nvPr>
-            <p:ph type="title"/>
-          </p:nvPr>
-        </p:nvSpPr>
-        <p:spPr/>
-        <p:txBody>
-          <a:bodyPr>
-            <a:normAutofit/>
-          </a:bodyPr>
-          <a:lstStyle/>
-          <a:p>
-            <a:r>
-              <a:rPr lang="en-US" b="1" dirty="0"/>
-              <a:t>Key Takeaways</a:t>
-            </a:r>
-            <a:endParaRPr lang="en-US" dirty="0"/>
-          </a:p>
-        </p:txBody>
-      </p:sp>
-      <p:sp>
-        <p:nvSpPr>
-          <p:cNvPr id="3" name="Content Placeholder 2">
-            <a:extLst>
-              <a:ext uri="{FF2B5EF4-FFF2-40B4-BE49-F238E27FC236}">
-                <a16:creationId xmlns:a16="http://schemas.microsoft.com/office/drawing/2014/main" id="{FEF16147-FAD1-B746-B07D-30F67FD6DC00}"/>
-              </a:ext>
-            </a:extLst>
-          </p:cNvPr>
-          <p:cNvSpPr>
-            <a:spLocks noGrp="1"/>
-          </p:cNvSpPr>
-          <p:nvPr>
-            <p:ph idx="1"/>
-          </p:nvPr>
-        </p:nvSpPr>
-        <p:spPr/>
-        <p:txBody>
-          <a:bodyPr/>
-          <a:lstStyle/>
-          <a:p>
-            <a:pPr>
-              <a:buFont typeface=".Lucida Grande UI Regular"/>
-              <a:buChar char="►"/>
-            </a:pPr>
-            <a:r>
-              <a:rPr lang="en-US" dirty="0"/>
-              <a:t>Textual Criticism</a:t>
-            </a:r>
-          </a:p>
-          <a:p>
-            <a:pPr>
-              <a:buFont typeface=".Lucida Grande UI Regular"/>
-              <a:buChar char="►"/>
-            </a:pPr>
-            <a:r>
-              <a:rPr lang="en-US" dirty="0"/>
-              <a:t>We can have confidence in the text despite some questions</a:t>
-            </a:r>
-          </a:p>
-        </p:txBody>
-      </p:sp>
-    </p:spTree>
-    <p:extLst>
-      <p:ext uri="{BB962C8B-B14F-4D97-AF65-F5344CB8AC3E}">
-        <p14:creationId xmlns:p14="http://schemas.microsoft.com/office/powerpoint/2010/main" val="3732984559"/>
-      </p:ext>
-    </p:extLst>
-  </p:cSld>
-  <p:clrMapOvr>
-    <a:masterClrMapping/>
-  </p:clrMapOvr>
-</p:sld>
-</file>
-
-<file path=ppt/slides/slide24.xml><?xml version="1.0" encoding="utf-8"?>
-<p:sld xmlns:a="http://schemas.openxmlformats.org/drawingml/2006/main" xmlns:r="http://schemas.openxmlformats.org/officeDocument/2006/relationships" xmlns:p="http://schemas.openxmlformats.org/presentationml/2006/main">
-  <p:cSld>
-    <p:spTree>
-      <p:nvGrpSpPr>
-        <p:cNvPr id="1" name=""/>
-        <p:cNvGrpSpPr/>
-        <p:nvPr/>
-      </p:nvGrpSpPr>
-      <p:grpSpPr>
-        <a:xfrm>
-          <a:off x="0" y="0"/>
-          <a:ext cx="0" cy="0"/>
-          <a:chOff x="0" y="0"/>
-          <a:chExt cx="0" cy="0"/>
-        </a:xfrm>
-      </p:grpSpPr>
-      <p:sp>
-        <p:nvSpPr>
           <p:cNvPr id="2" name="Title 1"/>
           <p:cNvSpPr>
             <a:spLocks noGrp="1"/>
@@ -18903,7 +18799,7 @@
 </p:sld>
 </file>
 
-<file path=ppt/slides/slide25.xml><?xml version="1.0" encoding="utf-8"?>
+<file path=ppt/slides/slide24.xml><?xml version="1.0" encoding="utf-8"?>
 <p:sld xmlns:a="http://schemas.openxmlformats.org/drawingml/2006/main" xmlns:r="http://schemas.openxmlformats.org/officeDocument/2006/relationships" xmlns:p="http://schemas.openxmlformats.org/presentationml/2006/main">
   <p:cSld>
     <p:spTree>
@@ -19028,7 +18924,7 @@
 </p:sld>
 </file>
 
-<file path=ppt/slides/slide26.xml><?xml version="1.0" encoding="utf-8"?>
+<file path=ppt/slides/slide25.xml><?xml version="1.0" encoding="utf-8"?>
 <p:sld xmlns:a="http://schemas.openxmlformats.org/drawingml/2006/main" xmlns:r="http://schemas.openxmlformats.org/officeDocument/2006/relationships" xmlns:p="http://schemas.openxmlformats.org/presentationml/2006/main">
   <p:cSld>
     <p:spTree>
@@ -19165,7 +19061,7 @@
 </p:sld>
 </file>
 
-<file path=ppt/slides/slide27.xml><?xml version="1.0" encoding="utf-8"?>
+<file path=ppt/slides/slide26.xml><?xml version="1.0" encoding="utf-8"?>
 <p:sld xmlns:a="http://schemas.openxmlformats.org/drawingml/2006/main" xmlns:r="http://schemas.openxmlformats.org/officeDocument/2006/relationships" xmlns:p="http://schemas.openxmlformats.org/presentationml/2006/main">
   <p:cSld>
     <p:spTree>
@@ -20007,7 +19903,7 @@
 </p:sld>
 </file>
 
-<file path=ppt/slides/slide28.xml><?xml version="1.0" encoding="utf-8"?>
+<file path=ppt/slides/slide27.xml><?xml version="1.0" encoding="utf-8"?>
 <p:sld xmlns:a="http://schemas.openxmlformats.org/drawingml/2006/main" xmlns:r="http://schemas.openxmlformats.org/officeDocument/2006/relationships" xmlns:p="http://schemas.openxmlformats.org/presentationml/2006/main">
   <p:cSld>
     <p:spTree>
@@ -21099,7 +20995,7 @@
 </p:sld>
 </file>
 
-<file path=ppt/slides/slide29.xml><?xml version="1.0" encoding="utf-8"?>
+<file path=ppt/slides/slide28.xml><?xml version="1.0" encoding="utf-8"?>
 <p:sld xmlns:a="http://schemas.openxmlformats.org/drawingml/2006/main" xmlns:r="http://schemas.openxmlformats.org/officeDocument/2006/relationships" xmlns:p="http://schemas.openxmlformats.org/presentationml/2006/main">
   <p:cSld>
     <p:spTree>
@@ -21908,6 +21804,225 @@
     <p:extLst>
       <p:ext uri="{BB962C8B-B14F-4D97-AF65-F5344CB8AC3E}">
         <p14:creationId xmlns:p14="http://schemas.microsoft.com/office/powerpoint/2010/main" val="3368280350"/>
+      </p:ext>
+    </p:extLst>
+  </p:cSld>
+  <p:clrMapOvr>
+    <a:masterClrMapping/>
+  </p:clrMapOvr>
+</p:sld>
+</file>
+
+<file path=ppt/slides/slide29.xml><?xml version="1.0" encoding="utf-8"?>
+<p:sld xmlns:a="http://schemas.openxmlformats.org/drawingml/2006/main" xmlns:r="http://schemas.openxmlformats.org/officeDocument/2006/relationships" xmlns:p="http://schemas.openxmlformats.org/presentationml/2006/main">
+  <p:cSld>
+    <p:spTree>
+      <p:nvGrpSpPr>
+        <p:cNvPr id="1" name=""/>
+        <p:cNvGrpSpPr/>
+        <p:nvPr/>
+      </p:nvGrpSpPr>
+      <p:grpSpPr>
+        <a:xfrm>
+          <a:off x="0" y="0"/>
+          <a:ext cx="0" cy="0"/>
+          <a:chOff x="0" y="0"/>
+          <a:chExt cx="0" cy="0"/>
+        </a:xfrm>
+      </p:grpSpPr>
+      <p:grpSp>
+        <p:nvGrpSpPr>
+          <p:cNvPr id="2" name="Group 1"/>
+          <p:cNvGrpSpPr/>
+          <p:nvPr/>
+        </p:nvGrpSpPr>
+        <p:grpSpPr>
+          <a:xfrm>
+            <a:off x="1281361" y="1922244"/>
+            <a:ext cx="6669943" cy="2841251"/>
+            <a:chOff x="1281361" y="1922244"/>
+            <a:chExt cx="6669943" cy="2841251"/>
+          </a:xfrm>
+        </p:grpSpPr>
+        <p:sp>
+          <p:nvSpPr>
+            <p:cNvPr id="4" name="Rectangle 3"/>
+            <p:cNvSpPr/>
+            <p:nvPr/>
+          </p:nvSpPr>
+          <p:spPr>
+            <a:xfrm>
+              <a:off x="1281361" y="2048104"/>
+              <a:ext cx="6669943" cy="2597316"/>
+            </a:xfrm>
+            <a:prstGeom prst="rect">
+              <a:avLst/>
+            </a:prstGeom>
+            <a:solidFill>
+              <a:srgbClr val="222222"/>
+            </a:solidFill>
+            <a:ln>
+              <a:noFill/>
+            </a:ln>
+          </p:spPr>
+          <p:style>
+            <a:lnRef idx="1">
+              <a:schemeClr val="accent1"/>
+            </a:lnRef>
+            <a:fillRef idx="3">
+              <a:schemeClr val="accent1"/>
+            </a:fillRef>
+            <a:effectRef idx="2">
+              <a:schemeClr val="accent1"/>
+            </a:effectRef>
+            <a:fontRef idx="minor">
+              <a:schemeClr val="lt1"/>
+            </a:fontRef>
+          </p:style>
+          <p:txBody>
+            <a:bodyPr rtlCol="0" anchor="ctr"/>
+            <a:lstStyle/>
+            <a:p>
+              <a:pPr algn="ctr"/>
+              <a:endParaRPr lang="en-US" sz="5400" dirty="0"/>
+            </a:p>
+          </p:txBody>
+        </p:sp>
+        <p:cxnSp>
+          <p:nvCxnSpPr>
+            <p:cNvPr id="6" name="Straight Connector 5"/>
+            <p:cNvCxnSpPr/>
+            <p:nvPr/>
+          </p:nvCxnSpPr>
+          <p:spPr>
+            <a:xfrm>
+              <a:off x="1281361" y="1922244"/>
+              <a:ext cx="6669943" cy="0"/>
+            </a:xfrm>
+            <a:prstGeom prst="line">
+              <a:avLst/>
+            </a:prstGeom>
+            <a:ln w="53975">
+              <a:solidFill>
+                <a:srgbClr val="009EC0"/>
+              </a:solidFill>
+            </a:ln>
+          </p:spPr>
+          <p:style>
+            <a:lnRef idx="2">
+              <a:schemeClr val="accent1"/>
+            </a:lnRef>
+            <a:fillRef idx="0">
+              <a:schemeClr val="accent1"/>
+            </a:fillRef>
+            <a:effectRef idx="1">
+              <a:schemeClr val="accent1"/>
+            </a:effectRef>
+            <a:fontRef idx="minor">
+              <a:schemeClr val="tx1"/>
+            </a:fontRef>
+          </p:style>
+        </p:cxnSp>
+        <p:cxnSp>
+          <p:nvCxnSpPr>
+            <p:cNvPr id="7" name="Straight Connector 6"/>
+            <p:cNvCxnSpPr/>
+            <p:nvPr/>
+          </p:nvCxnSpPr>
+          <p:spPr>
+            <a:xfrm>
+              <a:off x="1281361" y="4763495"/>
+              <a:ext cx="6669943" cy="0"/>
+            </a:xfrm>
+            <a:prstGeom prst="line">
+              <a:avLst/>
+            </a:prstGeom>
+            <a:ln w="53975">
+              <a:solidFill>
+                <a:srgbClr val="009EC0"/>
+              </a:solidFill>
+            </a:ln>
+          </p:spPr>
+          <p:style>
+            <a:lnRef idx="2">
+              <a:schemeClr val="accent1"/>
+            </a:lnRef>
+            <a:fillRef idx="0">
+              <a:schemeClr val="accent1"/>
+            </a:fillRef>
+            <a:effectRef idx="1">
+              <a:schemeClr val="accent1"/>
+            </a:effectRef>
+            <a:fontRef idx="minor">
+              <a:schemeClr val="tx1"/>
+            </a:fontRef>
+          </p:style>
+        </p:cxnSp>
+      </p:grpSp>
+      <p:sp>
+        <p:nvSpPr>
+          <p:cNvPr id="8" name="TextBox 7"/>
+          <p:cNvSpPr txBox="1"/>
+          <p:nvPr/>
+        </p:nvSpPr>
+        <p:spPr>
+          <a:xfrm>
+            <a:off x="3433270" y="3624421"/>
+            <a:ext cx="2286954" cy="369332"/>
+          </a:xfrm>
+          <a:prstGeom prst="rect">
+            <a:avLst/>
+          </a:prstGeom>
+          <a:noFill/>
+        </p:spPr>
+        <p:txBody>
+          <a:bodyPr wrap="square" rtlCol="0">
+            <a:spAutoFit/>
+          </a:bodyPr>
+          <a:lstStyle/>
+          <a:p>
+            <a:pPr algn="ctr"/>
+            <a:r>
+              <a:rPr lang="en-US" dirty="0"/>
+              <a:t>Greek NT Manuscripts</a:t>
+            </a:r>
+          </a:p>
+        </p:txBody>
+      </p:sp>
+      <p:sp>
+        <p:nvSpPr>
+          <p:cNvPr id="9" name="TextBox 8"/>
+          <p:cNvSpPr txBox="1"/>
+          <p:nvPr/>
+        </p:nvSpPr>
+        <p:spPr>
+          <a:xfrm>
+            <a:off x="3433270" y="2540106"/>
+            <a:ext cx="2286954" cy="1200329"/>
+          </a:xfrm>
+          <a:prstGeom prst="rect">
+            <a:avLst/>
+          </a:prstGeom>
+          <a:noFill/>
+        </p:spPr>
+        <p:txBody>
+          <a:bodyPr wrap="none" rtlCol="0">
+            <a:spAutoFit/>
+          </a:bodyPr>
+          <a:lstStyle/>
+          <a:p>
+            <a:pPr algn="ctr"/>
+            <a:r>
+              <a:rPr lang="en-US" sz="7200" dirty="0"/>
+              <a:t>6,000</a:t>
+            </a:r>
+          </a:p>
+        </p:txBody>
+      </p:sp>
+    </p:spTree>
+    <p:extLst>
+      <p:ext uri="{BB962C8B-B14F-4D97-AF65-F5344CB8AC3E}">
+        <p14:creationId xmlns:p14="http://schemas.microsoft.com/office/powerpoint/2010/main" val="711863038"/>
       </p:ext>
     </p:extLst>
   </p:cSld>
@@ -23186,225 +23301,6 @@
           <a:chExt cx="0" cy="0"/>
         </a:xfrm>
       </p:grpSpPr>
-      <p:grpSp>
-        <p:nvGrpSpPr>
-          <p:cNvPr id="2" name="Group 1"/>
-          <p:cNvGrpSpPr/>
-          <p:nvPr/>
-        </p:nvGrpSpPr>
-        <p:grpSpPr>
-          <a:xfrm>
-            <a:off x="1281361" y="1922244"/>
-            <a:ext cx="6669943" cy="2841251"/>
-            <a:chOff x="1281361" y="1922244"/>
-            <a:chExt cx="6669943" cy="2841251"/>
-          </a:xfrm>
-        </p:grpSpPr>
-        <p:sp>
-          <p:nvSpPr>
-            <p:cNvPr id="4" name="Rectangle 3"/>
-            <p:cNvSpPr/>
-            <p:nvPr/>
-          </p:nvSpPr>
-          <p:spPr>
-            <a:xfrm>
-              <a:off x="1281361" y="2048104"/>
-              <a:ext cx="6669943" cy="2597316"/>
-            </a:xfrm>
-            <a:prstGeom prst="rect">
-              <a:avLst/>
-            </a:prstGeom>
-            <a:solidFill>
-              <a:srgbClr val="222222"/>
-            </a:solidFill>
-            <a:ln>
-              <a:noFill/>
-            </a:ln>
-          </p:spPr>
-          <p:style>
-            <a:lnRef idx="1">
-              <a:schemeClr val="accent1"/>
-            </a:lnRef>
-            <a:fillRef idx="3">
-              <a:schemeClr val="accent1"/>
-            </a:fillRef>
-            <a:effectRef idx="2">
-              <a:schemeClr val="accent1"/>
-            </a:effectRef>
-            <a:fontRef idx="minor">
-              <a:schemeClr val="lt1"/>
-            </a:fontRef>
-          </p:style>
-          <p:txBody>
-            <a:bodyPr rtlCol="0" anchor="ctr"/>
-            <a:lstStyle/>
-            <a:p>
-              <a:pPr algn="ctr"/>
-              <a:endParaRPr lang="en-US" sz="5400" dirty="0"/>
-            </a:p>
-          </p:txBody>
-        </p:sp>
-        <p:cxnSp>
-          <p:nvCxnSpPr>
-            <p:cNvPr id="6" name="Straight Connector 5"/>
-            <p:cNvCxnSpPr/>
-            <p:nvPr/>
-          </p:nvCxnSpPr>
-          <p:spPr>
-            <a:xfrm>
-              <a:off x="1281361" y="1922244"/>
-              <a:ext cx="6669943" cy="0"/>
-            </a:xfrm>
-            <a:prstGeom prst="line">
-              <a:avLst/>
-            </a:prstGeom>
-            <a:ln w="53975">
-              <a:solidFill>
-                <a:srgbClr val="009EC0"/>
-              </a:solidFill>
-            </a:ln>
-          </p:spPr>
-          <p:style>
-            <a:lnRef idx="2">
-              <a:schemeClr val="accent1"/>
-            </a:lnRef>
-            <a:fillRef idx="0">
-              <a:schemeClr val="accent1"/>
-            </a:fillRef>
-            <a:effectRef idx="1">
-              <a:schemeClr val="accent1"/>
-            </a:effectRef>
-            <a:fontRef idx="minor">
-              <a:schemeClr val="tx1"/>
-            </a:fontRef>
-          </p:style>
-        </p:cxnSp>
-        <p:cxnSp>
-          <p:nvCxnSpPr>
-            <p:cNvPr id="7" name="Straight Connector 6"/>
-            <p:cNvCxnSpPr/>
-            <p:nvPr/>
-          </p:nvCxnSpPr>
-          <p:spPr>
-            <a:xfrm>
-              <a:off x="1281361" y="4763495"/>
-              <a:ext cx="6669943" cy="0"/>
-            </a:xfrm>
-            <a:prstGeom prst="line">
-              <a:avLst/>
-            </a:prstGeom>
-            <a:ln w="53975">
-              <a:solidFill>
-                <a:srgbClr val="009EC0"/>
-              </a:solidFill>
-            </a:ln>
-          </p:spPr>
-          <p:style>
-            <a:lnRef idx="2">
-              <a:schemeClr val="accent1"/>
-            </a:lnRef>
-            <a:fillRef idx="0">
-              <a:schemeClr val="accent1"/>
-            </a:fillRef>
-            <a:effectRef idx="1">
-              <a:schemeClr val="accent1"/>
-            </a:effectRef>
-            <a:fontRef idx="minor">
-              <a:schemeClr val="tx1"/>
-            </a:fontRef>
-          </p:style>
-        </p:cxnSp>
-      </p:grpSp>
-      <p:sp>
-        <p:nvSpPr>
-          <p:cNvPr id="8" name="TextBox 7"/>
-          <p:cNvSpPr txBox="1"/>
-          <p:nvPr/>
-        </p:nvSpPr>
-        <p:spPr>
-          <a:xfrm>
-            <a:off x="3433270" y="3624421"/>
-            <a:ext cx="2286954" cy="369332"/>
-          </a:xfrm>
-          <a:prstGeom prst="rect">
-            <a:avLst/>
-          </a:prstGeom>
-          <a:noFill/>
-        </p:spPr>
-        <p:txBody>
-          <a:bodyPr wrap="square" rtlCol="0">
-            <a:spAutoFit/>
-          </a:bodyPr>
-          <a:lstStyle/>
-          <a:p>
-            <a:pPr algn="ctr"/>
-            <a:r>
-              <a:rPr lang="en-US" dirty="0"/>
-              <a:t>Greek NT Manuscripts</a:t>
-            </a:r>
-          </a:p>
-        </p:txBody>
-      </p:sp>
-      <p:sp>
-        <p:nvSpPr>
-          <p:cNvPr id="9" name="TextBox 8"/>
-          <p:cNvSpPr txBox="1"/>
-          <p:nvPr/>
-        </p:nvSpPr>
-        <p:spPr>
-          <a:xfrm>
-            <a:off x="3433270" y="2540106"/>
-            <a:ext cx="2286954" cy="1200329"/>
-          </a:xfrm>
-          <a:prstGeom prst="rect">
-            <a:avLst/>
-          </a:prstGeom>
-          <a:noFill/>
-        </p:spPr>
-        <p:txBody>
-          <a:bodyPr wrap="none" rtlCol="0">
-            <a:spAutoFit/>
-          </a:bodyPr>
-          <a:lstStyle/>
-          <a:p>
-            <a:pPr algn="ctr"/>
-            <a:r>
-              <a:rPr lang="en-US" sz="7200" dirty="0"/>
-              <a:t>6,000</a:t>
-            </a:r>
-          </a:p>
-        </p:txBody>
-      </p:sp>
-    </p:spTree>
-    <p:extLst>
-      <p:ext uri="{BB962C8B-B14F-4D97-AF65-F5344CB8AC3E}">
-        <p14:creationId xmlns:p14="http://schemas.microsoft.com/office/powerpoint/2010/main" val="711863038"/>
-      </p:ext>
-    </p:extLst>
-  </p:cSld>
-  <p:clrMapOvr>
-    <a:masterClrMapping/>
-  </p:clrMapOvr>
-</p:sld>
-</file>
-
-<file path=ppt/slides/slide31.xml><?xml version="1.0" encoding="utf-8"?>
-<p:sld xmlns:a="http://schemas.openxmlformats.org/drawingml/2006/main" xmlns:r="http://schemas.openxmlformats.org/officeDocument/2006/relationships" xmlns:p="http://schemas.openxmlformats.org/presentationml/2006/main">
-  <p:cSld>
-    <p:spTree>
-      <p:nvGrpSpPr>
-        <p:cNvPr id="1" name=""/>
-        <p:cNvGrpSpPr/>
-        <p:nvPr/>
-      </p:nvGrpSpPr>
-      <p:grpSpPr>
-        <a:xfrm>
-          <a:off x="0" y="0"/>
-          <a:ext cx="0" cy="0"/>
-          <a:chOff x="0" y="0"/>
-          <a:chExt cx="0" cy="0"/>
-        </a:xfrm>
-      </p:grpSpPr>
       <p:sp>
         <p:nvSpPr>
           <p:cNvPr id="4" name="Rectangle 3"/>
@@ -23838,7 +23734,7 @@
 </p:sld>
 </file>
 
-<file path=ppt/slides/slide32.xml><?xml version="1.0" encoding="utf-8"?>
+<file path=ppt/slides/slide31.xml><?xml version="1.0" encoding="utf-8"?>
 <p:sld xmlns:a="http://schemas.openxmlformats.org/drawingml/2006/main" xmlns:r="http://schemas.openxmlformats.org/officeDocument/2006/relationships" xmlns:p="http://schemas.openxmlformats.org/presentationml/2006/main">
   <p:cSld>
     <p:spTree>
@@ -24465,7 +24361,7 @@
 </p:sld>
 </file>
 
-<file path=ppt/slides/slide33.xml><?xml version="1.0" encoding="utf-8"?>
+<file path=ppt/slides/slide32.xml><?xml version="1.0" encoding="utf-8"?>
 <p:sld xmlns:a="http://schemas.openxmlformats.org/drawingml/2006/main" xmlns:r="http://schemas.openxmlformats.org/officeDocument/2006/relationships" xmlns:p="http://schemas.openxmlformats.org/presentationml/2006/main">
   <p:cSld>
     <p:spTree>
@@ -25092,7 +24988,7 @@
 </p:sld>
 </file>
 
-<file path=ppt/slides/slide34.xml><?xml version="1.0" encoding="utf-8"?>
+<file path=ppt/slides/slide33.xml><?xml version="1.0" encoding="utf-8"?>
 <p:sld xmlns:a="http://schemas.openxmlformats.org/drawingml/2006/main" xmlns:r="http://schemas.openxmlformats.org/officeDocument/2006/relationships" xmlns:p="http://schemas.openxmlformats.org/presentationml/2006/main">
   <p:cSld>
     <p:spTree>
@@ -25546,7 +25442,7 @@
 </p:sld>
 </file>
 
-<file path=ppt/slides/slide35.xml><?xml version="1.0" encoding="utf-8"?>
+<file path=ppt/slides/slide34.xml><?xml version="1.0" encoding="utf-8"?>
 <p:sld xmlns:a="http://schemas.openxmlformats.org/drawingml/2006/main" xmlns:r="http://schemas.openxmlformats.org/officeDocument/2006/relationships" xmlns:p="http://schemas.openxmlformats.org/presentationml/2006/main">
   <p:cSld>
     <p:spTree>
@@ -26053,7 +25949,7 @@
 </p:sld>
 </file>
 
-<file path=ppt/slides/slide36.xml><?xml version="1.0" encoding="utf-8"?>
+<file path=ppt/slides/slide35.xml><?xml version="1.0" encoding="utf-8"?>
 <p:sld xmlns:a="http://schemas.openxmlformats.org/drawingml/2006/main" xmlns:r="http://schemas.openxmlformats.org/officeDocument/2006/relationships" xmlns:p="http://schemas.openxmlformats.org/presentationml/2006/main">
   <p:cSld>
     <p:spTree>
@@ -26736,7 +26632,7 @@
 </p:sld>
 </file>
 
-<file path=ppt/slides/slide37.xml><?xml version="1.0" encoding="utf-8"?>
+<file path=ppt/slides/slide36.xml><?xml version="1.0" encoding="utf-8"?>
 <p:sld xmlns:a="http://schemas.openxmlformats.org/drawingml/2006/main" xmlns:r="http://schemas.openxmlformats.org/officeDocument/2006/relationships" xmlns:p="http://schemas.openxmlformats.org/presentationml/2006/main">
   <p:cSld>
     <p:spTree>
@@ -27425,7 +27321,7 @@
 </p:sld>
 </file>
 
-<file path=ppt/slides/slide38.xml><?xml version="1.0" encoding="utf-8"?>
+<file path=ppt/slides/slide37.xml><?xml version="1.0" encoding="utf-8"?>
 <p:sld xmlns:a="http://schemas.openxmlformats.org/drawingml/2006/main" xmlns:r="http://schemas.openxmlformats.org/officeDocument/2006/relationships" xmlns:p="http://schemas.openxmlformats.org/presentationml/2006/main">
   <p:cSld>
     <p:spTree>

--- a/companion-website/public/files/Template.pptx
+++ b/companion-website/public/files/Template.pptx
@@ -5,7 +5,7 @@
     <p:sldMasterId id="2147483648" r:id="rId1"/>
   </p:sldMasterIdLst>
   <p:notesMasterIdLst>
-    <p:notesMasterId r:id="rId39"/>
+    <p:notesMasterId r:id="rId42"/>
   </p:notesMasterIdLst>
   <p:sldIdLst>
     <p:sldId id="275" r:id="rId2"/>
@@ -20,31 +20,34 @@
     <p:sldId id="450" r:id="rId11"/>
     <p:sldId id="259" r:id="rId12"/>
     <p:sldId id="435" r:id="rId13"/>
-    <p:sldId id="441" r:id="rId14"/>
-    <p:sldId id="442" r:id="rId15"/>
-    <p:sldId id="261" r:id="rId16"/>
-    <p:sldId id="262" r:id="rId17"/>
-    <p:sldId id="265" r:id="rId18"/>
-    <p:sldId id="263" r:id="rId19"/>
-    <p:sldId id="264" r:id="rId20"/>
-    <p:sldId id="447" r:id="rId21"/>
-    <p:sldId id="448" r:id="rId22"/>
-    <p:sldId id="455" r:id="rId23"/>
-    <p:sldId id="438" r:id="rId24"/>
-    <p:sldId id="439" r:id="rId25"/>
-    <p:sldId id="445" r:id="rId26"/>
-    <p:sldId id="267" r:id="rId27"/>
-    <p:sldId id="269" r:id="rId28"/>
-    <p:sldId id="270" r:id="rId29"/>
-    <p:sldId id="268" r:id="rId30"/>
-    <p:sldId id="446" r:id="rId31"/>
-    <p:sldId id="271" r:id="rId32"/>
-    <p:sldId id="444" r:id="rId33"/>
-    <p:sldId id="440" r:id="rId34"/>
-    <p:sldId id="451" r:id="rId35"/>
-    <p:sldId id="452" r:id="rId36"/>
-    <p:sldId id="453" r:id="rId37"/>
-    <p:sldId id="443" r:id="rId38"/>
+    <p:sldId id="457" r:id="rId14"/>
+    <p:sldId id="459" r:id="rId15"/>
+    <p:sldId id="441" r:id="rId16"/>
+    <p:sldId id="442" r:id="rId17"/>
+    <p:sldId id="261" r:id="rId18"/>
+    <p:sldId id="262" r:id="rId19"/>
+    <p:sldId id="265" r:id="rId20"/>
+    <p:sldId id="263" r:id="rId21"/>
+    <p:sldId id="264" r:id="rId22"/>
+    <p:sldId id="447" r:id="rId23"/>
+    <p:sldId id="448" r:id="rId24"/>
+    <p:sldId id="455" r:id="rId25"/>
+    <p:sldId id="458" r:id="rId26"/>
+    <p:sldId id="438" r:id="rId27"/>
+    <p:sldId id="439" r:id="rId28"/>
+    <p:sldId id="445" r:id="rId29"/>
+    <p:sldId id="267" r:id="rId30"/>
+    <p:sldId id="269" r:id="rId31"/>
+    <p:sldId id="270" r:id="rId32"/>
+    <p:sldId id="268" r:id="rId33"/>
+    <p:sldId id="446" r:id="rId34"/>
+    <p:sldId id="271" r:id="rId35"/>
+    <p:sldId id="444" r:id="rId36"/>
+    <p:sldId id="440" r:id="rId37"/>
+    <p:sldId id="451" r:id="rId38"/>
+    <p:sldId id="452" r:id="rId39"/>
+    <p:sldId id="453" r:id="rId40"/>
+    <p:sldId id="443" r:id="rId41"/>
   </p:sldIdLst>
   <p:sldSz cx="9144000" cy="6858000" type="screen4x3"/>
   <p:notesSz cx="6858000" cy="9144000"/>
@@ -4332,7 +4335,7 @@
           <a:p>
             <a:fld id="{0A2C3B37-55FA-284F-9E83-751B4EA6E9B4}" type="slidenum">
               <a:rPr lang="en-US" smtClean="0"/>
-              <a:t>21</a:t>
+              <a:t>23</a:t>
             </a:fld>
             <a:endParaRPr lang="en-US"/>
           </a:p>
@@ -4416,7 +4419,7 @@
           <a:p>
             <a:fld id="{0A2C3B37-55FA-284F-9E83-751B4EA6E9B4}" type="slidenum">
               <a:rPr lang="en-US" smtClean="0"/>
-              <a:t>22</a:t>
+              <a:t>24</a:t>
             </a:fld>
             <a:endParaRPr lang="en-US"/>
           </a:p>
@@ -4769,7 +4772,7 @@
           <a:p>
             <a:fld id="{0A2C3B37-55FA-284F-9E83-751B4EA6E9B4}" type="slidenum">
               <a:rPr lang="en-US" smtClean="0"/>
-              <a:t>16</a:t>
+              <a:t>18</a:t>
             </a:fld>
             <a:endParaRPr lang="en-US"/>
           </a:p>
@@ -4870,7 +4873,7 @@
           <a:p>
             <a:fld id="{0A2C3B37-55FA-284F-9E83-751B4EA6E9B4}" type="slidenum">
               <a:rPr lang="en-US" smtClean="0"/>
-              <a:t>17</a:t>
+              <a:t>19</a:t>
             </a:fld>
             <a:endParaRPr lang="en-US"/>
           </a:p>
@@ -4958,7 +4961,7 @@
           <a:p>
             <a:fld id="{0A2C3B37-55FA-284F-9E83-751B4EA6E9B4}" type="slidenum">
               <a:rPr lang="en-US" smtClean="0"/>
-              <a:t>18</a:t>
+              <a:t>20</a:t>
             </a:fld>
             <a:endParaRPr lang="en-US"/>
           </a:p>
@@ -5042,7 +5045,7 @@
           <a:p>
             <a:fld id="{0A2C3B37-55FA-284F-9E83-751B4EA6E9B4}" type="slidenum">
               <a:rPr lang="en-US" smtClean="0"/>
-              <a:t>19</a:t>
+              <a:t>21</a:t>
             </a:fld>
             <a:endParaRPr lang="en-US"/>
           </a:p>
@@ -5126,7 +5129,7 @@
           <a:p>
             <a:fld id="{0A2C3B37-55FA-284F-9E83-751B4EA6E9B4}" type="slidenum">
               <a:rPr lang="en-US" smtClean="0"/>
-              <a:t>20</a:t>
+              <a:t>22</a:t>
             </a:fld>
             <a:endParaRPr lang="en-US"/>
           </a:p>
@@ -10620,6 +10623,1763 @@
       </p:grpSpPr>
       <p:graphicFrame>
         <p:nvGraphicFramePr>
+          <p:cNvPr id="5" name="Table 4">
+            <a:extLst>
+              <a:ext uri="{FF2B5EF4-FFF2-40B4-BE49-F238E27FC236}">
+                <a16:creationId xmlns:a16="http://schemas.microsoft.com/office/drawing/2014/main" id="{589C607E-23F7-1D43-B569-801CED367AB1}"/>
+              </a:ext>
+            </a:extLst>
+          </p:cNvPr>
+          <p:cNvGraphicFramePr>
+            <a:graphicFrameLocks noGrp="1"/>
+          </p:cNvGraphicFramePr>
+          <p:nvPr/>
+        </p:nvGraphicFramePr>
+        <p:xfrm>
+          <a:off x="114300" y="533400"/>
+          <a:ext cx="8915400" cy="4495802"/>
+        </p:xfrm>
+        <a:graphic>
+          <a:graphicData uri="http://schemas.openxmlformats.org/drawingml/2006/table">
+            <a:tbl>
+              <a:tblPr firstRow="1" bandRow="1">
+                <a:tableStyleId>{2D5ABB26-0587-4C30-8999-92F81FD0307C}</a:tableStyleId>
+              </a:tblPr>
+              <a:tblGrid>
+                <a:gridCol w="3352800">
+                  <a:extLst>
+                    <a:ext uri="{9D8B030D-6E8A-4147-A177-3AD203B41FA5}">
+                      <a16:colId xmlns:a16="http://schemas.microsoft.com/office/drawing/2014/main" val="3623029985"/>
+                    </a:ext>
+                  </a:extLst>
+                </a:gridCol>
+                <a:gridCol w="5562600">
+                  <a:extLst>
+                    <a:ext uri="{9D8B030D-6E8A-4147-A177-3AD203B41FA5}">
+                      <a16:colId xmlns:a16="http://schemas.microsoft.com/office/drawing/2014/main" val="4294323797"/>
+                    </a:ext>
+                  </a:extLst>
+                </a:gridCol>
+              </a:tblGrid>
+              <a:tr h="826506">
+                <a:tc>
+                  <a:txBody>
+                    <a:bodyPr/>
+                    <a:lstStyle/>
+                    <a:p>
+                      <a:pPr algn="r" rtl="0" fontAlgn="t">
+                        <a:spcBef>
+                          <a:spcPts val="0"/>
+                        </a:spcBef>
+                        <a:spcAft>
+                          <a:spcPts val="0"/>
+                        </a:spcAft>
+                      </a:pPr>
+                      <a:r>
+                        <a:rPr lang="en-US" sz="4000" b="1" dirty="0">
+                          <a:solidFill>
+                            <a:srgbClr val="009EC0"/>
+                          </a:solidFill>
+                          <a:effectLst/>
+                          <a:latin typeface="+mj-lt"/>
+                        </a:rPr>
+                        <a:t>Athenians</a:t>
+                      </a:r>
+                    </a:p>
+                  </a:txBody>
+                  <a:tcPr marL="182880" marR="182880" marT="63500" marB="63500" anchor="b">
+                    <a:lnR w="3175" cap="flat" cmpd="sng" algn="ctr">
+                      <a:solidFill>
+                        <a:schemeClr val="tx1">
+                          <a:lumMod val="65000"/>
+                        </a:schemeClr>
+                      </a:solidFill>
+                      <a:prstDash val="solid"/>
+                      <a:round/>
+                      <a:headEnd type="none" w="med" len="med"/>
+                      <a:tailEnd type="none" w="med" len="med"/>
+                    </a:lnR>
+                  </a:tcPr>
+                </a:tc>
+                <a:tc>
+                  <a:txBody>
+                    <a:bodyPr/>
+                    <a:lstStyle/>
+                    <a:p>
+                      <a:pPr rtl="0" fontAlgn="t">
+                        <a:spcBef>
+                          <a:spcPts val="0"/>
+                        </a:spcBef>
+                        <a:spcAft>
+                          <a:spcPts val="0"/>
+                        </a:spcAft>
+                      </a:pPr>
+                      <a:r>
+                        <a:rPr lang="en-US" sz="4000" b="1" dirty="0">
+                          <a:solidFill>
+                            <a:schemeClr val="tx1"/>
+                          </a:solidFill>
+                          <a:effectLst/>
+                          <a:latin typeface="+mj-lt"/>
+                        </a:rPr>
+                        <a:t>Paul</a:t>
+                      </a:r>
+                    </a:p>
+                  </a:txBody>
+                  <a:tcPr marL="182880" marR="182880" marT="63500" marB="63500" anchor="b">
+                    <a:lnL w="3175" cap="flat" cmpd="sng" algn="ctr">
+                      <a:solidFill>
+                        <a:schemeClr val="tx1">
+                          <a:lumMod val="65000"/>
+                        </a:schemeClr>
+                      </a:solidFill>
+                      <a:prstDash val="solid"/>
+                      <a:round/>
+                      <a:headEnd type="none" w="med" len="med"/>
+                      <a:tailEnd type="none" w="med" len="med"/>
+                    </a:lnL>
+                  </a:tcPr>
+                </a:tc>
+                <a:extLst>
+                  <a:ext uri="{0D108BD9-81ED-4DB2-BD59-A6C34878D82A}">
+                    <a16:rowId xmlns:a16="http://schemas.microsoft.com/office/drawing/2014/main" val="1136906228"/>
+                  </a:ext>
+                </a:extLst>
+              </a:tr>
+              <a:tr h="826506">
+                <a:tc>
+                  <a:txBody>
+                    <a:bodyPr/>
+                    <a:lstStyle/>
+                    <a:p>
+                      <a:pPr algn="r" rtl="0" fontAlgn="t">
+                        <a:spcBef>
+                          <a:spcPts val="0"/>
+                        </a:spcBef>
+                        <a:spcAft>
+                          <a:spcPts val="0"/>
+                        </a:spcAft>
+                      </a:pPr>
+                      <a:r>
+                        <a:rPr lang="en-US" sz="2400" b="0" i="0" u="none" strike="noStrike" dirty="0">
+                          <a:solidFill>
+                            <a:srgbClr val="009EC0"/>
+                          </a:solidFill>
+                          <a:effectLst/>
+                          <a:latin typeface="+mj-lt"/>
+                        </a:rPr>
+                        <a:t>A special day</a:t>
+                      </a:r>
+                      <a:endParaRPr lang="en-US" sz="2400" b="0" dirty="0">
+                        <a:solidFill>
+                          <a:srgbClr val="009EC0"/>
+                        </a:solidFill>
+                        <a:effectLst/>
+                        <a:latin typeface="+mj-lt"/>
+                      </a:endParaRPr>
+                    </a:p>
+                  </a:txBody>
+                  <a:tcPr marL="182880" marR="182880" marT="63500" marB="63500">
+                    <a:lnR w="3175" cap="flat" cmpd="sng" algn="ctr">
+                      <a:solidFill>
+                        <a:schemeClr val="tx1">
+                          <a:lumMod val="65000"/>
+                        </a:schemeClr>
+                      </a:solidFill>
+                      <a:prstDash val="solid"/>
+                      <a:round/>
+                      <a:headEnd type="none" w="med" len="med"/>
+                      <a:tailEnd type="none" w="med" len="med"/>
+                    </a:lnR>
+                  </a:tcPr>
+                </a:tc>
+                <a:tc>
+                  <a:txBody>
+                    <a:bodyPr/>
+                    <a:lstStyle/>
+                    <a:p>
+                      <a:pPr rtl="0" fontAlgn="t">
+                        <a:spcBef>
+                          <a:spcPts val="0"/>
+                        </a:spcBef>
+                        <a:spcAft>
+                          <a:spcPts val="0"/>
+                        </a:spcAft>
+                      </a:pPr>
+                      <a:r>
+                        <a:rPr lang="en-US" sz="2400" b="0" i="0" u="none" strike="noStrike" dirty="0">
+                          <a:solidFill>
+                            <a:schemeClr val="tx1"/>
+                          </a:solidFill>
+                          <a:effectLst/>
+                          <a:latin typeface="+mj-lt"/>
+                        </a:rPr>
+                        <a:t>Mankind’s seasons are set by God (17:25)</a:t>
+                      </a:r>
+                      <a:endParaRPr lang="en-US" sz="2400" dirty="0">
+                        <a:solidFill>
+                          <a:schemeClr val="tx1"/>
+                        </a:solidFill>
+                        <a:effectLst/>
+                        <a:latin typeface="+mj-lt"/>
+                      </a:endParaRPr>
+                    </a:p>
+                  </a:txBody>
+                  <a:tcPr marL="182880" marR="182880" marT="63500" marB="63500">
+                    <a:lnL w="3175" cap="flat" cmpd="sng" algn="ctr">
+                      <a:solidFill>
+                        <a:schemeClr val="tx1">
+                          <a:lumMod val="65000"/>
+                        </a:schemeClr>
+                      </a:solidFill>
+                      <a:prstDash val="solid"/>
+                      <a:round/>
+                      <a:headEnd type="none" w="med" len="med"/>
+                      <a:tailEnd type="none" w="med" len="med"/>
+                    </a:lnL>
+                  </a:tcPr>
+                </a:tc>
+                <a:extLst>
+                  <a:ext uri="{0D108BD9-81ED-4DB2-BD59-A6C34878D82A}">
+                    <a16:rowId xmlns:a16="http://schemas.microsoft.com/office/drawing/2014/main" val="3592000535"/>
+                  </a:ext>
+                </a:extLst>
+              </a:tr>
+              <a:tr h="834461">
+                <a:tc>
+                  <a:txBody>
+                    <a:bodyPr/>
+                    <a:lstStyle/>
+                    <a:p>
+                      <a:pPr algn="r" rtl="0" fontAlgn="t">
+                        <a:spcBef>
+                          <a:spcPts val="0"/>
+                        </a:spcBef>
+                        <a:spcAft>
+                          <a:spcPts val="0"/>
+                        </a:spcAft>
+                      </a:pPr>
+                      <a:r>
+                        <a:rPr lang="en-US" sz="2400" b="0" i="0" u="none" strike="noStrike" dirty="0">
+                          <a:solidFill>
+                            <a:srgbClr val="009EC0"/>
+                          </a:solidFill>
+                          <a:effectLst/>
+                          <a:latin typeface="+mj-lt"/>
+                        </a:rPr>
+                        <a:t>Temple</a:t>
+                      </a:r>
+                      <a:endParaRPr lang="en-US" sz="2400" b="0" dirty="0">
+                        <a:solidFill>
+                          <a:srgbClr val="009EC0"/>
+                        </a:solidFill>
+                        <a:effectLst/>
+                        <a:latin typeface="+mj-lt"/>
+                      </a:endParaRPr>
+                    </a:p>
+                  </a:txBody>
+                  <a:tcPr marL="182880" marR="182880" marT="63500" marB="63500">
+                    <a:lnR w="3175" cap="flat" cmpd="sng" algn="ctr">
+                      <a:solidFill>
+                        <a:schemeClr val="tx1">
+                          <a:lumMod val="65000"/>
+                        </a:schemeClr>
+                      </a:solidFill>
+                      <a:prstDash val="solid"/>
+                      <a:round/>
+                      <a:headEnd type="none" w="med" len="med"/>
+                      <a:tailEnd type="none" w="med" len="med"/>
+                    </a:lnR>
+                  </a:tcPr>
+                </a:tc>
+                <a:tc>
+                  <a:txBody>
+                    <a:bodyPr/>
+                    <a:lstStyle/>
+                    <a:p>
+                      <a:pPr rtl="0" fontAlgn="t">
+                        <a:spcBef>
+                          <a:spcPts val="0"/>
+                        </a:spcBef>
+                        <a:spcAft>
+                          <a:spcPts val="0"/>
+                        </a:spcAft>
+                      </a:pPr>
+                      <a:r>
+                        <a:rPr lang="en-US" sz="2400" b="0" i="0" u="none" strike="noStrike" dirty="0">
+                          <a:solidFill>
+                            <a:schemeClr val="tx1"/>
+                          </a:solidFill>
+                          <a:effectLst/>
+                          <a:latin typeface="+mj-lt"/>
+                        </a:rPr>
+                        <a:t>You dwell in him (17:28)</a:t>
+                      </a:r>
+                      <a:endParaRPr lang="en-US" sz="2400" dirty="0">
+                        <a:solidFill>
+                          <a:schemeClr val="tx1"/>
+                        </a:solidFill>
+                        <a:effectLst/>
+                        <a:latin typeface="+mj-lt"/>
+                      </a:endParaRPr>
+                    </a:p>
+                  </a:txBody>
+                  <a:tcPr marL="182880" marR="182880" marT="63500" marB="63500">
+                    <a:lnL w="3175" cap="flat" cmpd="sng" algn="ctr">
+                      <a:solidFill>
+                        <a:schemeClr val="tx1">
+                          <a:lumMod val="65000"/>
+                        </a:schemeClr>
+                      </a:solidFill>
+                      <a:prstDash val="solid"/>
+                      <a:round/>
+                      <a:headEnd type="none" w="med" len="med"/>
+                      <a:tailEnd type="none" w="med" len="med"/>
+                    </a:lnL>
+                  </a:tcPr>
+                </a:tc>
+                <a:extLst>
+                  <a:ext uri="{0D108BD9-81ED-4DB2-BD59-A6C34878D82A}">
+                    <a16:rowId xmlns:a16="http://schemas.microsoft.com/office/drawing/2014/main" val="2330484482"/>
+                  </a:ext>
+                </a:extLst>
+              </a:tr>
+              <a:tr h="1130798">
+                <a:tc>
+                  <a:txBody>
+                    <a:bodyPr/>
+                    <a:lstStyle/>
+                    <a:p>
+                      <a:pPr algn="r" rtl="0" fontAlgn="t">
+                        <a:spcBef>
+                          <a:spcPts val="0"/>
+                        </a:spcBef>
+                        <a:spcAft>
+                          <a:spcPts val="0"/>
+                        </a:spcAft>
+                      </a:pPr>
+                      <a:r>
+                        <a:rPr lang="en-US" sz="2400" b="0" i="0" u="none" strike="noStrike" dirty="0">
+                          <a:solidFill>
+                            <a:srgbClr val="009EC0"/>
+                          </a:solidFill>
+                          <a:effectLst/>
+                          <a:latin typeface="+mj-lt"/>
+                        </a:rPr>
+                        <a:t>Introducing a new God </a:t>
+                      </a:r>
+                      <a:endParaRPr lang="en-US" sz="2400" b="0" dirty="0">
+                        <a:solidFill>
+                          <a:srgbClr val="009EC0"/>
+                        </a:solidFill>
+                        <a:effectLst/>
+                        <a:latin typeface="+mj-lt"/>
+                      </a:endParaRPr>
+                    </a:p>
+                  </a:txBody>
+                  <a:tcPr marL="182880" marR="182880" marT="63500" marB="63500">
+                    <a:lnR w="3175" cap="flat" cmpd="sng" algn="ctr">
+                      <a:solidFill>
+                        <a:schemeClr val="tx1">
+                          <a:lumMod val="65000"/>
+                        </a:schemeClr>
+                      </a:solidFill>
+                      <a:prstDash val="solid"/>
+                      <a:round/>
+                      <a:headEnd type="none" w="med" len="med"/>
+                      <a:tailEnd type="none" w="med" len="med"/>
+                    </a:lnR>
+                  </a:tcPr>
+                </a:tc>
+                <a:tc>
+                  <a:txBody>
+                    <a:bodyPr/>
+                    <a:lstStyle/>
+                    <a:p>
+                      <a:pPr rtl="0" fontAlgn="t">
+                        <a:spcBef>
+                          <a:spcPts val="0"/>
+                        </a:spcBef>
+                        <a:spcAft>
+                          <a:spcPts val="0"/>
+                        </a:spcAft>
+                      </a:pPr>
+                      <a:r>
+                        <a:rPr lang="en-US" sz="2400" b="0" i="0" u="none" strike="noStrike" dirty="0">
+                          <a:solidFill>
+                            <a:schemeClr val="tx1"/>
+                          </a:solidFill>
+                          <a:effectLst/>
+                          <a:latin typeface="+mj-lt"/>
+                        </a:rPr>
+                        <a:t>Not a new God, and you need to be introduced to him (17:30)</a:t>
+                      </a:r>
+                      <a:endParaRPr lang="en-US" sz="2400" dirty="0">
+                        <a:solidFill>
+                          <a:schemeClr val="tx1"/>
+                        </a:solidFill>
+                        <a:effectLst/>
+                        <a:latin typeface="+mj-lt"/>
+                      </a:endParaRPr>
+                    </a:p>
+                  </a:txBody>
+                  <a:tcPr marL="182880" marR="182880" marT="63500" marB="63500">
+                    <a:lnL w="3175" cap="flat" cmpd="sng" algn="ctr">
+                      <a:solidFill>
+                        <a:schemeClr val="tx1">
+                          <a:lumMod val="65000"/>
+                        </a:schemeClr>
+                      </a:solidFill>
+                      <a:prstDash val="solid"/>
+                      <a:round/>
+                      <a:headEnd type="none" w="med" len="med"/>
+                      <a:tailEnd type="none" w="med" len="med"/>
+                    </a:lnL>
+                  </a:tcPr>
+                </a:tc>
+                <a:extLst>
+                  <a:ext uri="{0D108BD9-81ED-4DB2-BD59-A6C34878D82A}">
+                    <a16:rowId xmlns:a16="http://schemas.microsoft.com/office/drawing/2014/main" val="1564031315"/>
+                  </a:ext>
+                </a:extLst>
+              </a:tr>
+              <a:tr h="877531">
+                <a:tc>
+                  <a:txBody>
+                    <a:bodyPr/>
+                    <a:lstStyle/>
+                    <a:p>
+                      <a:pPr algn="r" rtl="0" fontAlgn="t">
+                        <a:spcBef>
+                          <a:spcPts val="0"/>
+                        </a:spcBef>
+                        <a:spcAft>
+                          <a:spcPts val="0"/>
+                        </a:spcAft>
+                      </a:pPr>
+                      <a:r>
+                        <a:rPr lang="en-US" sz="2400" b="0" dirty="0">
+                          <a:solidFill>
+                            <a:srgbClr val="009EC0"/>
+                          </a:solidFill>
+                          <a:effectLst/>
+                          <a:latin typeface="+mj-lt"/>
+                        </a:rPr>
+                        <a:t>They are the judge</a:t>
+                      </a:r>
+                    </a:p>
+                  </a:txBody>
+                  <a:tcPr marL="182880" marR="182880" marT="63500" marB="63500">
+                    <a:lnR w="3175" cap="flat" cmpd="sng" algn="ctr">
+                      <a:solidFill>
+                        <a:schemeClr val="tx1">
+                          <a:lumMod val="65000"/>
+                        </a:schemeClr>
+                      </a:solidFill>
+                      <a:prstDash val="solid"/>
+                      <a:round/>
+                      <a:headEnd type="none" w="med" len="med"/>
+                      <a:tailEnd type="none" w="med" len="med"/>
+                    </a:lnR>
+                  </a:tcPr>
+                </a:tc>
+                <a:tc>
+                  <a:txBody>
+                    <a:bodyPr/>
+                    <a:lstStyle/>
+                    <a:p>
+                      <a:pPr rtl="0" fontAlgn="t">
+                        <a:spcBef>
+                          <a:spcPts val="0"/>
+                        </a:spcBef>
+                        <a:spcAft>
+                          <a:spcPts val="0"/>
+                        </a:spcAft>
+                      </a:pPr>
+                      <a:r>
+                        <a:rPr lang="en-US" sz="2400" dirty="0">
+                          <a:solidFill>
+                            <a:schemeClr val="tx1"/>
+                          </a:solidFill>
+                          <a:effectLst/>
+                          <a:latin typeface="+mj-lt"/>
+                        </a:rPr>
+                        <a:t>God judges you (17:31)</a:t>
+                      </a:r>
+                    </a:p>
+                  </a:txBody>
+                  <a:tcPr marL="182880" marR="182880" marT="63500" marB="63500">
+                    <a:lnL w="3175" cap="flat" cmpd="sng" algn="ctr">
+                      <a:solidFill>
+                        <a:schemeClr val="tx1">
+                          <a:lumMod val="65000"/>
+                        </a:schemeClr>
+                      </a:solidFill>
+                      <a:prstDash val="solid"/>
+                      <a:round/>
+                      <a:headEnd type="none" w="med" len="med"/>
+                      <a:tailEnd type="none" w="med" len="med"/>
+                    </a:lnL>
+                  </a:tcPr>
+                </a:tc>
+                <a:extLst>
+                  <a:ext uri="{0D108BD9-81ED-4DB2-BD59-A6C34878D82A}">
+                    <a16:rowId xmlns:a16="http://schemas.microsoft.com/office/drawing/2014/main" val="3045623234"/>
+                  </a:ext>
+                </a:extLst>
+              </a:tr>
+            </a:tbl>
+          </a:graphicData>
+        </a:graphic>
+      </p:graphicFrame>
+    </p:spTree>
+    <p:extLst>
+      <p:ext uri="{BB962C8B-B14F-4D97-AF65-F5344CB8AC3E}">
+        <p14:creationId xmlns:p14="http://schemas.microsoft.com/office/powerpoint/2010/main" val="1680036955"/>
+      </p:ext>
+    </p:extLst>
+  </p:cSld>
+  <p:clrMapOvr>
+    <a:masterClrMapping/>
+  </p:clrMapOvr>
+</p:sld>
+</file>
+
+<file path=ppt/slides/slide14.xml><?xml version="1.0" encoding="utf-8"?>
+<p:sld xmlns:a="http://schemas.openxmlformats.org/drawingml/2006/main" xmlns:r="http://schemas.openxmlformats.org/officeDocument/2006/relationships" xmlns:p="http://schemas.openxmlformats.org/presentationml/2006/main">
+  <p:cSld>
+    <p:spTree>
+      <p:nvGrpSpPr>
+        <p:cNvPr id="1" name=""/>
+        <p:cNvGrpSpPr/>
+        <p:nvPr/>
+      </p:nvGrpSpPr>
+      <p:grpSpPr>
+        <a:xfrm>
+          <a:off x="0" y="0"/>
+          <a:ext cx="0" cy="0"/>
+          <a:chOff x="0" y="0"/>
+          <a:chExt cx="0" cy="0"/>
+        </a:xfrm>
+      </p:grpSpPr>
+      <p:graphicFrame>
+        <p:nvGraphicFramePr>
+          <p:cNvPr id="5" name="Table 4">
+            <a:extLst>
+              <a:ext uri="{FF2B5EF4-FFF2-40B4-BE49-F238E27FC236}">
+                <a16:creationId xmlns:a16="http://schemas.microsoft.com/office/drawing/2014/main" id="{589C607E-23F7-1D43-B569-801CED367AB1}"/>
+              </a:ext>
+            </a:extLst>
+          </p:cNvPr>
+          <p:cNvGraphicFramePr>
+            <a:graphicFrameLocks noGrp="1"/>
+          </p:cNvGraphicFramePr>
+          <p:nvPr>
+            <p:extLst>
+              <p:ext uri="{D42A27DB-BD31-4B8C-83A1-F6EECF244321}">
+                <p14:modId xmlns:p14="http://schemas.microsoft.com/office/powerpoint/2010/main" val="2356147537"/>
+              </p:ext>
+            </p:extLst>
+          </p:nvPr>
+        </p:nvGraphicFramePr>
+        <p:xfrm>
+          <a:off x="114300" y="533400"/>
+          <a:ext cx="8915401" cy="3403315"/>
+        </p:xfrm>
+        <a:graphic>
+          <a:graphicData uri="http://schemas.openxmlformats.org/drawingml/2006/table">
+            <a:tbl>
+              <a:tblPr firstRow="1" bandRow="1">
+                <a:tableStyleId>{2D5ABB26-0587-4C30-8999-92F81FD0307C}</a:tableStyleId>
+              </a:tblPr>
+              <a:tblGrid>
+                <a:gridCol w="1491550">
+                  <a:extLst>
+                    <a:ext uri="{9D8B030D-6E8A-4147-A177-3AD203B41FA5}">
+                      <a16:colId xmlns:a16="http://schemas.microsoft.com/office/drawing/2014/main" val="3623029985"/>
+                    </a:ext>
+                  </a:extLst>
+                </a:gridCol>
+                <a:gridCol w="2474617">
+                  <a:extLst>
+                    <a:ext uri="{9D8B030D-6E8A-4147-A177-3AD203B41FA5}">
+                      <a16:colId xmlns:a16="http://schemas.microsoft.com/office/drawing/2014/main" val="4294323797"/>
+                    </a:ext>
+                  </a:extLst>
+                </a:gridCol>
+                <a:gridCol w="2474617">
+                  <a:extLst>
+                    <a:ext uri="{9D8B030D-6E8A-4147-A177-3AD203B41FA5}">
+                      <a16:colId xmlns:a16="http://schemas.microsoft.com/office/drawing/2014/main" val="2677670734"/>
+                    </a:ext>
+                  </a:extLst>
+                </a:gridCol>
+                <a:gridCol w="2474617">
+                  <a:extLst>
+                    <a:ext uri="{9D8B030D-6E8A-4147-A177-3AD203B41FA5}">
+                      <a16:colId xmlns:a16="http://schemas.microsoft.com/office/drawing/2014/main" val="1438708331"/>
+                    </a:ext>
+                  </a:extLst>
+                </a:gridCol>
+              </a:tblGrid>
+              <a:tr h="826506">
+                <a:tc>
+                  <a:txBody>
+                    <a:bodyPr/>
+                    <a:lstStyle/>
+                    <a:p>
+                      <a:pPr marL="0" algn="l" defTabSz="914400" rtl="0" eaLnBrk="1" fontAlgn="t" latinLnBrk="0" hangingPunct="1">
+                        <a:spcBef>
+                          <a:spcPts val="0"/>
+                        </a:spcBef>
+                        <a:spcAft>
+                          <a:spcPts val="0"/>
+                        </a:spcAft>
+                      </a:pPr>
+                      <a:endParaRPr lang="en-US" sz="4000" b="1" dirty="0">
+                        <a:solidFill>
+                          <a:srgbClr val="009EC0"/>
+                        </a:solidFill>
+                        <a:effectLst/>
+                        <a:latin typeface="+mj-lt"/>
+                      </a:endParaRPr>
+                    </a:p>
+                  </a:txBody>
+                  <a:tcPr marL="182880" marR="182880" marT="63500" marB="63500" anchor="b">
+                    <a:lnR w="3175" cap="flat" cmpd="sng" algn="ctr">
+                      <a:solidFill>
+                        <a:schemeClr val="tx1">
+                          <a:lumMod val="65000"/>
+                        </a:schemeClr>
+                      </a:solidFill>
+                      <a:prstDash val="solid"/>
+                      <a:round/>
+                      <a:headEnd type="none" w="med" len="med"/>
+                      <a:tailEnd type="none" w="med" len="med"/>
+                    </a:lnR>
+                  </a:tcPr>
+                </a:tc>
+                <a:tc>
+                  <a:txBody>
+                    <a:bodyPr/>
+                    <a:lstStyle/>
+                    <a:p>
+                      <a:pPr rtl="0" fontAlgn="t">
+                        <a:spcBef>
+                          <a:spcPts val="0"/>
+                        </a:spcBef>
+                        <a:spcAft>
+                          <a:spcPts val="0"/>
+                        </a:spcAft>
+                      </a:pPr>
+                      <a:endParaRPr lang="en-US" sz="4000" b="1" dirty="0">
+                        <a:solidFill>
+                          <a:schemeClr val="tx1"/>
+                        </a:solidFill>
+                        <a:effectLst/>
+                        <a:latin typeface="+mj-lt"/>
+                      </a:endParaRPr>
+                    </a:p>
+                  </a:txBody>
+                  <a:tcPr marL="182880" marR="182880" marT="63500" marB="63500" anchor="b">
+                    <a:lnL w="3175" cap="flat" cmpd="sng" algn="ctr">
+                      <a:solidFill>
+                        <a:schemeClr val="tx1">
+                          <a:lumMod val="65000"/>
+                        </a:schemeClr>
+                      </a:solidFill>
+                      <a:prstDash val="solid"/>
+                      <a:round/>
+                      <a:headEnd type="none" w="med" len="med"/>
+                      <a:tailEnd type="none" w="med" len="med"/>
+                    </a:lnL>
+                    <a:lnR w="3175" cap="flat" cmpd="sng" algn="ctr">
+                      <a:solidFill>
+                        <a:schemeClr val="tx1">
+                          <a:lumMod val="65000"/>
+                        </a:schemeClr>
+                      </a:solidFill>
+                      <a:prstDash val="solid"/>
+                      <a:round/>
+                      <a:headEnd type="none" w="med" len="med"/>
+                      <a:tailEnd type="none" w="med" len="med"/>
+                    </a:lnR>
+                  </a:tcPr>
+                </a:tc>
+                <a:tc>
+                  <a:txBody>
+                    <a:bodyPr/>
+                    <a:lstStyle/>
+                    <a:p>
+                      <a:pPr rtl="0" fontAlgn="t">
+                        <a:spcBef>
+                          <a:spcPts val="0"/>
+                        </a:spcBef>
+                        <a:spcAft>
+                          <a:spcPts val="0"/>
+                        </a:spcAft>
+                      </a:pPr>
+                      <a:endParaRPr lang="en-US" sz="4000" b="1" dirty="0">
+                        <a:solidFill>
+                          <a:schemeClr val="tx1"/>
+                        </a:solidFill>
+                        <a:effectLst/>
+                        <a:latin typeface="+mj-lt"/>
+                      </a:endParaRPr>
+                    </a:p>
+                  </a:txBody>
+                  <a:tcPr marL="182880" marR="182880" marT="63500" marB="63500" anchor="b">
+                    <a:lnL w="3175" cap="flat" cmpd="sng" algn="ctr">
+                      <a:solidFill>
+                        <a:schemeClr val="tx1">
+                          <a:lumMod val="65000"/>
+                        </a:schemeClr>
+                      </a:solidFill>
+                      <a:prstDash val="solid"/>
+                      <a:round/>
+                      <a:headEnd type="none" w="med" len="med"/>
+                      <a:tailEnd type="none" w="med" len="med"/>
+                    </a:lnL>
+                    <a:lnR w="3175" cap="flat" cmpd="sng" algn="ctr">
+                      <a:solidFill>
+                        <a:schemeClr val="tx1">
+                          <a:lumMod val="65000"/>
+                        </a:schemeClr>
+                      </a:solidFill>
+                      <a:prstDash val="solid"/>
+                      <a:round/>
+                      <a:headEnd type="none" w="med" len="med"/>
+                      <a:tailEnd type="none" w="med" len="med"/>
+                    </a:lnR>
+                  </a:tcPr>
+                </a:tc>
+                <a:tc>
+                  <a:txBody>
+                    <a:bodyPr/>
+                    <a:lstStyle/>
+                    <a:p>
+                      <a:pPr rtl="0" fontAlgn="t">
+                        <a:spcBef>
+                          <a:spcPts val="0"/>
+                        </a:spcBef>
+                        <a:spcAft>
+                          <a:spcPts val="0"/>
+                        </a:spcAft>
+                      </a:pPr>
+                      <a:endParaRPr lang="en-US" sz="4000" b="1" dirty="0">
+                        <a:solidFill>
+                          <a:schemeClr val="tx1"/>
+                        </a:solidFill>
+                        <a:effectLst/>
+                        <a:latin typeface="+mj-lt"/>
+                      </a:endParaRPr>
+                    </a:p>
+                  </a:txBody>
+                  <a:tcPr marL="182880" marR="182880" marT="63500" marB="63500" anchor="b">
+                    <a:lnL w="3175" cap="flat" cmpd="sng" algn="ctr">
+                      <a:solidFill>
+                        <a:schemeClr val="tx1">
+                          <a:lumMod val="65000"/>
+                        </a:schemeClr>
+                      </a:solidFill>
+                      <a:prstDash val="solid"/>
+                      <a:round/>
+                      <a:headEnd type="none" w="med" len="med"/>
+                      <a:tailEnd type="none" w="med" len="med"/>
+                    </a:lnL>
+                  </a:tcPr>
+                </a:tc>
+                <a:extLst>
+                  <a:ext uri="{0D108BD9-81ED-4DB2-BD59-A6C34878D82A}">
+                    <a16:rowId xmlns:a16="http://schemas.microsoft.com/office/drawing/2014/main" val="1136906228"/>
+                  </a:ext>
+                </a:extLst>
+              </a:tr>
+              <a:tr h="697494">
+                <a:tc>
+                  <a:txBody>
+                    <a:bodyPr/>
+                    <a:lstStyle/>
+                    <a:p>
+                      <a:pPr algn="r" rtl="0" fontAlgn="t">
+                        <a:spcBef>
+                          <a:spcPts val="0"/>
+                        </a:spcBef>
+                        <a:spcAft>
+                          <a:spcPts val="0"/>
+                        </a:spcAft>
+                      </a:pPr>
+                      <a:r>
+                        <a:rPr lang="en-US" sz="2400" b="0" i="0" u="none" strike="noStrike" dirty="0">
+                          <a:solidFill>
+                            <a:srgbClr val="009EC0"/>
+                          </a:solidFill>
+                          <a:effectLst/>
+                          <a:latin typeface="+mj-lt"/>
+                        </a:rPr>
+                        <a:t>Hebrew</a:t>
+                      </a:r>
+                      <a:endParaRPr lang="en-US" sz="2400" b="0" dirty="0">
+                        <a:solidFill>
+                          <a:srgbClr val="009EC0"/>
+                        </a:solidFill>
+                        <a:effectLst/>
+                        <a:latin typeface="+mj-lt"/>
+                      </a:endParaRPr>
+                    </a:p>
+                  </a:txBody>
+                  <a:tcPr marL="182880" marR="182880" marT="63500" marB="63500" anchor="ctr">
+                    <a:lnR w="3175" cap="flat" cmpd="sng" algn="ctr">
+                      <a:solidFill>
+                        <a:schemeClr val="tx1">
+                          <a:lumMod val="65000"/>
+                        </a:schemeClr>
+                      </a:solidFill>
+                      <a:prstDash val="solid"/>
+                      <a:round/>
+                      <a:headEnd type="none" w="med" len="med"/>
+                      <a:tailEnd type="none" w="med" len="med"/>
+                    </a:lnR>
+                  </a:tcPr>
+                </a:tc>
+                <a:tc>
+                  <a:txBody>
+                    <a:bodyPr/>
+                    <a:lstStyle/>
+                    <a:p>
+                      <a:pPr rtl="0" fontAlgn="t">
+                        <a:spcBef>
+                          <a:spcPts val="0"/>
+                        </a:spcBef>
+                        <a:spcAft>
+                          <a:spcPts val="0"/>
+                        </a:spcAft>
+                      </a:pPr>
+                      <a:r>
+                        <a:rPr lang="en-US" sz="2400" b="0" i="0" u="none" strike="noStrike" dirty="0">
+                          <a:solidFill>
+                            <a:schemeClr val="tx1"/>
+                          </a:solidFill>
+                          <a:effectLst/>
+                          <a:latin typeface="+mj-lt"/>
+                        </a:rPr>
+                        <a:t>Aleph</a:t>
+                      </a:r>
+                      <a:endParaRPr lang="en-US" sz="2400" dirty="0">
+                        <a:solidFill>
+                          <a:schemeClr val="tx1"/>
+                        </a:solidFill>
+                        <a:effectLst/>
+                        <a:latin typeface="+mj-lt"/>
+                      </a:endParaRPr>
+                    </a:p>
+                  </a:txBody>
+                  <a:tcPr marL="182880" marR="182880" marT="63500" marB="63500" anchor="ctr">
+                    <a:lnL w="3175" cap="flat" cmpd="sng" algn="ctr">
+                      <a:solidFill>
+                        <a:schemeClr val="tx1">
+                          <a:lumMod val="65000"/>
+                        </a:schemeClr>
+                      </a:solidFill>
+                      <a:prstDash val="solid"/>
+                      <a:round/>
+                      <a:headEnd type="none" w="med" len="med"/>
+                      <a:tailEnd type="none" w="med" len="med"/>
+                    </a:lnL>
+                    <a:lnR w="3175" cap="flat" cmpd="sng" algn="ctr">
+                      <a:solidFill>
+                        <a:schemeClr val="tx1">
+                          <a:lumMod val="65000"/>
+                        </a:schemeClr>
+                      </a:solidFill>
+                      <a:prstDash val="solid"/>
+                      <a:round/>
+                      <a:headEnd type="none" w="med" len="med"/>
+                      <a:tailEnd type="none" w="med" len="med"/>
+                    </a:lnR>
+                  </a:tcPr>
+                </a:tc>
+                <a:tc>
+                  <a:txBody>
+                    <a:bodyPr/>
+                    <a:lstStyle/>
+                    <a:p>
+                      <a:pPr rtl="0" fontAlgn="t">
+                        <a:spcBef>
+                          <a:spcPts val="0"/>
+                        </a:spcBef>
+                        <a:spcAft>
+                          <a:spcPts val="0"/>
+                        </a:spcAft>
+                      </a:pPr>
+                      <a:r>
+                        <a:rPr lang="en-US" sz="2400" dirty="0">
+                          <a:solidFill>
+                            <a:schemeClr val="tx1"/>
+                          </a:solidFill>
+                          <a:effectLst/>
+                          <a:latin typeface="+mj-lt"/>
+                        </a:rPr>
+                        <a:t>Bet</a:t>
+                      </a:r>
+                    </a:p>
+                  </a:txBody>
+                  <a:tcPr marL="182880" marR="182880" marT="63500" marB="63500" anchor="ctr">
+                    <a:lnL w="3175" cap="flat" cmpd="sng" algn="ctr">
+                      <a:solidFill>
+                        <a:schemeClr val="tx1">
+                          <a:lumMod val="65000"/>
+                        </a:schemeClr>
+                      </a:solidFill>
+                      <a:prstDash val="solid"/>
+                      <a:round/>
+                      <a:headEnd type="none" w="med" len="med"/>
+                      <a:tailEnd type="none" w="med" len="med"/>
+                    </a:lnL>
+                    <a:lnR w="3175" cap="flat" cmpd="sng" algn="ctr">
+                      <a:solidFill>
+                        <a:schemeClr val="tx1">
+                          <a:lumMod val="65000"/>
+                        </a:schemeClr>
+                      </a:solidFill>
+                      <a:prstDash val="solid"/>
+                      <a:round/>
+                      <a:headEnd type="none" w="med" len="med"/>
+                      <a:tailEnd type="none" w="med" len="med"/>
+                    </a:lnR>
+                  </a:tcPr>
+                </a:tc>
+                <a:tc>
+                  <a:txBody>
+                    <a:bodyPr/>
+                    <a:lstStyle/>
+                    <a:p>
+                      <a:pPr rtl="0" fontAlgn="t">
+                        <a:spcBef>
+                          <a:spcPts val="0"/>
+                        </a:spcBef>
+                        <a:spcAft>
+                          <a:spcPts val="0"/>
+                        </a:spcAft>
+                      </a:pPr>
+                      <a:r>
+                        <a:rPr lang="en-US" sz="2400" dirty="0">
+                          <a:solidFill>
+                            <a:schemeClr val="tx1"/>
+                          </a:solidFill>
+                          <a:effectLst/>
+                          <a:latin typeface="+mj-lt"/>
+                        </a:rPr>
+                        <a:t>Gimel</a:t>
+                      </a:r>
+                    </a:p>
+                  </a:txBody>
+                  <a:tcPr marL="182880" marR="182880" marT="63500" marB="63500" anchor="ctr">
+                    <a:lnL w="3175" cap="flat" cmpd="sng" algn="ctr">
+                      <a:solidFill>
+                        <a:schemeClr val="tx1">
+                          <a:lumMod val="65000"/>
+                        </a:schemeClr>
+                      </a:solidFill>
+                      <a:prstDash val="solid"/>
+                      <a:round/>
+                      <a:headEnd type="none" w="med" len="med"/>
+                      <a:tailEnd type="none" w="med" len="med"/>
+                    </a:lnL>
+                  </a:tcPr>
+                </a:tc>
+                <a:extLst>
+                  <a:ext uri="{0D108BD9-81ED-4DB2-BD59-A6C34878D82A}">
+                    <a16:rowId xmlns:a16="http://schemas.microsoft.com/office/drawing/2014/main" val="3592000535"/>
+                  </a:ext>
+                </a:extLst>
+              </a:tr>
+              <a:tr h="632988">
+                <a:tc>
+                  <a:txBody>
+                    <a:bodyPr/>
+                    <a:lstStyle/>
+                    <a:p>
+                      <a:pPr algn="r" rtl="0" fontAlgn="t">
+                        <a:spcBef>
+                          <a:spcPts val="0"/>
+                        </a:spcBef>
+                        <a:spcAft>
+                          <a:spcPts val="0"/>
+                        </a:spcAft>
+                      </a:pPr>
+                      <a:r>
+                        <a:rPr lang="en-US" sz="2400" b="0" i="0" u="none" strike="noStrike" dirty="0">
+                          <a:solidFill>
+                            <a:srgbClr val="009EC0"/>
+                          </a:solidFill>
+                          <a:effectLst/>
+                          <a:latin typeface="+mj-lt"/>
+                        </a:rPr>
+                        <a:t>Greek</a:t>
+                      </a:r>
+                      <a:endParaRPr lang="en-US" sz="2400" b="0" dirty="0">
+                        <a:solidFill>
+                          <a:srgbClr val="009EC0"/>
+                        </a:solidFill>
+                        <a:effectLst/>
+                        <a:latin typeface="+mj-lt"/>
+                      </a:endParaRPr>
+                    </a:p>
+                  </a:txBody>
+                  <a:tcPr marL="182880" marR="182880" marT="63500" marB="63500" anchor="ctr">
+                    <a:lnR w="3175" cap="flat" cmpd="sng" algn="ctr">
+                      <a:solidFill>
+                        <a:schemeClr val="tx1">
+                          <a:lumMod val="65000"/>
+                        </a:schemeClr>
+                      </a:solidFill>
+                      <a:prstDash val="solid"/>
+                      <a:round/>
+                      <a:headEnd type="none" w="med" len="med"/>
+                      <a:tailEnd type="none" w="med" len="med"/>
+                    </a:lnR>
+                  </a:tcPr>
+                </a:tc>
+                <a:tc>
+                  <a:txBody>
+                    <a:bodyPr/>
+                    <a:lstStyle/>
+                    <a:p>
+                      <a:pPr rtl="0" fontAlgn="t">
+                        <a:spcBef>
+                          <a:spcPts val="0"/>
+                        </a:spcBef>
+                        <a:spcAft>
+                          <a:spcPts val="0"/>
+                        </a:spcAft>
+                      </a:pPr>
+                      <a:r>
+                        <a:rPr lang="en-US" sz="2400" b="0" i="0" u="none" strike="noStrike" dirty="0">
+                          <a:solidFill>
+                            <a:schemeClr val="tx1"/>
+                          </a:solidFill>
+                          <a:effectLst/>
+                          <a:latin typeface="+mj-lt"/>
+                        </a:rPr>
+                        <a:t>Alpha</a:t>
+                      </a:r>
+                      <a:endParaRPr lang="en-US" sz="2400" dirty="0">
+                        <a:solidFill>
+                          <a:schemeClr val="tx1"/>
+                        </a:solidFill>
+                        <a:effectLst/>
+                        <a:latin typeface="+mj-lt"/>
+                      </a:endParaRPr>
+                    </a:p>
+                  </a:txBody>
+                  <a:tcPr marL="182880" marR="182880" marT="63500" marB="63500" anchor="ctr">
+                    <a:lnL w="3175" cap="flat" cmpd="sng" algn="ctr">
+                      <a:solidFill>
+                        <a:schemeClr val="tx1">
+                          <a:lumMod val="65000"/>
+                        </a:schemeClr>
+                      </a:solidFill>
+                      <a:prstDash val="solid"/>
+                      <a:round/>
+                      <a:headEnd type="none" w="med" len="med"/>
+                      <a:tailEnd type="none" w="med" len="med"/>
+                    </a:lnL>
+                    <a:lnR w="3175" cap="flat" cmpd="sng" algn="ctr">
+                      <a:solidFill>
+                        <a:schemeClr val="tx1">
+                          <a:lumMod val="65000"/>
+                        </a:schemeClr>
+                      </a:solidFill>
+                      <a:prstDash val="solid"/>
+                      <a:round/>
+                      <a:headEnd type="none" w="med" len="med"/>
+                      <a:tailEnd type="none" w="med" len="med"/>
+                    </a:lnR>
+                  </a:tcPr>
+                </a:tc>
+                <a:tc>
+                  <a:txBody>
+                    <a:bodyPr/>
+                    <a:lstStyle/>
+                    <a:p>
+                      <a:pPr rtl="0" fontAlgn="t">
+                        <a:spcBef>
+                          <a:spcPts val="0"/>
+                        </a:spcBef>
+                        <a:spcAft>
+                          <a:spcPts val="0"/>
+                        </a:spcAft>
+                      </a:pPr>
+                      <a:r>
+                        <a:rPr lang="en-US" sz="2400" dirty="0">
+                          <a:solidFill>
+                            <a:schemeClr val="tx1"/>
+                          </a:solidFill>
+                          <a:effectLst/>
+                          <a:latin typeface="+mj-lt"/>
+                        </a:rPr>
+                        <a:t>Beta</a:t>
+                      </a:r>
+                    </a:p>
+                  </a:txBody>
+                  <a:tcPr marL="182880" marR="182880" marT="63500" marB="63500" anchor="ctr">
+                    <a:lnL w="3175" cap="flat" cmpd="sng" algn="ctr">
+                      <a:solidFill>
+                        <a:schemeClr val="tx1">
+                          <a:lumMod val="65000"/>
+                        </a:schemeClr>
+                      </a:solidFill>
+                      <a:prstDash val="solid"/>
+                      <a:round/>
+                      <a:headEnd type="none" w="med" len="med"/>
+                      <a:tailEnd type="none" w="med" len="med"/>
+                    </a:lnL>
+                    <a:lnR w="3175" cap="flat" cmpd="sng" algn="ctr">
+                      <a:solidFill>
+                        <a:schemeClr val="tx1">
+                          <a:lumMod val="65000"/>
+                        </a:schemeClr>
+                      </a:solidFill>
+                      <a:prstDash val="solid"/>
+                      <a:round/>
+                      <a:headEnd type="none" w="med" len="med"/>
+                      <a:tailEnd type="none" w="med" len="med"/>
+                    </a:lnR>
+                  </a:tcPr>
+                </a:tc>
+                <a:tc>
+                  <a:txBody>
+                    <a:bodyPr/>
+                    <a:lstStyle/>
+                    <a:p>
+                      <a:pPr rtl="0" fontAlgn="t">
+                        <a:spcBef>
+                          <a:spcPts val="0"/>
+                        </a:spcBef>
+                        <a:spcAft>
+                          <a:spcPts val="0"/>
+                        </a:spcAft>
+                      </a:pPr>
+                      <a:r>
+                        <a:rPr lang="en-US" sz="2400" dirty="0">
+                          <a:solidFill>
+                            <a:schemeClr val="tx1"/>
+                          </a:solidFill>
+                          <a:effectLst/>
+                          <a:latin typeface="+mj-lt"/>
+                        </a:rPr>
+                        <a:t>Gamma</a:t>
+                      </a:r>
+                    </a:p>
+                  </a:txBody>
+                  <a:tcPr marL="182880" marR="182880" marT="63500" marB="63500" anchor="ctr">
+                    <a:lnL w="3175" cap="flat" cmpd="sng" algn="ctr">
+                      <a:solidFill>
+                        <a:schemeClr val="tx1">
+                          <a:lumMod val="65000"/>
+                        </a:schemeClr>
+                      </a:solidFill>
+                      <a:prstDash val="solid"/>
+                      <a:round/>
+                      <a:headEnd type="none" w="med" len="med"/>
+                      <a:tailEnd type="none" w="med" len="med"/>
+                    </a:lnL>
+                  </a:tcPr>
+                </a:tc>
+                <a:extLst>
+                  <a:ext uri="{0D108BD9-81ED-4DB2-BD59-A6C34878D82A}">
+                    <a16:rowId xmlns:a16="http://schemas.microsoft.com/office/drawing/2014/main" val="2330484482"/>
+                  </a:ext>
+                </a:extLst>
+              </a:tr>
+              <a:tr h="636727">
+                <a:tc>
+                  <a:txBody>
+                    <a:bodyPr/>
+                    <a:lstStyle/>
+                    <a:p>
+                      <a:pPr algn="r" rtl="0" fontAlgn="t">
+                        <a:spcBef>
+                          <a:spcPts val="0"/>
+                        </a:spcBef>
+                        <a:spcAft>
+                          <a:spcPts val="0"/>
+                        </a:spcAft>
+                      </a:pPr>
+                      <a:r>
+                        <a:rPr lang="en-US" sz="2400" b="0" i="0" u="none" strike="noStrike" dirty="0">
+                          <a:solidFill>
+                            <a:srgbClr val="009EC0"/>
+                          </a:solidFill>
+                          <a:effectLst/>
+                          <a:latin typeface="+mj-lt"/>
+                        </a:rPr>
+                        <a:t>English</a:t>
+                      </a:r>
+                      <a:endParaRPr lang="en-US" sz="2400" b="0" dirty="0">
+                        <a:solidFill>
+                          <a:srgbClr val="009EC0"/>
+                        </a:solidFill>
+                        <a:effectLst/>
+                        <a:latin typeface="+mj-lt"/>
+                      </a:endParaRPr>
+                    </a:p>
+                  </a:txBody>
+                  <a:tcPr marL="182880" marR="182880" marT="63500" marB="63500" anchor="ctr">
+                    <a:lnR w="3175" cap="flat" cmpd="sng" algn="ctr">
+                      <a:solidFill>
+                        <a:schemeClr val="tx1">
+                          <a:lumMod val="65000"/>
+                        </a:schemeClr>
+                      </a:solidFill>
+                      <a:prstDash val="solid"/>
+                      <a:round/>
+                      <a:headEnd type="none" w="med" len="med"/>
+                      <a:tailEnd type="none" w="med" len="med"/>
+                    </a:lnR>
+                  </a:tcPr>
+                </a:tc>
+                <a:tc>
+                  <a:txBody>
+                    <a:bodyPr/>
+                    <a:lstStyle/>
+                    <a:p>
+                      <a:pPr rtl="0" fontAlgn="t">
+                        <a:spcBef>
+                          <a:spcPts val="0"/>
+                        </a:spcBef>
+                        <a:spcAft>
+                          <a:spcPts val="0"/>
+                        </a:spcAft>
+                      </a:pPr>
+                      <a:r>
+                        <a:rPr lang="en-US" sz="2400" b="0" i="0" u="none" strike="noStrike" dirty="0">
+                          <a:solidFill>
+                            <a:schemeClr val="tx1"/>
+                          </a:solidFill>
+                          <a:effectLst/>
+                          <a:latin typeface="+mj-lt"/>
+                        </a:rPr>
+                        <a:t>A</a:t>
+                      </a:r>
+                      <a:endParaRPr lang="en-US" sz="2400" dirty="0">
+                        <a:solidFill>
+                          <a:schemeClr val="tx1"/>
+                        </a:solidFill>
+                        <a:effectLst/>
+                        <a:latin typeface="+mj-lt"/>
+                      </a:endParaRPr>
+                    </a:p>
+                  </a:txBody>
+                  <a:tcPr marL="182880" marR="182880" marT="63500" marB="63500" anchor="ctr">
+                    <a:lnL w="3175" cap="flat" cmpd="sng" algn="ctr">
+                      <a:solidFill>
+                        <a:schemeClr val="tx1">
+                          <a:lumMod val="65000"/>
+                        </a:schemeClr>
+                      </a:solidFill>
+                      <a:prstDash val="solid"/>
+                      <a:round/>
+                      <a:headEnd type="none" w="med" len="med"/>
+                      <a:tailEnd type="none" w="med" len="med"/>
+                    </a:lnL>
+                    <a:lnR w="3175" cap="flat" cmpd="sng" algn="ctr">
+                      <a:solidFill>
+                        <a:schemeClr val="tx1">
+                          <a:lumMod val="65000"/>
+                        </a:schemeClr>
+                      </a:solidFill>
+                      <a:prstDash val="solid"/>
+                      <a:round/>
+                      <a:headEnd type="none" w="med" len="med"/>
+                      <a:tailEnd type="none" w="med" len="med"/>
+                    </a:lnR>
+                  </a:tcPr>
+                </a:tc>
+                <a:tc>
+                  <a:txBody>
+                    <a:bodyPr/>
+                    <a:lstStyle/>
+                    <a:p>
+                      <a:pPr rtl="0" fontAlgn="t">
+                        <a:spcBef>
+                          <a:spcPts val="0"/>
+                        </a:spcBef>
+                        <a:spcAft>
+                          <a:spcPts val="0"/>
+                        </a:spcAft>
+                      </a:pPr>
+                      <a:r>
+                        <a:rPr lang="en-US" sz="2400" dirty="0">
+                          <a:solidFill>
+                            <a:schemeClr val="tx1"/>
+                          </a:solidFill>
+                          <a:effectLst/>
+                          <a:latin typeface="+mj-lt"/>
+                        </a:rPr>
+                        <a:t>B</a:t>
+                      </a:r>
+                    </a:p>
+                  </a:txBody>
+                  <a:tcPr marL="182880" marR="182880" marT="63500" marB="63500" anchor="ctr">
+                    <a:lnL w="3175" cap="flat" cmpd="sng" algn="ctr">
+                      <a:solidFill>
+                        <a:schemeClr val="tx1">
+                          <a:lumMod val="65000"/>
+                        </a:schemeClr>
+                      </a:solidFill>
+                      <a:prstDash val="solid"/>
+                      <a:round/>
+                      <a:headEnd type="none" w="med" len="med"/>
+                      <a:tailEnd type="none" w="med" len="med"/>
+                    </a:lnL>
+                    <a:lnR w="3175" cap="flat" cmpd="sng" algn="ctr">
+                      <a:solidFill>
+                        <a:schemeClr val="tx1">
+                          <a:lumMod val="65000"/>
+                        </a:schemeClr>
+                      </a:solidFill>
+                      <a:prstDash val="solid"/>
+                      <a:round/>
+                      <a:headEnd type="none" w="med" len="med"/>
+                      <a:tailEnd type="none" w="med" len="med"/>
+                    </a:lnR>
+                  </a:tcPr>
+                </a:tc>
+                <a:tc>
+                  <a:txBody>
+                    <a:bodyPr/>
+                    <a:lstStyle/>
+                    <a:p>
+                      <a:pPr rtl="0" fontAlgn="t">
+                        <a:spcBef>
+                          <a:spcPts val="0"/>
+                        </a:spcBef>
+                        <a:spcAft>
+                          <a:spcPts val="0"/>
+                        </a:spcAft>
+                      </a:pPr>
+                      <a:r>
+                        <a:rPr lang="en-US" sz="2400" dirty="0">
+                          <a:solidFill>
+                            <a:schemeClr val="tx1"/>
+                          </a:solidFill>
+                          <a:effectLst/>
+                          <a:latin typeface="+mj-lt"/>
+                        </a:rPr>
+                        <a:t>C</a:t>
+                      </a:r>
+                    </a:p>
+                  </a:txBody>
+                  <a:tcPr marL="182880" marR="182880" marT="63500" marB="63500" anchor="ctr">
+                    <a:lnL w="3175" cap="flat" cmpd="sng" algn="ctr">
+                      <a:solidFill>
+                        <a:schemeClr val="tx1">
+                          <a:lumMod val="65000"/>
+                        </a:schemeClr>
+                      </a:solidFill>
+                      <a:prstDash val="solid"/>
+                      <a:round/>
+                      <a:headEnd type="none" w="med" len="med"/>
+                      <a:tailEnd type="none" w="med" len="med"/>
+                    </a:lnL>
+                  </a:tcPr>
+                </a:tc>
+                <a:extLst>
+                  <a:ext uri="{0D108BD9-81ED-4DB2-BD59-A6C34878D82A}">
+                    <a16:rowId xmlns:a16="http://schemas.microsoft.com/office/drawing/2014/main" val="1564031315"/>
+                  </a:ext>
+                </a:extLst>
+              </a:tr>
+              <a:tr h="609600">
+                <a:tc>
+                  <a:txBody>
+                    <a:bodyPr/>
+                    <a:lstStyle/>
+                    <a:p>
+                      <a:pPr algn="r" rtl="0" fontAlgn="t">
+                        <a:spcBef>
+                          <a:spcPts val="0"/>
+                        </a:spcBef>
+                        <a:spcAft>
+                          <a:spcPts val="0"/>
+                        </a:spcAft>
+                      </a:pPr>
+                      <a:r>
+                        <a:rPr lang="en-US" sz="2400" b="0" dirty="0">
+                          <a:solidFill>
+                            <a:srgbClr val="009EC0"/>
+                          </a:solidFill>
+                          <a:effectLst/>
+                          <a:latin typeface="+mj-lt"/>
+                        </a:rPr>
+                        <a:t>Latin</a:t>
+                      </a:r>
+                    </a:p>
+                  </a:txBody>
+                  <a:tcPr marL="182880" marR="182880" marT="63500" marB="63500" anchor="ctr">
+                    <a:lnR w="3175" cap="flat" cmpd="sng" algn="ctr">
+                      <a:solidFill>
+                        <a:schemeClr val="tx1">
+                          <a:lumMod val="65000"/>
+                        </a:schemeClr>
+                      </a:solidFill>
+                      <a:prstDash val="solid"/>
+                      <a:round/>
+                      <a:headEnd type="none" w="med" len="med"/>
+                      <a:tailEnd type="none" w="med" len="med"/>
+                    </a:lnR>
+                  </a:tcPr>
+                </a:tc>
+                <a:tc>
+                  <a:txBody>
+                    <a:bodyPr/>
+                    <a:lstStyle/>
+                    <a:p>
+                      <a:pPr rtl="0" fontAlgn="t">
+                        <a:spcBef>
+                          <a:spcPts val="0"/>
+                        </a:spcBef>
+                        <a:spcAft>
+                          <a:spcPts val="0"/>
+                        </a:spcAft>
+                      </a:pPr>
+                      <a:r>
+                        <a:rPr lang="en-US" sz="2400" dirty="0">
+                          <a:solidFill>
+                            <a:schemeClr val="tx1"/>
+                          </a:solidFill>
+                          <a:effectLst/>
+                          <a:latin typeface="+mj-lt"/>
+                        </a:rPr>
+                        <a:t>A</a:t>
+                      </a:r>
+                    </a:p>
+                  </a:txBody>
+                  <a:tcPr marL="182880" marR="182880" marT="63500" marB="63500" anchor="ctr">
+                    <a:lnL w="3175" cap="flat" cmpd="sng" algn="ctr">
+                      <a:solidFill>
+                        <a:schemeClr val="tx1">
+                          <a:lumMod val="65000"/>
+                        </a:schemeClr>
+                      </a:solidFill>
+                      <a:prstDash val="solid"/>
+                      <a:round/>
+                      <a:headEnd type="none" w="med" len="med"/>
+                      <a:tailEnd type="none" w="med" len="med"/>
+                    </a:lnL>
+                    <a:lnR w="3175" cap="flat" cmpd="sng" algn="ctr">
+                      <a:solidFill>
+                        <a:schemeClr val="tx1">
+                          <a:lumMod val="65000"/>
+                        </a:schemeClr>
+                      </a:solidFill>
+                      <a:prstDash val="solid"/>
+                      <a:round/>
+                      <a:headEnd type="none" w="med" len="med"/>
+                      <a:tailEnd type="none" w="med" len="med"/>
+                    </a:lnR>
+                  </a:tcPr>
+                </a:tc>
+                <a:tc>
+                  <a:txBody>
+                    <a:bodyPr/>
+                    <a:lstStyle/>
+                    <a:p>
+                      <a:pPr rtl="0" fontAlgn="t">
+                        <a:spcBef>
+                          <a:spcPts val="0"/>
+                        </a:spcBef>
+                        <a:spcAft>
+                          <a:spcPts val="0"/>
+                        </a:spcAft>
+                      </a:pPr>
+                      <a:r>
+                        <a:rPr lang="en-US" sz="2400" dirty="0">
+                          <a:solidFill>
+                            <a:schemeClr val="tx1"/>
+                          </a:solidFill>
+                          <a:effectLst/>
+                          <a:latin typeface="+mj-lt"/>
+                        </a:rPr>
+                        <a:t>B</a:t>
+                      </a:r>
+                    </a:p>
+                  </a:txBody>
+                  <a:tcPr marL="182880" marR="182880" marT="63500" marB="63500" anchor="ctr">
+                    <a:lnL w="3175" cap="flat" cmpd="sng" algn="ctr">
+                      <a:solidFill>
+                        <a:schemeClr val="tx1">
+                          <a:lumMod val="65000"/>
+                        </a:schemeClr>
+                      </a:solidFill>
+                      <a:prstDash val="solid"/>
+                      <a:round/>
+                      <a:headEnd type="none" w="med" len="med"/>
+                      <a:tailEnd type="none" w="med" len="med"/>
+                    </a:lnL>
+                    <a:lnR w="3175" cap="flat" cmpd="sng" algn="ctr">
+                      <a:solidFill>
+                        <a:schemeClr val="tx1">
+                          <a:lumMod val="65000"/>
+                        </a:schemeClr>
+                      </a:solidFill>
+                      <a:prstDash val="solid"/>
+                      <a:round/>
+                      <a:headEnd type="none" w="med" len="med"/>
+                      <a:tailEnd type="none" w="med" len="med"/>
+                    </a:lnR>
+                  </a:tcPr>
+                </a:tc>
+                <a:tc>
+                  <a:txBody>
+                    <a:bodyPr/>
+                    <a:lstStyle/>
+                    <a:p>
+                      <a:pPr rtl="0" fontAlgn="t">
+                        <a:spcBef>
+                          <a:spcPts val="0"/>
+                        </a:spcBef>
+                        <a:spcAft>
+                          <a:spcPts val="0"/>
+                        </a:spcAft>
+                      </a:pPr>
+                      <a:r>
+                        <a:rPr lang="en-US" sz="2400" dirty="0">
+                          <a:solidFill>
+                            <a:schemeClr val="tx1"/>
+                          </a:solidFill>
+                          <a:effectLst/>
+                          <a:latin typeface="+mj-lt"/>
+                        </a:rPr>
+                        <a:t>C</a:t>
+                      </a:r>
+                    </a:p>
+                  </a:txBody>
+                  <a:tcPr marL="182880" marR="182880" marT="63500" marB="63500" anchor="ctr">
+                    <a:lnL w="3175" cap="flat" cmpd="sng" algn="ctr">
+                      <a:solidFill>
+                        <a:schemeClr val="tx1">
+                          <a:lumMod val="65000"/>
+                        </a:schemeClr>
+                      </a:solidFill>
+                      <a:prstDash val="solid"/>
+                      <a:round/>
+                      <a:headEnd type="none" w="med" len="med"/>
+                      <a:tailEnd type="none" w="med" len="med"/>
+                    </a:lnL>
+                  </a:tcPr>
+                </a:tc>
+                <a:extLst>
+                  <a:ext uri="{0D108BD9-81ED-4DB2-BD59-A6C34878D82A}">
+                    <a16:rowId xmlns:a16="http://schemas.microsoft.com/office/drawing/2014/main" val="3045623234"/>
+                  </a:ext>
+                </a:extLst>
+              </a:tr>
+            </a:tbl>
+          </a:graphicData>
+        </a:graphic>
+      </p:graphicFrame>
+      <p:sp>
+        <p:nvSpPr>
+          <p:cNvPr id="2" name="Rounded Rectangle 1">
+            <a:extLst>
+              <a:ext uri="{FF2B5EF4-FFF2-40B4-BE49-F238E27FC236}">
+                <a16:creationId xmlns:a16="http://schemas.microsoft.com/office/drawing/2014/main" id="{CCE8CEE2-67DE-F649-9C41-5998EA8CF35A}"/>
+              </a:ext>
+            </a:extLst>
+          </p:cNvPr>
+          <p:cNvSpPr/>
+          <p:nvPr/>
+        </p:nvSpPr>
+        <p:spPr>
+          <a:xfrm>
+            <a:off x="1752600" y="762000"/>
+            <a:ext cx="2209800" cy="533400"/>
+          </a:xfrm>
+          <a:prstGeom prst="roundRect">
+            <a:avLst/>
+          </a:prstGeom>
+          <a:solidFill>
+            <a:srgbClr val="009EC0"/>
+          </a:solidFill>
+          <a:ln>
+            <a:noFill/>
+          </a:ln>
+        </p:spPr>
+        <p:style>
+          <a:lnRef idx="2">
+            <a:schemeClr val="accent1">
+              <a:shade val="50000"/>
+            </a:schemeClr>
+          </a:lnRef>
+          <a:fillRef idx="1">
+            <a:schemeClr val="accent1"/>
+          </a:fillRef>
+          <a:effectRef idx="0">
+            <a:schemeClr val="accent1"/>
+          </a:effectRef>
+          <a:fontRef idx="minor">
+            <a:schemeClr val="lt1"/>
+          </a:fontRef>
+        </p:style>
+        <p:txBody>
+          <a:bodyPr rtlCol="0" anchor="ctr"/>
+          <a:lstStyle/>
+          <a:p>
+            <a:pPr algn="ctr"/>
+            <a:r>
+              <a:rPr lang="en-US" sz="2800" dirty="0"/>
+              <a:t>LEVEL 1</a:t>
+            </a:r>
+          </a:p>
+        </p:txBody>
+      </p:sp>
+      <p:sp>
+        <p:nvSpPr>
+          <p:cNvPr id="4" name="Rounded Rectangle 3">
+            <a:extLst>
+              <a:ext uri="{FF2B5EF4-FFF2-40B4-BE49-F238E27FC236}">
+                <a16:creationId xmlns:a16="http://schemas.microsoft.com/office/drawing/2014/main" id="{83773F1D-F953-E748-B918-F84B5A3FD504}"/>
+              </a:ext>
+            </a:extLst>
+          </p:cNvPr>
+          <p:cNvSpPr/>
+          <p:nvPr/>
+        </p:nvSpPr>
+        <p:spPr>
+          <a:xfrm>
+            <a:off x="4191000" y="762000"/>
+            <a:ext cx="2209800" cy="533400"/>
+          </a:xfrm>
+          <a:prstGeom prst="roundRect">
+            <a:avLst/>
+          </a:prstGeom>
+          <a:solidFill>
+            <a:srgbClr val="CA5C0E"/>
+          </a:solidFill>
+          <a:ln>
+            <a:noFill/>
+          </a:ln>
+        </p:spPr>
+        <p:style>
+          <a:lnRef idx="2">
+            <a:schemeClr val="accent1">
+              <a:shade val="50000"/>
+            </a:schemeClr>
+          </a:lnRef>
+          <a:fillRef idx="1">
+            <a:schemeClr val="accent1"/>
+          </a:fillRef>
+          <a:effectRef idx="0">
+            <a:schemeClr val="accent1"/>
+          </a:effectRef>
+          <a:fontRef idx="minor">
+            <a:schemeClr val="lt1"/>
+          </a:fontRef>
+        </p:style>
+        <p:txBody>
+          <a:bodyPr rtlCol="0" anchor="ctr"/>
+          <a:lstStyle/>
+          <a:p>
+            <a:pPr algn="ctr"/>
+            <a:r>
+              <a:rPr lang="en-US" sz="2800" dirty="0"/>
+              <a:t>LEVEL 2</a:t>
+            </a:r>
+          </a:p>
+        </p:txBody>
+      </p:sp>
+      <p:sp>
+        <p:nvSpPr>
+          <p:cNvPr id="6" name="Rounded Rectangle 5">
+            <a:extLst>
+              <a:ext uri="{FF2B5EF4-FFF2-40B4-BE49-F238E27FC236}">
+                <a16:creationId xmlns:a16="http://schemas.microsoft.com/office/drawing/2014/main" id="{4B960A8C-49BC-E848-8E33-D0771730C52F}"/>
+              </a:ext>
+            </a:extLst>
+          </p:cNvPr>
+          <p:cNvSpPr/>
+          <p:nvPr/>
+        </p:nvSpPr>
+        <p:spPr>
+          <a:xfrm>
+            <a:off x="6664657" y="762000"/>
+            <a:ext cx="2209800" cy="533400"/>
+          </a:xfrm>
+          <a:prstGeom prst="roundRect">
+            <a:avLst/>
+          </a:prstGeom>
+          <a:solidFill>
+            <a:schemeClr val="tx1">
+              <a:lumMod val="50000"/>
+            </a:schemeClr>
+          </a:solidFill>
+          <a:ln>
+            <a:noFill/>
+          </a:ln>
+        </p:spPr>
+        <p:style>
+          <a:lnRef idx="2">
+            <a:schemeClr val="accent1">
+              <a:shade val="50000"/>
+            </a:schemeClr>
+          </a:lnRef>
+          <a:fillRef idx="1">
+            <a:schemeClr val="accent1"/>
+          </a:fillRef>
+          <a:effectRef idx="0">
+            <a:schemeClr val="accent1"/>
+          </a:effectRef>
+          <a:fontRef idx="minor">
+            <a:schemeClr val="lt1"/>
+          </a:fontRef>
+        </p:style>
+        <p:txBody>
+          <a:bodyPr rtlCol="0" anchor="ctr"/>
+          <a:lstStyle/>
+          <a:p>
+            <a:pPr algn="ctr"/>
+            <a:r>
+              <a:rPr lang="en-US" sz="2800" dirty="0"/>
+              <a:t>LEVEL 3</a:t>
+            </a:r>
+          </a:p>
+        </p:txBody>
+      </p:sp>
+    </p:spTree>
+    <p:extLst>
+      <p:ext uri="{BB962C8B-B14F-4D97-AF65-F5344CB8AC3E}">
+        <p14:creationId xmlns:p14="http://schemas.microsoft.com/office/powerpoint/2010/main" val="1727649831"/>
+      </p:ext>
+    </p:extLst>
+  </p:cSld>
+  <p:clrMapOvr>
+    <a:masterClrMapping/>
+  </p:clrMapOvr>
+</p:sld>
+</file>
+
+<file path=ppt/slides/slide15.xml><?xml version="1.0" encoding="utf-8"?>
+<p:sld xmlns:a="http://schemas.openxmlformats.org/drawingml/2006/main" xmlns:r="http://schemas.openxmlformats.org/officeDocument/2006/relationships" xmlns:p="http://schemas.openxmlformats.org/presentationml/2006/main">
+  <p:cSld>
+    <p:spTree>
+      <p:nvGrpSpPr>
+        <p:cNvPr id="1" name=""/>
+        <p:cNvGrpSpPr/>
+        <p:nvPr/>
+      </p:nvGrpSpPr>
+      <p:grpSpPr>
+        <a:xfrm>
+          <a:off x="0" y="0"/>
+          <a:ext cx="0" cy="0"/>
+          <a:chOff x="0" y="0"/>
+          <a:chExt cx="0" cy="0"/>
+        </a:xfrm>
+      </p:grpSpPr>
+      <p:graphicFrame>
+        <p:nvGraphicFramePr>
           <p:cNvPr id="4" name="Content Placeholder 3"/>
           <p:cNvGraphicFramePr>
             <a:graphicFrameLocks noGrp="1"/>
@@ -10721,7 +12481,7 @@
 </p:sld>
 </file>
 
-<file path=ppt/slides/slide14.xml><?xml version="1.0" encoding="utf-8"?>
+<file path=ppt/slides/slide16.xml><?xml version="1.0" encoding="utf-8"?>
 <p:sld xmlns:a="http://schemas.openxmlformats.org/drawingml/2006/main" xmlns:r="http://schemas.openxmlformats.org/officeDocument/2006/relationships" xmlns:p="http://schemas.openxmlformats.org/presentationml/2006/main">
   <p:cSld>
     <p:spTree>
@@ -10841,7 +12601,7 @@
 </p:sld>
 </file>
 
-<file path=ppt/slides/slide15.xml><?xml version="1.0" encoding="utf-8"?>
+<file path=ppt/slides/slide17.xml><?xml version="1.0" encoding="utf-8"?>
 <p:sld xmlns:a="http://schemas.openxmlformats.org/drawingml/2006/main" xmlns:r="http://schemas.openxmlformats.org/officeDocument/2006/relationships" xmlns:p="http://schemas.openxmlformats.org/presentationml/2006/main">
   <p:cSld>
     <p:spTree>
@@ -10956,7 +12716,7 @@
 </p:sld>
 </file>
 
-<file path=ppt/slides/slide16.xml><?xml version="1.0" encoding="utf-8"?>
+<file path=ppt/slides/slide18.xml><?xml version="1.0" encoding="utf-8"?>
 <p:sld xmlns:a="http://schemas.openxmlformats.org/drawingml/2006/main" xmlns:r="http://schemas.openxmlformats.org/officeDocument/2006/relationships" xmlns:p="http://schemas.openxmlformats.org/presentationml/2006/main">
   <p:cSld>
     <p:spTree>
@@ -12024,7 +13784,7 @@
 </p:sld>
 </file>
 
-<file path=ppt/slides/slide17.xml><?xml version="1.0" encoding="utf-8"?>
+<file path=ppt/slides/slide19.xml><?xml version="1.0" encoding="utf-8"?>
 <p:sld xmlns:a="http://schemas.openxmlformats.org/drawingml/2006/main" xmlns:r="http://schemas.openxmlformats.org/officeDocument/2006/relationships" xmlns:p="http://schemas.openxmlformats.org/presentationml/2006/main">
   <p:cSld>
     <p:spTree>
@@ -13098,892 +14858,6 @@
     <p:extLst>
       <p:ext uri="{BB962C8B-B14F-4D97-AF65-F5344CB8AC3E}">
         <p14:creationId xmlns:p14="http://schemas.microsoft.com/office/powerpoint/2010/main" val="1933787506"/>
-      </p:ext>
-    </p:extLst>
-  </p:cSld>
-  <p:clrMapOvr>
-    <a:masterClrMapping/>
-  </p:clrMapOvr>
-</p:sld>
-</file>
-
-<file path=ppt/slides/slide18.xml><?xml version="1.0" encoding="utf-8"?>
-<p:sld xmlns:a="http://schemas.openxmlformats.org/drawingml/2006/main" xmlns:r="http://schemas.openxmlformats.org/officeDocument/2006/relationships" xmlns:p="http://schemas.openxmlformats.org/presentationml/2006/main">
-  <p:cSld>
-    <p:spTree>
-      <p:nvGrpSpPr>
-        <p:cNvPr id="1" name=""/>
-        <p:cNvGrpSpPr/>
-        <p:nvPr/>
-      </p:nvGrpSpPr>
-      <p:grpSpPr>
-        <a:xfrm>
-          <a:off x="0" y="0"/>
-          <a:ext cx="0" cy="0"/>
-          <a:chOff x="0" y="0"/>
-          <a:chExt cx="0" cy="0"/>
-        </a:xfrm>
-      </p:grpSpPr>
-      <p:grpSp>
-        <p:nvGrpSpPr>
-          <p:cNvPr id="28" name="Group 27"/>
-          <p:cNvGrpSpPr/>
-          <p:nvPr/>
-        </p:nvGrpSpPr>
-        <p:grpSpPr>
-          <a:xfrm>
-            <a:off x="228600" y="1447800"/>
-            <a:ext cx="8610600" cy="1066800"/>
-            <a:chOff x="228600" y="1447800"/>
-            <a:chExt cx="8610600" cy="1066800"/>
-          </a:xfrm>
-        </p:grpSpPr>
-        <p:sp>
-          <p:nvSpPr>
-            <p:cNvPr id="19" name="Rounded Rectangle 18"/>
-            <p:cNvSpPr/>
-            <p:nvPr/>
-          </p:nvSpPr>
-          <p:spPr>
-            <a:xfrm>
-              <a:off x="228600" y="1447800"/>
-              <a:ext cx="8610600" cy="1066800"/>
-            </a:xfrm>
-            <a:prstGeom prst="roundRect">
-              <a:avLst/>
-            </a:prstGeom>
-            <a:solidFill>
-              <a:schemeClr val="tx1">
-                <a:alpha val="24000"/>
-              </a:schemeClr>
-            </a:solidFill>
-            <a:ln>
-              <a:noFill/>
-            </a:ln>
-          </p:spPr>
-          <p:style>
-            <a:lnRef idx="1">
-              <a:schemeClr val="accent1"/>
-            </a:lnRef>
-            <a:fillRef idx="3">
-              <a:schemeClr val="accent1"/>
-            </a:fillRef>
-            <a:effectRef idx="2">
-              <a:schemeClr val="accent1"/>
-            </a:effectRef>
-            <a:fontRef idx="minor">
-              <a:schemeClr val="lt1"/>
-            </a:fontRef>
-          </p:style>
-          <p:txBody>
-            <a:bodyPr rtlCol="0" anchor="ctr"/>
-            <a:lstStyle/>
-            <a:p>
-              <a:pPr algn="ctr"/>
-              <a:endParaRPr lang="en-US"/>
-            </a:p>
-          </p:txBody>
-        </p:sp>
-        <p:grpSp>
-          <p:nvGrpSpPr>
-            <p:cNvPr id="8" name="Group 7"/>
-            <p:cNvGrpSpPr/>
-            <p:nvPr/>
-          </p:nvGrpSpPr>
-          <p:grpSpPr>
-            <a:xfrm>
-              <a:off x="304800" y="1560286"/>
-              <a:ext cx="1294344" cy="750332"/>
-              <a:chOff x="304800" y="1828800"/>
-              <a:chExt cx="550264" cy="750332"/>
-            </a:xfrm>
-          </p:grpSpPr>
-          <p:sp>
-            <p:nvSpPr>
-              <p:cNvPr id="4" name="TextBox 3"/>
-              <p:cNvSpPr txBox="1"/>
-              <p:nvPr/>
-            </p:nvSpPr>
-            <p:spPr>
-              <a:xfrm>
-                <a:off x="304800" y="1828800"/>
-                <a:ext cx="550264" cy="461665"/>
-              </a:xfrm>
-              <a:prstGeom prst="rect">
-                <a:avLst/>
-              </a:prstGeom>
-              <a:noFill/>
-            </p:spPr>
-            <p:txBody>
-              <a:bodyPr wrap="none" rtlCol="0">
-                <a:spAutoFit/>
-              </a:bodyPr>
-              <a:lstStyle/>
-              <a:p>
-                <a:r>
-                  <a:rPr lang="en-US" sz="2400" b="1" dirty="0"/>
-                  <a:t>Option 1</a:t>
-                </a:r>
-              </a:p>
-            </p:txBody>
-          </p:sp>
-          <p:sp>
-            <p:nvSpPr>
-              <p:cNvPr id="5" name="TextBox 4"/>
-              <p:cNvSpPr txBox="1"/>
-              <p:nvPr/>
-            </p:nvSpPr>
-            <p:spPr>
-              <a:xfrm>
-                <a:off x="304800" y="2209800"/>
-                <a:ext cx="307933" cy="369332"/>
-              </a:xfrm>
-              <a:prstGeom prst="rect">
-                <a:avLst/>
-              </a:prstGeom>
-              <a:noFill/>
-            </p:spPr>
-            <p:txBody>
-              <a:bodyPr wrap="none" rtlCol="0">
-                <a:spAutoFit/>
-              </a:bodyPr>
-              <a:lstStyle/>
-              <a:p>
-                <a:r>
-                  <a:rPr lang="en-US" dirty="0"/>
-                  <a:t>Alpha</a:t>
-                </a:r>
-              </a:p>
-            </p:txBody>
-          </p:sp>
-        </p:grpSp>
-      </p:grpSp>
-      <p:grpSp>
-        <p:nvGrpSpPr>
-          <p:cNvPr id="3" name="Group 2"/>
-          <p:cNvGrpSpPr/>
-          <p:nvPr/>
-        </p:nvGrpSpPr>
-        <p:grpSpPr>
-          <a:xfrm>
-            <a:off x="228600" y="4191000"/>
-            <a:ext cx="8610600" cy="1066800"/>
-            <a:chOff x="228600" y="4191000"/>
-            <a:chExt cx="8610600" cy="1066800"/>
-          </a:xfrm>
-        </p:grpSpPr>
-        <p:sp>
-          <p:nvSpPr>
-            <p:cNvPr id="22" name="Rounded Rectangle 21"/>
-            <p:cNvSpPr/>
-            <p:nvPr/>
-          </p:nvSpPr>
-          <p:spPr>
-            <a:xfrm>
-              <a:off x="228600" y="4191000"/>
-              <a:ext cx="8610600" cy="1066800"/>
-            </a:xfrm>
-            <a:prstGeom prst="roundRect">
-              <a:avLst/>
-            </a:prstGeom>
-            <a:solidFill>
-              <a:schemeClr val="tx1">
-                <a:alpha val="24000"/>
-              </a:schemeClr>
-            </a:solidFill>
-            <a:ln>
-              <a:noFill/>
-            </a:ln>
-          </p:spPr>
-          <p:style>
-            <a:lnRef idx="1">
-              <a:schemeClr val="accent1"/>
-            </a:lnRef>
-            <a:fillRef idx="3">
-              <a:schemeClr val="accent1"/>
-            </a:fillRef>
-            <a:effectRef idx="2">
-              <a:schemeClr val="accent1"/>
-            </a:effectRef>
-            <a:fontRef idx="minor">
-              <a:schemeClr val="lt1"/>
-            </a:fontRef>
-          </p:style>
-          <p:txBody>
-            <a:bodyPr rtlCol="0" anchor="ctr"/>
-            <a:lstStyle/>
-            <a:p>
-              <a:pPr algn="ctr"/>
-              <a:endParaRPr lang="en-US"/>
-            </a:p>
-          </p:txBody>
-        </p:sp>
-        <p:grpSp>
-          <p:nvGrpSpPr>
-            <p:cNvPr id="12" name="Group 11"/>
-            <p:cNvGrpSpPr/>
-            <p:nvPr/>
-          </p:nvGrpSpPr>
-          <p:grpSpPr>
-            <a:xfrm>
-              <a:off x="304800" y="4303486"/>
-              <a:ext cx="1294346" cy="750332"/>
-              <a:chOff x="304800" y="1828800"/>
-              <a:chExt cx="235676" cy="750332"/>
-            </a:xfrm>
-          </p:grpSpPr>
-          <p:sp>
-            <p:nvSpPr>
-              <p:cNvPr id="13" name="TextBox 12"/>
-              <p:cNvSpPr txBox="1"/>
-              <p:nvPr/>
-            </p:nvSpPr>
-            <p:spPr>
-              <a:xfrm>
-                <a:off x="304800" y="1828800"/>
-                <a:ext cx="235676" cy="461665"/>
-              </a:xfrm>
-              <a:prstGeom prst="rect">
-                <a:avLst/>
-              </a:prstGeom>
-              <a:noFill/>
-            </p:spPr>
-            <p:txBody>
-              <a:bodyPr wrap="none" rtlCol="0">
-                <a:spAutoFit/>
-              </a:bodyPr>
-              <a:lstStyle/>
-              <a:p>
-                <a:r>
-                  <a:rPr lang="en-US" sz="2400" b="1" dirty="0"/>
-                  <a:t>Option 3</a:t>
-                </a:r>
-              </a:p>
-            </p:txBody>
-          </p:sp>
-          <p:sp>
-            <p:nvSpPr>
-              <p:cNvPr id="14" name="TextBox 13"/>
-              <p:cNvSpPr txBox="1"/>
-              <p:nvPr/>
-            </p:nvSpPr>
-            <p:spPr>
-              <a:xfrm>
-                <a:off x="304800" y="2209800"/>
-                <a:ext cx="167555" cy="369332"/>
-              </a:xfrm>
-              <a:prstGeom prst="rect">
-                <a:avLst/>
-              </a:prstGeom>
-              <a:noFill/>
-            </p:spPr>
-            <p:txBody>
-              <a:bodyPr wrap="none" rtlCol="0">
-                <a:spAutoFit/>
-              </a:bodyPr>
-              <a:lstStyle/>
-              <a:p>
-                <a:r>
-                  <a:rPr lang="en-US" dirty="0"/>
-                  <a:t>Gamma</a:t>
-                </a:r>
-              </a:p>
-            </p:txBody>
-          </p:sp>
-        </p:grpSp>
-      </p:grpSp>
-      <p:sp>
-        <p:nvSpPr>
-          <p:cNvPr id="6" name="TextBox 5"/>
-          <p:cNvSpPr txBox="1"/>
-          <p:nvPr/>
-        </p:nvSpPr>
-        <p:spPr>
-          <a:xfrm>
-            <a:off x="228600" y="152400"/>
-            <a:ext cx="8610600" cy="769441"/>
-          </a:xfrm>
-          <a:prstGeom prst="rect">
-            <a:avLst/>
-          </a:prstGeom>
-          <a:noFill/>
-        </p:spPr>
-        <p:txBody>
-          <a:bodyPr wrap="square" rtlCol="0">
-            <a:spAutoFit/>
-          </a:bodyPr>
-          <a:lstStyle/>
-          <a:p>
-            <a:r>
-              <a:rPr lang="en-US" sz="4400" b="1" dirty="0"/>
-              <a:t>Options</a:t>
-            </a:r>
-          </a:p>
-        </p:txBody>
-      </p:sp>
-      <p:sp>
-        <p:nvSpPr>
-          <p:cNvPr id="7" name="TextBox 6"/>
-          <p:cNvSpPr txBox="1"/>
-          <p:nvPr/>
-        </p:nvSpPr>
-        <p:spPr>
-          <a:xfrm>
-            <a:off x="228600" y="762000"/>
-            <a:ext cx="8610600" cy="461665"/>
-          </a:xfrm>
-          <a:prstGeom prst="rect">
-            <a:avLst/>
-          </a:prstGeom>
-          <a:noFill/>
-        </p:spPr>
-        <p:txBody>
-          <a:bodyPr wrap="square" rtlCol="0">
-            <a:spAutoFit/>
-          </a:bodyPr>
-          <a:lstStyle/>
-          <a:p>
-            <a:r>
-              <a:rPr lang="en-US" sz="2400" b="1" dirty="0">
-                <a:solidFill>
-                  <a:schemeClr val="bg1">
-                    <a:lumMod val="50000"/>
-                    <a:lumOff val="50000"/>
-                  </a:schemeClr>
-                </a:solidFill>
-              </a:rPr>
-              <a:t>This is the sub-title</a:t>
-            </a:r>
-          </a:p>
-        </p:txBody>
-      </p:sp>
-      <p:grpSp>
-        <p:nvGrpSpPr>
-          <p:cNvPr id="18" name="Group 17"/>
-          <p:cNvGrpSpPr/>
-          <p:nvPr/>
-        </p:nvGrpSpPr>
-        <p:grpSpPr>
-          <a:xfrm>
-            <a:off x="228600" y="5562600"/>
-            <a:ext cx="8610600" cy="1066800"/>
-            <a:chOff x="228600" y="5562600"/>
-            <a:chExt cx="8610600" cy="1066800"/>
-          </a:xfrm>
-        </p:grpSpPr>
-        <p:sp>
-          <p:nvSpPr>
-            <p:cNvPr id="23" name="Rounded Rectangle 22"/>
-            <p:cNvSpPr/>
-            <p:nvPr/>
-          </p:nvSpPr>
-          <p:spPr>
-            <a:xfrm>
-              <a:off x="228600" y="5562600"/>
-              <a:ext cx="8610600" cy="1066800"/>
-            </a:xfrm>
-            <a:prstGeom prst="roundRect">
-              <a:avLst/>
-            </a:prstGeom>
-            <a:solidFill>
-              <a:schemeClr val="tx1">
-                <a:alpha val="24000"/>
-              </a:schemeClr>
-            </a:solidFill>
-            <a:ln>
-              <a:noFill/>
-            </a:ln>
-          </p:spPr>
-          <p:style>
-            <a:lnRef idx="1">
-              <a:schemeClr val="accent1"/>
-            </a:lnRef>
-            <a:fillRef idx="3">
-              <a:schemeClr val="accent1"/>
-            </a:fillRef>
-            <a:effectRef idx="2">
-              <a:schemeClr val="accent1"/>
-            </a:effectRef>
-            <a:fontRef idx="minor">
-              <a:schemeClr val="lt1"/>
-            </a:fontRef>
-          </p:style>
-          <p:txBody>
-            <a:bodyPr rtlCol="0" anchor="ctr"/>
-            <a:lstStyle/>
-            <a:p>
-              <a:pPr algn="ctr"/>
-              <a:endParaRPr lang="en-US"/>
-            </a:p>
-          </p:txBody>
-        </p:sp>
-        <p:grpSp>
-          <p:nvGrpSpPr>
-            <p:cNvPr id="15" name="Group 14"/>
-            <p:cNvGrpSpPr/>
-            <p:nvPr/>
-          </p:nvGrpSpPr>
-          <p:grpSpPr>
-            <a:xfrm>
-              <a:off x="304800" y="5715000"/>
-              <a:ext cx="1294344" cy="750332"/>
-              <a:chOff x="304800" y="1828800"/>
-              <a:chExt cx="232501" cy="750332"/>
-            </a:xfrm>
-          </p:grpSpPr>
-          <p:sp>
-            <p:nvSpPr>
-              <p:cNvPr id="16" name="TextBox 15"/>
-              <p:cNvSpPr txBox="1"/>
-              <p:nvPr/>
-            </p:nvSpPr>
-            <p:spPr>
-              <a:xfrm>
-                <a:off x="304800" y="1828800"/>
-                <a:ext cx="232501" cy="461665"/>
-              </a:xfrm>
-              <a:prstGeom prst="rect">
-                <a:avLst/>
-              </a:prstGeom>
-              <a:noFill/>
-            </p:spPr>
-            <p:txBody>
-              <a:bodyPr wrap="none" rtlCol="0">
-                <a:spAutoFit/>
-              </a:bodyPr>
-              <a:lstStyle/>
-              <a:p>
-                <a:r>
-                  <a:rPr lang="en-US" sz="2400" b="1" dirty="0"/>
-                  <a:t>Option 4</a:t>
-                </a:r>
-              </a:p>
-            </p:txBody>
-          </p:sp>
-          <p:sp>
-            <p:nvSpPr>
-              <p:cNvPr id="17" name="TextBox 16"/>
-              <p:cNvSpPr txBox="1"/>
-              <p:nvPr/>
-            </p:nvSpPr>
-            <p:spPr>
-              <a:xfrm>
-                <a:off x="304800" y="2209800"/>
-                <a:ext cx="122578" cy="369332"/>
-              </a:xfrm>
-              <a:prstGeom prst="rect">
-                <a:avLst/>
-              </a:prstGeom>
-              <a:noFill/>
-            </p:spPr>
-            <p:txBody>
-              <a:bodyPr wrap="none" rtlCol="0">
-                <a:spAutoFit/>
-              </a:bodyPr>
-              <a:lstStyle/>
-              <a:p>
-                <a:r>
-                  <a:rPr lang="en-US" dirty="0"/>
-                  <a:t>Delta</a:t>
-                </a:r>
-              </a:p>
-            </p:txBody>
-          </p:sp>
-        </p:grpSp>
-      </p:grpSp>
-      <p:grpSp>
-        <p:nvGrpSpPr>
-          <p:cNvPr id="2" name="Group 1"/>
-          <p:cNvGrpSpPr/>
-          <p:nvPr/>
-        </p:nvGrpSpPr>
-        <p:grpSpPr>
-          <a:xfrm>
-            <a:off x="228600" y="2819400"/>
-            <a:ext cx="8610600" cy="1066800"/>
-            <a:chOff x="228600" y="2819400"/>
-            <a:chExt cx="8610600" cy="1066800"/>
-          </a:xfrm>
-        </p:grpSpPr>
-        <p:sp>
-          <p:nvSpPr>
-            <p:cNvPr id="21" name="Rounded Rectangle 20"/>
-            <p:cNvSpPr/>
-            <p:nvPr/>
-          </p:nvSpPr>
-          <p:spPr>
-            <a:xfrm>
-              <a:off x="228600" y="2819400"/>
-              <a:ext cx="8610600" cy="1066800"/>
-            </a:xfrm>
-            <a:prstGeom prst="roundRect">
-              <a:avLst/>
-            </a:prstGeom>
-            <a:solidFill>
-              <a:schemeClr val="tx1">
-                <a:alpha val="24000"/>
-              </a:schemeClr>
-            </a:solidFill>
-            <a:ln>
-              <a:noFill/>
-            </a:ln>
-          </p:spPr>
-          <p:style>
-            <a:lnRef idx="1">
-              <a:schemeClr val="accent1"/>
-            </a:lnRef>
-            <a:fillRef idx="3">
-              <a:schemeClr val="accent1"/>
-            </a:fillRef>
-            <a:effectRef idx="2">
-              <a:schemeClr val="accent1"/>
-            </a:effectRef>
-            <a:fontRef idx="minor">
-              <a:schemeClr val="lt1"/>
-            </a:fontRef>
-          </p:style>
-          <p:txBody>
-            <a:bodyPr rtlCol="0" anchor="ctr"/>
-            <a:lstStyle/>
-            <a:p>
-              <a:pPr algn="ctr"/>
-              <a:endParaRPr lang="en-US"/>
-            </a:p>
-          </p:txBody>
-        </p:sp>
-        <p:grpSp>
-          <p:nvGrpSpPr>
-            <p:cNvPr id="9" name="Group 8"/>
-            <p:cNvGrpSpPr/>
-            <p:nvPr/>
-          </p:nvGrpSpPr>
-          <p:grpSpPr>
-            <a:xfrm>
-              <a:off x="304800" y="2943554"/>
-              <a:ext cx="1294344" cy="750332"/>
-              <a:chOff x="304800" y="1828800"/>
-              <a:chExt cx="325942" cy="750332"/>
-            </a:xfrm>
-          </p:grpSpPr>
-          <p:sp>
-            <p:nvSpPr>
-              <p:cNvPr id="10" name="TextBox 9"/>
-              <p:cNvSpPr txBox="1"/>
-              <p:nvPr/>
-            </p:nvSpPr>
-            <p:spPr>
-              <a:xfrm>
-                <a:off x="304800" y="1828800"/>
-                <a:ext cx="325942" cy="461665"/>
-              </a:xfrm>
-              <a:prstGeom prst="rect">
-                <a:avLst/>
-              </a:prstGeom>
-              <a:noFill/>
-            </p:spPr>
-            <p:txBody>
-              <a:bodyPr wrap="none" rtlCol="0">
-                <a:spAutoFit/>
-              </a:bodyPr>
-              <a:lstStyle/>
-              <a:p>
-                <a:r>
-                  <a:rPr lang="en-US" sz="2400" b="1" dirty="0"/>
-                  <a:t>Option 2</a:t>
-                </a:r>
-              </a:p>
-            </p:txBody>
-          </p:sp>
-          <p:sp>
-            <p:nvSpPr>
-              <p:cNvPr id="11" name="TextBox 10"/>
-              <p:cNvSpPr txBox="1"/>
-              <p:nvPr/>
-            </p:nvSpPr>
-            <p:spPr>
-              <a:xfrm>
-                <a:off x="304800" y="2209800"/>
-                <a:ext cx="154358" cy="369332"/>
-              </a:xfrm>
-              <a:prstGeom prst="rect">
-                <a:avLst/>
-              </a:prstGeom>
-              <a:noFill/>
-            </p:spPr>
-            <p:txBody>
-              <a:bodyPr wrap="none" rtlCol="0">
-                <a:spAutoFit/>
-              </a:bodyPr>
-              <a:lstStyle/>
-              <a:p>
-                <a:r>
-                  <a:rPr lang="en-US" dirty="0"/>
-                  <a:t>Beta</a:t>
-                </a:r>
-              </a:p>
-            </p:txBody>
-          </p:sp>
-        </p:grpSp>
-        <p:grpSp>
-          <p:nvGrpSpPr>
-            <p:cNvPr id="32" name="Group 31"/>
-            <p:cNvGrpSpPr/>
-            <p:nvPr/>
-          </p:nvGrpSpPr>
-          <p:grpSpPr>
-            <a:xfrm>
-              <a:off x="7696200" y="3124200"/>
-              <a:ext cx="558304" cy="533400"/>
-              <a:chOff x="7010400" y="3048000"/>
-              <a:chExt cx="558304" cy="533400"/>
-            </a:xfrm>
-          </p:grpSpPr>
-          <p:sp>
-            <p:nvSpPr>
-              <p:cNvPr id="29" name="Oval 28"/>
-              <p:cNvSpPr/>
-              <p:nvPr/>
-            </p:nvSpPr>
-            <p:spPr>
-              <a:xfrm>
-                <a:off x="7010400" y="3048000"/>
-                <a:ext cx="533400" cy="533400"/>
-              </a:xfrm>
-              <a:prstGeom prst="ellipse">
-                <a:avLst/>
-              </a:prstGeom>
-              <a:gradFill>
-                <a:gsLst>
-                  <a:gs pos="0">
-                    <a:srgbClr val="01B902"/>
-                  </a:gs>
-                  <a:gs pos="100000">
-                    <a:srgbClr val="69E168"/>
-                  </a:gs>
-                </a:gsLst>
-              </a:gradFill>
-              <a:ln>
-                <a:noFill/>
-              </a:ln>
-            </p:spPr>
-            <p:style>
-              <a:lnRef idx="1">
-                <a:schemeClr val="accent1"/>
-              </a:lnRef>
-              <a:fillRef idx="3">
-                <a:schemeClr val="accent1"/>
-              </a:fillRef>
-              <a:effectRef idx="2">
-                <a:schemeClr val="accent1"/>
-              </a:effectRef>
-              <a:fontRef idx="minor">
-                <a:schemeClr val="lt1"/>
-              </a:fontRef>
-            </p:style>
-            <p:txBody>
-              <a:bodyPr rtlCol="0" anchor="ctr"/>
-              <a:lstStyle/>
-              <a:p>
-                <a:pPr algn="ctr"/>
-                <a:endParaRPr lang="en-US" sz="2400" dirty="0">
-                  <a:solidFill>
-                    <a:schemeClr val="tx1"/>
-                  </a:solidFill>
-                </a:endParaRPr>
-              </a:p>
-            </p:txBody>
-          </p:sp>
-          <p:sp>
-            <p:nvSpPr>
-              <p:cNvPr id="30" name="TextBox 29"/>
-              <p:cNvSpPr txBox="1"/>
-              <p:nvPr/>
-            </p:nvSpPr>
-            <p:spPr>
-              <a:xfrm>
-                <a:off x="7024965" y="3058180"/>
-                <a:ext cx="543739" cy="523220"/>
-              </a:xfrm>
-              <a:prstGeom prst="rect">
-                <a:avLst/>
-              </a:prstGeom>
-              <a:noFill/>
-            </p:spPr>
-            <p:txBody>
-              <a:bodyPr wrap="none" rtlCol="0">
-                <a:spAutoFit/>
-              </a:bodyPr>
-              <a:lstStyle/>
-              <a:p>
-                <a:r>
-                  <a:rPr lang="en-US" sz="2800" dirty="0"/>
-                  <a:t>✓</a:t>
-                </a:r>
-              </a:p>
-            </p:txBody>
-          </p:sp>
-        </p:grpSp>
-      </p:grpSp>
-    </p:spTree>
-    <p:extLst>
-      <p:ext uri="{BB962C8B-B14F-4D97-AF65-F5344CB8AC3E}">
-        <p14:creationId xmlns:p14="http://schemas.microsoft.com/office/powerpoint/2010/main" val="2866932310"/>
-      </p:ext>
-    </p:extLst>
-  </p:cSld>
-  <p:clrMapOvr>
-    <a:masterClrMapping/>
-  </p:clrMapOvr>
-</p:sld>
-</file>
-
-<file path=ppt/slides/slide19.xml><?xml version="1.0" encoding="utf-8"?>
-<p:sld xmlns:a="http://schemas.openxmlformats.org/drawingml/2006/main" xmlns:r="http://schemas.openxmlformats.org/officeDocument/2006/relationships" xmlns:p="http://schemas.openxmlformats.org/presentationml/2006/main">
-  <p:cSld>
-    <p:spTree>
-      <p:nvGrpSpPr>
-        <p:cNvPr id="1" name=""/>
-        <p:cNvGrpSpPr/>
-        <p:nvPr/>
-      </p:nvGrpSpPr>
-      <p:grpSpPr>
-        <a:xfrm>
-          <a:off x="0" y="0"/>
-          <a:ext cx="0" cy="0"/>
-          <a:chOff x="0" y="0"/>
-          <a:chExt cx="0" cy="0"/>
-        </a:xfrm>
-      </p:grpSpPr>
-      <p:sp>
-        <p:nvSpPr>
-          <p:cNvPr id="6" name="TextBox 5"/>
-          <p:cNvSpPr txBox="1"/>
-          <p:nvPr/>
-        </p:nvSpPr>
-        <p:spPr>
-          <a:xfrm>
-            <a:off x="228600" y="152400"/>
-            <a:ext cx="8610600" cy="769441"/>
-          </a:xfrm>
-          <a:prstGeom prst="rect">
-            <a:avLst/>
-          </a:prstGeom>
-          <a:noFill/>
-        </p:spPr>
-        <p:txBody>
-          <a:bodyPr wrap="square" rtlCol="0">
-            <a:spAutoFit/>
-          </a:bodyPr>
-          <a:lstStyle/>
-          <a:p>
-            <a:r>
-              <a:rPr lang="en-US" sz="4400" b="1" dirty="0"/>
-              <a:t>List</a:t>
-            </a:r>
-          </a:p>
-        </p:txBody>
-      </p:sp>
-      <p:sp>
-        <p:nvSpPr>
-          <p:cNvPr id="28" name="Content Placeholder 2"/>
-          <p:cNvSpPr>
-            <a:spLocks noGrp="1"/>
-          </p:cNvSpPr>
-          <p:nvPr>
-            <p:ph idx="1"/>
-          </p:nvPr>
-        </p:nvSpPr>
-        <p:spPr>
-          <a:xfrm>
-            <a:off x="457200" y="1600200"/>
-            <a:ext cx="8229600" cy="4525963"/>
-          </a:xfrm>
-        </p:spPr>
-        <p:txBody>
-          <a:bodyPr/>
-          <a:lstStyle/>
-          <a:p>
-            <a:r>
-              <a:rPr lang="en-US" dirty="0">
-                <a:solidFill>
-                  <a:srgbClr val="FFFFFF"/>
-                </a:solidFill>
-              </a:rPr>
-              <a:t>Alpha</a:t>
-            </a:r>
-          </a:p>
-          <a:p>
-            <a:r>
-              <a:rPr lang="en-US" dirty="0">
-                <a:solidFill>
-                  <a:srgbClr val="FFFFFF"/>
-                </a:solidFill>
-              </a:rPr>
-              <a:t>Beta</a:t>
-            </a:r>
-          </a:p>
-          <a:p>
-            <a:r>
-              <a:rPr lang="en-US" dirty="0">
-                <a:solidFill>
-                  <a:srgbClr val="FFFFFF"/>
-                </a:solidFill>
-              </a:rPr>
-              <a:t>Gamma</a:t>
-            </a:r>
-          </a:p>
-          <a:p>
-            <a:r>
-              <a:rPr lang="en-US" dirty="0">
-                <a:solidFill>
-                  <a:srgbClr val="FFFFFF"/>
-                </a:solidFill>
-              </a:rPr>
-              <a:t>Delta</a:t>
-            </a:r>
-          </a:p>
-        </p:txBody>
-      </p:sp>
-      <p:sp>
-        <p:nvSpPr>
-          <p:cNvPr id="5" name="TextBox 4"/>
-          <p:cNvSpPr txBox="1"/>
-          <p:nvPr/>
-        </p:nvSpPr>
-        <p:spPr>
-          <a:xfrm>
-            <a:off x="228600" y="762000"/>
-            <a:ext cx="8610600" cy="461665"/>
-          </a:xfrm>
-          <a:prstGeom prst="rect">
-            <a:avLst/>
-          </a:prstGeom>
-          <a:noFill/>
-        </p:spPr>
-        <p:txBody>
-          <a:bodyPr wrap="square" rtlCol="0">
-            <a:spAutoFit/>
-          </a:bodyPr>
-          <a:lstStyle/>
-          <a:p>
-            <a:r>
-              <a:rPr lang="en-US" sz="2400" b="1" dirty="0">
-                <a:solidFill>
-                  <a:schemeClr val="bg1">
-                    <a:lumMod val="50000"/>
-                    <a:lumOff val="50000"/>
-                  </a:schemeClr>
-                </a:solidFill>
-              </a:rPr>
-              <a:t>This is the sub-title</a:t>
-            </a:r>
-          </a:p>
-        </p:txBody>
-      </p:sp>
-    </p:spTree>
-    <p:extLst>
-      <p:ext uri="{BB962C8B-B14F-4D97-AF65-F5344CB8AC3E}">
-        <p14:creationId xmlns:p14="http://schemas.microsoft.com/office/powerpoint/2010/main" val="1942948363"/>
       </p:ext>
     </p:extLst>
   </p:cSld>
@@ -15667,6 +16541,892 @@
           <a:chExt cx="0" cy="0"/>
         </a:xfrm>
       </p:grpSpPr>
+      <p:grpSp>
+        <p:nvGrpSpPr>
+          <p:cNvPr id="28" name="Group 27"/>
+          <p:cNvGrpSpPr/>
+          <p:nvPr/>
+        </p:nvGrpSpPr>
+        <p:grpSpPr>
+          <a:xfrm>
+            <a:off x="228600" y="1447800"/>
+            <a:ext cx="8610600" cy="1066800"/>
+            <a:chOff x="228600" y="1447800"/>
+            <a:chExt cx="8610600" cy="1066800"/>
+          </a:xfrm>
+        </p:grpSpPr>
+        <p:sp>
+          <p:nvSpPr>
+            <p:cNvPr id="19" name="Rounded Rectangle 18"/>
+            <p:cNvSpPr/>
+            <p:nvPr/>
+          </p:nvSpPr>
+          <p:spPr>
+            <a:xfrm>
+              <a:off x="228600" y="1447800"/>
+              <a:ext cx="8610600" cy="1066800"/>
+            </a:xfrm>
+            <a:prstGeom prst="roundRect">
+              <a:avLst/>
+            </a:prstGeom>
+            <a:solidFill>
+              <a:schemeClr val="tx1">
+                <a:alpha val="24000"/>
+              </a:schemeClr>
+            </a:solidFill>
+            <a:ln>
+              <a:noFill/>
+            </a:ln>
+          </p:spPr>
+          <p:style>
+            <a:lnRef idx="1">
+              <a:schemeClr val="accent1"/>
+            </a:lnRef>
+            <a:fillRef idx="3">
+              <a:schemeClr val="accent1"/>
+            </a:fillRef>
+            <a:effectRef idx="2">
+              <a:schemeClr val="accent1"/>
+            </a:effectRef>
+            <a:fontRef idx="minor">
+              <a:schemeClr val="lt1"/>
+            </a:fontRef>
+          </p:style>
+          <p:txBody>
+            <a:bodyPr rtlCol="0" anchor="ctr"/>
+            <a:lstStyle/>
+            <a:p>
+              <a:pPr algn="ctr"/>
+              <a:endParaRPr lang="en-US"/>
+            </a:p>
+          </p:txBody>
+        </p:sp>
+        <p:grpSp>
+          <p:nvGrpSpPr>
+            <p:cNvPr id="8" name="Group 7"/>
+            <p:cNvGrpSpPr/>
+            <p:nvPr/>
+          </p:nvGrpSpPr>
+          <p:grpSpPr>
+            <a:xfrm>
+              <a:off x="304800" y="1560286"/>
+              <a:ext cx="1294344" cy="750332"/>
+              <a:chOff x="304800" y="1828800"/>
+              <a:chExt cx="550264" cy="750332"/>
+            </a:xfrm>
+          </p:grpSpPr>
+          <p:sp>
+            <p:nvSpPr>
+              <p:cNvPr id="4" name="TextBox 3"/>
+              <p:cNvSpPr txBox="1"/>
+              <p:nvPr/>
+            </p:nvSpPr>
+            <p:spPr>
+              <a:xfrm>
+                <a:off x="304800" y="1828800"/>
+                <a:ext cx="550264" cy="461665"/>
+              </a:xfrm>
+              <a:prstGeom prst="rect">
+                <a:avLst/>
+              </a:prstGeom>
+              <a:noFill/>
+            </p:spPr>
+            <p:txBody>
+              <a:bodyPr wrap="none" rtlCol="0">
+                <a:spAutoFit/>
+              </a:bodyPr>
+              <a:lstStyle/>
+              <a:p>
+                <a:r>
+                  <a:rPr lang="en-US" sz="2400" b="1" dirty="0"/>
+                  <a:t>Option 1</a:t>
+                </a:r>
+              </a:p>
+            </p:txBody>
+          </p:sp>
+          <p:sp>
+            <p:nvSpPr>
+              <p:cNvPr id="5" name="TextBox 4"/>
+              <p:cNvSpPr txBox="1"/>
+              <p:nvPr/>
+            </p:nvSpPr>
+            <p:spPr>
+              <a:xfrm>
+                <a:off x="304800" y="2209800"/>
+                <a:ext cx="307933" cy="369332"/>
+              </a:xfrm>
+              <a:prstGeom prst="rect">
+                <a:avLst/>
+              </a:prstGeom>
+              <a:noFill/>
+            </p:spPr>
+            <p:txBody>
+              <a:bodyPr wrap="none" rtlCol="0">
+                <a:spAutoFit/>
+              </a:bodyPr>
+              <a:lstStyle/>
+              <a:p>
+                <a:r>
+                  <a:rPr lang="en-US" dirty="0"/>
+                  <a:t>Alpha</a:t>
+                </a:r>
+              </a:p>
+            </p:txBody>
+          </p:sp>
+        </p:grpSp>
+      </p:grpSp>
+      <p:grpSp>
+        <p:nvGrpSpPr>
+          <p:cNvPr id="3" name="Group 2"/>
+          <p:cNvGrpSpPr/>
+          <p:nvPr/>
+        </p:nvGrpSpPr>
+        <p:grpSpPr>
+          <a:xfrm>
+            <a:off x="228600" y="4191000"/>
+            <a:ext cx="8610600" cy="1066800"/>
+            <a:chOff x="228600" y="4191000"/>
+            <a:chExt cx="8610600" cy="1066800"/>
+          </a:xfrm>
+        </p:grpSpPr>
+        <p:sp>
+          <p:nvSpPr>
+            <p:cNvPr id="22" name="Rounded Rectangle 21"/>
+            <p:cNvSpPr/>
+            <p:nvPr/>
+          </p:nvSpPr>
+          <p:spPr>
+            <a:xfrm>
+              <a:off x="228600" y="4191000"/>
+              <a:ext cx="8610600" cy="1066800"/>
+            </a:xfrm>
+            <a:prstGeom prst="roundRect">
+              <a:avLst/>
+            </a:prstGeom>
+            <a:solidFill>
+              <a:schemeClr val="tx1">
+                <a:alpha val="24000"/>
+              </a:schemeClr>
+            </a:solidFill>
+            <a:ln>
+              <a:noFill/>
+            </a:ln>
+          </p:spPr>
+          <p:style>
+            <a:lnRef idx="1">
+              <a:schemeClr val="accent1"/>
+            </a:lnRef>
+            <a:fillRef idx="3">
+              <a:schemeClr val="accent1"/>
+            </a:fillRef>
+            <a:effectRef idx="2">
+              <a:schemeClr val="accent1"/>
+            </a:effectRef>
+            <a:fontRef idx="minor">
+              <a:schemeClr val="lt1"/>
+            </a:fontRef>
+          </p:style>
+          <p:txBody>
+            <a:bodyPr rtlCol="0" anchor="ctr"/>
+            <a:lstStyle/>
+            <a:p>
+              <a:pPr algn="ctr"/>
+              <a:endParaRPr lang="en-US"/>
+            </a:p>
+          </p:txBody>
+        </p:sp>
+        <p:grpSp>
+          <p:nvGrpSpPr>
+            <p:cNvPr id="12" name="Group 11"/>
+            <p:cNvGrpSpPr/>
+            <p:nvPr/>
+          </p:nvGrpSpPr>
+          <p:grpSpPr>
+            <a:xfrm>
+              <a:off x="304800" y="4303486"/>
+              <a:ext cx="1294346" cy="750332"/>
+              <a:chOff x="304800" y="1828800"/>
+              <a:chExt cx="235676" cy="750332"/>
+            </a:xfrm>
+          </p:grpSpPr>
+          <p:sp>
+            <p:nvSpPr>
+              <p:cNvPr id="13" name="TextBox 12"/>
+              <p:cNvSpPr txBox="1"/>
+              <p:nvPr/>
+            </p:nvSpPr>
+            <p:spPr>
+              <a:xfrm>
+                <a:off x="304800" y="1828800"/>
+                <a:ext cx="235676" cy="461665"/>
+              </a:xfrm>
+              <a:prstGeom prst="rect">
+                <a:avLst/>
+              </a:prstGeom>
+              <a:noFill/>
+            </p:spPr>
+            <p:txBody>
+              <a:bodyPr wrap="none" rtlCol="0">
+                <a:spAutoFit/>
+              </a:bodyPr>
+              <a:lstStyle/>
+              <a:p>
+                <a:r>
+                  <a:rPr lang="en-US" sz="2400" b="1" dirty="0"/>
+                  <a:t>Option 3</a:t>
+                </a:r>
+              </a:p>
+            </p:txBody>
+          </p:sp>
+          <p:sp>
+            <p:nvSpPr>
+              <p:cNvPr id="14" name="TextBox 13"/>
+              <p:cNvSpPr txBox="1"/>
+              <p:nvPr/>
+            </p:nvSpPr>
+            <p:spPr>
+              <a:xfrm>
+                <a:off x="304800" y="2209800"/>
+                <a:ext cx="167555" cy="369332"/>
+              </a:xfrm>
+              <a:prstGeom prst="rect">
+                <a:avLst/>
+              </a:prstGeom>
+              <a:noFill/>
+            </p:spPr>
+            <p:txBody>
+              <a:bodyPr wrap="none" rtlCol="0">
+                <a:spAutoFit/>
+              </a:bodyPr>
+              <a:lstStyle/>
+              <a:p>
+                <a:r>
+                  <a:rPr lang="en-US" dirty="0"/>
+                  <a:t>Gamma</a:t>
+                </a:r>
+              </a:p>
+            </p:txBody>
+          </p:sp>
+        </p:grpSp>
+      </p:grpSp>
+      <p:sp>
+        <p:nvSpPr>
+          <p:cNvPr id="6" name="TextBox 5"/>
+          <p:cNvSpPr txBox="1"/>
+          <p:nvPr/>
+        </p:nvSpPr>
+        <p:spPr>
+          <a:xfrm>
+            <a:off x="228600" y="152400"/>
+            <a:ext cx="8610600" cy="769441"/>
+          </a:xfrm>
+          <a:prstGeom prst="rect">
+            <a:avLst/>
+          </a:prstGeom>
+          <a:noFill/>
+        </p:spPr>
+        <p:txBody>
+          <a:bodyPr wrap="square" rtlCol="0">
+            <a:spAutoFit/>
+          </a:bodyPr>
+          <a:lstStyle/>
+          <a:p>
+            <a:r>
+              <a:rPr lang="en-US" sz="4400" b="1" dirty="0"/>
+              <a:t>Options</a:t>
+            </a:r>
+          </a:p>
+        </p:txBody>
+      </p:sp>
+      <p:sp>
+        <p:nvSpPr>
+          <p:cNvPr id="7" name="TextBox 6"/>
+          <p:cNvSpPr txBox="1"/>
+          <p:nvPr/>
+        </p:nvSpPr>
+        <p:spPr>
+          <a:xfrm>
+            <a:off x="228600" y="762000"/>
+            <a:ext cx="8610600" cy="461665"/>
+          </a:xfrm>
+          <a:prstGeom prst="rect">
+            <a:avLst/>
+          </a:prstGeom>
+          <a:noFill/>
+        </p:spPr>
+        <p:txBody>
+          <a:bodyPr wrap="square" rtlCol="0">
+            <a:spAutoFit/>
+          </a:bodyPr>
+          <a:lstStyle/>
+          <a:p>
+            <a:r>
+              <a:rPr lang="en-US" sz="2400" b="1" dirty="0">
+                <a:solidFill>
+                  <a:schemeClr val="bg1">
+                    <a:lumMod val="50000"/>
+                    <a:lumOff val="50000"/>
+                  </a:schemeClr>
+                </a:solidFill>
+              </a:rPr>
+              <a:t>This is the sub-title</a:t>
+            </a:r>
+          </a:p>
+        </p:txBody>
+      </p:sp>
+      <p:grpSp>
+        <p:nvGrpSpPr>
+          <p:cNvPr id="18" name="Group 17"/>
+          <p:cNvGrpSpPr/>
+          <p:nvPr/>
+        </p:nvGrpSpPr>
+        <p:grpSpPr>
+          <a:xfrm>
+            <a:off x="228600" y="5562600"/>
+            <a:ext cx="8610600" cy="1066800"/>
+            <a:chOff x="228600" y="5562600"/>
+            <a:chExt cx="8610600" cy="1066800"/>
+          </a:xfrm>
+        </p:grpSpPr>
+        <p:sp>
+          <p:nvSpPr>
+            <p:cNvPr id="23" name="Rounded Rectangle 22"/>
+            <p:cNvSpPr/>
+            <p:nvPr/>
+          </p:nvSpPr>
+          <p:spPr>
+            <a:xfrm>
+              <a:off x="228600" y="5562600"/>
+              <a:ext cx="8610600" cy="1066800"/>
+            </a:xfrm>
+            <a:prstGeom prst="roundRect">
+              <a:avLst/>
+            </a:prstGeom>
+            <a:solidFill>
+              <a:schemeClr val="tx1">
+                <a:alpha val="24000"/>
+              </a:schemeClr>
+            </a:solidFill>
+            <a:ln>
+              <a:noFill/>
+            </a:ln>
+          </p:spPr>
+          <p:style>
+            <a:lnRef idx="1">
+              <a:schemeClr val="accent1"/>
+            </a:lnRef>
+            <a:fillRef idx="3">
+              <a:schemeClr val="accent1"/>
+            </a:fillRef>
+            <a:effectRef idx="2">
+              <a:schemeClr val="accent1"/>
+            </a:effectRef>
+            <a:fontRef idx="minor">
+              <a:schemeClr val="lt1"/>
+            </a:fontRef>
+          </p:style>
+          <p:txBody>
+            <a:bodyPr rtlCol="0" anchor="ctr"/>
+            <a:lstStyle/>
+            <a:p>
+              <a:pPr algn="ctr"/>
+              <a:endParaRPr lang="en-US"/>
+            </a:p>
+          </p:txBody>
+        </p:sp>
+        <p:grpSp>
+          <p:nvGrpSpPr>
+            <p:cNvPr id="15" name="Group 14"/>
+            <p:cNvGrpSpPr/>
+            <p:nvPr/>
+          </p:nvGrpSpPr>
+          <p:grpSpPr>
+            <a:xfrm>
+              <a:off x="304800" y="5715000"/>
+              <a:ext cx="1294344" cy="750332"/>
+              <a:chOff x="304800" y="1828800"/>
+              <a:chExt cx="232501" cy="750332"/>
+            </a:xfrm>
+          </p:grpSpPr>
+          <p:sp>
+            <p:nvSpPr>
+              <p:cNvPr id="16" name="TextBox 15"/>
+              <p:cNvSpPr txBox="1"/>
+              <p:nvPr/>
+            </p:nvSpPr>
+            <p:spPr>
+              <a:xfrm>
+                <a:off x="304800" y="1828800"/>
+                <a:ext cx="232501" cy="461665"/>
+              </a:xfrm>
+              <a:prstGeom prst="rect">
+                <a:avLst/>
+              </a:prstGeom>
+              <a:noFill/>
+            </p:spPr>
+            <p:txBody>
+              <a:bodyPr wrap="none" rtlCol="0">
+                <a:spAutoFit/>
+              </a:bodyPr>
+              <a:lstStyle/>
+              <a:p>
+                <a:r>
+                  <a:rPr lang="en-US" sz="2400" b="1" dirty="0"/>
+                  <a:t>Option 4</a:t>
+                </a:r>
+              </a:p>
+            </p:txBody>
+          </p:sp>
+          <p:sp>
+            <p:nvSpPr>
+              <p:cNvPr id="17" name="TextBox 16"/>
+              <p:cNvSpPr txBox="1"/>
+              <p:nvPr/>
+            </p:nvSpPr>
+            <p:spPr>
+              <a:xfrm>
+                <a:off x="304800" y="2209800"/>
+                <a:ext cx="122578" cy="369332"/>
+              </a:xfrm>
+              <a:prstGeom prst="rect">
+                <a:avLst/>
+              </a:prstGeom>
+              <a:noFill/>
+            </p:spPr>
+            <p:txBody>
+              <a:bodyPr wrap="none" rtlCol="0">
+                <a:spAutoFit/>
+              </a:bodyPr>
+              <a:lstStyle/>
+              <a:p>
+                <a:r>
+                  <a:rPr lang="en-US" dirty="0"/>
+                  <a:t>Delta</a:t>
+                </a:r>
+              </a:p>
+            </p:txBody>
+          </p:sp>
+        </p:grpSp>
+      </p:grpSp>
+      <p:grpSp>
+        <p:nvGrpSpPr>
+          <p:cNvPr id="2" name="Group 1"/>
+          <p:cNvGrpSpPr/>
+          <p:nvPr/>
+        </p:nvGrpSpPr>
+        <p:grpSpPr>
+          <a:xfrm>
+            <a:off x="228600" y="2819400"/>
+            <a:ext cx="8610600" cy="1066800"/>
+            <a:chOff x="228600" y="2819400"/>
+            <a:chExt cx="8610600" cy="1066800"/>
+          </a:xfrm>
+        </p:grpSpPr>
+        <p:sp>
+          <p:nvSpPr>
+            <p:cNvPr id="21" name="Rounded Rectangle 20"/>
+            <p:cNvSpPr/>
+            <p:nvPr/>
+          </p:nvSpPr>
+          <p:spPr>
+            <a:xfrm>
+              <a:off x="228600" y="2819400"/>
+              <a:ext cx="8610600" cy="1066800"/>
+            </a:xfrm>
+            <a:prstGeom prst="roundRect">
+              <a:avLst/>
+            </a:prstGeom>
+            <a:solidFill>
+              <a:schemeClr val="tx1">
+                <a:alpha val="24000"/>
+              </a:schemeClr>
+            </a:solidFill>
+            <a:ln>
+              <a:noFill/>
+            </a:ln>
+          </p:spPr>
+          <p:style>
+            <a:lnRef idx="1">
+              <a:schemeClr val="accent1"/>
+            </a:lnRef>
+            <a:fillRef idx="3">
+              <a:schemeClr val="accent1"/>
+            </a:fillRef>
+            <a:effectRef idx="2">
+              <a:schemeClr val="accent1"/>
+            </a:effectRef>
+            <a:fontRef idx="minor">
+              <a:schemeClr val="lt1"/>
+            </a:fontRef>
+          </p:style>
+          <p:txBody>
+            <a:bodyPr rtlCol="0" anchor="ctr"/>
+            <a:lstStyle/>
+            <a:p>
+              <a:pPr algn="ctr"/>
+              <a:endParaRPr lang="en-US"/>
+            </a:p>
+          </p:txBody>
+        </p:sp>
+        <p:grpSp>
+          <p:nvGrpSpPr>
+            <p:cNvPr id="9" name="Group 8"/>
+            <p:cNvGrpSpPr/>
+            <p:nvPr/>
+          </p:nvGrpSpPr>
+          <p:grpSpPr>
+            <a:xfrm>
+              <a:off x="304800" y="2943554"/>
+              <a:ext cx="1294344" cy="750332"/>
+              <a:chOff x="304800" y="1828800"/>
+              <a:chExt cx="325942" cy="750332"/>
+            </a:xfrm>
+          </p:grpSpPr>
+          <p:sp>
+            <p:nvSpPr>
+              <p:cNvPr id="10" name="TextBox 9"/>
+              <p:cNvSpPr txBox="1"/>
+              <p:nvPr/>
+            </p:nvSpPr>
+            <p:spPr>
+              <a:xfrm>
+                <a:off x="304800" y="1828800"/>
+                <a:ext cx="325942" cy="461665"/>
+              </a:xfrm>
+              <a:prstGeom prst="rect">
+                <a:avLst/>
+              </a:prstGeom>
+              <a:noFill/>
+            </p:spPr>
+            <p:txBody>
+              <a:bodyPr wrap="none" rtlCol="0">
+                <a:spAutoFit/>
+              </a:bodyPr>
+              <a:lstStyle/>
+              <a:p>
+                <a:r>
+                  <a:rPr lang="en-US" sz="2400" b="1" dirty="0"/>
+                  <a:t>Option 2</a:t>
+                </a:r>
+              </a:p>
+            </p:txBody>
+          </p:sp>
+          <p:sp>
+            <p:nvSpPr>
+              <p:cNvPr id="11" name="TextBox 10"/>
+              <p:cNvSpPr txBox="1"/>
+              <p:nvPr/>
+            </p:nvSpPr>
+            <p:spPr>
+              <a:xfrm>
+                <a:off x="304800" y="2209800"/>
+                <a:ext cx="154358" cy="369332"/>
+              </a:xfrm>
+              <a:prstGeom prst="rect">
+                <a:avLst/>
+              </a:prstGeom>
+              <a:noFill/>
+            </p:spPr>
+            <p:txBody>
+              <a:bodyPr wrap="none" rtlCol="0">
+                <a:spAutoFit/>
+              </a:bodyPr>
+              <a:lstStyle/>
+              <a:p>
+                <a:r>
+                  <a:rPr lang="en-US" dirty="0"/>
+                  <a:t>Beta</a:t>
+                </a:r>
+              </a:p>
+            </p:txBody>
+          </p:sp>
+        </p:grpSp>
+        <p:grpSp>
+          <p:nvGrpSpPr>
+            <p:cNvPr id="32" name="Group 31"/>
+            <p:cNvGrpSpPr/>
+            <p:nvPr/>
+          </p:nvGrpSpPr>
+          <p:grpSpPr>
+            <a:xfrm>
+              <a:off x="7696200" y="3124200"/>
+              <a:ext cx="558304" cy="533400"/>
+              <a:chOff x="7010400" y="3048000"/>
+              <a:chExt cx="558304" cy="533400"/>
+            </a:xfrm>
+          </p:grpSpPr>
+          <p:sp>
+            <p:nvSpPr>
+              <p:cNvPr id="29" name="Oval 28"/>
+              <p:cNvSpPr/>
+              <p:nvPr/>
+            </p:nvSpPr>
+            <p:spPr>
+              <a:xfrm>
+                <a:off x="7010400" y="3048000"/>
+                <a:ext cx="533400" cy="533400"/>
+              </a:xfrm>
+              <a:prstGeom prst="ellipse">
+                <a:avLst/>
+              </a:prstGeom>
+              <a:gradFill>
+                <a:gsLst>
+                  <a:gs pos="0">
+                    <a:srgbClr val="01B902"/>
+                  </a:gs>
+                  <a:gs pos="100000">
+                    <a:srgbClr val="69E168"/>
+                  </a:gs>
+                </a:gsLst>
+              </a:gradFill>
+              <a:ln>
+                <a:noFill/>
+              </a:ln>
+            </p:spPr>
+            <p:style>
+              <a:lnRef idx="1">
+                <a:schemeClr val="accent1"/>
+              </a:lnRef>
+              <a:fillRef idx="3">
+                <a:schemeClr val="accent1"/>
+              </a:fillRef>
+              <a:effectRef idx="2">
+                <a:schemeClr val="accent1"/>
+              </a:effectRef>
+              <a:fontRef idx="minor">
+                <a:schemeClr val="lt1"/>
+              </a:fontRef>
+            </p:style>
+            <p:txBody>
+              <a:bodyPr rtlCol="0" anchor="ctr"/>
+              <a:lstStyle/>
+              <a:p>
+                <a:pPr algn="ctr"/>
+                <a:endParaRPr lang="en-US" sz="2400" dirty="0">
+                  <a:solidFill>
+                    <a:schemeClr val="tx1"/>
+                  </a:solidFill>
+                </a:endParaRPr>
+              </a:p>
+            </p:txBody>
+          </p:sp>
+          <p:sp>
+            <p:nvSpPr>
+              <p:cNvPr id="30" name="TextBox 29"/>
+              <p:cNvSpPr txBox="1"/>
+              <p:nvPr/>
+            </p:nvSpPr>
+            <p:spPr>
+              <a:xfrm>
+                <a:off x="7024965" y="3058180"/>
+                <a:ext cx="543739" cy="523220"/>
+              </a:xfrm>
+              <a:prstGeom prst="rect">
+                <a:avLst/>
+              </a:prstGeom>
+              <a:noFill/>
+            </p:spPr>
+            <p:txBody>
+              <a:bodyPr wrap="none" rtlCol="0">
+                <a:spAutoFit/>
+              </a:bodyPr>
+              <a:lstStyle/>
+              <a:p>
+                <a:r>
+                  <a:rPr lang="en-US" sz="2800" dirty="0"/>
+                  <a:t>✓</a:t>
+                </a:r>
+              </a:p>
+            </p:txBody>
+          </p:sp>
+        </p:grpSp>
+      </p:grpSp>
+    </p:spTree>
+    <p:extLst>
+      <p:ext uri="{BB962C8B-B14F-4D97-AF65-F5344CB8AC3E}">
+        <p14:creationId xmlns:p14="http://schemas.microsoft.com/office/powerpoint/2010/main" val="2866932310"/>
+      </p:ext>
+    </p:extLst>
+  </p:cSld>
+  <p:clrMapOvr>
+    <a:masterClrMapping/>
+  </p:clrMapOvr>
+</p:sld>
+</file>
+
+<file path=ppt/slides/slide21.xml><?xml version="1.0" encoding="utf-8"?>
+<p:sld xmlns:a="http://schemas.openxmlformats.org/drawingml/2006/main" xmlns:r="http://schemas.openxmlformats.org/officeDocument/2006/relationships" xmlns:p="http://schemas.openxmlformats.org/presentationml/2006/main">
+  <p:cSld>
+    <p:spTree>
+      <p:nvGrpSpPr>
+        <p:cNvPr id="1" name=""/>
+        <p:cNvGrpSpPr/>
+        <p:nvPr/>
+      </p:nvGrpSpPr>
+      <p:grpSpPr>
+        <a:xfrm>
+          <a:off x="0" y="0"/>
+          <a:ext cx="0" cy="0"/>
+          <a:chOff x="0" y="0"/>
+          <a:chExt cx="0" cy="0"/>
+        </a:xfrm>
+      </p:grpSpPr>
+      <p:sp>
+        <p:nvSpPr>
+          <p:cNvPr id="6" name="TextBox 5"/>
+          <p:cNvSpPr txBox="1"/>
+          <p:nvPr/>
+        </p:nvSpPr>
+        <p:spPr>
+          <a:xfrm>
+            <a:off x="228600" y="152400"/>
+            <a:ext cx="8610600" cy="769441"/>
+          </a:xfrm>
+          <a:prstGeom prst="rect">
+            <a:avLst/>
+          </a:prstGeom>
+          <a:noFill/>
+        </p:spPr>
+        <p:txBody>
+          <a:bodyPr wrap="square" rtlCol="0">
+            <a:spAutoFit/>
+          </a:bodyPr>
+          <a:lstStyle/>
+          <a:p>
+            <a:r>
+              <a:rPr lang="en-US" sz="4400" b="1" dirty="0"/>
+              <a:t>List</a:t>
+            </a:r>
+          </a:p>
+        </p:txBody>
+      </p:sp>
+      <p:sp>
+        <p:nvSpPr>
+          <p:cNvPr id="28" name="Content Placeholder 2"/>
+          <p:cNvSpPr>
+            <a:spLocks noGrp="1"/>
+          </p:cNvSpPr>
+          <p:nvPr>
+            <p:ph idx="1"/>
+          </p:nvPr>
+        </p:nvSpPr>
+        <p:spPr>
+          <a:xfrm>
+            <a:off x="457200" y="1600200"/>
+            <a:ext cx="8229600" cy="4525963"/>
+          </a:xfrm>
+        </p:spPr>
+        <p:txBody>
+          <a:bodyPr/>
+          <a:lstStyle/>
+          <a:p>
+            <a:r>
+              <a:rPr lang="en-US" dirty="0">
+                <a:solidFill>
+                  <a:srgbClr val="FFFFFF"/>
+                </a:solidFill>
+              </a:rPr>
+              <a:t>Alpha</a:t>
+            </a:r>
+          </a:p>
+          <a:p>
+            <a:r>
+              <a:rPr lang="en-US" dirty="0">
+                <a:solidFill>
+                  <a:srgbClr val="FFFFFF"/>
+                </a:solidFill>
+              </a:rPr>
+              <a:t>Beta</a:t>
+            </a:r>
+          </a:p>
+          <a:p>
+            <a:r>
+              <a:rPr lang="en-US" dirty="0">
+                <a:solidFill>
+                  <a:srgbClr val="FFFFFF"/>
+                </a:solidFill>
+              </a:rPr>
+              <a:t>Gamma</a:t>
+            </a:r>
+          </a:p>
+          <a:p>
+            <a:r>
+              <a:rPr lang="en-US" dirty="0">
+                <a:solidFill>
+                  <a:srgbClr val="FFFFFF"/>
+                </a:solidFill>
+              </a:rPr>
+              <a:t>Delta</a:t>
+            </a:r>
+          </a:p>
+        </p:txBody>
+      </p:sp>
+      <p:sp>
+        <p:nvSpPr>
+          <p:cNvPr id="5" name="TextBox 4"/>
+          <p:cNvSpPr txBox="1"/>
+          <p:nvPr/>
+        </p:nvSpPr>
+        <p:spPr>
+          <a:xfrm>
+            <a:off x="228600" y="762000"/>
+            <a:ext cx="8610600" cy="461665"/>
+          </a:xfrm>
+          <a:prstGeom prst="rect">
+            <a:avLst/>
+          </a:prstGeom>
+          <a:noFill/>
+        </p:spPr>
+        <p:txBody>
+          <a:bodyPr wrap="square" rtlCol="0">
+            <a:spAutoFit/>
+          </a:bodyPr>
+          <a:lstStyle/>
+          <a:p>
+            <a:r>
+              <a:rPr lang="en-US" sz="2400" b="1" dirty="0">
+                <a:solidFill>
+                  <a:schemeClr val="bg1">
+                    <a:lumMod val="50000"/>
+                    <a:lumOff val="50000"/>
+                  </a:schemeClr>
+                </a:solidFill>
+              </a:rPr>
+              <a:t>This is the sub-title</a:t>
+            </a:r>
+          </a:p>
+        </p:txBody>
+      </p:sp>
+    </p:spTree>
+    <p:extLst>
+      <p:ext uri="{BB962C8B-B14F-4D97-AF65-F5344CB8AC3E}">
+        <p14:creationId xmlns:p14="http://schemas.microsoft.com/office/powerpoint/2010/main" val="1942948363"/>
+      </p:ext>
+    </p:extLst>
+  </p:cSld>
+  <p:clrMapOvr>
+    <a:masterClrMapping/>
+  </p:clrMapOvr>
+</p:sld>
+</file>
+
+<file path=ppt/slides/slide22.xml><?xml version="1.0" encoding="utf-8"?>
+<p:sld xmlns:a="http://schemas.openxmlformats.org/drawingml/2006/main" xmlns:r="http://schemas.openxmlformats.org/officeDocument/2006/relationships" xmlns:p="http://schemas.openxmlformats.org/presentationml/2006/main">
+  <p:cSld>
+    <p:spTree>
+      <p:nvGrpSpPr>
+        <p:cNvPr id="1" name=""/>
+        <p:cNvGrpSpPr/>
+        <p:nvPr/>
+      </p:nvGrpSpPr>
+      <p:grpSpPr>
+        <a:xfrm>
+          <a:off x="0" y="0"/>
+          <a:ext cx="0" cy="0"/>
+          <a:chOff x="0" y="0"/>
+          <a:chExt cx="0" cy="0"/>
+        </a:xfrm>
+      </p:grpSpPr>
       <p:sp>
         <p:nvSpPr>
           <p:cNvPr id="6" name="TextBox 5"/>
@@ -16655,7 +18415,7 @@
 </p:sld>
 </file>
 
-<file path=ppt/slides/slide21.xml><?xml version="1.0" encoding="utf-8"?>
+<file path=ppt/slides/slide23.xml><?xml version="1.0" encoding="utf-8"?>
 <p:sld xmlns:a="http://schemas.openxmlformats.org/drawingml/2006/main" xmlns:r="http://schemas.openxmlformats.org/officeDocument/2006/relationships" xmlns:p="http://schemas.openxmlformats.org/presentationml/2006/main">
   <p:cSld>
     <p:spTree>
@@ -17675,7 +19435,7 @@
 </p:sld>
 </file>
 
-<file path=ppt/slides/slide22.xml><?xml version="1.0" encoding="utf-8"?>
+<file path=ppt/slides/slide24.xml><?xml version="1.0" encoding="utf-8"?>
 <p:sld xmlns:a="http://schemas.openxmlformats.org/drawingml/2006/main" xmlns:r="http://schemas.openxmlformats.org/officeDocument/2006/relationships" xmlns:p="http://schemas.openxmlformats.org/presentationml/2006/main">
   <p:cSld>
     <p:spTree>
@@ -18723,7 +20483,741 @@
 </p:sld>
 </file>
 
-<file path=ppt/slides/slide23.xml><?xml version="1.0" encoding="utf-8"?>
+<file path=ppt/slides/slide25.xml><?xml version="1.0" encoding="utf-8"?>
+<p:sld xmlns:a="http://schemas.openxmlformats.org/drawingml/2006/main" xmlns:r="http://schemas.openxmlformats.org/officeDocument/2006/relationships" xmlns:p="http://schemas.openxmlformats.org/presentationml/2006/main">
+  <p:cSld>
+    <p:spTree>
+      <p:nvGrpSpPr>
+        <p:cNvPr id="1" name=""/>
+        <p:cNvGrpSpPr/>
+        <p:nvPr/>
+      </p:nvGrpSpPr>
+      <p:grpSpPr>
+        <a:xfrm>
+          <a:off x="0" y="0"/>
+          <a:ext cx="0" cy="0"/>
+          <a:chOff x="0" y="0"/>
+          <a:chExt cx="0" cy="0"/>
+        </a:xfrm>
+      </p:grpSpPr>
+      <p:grpSp>
+        <p:nvGrpSpPr>
+          <p:cNvPr id="4" name="Group 3">
+            <a:extLst>
+              <a:ext uri="{FF2B5EF4-FFF2-40B4-BE49-F238E27FC236}">
+                <a16:creationId xmlns:a16="http://schemas.microsoft.com/office/drawing/2014/main" id="{76D0AD62-610F-2343-9B0E-52F648458EA8}"/>
+              </a:ext>
+            </a:extLst>
+          </p:cNvPr>
+          <p:cNvGrpSpPr/>
+          <p:nvPr/>
+        </p:nvGrpSpPr>
+        <p:grpSpPr>
+          <a:xfrm>
+            <a:off x="209549" y="1669464"/>
+            <a:ext cx="8724901" cy="954107"/>
+            <a:chOff x="304800" y="4648200"/>
+            <a:chExt cx="8724901" cy="954107"/>
+          </a:xfrm>
+        </p:grpSpPr>
+        <p:sp>
+          <p:nvSpPr>
+            <p:cNvPr id="2" name="TextBox 1">
+              <a:extLst>
+                <a:ext uri="{FF2B5EF4-FFF2-40B4-BE49-F238E27FC236}">
+                  <a16:creationId xmlns:a16="http://schemas.microsoft.com/office/drawing/2014/main" id="{65E69FF4-5D6C-1F4A-BC1D-8328E1004154}"/>
+                </a:ext>
+              </a:extLst>
+            </p:cNvPr>
+            <p:cNvSpPr txBox="1"/>
+            <p:nvPr/>
+          </p:nvSpPr>
+          <p:spPr>
+            <a:xfrm>
+              <a:off x="304800" y="4648200"/>
+              <a:ext cx="1147943" cy="523220"/>
+            </a:xfrm>
+            <a:prstGeom prst="rect">
+              <a:avLst/>
+            </a:prstGeom>
+            <a:noFill/>
+          </p:spPr>
+          <p:txBody>
+            <a:bodyPr wrap="none" rtlCol="0">
+              <a:spAutoFit/>
+            </a:bodyPr>
+            <a:lstStyle/>
+            <a:p>
+              <a:r>
+                <a:rPr lang="en-US" sz="2800" dirty="0">
+                  <a:solidFill>
+                    <a:srgbClr val="009EC0"/>
+                  </a:solidFill>
+                </a:rPr>
+                <a:t>What?</a:t>
+              </a:r>
+            </a:p>
+          </p:txBody>
+        </p:sp>
+        <p:sp>
+          <p:nvSpPr>
+            <p:cNvPr id="3" name="TextBox 2">
+              <a:extLst>
+                <a:ext uri="{FF2B5EF4-FFF2-40B4-BE49-F238E27FC236}">
+                  <a16:creationId xmlns:a16="http://schemas.microsoft.com/office/drawing/2014/main" id="{E796A5EC-87C6-D048-8010-771FD1CA8E24}"/>
+                </a:ext>
+              </a:extLst>
+            </p:cNvPr>
+            <p:cNvSpPr txBox="1"/>
+            <p:nvPr/>
+          </p:nvSpPr>
+          <p:spPr>
+            <a:xfrm>
+              <a:off x="1600201" y="4648200"/>
+              <a:ext cx="7429500" cy="954107"/>
+            </a:xfrm>
+            <a:prstGeom prst="rect">
+              <a:avLst/>
+            </a:prstGeom>
+            <a:noFill/>
+          </p:spPr>
+          <p:txBody>
+            <a:bodyPr wrap="square" rtlCol="0">
+              <a:spAutoFit/>
+            </a:bodyPr>
+            <a:lstStyle/>
+            <a:p>
+              <a:r>
+                <a:rPr lang="en-US" sz="2800" dirty="0"/>
+                <a:t>Use questions to engage others (not just statements)</a:t>
+              </a:r>
+            </a:p>
+          </p:txBody>
+        </p:sp>
+      </p:grpSp>
+      <p:grpSp>
+        <p:nvGrpSpPr>
+          <p:cNvPr id="6" name="Group 5">
+            <a:extLst>
+              <a:ext uri="{FF2B5EF4-FFF2-40B4-BE49-F238E27FC236}">
+                <a16:creationId xmlns:a16="http://schemas.microsoft.com/office/drawing/2014/main" id="{16DEED69-411E-5C47-8C2F-1FA7F3AC4BAB}"/>
+              </a:ext>
+            </a:extLst>
+          </p:cNvPr>
+          <p:cNvGrpSpPr/>
+          <p:nvPr/>
+        </p:nvGrpSpPr>
+        <p:grpSpPr>
+          <a:xfrm>
+            <a:off x="209549" y="2860491"/>
+            <a:ext cx="8724901" cy="954107"/>
+            <a:chOff x="304800" y="4648200"/>
+            <a:chExt cx="8724901" cy="954107"/>
+          </a:xfrm>
+        </p:grpSpPr>
+        <p:sp>
+          <p:nvSpPr>
+            <p:cNvPr id="7" name="TextBox 6">
+              <a:extLst>
+                <a:ext uri="{FF2B5EF4-FFF2-40B4-BE49-F238E27FC236}">
+                  <a16:creationId xmlns:a16="http://schemas.microsoft.com/office/drawing/2014/main" id="{0BE67C1E-EE53-F64B-A1C4-C71C7BD5283F}"/>
+                </a:ext>
+              </a:extLst>
+            </p:cNvPr>
+            <p:cNvSpPr txBox="1"/>
+            <p:nvPr/>
+          </p:nvSpPr>
+          <p:spPr>
+            <a:xfrm>
+              <a:off x="304800" y="4648200"/>
+              <a:ext cx="1014765" cy="523220"/>
+            </a:xfrm>
+            <a:prstGeom prst="rect">
+              <a:avLst/>
+            </a:prstGeom>
+            <a:noFill/>
+          </p:spPr>
+          <p:txBody>
+            <a:bodyPr wrap="none" rtlCol="0">
+              <a:spAutoFit/>
+            </a:bodyPr>
+            <a:lstStyle/>
+            <a:p>
+              <a:r>
+                <a:rPr lang="en-US" sz="2800" dirty="0">
+                  <a:solidFill>
+                    <a:srgbClr val="009EC0"/>
+                  </a:solidFill>
+                </a:rPr>
+                <a:t>Why?</a:t>
+              </a:r>
+            </a:p>
+          </p:txBody>
+        </p:sp>
+        <p:sp>
+          <p:nvSpPr>
+            <p:cNvPr id="8" name="TextBox 7">
+              <a:extLst>
+                <a:ext uri="{FF2B5EF4-FFF2-40B4-BE49-F238E27FC236}">
+                  <a16:creationId xmlns:a16="http://schemas.microsoft.com/office/drawing/2014/main" id="{44657A2D-A10C-1745-AFDB-1C0FC5EA2AAD}"/>
+                </a:ext>
+              </a:extLst>
+            </p:cNvPr>
+            <p:cNvSpPr txBox="1"/>
+            <p:nvPr/>
+          </p:nvSpPr>
+          <p:spPr>
+            <a:xfrm>
+              <a:off x="1600201" y="4648200"/>
+              <a:ext cx="7429500" cy="954107"/>
+            </a:xfrm>
+            <a:prstGeom prst="rect">
+              <a:avLst/>
+            </a:prstGeom>
+            <a:noFill/>
+          </p:spPr>
+          <p:txBody>
+            <a:bodyPr wrap="square" rtlCol="0">
+              <a:spAutoFit/>
+            </a:bodyPr>
+            <a:lstStyle/>
+            <a:p>
+              <a:pPr marL="457200" indent="-457200">
+                <a:buFont typeface="+mj-lt"/>
+                <a:buAutoNum type="arabicPeriod"/>
+              </a:pPr>
+              <a:r>
+                <a:rPr lang="en-US" sz="2800" dirty="0"/>
+                <a:t>Makes your job </a:t>
+              </a:r>
+              <a:r>
+                <a:rPr lang="en-US" sz="2800" b="1" dirty="0">
+                  <a:highlight>
+                    <a:srgbClr val="C00002"/>
+                  </a:highlight>
+                </a:rPr>
+                <a:t>easier</a:t>
+              </a:r>
+            </a:p>
+            <a:p>
+              <a:pPr marL="457200" indent="-457200">
+                <a:buFont typeface="+mj-lt"/>
+                <a:buAutoNum type="arabicPeriod"/>
+              </a:pPr>
+              <a:r>
+                <a:rPr lang="en-US" sz="2800" dirty="0"/>
+                <a:t>Is more effective</a:t>
+              </a:r>
+            </a:p>
+          </p:txBody>
+        </p:sp>
+      </p:grpSp>
+      <p:grpSp>
+        <p:nvGrpSpPr>
+          <p:cNvPr id="9" name="Group 8">
+            <a:extLst>
+              <a:ext uri="{FF2B5EF4-FFF2-40B4-BE49-F238E27FC236}">
+                <a16:creationId xmlns:a16="http://schemas.microsoft.com/office/drawing/2014/main" id="{493A2E7B-FE2C-7045-B882-6D1EC3306C1D}"/>
+              </a:ext>
+            </a:extLst>
+          </p:cNvPr>
+          <p:cNvGrpSpPr/>
+          <p:nvPr/>
+        </p:nvGrpSpPr>
+        <p:grpSpPr>
+          <a:xfrm>
+            <a:off x="209549" y="4051518"/>
+            <a:ext cx="8724901" cy="1815882"/>
+            <a:chOff x="304800" y="4648200"/>
+            <a:chExt cx="8724901" cy="1815882"/>
+          </a:xfrm>
+        </p:grpSpPr>
+        <p:sp>
+          <p:nvSpPr>
+            <p:cNvPr id="10" name="TextBox 9">
+              <a:extLst>
+                <a:ext uri="{FF2B5EF4-FFF2-40B4-BE49-F238E27FC236}">
+                  <a16:creationId xmlns:a16="http://schemas.microsoft.com/office/drawing/2014/main" id="{DCC9CB31-E9E8-7549-8460-8E8840BD1585}"/>
+                </a:ext>
+              </a:extLst>
+            </p:cNvPr>
+            <p:cNvSpPr txBox="1"/>
+            <p:nvPr/>
+          </p:nvSpPr>
+          <p:spPr>
+            <a:xfrm>
+              <a:off x="304800" y="4648200"/>
+              <a:ext cx="1020023" cy="523220"/>
+            </a:xfrm>
+            <a:prstGeom prst="rect">
+              <a:avLst/>
+            </a:prstGeom>
+            <a:noFill/>
+          </p:spPr>
+          <p:txBody>
+            <a:bodyPr wrap="none" rtlCol="0">
+              <a:spAutoFit/>
+            </a:bodyPr>
+            <a:lstStyle/>
+            <a:p>
+              <a:r>
+                <a:rPr lang="en-US" sz="2800" dirty="0">
+                  <a:solidFill>
+                    <a:srgbClr val="009EC0"/>
+                  </a:solidFill>
+                </a:rPr>
+                <a:t>How?</a:t>
+              </a:r>
+            </a:p>
+          </p:txBody>
+        </p:sp>
+        <p:sp>
+          <p:nvSpPr>
+            <p:cNvPr id="11" name="TextBox 10">
+              <a:extLst>
+                <a:ext uri="{FF2B5EF4-FFF2-40B4-BE49-F238E27FC236}">
+                  <a16:creationId xmlns:a16="http://schemas.microsoft.com/office/drawing/2014/main" id="{4729ADED-FFF5-454C-BE17-6323C474D829}"/>
+                </a:ext>
+              </a:extLst>
+            </p:cNvPr>
+            <p:cNvSpPr txBox="1"/>
+            <p:nvPr/>
+          </p:nvSpPr>
+          <p:spPr>
+            <a:xfrm>
+              <a:off x="1600201" y="4648200"/>
+              <a:ext cx="7429500" cy="1815882"/>
+            </a:xfrm>
+            <a:prstGeom prst="rect">
+              <a:avLst/>
+            </a:prstGeom>
+            <a:noFill/>
+          </p:spPr>
+          <p:txBody>
+            <a:bodyPr wrap="square" rtlCol="0">
+              <a:spAutoFit/>
+            </a:bodyPr>
+            <a:lstStyle/>
+            <a:p>
+              <a:r>
+                <a:rPr lang="en-US" sz="2800" dirty="0"/>
+                <a:t>By asking:</a:t>
+              </a:r>
+            </a:p>
+            <a:p>
+              <a:pPr marL="342900" indent="-342900">
+                <a:buAutoNum type="arabicPeriod"/>
+              </a:pPr>
+              <a:r>
+                <a:rPr lang="en-US" sz="2800" dirty="0"/>
+                <a:t>What do you mean by that?</a:t>
+              </a:r>
+            </a:p>
+            <a:p>
+              <a:pPr marL="342900" indent="-342900">
+                <a:buAutoNum type="arabicPeriod"/>
+              </a:pPr>
+              <a:r>
+                <a:rPr lang="en-US" sz="2800" dirty="0"/>
+                <a:t>How did you come to that conclusion?</a:t>
+              </a:r>
+            </a:p>
+            <a:p>
+              <a:pPr marL="342900" indent="-342900">
+                <a:buAutoNum type="arabicPeriod"/>
+              </a:pPr>
+              <a:r>
+                <a:rPr lang="en-US" sz="2800" dirty="0"/>
+                <a:t>Could you help me with ___?</a:t>
+              </a:r>
+            </a:p>
+          </p:txBody>
+        </p:sp>
+      </p:grpSp>
+      <p:cxnSp>
+        <p:nvCxnSpPr>
+          <p:cNvPr id="13" name="Straight Connector 12">
+            <a:extLst>
+              <a:ext uri="{FF2B5EF4-FFF2-40B4-BE49-F238E27FC236}">
+                <a16:creationId xmlns:a16="http://schemas.microsoft.com/office/drawing/2014/main" id="{09B462F9-C753-8044-8DE2-965ABC154D9C}"/>
+              </a:ext>
+            </a:extLst>
+          </p:cNvPr>
+          <p:cNvCxnSpPr>
+            <a:cxnSpLocks/>
+          </p:cNvCxnSpPr>
+          <p:nvPr/>
+        </p:nvCxnSpPr>
+        <p:spPr>
+          <a:xfrm>
+            <a:off x="1373874" y="1669464"/>
+            <a:ext cx="0" cy="4197936"/>
+          </a:xfrm>
+          <a:prstGeom prst="line">
+            <a:avLst/>
+          </a:prstGeom>
+          <a:ln>
+            <a:solidFill>
+              <a:schemeClr val="bg1">
+                <a:lumMod val="75000"/>
+                <a:lumOff val="25000"/>
+              </a:schemeClr>
+            </a:solidFill>
+          </a:ln>
+        </p:spPr>
+        <p:style>
+          <a:lnRef idx="1">
+            <a:schemeClr val="accent1"/>
+          </a:lnRef>
+          <a:fillRef idx="0">
+            <a:schemeClr val="accent1"/>
+          </a:fillRef>
+          <a:effectRef idx="0">
+            <a:schemeClr val="accent1"/>
+          </a:effectRef>
+          <a:fontRef idx="minor">
+            <a:schemeClr val="tx1"/>
+          </a:fontRef>
+        </p:style>
+      </p:cxnSp>
+      <p:sp>
+        <p:nvSpPr>
+          <p:cNvPr id="15" name="TextBox 14">
+            <a:extLst>
+              <a:ext uri="{FF2B5EF4-FFF2-40B4-BE49-F238E27FC236}">
+                <a16:creationId xmlns:a16="http://schemas.microsoft.com/office/drawing/2014/main" id="{C43D1156-26DE-A44F-B5F8-AACFA794E957}"/>
+              </a:ext>
+            </a:extLst>
+          </p:cNvPr>
+          <p:cNvSpPr txBox="1"/>
+          <p:nvPr/>
+        </p:nvSpPr>
+        <p:spPr>
+          <a:xfrm>
+            <a:off x="209549" y="708674"/>
+            <a:ext cx="8934451" cy="769441"/>
+          </a:xfrm>
+          <a:prstGeom prst="rect">
+            <a:avLst/>
+          </a:prstGeom>
+          <a:noFill/>
+        </p:spPr>
+        <p:txBody>
+          <a:bodyPr wrap="square" rtlCol="0">
+            <a:spAutoFit/>
+          </a:bodyPr>
+          <a:lstStyle/>
+          <a:p>
+            <a:r>
+              <a:rPr lang="en-US" sz="4400" b="1" dirty="0"/>
+              <a:t>IDEA IN BRIEF</a:t>
+            </a:r>
+          </a:p>
+        </p:txBody>
+      </p:sp>
+    </p:spTree>
+    <p:extLst>
+      <p:ext uri="{BB962C8B-B14F-4D97-AF65-F5344CB8AC3E}">
+        <p14:creationId xmlns:p14="http://schemas.microsoft.com/office/powerpoint/2010/main" val="1389460841"/>
+      </p:ext>
+    </p:extLst>
+  </p:cSld>
+  <p:clrMapOvr>
+    <a:masterClrMapping/>
+  </p:clrMapOvr>
+  <p:timing>
+    <p:tnLst>
+      <p:par>
+        <p:cTn id="1" dur="indefinite" restart="never" nodeType="tmRoot">
+          <p:childTnLst>
+            <p:seq concurrent="1" nextAc="seek">
+              <p:cTn id="2" dur="indefinite" nodeType="mainSeq">
+                <p:childTnLst>
+                  <p:par>
+                    <p:cTn id="3" fill="hold">
+                      <p:stCondLst>
+                        <p:cond delay="indefinite"/>
+                      </p:stCondLst>
+                      <p:childTnLst>
+                        <p:par>
+                          <p:cTn id="4" fill="hold">
+                            <p:stCondLst>
+                              <p:cond delay="0"/>
+                            </p:stCondLst>
+                            <p:childTnLst>
+                              <p:par>
+                                <p:cTn id="5" presetID="10" presetClass="entr" presetSubtype="0" fill="hold" grpId="0" nodeType="clickEffect">
+                                  <p:stCondLst>
+                                    <p:cond delay="0"/>
+                                  </p:stCondLst>
+                                  <p:childTnLst>
+                                    <p:set>
+                                      <p:cBhvr>
+                                        <p:cTn id="6" dur="1" fill="hold">
+                                          <p:stCondLst>
+                                            <p:cond delay="0"/>
+                                          </p:stCondLst>
+                                        </p:cTn>
+                                        <p:tgtEl>
+                                          <p:spTgt spid="15"/>
+                                        </p:tgtEl>
+                                        <p:attrNameLst>
+                                          <p:attrName>style.visibility</p:attrName>
+                                        </p:attrNameLst>
+                                      </p:cBhvr>
+                                      <p:to>
+                                        <p:strVal val="visible"/>
+                                      </p:to>
+                                    </p:set>
+                                    <p:animEffect transition="in" filter="fade">
+                                      <p:cBhvr>
+                                        <p:cTn id="7" dur="250"/>
+                                        <p:tgtEl>
+                                          <p:spTgt spid="15"/>
+                                        </p:tgtEl>
+                                      </p:cBhvr>
+                                    </p:animEffect>
+                                  </p:childTnLst>
+                                </p:cTn>
+                              </p:par>
+                            </p:childTnLst>
+                          </p:cTn>
+                        </p:par>
+                      </p:childTnLst>
+                    </p:cTn>
+                  </p:par>
+                  <p:par>
+                    <p:cTn id="8" fill="hold">
+                      <p:stCondLst>
+                        <p:cond delay="indefinite"/>
+                      </p:stCondLst>
+                      <p:childTnLst>
+                        <p:par>
+                          <p:cTn id="9" fill="hold">
+                            <p:stCondLst>
+                              <p:cond delay="0"/>
+                            </p:stCondLst>
+                            <p:childTnLst>
+                              <p:par>
+                                <p:cTn id="10" presetID="10" presetClass="entr" presetSubtype="0" fill="hold" nodeType="clickEffect">
+                                  <p:stCondLst>
+                                    <p:cond delay="0"/>
+                                  </p:stCondLst>
+                                  <p:childTnLst>
+                                    <p:set>
+                                      <p:cBhvr>
+                                        <p:cTn id="11" dur="1" fill="hold">
+                                          <p:stCondLst>
+                                            <p:cond delay="0"/>
+                                          </p:stCondLst>
+                                        </p:cTn>
+                                        <p:tgtEl>
+                                          <p:spTgt spid="13"/>
+                                        </p:tgtEl>
+                                        <p:attrNameLst>
+                                          <p:attrName>style.visibility</p:attrName>
+                                        </p:attrNameLst>
+                                      </p:cBhvr>
+                                      <p:to>
+                                        <p:strVal val="visible"/>
+                                      </p:to>
+                                    </p:set>
+                                    <p:animEffect transition="in" filter="fade">
+                                      <p:cBhvr>
+                                        <p:cTn id="12" dur="250"/>
+                                        <p:tgtEl>
+                                          <p:spTgt spid="13"/>
+                                        </p:tgtEl>
+                                      </p:cBhvr>
+                                    </p:animEffect>
+                                  </p:childTnLst>
+                                </p:cTn>
+                              </p:par>
+                            </p:childTnLst>
+                          </p:cTn>
+                        </p:par>
+                        <p:par>
+                          <p:cTn id="13" fill="hold">
+                            <p:stCondLst>
+                              <p:cond delay="250"/>
+                            </p:stCondLst>
+                            <p:childTnLst>
+                              <p:par>
+                                <p:cTn id="14" presetID="10" presetClass="entr" presetSubtype="0" fill="hold" nodeType="afterEffect">
+                                  <p:stCondLst>
+                                    <p:cond delay="0"/>
+                                  </p:stCondLst>
+                                  <p:childTnLst>
+                                    <p:set>
+                                      <p:cBhvr>
+                                        <p:cTn id="15" dur="1" fill="hold">
+                                          <p:stCondLst>
+                                            <p:cond delay="0"/>
+                                          </p:stCondLst>
+                                        </p:cTn>
+                                        <p:tgtEl>
+                                          <p:spTgt spid="4"/>
+                                        </p:tgtEl>
+                                        <p:attrNameLst>
+                                          <p:attrName>style.visibility</p:attrName>
+                                        </p:attrNameLst>
+                                      </p:cBhvr>
+                                      <p:to>
+                                        <p:strVal val="visible"/>
+                                      </p:to>
+                                    </p:set>
+                                    <p:animEffect transition="in" filter="fade">
+                                      <p:cBhvr>
+                                        <p:cTn id="16" dur="250"/>
+                                        <p:tgtEl>
+                                          <p:spTgt spid="4"/>
+                                        </p:tgtEl>
+                                      </p:cBhvr>
+                                    </p:animEffect>
+                                  </p:childTnLst>
+                                </p:cTn>
+                              </p:par>
+                            </p:childTnLst>
+                          </p:cTn>
+                        </p:par>
+                      </p:childTnLst>
+                    </p:cTn>
+                  </p:par>
+                  <p:par>
+                    <p:cTn id="17" fill="hold">
+                      <p:stCondLst>
+                        <p:cond delay="indefinite"/>
+                      </p:stCondLst>
+                      <p:childTnLst>
+                        <p:par>
+                          <p:cTn id="18" fill="hold">
+                            <p:stCondLst>
+                              <p:cond delay="0"/>
+                            </p:stCondLst>
+                            <p:childTnLst>
+                              <p:par>
+                                <p:cTn id="19" presetID="10" presetClass="entr" presetSubtype="0" fill="hold" nodeType="clickEffect">
+                                  <p:stCondLst>
+                                    <p:cond delay="0"/>
+                                  </p:stCondLst>
+                                  <p:childTnLst>
+                                    <p:set>
+                                      <p:cBhvr>
+                                        <p:cTn id="20" dur="1" fill="hold">
+                                          <p:stCondLst>
+                                            <p:cond delay="0"/>
+                                          </p:stCondLst>
+                                        </p:cTn>
+                                        <p:tgtEl>
+                                          <p:spTgt spid="6"/>
+                                        </p:tgtEl>
+                                        <p:attrNameLst>
+                                          <p:attrName>style.visibility</p:attrName>
+                                        </p:attrNameLst>
+                                      </p:cBhvr>
+                                      <p:to>
+                                        <p:strVal val="visible"/>
+                                      </p:to>
+                                    </p:set>
+                                    <p:animEffect transition="in" filter="fade">
+                                      <p:cBhvr>
+                                        <p:cTn id="21" dur="250"/>
+                                        <p:tgtEl>
+                                          <p:spTgt spid="6"/>
+                                        </p:tgtEl>
+                                      </p:cBhvr>
+                                    </p:animEffect>
+                                  </p:childTnLst>
+                                </p:cTn>
+                              </p:par>
+                            </p:childTnLst>
+                          </p:cTn>
+                        </p:par>
+                      </p:childTnLst>
+                    </p:cTn>
+                  </p:par>
+                  <p:par>
+                    <p:cTn id="22" fill="hold">
+                      <p:stCondLst>
+                        <p:cond delay="indefinite"/>
+                      </p:stCondLst>
+                      <p:childTnLst>
+                        <p:par>
+                          <p:cTn id="23" fill="hold">
+                            <p:stCondLst>
+                              <p:cond delay="0"/>
+                            </p:stCondLst>
+                            <p:childTnLst>
+                              <p:par>
+                                <p:cTn id="24" presetID="10" presetClass="entr" presetSubtype="0" fill="hold" nodeType="clickEffect">
+                                  <p:stCondLst>
+                                    <p:cond delay="0"/>
+                                  </p:stCondLst>
+                                  <p:childTnLst>
+                                    <p:set>
+                                      <p:cBhvr>
+                                        <p:cTn id="25" dur="1" fill="hold">
+                                          <p:stCondLst>
+                                            <p:cond delay="0"/>
+                                          </p:stCondLst>
+                                        </p:cTn>
+                                        <p:tgtEl>
+                                          <p:spTgt spid="9"/>
+                                        </p:tgtEl>
+                                        <p:attrNameLst>
+                                          <p:attrName>style.visibility</p:attrName>
+                                        </p:attrNameLst>
+                                      </p:cBhvr>
+                                      <p:to>
+                                        <p:strVal val="visible"/>
+                                      </p:to>
+                                    </p:set>
+                                    <p:animEffect transition="in" filter="fade">
+                                      <p:cBhvr>
+                                        <p:cTn id="26" dur="250"/>
+                                        <p:tgtEl>
+                                          <p:spTgt spid="9"/>
+                                        </p:tgtEl>
+                                      </p:cBhvr>
+                                    </p:animEffect>
+                                  </p:childTnLst>
+                                </p:cTn>
+                              </p:par>
+                            </p:childTnLst>
+                          </p:cTn>
+                        </p:par>
+                      </p:childTnLst>
+                    </p:cTn>
+                  </p:par>
+                </p:childTnLst>
+              </p:cTn>
+              <p:prevCondLst>
+                <p:cond evt="onPrev" delay="0">
+                  <p:tgtEl>
+                    <p:sldTgt/>
+                  </p:tgtEl>
+                </p:cond>
+              </p:prevCondLst>
+              <p:nextCondLst>
+                <p:cond evt="onNext" delay="0">
+                  <p:tgtEl>
+                    <p:sldTgt/>
+                  </p:tgtEl>
+                </p:cond>
+              </p:nextCondLst>
+            </p:seq>
+          </p:childTnLst>
+        </p:cTn>
+      </p:par>
+    </p:tnLst>
+    <p:bldLst>
+      <p:bldP spid="15" grpId="0"/>
+    </p:bldLst>
+  </p:timing>
+</p:sld>
+</file>
+
+<file path=ppt/slides/slide26.xml><?xml version="1.0" encoding="utf-8"?>
 <p:sld xmlns:a="http://schemas.openxmlformats.org/drawingml/2006/main" xmlns:r="http://schemas.openxmlformats.org/officeDocument/2006/relationships" xmlns:p="http://schemas.openxmlformats.org/presentationml/2006/main">
   <p:cSld>
     <p:spTree>
@@ -18799,7 +21293,7 @@
 </p:sld>
 </file>
 
-<file path=ppt/slides/slide24.xml><?xml version="1.0" encoding="utf-8"?>
+<file path=ppt/slides/slide27.xml><?xml version="1.0" encoding="utf-8"?>
 <p:sld xmlns:a="http://schemas.openxmlformats.org/drawingml/2006/main" xmlns:r="http://schemas.openxmlformats.org/officeDocument/2006/relationships" xmlns:p="http://schemas.openxmlformats.org/presentationml/2006/main">
   <p:cSld>
     <p:spTree>
@@ -18924,7 +21418,7 @@
 </p:sld>
 </file>
 
-<file path=ppt/slides/slide25.xml><?xml version="1.0" encoding="utf-8"?>
+<file path=ppt/slides/slide28.xml><?xml version="1.0" encoding="utf-8"?>
 <p:sld xmlns:a="http://schemas.openxmlformats.org/drawingml/2006/main" xmlns:r="http://schemas.openxmlformats.org/officeDocument/2006/relationships" xmlns:p="http://schemas.openxmlformats.org/presentationml/2006/main">
   <p:cSld>
     <p:spTree>
@@ -19061,7 +21555,7 @@
 </p:sld>
 </file>
 
-<file path=ppt/slides/slide26.xml><?xml version="1.0" encoding="utf-8"?>
+<file path=ppt/slides/slide29.xml><?xml version="1.0" encoding="utf-8"?>
 <p:sld xmlns:a="http://schemas.openxmlformats.org/drawingml/2006/main" xmlns:r="http://schemas.openxmlformats.org/officeDocument/2006/relationships" xmlns:p="http://schemas.openxmlformats.org/presentationml/2006/main">
   <p:cSld>
     <p:spTree>
@@ -19894,2135 +22388,6 @@
     <p:extLst>
       <p:ext uri="{BB962C8B-B14F-4D97-AF65-F5344CB8AC3E}">
         <p14:creationId xmlns:p14="http://schemas.microsoft.com/office/powerpoint/2010/main" val="1057289763"/>
-      </p:ext>
-    </p:extLst>
-  </p:cSld>
-  <p:clrMapOvr>
-    <a:masterClrMapping/>
-  </p:clrMapOvr>
-</p:sld>
-</file>
-
-<file path=ppt/slides/slide27.xml><?xml version="1.0" encoding="utf-8"?>
-<p:sld xmlns:a="http://schemas.openxmlformats.org/drawingml/2006/main" xmlns:r="http://schemas.openxmlformats.org/officeDocument/2006/relationships" xmlns:p="http://schemas.openxmlformats.org/presentationml/2006/main">
-  <p:cSld>
-    <p:spTree>
-      <p:nvGrpSpPr>
-        <p:cNvPr id="1" name=""/>
-        <p:cNvGrpSpPr/>
-        <p:nvPr/>
-      </p:nvGrpSpPr>
-      <p:grpSpPr>
-        <a:xfrm>
-          <a:off x="0" y="0"/>
-          <a:ext cx="0" cy="0"/>
-          <a:chOff x="0" y="0"/>
-          <a:chExt cx="0" cy="0"/>
-        </a:xfrm>
-      </p:grpSpPr>
-      <p:grpSp>
-        <p:nvGrpSpPr>
-          <p:cNvPr id="5" name="Group 4"/>
-          <p:cNvGrpSpPr/>
-          <p:nvPr/>
-        </p:nvGrpSpPr>
-        <p:grpSpPr>
-          <a:xfrm>
-            <a:off x="2514600" y="2340349"/>
-            <a:ext cx="1738990" cy="2841251"/>
-            <a:chOff x="3172752" y="1910803"/>
-            <a:chExt cx="1738990" cy="2841251"/>
-          </a:xfrm>
-        </p:grpSpPr>
-        <p:sp>
-          <p:nvSpPr>
-            <p:cNvPr id="11" name="Rectangle 10"/>
-            <p:cNvSpPr/>
-            <p:nvPr/>
-          </p:nvSpPr>
-          <p:spPr>
-            <a:xfrm>
-              <a:off x="3172752" y="2036663"/>
-              <a:ext cx="1738990" cy="2597316"/>
-            </a:xfrm>
-            <a:prstGeom prst="rect">
-              <a:avLst/>
-            </a:prstGeom>
-            <a:solidFill>
-              <a:srgbClr val="222222"/>
-            </a:solidFill>
-            <a:ln>
-              <a:noFill/>
-            </a:ln>
-          </p:spPr>
-          <p:style>
-            <a:lnRef idx="1">
-              <a:schemeClr val="accent1"/>
-            </a:lnRef>
-            <a:fillRef idx="3">
-              <a:schemeClr val="accent1"/>
-            </a:fillRef>
-            <a:effectRef idx="2">
-              <a:schemeClr val="accent1"/>
-            </a:effectRef>
-            <a:fontRef idx="minor">
-              <a:schemeClr val="lt1"/>
-            </a:fontRef>
-          </p:style>
-          <p:txBody>
-            <a:bodyPr rtlCol="0" anchor="ctr"/>
-            <a:lstStyle/>
-            <a:p>
-              <a:pPr algn="ctr"/>
-              <a:endParaRPr lang="en-US"/>
-            </a:p>
-          </p:txBody>
-        </p:sp>
-        <p:cxnSp>
-          <p:nvCxnSpPr>
-            <p:cNvPr id="12" name="Straight Connector 11"/>
-            <p:cNvCxnSpPr/>
-            <p:nvPr/>
-          </p:nvCxnSpPr>
-          <p:spPr>
-            <a:xfrm>
-              <a:off x="3172752" y="1910803"/>
-              <a:ext cx="1738990" cy="0"/>
-            </a:xfrm>
-            <a:prstGeom prst="line">
-              <a:avLst/>
-            </a:prstGeom>
-            <a:ln w="53975">
-              <a:solidFill>
-                <a:srgbClr val="009EC0"/>
-              </a:solidFill>
-            </a:ln>
-          </p:spPr>
-          <p:style>
-            <a:lnRef idx="2">
-              <a:schemeClr val="accent1"/>
-            </a:lnRef>
-            <a:fillRef idx="0">
-              <a:schemeClr val="accent1"/>
-            </a:fillRef>
-            <a:effectRef idx="1">
-              <a:schemeClr val="accent1"/>
-            </a:effectRef>
-            <a:fontRef idx="minor">
-              <a:schemeClr val="tx1"/>
-            </a:fontRef>
-          </p:style>
-        </p:cxnSp>
-        <p:cxnSp>
-          <p:nvCxnSpPr>
-            <p:cNvPr id="13" name="Straight Connector 12"/>
-            <p:cNvCxnSpPr/>
-            <p:nvPr/>
-          </p:nvCxnSpPr>
-          <p:spPr>
-            <a:xfrm>
-              <a:off x="3172752" y="4752054"/>
-              <a:ext cx="1738990" cy="0"/>
-            </a:xfrm>
-            <a:prstGeom prst="line">
-              <a:avLst/>
-            </a:prstGeom>
-            <a:ln w="53975">
-              <a:solidFill>
-                <a:srgbClr val="009EC0"/>
-              </a:solidFill>
-            </a:ln>
-          </p:spPr>
-          <p:style>
-            <a:lnRef idx="2">
-              <a:schemeClr val="accent1"/>
-            </a:lnRef>
-            <a:fillRef idx="0">
-              <a:schemeClr val="accent1"/>
-            </a:fillRef>
-            <a:effectRef idx="1">
-              <a:schemeClr val="accent1"/>
-            </a:effectRef>
-            <a:fontRef idx="minor">
-              <a:schemeClr val="tx1"/>
-            </a:fontRef>
-          </p:style>
-        </p:cxnSp>
-        <p:sp>
-          <p:nvSpPr>
-            <p:cNvPr id="14" name="TextBox 13"/>
-            <p:cNvSpPr txBox="1"/>
-            <p:nvPr/>
-          </p:nvSpPr>
-          <p:spPr>
-            <a:xfrm>
-              <a:off x="3172752" y="4049203"/>
-              <a:ext cx="1738990" cy="584776"/>
-            </a:xfrm>
-            <a:prstGeom prst="rect">
-              <a:avLst/>
-            </a:prstGeom>
-            <a:noFill/>
-          </p:spPr>
-          <p:txBody>
-            <a:bodyPr wrap="square" rtlCol="0">
-              <a:spAutoFit/>
-            </a:bodyPr>
-            <a:lstStyle/>
-            <a:p>
-              <a:pPr algn="ctr"/>
-              <a:r>
-                <a:rPr lang="en-US" sz="3200" dirty="0"/>
-                <a:t>52 AD</a:t>
-              </a:r>
-            </a:p>
-          </p:txBody>
-        </p:sp>
-        <p:sp>
-          <p:nvSpPr>
-            <p:cNvPr id="15" name="TextBox 14"/>
-            <p:cNvSpPr txBox="1"/>
-            <p:nvPr/>
-          </p:nvSpPr>
-          <p:spPr>
-            <a:xfrm>
-              <a:off x="3172752" y="2291803"/>
-              <a:ext cx="1738989" cy="954107"/>
-            </a:xfrm>
-            <a:prstGeom prst="rect">
-              <a:avLst/>
-            </a:prstGeom>
-            <a:noFill/>
-          </p:spPr>
-          <p:txBody>
-            <a:bodyPr wrap="square" rtlCol="0">
-              <a:spAutoFit/>
-            </a:bodyPr>
-            <a:lstStyle/>
-            <a:p>
-              <a:pPr algn="ctr"/>
-              <a:r>
-                <a:rPr lang="en-US" sz="2800" dirty="0"/>
-                <a:t>Galatians written</a:t>
-              </a:r>
-            </a:p>
-          </p:txBody>
-        </p:sp>
-      </p:grpSp>
-      <p:grpSp>
-        <p:nvGrpSpPr>
-          <p:cNvPr id="24" name="Group 23"/>
-          <p:cNvGrpSpPr/>
-          <p:nvPr/>
-        </p:nvGrpSpPr>
-        <p:grpSpPr>
-          <a:xfrm>
-            <a:off x="4953000" y="2340349"/>
-            <a:ext cx="1738990" cy="2841251"/>
-            <a:chOff x="3172752" y="1910803"/>
-            <a:chExt cx="1738990" cy="2841251"/>
-          </a:xfrm>
-        </p:grpSpPr>
-        <p:sp>
-          <p:nvSpPr>
-            <p:cNvPr id="25" name="Rectangle 24"/>
-            <p:cNvSpPr/>
-            <p:nvPr/>
-          </p:nvSpPr>
-          <p:spPr>
-            <a:xfrm>
-              <a:off x="3172752" y="2036663"/>
-              <a:ext cx="1738990" cy="2597316"/>
-            </a:xfrm>
-            <a:prstGeom prst="rect">
-              <a:avLst/>
-            </a:prstGeom>
-            <a:solidFill>
-              <a:srgbClr val="222222"/>
-            </a:solidFill>
-            <a:ln>
-              <a:noFill/>
-            </a:ln>
-          </p:spPr>
-          <p:style>
-            <a:lnRef idx="1">
-              <a:schemeClr val="accent1"/>
-            </a:lnRef>
-            <a:fillRef idx="3">
-              <a:schemeClr val="accent1"/>
-            </a:fillRef>
-            <a:effectRef idx="2">
-              <a:schemeClr val="accent1"/>
-            </a:effectRef>
-            <a:fontRef idx="minor">
-              <a:schemeClr val="lt1"/>
-            </a:fontRef>
-          </p:style>
-          <p:txBody>
-            <a:bodyPr rtlCol="0" anchor="ctr"/>
-            <a:lstStyle/>
-            <a:p>
-              <a:pPr algn="ctr"/>
-              <a:endParaRPr lang="en-US"/>
-            </a:p>
-          </p:txBody>
-        </p:sp>
-        <p:cxnSp>
-          <p:nvCxnSpPr>
-            <p:cNvPr id="26" name="Straight Connector 25"/>
-            <p:cNvCxnSpPr/>
-            <p:nvPr/>
-          </p:nvCxnSpPr>
-          <p:spPr>
-            <a:xfrm>
-              <a:off x="3172752" y="1910803"/>
-              <a:ext cx="1738990" cy="0"/>
-            </a:xfrm>
-            <a:prstGeom prst="line">
-              <a:avLst/>
-            </a:prstGeom>
-            <a:ln w="53975">
-              <a:solidFill>
-                <a:srgbClr val="009EC0"/>
-              </a:solidFill>
-            </a:ln>
-          </p:spPr>
-          <p:style>
-            <a:lnRef idx="2">
-              <a:schemeClr val="accent1"/>
-            </a:lnRef>
-            <a:fillRef idx="0">
-              <a:schemeClr val="accent1"/>
-            </a:fillRef>
-            <a:effectRef idx="1">
-              <a:schemeClr val="accent1"/>
-            </a:effectRef>
-            <a:fontRef idx="minor">
-              <a:schemeClr val="tx1"/>
-            </a:fontRef>
-          </p:style>
-        </p:cxnSp>
-        <p:cxnSp>
-          <p:nvCxnSpPr>
-            <p:cNvPr id="27" name="Straight Connector 26"/>
-            <p:cNvCxnSpPr/>
-            <p:nvPr/>
-          </p:nvCxnSpPr>
-          <p:spPr>
-            <a:xfrm>
-              <a:off x="3172752" y="4752054"/>
-              <a:ext cx="1738990" cy="0"/>
-            </a:xfrm>
-            <a:prstGeom prst="line">
-              <a:avLst/>
-            </a:prstGeom>
-            <a:ln w="53975">
-              <a:solidFill>
-                <a:srgbClr val="009EC0"/>
-              </a:solidFill>
-            </a:ln>
-          </p:spPr>
-          <p:style>
-            <a:lnRef idx="2">
-              <a:schemeClr val="accent1"/>
-            </a:lnRef>
-            <a:fillRef idx="0">
-              <a:schemeClr val="accent1"/>
-            </a:fillRef>
-            <a:effectRef idx="1">
-              <a:schemeClr val="accent1"/>
-            </a:effectRef>
-            <a:fontRef idx="minor">
-              <a:schemeClr val="tx1"/>
-            </a:fontRef>
-          </p:style>
-        </p:cxnSp>
-        <p:sp>
-          <p:nvSpPr>
-            <p:cNvPr id="28" name="TextBox 27"/>
-            <p:cNvSpPr txBox="1"/>
-            <p:nvPr/>
-          </p:nvSpPr>
-          <p:spPr>
-            <a:xfrm>
-              <a:off x="3172752" y="4049203"/>
-              <a:ext cx="1738990" cy="584776"/>
-            </a:xfrm>
-            <a:prstGeom prst="rect">
-              <a:avLst/>
-            </a:prstGeom>
-            <a:noFill/>
-          </p:spPr>
-          <p:txBody>
-            <a:bodyPr wrap="square" rtlCol="0">
-              <a:spAutoFit/>
-            </a:bodyPr>
-            <a:lstStyle/>
-            <a:p>
-              <a:pPr algn="ctr"/>
-              <a:r>
-                <a:rPr lang="en-US" sz="3200" dirty="0"/>
-                <a:t>60-70 AD</a:t>
-              </a:r>
-            </a:p>
-          </p:txBody>
-        </p:sp>
-        <p:sp>
-          <p:nvSpPr>
-            <p:cNvPr id="29" name="TextBox 28"/>
-            <p:cNvSpPr txBox="1"/>
-            <p:nvPr/>
-          </p:nvSpPr>
-          <p:spPr>
-            <a:xfrm>
-              <a:off x="3172752" y="2291803"/>
-              <a:ext cx="1738989" cy="954107"/>
-            </a:xfrm>
-            <a:prstGeom prst="rect">
-              <a:avLst/>
-            </a:prstGeom>
-            <a:noFill/>
-          </p:spPr>
-          <p:txBody>
-            <a:bodyPr wrap="square" rtlCol="0">
-              <a:spAutoFit/>
-            </a:bodyPr>
-            <a:lstStyle/>
-            <a:p>
-              <a:pPr algn="ctr"/>
-              <a:r>
-                <a:rPr lang="en-US" sz="2800" dirty="0"/>
-                <a:t>Gospels recorded</a:t>
-              </a:r>
-            </a:p>
-          </p:txBody>
-        </p:sp>
-      </p:grpSp>
-      <p:grpSp>
-        <p:nvGrpSpPr>
-          <p:cNvPr id="20" name="Group 19"/>
-          <p:cNvGrpSpPr/>
-          <p:nvPr/>
-        </p:nvGrpSpPr>
-        <p:grpSpPr>
-          <a:xfrm>
-            <a:off x="7315200" y="2340349"/>
-            <a:ext cx="1738990" cy="2841251"/>
-            <a:chOff x="3172752" y="1910803"/>
-            <a:chExt cx="1738990" cy="2841251"/>
-          </a:xfrm>
-        </p:grpSpPr>
-        <p:sp>
-          <p:nvSpPr>
-            <p:cNvPr id="21" name="Rectangle 20"/>
-            <p:cNvSpPr/>
-            <p:nvPr/>
-          </p:nvSpPr>
-          <p:spPr>
-            <a:xfrm>
-              <a:off x="3172752" y="2036663"/>
-              <a:ext cx="1738990" cy="2597316"/>
-            </a:xfrm>
-            <a:prstGeom prst="rect">
-              <a:avLst/>
-            </a:prstGeom>
-            <a:solidFill>
-              <a:srgbClr val="222222"/>
-            </a:solidFill>
-            <a:ln>
-              <a:noFill/>
-            </a:ln>
-          </p:spPr>
-          <p:style>
-            <a:lnRef idx="1">
-              <a:schemeClr val="accent1"/>
-            </a:lnRef>
-            <a:fillRef idx="3">
-              <a:schemeClr val="accent1"/>
-            </a:fillRef>
-            <a:effectRef idx="2">
-              <a:schemeClr val="accent1"/>
-            </a:effectRef>
-            <a:fontRef idx="minor">
-              <a:schemeClr val="lt1"/>
-            </a:fontRef>
-          </p:style>
-          <p:txBody>
-            <a:bodyPr rtlCol="0" anchor="ctr"/>
-            <a:lstStyle/>
-            <a:p>
-              <a:pPr algn="ctr"/>
-              <a:endParaRPr lang="en-US"/>
-            </a:p>
-          </p:txBody>
-        </p:sp>
-        <p:cxnSp>
-          <p:nvCxnSpPr>
-            <p:cNvPr id="22" name="Straight Connector 21"/>
-            <p:cNvCxnSpPr/>
-            <p:nvPr/>
-          </p:nvCxnSpPr>
-          <p:spPr>
-            <a:xfrm>
-              <a:off x="3172752" y="1910803"/>
-              <a:ext cx="1738990" cy="0"/>
-            </a:xfrm>
-            <a:prstGeom prst="line">
-              <a:avLst/>
-            </a:prstGeom>
-            <a:ln w="53975">
-              <a:solidFill>
-                <a:srgbClr val="009EC0"/>
-              </a:solidFill>
-            </a:ln>
-          </p:spPr>
-          <p:style>
-            <a:lnRef idx="2">
-              <a:schemeClr val="accent1"/>
-            </a:lnRef>
-            <a:fillRef idx="0">
-              <a:schemeClr val="accent1"/>
-            </a:fillRef>
-            <a:effectRef idx="1">
-              <a:schemeClr val="accent1"/>
-            </a:effectRef>
-            <a:fontRef idx="minor">
-              <a:schemeClr val="tx1"/>
-            </a:fontRef>
-          </p:style>
-        </p:cxnSp>
-        <p:cxnSp>
-          <p:nvCxnSpPr>
-            <p:cNvPr id="30" name="Straight Connector 29"/>
-            <p:cNvCxnSpPr/>
-            <p:nvPr/>
-          </p:nvCxnSpPr>
-          <p:spPr>
-            <a:xfrm>
-              <a:off x="3172752" y="4752054"/>
-              <a:ext cx="1738990" cy="0"/>
-            </a:xfrm>
-            <a:prstGeom prst="line">
-              <a:avLst/>
-            </a:prstGeom>
-            <a:ln w="53975">
-              <a:solidFill>
-                <a:srgbClr val="009EC0"/>
-              </a:solidFill>
-            </a:ln>
-          </p:spPr>
-          <p:style>
-            <a:lnRef idx="2">
-              <a:schemeClr val="accent1"/>
-            </a:lnRef>
-            <a:fillRef idx="0">
-              <a:schemeClr val="accent1"/>
-            </a:fillRef>
-            <a:effectRef idx="1">
-              <a:schemeClr val="accent1"/>
-            </a:effectRef>
-            <a:fontRef idx="minor">
-              <a:schemeClr val="tx1"/>
-            </a:fontRef>
-          </p:style>
-        </p:cxnSp>
-        <p:sp>
-          <p:nvSpPr>
-            <p:cNvPr id="31" name="TextBox 30"/>
-            <p:cNvSpPr txBox="1"/>
-            <p:nvPr/>
-          </p:nvSpPr>
-          <p:spPr>
-            <a:xfrm>
-              <a:off x="3172752" y="4049203"/>
-              <a:ext cx="1738990" cy="584776"/>
-            </a:xfrm>
-            <a:prstGeom prst="rect">
-              <a:avLst/>
-            </a:prstGeom>
-            <a:noFill/>
-          </p:spPr>
-          <p:txBody>
-            <a:bodyPr wrap="square" rtlCol="0">
-              <a:spAutoFit/>
-            </a:bodyPr>
-            <a:lstStyle/>
-            <a:p>
-              <a:pPr algn="ctr"/>
-              <a:r>
-                <a:rPr lang="en-US" sz="3200" dirty="0"/>
-                <a:t>90 AD</a:t>
-              </a:r>
-            </a:p>
-          </p:txBody>
-        </p:sp>
-        <p:sp>
-          <p:nvSpPr>
-            <p:cNvPr id="32" name="TextBox 31"/>
-            <p:cNvSpPr txBox="1"/>
-            <p:nvPr/>
-          </p:nvSpPr>
-          <p:spPr>
-            <a:xfrm>
-              <a:off x="3172752" y="2291803"/>
-              <a:ext cx="1738989" cy="954107"/>
-            </a:xfrm>
-            <a:prstGeom prst="rect">
-              <a:avLst/>
-            </a:prstGeom>
-            <a:noFill/>
-          </p:spPr>
-          <p:txBody>
-            <a:bodyPr wrap="square" rtlCol="0">
-              <a:spAutoFit/>
-            </a:bodyPr>
-            <a:lstStyle/>
-            <a:p>
-              <a:pPr algn="ctr"/>
-              <a:r>
-                <a:rPr lang="en-US" sz="2800" dirty="0"/>
-                <a:t>Revelation written</a:t>
-              </a:r>
-            </a:p>
-          </p:txBody>
-        </p:sp>
-      </p:grpSp>
-      <p:grpSp>
-        <p:nvGrpSpPr>
-          <p:cNvPr id="33" name="Group 32"/>
-          <p:cNvGrpSpPr/>
-          <p:nvPr/>
-        </p:nvGrpSpPr>
-        <p:grpSpPr>
-          <a:xfrm>
-            <a:off x="152400" y="2340349"/>
-            <a:ext cx="1738990" cy="2841251"/>
-            <a:chOff x="3172752" y="1910803"/>
-            <a:chExt cx="1738990" cy="2841251"/>
-          </a:xfrm>
-        </p:grpSpPr>
-        <p:sp>
-          <p:nvSpPr>
-            <p:cNvPr id="34" name="Rectangle 33"/>
-            <p:cNvSpPr/>
-            <p:nvPr/>
-          </p:nvSpPr>
-          <p:spPr>
-            <a:xfrm>
-              <a:off x="3172752" y="2036663"/>
-              <a:ext cx="1738990" cy="2597316"/>
-            </a:xfrm>
-            <a:prstGeom prst="rect">
-              <a:avLst/>
-            </a:prstGeom>
-            <a:solidFill>
-              <a:srgbClr val="222222"/>
-            </a:solidFill>
-            <a:ln>
-              <a:noFill/>
-            </a:ln>
-          </p:spPr>
-          <p:style>
-            <a:lnRef idx="1">
-              <a:schemeClr val="accent1"/>
-            </a:lnRef>
-            <a:fillRef idx="3">
-              <a:schemeClr val="accent1"/>
-            </a:fillRef>
-            <a:effectRef idx="2">
-              <a:schemeClr val="accent1"/>
-            </a:effectRef>
-            <a:fontRef idx="minor">
-              <a:schemeClr val="lt1"/>
-            </a:fontRef>
-          </p:style>
-          <p:txBody>
-            <a:bodyPr rtlCol="0" anchor="ctr"/>
-            <a:lstStyle/>
-            <a:p>
-              <a:pPr algn="ctr"/>
-              <a:endParaRPr lang="en-US"/>
-            </a:p>
-          </p:txBody>
-        </p:sp>
-        <p:cxnSp>
-          <p:nvCxnSpPr>
-            <p:cNvPr id="35" name="Straight Connector 34"/>
-            <p:cNvCxnSpPr/>
-            <p:nvPr/>
-          </p:nvCxnSpPr>
-          <p:spPr>
-            <a:xfrm>
-              <a:off x="3172752" y="1910803"/>
-              <a:ext cx="1738990" cy="0"/>
-            </a:xfrm>
-            <a:prstGeom prst="line">
-              <a:avLst/>
-            </a:prstGeom>
-            <a:ln w="53975">
-              <a:solidFill>
-                <a:srgbClr val="CA5C0E"/>
-              </a:solidFill>
-            </a:ln>
-          </p:spPr>
-          <p:style>
-            <a:lnRef idx="2">
-              <a:schemeClr val="accent1"/>
-            </a:lnRef>
-            <a:fillRef idx="0">
-              <a:schemeClr val="accent1"/>
-            </a:fillRef>
-            <a:effectRef idx="1">
-              <a:schemeClr val="accent1"/>
-            </a:effectRef>
-            <a:fontRef idx="minor">
-              <a:schemeClr val="tx1"/>
-            </a:fontRef>
-          </p:style>
-        </p:cxnSp>
-        <p:cxnSp>
-          <p:nvCxnSpPr>
-            <p:cNvPr id="36" name="Straight Connector 35"/>
-            <p:cNvCxnSpPr/>
-            <p:nvPr/>
-          </p:nvCxnSpPr>
-          <p:spPr>
-            <a:xfrm>
-              <a:off x="3172752" y="4752054"/>
-              <a:ext cx="1738990" cy="0"/>
-            </a:xfrm>
-            <a:prstGeom prst="line">
-              <a:avLst/>
-            </a:prstGeom>
-            <a:ln w="53975">
-              <a:solidFill>
-                <a:srgbClr val="CA5C0E"/>
-              </a:solidFill>
-            </a:ln>
-          </p:spPr>
-          <p:style>
-            <a:lnRef idx="2">
-              <a:schemeClr val="accent1"/>
-            </a:lnRef>
-            <a:fillRef idx="0">
-              <a:schemeClr val="accent1"/>
-            </a:fillRef>
-            <a:effectRef idx="1">
-              <a:schemeClr val="accent1"/>
-            </a:effectRef>
-            <a:fontRef idx="minor">
-              <a:schemeClr val="tx1"/>
-            </a:fontRef>
-          </p:style>
-        </p:cxnSp>
-        <p:sp>
-          <p:nvSpPr>
-            <p:cNvPr id="37" name="TextBox 36"/>
-            <p:cNvSpPr txBox="1"/>
-            <p:nvPr/>
-          </p:nvSpPr>
-          <p:spPr>
-            <a:xfrm>
-              <a:off x="3172752" y="4049203"/>
-              <a:ext cx="1738990" cy="584776"/>
-            </a:xfrm>
-            <a:prstGeom prst="rect">
-              <a:avLst/>
-            </a:prstGeom>
-            <a:noFill/>
-          </p:spPr>
-          <p:txBody>
-            <a:bodyPr wrap="square" rtlCol="0">
-              <a:spAutoFit/>
-            </a:bodyPr>
-            <a:lstStyle/>
-            <a:p>
-              <a:pPr algn="ctr"/>
-              <a:r>
-                <a:rPr lang="en-US" sz="3200" dirty="0"/>
-                <a:t>30 AD</a:t>
-              </a:r>
-            </a:p>
-          </p:txBody>
-        </p:sp>
-        <p:sp>
-          <p:nvSpPr>
-            <p:cNvPr id="38" name="TextBox 37"/>
-            <p:cNvSpPr txBox="1"/>
-            <p:nvPr/>
-          </p:nvSpPr>
-          <p:spPr>
-            <a:xfrm>
-              <a:off x="3172752" y="2291803"/>
-              <a:ext cx="1738989" cy="954107"/>
-            </a:xfrm>
-            <a:prstGeom prst="rect">
-              <a:avLst/>
-            </a:prstGeom>
-            <a:noFill/>
-          </p:spPr>
-          <p:txBody>
-            <a:bodyPr wrap="square" rtlCol="0">
-              <a:spAutoFit/>
-            </a:bodyPr>
-            <a:lstStyle/>
-            <a:p>
-              <a:pPr algn="ctr"/>
-              <a:r>
-                <a:rPr lang="en-US" sz="2800" dirty="0"/>
-                <a:t>Jesus</a:t>
-              </a:r>
-            </a:p>
-            <a:p>
-              <a:pPr algn="ctr"/>
-              <a:r>
-                <a:rPr lang="en-US" sz="2800" dirty="0"/>
-                <a:t>dies</a:t>
-              </a:r>
-            </a:p>
-          </p:txBody>
-        </p:sp>
-      </p:grpSp>
-      <p:cxnSp>
-        <p:nvCxnSpPr>
-          <p:cNvPr id="10" name="Straight Connector 9"/>
-          <p:cNvCxnSpPr>
-            <a:stCxn id="2" idx="6"/>
-            <a:endCxn id="41" idx="2"/>
-          </p:cNvCxnSpPr>
-          <p:nvPr/>
-        </p:nvCxnSpPr>
-        <p:spPr>
-          <a:xfrm>
-            <a:off x="1143000" y="4092949"/>
-            <a:ext cx="6934200" cy="0"/>
-          </a:xfrm>
-          <a:prstGeom prst="line">
-            <a:avLst/>
-          </a:prstGeom>
-          <a:ln w="47625">
-            <a:solidFill>
-              <a:srgbClr val="A6A6A6"/>
-            </a:solidFill>
-          </a:ln>
-        </p:spPr>
-        <p:style>
-          <a:lnRef idx="2">
-            <a:schemeClr val="accent1"/>
-          </a:lnRef>
-          <a:fillRef idx="0">
-            <a:schemeClr val="accent1"/>
-          </a:fillRef>
-          <a:effectRef idx="1">
-            <a:schemeClr val="accent1"/>
-          </a:effectRef>
-          <a:fontRef idx="minor">
-            <a:schemeClr val="tx1"/>
-          </a:fontRef>
-        </p:style>
-      </p:cxnSp>
-      <p:sp>
-        <p:nvSpPr>
-          <p:cNvPr id="2" name="Oval 1"/>
-          <p:cNvSpPr/>
-          <p:nvPr/>
-        </p:nvSpPr>
-        <p:spPr>
-          <a:xfrm>
-            <a:off x="838200" y="3940549"/>
-            <a:ext cx="304800" cy="304800"/>
-          </a:xfrm>
-          <a:prstGeom prst="ellipse">
-            <a:avLst/>
-          </a:prstGeom>
-          <a:solidFill>
-            <a:schemeClr val="bg1"/>
-          </a:solidFill>
-          <a:ln w="47625">
-            <a:solidFill>
-              <a:schemeClr val="tx1">
-                <a:lumMod val="65000"/>
-              </a:schemeClr>
-            </a:solidFill>
-          </a:ln>
-          <a:effectLst/>
-        </p:spPr>
-        <p:style>
-          <a:lnRef idx="1">
-            <a:schemeClr val="accent1"/>
-          </a:lnRef>
-          <a:fillRef idx="3">
-            <a:schemeClr val="accent1"/>
-          </a:fillRef>
-          <a:effectRef idx="2">
-            <a:schemeClr val="accent1"/>
-          </a:effectRef>
-          <a:fontRef idx="minor">
-            <a:schemeClr val="lt1"/>
-          </a:fontRef>
-        </p:style>
-        <p:txBody>
-          <a:bodyPr rtlCol="0" anchor="ctr"/>
-          <a:lstStyle/>
-          <a:p>
-            <a:pPr algn="ctr"/>
-            <a:endParaRPr lang="en-US"/>
-          </a:p>
-        </p:txBody>
-      </p:sp>
-      <p:sp>
-        <p:nvSpPr>
-          <p:cNvPr id="39" name="Oval 38"/>
-          <p:cNvSpPr/>
-          <p:nvPr/>
-        </p:nvSpPr>
-        <p:spPr>
-          <a:xfrm>
-            <a:off x="3276600" y="3940549"/>
-            <a:ext cx="304800" cy="304800"/>
-          </a:xfrm>
-          <a:prstGeom prst="ellipse">
-            <a:avLst/>
-          </a:prstGeom>
-          <a:solidFill>
-            <a:schemeClr val="bg1"/>
-          </a:solidFill>
-          <a:ln w="47625">
-            <a:solidFill>
-              <a:schemeClr val="tx1">
-                <a:lumMod val="65000"/>
-              </a:schemeClr>
-            </a:solidFill>
-          </a:ln>
-          <a:effectLst/>
-        </p:spPr>
-        <p:style>
-          <a:lnRef idx="1">
-            <a:schemeClr val="accent1"/>
-          </a:lnRef>
-          <a:fillRef idx="3">
-            <a:schemeClr val="accent1"/>
-          </a:fillRef>
-          <a:effectRef idx="2">
-            <a:schemeClr val="accent1"/>
-          </a:effectRef>
-          <a:fontRef idx="minor">
-            <a:schemeClr val="lt1"/>
-          </a:fontRef>
-        </p:style>
-        <p:txBody>
-          <a:bodyPr rtlCol="0" anchor="ctr"/>
-          <a:lstStyle/>
-          <a:p>
-            <a:pPr algn="ctr"/>
-            <a:endParaRPr lang="en-US"/>
-          </a:p>
-        </p:txBody>
-      </p:sp>
-      <p:sp>
-        <p:nvSpPr>
-          <p:cNvPr id="40" name="Oval 39"/>
-          <p:cNvSpPr/>
-          <p:nvPr/>
-        </p:nvSpPr>
-        <p:spPr>
-          <a:xfrm>
-            <a:off x="5715000" y="3940549"/>
-            <a:ext cx="304800" cy="304800"/>
-          </a:xfrm>
-          <a:prstGeom prst="ellipse">
-            <a:avLst/>
-          </a:prstGeom>
-          <a:solidFill>
-            <a:schemeClr val="bg1"/>
-          </a:solidFill>
-          <a:ln w="47625">
-            <a:solidFill>
-              <a:schemeClr val="tx1">
-                <a:lumMod val="65000"/>
-              </a:schemeClr>
-            </a:solidFill>
-          </a:ln>
-          <a:effectLst/>
-        </p:spPr>
-        <p:style>
-          <a:lnRef idx="1">
-            <a:schemeClr val="accent1"/>
-          </a:lnRef>
-          <a:fillRef idx="3">
-            <a:schemeClr val="accent1"/>
-          </a:fillRef>
-          <a:effectRef idx="2">
-            <a:schemeClr val="accent1"/>
-          </a:effectRef>
-          <a:fontRef idx="minor">
-            <a:schemeClr val="lt1"/>
-          </a:fontRef>
-        </p:style>
-        <p:txBody>
-          <a:bodyPr rtlCol="0" anchor="ctr"/>
-          <a:lstStyle/>
-          <a:p>
-            <a:pPr algn="ctr"/>
-            <a:endParaRPr lang="en-US"/>
-          </a:p>
-        </p:txBody>
-      </p:sp>
-      <p:sp>
-        <p:nvSpPr>
-          <p:cNvPr id="41" name="Oval 40"/>
-          <p:cNvSpPr/>
-          <p:nvPr/>
-        </p:nvSpPr>
-        <p:spPr>
-          <a:xfrm>
-            <a:off x="8077200" y="3940549"/>
-            <a:ext cx="304800" cy="304800"/>
-          </a:xfrm>
-          <a:prstGeom prst="ellipse">
-            <a:avLst/>
-          </a:prstGeom>
-          <a:solidFill>
-            <a:schemeClr val="bg1"/>
-          </a:solidFill>
-          <a:ln w="47625">
-            <a:solidFill>
-              <a:schemeClr val="tx1">
-                <a:lumMod val="65000"/>
-              </a:schemeClr>
-            </a:solidFill>
-          </a:ln>
-          <a:effectLst/>
-        </p:spPr>
-        <p:style>
-          <a:lnRef idx="1">
-            <a:schemeClr val="accent1"/>
-          </a:lnRef>
-          <a:fillRef idx="3">
-            <a:schemeClr val="accent1"/>
-          </a:fillRef>
-          <a:effectRef idx="2">
-            <a:schemeClr val="accent1"/>
-          </a:effectRef>
-          <a:fontRef idx="minor">
-            <a:schemeClr val="lt1"/>
-          </a:fontRef>
-        </p:style>
-        <p:txBody>
-          <a:bodyPr rtlCol="0" anchor="ctr"/>
-          <a:lstStyle/>
-          <a:p>
-            <a:pPr algn="ctr"/>
-            <a:endParaRPr lang="en-US"/>
-          </a:p>
-        </p:txBody>
-      </p:sp>
-      <p:sp>
-        <p:nvSpPr>
-          <p:cNvPr id="42" name="TextBox 41"/>
-          <p:cNvSpPr txBox="1"/>
-          <p:nvPr/>
-        </p:nvSpPr>
-        <p:spPr>
-          <a:xfrm>
-            <a:off x="228600" y="152400"/>
-            <a:ext cx="8610600" cy="769441"/>
-          </a:xfrm>
-          <a:prstGeom prst="rect">
-            <a:avLst/>
-          </a:prstGeom>
-          <a:noFill/>
-        </p:spPr>
-        <p:txBody>
-          <a:bodyPr wrap="square" rtlCol="0">
-            <a:spAutoFit/>
-          </a:bodyPr>
-          <a:lstStyle/>
-          <a:p>
-            <a:r>
-              <a:rPr lang="en-US" sz="4400" b="1" dirty="0"/>
-              <a:t>Timeline</a:t>
-            </a:r>
-          </a:p>
-        </p:txBody>
-      </p:sp>
-      <p:sp>
-        <p:nvSpPr>
-          <p:cNvPr id="43" name="TextBox 42"/>
-          <p:cNvSpPr txBox="1"/>
-          <p:nvPr/>
-        </p:nvSpPr>
-        <p:spPr>
-          <a:xfrm>
-            <a:off x="228600" y="762000"/>
-            <a:ext cx="8610600" cy="461665"/>
-          </a:xfrm>
-          <a:prstGeom prst="rect">
-            <a:avLst/>
-          </a:prstGeom>
-          <a:noFill/>
-        </p:spPr>
-        <p:txBody>
-          <a:bodyPr wrap="square" rtlCol="0">
-            <a:spAutoFit/>
-          </a:bodyPr>
-          <a:lstStyle/>
-          <a:p>
-            <a:r>
-              <a:rPr lang="en-US" sz="2400" b="1" dirty="0">
-                <a:solidFill>
-                  <a:schemeClr val="bg1">
-                    <a:lumMod val="50000"/>
-                    <a:lumOff val="50000"/>
-                  </a:schemeClr>
-                </a:solidFill>
-              </a:rPr>
-              <a:t>This is the sub-title</a:t>
-            </a:r>
-          </a:p>
-        </p:txBody>
-      </p:sp>
-    </p:spTree>
-    <p:extLst>
-      <p:ext uri="{BB962C8B-B14F-4D97-AF65-F5344CB8AC3E}">
-        <p14:creationId xmlns:p14="http://schemas.microsoft.com/office/powerpoint/2010/main" val="2020231074"/>
-      </p:ext>
-    </p:extLst>
-  </p:cSld>
-  <p:clrMapOvr>
-    <a:masterClrMapping/>
-  </p:clrMapOvr>
-</p:sld>
-</file>
-
-<file path=ppt/slides/slide28.xml><?xml version="1.0" encoding="utf-8"?>
-<p:sld xmlns:a="http://schemas.openxmlformats.org/drawingml/2006/main" xmlns:r="http://schemas.openxmlformats.org/officeDocument/2006/relationships" xmlns:p="http://schemas.openxmlformats.org/presentationml/2006/main">
-  <p:cSld>
-    <p:spTree>
-      <p:nvGrpSpPr>
-        <p:cNvPr id="1" name=""/>
-        <p:cNvGrpSpPr/>
-        <p:nvPr/>
-      </p:nvGrpSpPr>
-      <p:grpSpPr>
-        <a:xfrm>
-          <a:off x="0" y="0"/>
-          <a:ext cx="0" cy="0"/>
-          <a:chOff x="0" y="0"/>
-          <a:chExt cx="0" cy="0"/>
-        </a:xfrm>
-      </p:grpSpPr>
-      <p:grpSp>
-        <p:nvGrpSpPr>
-          <p:cNvPr id="5" name="Group 4"/>
-          <p:cNvGrpSpPr/>
-          <p:nvPr/>
-        </p:nvGrpSpPr>
-        <p:grpSpPr>
-          <a:xfrm>
-            <a:off x="2514600" y="1905000"/>
-            <a:ext cx="1738990" cy="2841251"/>
-            <a:chOff x="3172752" y="1910803"/>
-            <a:chExt cx="1738990" cy="2841251"/>
-          </a:xfrm>
-        </p:grpSpPr>
-        <p:sp>
-          <p:nvSpPr>
-            <p:cNvPr id="11" name="Rectangle 10"/>
-            <p:cNvSpPr/>
-            <p:nvPr/>
-          </p:nvSpPr>
-          <p:spPr>
-            <a:xfrm>
-              <a:off x="3172752" y="2036663"/>
-              <a:ext cx="1738990" cy="2597316"/>
-            </a:xfrm>
-            <a:prstGeom prst="rect">
-              <a:avLst/>
-            </a:prstGeom>
-            <a:solidFill>
-              <a:srgbClr val="222222"/>
-            </a:solidFill>
-            <a:ln>
-              <a:noFill/>
-            </a:ln>
-          </p:spPr>
-          <p:style>
-            <a:lnRef idx="1">
-              <a:schemeClr val="accent1"/>
-            </a:lnRef>
-            <a:fillRef idx="3">
-              <a:schemeClr val="accent1"/>
-            </a:fillRef>
-            <a:effectRef idx="2">
-              <a:schemeClr val="accent1"/>
-            </a:effectRef>
-            <a:fontRef idx="minor">
-              <a:schemeClr val="lt1"/>
-            </a:fontRef>
-          </p:style>
-          <p:txBody>
-            <a:bodyPr rtlCol="0" anchor="ctr"/>
-            <a:lstStyle/>
-            <a:p>
-              <a:pPr algn="ctr"/>
-              <a:endParaRPr lang="en-US"/>
-            </a:p>
-          </p:txBody>
-        </p:sp>
-        <p:cxnSp>
-          <p:nvCxnSpPr>
-            <p:cNvPr id="12" name="Straight Connector 11"/>
-            <p:cNvCxnSpPr/>
-            <p:nvPr/>
-          </p:nvCxnSpPr>
-          <p:spPr>
-            <a:xfrm>
-              <a:off x="3172752" y="1910803"/>
-              <a:ext cx="1738990" cy="0"/>
-            </a:xfrm>
-            <a:prstGeom prst="line">
-              <a:avLst/>
-            </a:prstGeom>
-            <a:ln w="53975">
-              <a:solidFill>
-                <a:srgbClr val="009EC0"/>
-              </a:solidFill>
-            </a:ln>
-          </p:spPr>
-          <p:style>
-            <a:lnRef idx="2">
-              <a:schemeClr val="accent1"/>
-            </a:lnRef>
-            <a:fillRef idx="0">
-              <a:schemeClr val="accent1"/>
-            </a:fillRef>
-            <a:effectRef idx="1">
-              <a:schemeClr val="accent1"/>
-            </a:effectRef>
-            <a:fontRef idx="minor">
-              <a:schemeClr val="tx1"/>
-            </a:fontRef>
-          </p:style>
-        </p:cxnSp>
-        <p:cxnSp>
-          <p:nvCxnSpPr>
-            <p:cNvPr id="13" name="Straight Connector 12"/>
-            <p:cNvCxnSpPr/>
-            <p:nvPr/>
-          </p:nvCxnSpPr>
-          <p:spPr>
-            <a:xfrm>
-              <a:off x="3172752" y="4752054"/>
-              <a:ext cx="1738990" cy="0"/>
-            </a:xfrm>
-            <a:prstGeom prst="line">
-              <a:avLst/>
-            </a:prstGeom>
-            <a:ln w="53975">
-              <a:solidFill>
-                <a:srgbClr val="009EC0"/>
-              </a:solidFill>
-            </a:ln>
-          </p:spPr>
-          <p:style>
-            <a:lnRef idx="2">
-              <a:schemeClr val="accent1"/>
-            </a:lnRef>
-            <a:fillRef idx="0">
-              <a:schemeClr val="accent1"/>
-            </a:fillRef>
-            <a:effectRef idx="1">
-              <a:schemeClr val="accent1"/>
-            </a:effectRef>
-            <a:fontRef idx="minor">
-              <a:schemeClr val="tx1"/>
-            </a:fontRef>
-          </p:style>
-        </p:cxnSp>
-      </p:grpSp>
-      <p:grpSp>
-        <p:nvGrpSpPr>
-          <p:cNvPr id="24" name="Group 23"/>
-          <p:cNvGrpSpPr/>
-          <p:nvPr/>
-        </p:nvGrpSpPr>
-        <p:grpSpPr>
-          <a:xfrm>
-            <a:off x="4953000" y="1905000"/>
-            <a:ext cx="1738990" cy="2841251"/>
-            <a:chOff x="3172752" y="1910803"/>
-            <a:chExt cx="1738990" cy="2841251"/>
-          </a:xfrm>
-        </p:grpSpPr>
-        <p:sp>
-          <p:nvSpPr>
-            <p:cNvPr id="25" name="Rectangle 24"/>
-            <p:cNvSpPr/>
-            <p:nvPr/>
-          </p:nvSpPr>
-          <p:spPr>
-            <a:xfrm>
-              <a:off x="3172752" y="2036663"/>
-              <a:ext cx="1738990" cy="2597316"/>
-            </a:xfrm>
-            <a:prstGeom prst="rect">
-              <a:avLst/>
-            </a:prstGeom>
-            <a:solidFill>
-              <a:srgbClr val="222222"/>
-            </a:solidFill>
-            <a:ln>
-              <a:noFill/>
-            </a:ln>
-          </p:spPr>
-          <p:style>
-            <a:lnRef idx="1">
-              <a:schemeClr val="accent1"/>
-            </a:lnRef>
-            <a:fillRef idx="3">
-              <a:schemeClr val="accent1"/>
-            </a:fillRef>
-            <a:effectRef idx="2">
-              <a:schemeClr val="accent1"/>
-            </a:effectRef>
-            <a:fontRef idx="minor">
-              <a:schemeClr val="lt1"/>
-            </a:fontRef>
-          </p:style>
-          <p:txBody>
-            <a:bodyPr rtlCol="0" anchor="ctr"/>
-            <a:lstStyle/>
-            <a:p>
-              <a:pPr algn="ctr"/>
-              <a:endParaRPr lang="en-US"/>
-            </a:p>
-          </p:txBody>
-        </p:sp>
-        <p:cxnSp>
-          <p:nvCxnSpPr>
-            <p:cNvPr id="26" name="Straight Connector 25"/>
-            <p:cNvCxnSpPr/>
-            <p:nvPr/>
-          </p:nvCxnSpPr>
-          <p:spPr>
-            <a:xfrm>
-              <a:off x="3172752" y="1910803"/>
-              <a:ext cx="1738990" cy="0"/>
-            </a:xfrm>
-            <a:prstGeom prst="line">
-              <a:avLst/>
-            </a:prstGeom>
-            <a:ln w="53975">
-              <a:solidFill>
-                <a:srgbClr val="009EC0"/>
-              </a:solidFill>
-            </a:ln>
-          </p:spPr>
-          <p:style>
-            <a:lnRef idx="2">
-              <a:schemeClr val="accent1"/>
-            </a:lnRef>
-            <a:fillRef idx="0">
-              <a:schemeClr val="accent1"/>
-            </a:fillRef>
-            <a:effectRef idx="1">
-              <a:schemeClr val="accent1"/>
-            </a:effectRef>
-            <a:fontRef idx="minor">
-              <a:schemeClr val="tx1"/>
-            </a:fontRef>
-          </p:style>
-        </p:cxnSp>
-        <p:cxnSp>
-          <p:nvCxnSpPr>
-            <p:cNvPr id="27" name="Straight Connector 26"/>
-            <p:cNvCxnSpPr/>
-            <p:nvPr/>
-          </p:nvCxnSpPr>
-          <p:spPr>
-            <a:xfrm>
-              <a:off x="3172752" y="4752054"/>
-              <a:ext cx="1738990" cy="0"/>
-            </a:xfrm>
-            <a:prstGeom prst="line">
-              <a:avLst/>
-            </a:prstGeom>
-            <a:ln w="53975">
-              <a:solidFill>
-                <a:srgbClr val="009EC0"/>
-              </a:solidFill>
-            </a:ln>
-          </p:spPr>
-          <p:style>
-            <a:lnRef idx="2">
-              <a:schemeClr val="accent1"/>
-            </a:lnRef>
-            <a:fillRef idx="0">
-              <a:schemeClr val="accent1"/>
-            </a:fillRef>
-            <a:effectRef idx="1">
-              <a:schemeClr val="accent1"/>
-            </a:effectRef>
-            <a:fontRef idx="minor">
-              <a:schemeClr val="tx1"/>
-            </a:fontRef>
-          </p:style>
-        </p:cxnSp>
-      </p:grpSp>
-      <p:grpSp>
-        <p:nvGrpSpPr>
-          <p:cNvPr id="20" name="Group 19"/>
-          <p:cNvGrpSpPr/>
-          <p:nvPr/>
-        </p:nvGrpSpPr>
-        <p:grpSpPr>
-          <a:xfrm>
-            <a:off x="7315200" y="1905000"/>
-            <a:ext cx="1738990" cy="2841251"/>
-            <a:chOff x="3172752" y="1910803"/>
-            <a:chExt cx="1738990" cy="2841251"/>
-          </a:xfrm>
-        </p:grpSpPr>
-        <p:sp>
-          <p:nvSpPr>
-            <p:cNvPr id="21" name="Rectangle 20"/>
-            <p:cNvSpPr/>
-            <p:nvPr/>
-          </p:nvSpPr>
-          <p:spPr>
-            <a:xfrm>
-              <a:off x="3172752" y="2036663"/>
-              <a:ext cx="1738990" cy="2597316"/>
-            </a:xfrm>
-            <a:prstGeom prst="rect">
-              <a:avLst/>
-            </a:prstGeom>
-            <a:solidFill>
-              <a:srgbClr val="222222"/>
-            </a:solidFill>
-            <a:ln>
-              <a:noFill/>
-            </a:ln>
-          </p:spPr>
-          <p:style>
-            <a:lnRef idx="1">
-              <a:schemeClr val="accent1"/>
-            </a:lnRef>
-            <a:fillRef idx="3">
-              <a:schemeClr val="accent1"/>
-            </a:fillRef>
-            <a:effectRef idx="2">
-              <a:schemeClr val="accent1"/>
-            </a:effectRef>
-            <a:fontRef idx="minor">
-              <a:schemeClr val="lt1"/>
-            </a:fontRef>
-          </p:style>
-          <p:txBody>
-            <a:bodyPr rtlCol="0" anchor="ctr"/>
-            <a:lstStyle/>
-            <a:p>
-              <a:pPr algn="ctr"/>
-              <a:endParaRPr lang="en-US"/>
-            </a:p>
-          </p:txBody>
-        </p:sp>
-        <p:cxnSp>
-          <p:nvCxnSpPr>
-            <p:cNvPr id="22" name="Straight Connector 21"/>
-            <p:cNvCxnSpPr/>
-            <p:nvPr/>
-          </p:nvCxnSpPr>
-          <p:spPr>
-            <a:xfrm>
-              <a:off x="3172752" y="1910803"/>
-              <a:ext cx="1738990" cy="0"/>
-            </a:xfrm>
-            <a:prstGeom prst="line">
-              <a:avLst/>
-            </a:prstGeom>
-            <a:ln w="53975">
-              <a:solidFill>
-                <a:srgbClr val="009EC0"/>
-              </a:solidFill>
-            </a:ln>
-          </p:spPr>
-          <p:style>
-            <a:lnRef idx="2">
-              <a:schemeClr val="accent1"/>
-            </a:lnRef>
-            <a:fillRef idx="0">
-              <a:schemeClr val="accent1"/>
-            </a:fillRef>
-            <a:effectRef idx="1">
-              <a:schemeClr val="accent1"/>
-            </a:effectRef>
-            <a:fontRef idx="minor">
-              <a:schemeClr val="tx1"/>
-            </a:fontRef>
-          </p:style>
-        </p:cxnSp>
-        <p:cxnSp>
-          <p:nvCxnSpPr>
-            <p:cNvPr id="30" name="Straight Connector 29"/>
-            <p:cNvCxnSpPr/>
-            <p:nvPr/>
-          </p:nvCxnSpPr>
-          <p:spPr>
-            <a:xfrm>
-              <a:off x="3172752" y="4752054"/>
-              <a:ext cx="1738990" cy="0"/>
-            </a:xfrm>
-            <a:prstGeom prst="line">
-              <a:avLst/>
-            </a:prstGeom>
-            <a:ln w="53975">
-              <a:solidFill>
-                <a:srgbClr val="009EC0"/>
-              </a:solidFill>
-            </a:ln>
-          </p:spPr>
-          <p:style>
-            <a:lnRef idx="2">
-              <a:schemeClr val="accent1"/>
-            </a:lnRef>
-            <a:fillRef idx="0">
-              <a:schemeClr val="accent1"/>
-            </a:fillRef>
-            <a:effectRef idx="1">
-              <a:schemeClr val="accent1"/>
-            </a:effectRef>
-            <a:fontRef idx="minor">
-              <a:schemeClr val="tx1"/>
-            </a:fontRef>
-          </p:style>
-        </p:cxnSp>
-      </p:grpSp>
-      <p:grpSp>
-        <p:nvGrpSpPr>
-          <p:cNvPr id="33" name="Group 32"/>
-          <p:cNvGrpSpPr/>
-          <p:nvPr/>
-        </p:nvGrpSpPr>
-        <p:grpSpPr>
-          <a:xfrm>
-            <a:off x="152400" y="1905000"/>
-            <a:ext cx="1738990" cy="2841251"/>
-            <a:chOff x="3172752" y="1910803"/>
-            <a:chExt cx="1738990" cy="2841251"/>
-          </a:xfrm>
-        </p:grpSpPr>
-        <p:sp>
-          <p:nvSpPr>
-            <p:cNvPr id="34" name="Rectangle 33"/>
-            <p:cNvSpPr/>
-            <p:nvPr/>
-          </p:nvSpPr>
-          <p:spPr>
-            <a:xfrm>
-              <a:off x="3172752" y="2036663"/>
-              <a:ext cx="1738990" cy="2597316"/>
-            </a:xfrm>
-            <a:prstGeom prst="rect">
-              <a:avLst/>
-            </a:prstGeom>
-            <a:solidFill>
-              <a:srgbClr val="222222"/>
-            </a:solidFill>
-            <a:ln>
-              <a:noFill/>
-            </a:ln>
-          </p:spPr>
-          <p:style>
-            <a:lnRef idx="1">
-              <a:schemeClr val="accent1"/>
-            </a:lnRef>
-            <a:fillRef idx="3">
-              <a:schemeClr val="accent1"/>
-            </a:fillRef>
-            <a:effectRef idx="2">
-              <a:schemeClr val="accent1"/>
-            </a:effectRef>
-            <a:fontRef idx="minor">
-              <a:schemeClr val="lt1"/>
-            </a:fontRef>
-          </p:style>
-          <p:txBody>
-            <a:bodyPr rtlCol="0" anchor="ctr"/>
-            <a:lstStyle/>
-            <a:p>
-              <a:pPr algn="ctr"/>
-              <a:endParaRPr lang="en-US"/>
-            </a:p>
-          </p:txBody>
-        </p:sp>
-        <p:cxnSp>
-          <p:nvCxnSpPr>
-            <p:cNvPr id="35" name="Straight Connector 34"/>
-            <p:cNvCxnSpPr/>
-            <p:nvPr/>
-          </p:nvCxnSpPr>
-          <p:spPr>
-            <a:xfrm>
-              <a:off x="3172752" y="1910803"/>
-              <a:ext cx="1738990" cy="0"/>
-            </a:xfrm>
-            <a:prstGeom prst="line">
-              <a:avLst/>
-            </a:prstGeom>
-            <a:ln w="53975">
-              <a:solidFill>
-                <a:srgbClr val="009EC0"/>
-              </a:solidFill>
-            </a:ln>
-          </p:spPr>
-          <p:style>
-            <a:lnRef idx="2">
-              <a:schemeClr val="accent1"/>
-            </a:lnRef>
-            <a:fillRef idx="0">
-              <a:schemeClr val="accent1"/>
-            </a:fillRef>
-            <a:effectRef idx="1">
-              <a:schemeClr val="accent1"/>
-            </a:effectRef>
-            <a:fontRef idx="minor">
-              <a:schemeClr val="tx1"/>
-            </a:fontRef>
-          </p:style>
-        </p:cxnSp>
-        <p:cxnSp>
-          <p:nvCxnSpPr>
-            <p:cNvPr id="36" name="Straight Connector 35"/>
-            <p:cNvCxnSpPr/>
-            <p:nvPr/>
-          </p:nvCxnSpPr>
-          <p:spPr>
-            <a:xfrm>
-              <a:off x="3172752" y="4752054"/>
-              <a:ext cx="1738990" cy="0"/>
-            </a:xfrm>
-            <a:prstGeom prst="line">
-              <a:avLst/>
-            </a:prstGeom>
-            <a:ln w="53975">
-              <a:solidFill>
-                <a:srgbClr val="009EC0"/>
-              </a:solidFill>
-            </a:ln>
-          </p:spPr>
-          <p:style>
-            <a:lnRef idx="2">
-              <a:schemeClr val="accent1"/>
-            </a:lnRef>
-            <a:fillRef idx="0">
-              <a:schemeClr val="accent1"/>
-            </a:fillRef>
-            <a:effectRef idx="1">
-              <a:schemeClr val="accent1"/>
-            </a:effectRef>
-            <a:fontRef idx="minor">
-              <a:schemeClr val="tx1"/>
-            </a:fontRef>
-          </p:style>
-        </p:cxnSp>
-        <p:sp>
-          <p:nvSpPr>
-            <p:cNvPr id="37" name="TextBox 36"/>
-            <p:cNvSpPr txBox="1"/>
-            <p:nvPr/>
-          </p:nvSpPr>
-          <p:spPr>
-            <a:xfrm>
-              <a:off x="3172752" y="3206203"/>
-              <a:ext cx="1738990" cy="1015663"/>
-            </a:xfrm>
-            <a:prstGeom prst="rect">
-              <a:avLst/>
-            </a:prstGeom>
-            <a:noFill/>
-          </p:spPr>
-          <p:txBody>
-            <a:bodyPr wrap="square" rtlCol="0" anchor="t">
-              <a:spAutoFit/>
-            </a:bodyPr>
-            <a:lstStyle/>
-            <a:p>
-              <a:pPr algn="ctr"/>
-              <a:r>
-                <a:rPr lang="en-US" sz="2000" dirty="0"/>
-                <a:t>NT books written in 1</a:t>
-              </a:r>
-              <a:r>
-                <a:rPr lang="en-US" sz="2000" baseline="30000" dirty="0"/>
-                <a:t>st</a:t>
-              </a:r>
-              <a:r>
-                <a:rPr lang="en-US" sz="2000" dirty="0"/>
-                <a:t> century</a:t>
-              </a:r>
-            </a:p>
-          </p:txBody>
-        </p:sp>
-        <p:sp>
-          <p:nvSpPr>
-            <p:cNvPr id="38" name="TextBox 37"/>
-            <p:cNvSpPr txBox="1"/>
-            <p:nvPr/>
-          </p:nvSpPr>
-          <p:spPr>
-            <a:xfrm>
-              <a:off x="3172752" y="2139403"/>
-              <a:ext cx="1738989" cy="923330"/>
-            </a:xfrm>
-            <a:prstGeom prst="rect">
-              <a:avLst/>
-            </a:prstGeom>
-            <a:noFill/>
-          </p:spPr>
-          <p:txBody>
-            <a:bodyPr wrap="square" rtlCol="0">
-              <a:spAutoFit/>
-            </a:bodyPr>
-            <a:lstStyle/>
-            <a:p>
-              <a:pPr algn="ctr"/>
-              <a:r>
-                <a:rPr lang="en-US" sz="5400" dirty="0"/>
-                <a:t>100%</a:t>
-              </a:r>
-            </a:p>
-          </p:txBody>
-        </p:sp>
-      </p:grpSp>
-      <p:sp>
-        <p:nvSpPr>
-          <p:cNvPr id="42" name="TextBox 41"/>
-          <p:cNvSpPr txBox="1"/>
-          <p:nvPr/>
-        </p:nvSpPr>
-        <p:spPr>
-          <a:xfrm>
-            <a:off x="2514600" y="3200400"/>
-            <a:ext cx="1738990" cy="1323439"/>
-          </a:xfrm>
-          <a:prstGeom prst="rect">
-            <a:avLst/>
-          </a:prstGeom>
-          <a:noFill/>
-        </p:spPr>
-        <p:txBody>
-          <a:bodyPr wrap="square" rtlCol="0">
-            <a:spAutoFit/>
-          </a:bodyPr>
-          <a:lstStyle/>
-          <a:p>
-            <a:pPr algn="ctr"/>
-            <a:r>
-              <a:rPr lang="en-US" sz="2000" dirty="0"/>
-              <a:t>Apocryphal “gospels” written in 1</a:t>
-            </a:r>
-            <a:r>
-              <a:rPr lang="en-US" sz="2000" baseline="30000" dirty="0"/>
-              <a:t>st</a:t>
-            </a:r>
-            <a:r>
-              <a:rPr lang="en-US" sz="2000" dirty="0"/>
-              <a:t> century</a:t>
-            </a:r>
-          </a:p>
-        </p:txBody>
-      </p:sp>
-      <p:sp>
-        <p:nvSpPr>
-          <p:cNvPr id="43" name="TextBox 42"/>
-          <p:cNvSpPr txBox="1"/>
-          <p:nvPr/>
-        </p:nvSpPr>
-        <p:spPr>
-          <a:xfrm>
-            <a:off x="2514600" y="2133600"/>
-            <a:ext cx="1738989" cy="923330"/>
-          </a:xfrm>
-          <a:prstGeom prst="rect">
-            <a:avLst/>
-          </a:prstGeom>
-          <a:noFill/>
-        </p:spPr>
-        <p:txBody>
-          <a:bodyPr wrap="square" rtlCol="0">
-            <a:spAutoFit/>
-          </a:bodyPr>
-          <a:lstStyle/>
-          <a:p>
-            <a:pPr algn="ctr"/>
-            <a:r>
-              <a:rPr lang="en-US" sz="5400" dirty="0"/>
-              <a:t>0%</a:t>
-            </a:r>
-          </a:p>
-        </p:txBody>
-      </p:sp>
-      <p:sp>
-        <p:nvSpPr>
-          <p:cNvPr id="48" name="TextBox 47"/>
-          <p:cNvSpPr txBox="1"/>
-          <p:nvPr/>
-        </p:nvSpPr>
-        <p:spPr>
-          <a:xfrm>
-            <a:off x="4953000" y="3200400"/>
-            <a:ext cx="1738990" cy="1323439"/>
-          </a:xfrm>
-          <a:prstGeom prst="rect">
-            <a:avLst/>
-          </a:prstGeom>
-          <a:noFill/>
-        </p:spPr>
-        <p:txBody>
-          <a:bodyPr wrap="square" rtlCol="0">
-            <a:spAutoFit/>
-          </a:bodyPr>
-          <a:lstStyle/>
-          <a:p>
-            <a:pPr algn="ctr"/>
-            <a:r>
-              <a:rPr lang="en-US" sz="2000" dirty="0"/>
-              <a:t>Apocryphal “gospels” written in 1</a:t>
-            </a:r>
-            <a:r>
-              <a:rPr lang="en-US" sz="2000" baseline="30000" dirty="0"/>
-              <a:t>st</a:t>
-            </a:r>
-            <a:r>
-              <a:rPr lang="en-US" sz="2000" dirty="0"/>
-              <a:t> century</a:t>
-            </a:r>
-          </a:p>
-        </p:txBody>
-      </p:sp>
-      <p:sp>
-        <p:nvSpPr>
-          <p:cNvPr id="49" name="TextBox 48"/>
-          <p:cNvSpPr txBox="1"/>
-          <p:nvPr/>
-        </p:nvSpPr>
-        <p:spPr>
-          <a:xfrm>
-            <a:off x="4953000" y="2133600"/>
-            <a:ext cx="1738989" cy="923330"/>
-          </a:xfrm>
-          <a:prstGeom prst="rect">
-            <a:avLst/>
-          </a:prstGeom>
-          <a:noFill/>
-        </p:spPr>
-        <p:txBody>
-          <a:bodyPr wrap="square" rtlCol="0">
-            <a:spAutoFit/>
-          </a:bodyPr>
-          <a:lstStyle/>
-          <a:p>
-            <a:pPr algn="ctr"/>
-            <a:r>
-              <a:rPr lang="en-US" sz="5400" dirty="0"/>
-              <a:t>0%</a:t>
-            </a:r>
-          </a:p>
-        </p:txBody>
-      </p:sp>
-      <p:sp>
-        <p:nvSpPr>
-          <p:cNvPr id="50" name="TextBox 49"/>
-          <p:cNvSpPr txBox="1"/>
-          <p:nvPr/>
-        </p:nvSpPr>
-        <p:spPr>
-          <a:xfrm>
-            <a:off x="7315200" y="3200400"/>
-            <a:ext cx="1738990" cy="1323439"/>
-          </a:xfrm>
-          <a:prstGeom prst="rect">
-            <a:avLst/>
-          </a:prstGeom>
-          <a:noFill/>
-        </p:spPr>
-        <p:txBody>
-          <a:bodyPr wrap="square" rtlCol="0">
-            <a:spAutoFit/>
-          </a:bodyPr>
-          <a:lstStyle/>
-          <a:p>
-            <a:pPr algn="ctr"/>
-            <a:r>
-              <a:rPr lang="en-US" sz="2000" dirty="0"/>
-              <a:t>Apocryphal “gospels” written in 1</a:t>
-            </a:r>
-            <a:r>
-              <a:rPr lang="en-US" sz="2000" baseline="30000" dirty="0"/>
-              <a:t>st</a:t>
-            </a:r>
-            <a:r>
-              <a:rPr lang="en-US" sz="2000" dirty="0"/>
-              <a:t> century</a:t>
-            </a:r>
-          </a:p>
-        </p:txBody>
-      </p:sp>
-      <p:sp>
-        <p:nvSpPr>
-          <p:cNvPr id="51" name="TextBox 50"/>
-          <p:cNvSpPr txBox="1"/>
-          <p:nvPr/>
-        </p:nvSpPr>
-        <p:spPr>
-          <a:xfrm>
-            <a:off x="7315200" y="2133600"/>
-            <a:ext cx="1738989" cy="923330"/>
-          </a:xfrm>
-          <a:prstGeom prst="rect">
-            <a:avLst/>
-          </a:prstGeom>
-          <a:noFill/>
-        </p:spPr>
-        <p:txBody>
-          <a:bodyPr wrap="square" rtlCol="0">
-            <a:spAutoFit/>
-          </a:bodyPr>
-          <a:lstStyle/>
-          <a:p>
-            <a:pPr algn="ctr"/>
-            <a:r>
-              <a:rPr lang="en-US" sz="5400" dirty="0"/>
-              <a:t>0%</a:t>
-            </a:r>
-          </a:p>
-        </p:txBody>
-      </p:sp>
-    </p:spTree>
-    <p:extLst>
-      <p:ext uri="{BB962C8B-B14F-4D97-AF65-F5344CB8AC3E}">
-        <p14:creationId xmlns:p14="http://schemas.microsoft.com/office/powerpoint/2010/main" val="3368280350"/>
-      </p:ext>
-    </p:extLst>
-  </p:cSld>
-  <p:clrMapOvr>
-    <a:masterClrMapping/>
-  </p:clrMapOvr>
-</p:sld>
-</file>
-
-<file path=ppt/slides/slide29.xml><?xml version="1.0" encoding="utf-8"?>
-<p:sld xmlns:a="http://schemas.openxmlformats.org/drawingml/2006/main" xmlns:r="http://schemas.openxmlformats.org/officeDocument/2006/relationships" xmlns:p="http://schemas.openxmlformats.org/presentationml/2006/main">
-  <p:cSld>
-    <p:spTree>
-      <p:nvGrpSpPr>
-        <p:cNvPr id="1" name=""/>
-        <p:cNvGrpSpPr/>
-        <p:nvPr/>
-      </p:nvGrpSpPr>
-      <p:grpSpPr>
-        <a:xfrm>
-          <a:off x="0" y="0"/>
-          <a:ext cx="0" cy="0"/>
-          <a:chOff x="0" y="0"/>
-          <a:chExt cx="0" cy="0"/>
-        </a:xfrm>
-      </p:grpSpPr>
-      <p:grpSp>
-        <p:nvGrpSpPr>
-          <p:cNvPr id="2" name="Group 1"/>
-          <p:cNvGrpSpPr/>
-          <p:nvPr/>
-        </p:nvGrpSpPr>
-        <p:grpSpPr>
-          <a:xfrm>
-            <a:off x="1281361" y="1922244"/>
-            <a:ext cx="6669943" cy="2841251"/>
-            <a:chOff x="1281361" y="1922244"/>
-            <a:chExt cx="6669943" cy="2841251"/>
-          </a:xfrm>
-        </p:grpSpPr>
-        <p:sp>
-          <p:nvSpPr>
-            <p:cNvPr id="4" name="Rectangle 3"/>
-            <p:cNvSpPr/>
-            <p:nvPr/>
-          </p:nvSpPr>
-          <p:spPr>
-            <a:xfrm>
-              <a:off x="1281361" y="2048104"/>
-              <a:ext cx="6669943" cy="2597316"/>
-            </a:xfrm>
-            <a:prstGeom prst="rect">
-              <a:avLst/>
-            </a:prstGeom>
-            <a:solidFill>
-              <a:srgbClr val="222222"/>
-            </a:solidFill>
-            <a:ln>
-              <a:noFill/>
-            </a:ln>
-          </p:spPr>
-          <p:style>
-            <a:lnRef idx="1">
-              <a:schemeClr val="accent1"/>
-            </a:lnRef>
-            <a:fillRef idx="3">
-              <a:schemeClr val="accent1"/>
-            </a:fillRef>
-            <a:effectRef idx="2">
-              <a:schemeClr val="accent1"/>
-            </a:effectRef>
-            <a:fontRef idx="minor">
-              <a:schemeClr val="lt1"/>
-            </a:fontRef>
-          </p:style>
-          <p:txBody>
-            <a:bodyPr rtlCol="0" anchor="ctr"/>
-            <a:lstStyle/>
-            <a:p>
-              <a:pPr algn="ctr"/>
-              <a:endParaRPr lang="en-US" sz="5400" dirty="0"/>
-            </a:p>
-          </p:txBody>
-        </p:sp>
-        <p:cxnSp>
-          <p:nvCxnSpPr>
-            <p:cNvPr id="6" name="Straight Connector 5"/>
-            <p:cNvCxnSpPr/>
-            <p:nvPr/>
-          </p:nvCxnSpPr>
-          <p:spPr>
-            <a:xfrm>
-              <a:off x="1281361" y="1922244"/>
-              <a:ext cx="6669943" cy="0"/>
-            </a:xfrm>
-            <a:prstGeom prst="line">
-              <a:avLst/>
-            </a:prstGeom>
-            <a:ln w="53975">
-              <a:solidFill>
-                <a:srgbClr val="009EC0"/>
-              </a:solidFill>
-            </a:ln>
-          </p:spPr>
-          <p:style>
-            <a:lnRef idx="2">
-              <a:schemeClr val="accent1"/>
-            </a:lnRef>
-            <a:fillRef idx="0">
-              <a:schemeClr val="accent1"/>
-            </a:fillRef>
-            <a:effectRef idx="1">
-              <a:schemeClr val="accent1"/>
-            </a:effectRef>
-            <a:fontRef idx="minor">
-              <a:schemeClr val="tx1"/>
-            </a:fontRef>
-          </p:style>
-        </p:cxnSp>
-        <p:cxnSp>
-          <p:nvCxnSpPr>
-            <p:cNvPr id="7" name="Straight Connector 6"/>
-            <p:cNvCxnSpPr/>
-            <p:nvPr/>
-          </p:nvCxnSpPr>
-          <p:spPr>
-            <a:xfrm>
-              <a:off x="1281361" y="4763495"/>
-              <a:ext cx="6669943" cy="0"/>
-            </a:xfrm>
-            <a:prstGeom prst="line">
-              <a:avLst/>
-            </a:prstGeom>
-            <a:ln w="53975">
-              <a:solidFill>
-                <a:srgbClr val="009EC0"/>
-              </a:solidFill>
-            </a:ln>
-          </p:spPr>
-          <p:style>
-            <a:lnRef idx="2">
-              <a:schemeClr val="accent1"/>
-            </a:lnRef>
-            <a:fillRef idx="0">
-              <a:schemeClr val="accent1"/>
-            </a:fillRef>
-            <a:effectRef idx="1">
-              <a:schemeClr val="accent1"/>
-            </a:effectRef>
-            <a:fontRef idx="minor">
-              <a:schemeClr val="tx1"/>
-            </a:fontRef>
-          </p:style>
-        </p:cxnSp>
-      </p:grpSp>
-      <p:sp>
-        <p:nvSpPr>
-          <p:cNvPr id="8" name="TextBox 7"/>
-          <p:cNvSpPr txBox="1"/>
-          <p:nvPr/>
-        </p:nvSpPr>
-        <p:spPr>
-          <a:xfrm>
-            <a:off x="3433270" y="3624421"/>
-            <a:ext cx="2286954" cy="369332"/>
-          </a:xfrm>
-          <a:prstGeom prst="rect">
-            <a:avLst/>
-          </a:prstGeom>
-          <a:noFill/>
-        </p:spPr>
-        <p:txBody>
-          <a:bodyPr wrap="square" rtlCol="0">
-            <a:spAutoFit/>
-          </a:bodyPr>
-          <a:lstStyle/>
-          <a:p>
-            <a:pPr algn="ctr"/>
-            <a:r>
-              <a:rPr lang="en-US" dirty="0"/>
-              <a:t>Greek NT Manuscripts</a:t>
-            </a:r>
-          </a:p>
-        </p:txBody>
-      </p:sp>
-      <p:sp>
-        <p:nvSpPr>
-          <p:cNvPr id="9" name="TextBox 8"/>
-          <p:cNvSpPr txBox="1"/>
-          <p:nvPr/>
-        </p:nvSpPr>
-        <p:spPr>
-          <a:xfrm>
-            <a:off x="3433270" y="2540106"/>
-            <a:ext cx="2286954" cy="1200329"/>
-          </a:xfrm>
-          <a:prstGeom prst="rect">
-            <a:avLst/>
-          </a:prstGeom>
-          <a:noFill/>
-        </p:spPr>
-        <p:txBody>
-          <a:bodyPr wrap="none" rtlCol="0">
-            <a:spAutoFit/>
-          </a:bodyPr>
-          <a:lstStyle/>
-          <a:p>
-            <a:pPr algn="ctr"/>
-            <a:r>
-              <a:rPr lang="en-US" sz="7200" dirty="0"/>
-              <a:t>6,000</a:t>
-            </a:r>
-          </a:p>
-        </p:txBody>
-      </p:sp>
-    </p:spTree>
-    <p:extLst>
-      <p:ext uri="{BB962C8B-B14F-4D97-AF65-F5344CB8AC3E}">
-        <p14:creationId xmlns:p14="http://schemas.microsoft.com/office/powerpoint/2010/main" val="711863038"/>
       </p:ext>
     </p:extLst>
   </p:cSld>
@@ -23301,6 +23666,2135 @@
           <a:chExt cx="0" cy="0"/>
         </a:xfrm>
       </p:grpSpPr>
+      <p:grpSp>
+        <p:nvGrpSpPr>
+          <p:cNvPr id="5" name="Group 4"/>
+          <p:cNvGrpSpPr/>
+          <p:nvPr/>
+        </p:nvGrpSpPr>
+        <p:grpSpPr>
+          <a:xfrm>
+            <a:off x="2514600" y="2340349"/>
+            <a:ext cx="1738990" cy="2841251"/>
+            <a:chOff x="3172752" y="1910803"/>
+            <a:chExt cx="1738990" cy="2841251"/>
+          </a:xfrm>
+        </p:grpSpPr>
+        <p:sp>
+          <p:nvSpPr>
+            <p:cNvPr id="11" name="Rectangle 10"/>
+            <p:cNvSpPr/>
+            <p:nvPr/>
+          </p:nvSpPr>
+          <p:spPr>
+            <a:xfrm>
+              <a:off x="3172752" y="2036663"/>
+              <a:ext cx="1738990" cy="2597316"/>
+            </a:xfrm>
+            <a:prstGeom prst="rect">
+              <a:avLst/>
+            </a:prstGeom>
+            <a:solidFill>
+              <a:srgbClr val="222222"/>
+            </a:solidFill>
+            <a:ln>
+              <a:noFill/>
+            </a:ln>
+          </p:spPr>
+          <p:style>
+            <a:lnRef idx="1">
+              <a:schemeClr val="accent1"/>
+            </a:lnRef>
+            <a:fillRef idx="3">
+              <a:schemeClr val="accent1"/>
+            </a:fillRef>
+            <a:effectRef idx="2">
+              <a:schemeClr val="accent1"/>
+            </a:effectRef>
+            <a:fontRef idx="minor">
+              <a:schemeClr val="lt1"/>
+            </a:fontRef>
+          </p:style>
+          <p:txBody>
+            <a:bodyPr rtlCol="0" anchor="ctr"/>
+            <a:lstStyle/>
+            <a:p>
+              <a:pPr algn="ctr"/>
+              <a:endParaRPr lang="en-US"/>
+            </a:p>
+          </p:txBody>
+        </p:sp>
+        <p:cxnSp>
+          <p:nvCxnSpPr>
+            <p:cNvPr id="12" name="Straight Connector 11"/>
+            <p:cNvCxnSpPr/>
+            <p:nvPr/>
+          </p:nvCxnSpPr>
+          <p:spPr>
+            <a:xfrm>
+              <a:off x="3172752" y="1910803"/>
+              <a:ext cx="1738990" cy="0"/>
+            </a:xfrm>
+            <a:prstGeom prst="line">
+              <a:avLst/>
+            </a:prstGeom>
+            <a:ln w="53975">
+              <a:solidFill>
+                <a:srgbClr val="009EC0"/>
+              </a:solidFill>
+            </a:ln>
+          </p:spPr>
+          <p:style>
+            <a:lnRef idx="2">
+              <a:schemeClr val="accent1"/>
+            </a:lnRef>
+            <a:fillRef idx="0">
+              <a:schemeClr val="accent1"/>
+            </a:fillRef>
+            <a:effectRef idx="1">
+              <a:schemeClr val="accent1"/>
+            </a:effectRef>
+            <a:fontRef idx="minor">
+              <a:schemeClr val="tx1"/>
+            </a:fontRef>
+          </p:style>
+        </p:cxnSp>
+        <p:cxnSp>
+          <p:nvCxnSpPr>
+            <p:cNvPr id="13" name="Straight Connector 12"/>
+            <p:cNvCxnSpPr/>
+            <p:nvPr/>
+          </p:nvCxnSpPr>
+          <p:spPr>
+            <a:xfrm>
+              <a:off x="3172752" y="4752054"/>
+              <a:ext cx="1738990" cy="0"/>
+            </a:xfrm>
+            <a:prstGeom prst="line">
+              <a:avLst/>
+            </a:prstGeom>
+            <a:ln w="53975">
+              <a:solidFill>
+                <a:srgbClr val="009EC0"/>
+              </a:solidFill>
+            </a:ln>
+          </p:spPr>
+          <p:style>
+            <a:lnRef idx="2">
+              <a:schemeClr val="accent1"/>
+            </a:lnRef>
+            <a:fillRef idx="0">
+              <a:schemeClr val="accent1"/>
+            </a:fillRef>
+            <a:effectRef idx="1">
+              <a:schemeClr val="accent1"/>
+            </a:effectRef>
+            <a:fontRef idx="minor">
+              <a:schemeClr val="tx1"/>
+            </a:fontRef>
+          </p:style>
+        </p:cxnSp>
+        <p:sp>
+          <p:nvSpPr>
+            <p:cNvPr id="14" name="TextBox 13"/>
+            <p:cNvSpPr txBox="1"/>
+            <p:nvPr/>
+          </p:nvSpPr>
+          <p:spPr>
+            <a:xfrm>
+              <a:off x="3172752" y="4049203"/>
+              <a:ext cx="1738990" cy="584776"/>
+            </a:xfrm>
+            <a:prstGeom prst="rect">
+              <a:avLst/>
+            </a:prstGeom>
+            <a:noFill/>
+          </p:spPr>
+          <p:txBody>
+            <a:bodyPr wrap="square" rtlCol="0">
+              <a:spAutoFit/>
+            </a:bodyPr>
+            <a:lstStyle/>
+            <a:p>
+              <a:pPr algn="ctr"/>
+              <a:r>
+                <a:rPr lang="en-US" sz="3200" dirty="0"/>
+                <a:t>52 AD</a:t>
+              </a:r>
+            </a:p>
+          </p:txBody>
+        </p:sp>
+        <p:sp>
+          <p:nvSpPr>
+            <p:cNvPr id="15" name="TextBox 14"/>
+            <p:cNvSpPr txBox="1"/>
+            <p:nvPr/>
+          </p:nvSpPr>
+          <p:spPr>
+            <a:xfrm>
+              <a:off x="3172752" y="2291803"/>
+              <a:ext cx="1738989" cy="954107"/>
+            </a:xfrm>
+            <a:prstGeom prst="rect">
+              <a:avLst/>
+            </a:prstGeom>
+            <a:noFill/>
+          </p:spPr>
+          <p:txBody>
+            <a:bodyPr wrap="square" rtlCol="0">
+              <a:spAutoFit/>
+            </a:bodyPr>
+            <a:lstStyle/>
+            <a:p>
+              <a:pPr algn="ctr"/>
+              <a:r>
+                <a:rPr lang="en-US" sz="2800" dirty="0"/>
+                <a:t>Galatians written</a:t>
+              </a:r>
+            </a:p>
+          </p:txBody>
+        </p:sp>
+      </p:grpSp>
+      <p:grpSp>
+        <p:nvGrpSpPr>
+          <p:cNvPr id="24" name="Group 23"/>
+          <p:cNvGrpSpPr/>
+          <p:nvPr/>
+        </p:nvGrpSpPr>
+        <p:grpSpPr>
+          <a:xfrm>
+            <a:off x="4953000" y="2340349"/>
+            <a:ext cx="1738990" cy="2841251"/>
+            <a:chOff x="3172752" y="1910803"/>
+            <a:chExt cx="1738990" cy="2841251"/>
+          </a:xfrm>
+        </p:grpSpPr>
+        <p:sp>
+          <p:nvSpPr>
+            <p:cNvPr id="25" name="Rectangle 24"/>
+            <p:cNvSpPr/>
+            <p:nvPr/>
+          </p:nvSpPr>
+          <p:spPr>
+            <a:xfrm>
+              <a:off x="3172752" y="2036663"/>
+              <a:ext cx="1738990" cy="2597316"/>
+            </a:xfrm>
+            <a:prstGeom prst="rect">
+              <a:avLst/>
+            </a:prstGeom>
+            <a:solidFill>
+              <a:srgbClr val="222222"/>
+            </a:solidFill>
+            <a:ln>
+              <a:noFill/>
+            </a:ln>
+          </p:spPr>
+          <p:style>
+            <a:lnRef idx="1">
+              <a:schemeClr val="accent1"/>
+            </a:lnRef>
+            <a:fillRef idx="3">
+              <a:schemeClr val="accent1"/>
+            </a:fillRef>
+            <a:effectRef idx="2">
+              <a:schemeClr val="accent1"/>
+            </a:effectRef>
+            <a:fontRef idx="minor">
+              <a:schemeClr val="lt1"/>
+            </a:fontRef>
+          </p:style>
+          <p:txBody>
+            <a:bodyPr rtlCol="0" anchor="ctr"/>
+            <a:lstStyle/>
+            <a:p>
+              <a:pPr algn="ctr"/>
+              <a:endParaRPr lang="en-US"/>
+            </a:p>
+          </p:txBody>
+        </p:sp>
+        <p:cxnSp>
+          <p:nvCxnSpPr>
+            <p:cNvPr id="26" name="Straight Connector 25"/>
+            <p:cNvCxnSpPr/>
+            <p:nvPr/>
+          </p:nvCxnSpPr>
+          <p:spPr>
+            <a:xfrm>
+              <a:off x="3172752" y="1910803"/>
+              <a:ext cx="1738990" cy="0"/>
+            </a:xfrm>
+            <a:prstGeom prst="line">
+              <a:avLst/>
+            </a:prstGeom>
+            <a:ln w="53975">
+              <a:solidFill>
+                <a:srgbClr val="009EC0"/>
+              </a:solidFill>
+            </a:ln>
+          </p:spPr>
+          <p:style>
+            <a:lnRef idx="2">
+              <a:schemeClr val="accent1"/>
+            </a:lnRef>
+            <a:fillRef idx="0">
+              <a:schemeClr val="accent1"/>
+            </a:fillRef>
+            <a:effectRef idx="1">
+              <a:schemeClr val="accent1"/>
+            </a:effectRef>
+            <a:fontRef idx="minor">
+              <a:schemeClr val="tx1"/>
+            </a:fontRef>
+          </p:style>
+        </p:cxnSp>
+        <p:cxnSp>
+          <p:nvCxnSpPr>
+            <p:cNvPr id="27" name="Straight Connector 26"/>
+            <p:cNvCxnSpPr/>
+            <p:nvPr/>
+          </p:nvCxnSpPr>
+          <p:spPr>
+            <a:xfrm>
+              <a:off x="3172752" y="4752054"/>
+              <a:ext cx="1738990" cy="0"/>
+            </a:xfrm>
+            <a:prstGeom prst="line">
+              <a:avLst/>
+            </a:prstGeom>
+            <a:ln w="53975">
+              <a:solidFill>
+                <a:srgbClr val="009EC0"/>
+              </a:solidFill>
+            </a:ln>
+          </p:spPr>
+          <p:style>
+            <a:lnRef idx="2">
+              <a:schemeClr val="accent1"/>
+            </a:lnRef>
+            <a:fillRef idx="0">
+              <a:schemeClr val="accent1"/>
+            </a:fillRef>
+            <a:effectRef idx="1">
+              <a:schemeClr val="accent1"/>
+            </a:effectRef>
+            <a:fontRef idx="minor">
+              <a:schemeClr val="tx1"/>
+            </a:fontRef>
+          </p:style>
+        </p:cxnSp>
+        <p:sp>
+          <p:nvSpPr>
+            <p:cNvPr id="28" name="TextBox 27"/>
+            <p:cNvSpPr txBox="1"/>
+            <p:nvPr/>
+          </p:nvSpPr>
+          <p:spPr>
+            <a:xfrm>
+              <a:off x="3172752" y="4049203"/>
+              <a:ext cx="1738990" cy="584776"/>
+            </a:xfrm>
+            <a:prstGeom prst="rect">
+              <a:avLst/>
+            </a:prstGeom>
+            <a:noFill/>
+          </p:spPr>
+          <p:txBody>
+            <a:bodyPr wrap="square" rtlCol="0">
+              <a:spAutoFit/>
+            </a:bodyPr>
+            <a:lstStyle/>
+            <a:p>
+              <a:pPr algn="ctr"/>
+              <a:r>
+                <a:rPr lang="en-US" sz="3200" dirty="0"/>
+                <a:t>60-70 AD</a:t>
+              </a:r>
+            </a:p>
+          </p:txBody>
+        </p:sp>
+        <p:sp>
+          <p:nvSpPr>
+            <p:cNvPr id="29" name="TextBox 28"/>
+            <p:cNvSpPr txBox="1"/>
+            <p:nvPr/>
+          </p:nvSpPr>
+          <p:spPr>
+            <a:xfrm>
+              <a:off x="3172752" y="2291803"/>
+              <a:ext cx="1738989" cy="954107"/>
+            </a:xfrm>
+            <a:prstGeom prst="rect">
+              <a:avLst/>
+            </a:prstGeom>
+            <a:noFill/>
+          </p:spPr>
+          <p:txBody>
+            <a:bodyPr wrap="square" rtlCol="0">
+              <a:spAutoFit/>
+            </a:bodyPr>
+            <a:lstStyle/>
+            <a:p>
+              <a:pPr algn="ctr"/>
+              <a:r>
+                <a:rPr lang="en-US" sz="2800" dirty="0"/>
+                <a:t>Gospels recorded</a:t>
+              </a:r>
+            </a:p>
+          </p:txBody>
+        </p:sp>
+      </p:grpSp>
+      <p:grpSp>
+        <p:nvGrpSpPr>
+          <p:cNvPr id="20" name="Group 19"/>
+          <p:cNvGrpSpPr/>
+          <p:nvPr/>
+        </p:nvGrpSpPr>
+        <p:grpSpPr>
+          <a:xfrm>
+            <a:off x="7315200" y="2340349"/>
+            <a:ext cx="1738990" cy="2841251"/>
+            <a:chOff x="3172752" y="1910803"/>
+            <a:chExt cx="1738990" cy="2841251"/>
+          </a:xfrm>
+        </p:grpSpPr>
+        <p:sp>
+          <p:nvSpPr>
+            <p:cNvPr id="21" name="Rectangle 20"/>
+            <p:cNvSpPr/>
+            <p:nvPr/>
+          </p:nvSpPr>
+          <p:spPr>
+            <a:xfrm>
+              <a:off x="3172752" y="2036663"/>
+              <a:ext cx="1738990" cy="2597316"/>
+            </a:xfrm>
+            <a:prstGeom prst="rect">
+              <a:avLst/>
+            </a:prstGeom>
+            <a:solidFill>
+              <a:srgbClr val="222222"/>
+            </a:solidFill>
+            <a:ln>
+              <a:noFill/>
+            </a:ln>
+          </p:spPr>
+          <p:style>
+            <a:lnRef idx="1">
+              <a:schemeClr val="accent1"/>
+            </a:lnRef>
+            <a:fillRef idx="3">
+              <a:schemeClr val="accent1"/>
+            </a:fillRef>
+            <a:effectRef idx="2">
+              <a:schemeClr val="accent1"/>
+            </a:effectRef>
+            <a:fontRef idx="minor">
+              <a:schemeClr val="lt1"/>
+            </a:fontRef>
+          </p:style>
+          <p:txBody>
+            <a:bodyPr rtlCol="0" anchor="ctr"/>
+            <a:lstStyle/>
+            <a:p>
+              <a:pPr algn="ctr"/>
+              <a:endParaRPr lang="en-US"/>
+            </a:p>
+          </p:txBody>
+        </p:sp>
+        <p:cxnSp>
+          <p:nvCxnSpPr>
+            <p:cNvPr id="22" name="Straight Connector 21"/>
+            <p:cNvCxnSpPr/>
+            <p:nvPr/>
+          </p:nvCxnSpPr>
+          <p:spPr>
+            <a:xfrm>
+              <a:off x="3172752" y="1910803"/>
+              <a:ext cx="1738990" cy="0"/>
+            </a:xfrm>
+            <a:prstGeom prst="line">
+              <a:avLst/>
+            </a:prstGeom>
+            <a:ln w="53975">
+              <a:solidFill>
+                <a:srgbClr val="009EC0"/>
+              </a:solidFill>
+            </a:ln>
+          </p:spPr>
+          <p:style>
+            <a:lnRef idx="2">
+              <a:schemeClr val="accent1"/>
+            </a:lnRef>
+            <a:fillRef idx="0">
+              <a:schemeClr val="accent1"/>
+            </a:fillRef>
+            <a:effectRef idx="1">
+              <a:schemeClr val="accent1"/>
+            </a:effectRef>
+            <a:fontRef idx="minor">
+              <a:schemeClr val="tx1"/>
+            </a:fontRef>
+          </p:style>
+        </p:cxnSp>
+        <p:cxnSp>
+          <p:nvCxnSpPr>
+            <p:cNvPr id="30" name="Straight Connector 29"/>
+            <p:cNvCxnSpPr/>
+            <p:nvPr/>
+          </p:nvCxnSpPr>
+          <p:spPr>
+            <a:xfrm>
+              <a:off x="3172752" y="4752054"/>
+              <a:ext cx="1738990" cy="0"/>
+            </a:xfrm>
+            <a:prstGeom prst="line">
+              <a:avLst/>
+            </a:prstGeom>
+            <a:ln w="53975">
+              <a:solidFill>
+                <a:srgbClr val="009EC0"/>
+              </a:solidFill>
+            </a:ln>
+          </p:spPr>
+          <p:style>
+            <a:lnRef idx="2">
+              <a:schemeClr val="accent1"/>
+            </a:lnRef>
+            <a:fillRef idx="0">
+              <a:schemeClr val="accent1"/>
+            </a:fillRef>
+            <a:effectRef idx="1">
+              <a:schemeClr val="accent1"/>
+            </a:effectRef>
+            <a:fontRef idx="minor">
+              <a:schemeClr val="tx1"/>
+            </a:fontRef>
+          </p:style>
+        </p:cxnSp>
+        <p:sp>
+          <p:nvSpPr>
+            <p:cNvPr id="31" name="TextBox 30"/>
+            <p:cNvSpPr txBox="1"/>
+            <p:nvPr/>
+          </p:nvSpPr>
+          <p:spPr>
+            <a:xfrm>
+              <a:off x="3172752" y="4049203"/>
+              <a:ext cx="1738990" cy="584776"/>
+            </a:xfrm>
+            <a:prstGeom prst="rect">
+              <a:avLst/>
+            </a:prstGeom>
+            <a:noFill/>
+          </p:spPr>
+          <p:txBody>
+            <a:bodyPr wrap="square" rtlCol="0">
+              <a:spAutoFit/>
+            </a:bodyPr>
+            <a:lstStyle/>
+            <a:p>
+              <a:pPr algn="ctr"/>
+              <a:r>
+                <a:rPr lang="en-US" sz="3200" dirty="0"/>
+                <a:t>90 AD</a:t>
+              </a:r>
+            </a:p>
+          </p:txBody>
+        </p:sp>
+        <p:sp>
+          <p:nvSpPr>
+            <p:cNvPr id="32" name="TextBox 31"/>
+            <p:cNvSpPr txBox="1"/>
+            <p:nvPr/>
+          </p:nvSpPr>
+          <p:spPr>
+            <a:xfrm>
+              <a:off x="3172752" y="2291803"/>
+              <a:ext cx="1738989" cy="954107"/>
+            </a:xfrm>
+            <a:prstGeom prst="rect">
+              <a:avLst/>
+            </a:prstGeom>
+            <a:noFill/>
+          </p:spPr>
+          <p:txBody>
+            <a:bodyPr wrap="square" rtlCol="0">
+              <a:spAutoFit/>
+            </a:bodyPr>
+            <a:lstStyle/>
+            <a:p>
+              <a:pPr algn="ctr"/>
+              <a:r>
+                <a:rPr lang="en-US" sz="2800" dirty="0"/>
+                <a:t>Revelation written</a:t>
+              </a:r>
+            </a:p>
+          </p:txBody>
+        </p:sp>
+      </p:grpSp>
+      <p:grpSp>
+        <p:nvGrpSpPr>
+          <p:cNvPr id="33" name="Group 32"/>
+          <p:cNvGrpSpPr/>
+          <p:nvPr/>
+        </p:nvGrpSpPr>
+        <p:grpSpPr>
+          <a:xfrm>
+            <a:off x="152400" y="2340349"/>
+            <a:ext cx="1738990" cy="2841251"/>
+            <a:chOff x="3172752" y="1910803"/>
+            <a:chExt cx="1738990" cy="2841251"/>
+          </a:xfrm>
+        </p:grpSpPr>
+        <p:sp>
+          <p:nvSpPr>
+            <p:cNvPr id="34" name="Rectangle 33"/>
+            <p:cNvSpPr/>
+            <p:nvPr/>
+          </p:nvSpPr>
+          <p:spPr>
+            <a:xfrm>
+              <a:off x="3172752" y="2036663"/>
+              <a:ext cx="1738990" cy="2597316"/>
+            </a:xfrm>
+            <a:prstGeom prst="rect">
+              <a:avLst/>
+            </a:prstGeom>
+            <a:solidFill>
+              <a:srgbClr val="222222"/>
+            </a:solidFill>
+            <a:ln>
+              <a:noFill/>
+            </a:ln>
+          </p:spPr>
+          <p:style>
+            <a:lnRef idx="1">
+              <a:schemeClr val="accent1"/>
+            </a:lnRef>
+            <a:fillRef idx="3">
+              <a:schemeClr val="accent1"/>
+            </a:fillRef>
+            <a:effectRef idx="2">
+              <a:schemeClr val="accent1"/>
+            </a:effectRef>
+            <a:fontRef idx="minor">
+              <a:schemeClr val="lt1"/>
+            </a:fontRef>
+          </p:style>
+          <p:txBody>
+            <a:bodyPr rtlCol="0" anchor="ctr"/>
+            <a:lstStyle/>
+            <a:p>
+              <a:pPr algn="ctr"/>
+              <a:endParaRPr lang="en-US"/>
+            </a:p>
+          </p:txBody>
+        </p:sp>
+        <p:cxnSp>
+          <p:nvCxnSpPr>
+            <p:cNvPr id="35" name="Straight Connector 34"/>
+            <p:cNvCxnSpPr/>
+            <p:nvPr/>
+          </p:nvCxnSpPr>
+          <p:spPr>
+            <a:xfrm>
+              <a:off x="3172752" y="1910803"/>
+              <a:ext cx="1738990" cy="0"/>
+            </a:xfrm>
+            <a:prstGeom prst="line">
+              <a:avLst/>
+            </a:prstGeom>
+            <a:ln w="53975">
+              <a:solidFill>
+                <a:srgbClr val="CA5C0E"/>
+              </a:solidFill>
+            </a:ln>
+          </p:spPr>
+          <p:style>
+            <a:lnRef idx="2">
+              <a:schemeClr val="accent1"/>
+            </a:lnRef>
+            <a:fillRef idx="0">
+              <a:schemeClr val="accent1"/>
+            </a:fillRef>
+            <a:effectRef idx="1">
+              <a:schemeClr val="accent1"/>
+            </a:effectRef>
+            <a:fontRef idx="minor">
+              <a:schemeClr val="tx1"/>
+            </a:fontRef>
+          </p:style>
+        </p:cxnSp>
+        <p:cxnSp>
+          <p:nvCxnSpPr>
+            <p:cNvPr id="36" name="Straight Connector 35"/>
+            <p:cNvCxnSpPr/>
+            <p:nvPr/>
+          </p:nvCxnSpPr>
+          <p:spPr>
+            <a:xfrm>
+              <a:off x="3172752" y="4752054"/>
+              <a:ext cx="1738990" cy="0"/>
+            </a:xfrm>
+            <a:prstGeom prst="line">
+              <a:avLst/>
+            </a:prstGeom>
+            <a:ln w="53975">
+              <a:solidFill>
+                <a:srgbClr val="CA5C0E"/>
+              </a:solidFill>
+            </a:ln>
+          </p:spPr>
+          <p:style>
+            <a:lnRef idx="2">
+              <a:schemeClr val="accent1"/>
+            </a:lnRef>
+            <a:fillRef idx="0">
+              <a:schemeClr val="accent1"/>
+            </a:fillRef>
+            <a:effectRef idx="1">
+              <a:schemeClr val="accent1"/>
+            </a:effectRef>
+            <a:fontRef idx="minor">
+              <a:schemeClr val="tx1"/>
+            </a:fontRef>
+          </p:style>
+        </p:cxnSp>
+        <p:sp>
+          <p:nvSpPr>
+            <p:cNvPr id="37" name="TextBox 36"/>
+            <p:cNvSpPr txBox="1"/>
+            <p:nvPr/>
+          </p:nvSpPr>
+          <p:spPr>
+            <a:xfrm>
+              <a:off x="3172752" y="4049203"/>
+              <a:ext cx="1738990" cy="584776"/>
+            </a:xfrm>
+            <a:prstGeom prst="rect">
+              <a:avLst/>
+            </a:prstGeom>
+            <a:noFill/>
+          </p:spPr>
+          <p:txBody>
+            <a:bodyPr wrap="square" rtlCol="0">
+              <a:spAutoFit/>
+            </a:bodyPr>
+            <a:lstStyle/>
+            <a:p>
+              <a:pPr algn="ctr"/>
+              <a:r>
+                <a:rPr lang="en-US" sz="3200" dirty="0"/>
+                <a:t>30 AD</a:t>
+              </a:r>
+            </a:p>
+          </p:txBody>
+        </p:sp>
+        <p:sp>
+          <p:nvSpPr>
+            <p:cNvPr id="38" name="TextBox 37"/>
+            <p:cNvSpPr txBox="1"/>
+            <p:nvPr/>
+          </p:nvSpPr>
+          <p:spPr>
+            <a:xfrm>
+              <a:off x="3172752" y="2291803"/>
+              <a:ext cx="1738989" cy="954107"/>
+            </a:xfrm>
+            <a:prstGeom prst="rect">
+              <a:avLst/>
+            </a:prstGeom>
+            <a:noFill/>
+          </p:spPr>
+          <p:txBody>
+            <a:bodyPr wrap="square" rtlCol="0">
+              <a:spAutoFit/>
+            </a:bodyPr>
+            <a:lstStyle/>
+            <a:p>
+              <a:pPr algn="ctr"/>
+              <a:r>
+                <a:rPr lang="en-US" sz="2800" dirty="0"/>
+                <a:t>Jesus</a:t>
+              </a:r>
+            </a:p>
+            <a:p>
+              <a:pPr algn="ctr"/>
+              <a:r>
+                <a:rPr lang="en-US" sz="2800" dirty="0"/>
+                <a:t>dies</a:t>
+              </a:r>
+            </a:p>
+          </p:txBody>
+        </p:sp>
+      </p:grpSp>
+      <p:cxnSp>
+        <p:nvCxnSpPr>
+          <p:cNvPr id="10" name="Straight Connector 9"/>
+          <p:cNvCxnSpPr>
+            <a:stCxn id="2" idx="6"/>
+            <a:endCxn id="41" idx="2"/>
+          </p:cNvCxnSpPr>
+          <p:nvPr/>
+        </p:nvCxnSpPr>
+        <p:spPr>
+          <a:xfrm>
+            <a:off x="1143000" y="4092949"/>
+            <a:ext cx="6934200" cy="0"/>
+          </a:xfrm>
+          <a:prstGeom prst="line">
+            <a:avLst/>
+          </a:prstGeom>
+          <a:ln w="47625">
+            <a:solidFill>
+              <a:srgbClr val="A6A6A6"/>
+            </a:solidFill>
+          </a:ln>
+        </p:spPr>
+        <p:style>
+          <a:lnRef idx="2">
+            <a:schemeClr val="accent1"/>
+          </a:lnRef>
+          <a:fillRef idx="0">
+            <a:schemeClr val="accent1"/>
+          </a:fillRef>
+          <a:effectRef idx="1">
+            <a:schemeClr val="accent1"/>
+          </a:effectRef>
+          <a:fontRef idx="minor">
+            <a:schemeClr val="tx1"/>
+          </a:fontRef>
+        </p:style>
+      </p:cxnSp>
+      <p:sp>
+        <p:nvSpPr>
+          <p:cNvPr id="2" name="Oval 1"/>
+          <p:cNvSpPr/>
+          <p:nvPr/>
+        </p:nvSpPr>
+        <p:spPr>
+          <a:xfrm>
+            <a:off x="838200" y="3940549"/>
+            <a:ext cx="304800" cy="304800"/>
+          </a:xfrm>
+          <a:prstGeom prst="ellipse">
+            <a:avLst/>
+          </a:prstGeom>
+          <a:solidFill>
+            <a:schemeClr val="bg1"/>
+          </a:solidFill>
+          <a:ln w="47625">
+            <a:solidFill>
+              <a:schemeClr val="tx1">
+                <a:lumMod val="65000"/>
+              </a:schemeClr>
+            </a:solidFill>
+          </a:ln>
+          <a:effectLst/>
+        </p:spPr>
+        <p:style>
+          <a:lnRef idx="1">
+            <a:schemeClr val="accent1"/>
+          </a:lnRef>
+          <a:fillRef idx="3">
+            <a:schemeClr val="accent1"/>
+          </a:fillRef>
+          <a:effectRef idx="2">
+            <a:schemeClr val="accent1"/>
+          </a:effectRef>
+          <a:fontRef idx="minor">
+            <a:schemeClr val="lt1"/>
+          </a:fontRef>
+        </p:style>
+        <p:txBody>
+          <a:bodyPr rtlCol="0" anchor="ctr"/>
+          <a:lstStyle/>
+          <a:p>
+            <a:pPr algn="ctr"/>
+            <a:endParaRPr lang="en-US"/>
+          </a:p>
+        </p:txBody>
+      </p:sp>
+      <p:sp>
+        <p:nvSpPr>
+          <p:cNvPr id="39" name="Oval 38"/>
+          <p:cNvSpPr/>
+          <p:nvPr/>
+        </p:nvSpPr>
+        <p:spPr>
+          <a:xfrm>
+            <a:off x="3276600" y="3940549"/>
+            <a:ext cx="304800" cy="304800"/>
+          </a:xfrm>
+          <a:prstGeom prst="ellipse">
+            <a:avLst/>
+          </a:prstGeom>
+          <a:solidFill>
+            <a:schemeClr val="bg1"/>
+          </a:solidFill>
+          <a:ln w="47625">
+            <a:solidFill>
+              <a:schemeClr val="tx1">
+                <a:lumMod val="65000"/>
+              </a:schemeClr>
+            </a:solidFill>
+          </a:ln>
+          <a:effectLst/>
+        </p:spPr>
+        <p:style>
+          <a:lnRef idx="1">
+            <a:schemeClr val="accent1"/>
+          </a:lnRef>
+          <a:fillRef idx="3">
+            <a:schemeClr val="accent1"/>
+          </a:fillRef>
+          <a:effectRef idx="2">
+            <a:schemeClr val="accent1"/>
+          </a:effectRef>
+          <a:fontRef idx="minor">
+            <a:schemeClr val="lt1"/>
+          </a:fontRef>
+        </p:style>
+        <p:txBody>
+          <a:bodyPr rtlCol="0" anchor="ctr"/>
+          <a:lstStyle/>
+          <a:p>
+            <a:pPr algn="ctr"/>
+            <a:endParaRPr lang="en-US"/>
+          </a:p>
+        </p:txBody>
+      </p:sp>
+      <p:sp>
+        <p:nvSpPr>
+          <p:cNvPr id="40" name="Oval 39"/>
+          <p:cNvSpPr/>
+          <p:nvPr/>
+        </p:nvSpPr>
+        <p:spPr>
+          <a:xfrm>
+            <a:off x="5715000" y="3940549"/>
+            <a:ext cx="304800" cy="304800"/>
+          </a:xfrm>
+          <a:prstGeom prst="ellipse">
+            <a:avLst/>
+          </a:prstGeom>
+          <a:solidFill>
+            <a:schemeClr val="bg1"/>
+          </a:solidFill>
+          <a:ln w="47625">
+            <a:solidFill>
+              <a:schemeClr val="tx1">
+                <a:lumMod val="65000"/>
+              </a:schemeClr>
+            </a:solidFill>
+          </a:ln>
+          <a:effectLst/>
+        </p:spPr>
+        <p:style>
+          <a:lnRef idx="1">
+            <a:schemeClr val="accent1"/>
+          </a:lnRef>
+          <a:fillRef idx="3">
+            <a:schemeClr val="accent1"/>
+          </a:fillRef>
+          <a:effectRef idx="2">
+            <a:schemeClr val="accent1"/>
+          </a:effectRef>
+          <a:fontRef idx="minor">
+            <a:schemeClr val="lt1"/>
+          </a:fontRef>
+        </p:style>
+        <p:txBody>
+          <a:bodyPr rtlCol="0" anchor="ctr"/>
+          <a:lstStyle/>
+          <a:p>
+            <a:pPr algn="ctr"/>
+            <a:endParaRPr lang="en-US"/>
+          </a:p>
+        </p:txBody>
+      </p:sp>
+      <p:sp>
+        <p:nvSpPr>
+          <p:cNvPr id="41" name="Oval 40"/>
+          <p:cNvSpPr/>
+          <p:nvPr/>
+        </p:nvSpPr>
+        <p:spPr>
+          <a:xfrm>
+            <a:off x="8077200" y="3940549"/>
+            <a:ext cx="304800" cy="304800"/>
+          </a:xfrm>
+          <a:prstGeom prst="ellipse">
+            <a:avLst/>
+          </a:prstGeom>
+          <a:solidFill>
+            <a:schemeClr val="bg1"/>
+          </a:solidFill>
+          <a:ln w="47625">
+            <a:solidFill>
+              <a:schemeClr val="tx1">
+                <a:lumMod val="65000"/>
+              </a:schemeClr>
+            </a:solidFill>
+          </a:ln>
+          <a:effectLst/>
+        </p:spPr>
+        <p:style>
+          <a:lnRef idx="1">
+            <a:schemeClr val="accent1"/>
+          </a:lnRef>
+          <a:fillRef idx="3">
+            <a:schemeClr val="accent1"/>
+          </a:fillRef>
+          <a:effectRef idx="2">
+            <a:schemeClr val="accent1"/>
+          </a:effectRef>
+          <a:fontRef idx="minor">
+            <a:schemeClr val="lt1"/>
+          </a:fontRef>
+        </p:style>
+        <p:txBody>
+          <a:bodyPr rtlCol="0" anchor="ctr"/>
+          <a:lstStyle/>
+          <a:p>
+            <a:pPr algn="ctr"/>
+            <a:endParaRPr lang="en-US"/>
+          </a:p>
+        </p:txBody>
+      </p:sp>
+      <p:sp>
+        <p:nvSpPr>
+          <p:cNvPr id="42" name="TextBox 41"/>
+          <p:cNvSpPr txBox="1"/>
+          <p:nvPr/>
+        </p:nvSpPr>
+        <p:spPr>
+          <a:xfrm>
+            <a:off x="228600" y="152400"/>
+            <a:ext cx="8610600" cy="769441"/>
+          </a:xfrm>
+          <a:prstGeom prst="rect">
+            <a:avLst/>
+          </a:prstGeom>
+          <a:noFill/>
+        </p:spPr>
+        <p:txBody>
+          <a:bodyPr wrap="square" rtlCol="0">
+            <a:spAutoFit/>
+          </a:bodyPr>
+          <a:lstStyle/>
+          <a:p>
+            <a:r>
+              <a:rPr lang="en-US" sz="4400" b="1" dirty="0"/>
+              <a:t>Timeline</a:t>
+            </a:r>
+          </a:p>
+        </p:txBody>
+      </p:sp>
+      <p:sp>
+        <p:nvSpPr>
+          <p:cNvPr id="43" name="TextBox 42"/>
+          <p:cNvSpPr txBox="1"/>
+          <p:nvPr/>
+        </p:nvSpPr>
+        <p:spPr>
+          <a:xfrm>
+            <a:off x="228600" y="762000"/>
+            <a:ext cx="8610600" cy="461665"/>
+          </a:xfrm>
+          <a:prstGeom prst="rect">
+            <a:avLst/>
+          </a:prstGeom>
+          <a:noFill/>
+        </p:spPr>
+        <p:txBody>
+          <a:bodyPr wrap="square" rtlCol="0">
+            <a:spAutoFit/>
+          </a:bodyPr>
+          <a:lstStyle/>
+          <a:p>
+            <a:r>
+              <a:rPr lang="en-US" sz="2400" b="1" dirty="0">
+                <a:solidFill>
+                  <a:schemeClr val="bg1">
+                    <a:lumMod val="50000"/>
+                    <a:lumOff val="50000"/>
+                  </a:schemeClr>
+                </a:solidFill>
+              </a:rPr>
+              <a:t>This is the sub-title</a:t>
+            </a:r>
+          </a:p>
+        </p:txBody>
+      </p:sp>
+    </p:spTree>
+    <p:extLst>
+      <p:ext uri="{BB962C8B-B14F-4D97-AF65-F5344CB8AC3E}">
+        <p14:creationId xmlns:p14="http://schemas.microsoft.com/office/powerpoint/2010/main" val="2020231074"/>
+      </p:ext>
+    </p:extLst>
+  </p:cSld>
+  <p:clrMapOvr>
+    <a:masterClrMapping/>
+  </p:clrMapOvr>
+</p:sld>
+</file>
+
+<file path=ppt/slides/slide31.xml><?xml version="1.0" encoding="utf-8"?>
+<p:sld xmlns:a="http://schemas.openxmlformats.org/drawingml/2006/main" xmlns:r="http://schemas.openxmlformats.org/officeDocument/2006/relationships" xmlns:p="http://schemas.openxmlformats.org/presentationml/2006/main">
+  <p:cSld>
+    <p:spTree>
+      <p:nvGrpSpPr>
+        <p:cNvPr id="1" name=""/>
+        <p:cNvGrpSpPr/>
+        <p:nvPr/>
+      </p:nvGrpSpPr>
+      <p:grpSpPr>
+        <a:xfrm>
+          <a:off x="0" y="0"/>
+          <a:ext cx="0" cy="0"/>
+          <a:chOff x="0" y="0"/>
+          <a:chExt cx="0" cy="0"/>
+        </a:xfrm>
+      </p:grpSpPr>
+      <p:grpSp>
+        <p:nvGrpSpPr>
+          <p:cNvPr id="5" name="Group 4"/>
+          <p:cNvGrpSpPr/>
+          <p:nvPr/>
+        </p:nvGrpSpPr>
+        <p:grpSpPr>
+          <a:xfrm>
+            <a:off x="2514600" y="1905000"/>
+            <a:ext cx="1738990" cy="2841251"/>
+            <a:chOff x="3172752" y="1910803"/>
+            <a:chExt cx="1738990" cy="2841251"/>
+          </a:xfrm>
+        </p:grpSpPr>
+        <p:sp>
+          <p:nvSpPr>
+            <p:cNvPr id="11" name="Rectangle 10"/>
+            <p:cNvSpPr/>
+            <p:nvPr/>
+          </p:nvSpPr>
+          <p:spPr>
+            <a:xfrm>
+              <a:off x="3172752" y="2036663"/>
+              <a:ext cx="1738990" cy="2597316"/>
+            </a:xfrm>
+            <a:prstGeom prst="rect">
+              <a:avLst/>
+            </a:prstGeom>
+            <a:solidFill>
+              <a:srgbClr val="222222"/>
+            </a:solidFill>
+            <a:ln>
+              <a:noFill/>
+            </a:ln>
+          </p:spPr>
+          <p:style>
+            <a:lnRef idx="1">
+              <a:schemeClr val="accent1"/>
+            </a:lnRef>
+            <a:fillRef idx="3">
+              <a:schemeClr val="accent1"/>
+            </a:fillRef>
+            <a:effectRef idx="2">
+              <a:schemeClr val="accent1"/>
+            </a:effectRef>
+            <a:fontRef idx="minor">
+              <a:schemeClr val="lt1"/>
+            </a:fontRef>
+          </p:style>
+          <p:txBody>
+            <a:bodyPr rtlCol="0" anchor="ctr"/>
+            <a:lstStyle/>
+            <a:p>
+              <a:pPr algn="ctr"/>
+              <a:endParaRPr lang="en-US"/>
+            </a:p>
+          </p:txBody>
+        </p:sp>
+        <p:cxnSp>
+          <p:nvCxnSpPr>
+            <p:cNvPr id="12" name="Straight Connector 11"/>
+            <p:cNvCxnSpPr/>
+            <p:nvPr/>
+          </p:nvCxnSpPr>
+          <p:spPr>
+            <a:xfrm>
+              <a:off x="3172752" y="1910803"/>
+              <a:ext cx="1738990" cy="0"/>
+            </a:xfrm>
+            <a:prstGeom prst="line">
+              <a:avLst/>
+            </a:prstGeom>
+            <a:ln w="53975">
+              <a:solidFill>
+                <a:srgbClr val="009EC0"/>
+              </a:solidFill>
+            </a:ln>
+          </p:spPr>
+          <p:style>
+            <a:lnRef idx="2">
+              <a:schemeClr val="accent1"/>
+            </a:lnRef>
+            <a:fillRef idx="0">
+              <a:schemeClr val="accent1"/>
+            </a:fillRef>
+            <a:effectRef idx="1">
+              <a:schemeClr val="accent1"/>
+            </a:effectRef>
+            <a:fontRef idx="minor">
+              <a:schemeClr val="tx1"/>
+            </a:fontRef>
+          </p:style>
+        </p:cxnSp>
+        <p:cxnSp>
+          <p:nvCxnSpPr>
+            <p:cNvPr id="13" name="Straight Connector 12"/>
+            <p:cNvCxnSpPr/>
+            <p:nvPr/>
+          </p:nvCxnSpPr>
+          <p:spPr>
+            <a:xfrm>
+              <a:off x="3172752" y="4752054"/>
+              <a:ext cx="1738990" cy="0"/>
+            </a:xfrm>
+            <a:prstGeom prst="line">
+              <a:avLst/>
+            </a:prstGeom>
+            <a:ln w="53975">
+              <a:solidFill>
+                <a:srgbClr val="009EC0"/>
+              </a:solidFill>
+            </a:ln>
+          </p:spPr>
+          <p:style>
+            <a:lnRef idx="2">
+              <a:schemeClr val="accent1"/>
+            </a:lnRef>
+            <a:fillRef idx="0">
+              <a:schemeClr val="accent1"/>
+            </a:fillRef>
+            <a:effectRef idx="1">
+              <a:schemeClr val="accent1"/>
+            </a:effectRef>
+            <a:fontRef idx="minor">
+              <a:schemeClr val="tx1"/>
+            </a:fontRef>
+          </p:style>
+        </p:cxnSp>
+      </p:grpSp>
+      <p:grpSp>
+        <p:nvGrpSpPr>
+          <p:cNvPr id="24" name="Group 23"/>
+          <p:cNvGrpSpPr/>
+          <p:nvPr/>
+        </p:nvGrpSpPr>
+        <p:grpSpPr>
+          <a:xfrm>
+            <a:off x="4953000" y="1905000"/>
+            <a:ext cx="1738990" cy="2841251"/>
+            <a:chOff x="3172752" y="1910803"/>
+            <a:chExt cx="1738990" cy="2841251"/>
+          </a:xfrm>
+        </p:grpSpPr>
+        <p:sp>
+          <p:nvSpPr>
+            <p:cNvPr id="25" name="Rectangle 24"/>
+            <p:cNvSpPr/>
+            <p:nvPr/>
+          </p:nvSpPr>
+          <p:spPr>
+            <a:xfrm>
+              <a:off x="3172752" y="2036663"/>
+              <a:ext cx="1738990" cy="2597316"/>
+            </a:xfrm>
+            <a:prstGeom prst="rect">
+              <a:avLst/>
+            </a:prstGeom>
+            <a:solidFill>
+              <a:srgbClr val="222222"/>
+            </a:solidFill>
+            <a:ln>
+              <a:noFill/>
+            </a:ln>
+          </p:spPr>
+          <p:style>
+            <a:lnRef idx="1">
+              <a:schemeClr val="accent1"/>
+            </a:lnRef>
+            <a:fillRef idx="3">
+              <a:schemeClr val="accent1"/>
+            </a:fillRef>
+            <a:effectRef idx="2">
+              <a:schemeClr val="accent1"/>
+            </a:effectRef>
+            <a:fontRef idx="minor">
+              <a:schemeClr val="lt1"/>
+            </a:fontRef>
+          </p:style>
+          <p:txBody>
+            <a:bodyPr rtlCol="0" anchor="ctr"/>
+            <a:lstStyle/>
+            <a:p>
+              <a:pPr algn="ctr"/>
+              <a:endParaRPr lang="en-US"/>
+            </a:p>
+          </p:txBody>
+        </p:sp>
+        <p:cxnSp>
+          <p:nvCxnSpPr>
+            <p:cNvPr id="26" name="Straight Connector 25"/>
+            <p:cNvCxnSpPr/>
+            <p:nvPr/>
+          </p:nvCxnSpPr>
+          <p:spPr>
+            <a:xfrm>
+              <a:off x="3172752" y="1910803"/>
+              <a:ext cx="1738990" cy="0"/>
+            </a:xfrm>
+            <a:prstGeom prst="line">
+              <a:avLst/>
+            </a:prstGeom>
+            <a:ln w="53975">
+              <a:solidFill>
+                <a:srgbClr val="009EC0"/>
+              </a:solidFill>
+            </a:ln>
+          </p:spPr>
+          <p:style>
+            <a:lnRef idx="2">
+              <a:schemeClr val="accent1"/>
+            </a:lnRef>
+            <a:fillRef idx="0">
+              <a:schemeClr val="accent1"/>
+            </a:fillRef>
+            <a:effectRef idx="1">
+              <a:schemeClr val="accent1"/>
+            </a:effectRef>
+            <a:fontRef idx="minor">
+              <a:schemeClr val="tx1"/>
+            </a:fontRef>
+          </p:style>
+        </p:cxnSp>
+        <p:cxnSp>
+          <p:nvCxnSpPr>
+            <p:cNvPr id="27" name="Straight Connector 26"/>
+            <p:cNvCxnSpPr/>
+            <p:nvPr/>
+          </p:nvCxnSpPr>
+          <p:spPr>
+            <a:xfrm>
+              <a:off x="3172752" y="4752054"/>
+              <a:ext cx="1738990" cy="0"/>
+            </a:xfrm>
+            <a:prstGeom prst="line">
+              <a:avLst/>
+            </a:prstGeom>
+            <a:ln w="53975">
+              <a:solidFill>
+                <a:srgbClr val="009EC0"/>
+              </a:solidFill>
+            </a:ln>
+          </p:spPr>
+          <p:style>
+            <a:lnRef idx="2">
+              <a:schemeClr val="accent1"/>
+            </a:lnRef>
+            <a:fillRef idx="0">
+              <a:schemeClr val="accent1"/>
+            </a:fillRef>
+            <a:effectRef idx="1">
+              <a:schemeClr val="accent1"/>
+            </a:effectRef>
+            <a:fontRef idx="minor">
+              <a:schemeClr val="tx1"/>
+            </a:fontRef>
+          </p:style>
+        </p:cxnSp>
+      </p:grpSp>
+      <p:grpSp>
+        <p:nvGrpSpPr>
+          <p:cNvPr id="20" name="Group 19"/>
+          <p:cNvGrpSpPr/>
+          <p:nvPr/>
+        </p:nvGrpSpPr>
+        <p:grpSpPr>
+          <a:xfrm>
+            <a:off x="7315200" y="1905000"/>
+            <a:ext cx="1738990" cy="2841251"/>
+            <a:chOff x="3172752" y="1910803"/>
+            <a:chExt cx="1738990" cy="2841251"/>
+          </a:xfrm>
+        </p:grpSpPr>
+        <p:sp>
+          <p:nvSpPr>
+            <p:cNvPr id="21" name="Rectangle 20"/>
+            <p:cNvSpPr/>
+            <p:nvPr/>
+          </p:nvSpPr>
+          <p:spPr>
+            <a:xfrm>
+              <a:off x="3172752" y="2036663"/>
+              <a:ext cx="1738990" cy="2597316"/>
+            </a:xfrm>
+            <a:prstGeom prst="rect">
+              <a:avLst/>
+            </a:prstGeom>
+            <a:solidFill>
+              <a:srgbClr val="222222"/>
+            </a:solidFill>
+            <a:ln>
+              <a:noFill/>
+            </a:ln>
+          </p:spPr>
+          <p:style>
+            <a:lnRef idx="1">
+              <a:schemeClr val="accent1"/>
+            </a:lnRef>
+            <a:fillRef idx="3">
+              <a:schemeClr val="accent1"/>
+            </a:fillRef>
+            <a:effectRef idx="2">
+              <a:schemeClr val="accent1"/>
+            </a:effectRef>
+            <a:fontRef idx="minor">
+              <a:schemeClr val="lt1"/>
+            </a:fontRef>
+          </p:style>
+          <p:txBody>
+            <a:bodyPr rtlCol="0" anchor="ctr"/>
+            <a:lstStyle/>
+            <a:p>
+              <a:pPr algn="ctr"/>
+              <a:endParaRPr lang="en-US"/>
+            </a:p>
+          </p:txBody>
+        </p:sp>
+        <p:cxnSp>
+          <p:nvCxnSpPr>
+            <p:cNvPr id="22" name="Straight Connector 21"/>
+            <p:cNvCxnSpPr/>
+            <p:nvPr/>
+          </p:nvCxnSpPr>
+          <p:spPr>
+            <a:xfrm>
+              <a:off x="3172752" y="1910803"/>
+              <a:ext cx="1738990" cy="0"/>
+            </a:xfrm>
+            <a:prstGeom prst="line">
+              <a:avLst/>
+            </a:prstGeom>
+            <a:ln w="53975">
+              <a:solidFill>
+                <a:srgbClr val="009EC0"/>
+              </a:solidFill>
+            </a:ln>
+          </p:spPr>
+          <p:style>
+            <a:lnRef idx="2">
+              <a:schemeClr val="accent1"/>
+            </a:lnRef>
+            <a:fillRef idx="0">
+              <a:schemeClr val="accent1"/>
+            </a:fillRef>
+            <a:effectRef idx="1">
+              <a:schemeClr val="accent1"/>
+            </a:effectRef>
+            <a:fontRef idx="minor">
+              <a:schemeClr val="tx1"/>
+            </a:fontRef>
+          </p:style>
+        </p:cxnSp>
+        <p:cxnSp>
+          <p:nvCxnSpPr>
+            <p:cNvPr id="30" name="Straight Connector 29"/>
+            <p:cNvCxnSpPr/>
+            <p:nvPr/>
+          </p:nvCxnSpPr>
+          <p:spPr>
+            <a:xfrm>
+              <a:off x="3172752" y="4752054"/>
+              <a:ext cx="1738990" cy="0"/>
+            </a:xfrm>
+            <a:prstGeom prst="line">
+              <a:avLst/>
+            </a:prstGeom>
+            <a:ln w="53975">
+              <a:solidFill>
+                <a:srgbClr val="009EC0"/>
+              </a:solidFill>
+            </a:ln>
+          </p:spPr>
+          <p:style>
+            <a:lnRef idx="2">
+              <a:schemeClr val="accent1"/>
+            </a:lnRef>
+            <a:fillRef idx="0">
+              <a:schemeClr val="accent1"/>
+            </a:fillRef>
+            <a:effectRef idx="1">
+              <a:schemeClr val="accent1"/>
+            </a:effectRef>
+            <a:fontRef idx="minor">
+              <a:schemeClr val="tx1"/>
+            </a:fontRef>
+          </p:style>
+        </p:cxnSp>
+      </p:grpSp>
+      <p:grpSp>
+        <p:nvGrpSpPr>
+          <p:cNvPr id="33" name="Group 32"/>
+          <p:cNvGrpSpPr/>
+          <p:nvPr/>
+        </p:nvGrpSpPr>
+        <p:grpSpPr>
+          <a:xfrm>
+            <a:off x="152400" y="1905000"/>
+            <a:ext cx="1738990" cy="2841251"/>
+            <a:chOff x="3172752" y="1910803"/>
+            <a:chExt cx="1738990" cy="2841251"/>
+          </a:xfrm>
+        </p:grpSpPr>
+        <p:sp>
+          <p:nvSpPr>
+            <p:cNvPr id="34" name="Rectangle 33"/>
+            <p:cNvSpPr/>
+            <p:nvPr/>
+          </p:nvSpPr>
+          <p:spPr>
+            <a:xfrm>
+              <a:off x="3172752" y="2036663"/>
+              <a:ext cx="1738990" cy="2597316"/>
+            </a:xfrm>
+            <a:prstGeom prst="rect">
+              <a:avLst/>
+            </a:prstGeom>
+            <a:solidFill>
+              <a:srgbClr val="222222"/>
+            </a:solidFill>
+            <a:ln>
+              <a:noFill/>
+            </a:ln>
+          </p:spPr>
+          <p:style>
+            <a:lnRef idx="1">
+              <a:schemeClr val="accent1"/>
+            </a:lnRef>
+            <a:fillRef idx="3">
+              <a:schemeClr val="accent1"/>
+            </a:fillRef>
+            <a:effectRef idx="2">
+              <a:schemeClr val="accent1"/>
+            </a:effectRef>
+            <a:fontRef idx="minor">
+              <a:schemeClr val="lt1"/>
+            </a:fontRef>
+          </p:style>
+          <p:txBody>
+            <a:bodyPr rtlCol="0" anchor="ctr"/>
+            <a:lstStyle/>
+            <a:p>
+              <a:pPr algn="ctr"/>
+              <a:endParaRPr lang="en-US"/>
+            </a:p>
+          </p:txBody>
+        </p:sp>
+        <p:cxnSp>
+          <p:nvCxnSpPr>
+            <p:cNvPr id="35" name="Straight Connector 34"/>
+            <p:cNvCxnSpPr/>
+            <p:nvPr/>
+          </p:nvCxnSpPr>
+          <p:spPr>
+            <a:xfrm>
+              <a:off x="3172752" y="1910803"/>
+              <a:ext cx="1738990" cy="0"/>
+            </a:xfrm>
+            <a:prstGeom prst="line">
+              <a:avLst/>
+            </a:prstGeom>
+            <a:ln w="53975">
+              <a:solidFill>
+                <a:srgbClr val="009EC0"/>
+              </a:solidFill>
+            </a:ln>
+          </p:spPr>
+          <p:style>
+            <a:lnRef idx="2">
+              <a:schemeClr val="accent1"/>
+            </a:lnRef>
+            <a:fillRef idx="0">
+              <a:schemeClr val="accent1"/>
+            </a:fillRef>
+            <a:effectRef idx="1">
+              <a:schemeClr val="accent1"/>
+            </a:effectRef>
+            <a:fontRef idx="minor">
+              <a:schemeClr val="tx1"/>
+            </a:fontRef>
+          </p:style>
+        </p:cxnSp>
+        <p:cxnSp>
+          <p:nvCxnSpPr>
+            <p:cNvPr id="36" name="Straight Connector 35"/>
+            <p:cNvCxnSpPr/>
+            <p:nvPr/>
+          </p:nvCxnSpPr>
+          <p:spPr>
+            <a:xfrm>
+              <a:off x="3172752" y="4752054"/>
+              <a:ext cx="1738990" cy="0"/>
+            </a:xfrm>
+            <a:prstGeom prst="line">
+              <a:avLst/>
+            </a:prstGeom>
+            <a:ln w="53975">
+              <a:solidFill>
+                <a:srgbClr val="009EC0"/>
+              </a:solidFill>
+            </a:ln>
+          </p:spPr>
+          <p:style>
+            <a:lnRef idx="2">
+              <a:schemeClr val="accent1"/>
+            </a:lnRef>
+            <a:fillRef idx="0">
+              <a:schemeClr val="accent1"/>
+            </a:fillRef>
+            <a:effectRef idx="1">
+              <a:schemeClr val="accent1"/>
+            </a:effectRef>
+            <a:fontRef idx="minor">
+              <a:schemeClr val="tx1"/>
+            </a:fontRef>
+          </p:style>
+        </p:cxnSp>
+        <p:sp>
+          <p:nvSpPr>
+            <p:cNvPr id="37" name="TextBox 36"/>
+            <p:cNvSpPr txBox="1"/>
+            <p:nvPr/>
+          </p:nvSpPr>
+          <p:spPr>
+            <a:xfrm>
+              <a:off x="3172752" y="3206203"/>
+              <a:ext cx="1738990" cy="1015663"/>
+            </a:xfrm>
+            <a:prstGeom prst="rect">
+              <a:avLst/>
+            </a:prstGeom>
+            <a:noFill/>
+          </p:spPr>
+          <p:txBody>
+            <a:bodyPr wrap="square" rtlCol="0" anchor="t">
+              <a:spAutoFit/>
+            </a:bodyPr>
+            <a:lstStyle/>
+            <a:p>
+              <a:pPr algn="ctr"/>
+              <a:r>
+                <a:rPr lang="en-US" sz="2000" dirty="0"/>
+                <a:t>NT books written in 1</a:t>
+              </a:r>
+              <a:r>
+                <a:rPr lang="en-US" sz="2000" baseline="30000" dirty="0"/>
+                <a:t>st</a:t>
+              </a:r>
+              <a:r>
+                <a:rPr lang="en-US" sz="2000" dirty="0"/>
+                <a:t> century</a:t>
+              </a:r>
+            </a:p>
+          </p:txBody>
+        </p:sp>
+        <p:sp>
+          <p:nvSpPr>
+            <p:cNvPr id="38" name="TextBox 37"/>
+            <p:cNvSpPr txBox="1"/>
+            <p:nvPr/>
+          </p:nvSpPr>
+          <p:spPr>
+            <a:xfrm>
+              <a:off x="3172752" y="2139403"/>
+              <a:ext cx="1738989" cy="923330"/>
+            </a:xfrm>
+            <a:prstGeom prst="rect">
+              <a:avLst/>
+            </a:prstGeom>
+            <a:noFill/>
+          </p:spPr>
+          <p:txBody>
+            <a:bodyPr wrap="square" rtlCol="0">
+              <a:spAutoFit/>
+            </a:bodyPr>
+            <a:lstStyle/>
+            <a:p>
+              <a:pPr algn="ctr"/>
+              <a:r>
+                <a:rPr lang="en-US" sz="5400" dirty="0"/>
+                <a:t>100%</a:t>
+              </a:r>
+            </a:p>
+          </p:txBody>
+        </p:sp>
+      </p:grpSp>
+      <p:sp>
+        <p:nvSpPr>
+          <p:cNvPr id="42" name="TextBox 41"/>
+          <p:cNvSpPr txBox="1"/>
+          <p:nvPr/>
+        </p:nvSpPr>
+        <p:spPr>
+          <a:xfrm>
+            <a:off x="2514600" y="3200400"/>
+            <a:ext cx="1738990" cy="1323439"/>
+          </a:xfrm>
+          <a:prstGeom prst="rect">
+            <a:avLst/>
+          </a:prstGeom>
+          <a:noFill/>
+        </p:spPr>
+        <p:txBody>
+          <a:bodyPr wrap="square" rtlCol="0">
+            <a:spAutoFit/>
+          </a:bodyPr>
+          <a:lstStyle/>
+          <a:p>
+            <a:pPr algn="ctr"/>
+            <a:r>
+              <a:rPr lang="en-US" sz="2000" dirty="0"/>
+              <a:t>Apocryphal “gospels” written in 1</a:t>
+            </a:r>
+            <a:r>
+              <a:rPr lang="en-US" sz="2000" baseline="30000" dirty="0"/>
+              <a:t>st</a:t>
+            </a:r>
+            <a:r>
+              <a:rPr lang="en-US" sz="2000" dirty="0"/>
+              <a:t> century</a:t>
+            </a:r>
+          </a:p>
+        </p:txBody>
+      </p:sp>
+      <p:sp>
+        <p:nvSpPr>
+          <p:cNvPr id="43" name="TextBox 42"/>
+          <p:cNvSpPr txBox="1"/>
+          <p:nvPr/>
+        </p:nvSpPr>
+        <p:spPr>
+          <a:xfrm>
+            <a:off x="2514600" y="2133600"/>
+            <a:ext cx="1738989" cy="923330"/>
+          </a:xfrm>
+          <a:prstGeom prst="rect">
+            <a:avLst/>
+          </a:prstGeom>
+          <a:noFill/>
+        </p:spPr>
+        <p:txBody>
+          <a:bodyPr wrap="square" rtlCol="0">
+            <a:spAutoFit/>
+          </a:bodyPr>
+          <a:lstStyle/>
+          <a:p>
+            <a:pPr algn="ctr"/>
+            <a:r>
+              <a:rPr lang="en-US" sz="5400" dirty="0"/>
+              <a:t>0%</a:t>
+            </a:r>
+          </a:p>
+        </p:txBody>
+      </p:sp>
+      <p:sp>
+        <p:nvSpPr>
+          <p:cNvPr id="48" name="TextBox 47"/>
+          <p:cNvSpPr txBox="1"/>
+          <p:nvPr/>
+        </p:nvSpPr>
+        <p:spPr>
+          <a:xfrm>
+            <a:off x="4953000" y="3200400"/>
+            <a:ext cx="1738990" cy="1323439"/>
+          </a:xfrm>
+          <a:prstGeom prst="rect">
+            <a:avLst/>
+          </a:prstGeom>
+          <a:noFill/>
+        </p:spPr>
+        <p:txBody>
+          <a:bodyPr wrap="square" rtlCol="0">
+            <a:spAutoFit/>
+          </a:bodyPr>
+          <a:lstStyle/>
+          <a:p>
+            <a:pPr algn="ctr"/>
+            <a:r>
+              <a:rPr lang="en-US" sz="2000" dirty="0"/>
+              <a:t>Apocryphal “gospels” written in 1</a:t>
+            </a:r>
+            <a:r>
+              <a:rPr lang="en-US" sz="2000" baseline="30000" dirty="0"/>
+              <a:t>st</a:t>
+            </a:r>
+            <a:r>
+              <a:rPr lang="en-US" sz="2000" dirty="0"/>
+              <a:t> century</a:t>
+            </a:r>
+          </a:p>
+        </p:txBody>
+      </p:sp>
+      <p:sp>
+        <p:nvSpPr>
+          <p:cNvPr id="49" name="TextBox 48"/>
+          <p:cNvSpPr txBox="1"/>
+          <p:nvPr/>
+        </p:nvSpPr>
+        <p:spPr>
+          <a:xfrm>
+            <a:off x="4953000" y="2133600"/>
+            <a:ext cx="1738989" cy="923330"/>
+          </a:xfrm>
+          <a:prstGeom prst="rect">
+            <a:avLst/>
+          </a:prstGeom>
+          <a:noFill/>
+        </p:spPr>
+        <p:txBody>
+          <a:bodyPr wrap="square" rtlCol="0">
+            <a:spAutoFit/>
+          </a:bodyPr>
+          <a:lstStyle/>
+          <a:p>
+            <a:pPr algn="ctr"/>
+            <a:r>
+              <a:rPr lang="en-US" sz="5400" dirty="0"/>
+              <a:t>0%</a:t>
+            </a:r>
+          </a:p>
+        </p:txBody>
+      </p:sp>
+      <p:sp>
+        <p:nvSpPr>
+          <p:cNvPr id="50" name="TextBox 49"/>
+          <p:cNvSpPr txBox="1"/>
+          <p:nvPr/>
+        </p:nvSpPr>
+        <p:spPr>
+          <a:xfrm>
+            <a:off x="7315200" y="3200400"/>
+            <a:ext cx="1738990" cy="1323439"/>
+          </a:xfrm>
+          <a:prstGeom prst="rect">
+            <a:avLst/>
+          </a:prstGeom>
+          <a:noFill/>
+        </p:spPr>
+        <p:txBody>
+          <a:bodyPr wrap="square" rtlCol="0">
+            <a:spAutoFit/>
+          </a:bodyPr>
+          <a:lstStyle/>
+          <a:p>
+            <a:pPr algn="ctr"/>
+            <a:r>
+              <a:rPr lang="en-US" sz="2000" dirty="0"/>
+              <a:t>Apocryphal “gospels” written in 1</a:t>
+            </a:r>
+            <a:r>
+              <a:rPr lang="en-US" sz="2000" baseline="30000" dirty="0"/>
+              <a:t>st</a:t>
+            </a:r>
+            <a:r>
+              <a:rPr lang="en-US" sz="2000" dirty="0"/>
+              <a:t> century</a:t>
+            </a:r>
+          </a:p>
+        </p:txBody>
+      </p:sp>
+      <p:sp>
+        <p:nvSpPr>
+          <p:cNvPr id="51" name="TextBox 50"/>
+          <p:cNvSpPr txBox="1"/>
+          <p:nvPr/>
+        </p:nvSpPr>
+        <p:spPr>
+          <a:xfrm>
+            <a:off x="7315200" y="2133600"/>
+            <a:ext cx="1738989" cy="923330"/>
+          </a:xfrm>
+          <a:prstGeom prst="rect">
+            <a:avLst/>
+          </a:prstGeom>
+          <a:noFill/>
+        </p:spPr>
+        <p:txBody>
+          <a:bodyPr wrap="square" rtlCol="0">
+            <a:spAutoFit/>
+          </a:bodyPr>
+          <a:lstStyle/>
+          <a:p>
+            <a:pPr algn="ctr"/>
+            <a:r>
+              <a:rPr lang="en-US" sz="5400" dirty="0"/>
+              <a:t>0%</a:t>
+            </a:r>
+          </a:p>
+        </p:txBody>
+      </p:sp>
+    </p:spTree>
+    <p:extLst>
+      <p:ext uri="{BB962C8B-B14F-4D97-AF65-F5344CB8AC3E}">
+        <p14:creationId xmlns:p14="http://schemas.microsoft.com/office/powerpoint/2010/main" val="3368280350"/>
+      </p:ext>
+    </p:extLst>
+  </p:cSld>
+  <p:clrMapOvr>
+    <a:masterClrMapping/>
+  </p:clrMapOvr>
+</p:sld>
+</file>
+
+<file path=ppt/slides/slide32.xml><?xml version="1.0" encoding="utf-8"?>
+<p:sld xmlns:a="http://schemas.openxmlformats.org/drawingml/2006/main" xmlns:r="http://schemas.openxmlformats.org/officeDocument/2006/relationships" xmlns:p="http://schemas.openxmlformats.org/presentationml/2006/main">
+  <p:cSld>
+    <p:spTree>
+      <p:nvGrpSpPr>
+        <p:cNvPr id="1" name=""/>
+        <p:cNvGrpSpPr/>
+        <p:nvPr/>
+      </p:nvGrpSpPr>
+      <p:grpSpPr>
+        <a:xfrm>
+          <a:off x="0" y="0"/>
+          <a:ext cx="0" cy="0"/>
+          <a:chOff x="0" y="0"/>
+          <a:chExt cx="0" cy="0"/>
+        </a:xfrm>
+      </p:grpSpPr>
+      <p:grpSp>
+        <p:nvGrpSpPr>
+          <p:cNvPr id="2" name="Group 1"/>
+          <p:cNvGrpSpPr/>
+          <p:nvPr/>
+        </p:nvGrpSpPr>
+        <p:grpSpPr>
+          <a:xfrm>
+            <a:off x="1281361" y="1922244"/>
+            <a:ext cx="6669943" cy="2841251"/>
+            <a:chOff x="1281361" y="1922244"/>
+            <a:chExt cx="6669943" cy="2841251"/>
+          </a:xfrm>
+        </p:grpSpPr>
+        <p:sp>
+          <p:nvSpPr>
+            <p:cNvPr id="4" name="Rectangle 3"/>
+            <p:cNvSpPr/>
+            <p:nvPr/>
+          </p:nvSpPr>
+          <p:spPr>
+            <a:xfrm>
+              <a:off x="1281361" y="2048104"/>
+              <a:ext cx="6669943" cy="2597316"/>
+            </a:xfrm>
+            <a:prstGeom prst="rect">
+              <a:avLst/>
+            </a:prstGeom>
+            <a:solidFill>
+              <a:srgbClr val="222222"/>
+            </a:solidFill>
+            <a:ln>
+              <a:noFill/>
+            </a:ln>
+          </p:spPr>
+          <p:style>
+            <a:lnRef idx="1">
+              <a:schemeClr val="accent1"/>
+            </a:lnRef>
+            <a:fillRef idx="3">
+              <a:schemeClr val="accent1"/>
+            </a:fillRef>
+            <a:effectRef idx="2">
+              <a:schemeClr val="accent1"/>
+            </a:effectRef>
+            <a:fontRef idx="minor">
+              <a:schemeClr val="lt1"/>
+            </a:fontRef>
+          </p:style>
+          <p:txBody>
+            <a:bodyPr rtlCol="0" anchor="ctr"/>
+            <a:lstStyle/>
+            <a:p>
+              <a:pPr algn="ctr"/>
+              <a:endParaRPr lang="en-US" sz="5400" dirty="0"/>
+            </a:p>
+          </p:txBody>
+        </p:sp>
+        <p:cxnSp>
+          <p:nvCxnSpPr>
+            <p:cNvPr id="6" name="Straight Connector 5"/>
+            <p:cNvCxnSpPr/>
+            <p:nvPr/>
+          </p:nvCxnSpPr>
+          <p:spPr>
+            <a:xfrm>
+              <a:off x="1281361" y="1922244"/>
+              <a:ext cx="6669943" cy="0"/>
+            </a:xfrm>
+            <a:prstGeom prst="line">
+              <a:avLst/>
+            </a:prstGeom>
+            <a:ln w="53975">
+              <a:solidFill>
+                <a:srgbClr val="009EC0"/>
+              </a:solidFill>
+            </a:ln>
+          </p:spPr>
+          <p:style>
+            <a:lnRef idx="2">
+              <a:schemeClr val="accent1"/>
+            </a:lnRef>
+            <a:fillRef idx="0">
+              <a:schemeClr val="accent1"/>
+            </a:fillRef>
+            <a:effectRef idx="1">
+              <a:schemeClr val="accent1"/>
+            </a:effectRef>
+            <a:fontRef idx="minor">
+              <a:schemeClr val="tx1"/>
+            </a:fontRef>
+          </p:style>
+        </p:cxnSp>
+        <p:cxnSp>
+          <p:nvCxnSpPr>
+            <p:cNvPr id="7" name="Straight Connector 6"/>
+            <p:cNvCxnSpPr/>
+            <p:nvPr/>
+          </p:nvCxnSpPr>
+          <p:spPr>
+            <a:xfrm>
+              <a:off x="1281361" y="4763495"/>
+              <a:ext cx="6669943" cy="0"/>
+            </a:xfrm>
+            <a:prstGeom prst="line">
+              <a:avLst/>
+            </a:prstGeom>
+            <a:ln w="53975">
+              <a:solidFill>
+                <a:srgbClr val="009EC0"/>
+              </a:solidFill>
+            </a:ln>
+          </p:spPr>
+          <p:style>
+            <a:lnRef idx="2">
+              <a:schemeClr val="accent1"/>
+            </a:lnRef>
+            <a:fillRef idx="0">
+              <a:schemeClr val="accent1"/>
+            </a:fillRef>
+            <a:effectRef idx="1">
+              <a:schemeClr val="accent1"/>
+            </a:effectRef>
+            <a:fontRef idx="minor">
+              <a:schemeClr val="tx1"/>
+            </a:fontRef>
+          </p:style>
+        </p:cxnSp>
+      </p:grpSp>
+      <p:sp>
+        <p:nvSpPr>
+          <p:cNvPr id="8" name="TextBox 7"/>
+          <p:cNvSpPr txBox="1"/>
+          <p:nvPr/>
+        </p:nvSpPr>
+        <p:spPr>
+          <a:xfrm>
+            <a:off x="3433270" y="3624421"/>
+            <a:ext cx="2286954" cy="369332"/>
+          </a:xfrm>
+          <a:prstGeom prst="rect">
+            <a:avLst/>
+          </a:prstGeom>
+          <a:noFill/>
+        </p:spPr>
+        <p:txBody>
+          <a:bodyPr wrap="square" rtlCol="0">
+            <a:spAutoFit/>
+          </a:bodyPr>
+          <a:lstStyle/>
+          <a:p>
+            <a:pPr algn="ctr"/>
+            <a:r>
+              <a:rPr lang="en-US" dirty="0"/>
+              <a:t>Greek NT Manuscripts</a:t>
+            </a:r>
+          </a:p>
+        </p:txBody>
+      </p:sp>
+      <p:sp>
+        <p:nvSpPr>
+          <p:cNvPr id="9" name="TextBox 8"/>
+          <p:cNvSpPr txBox="1"/>
+          <p:nvPr/>
+        </p:nvSpPr>
+        <p:spPr>
+          <a:xfrm>
+            <a:off x="3202813" y="2540106"/>
+            <a:ext cx="2747868" cy="1200329"/>
+          </a:xfrm>
+          <a:prstGeom prst="rect">
+            <a:avLst/>
+          </a:prstGeom>
+          <a:noFill/>
+        </p:spPr>
+        <p:txBody>
+          <a:bodyPr wrap="none" rtlCol="0">
+            <a:spAutoFit/>
+          </a:bodyPr>
+          <a:lstStyle/>
+          <a:p>
+            <a:pPr algn="ctr"/>
+            <a:r>
+              <a:rPr lang="en-US" sz="7200" dirty="0"/>
+              <a:t>5,500+</a:t>
+            </a:r>
+          </a:p>
+        </p:txBody>
+      </p:sp>
+    </p:spTree>
+    <p:extLst>
+      <p:ext uri="{BB962C8B-B14F-4D97-AF65-F5344CB8AC3E}">
+        <p14:creationId xmlns:p14="http://schemas.microsoft.com/office/powerpoint/2010/main" val="711863038"/>
+      </p:ext>
+    </p:extLst>
+  </p:cSld>
+  <p:clrMapOvr>
+    <a:masterClrMapping/>
+  </p:clrMapOvr>
+</p:sld>
+</file>
+
+<file path=ppt/slides/slide33.xml><?xml version="1.0" encoding="utf-8"?>
+<p:sld xmlns:a="http://schemas.openxmlformats.org/drawingml/2006/main" xmlns:r="http://schemas.openxmlformats.org/officeDocument/2006/relationships" xmlns:p="http://schemas.openxmlformats.org/presentationml/2006/main">
+  <p:cSld>
+    <p:spTree>
+      <p:nvGrpSpPr>
+        <p:cNvPr id="1" name=""/>
+        <p:cNvGrpSpPr/>
+        <p:nvPr/>
+      </p:nvGrpSpPr>
+      <p:grpSpPr>
+        <a:xfrm>
+          <a:off x="0" y="0"/>
+          <a:ext cx="0" cy="0"/>
+          <a:chOff x="0" y="0"/>
+          <a:chExt cx="0" cy="0"/>
+        </a:xfrm>
+      </p:grpSpPr>
       <p:sp>
         <p:nvSpPr>
           <p:cNvPr id="4" name="Rectangle 3"/>
@@ -23453,8 +25947,8 @@
         </p:nvSpPr>
         <p:spPr>
           <a:xfrm>
-            <a:off x="3433270" y="2540106"/>
-            <a:ext cx="2286954" cy="1200329"/>
+            <a:off x="3202813" y="2540106"/>
+            <a:ext cx="2747868" cy="1200329"/>
           </a:xfrm>
           <a:prstGeom prst="rect">
             <a:avLst/>
@@ -23470,7 +25964,7 @@
             <a:pPr algn="ctr"/>
             <a:r>
               <a:rPr lang="en-US" sz="7200" dirty="0"/>
-              <a:t>6,000</a:t>
+              <a:t>5,500+</a:t>
             </a:r>
           </a:p>
         </p:txBody>
@@ -23734,7 +26228,7 @@
 </p:sld>
 </file>
 
-<file path=ppt/slides/slide31.xml><?xml version="1.0" encoding="utf-8"?>
+<file path=ppt/slides/slide34.xml><?xml version="1.0" encoding="utf-8"?>
 <p:sld xmlns:a="http://schemas.openxmlformats.org/drawingml/2006/main" xmlns:r="http://schemas.openxmlformats.org/officeDocument/2006/relationships" xmlns:p="http://schemas.openxmlformats.org/presentationml/2006/main">
   <p:cSld>
     <p:spTree>
@@ -24361,7 +26855,7 @@
 </p:sld>
 </file>
 
-<file path=ppt/slides/slide32.xml><?xml version="1.0" encoding="utf-8"?>
+<file path=ppt/slides/slide35.xml><?xml version="1.0" encoding="utf-8"?>
 <p:sld xmlns:a="http://schemas.openxmlformats.org/drawingml/2006/main" xmlns:r="http://schemas.openxmlformats.org/officeDocument/2006/relationships" xmlns:p="http://schemas.openxmlformats.org/presentationml/2006/main">
   <p:cSld>
     <p:spTree>
@@ -24988,7 +27482,7 @@
 </p:sld>
 </file>
 
-<file path=ppt/slides/slide33.xml><?xml version="1.0" encoding="utf-8"?>
+<file path=ppt/slides/slide36.xml><?xml version="1.0" encoding="utf-8"?>
 <p:sld xmlns:a="http://schemas.openxmlformats.org/drawingml/2006/main" xmlns:r="http://schemas.openxmlformats.org/officeDocument/2006/relationships" xmlns:p="http://schemas.openxmlformats.org/presentationml/2006/main">
   <p:cSld>
     <p:spTree>
@@ -25442,7 +27936,7 @@
 </p:sld>
 </file>
 
-<file path=ppt/slides/slide34.xml><?xml version="1.0" encoding="utf-8"?>
+<file path=ppt/slides/slide37.xml><?xml version="1.0" encoding="utf-8"?>
 <p:sld xmlns:a="http://schemas.openxmlformats.org/drawingml/2006/main" xmlns:r="http://schemas.openxmlformats.org/officeDocument/2006/relationships" xmlns:p="http://schemas.openxmlformats.org/presentationml/2006/main">
   <p:cSld>
     <p:spTree>
@@ -25949,7 +28443,7 @@
 </p:sld>
 </file>
 
-<file path=ppt/slides/slide35.xml><?xml version="1.0" encoding="utf-8"?>
+<file path=ppt/slides/slide38.xml><?xml version="1.0" encoding="utf-8"?>
 <p:sld xmlns:a="http://schemas.openxmlformats.org/drawingml/2006/main" xmlns:r="http://schemas.openxmlformats.org/officeDocument/2006/relationships" xmlns:p="http://schemas.openxmlformats.org/presentationml/2006/main">
   <p:cSld>
     <p:spTree>
@@ -26632,7 +29126,7 @@
 </p:sld>
 </file>
 
-<file path=ppt/slides/slide36.xml><?xml version="1.0" encoding="utf-8"?>
+<file path=ppt/slides/slide39.xml><?xml version="1.0" encoding="utf-8"?>
 <p:sld xmlns:a="http://schemas.openxmlformats.org/drawingml/2006/main" xmlns:r="http://schemas.openxmlformats.org/officeDocument/2006/relationships" xmlns:p="http://schemas.openxmlformats.org/presentationml/2006/main">
   <p:cSld>
     <p:spTree>
@@ -27316,493 +29810,6 @@
       <p:bldP spid="8" grpId="0"/>
       <p:bldP spid="8" grpId="1"/>
       <p:bldP spid="10" grpId="0"/>
-    </p:bldLst>
-  </p:timing>
-</p:sld>
-</file>
-
-<file path=ppt/slides/slide37.xml><?xml version="1.0" encoding="utf-8"?>
-<p:sld xmlns:a="http://schemas.openxmlformats.org/drawingml/2006/main" xmlns:r="http://schemas.openxmlformats.org/officeDocument/2006/relationships" xmlns:p="http://schemas.openxmlformats.org/presentationml/2006/main">
-  <p:cSld>
-    <p:spTree>
-      <p:nvGrpSpPr>
-        <p:cNvPr id="1" name=""/>
-        <p:cNvGrpSpPr/>
-        <p:nvPr/>
-      </p:nvGrpSpPr>
-      <p:grpSpPr>
-        <a:xfrm>
-          <a:off x="0" y="0"/>
-          <a:ext cx="0" cy="0"/>
-          <a:chOff x="0" y="0"/>
-          <a:chExt cx="0" cy="0"/>
-        </a:xfrm>
-      </p:grpSpPr>
-      <p:pic>
-        <p:nvPicPr>
-          <p:cNvPr id="4" name="Picture 3" descr="A close up of a tree&#10;&#10;Description automatically generated">
-            <a:extLst>
-              <a:ext uri="{FF2B5EF4-FFF2-40B4-BE49-F238E27FC236}">
-                <a16:creationId xmlns:a16="http://schemas.microsoft.com/office/drawing/2014/main" id="{A00E638A-6078-FA48-AA46-860CD171BA40}"/>
-              </a:ext>
-            </a:extLst>
-          </p:cNvPr>
-          <p:cNvPicPr>
-            <a:picLocks noChangeAspect="1"/>
-          </p:cNvPicPr>
-          <p:nvPr/>
-        </p:nvPicPr>
-        <p:blipFill>
-          <a:blip r:embed="rId2">
-            <a:extLst>
-              <a:ext uri="{28A0092B-C50C-407E-A947-70E740481C1C}">
-                <a14:useLocalDpi xmlns:a14="http://schemas.microsoft.com/office/drawing/2010/main" val="0"/>
-              </a:ext>
-            </a:extLst>
-          </a:blip>
-          <a:stretch>
-            <a:fillRect/>
-          </a:stretch>
-        </p:blipFill>
-        <p:spPr>
-          <a:xfrm>
-            <a:off x="0" y="-7620"/>
-            <a:ext cx="17183100" cy="6873240"/>
-          </a:xfrm>
-          <a:prstGeom prst="rect">
-            <a:avLst/>
-          </a:prstGeom>
-        </p:spPr>
-      </p:pic>
-      <p:sp>
-        <p:nvSpPr>
-          <p:cNvPr id="5" name="Rectangle 4"/>
-          <p:cNvSpPr/>
-          <p:nvPr/>
-        </p:nvSpPr>
-        <p:spPr>
-          <a:xfrm>
-            <a:off x="1676400" y="3015868"/>
-            <a:ext cx="5334000" cy="1327532"/>
-          </a:xfrm>
-          <a:prstGeom prst="rect">
-            <a:avLst/>
-          </a:prstGeom>
-          <a:solidFill>
-            <a:schemeClr val="bg1">
-              <a:alpha val="60000"/>
-            </a:schemeClr>
-          </a:solidFill>
-          <a:ln w="34925">
-            <a:solidFill>
-              <a:schemeClr val="tx1"/>
-            </a:solidFill>
-          </a:ln>
-          <a:effectLst/>
-        </p:spPr>
-        <p:style>
-          <a:lnRef idx="1">
-            <a:schemeClr val="accent1"/>
-          </a:lnRef>
-          <a:fillRef idx="3">
-            <a:schemeClr val="accent1"/>
-          </a:fillRef>
-          <a:effectRef idx="2">
-            <a:schemeClr val="accent1"/>
-          </a:effectRef>
-          <a:fontRef idx="minor">
-            <a:schemeClr val="lt1"/>
-          </a:fontRef>
-        </p:style>
-        <p:txBody>
-          <a:bodyPr rtlCol="0" anchor="ctr"/>
-          <a:lstStyle/>
-          <a:p>
-            <a:endParaRPr lang="en-US" dirty="0"/>
-          </a:p>
-        </p:txBody>
-      </p:sp>
-      <p:sp>
-        <p:nvSpPr>
-          <p:cNvPr id="8" name="TextBox 7"/>
-          <p:cNvSpPr txBox="1"/>
-          <p:nvPr/>
-        </p:nvSpPr>
-        <p:spPr>
-          <a:xfrm>
-            <a:off x="1752600" y="3059668"/>
-            <a:ext cx="5181600" cy="1200329"/>
-          </a:xfrm>
-          <a:prstGeom prst="rect">
-            <a:avLst/>
-          </a:prstGeom>
-          <a:noFill/>
-        </p:spPr>
-        <p:txBody>
-          <a:bodyPr wrap="square" rtlCol="0">
-            <a:spAutoFit/>
-          </a:bodyPr>
-          <a:lstStyle/>
-          <a:p>
-            <a:r>
-              <a:rPr lang="en-US" dirty="0"/>
-              <a:t>But </a:t>
-            </a:r>
-            <a:r>
-              <a:rPr lang="en-US" b="1" u="sng" dirty="0"/>
-              <a:t>we are a colony of heaven</a:t>
-            </a:r>
-            <a:r>
-              <a:rPr lang="en-US" b="1" dirty="0"/>
-              <a:t> </a:t>
-            </a:r>
-            <a:r>
-              <a:rPr lang="en-US" dirty="0"/>
-              <a:t>on earth as we cling tightly to our life-giver, the Lord Jesus Christ,</a:t>
-            </a:r>
-            <a:r>
-              <a:rPr lang="en-US" baseline="30000" dirty="0"/>
-              <a:t> </a:t>
-            </a:r>
-            <a:r>
-              <a:rPr lang="en-US" dirty="0"/>
-              <a:t>…</a:t>
-            </a:r>
-          </a:p>
-          <a:p>
-            <a:r>
-              <a:rPr lang="en-US" dirty="0"/>
-              <a:t>using his matchless power, he continually subdues everything to himself.</a:t>
-            </a:r>
-            <a:endParaRPr lang="en-US" dirty="0">
-              <a:latin typeface="Avenir Book"/>
-              <a:cs typeface="Avenir Book"/>
-            </a:endParaRPr>
-          </a:p>
-        </p:txBody>
-      </p:sp>
-      <p:sp>
-        <p:nvSpPr>
-          <p:cNvPr id="10" name="Rectangle 9"/>
-          <p:cNvSpPr/>
-          <p:nvPr/>
-        </p:nvSpPr>
-        <p:spPr>
-          <a:xfrm>
-            <a:off x="3124200" y="4287070"/>
-            <a:ext cx="2438400" cy="152400"/>
-          </a:xfrm>
-          <a:prstGeom prst="rect">
-            <a:avLst/>
-          </a:prstGeom>
-          <a:solidFill>
-            <a:schemeClr val="tx1"/>
-          </a:solidFill>
-          <a:ln>
-            <a:noFill/>
-          </a:ln>
-          <a:effectLst/>
-        </p:spPr>
-        <p:style>
-          <a:lnRef idx="1">
-            <a:schemeClr val="accent1"/>
-          </a:lnRef>
-          <a:fillRef idx="3">
-            <a:schemeClr val="accent1"/>
-          </a:fillRef>
-          <a:effectRef idx="2">
-            <a:schemeClr val="accent1"/>
-          </a:effectRef>
-          <a:fontRef idx="minor">
-            <a:schemeClr val="lt1"/>
-          </a:fontRef>
-        </p:style>
-        <p:txBody>
-          <a:bodyPr rtlCol="0" anchor="ctr"/>
-          <a:lstStyle/>
-          <a:p>
-            <a:pPr algn="ctr"/>
-            <a:r>
-              <a:rPr lang="en-US" sz="800" dirty="0">
-                <a:solidFill>
-                  <a:schemeClr val="bg1"/>
-                </a:solidFill>
-              </a:rPr>
-              <a:t>Philippians 3:20-21</a:t>
-            </a:r>
-          </a:p>
-        </p:txBody>
-      </p:sp>
-    </p:spTree>
-    <p:extLst>
-      <p:ext uri="{BB962C8B-B14F-4D97-AF65-F5344CB8AC3E}">
-        <p14:creationId xmlns:p14="http://schemas.microsoft.com/office/powerpoint/2010/main" val="1030309952"/>
-      </p:ext>
-    </p:extLst>
-  </p:cSld>
-  <p:clrMapOvr>
-    <a:masterClrMapping/>
-  </p:clrMapOvr>
-  <p:timing>
-    <p:tnLst>
-      <p:par>
-        <p:cTn id="1" dur="indefinite" restart="never" nodeType="tmRoot">
-          <p:childTnLst>
-            <p:seq concurrent="1" nextAc="seek">
-              <p:cTn id="2" dur="indefinite" nodeType="mainSeq">
-                <p:childTnLst>
-                  <p:par>
-                    <p:cTn id="3" fill="hold">
-                      <p:stCondLst>
-                        <p:cond delay="indefinite"/>
-                        <p:cond evt="onBegin" delay="0">
-                          <p:tn val="2"/>
-                        </p:cond>
-                      </p:stCondLst>
-                      <p:childTnLst>
-                        <p:par>
-                          <p:cTn id="4" fill="hold">
-                            <p:stCondLst>
-                              <p:cond delay="0"/>
-                            </p:stCondLst>
-                            <p:childTnLst>
-                              <p:par>
-                                <p:cTn id="5" presetID="1" presetClass="entr" presetSubtype="0" fill="hold" grpId="2" nodeType="afterEffect">
-                                  <p:stCondLst>
-                                    <p:cond delay="1000"/>
-                                  </p:stCondLst>
-                                  <p:childTnLst>
-                                    <p:set>
-                                      <p:cBhvr>
-                                        <p:cTn id="6" dur="1" fill="hold">
-                                          <p:stCondLst>
-                                            <p:cond delay="0"/>
-                                          </p:stCondLst>
-                                        </p:cTn>
-                                        <p:tgtEl>
-                                          <p:spTgt spid="5"/>
-                                        </p:tgtEl>
-                                        <p:attrNameLst>
-                                          <p:attrName>style.visibility</p:attrName>
-                                        </p:attrNameLst>
-                                      </p:cBhvr>
-                                      <p:to>
-                                        <p:strVal val="visible"/>
-                                      </p:to>
-                                    </p:set>
-                                  </p:childTnLst>
-                                </p:cTn>
-                              </p:par>
-                            </p:childTnLst>
-                          </p:cTn>
-                        </p:par>
-                        <p:par>
-                          <p:cTn id="7" fill="hold">
-                            <p:stCondLst>
-                              <p:cond delay="1000"/>
-                            </p:stCondLst>
-                            <p:childTnLst>
-                              <p:par>
-                                <p:cTn id="8" presetID="0" presetClass="path" presetSubtype="0" accel="50000" decel="50000" fill="hold" grpId="0" nodeType="afterEffect">
-                                  <p:stCondLst>
-                                    <p:cond delay="0"/>
-                                  </p:stCondLst>
-                                  <p:childTnLst>
-                                    <p:animMotion origin="layout" path="M 0.04236 2.22222E-6 L 3.61111E-6 2.22222E-6 " pathEditMode="relative" rAng="0" ptsTypes="AA">
-                                      <p:cBhvr>
-                                        <p:cTn id="9" dur="300" fill="hold"/>
-                                        <p:tgtEl>
-                                          <p:spTgt spid="5"/>
-                                        </p:tgtEl>
-                                        <p:attrNameLst>
-                                          <p:attrName>ppt_x</p:attrName>
-                                          <p:attrName>ppt_y</p:attrName>
-                                        </p:attrNameLst>
-                                      </p:cBhvr>
-                                      <p:rCtr x="-2118" y="0"/>
-                                    </p:animMotion>
-                                  </p:childTnLst>
-                                </p:cTn>
-                              </p:par>
-                              <p:par>
-                                <p:cTn id="10" presetID="10" presetClass="entr" presetSubtype="0" fill="hold" grpId="1" nodeType="withEffect">
-                                  <p:stCondLst>
-                                    <p:cond delay="0"/>
-                                  </p:stCondLst>
-                                  <p:childTnLst>
-                                    <p:set>
-                                      <p:cBhvr>
-                                        <p:cTn id="11" dur="1" fill="hold">
-                                          <p:stCondLst>
-                                            <p:cond delay="0"/>
-                                          </p:stCondLst>
-                                        </p:cTn>
-                                        <p:tgtEl>
-                                          <p:spTgt spid="5"/>
-                                        </p:tgtEl>
-                                        <p:attrNameLst>
-                                          <p:attrName>style.visibility</p:attrName>
-                                        </p:attrNameLst>
-                                      </p:cBhvr>
-                                      <p:to>
-                                        <p:strVal val="visible"/>
-                                      </p:to>
-                                    </p:set>
-                                    <p:animEffect transition="in" filter="fade">
-                                      <p:cBhvr>
-                                        <p:cTn id="12" dur="500"/>
-                                        <p:tgtEl>
-                                          <p:spTgt spid="5"/>
-                                        </p:tgtEl>
-                                      </p:cBhvr>
-                                    </p:animEffect>
-                                  </p:childTnLst>
-                                </p:cTn>
-                              </p:par>
-                            </p:childTnLst>
-                          </p:cTn>
-                        </p:par>
-                        <p:par>
-                          <p:cTn id="13" fill="hold">
-                            <p:stCondLst>
-                              <p:cond delay="1500"/>
-                            </p:stCondLst>
-                            <p:childTnLst>
-                              <p:par>
-                                <p:cTn id="14" presetID="10" presetClass="entr" presetSubtype="0" fill="hold" grpId="0" nodeType="afterEffect">
-                                  <p:stCondLst>
-                                    <p:cond delay="0"/>
-                                  </p:stCondLst>
-                                  <p:childTnLst>
-                                    <p:set>
-                                      <p:cBhvr>
-                                        <p:cTn id="15" dur="1" fill="hold">
-                                          <p:stCondLst>
-                                            <p:cond delay="0"/>
-                                          </p:stCondLst>
-                                        </p:cTn>
-                                        <p:tgtEl>
-                                          <p:spTgt spid="8"/>
-                                        </p:tgtEl>
-                                        <p:attrNameLst>
-                                          <p:attrName>style.visibility</p:attrName>
-                                        </p:attrNameLst>
-                                      </p:cBhvr>
-                                      <p:to>
-                                        <p:strVal val="visible"/>
-                                      </p:to>
-                                    </p:set>
-                                    <p:animEffect transition="in" filter="fade">
-                                      <p:cBhvr>
-                                        <p:cTn id="16" dur="300"/>
-                                        <p:tgtEl>
-                                          <p:spTgt spid="8"/>
-                                        </p:tgtEl>
-                                      </p:cBhvr>
-                                    </p:animEffect>
-                                  </p:childTnLst>
-                                </p:cTn>
-                              </p:par>
-                              <p:par>
-                                <p:cTn id="17" presetID="0" presetClass="path" presetSubtype="0" accel="50000" decel="50000" fill="hold" grpId="1" nodeType="withEffect">
-                                  <p:stCondLst>
-                                    <p:cond delay="0"/>
-                                  </p:stCondLst>
-                                  <p:childTnLst>
-                                    <p:animMotion origin="layout" path="M 3.88889E-6 0.0169 L 3.88889E-6 -4.44444E-6 " pathEditMode="relative" rAng="0" ptsTypes="AA">
-                                      <p:cBhvr>
-                                        <p:cTn id="18" dur="200" fill="hold"/>
-                                        <p:tgtEl>
-                                          <p:spTgt spid="8"/>
-                                        </p:tgtEl>
-                                        <p:attrNameLst>
-                                          <p:attrName>ppt_x</p:attrName>
-                                          <p:attrName>ppt_y</p:attrName>
-                                        </p:attrNameLst>
-                                      </p:cBhvr>
-                                      <p:rCtr x="0" y="-856"/>
-                                    </p:animMotion>
-                                  </p:childTnLst>
-                                </p:cTn>
-                              </p:par>
-                            </p:childTnLst>
-                          </p:cTn>
-                        </p:par>
-                        <p:par>
-                          <p:cTn id="19" fill="hold">
-                            <p:stCondLst>
-                              <p:cond delay="1800"/>
-                            </p:stCondLst>
-                            <p:childTnLst>
-                              <p:par>
-                                <p:cTn id="20" presetID="10" presetClass="entr" presetSubtype="0" fill="hold" grpId="0" nodeType="afterEffect">
-                                  <p:stCondLst>
-                                    <p:cond delay="0"/>
-                                  </p:stCondLst>
-                                  <p:childTnLst>
-                                    <p:set>
-                                      <p:cBhvr>
-                                        <p:cTn id="21" dur="1" fill="hold">
-                                          <p:stCondLst>
-                                            <p:cond delay="0"/>
-                                          </p:stCondLst>
-                                        </p:cTn>
-                                        <p:tgtEl>
-                                          <p:spTgt spid="10"/>
-                                        </p:tgtEl>
-                                        <p:attrNameLst>
-                                          <p:attrName>style.visibility</p:attrName>
-                                        </p:attrNameLst>
-                                      </p:cBhvr>
-                                      <p:to>
-                                        <p:strVal val="visible"/>
-                                      </p:to>
-                                    </p:set>
-                                    <p:animEffect transition="in" filter="fade">
-                                      <p:cBhvr>
-                                        <p:cTn id="22" dur="200"/>
-                                        <p:tgtEl>
-                                          <p:spTgt spid="10"/>
-                                        </p:tgtEl>
-                                      </p:cBhvr>
-                                    </p:animEffect>
-                                  </p:childTnLst>
-                                </p:cTn>
-                              </p:par>
-                            </p:childTnLst>
-                          </p:cTn>
-                        </p:par>
-                      </p:childTnLst>
-                    </p:cTn>
-                  </p:par>
-                </p:childTnLst>
-              </p:cTn>
-              <p:prevCondLst>
-                <p:cond evt="onPrev" delay="0">
-                  <p:tgtEl>
-                    <p:sldTgt/>
-                  </p:tgtEl>
-                </p:cond>
-              </p:prevCondLst>
-              <p:nextCondLst>
-                <p:cond evt="onNext" delay="0">
-                  <p:tgtEl>
-                    <p:sldTgt/>
-                  </p:tgtEl>
-                </p:cond>
-              </p:nextCondLst>
-            </p:seq>
-          </p:childTnLst>
-        </p:cTn>
-      </p:par>
-    </p:tnLst>
-    <p:bldLst>
-      <p:bldP spid="5" grpId="0" animBg="1"/>
-      <p:bldP spid="5" grpId="1" animBg="1"/>
-      <p:bldP spid="5" grpId="2" animBg="1"/>
-      <p:bldP spid="8" grpId="0"/>
-      <p:bldP spid="8" grpId="1"/>
-      <p:bldP spid="10" grpId="0" animBg="1"/>
     </p:bldLst>
   </p:timing>
 </p:sld>
@@ -29807,6 +31814,493 @@
   <p:clrMapOvr>
     <a:masterClrMapping/>
   </p:clrMapOvr>
+</p:sld>
+</file>
+
+<file path=ppt/slides/slide40.xml><?xml version="1.0" encoding="utf-8"?>
+<p:sld xmlns:a="http://schemas.openxmlformats.org/drawingml/2006/main" xmlns:r="http://schemas.openxmlformats.org/officeDocument/2006/relationships" xmlns:p="http://schemas.openxmlformats.org/presentationml/2006/main">
+  <p:cSld>
+    <p:spTree>
+      <p:nvGrpSpPr>
+        <p:cNvPr id="1" name=""/>
+        <p:cNvGrpSpPr/>
+        <p:nvPr/>
+      </p:nvGrpSpPr>
+      <p:grpSpPr>
+        <a:xfrm>
+          <a:off x="0" y="0"/>
+          <a:ext cx="0" cy="0"/>
+          <a:chOff x="0" y="0"/>
+          <a:chExt cx="0" cy="0"/>
+        </a:xfrm>
+      </p:grpSpPr>
+      <p:pic>
+        <p:nvPicPr>
+          <p:cNvPr id="4" name="Picture 3" descr="A close up of a tree&#10;&#10;Description automatically generated">
+            <a:extLst>
+              <a:ext uri="{FF2B5EF4-FFF2-40B4-BE49-F238E27FC236}">
+                <a16:creationId xmlns:a16="http://schemas.microsoft.com/office/drawing/2014/main" id="{A00E638A-6078-FA48-AA46-860CD171BA40}"/>
+              </a:ext>
+            </a:extLst>
+          </p:cNvPr>
+          <p:cNvPicPr>
+            <a:picLocks noChangeAspect="1"/>
+          </p:cNvPicPr>
+          <p:nvPr/>
+        </p:nvPicPr>
+        <p:blipFill>
+          <a:blip r:embed="rId2">
+            <a:extLst>
+              <a:ext uri="{28A0092B-C50C-407E-A947-70E740481C1C}">
+                <a14:useLocalDpi xmlns:a14="http://schemas.microsoft.com/office/drawing/2010/main" val="0"/>
+              </a:ext>
+            </a:extLst>
+          </a:blip>
+          <a:stretch>
+            <a:fillRect/>
+          </a:stretch>
+        </p:blipFill>
+        <p:spPr>
+          <a:xfrm>
+            <a:off x="0" y="-7620"/>
+            <a:ext cx="17183100" cy="6873240"/>
+          </a:xfrm>
+          <a:prstGeom prst="rect">
+            <a:avLst/>
+          </a:prstGeom>
+        </p:spPr>
+      </p:pic>
+      <p:sp>
+        <p:nvSpPr>
+          <p:cNvPr id="5" name="Rectangle 4"/>
+          <p:cNvSpPr/>
+          <p:nvPr/>
+        </p:nvSpPr>
+        <p:spPr>
+          <a:xfrm>
+            <a:off x="1676400" y="3015868"/>
+            <a:ext cx="5334000" cy="1327532"/>
+          </a:xfrm>
+          <a:prstGeom prst="rect">
+            <a:avLst/>
+          </a:prstGeom>
+          <a:solidFill>
+            <a:schemeClr val="bg1">
+              <a:alpha val="60000"/>
+            </a:schemeClr>
+          </a:solidFill>
+          <a:ln w="34925">
+            <a:solidFill>
+              <a:schemeClr val="tx1"/>
+            </a:solidFill>
+          </a:ln>
+          <a:effectLst/>
+        </p:spPr>
+        <p:style>
+          <a:lnRef idx="1">
+            <a:schemeClr val="accent1"/>
+          </a:lnRef>
+          <a:fillRef idx="3">
+            <a:schemeClr val="accent1"/>
+          </a:fillRef>
+          <a:effectRef idx="2">
+            <a:schemeClr val="accent1"/>
+          </a:effectRef>
+          <a:fontRef idx="minor">
+            <a:schemeClr val="lt1"/>
+          </a:fontRef>
+        </p:style>
+        <p:txBody>
+          <a:bodyPr rtlCol="0" anchor="ctr"/>
+          <a:lstStyle/>
+          <a:p>
+            <a:endParaRPr lang="en-US" dirty="0"/>
+          </a:p>
+        </p:txBody>
+      </p:sp>
+      <p:sp>
+        <p:nvSpPr>
+          <p:cNvPr id="8" name="TextBox 7"/>
+          <p:cNvSpPr txBox="1"/>
+          <p:nvPr/>
+        </p:nvSpPr>
+        <p:spPr>
+          <a:xfrm>
+            <a:off x="1752600" y="3059668"/>
+            <a:ext cx="5181600" cy="1200329"/>
+          </a:xfrm>
+          <a:prstGeom prst="rect">
+            <a:avLst/>
+          </a:prstGeom>
+          <a:noFill/>
+        </p:spPr>
+        <p:txBody>
+          <a:bodyPr wrap="square" rtlCol="0">
+            <a:spAutoFit/>
+          </a:bodyPr>
+          <a:lstStyle/>
+          <a:p>
+            <a:r>
+              <a:rPr lang="en-US" dirty="0"/>
+              <a:t>But </a:t>
+            </a:r>
+            <a:r>
+              <a:rPr lang="en-US" b="1" u="sng" dirty="0"/>
+              <a:t>we are a colony of heaven</a:t>
+            </a:r>
+            <a:r>
+              <a:rPr lang="en-US" b="1" dirty="0"/>
+              <a:t> </a:t>
+            </a:r>
+            <a:r>
+              <a:rPr lang="en-US" dirty="0"/>
+              <a:t>on earth as we cling tightly to our life-giver, the Lord Jesus Christ,</a:t>
+            </a:r>
+            <a:r>
+              <a:rPr lang="en-US" baseline="30000" dirty="0"/>
+              <a:t> </a:t>
+            </a:r>
+            <a:r>
+              <a:rPr lang="en-US" dirty="0"/>
+              <a:t>…</a:t>
+            </a:r>
+          </a:p>
+          <a:p>
+            <a:r>
+              <a:rPr lang="en-US" dirty="0"/>
+              <a:t>using his matchless power, he continually subdues everything to himself.</a:t>
+            </a:r>
+            <a:endParaRPr lang="en-US" dirty="0">
+              <a:latin typeface="Avenir Book"/>
+              <a:cs typeface="Avenir Book"/>
+            </a:endParaRPr>
+          </a:p>
+        </p:txBody>
+      </p:sp>
+      <p:sp>
+        <p:nvSpPr>
+          <p:cNvPr id="10" name="Rectangle 9"/>
+          <p:cNvSpPr/>
+          <p:nvPr/>
+        </p:nvSpPr>
+        <p:spPr>
+          <a:xfrm>
+            <a:off x="3124200" y="4287070"/>
+            <a:ext cx="2438400" cy="152400"/>
+          </a:xfrm>
+          <a:prstGeom prst="rect">
+            <a:avLst/>
+          </a:prstGeom>
+          <a:solidFill>
+            <a:schemeClr val="tx1"/>
+          </a:solidFill>
+          <a:ln>
+            <a:noFill/>
+          </a:ln>
+          <a:effectLst/>
+        </p:spPr>
+        <p:style>
+          <a:lnRef idx="1">
+            <a:schemeClr val="accent1"/>
+          </a:lnRef>
+          <a:fillRef idx="3">
+            <a:schemeClr val="accent1"/>
+          </a:fillRef>
+          <a:effectRef idx="2">
+            <a:schemeClr val="accent1"/>
+          </a:effectRef>
+          <a:fontRef idx="minor">
+            <a:schemeClr val="lt1"/>
+          </a:fontRef>
+        </p:style>
+        <p:txBody>
+          <a:bodyPr rtlCol="0" anchor="ctr"/>
+          <a:lstStyle/>
+          <a:p>
+            <a:pPr algn="ctr"/>
+            <a:r>
+              <a:rPr lang="en-US" sz="800" dirty="0">
+                <a:solidFill>
+                  <a:schemeClr val="bg1"/>
+                </a:solidFill>
+              </a:rPr>
+              <a:t>Philippians 3:20-21</a:t>
+            </a:r>
+          </a:p>
+        </p:txBody>
+      </p:sp>
+    </p:spTree>
+    <p:extLst>
+      <p:ext uri="{BB962C8B-B14F-4D97-AF65-F5344CB8AC3E}">
+        <p14:creationId xmlns:p14="http://schemas.microsoft.com/office/powerpoint/2010/main" val="1030309952"/>
+      </p:ext>
+    </p:extLst>
+  </p:cSld>
+  <p:clrMapOvr>
+    <a:masterClrMapping/>
+  </p:clrMapOvr>
+  <p:timing>
+    <p:tnLst>
+      <p:par>
+        <p:cTn id="1" dur="indefinite" restart="never" nodeType="tmRoot">
+          <p:childTnLst>
+            <p:seq concurrent="1" nextAc="seek">
+              <p:cTn id="2" dur="indefinite" nodeType="mainSeq">
+                <p:childTnLst>
+                  <p:par>
+                    <p:cTn id="3" fill="hold">
+                      <p:stCondLst>
+                        <p:cond delay="indefinite"/>
+                        <p:cond evt="onBegin" delay="0">
+                          <p:tn val="2"/>
+                        </p:cond>
+                      </p:stCondLst>
+                      <p:childTnLst>
+                        <p:par>
+                          <p:cTn id="4" fill="hold">
+                            <p:stCondLst>
+                              <p:cond delay="0"/>
+                            </p:stCondLst>
+                            <p:childTnLst>
+                              <p:par>
+                                <p:cTn id="5" presetID="1" presetClass="entr" presetSubtype="0" fill="hold" grpId="2" nodeType="afterEffect">
+                                  <p:stCondLst>
+                                    <p:cond delay="1000"/>
+                                  </p:stCondLst>
+                                  <p:childTnLst>
+                                    <p:set>
+                                      <p:cBhvr>
+                                        <p:cTn id="6" dur="1" fill="hold">
+                                          <p:stCondLst>
+                                            <p:cond delay="0"/>
+                                          </p:stCondLst>
+                                        </p:cTn>
+                                        <p:tgtEl>
+                                          <p:spTgt spid="5"/>
+                                        </p:tgtEl>
+                                        <p:attrNameLst>
+                                          <p:attrName>style.visibility</p:attrName>
+                                        </p:attrNameLst>
+                                      </p:cBhvr>
+                                      <p:to>
+                                        <p:strVal val="visible"/>
+                                      </p:to>
+                                    </p:set>
+                                  </p:childTnLst>
+                                </p:cTn>
+                              </p:par>
+                            </p:childTnLst>
+                          </p:cTn>
+                        </p:par>
+                        <p:par>
+                          <p:cTn id="7" fill="hold">
+                            <p:stCondLst>
+                              <p:cond delay="1000"/>
+                            </p:stCondLst>
+                            <p:childTnLst>
+                              <p:par>
+                                <p:cTn id="8" presetID="0" presetClass="path" presetSubtype="0" accel="50000" decel="50000" fill="hold" grpId="0" nodeType="afterEffect">
+                                  <p:stCondLst>
+                                    <p:cond delay="0"/>
+                                  </p:stCondLst>
+                                  <p:childTnLst>
+                                    <p:animMotion origin="layout" path="M 0.04236 2.22222E-6 L 3.61111E-6 2.22222E-6 " pathEditMode="relative" rAng="0" ptsTypes="AA">
+                                      <p:cBhvr>
+                                        <p:cTn id="9" dur="300" fill="hold"/>
+                                        <p:tgtEl>
+                                          <p:spTgt spid="5"/>
+                                        </p:tgtEl>
+                                        <p:attrNameLst>
+                                          <p:attrName>ppt_x</p:attrName>
+                                          <p:attrName>ppt_y</p:attrName>
+                                        </p:attrNameLst>
+                                      </p:cBhvr>
+                                      <p:rCtr x="-2118" y="0"/>
+                                    </p:animMotion>
+                                  </p:childTnLst>
+                                </p:cTn>
+                              </p:par>
+                              <p:par>
+                                <p:cTn id="10" presetID="10" presetClass="entr" presetSubtype="0" fill="hold" grpId="1" nodeType="withEffect">
+                                  <p:stCondLst>
+                                    <p:cond delay="0"/>
+                                  </p:stCondLst>
+                                  <p:childTnLst>
+                                    <p:set>
+                                      <p:cBhvr>
+                                        <p:cTn id="11" dur="1" fill="hold">
+                                          <p:stCondLst>
+                                            <p:cond delay="0"/>
+                                          </p:stCondLst>
+                                        </p:cTn>
+                                        <p:tgtEl>
+                                          <p:spTgt spid="5"/>
+                                        </p:tgtEl>
+                                        <p:attrNameLst>
+                                          <p:attrName>style.visibility</p:attrName>
+                                        </p:attrNameLst>
+                                      </p:cBhvr>
+                                      <p:to>
+                                        <p:strVal val="visible"/>
+                                      </p:to>
+                                    </p:set>
+                                    <p:animEffect transition="in" filter="fade">
+                                      <p:cBhvr>
+                                        <p:cTn id="12" dur="500"/>
+                                        <p:tgtEl>
+                                          <p:spTgt spid="5"/>
+                                        </p:tgtEl>
+                                      </p:cBhvr>
+                                    </p:animEffect>
+                                  </p:childTnLst>
+                                </p:cTn>
+                              </p:par>
+                            </p:childTnLst>
+                          </p:cTn>
+                        </p:par>
+                        <p:par>
+                          <p:cTn id="13" fill="hold">
+                            <p:stCondLst>
+                              <p:cond delay="1500"/>
+                            </p:stCondLst>
+                            <p:childTnLst>
+                              <p:par>
+                                <p:cTn id="14" presetID="10" presetClass="entr" presetSubtype="0" fill="hold" grpId="0" nodeType="afterEffect">
+                                  <p:stCondLst>
+                                    <p:cond delay="0"/>
+                                  </p:stCondLst>
+                                  <p:childTnLst>
+                                    <p:set>
+                                      <p:cBhvr>
+                                        <p:cTn id="15" dur="1" fill="hold">
+                                          <p:stCondLst>
+                                            <p:cond delay="0"/>
+                                          </p:stCondLst>
+                                        </p:cTn>
+                                        <p:tgtEl>
+                                          <p:spTgt spid="8"/>
+                                        </p:tgtEl>
+                                        <p:attrNameLst>
+                                          <p:attrName>style.visibility</p:attrName>
+                                        </p:attrNameLst>
+                                      </p:cBhvr>
+                                      <p:to>
+                                        <p:strVal val="visible"/>
+                                      </p:to>
+                                    </p:set>
+                                    <p:animEffect transition="in" filter="fade">
+                                      <p:cBhvr>
+                                        <p:cTn id="16" dur="300"/>
+                                        <p:tgtEl>
+                                          <p:spTgt spid="8"/>
+                                        </p:tgtEl>
+                                      </p:cBhvr>
+                                    </p:animEffect>
+                                  </p:childTnLst>
+                                </p:cTn>
+                              </p:par>
+                              <p:par>
+                                <p:cTn id="17" presetID="0" presetClass="path" presetSubtype="0" accel="50000" decel="50000" fill="hold" grpId="1" nodeType="withEffect">
+                                  <p:stCondLst>
+                                    <p:cond delay="0"/>
+                                  </p:stCondLst>
+                                  <p:childTnLst>
+                                    <p:animMotion origin="layout" path="M 3.88889E-6 0.0169 L 3.88889E-6 -4.44444E-6 " pathEditMode="relative" rAng="0" ptsTypes="AA">
+                                      <p:cBhvr>
+                                        <p:cTn id="18" dur="200" fill="hold"/>
+                                        <p:tgtEl>
+                                          <p:spTgt spid="8"/>
+                                        </p:tgtEl>
+                                        <p:attrNameLst>
+                                          <p:attrName>ppt_x</p:attrName>
+                                          <p:attrName>ppt_y</p:attrName>
+                                        </p:attrNameLst>
+                                      </p:cBhvr>
+                                      <p:rCtr x="0" y="-856"/>
+                                    </p:animMotion>
+                                  </p:childTnLst>
+                                </p:cTn>
+                              </p:par>
+                            </p:childTnLst>
+                          </p:cTn>
+                        </p:par>
+                        <p:par>
+                          <p:cTn id="19" fill="hold">
+                            <p:stCondLst>
+                              <p:cond delay="1800"/>
+                            </p:stCondLst>
+                            <p:childTnLst>
+                              <p:par>
+                                <p:cTn id="20" presetID="10" presetClass="entr" presetSubtype="0" fill="hold" grpId="0" nodeType="afterEffect">
+                                  <p:stCondLst>
+                                    <p:cond delay="0"/>
+                                  </p:stCondLst>
+                                  <p:childTnLst>
+                                    <p:set>
+                                      <p:cBhvr>
+                                        <p:cTn id="21" dur="1" fill="hold">
+                                          <p:stCondLst>
+                                            <p:cond delay="0"/>
+                                          </p:stCondLst>
+                                        </p:cTn>
+                                        <p:tgtEl>
+                                          <p:spTgt spid="10"/>
+                                        </p:tgtEl>
+                                        <p:attrNameLst>
+                                          <p:attrName>style.visibility</p:attrName>
+                                        </p:attrNameLst>
+                                      </p:cBhvr>
+                                      <p:to>
+                                        <p:strVal val="visible"/>
+                                      </p:to>
+                                    </p:set>
+                                    <p:animEffect transition="in" filter="fade">
+                                      <p:cBhvr>
+                                        <p:cTn id="22" dur="200"/>
+                                        <p:tgtEl>
+                                          <p:spTgt spid="10"/>
+                                        </p:tgtEl>
+                                      </p:cBhvr>
+                                    </p:animEffect>
+                                  </p:childTnLst>
+                                </p:cTn>
+                              </p:par>
+                            </p:childTnLst>
+                          </p:cTn>
+                        </p:par>
+                      </p:childTnLst>
+                    </p:cTn>
+                  </p:par>
+                </p:childTnLst>
+              </p:cTn>
+              <p:prevCondLst>
+                <p:cond evt="onPrev" delay="0">
+                  <p:tgtEl>
+                    <p:sldTgt/>
+                  </p:tgtEl>
+                </p:cond>
+              </p:prevCondLst>
+              <p:nextCondLst>
+                <p:cond evt="onNext" delay="0">
+                  <p:tgtEl>
+                    <p:sldTgt/>
+                  </p:tgtEl>
+                </p:cond>
+              </p:nextCondLst>
+            </p:seq>
+          </p:childTnLst>
+        </p:cTn>
+      </p:par>
+    </p:tnLst>
+    <p:bldLst>
+      <p:bldP spid="5" grpId="0" animBg="1"/>
+      <p:bldP spid="5" grpId="1" animBg="1"/>
+      <p:bldP spid="5" grpId="2" animBg="1"/>
+      <p:bldP spid="8" grpId="0"/>
+      <p:bldP spid="8" grpId="1"/>
+      <p:bldP spid="10" grpId="0" animBg="1"/>
+    </p:bldLst>
+  </p:timing>
 </p:sld>
 </file>
 

--- a/companion-website/public/files/Template.pptx
+++ b/companion-website/public/files/Template.pptx
@@ -5,49 +5,50 @@
     <p:sldMasterId id="2147483648" r:id="rId1"/>
   </p:sldMasterIdLst>
   <p:notesMasterIdLst>
-    <p:notesMasterId r:id="rId42"/>
+    <p:notesMasterId r:id="rId43"/>
   </p:notesMasterIdLst>
   <p:sldIdLst>
     <p:sldId id="275" r:id="rId2"/>
     <p:sldId id="276" r:id="rId3"/>
     <p:sldId id="277" r:id="rId4"/>
-    <p:sldId id="433" r:id="rId5"/>
-    <p:sldId id="278" r:id="rId6"/>
-    <p:sldId id="436" r:id="rId7"/>
-    <p:sldId id="434" r:id="rId8"/>
-    <p:sldId id="437" r:id="rId9"/>
-    <p:sldId id="449" r:id="rId10"/>
-    <p:sldId id="450" r:id="rId11"/>
-    <p:sldId id="259" r:id="rId12"/>
-    <p:sldId id="435" r:id="rId13"/>
-    <p:sldId id="457" r:id="rId14"/>
-    <p:sldId id="459" r:id="rId15"/>
-    <p:sldId id="441" r:id="rId16"/>
-    <p:sldId id="442" r:id="rId17"/>
-    <p:sldId id="261" r:id="rId18"/>
-    <p:sldId id="262" r:id="rId19"/>
-    <p:sldId id="265" r:id="rId20"/>
-    <p:sldId id="263" r:id="rId21"/>
-    <p:sldId id="264" r:id="rId22"/>
-    <p:sldId id="447" r:id="rId23"/>
-    <p:sldId id="448" r:id="rId24"/>
-    <p:sldId id="455" r:id="rId25"/>
-    <p:sldId id="458" r:id="rId26"/>
-    <p:sldId id="438" r:id="rId27"/>
-    <p:sldId id="439" r:id="rId28"/>
-    <p:sldId id="445" r:id="rId29"/>
-    <p:sldId id="267" r:id="rId30"/>
-    <p:sldId id="269" r:id="rId31"/>
-    <p:sldId id="270" r:id="rId32"/>
-    <p:sldId id="268" r:id="rId33"/>
-    <p:sldId id="446" r:id="rId34"/>
-    <p:sldId id="271" r:id="rId35"/>
-    <p:sldId id="444" r:id="rId36"/>
-    <p:sldId id="440" r:id="rId37"/>
-    <p:sldId id="451" r:id="rId38"/>
-    <p:sldId id="452" r:id="rId39"/>
-    <p:sldId id="453" r:id="rId40"/>
-    <p:sldId id="443" r:id="rId41"/>
+    <p:sldId id="460" r:id="rId5"/>
+    <p:sldId id="433" r:id="rId6"/>
+    <p:sldId id="278" r:id="rId7"/>
+    <p:sldId id="436" r:id="rId8"/>
+    <p:sldId id="434" r:id="rId9"/>
+    <p:sldId id="437" r:id="rId10"/>
+    <p:sldId id="449" r:id="rId11"/>
+    <p:sldId id="450" r:id="rId12"/>
+    <p:sldId id="259" r:id="rId13"/>
+    <p:sldId id="435" r:id="rId14"/>
+    <p:sldId id="457" r:id="rId15"/>
+    <p:sldId id="459" r:id="rId16"/>
+    <p:sldId id="441" r:id="rId17"/>
+    <p:sldId id="442" r:id="rId18"/>
+    <p:sldId id="261" r:id="rId19"/>
+    <p:sldId id="262" r:id="rId20"/>
+    <p:sldId id="265" r:id="rId21"/>
+    <p:sldId id="263" r:id="rId22"/>
+    <p:sldId id="264" r:id="rId23"/>
+    <p:sldId id="447" r:id="rId24"/>
+    <p:sldId id="448" r:id="rId25"/>
+    <p:sldId id="455" r:id="rId26"/>
+    <p:sldId id="458" r:id="rId27"/>
+    <p:sldId id="438" r:id="rId28"/>
+    <p:sldId id="439" r:id="rId29"/>
+    <p:sldId id="445" r:id="rId30"/>
+    <p:sldId id="267" r:id="rId31"/>
+    <p:sldId id="269" r:id="rId32"/>
+    <p:sldId id="270" r:id="rId33"/>
+    <p:sldId id="268" r:id="rId34"/>
+    <p:sldId id="446" r:id="rId35"/>
+    <p:sldId id="271" r:id="rId36"/>
+    <p:sldId id="444" r:id="rId37"/>
+    <p:sldId id="440" r:id="rId38"/>
+    <p:sldId id="451" r:id="rId39"/>
+    <p:sldId id="452" r:id="rId40"/>
+    <p:sldId id="453" r:id="rId41"/>
+    <p:sldId id="443" r:id="rId42"/>
   </p:sldIdLst>
   <p:sldSz cx="9144000" cy="6858000" type="screen4x3"/>
   <p:notesSz cx="6858000" cy="9144000"/>
@@ -3919,7 +3920,7 @@
           <a:p>
             <a:fld id="{8F7EB338-8BB0-B64B-9F79-C87EA24D723F}" type="datetimeFigureOut">
               <a:rPr lang="en-US" smtClean="0"/>
-              <a:t>8/26/20</a:t>
+              <a:t>10/22/20</a:t>
             </a:fld>
             <a:endParaRPr lang="en-US"/>
           </a:p>
@@ -4335,7 +4336,7 @@
           <a:p>
             <a:fld id="{0A2C3B37-55FA-284F-9E83-751B4EA6E9B4}" type="slidenum">
               <a:rPr lang="en-US" smtClean="0"/>
-              <a:t>23</a:t>
+              <a:t>24</a:t>
             </a:fld>
             <a:endParaRPr lang="en-US"/>
           </a:p>
@@ -4419,7 +4420,7 @@
           <a:p>
             <a:fld id="{0A2C3B37-55FA-284F-9E83-751B4EA6E9B4}" type="slidenum">
               <a:rPr lang="en-US" smtClean="0"/>
-              <a:t>24</a:t>
+              <a:t>25</a:t>
             </a:fld>
             <a:endParaRPr lang="en-US"/>
           </a:p>
@@ -4503,7 +4504,7 @@
           <a:p>
             <a:fld id="{E31E1A05-B3B6-6F43-8051-B5A825C5C2A3}" type="slidenum">
               <a:rPr lang="en-US" smtClean="0"/>
-              <a:t>4</a:t>
+              <a:t>5</a:t>
             </a:fld>
             <a:endParaRPr lang="en-US"/>
           </a:p>
@@ -4587,7 +4588,7 @@
           <a:p>
             <a:fld id="{E31E1A05-B3B6-6F43-8051-B5A825C5C2A3}" type="slidenum">
               <a:rPr lang="en-US" smtClean="0"/>
-              <a:t>6</a:t>
+              <a:t>7</a:t>
             </a:fld>
             <a:endParaRPr lang="en-US"/>
           </a:p>
@@ -4671,7 +4672,7 @@
           <a:p>
             <a:fld id="{E31E1A05-B3B6-6F43-8051-B5A825C5C2A3}" type="slidenum">
               <a:rPr lang="en-US" smtClean="0"/>
-              <a:t>7</a:t>
+              <a:t>8</a:t>
             </a:fld>
             <a:endParaRPr lang="en-US"/>
           </a:p>
@@ -4772,7 +4773,7 @@
           <a:p>
             <a:fld id="{0A2C3B37-55FA-284F-9E83-751B4EA6E9B4}" type="slidenum">
               <a:rPr lang="en-US" smtClean="0"/>
-              <a:t>18</a:t>
+              <a:t>19</a:t>
             </a:fld>
             <a:endParaRPr lang="en-US"/>
           </a:p>
@@ -4873,7 +4874,7 @@
           <a:p>
             <a:fld id="{0A2C3B37-55FA-284F-9E83-751B4EA6E9B4}" type="slidenum">
               <a:rPr lang="en-US" smtClean="0"/>
-              <a:t>19</a:t>
+              <a:t>20</a:t>
             </a:fld>
             <a:endParaRPr lang="en-US"/>
           </a:p>
@@ -4961,7 +4962,7 @@
           <a:p>
             <a:fld id="{0A2C3B37-55FA-284F-9E83-751B4EA6E9B4}" type="slidenum">
               <a:rPr lang="en-US" smtClean="0"/>
-              <a:t>20</a:t>
+              <a:t>21</a:t>
             </a:fld>
             <a:endParaRPr lang="en-US"/>
           </a:p>
@@ -5045,7 +5046,7 @@
           <a:p>
             <a:fld id="{0A2C3B37-55FA-284F-9E83-751B4EA6E9B4}" type="slidenum">
               <a:rPr lang="en-US" smtClean="0"/>
-              <a:t>21</a:t>
+              <a:t>22</a:t>
             </a:fld>
             <a:endParaRPr lang="en-US"/>
           </a:p>
@@ -5129,7 +5130,7 @@
           <a:p>
             <a:fld id="{0A2C3B37-55FA-284F-9E83-751B4EA6E9B4}" type="slidenum">
               <a:rPr lang="en-US" smtClean="0"/>
-              <a:t>22</a:t>
+              <a:t>23</a:t>
             </a:fld>
             <a:endParaRPr lang="en-US"/>
           </a:p>
@@ -5332,7 +5333,7 @@
             <a:fld id="{DBE77699-C466-4996-ADED-71C8160E04A2}" type="datetimeFigureOut">
               <a:rPr lang="en-US" smtClean="0"/>
               <a:pPr/>
-              <a:t>8/26/20</a:t>
+              <a:t>10/22/20</a:t>
             </a:fld>
             <a:endParaRPr lang="en-US"/>
           </a:p>
@@ -5497,7 +5498,7 @@
             <a:fld id="{DBE77699-C466-4996-ADED-71C8160E04A2}" type="datetimeFigureOut">
               <a:rPr lang="en-US" smtClean="0"/>
               <a:pPr/>
-              <a:t>8/26/20</a:t>
+              <a:t>10/22/20</a:t>
             </a:fld>
             <a:endParaRPr lang="en-US"/>
           </a:p>
@@ -5672,7 +5673,7 @@
             <a:fld id="{DBE77699-C466-4996-ADED-71C8160E04A2}" type="datetimeFigureOut">
               <a:rPr lang="en-US" smtClean="0"/>
               <a:pPr/>
-              <a:t>8/26/20</a:t>
+              <a:t>10/22/20</a:t>
             </a:fld>
             <a:endParaRPr lang="en-US"/>
           </a:p>
@@ -5851,7 +5852,7 @@
             <a:fld id="{DBE77699-C466-4996-ADED-71C8160E04A2}" type="datetimeFigureOut">
               <a:rPr lang="en-US" smtClean="0"/>
               <a:pPr/>
-              <a:t>8/26/20</a:t>
+              <a:t>10/22/20</a:t>
             </a:fld>
             <a:endParaRPr lang="en-US"/>
           </a:p>
@@ -6014,7 +6015,7 @@
             <a:fld id="{DBE77699-C466-4996-ADED-71C8160E04A2}" type="datetimeFigureOut">
               <a:rPr lang="en-US" smtClean="0"/>
               <a:pPr/>
-              <a:t>8/26/20</a:t>
+              <a:t>10/22/20</a:t>
             </a:fld>
             <a:endParaRPr lang="en-US"/>
           </a:p>
@@ -6422,7 +6423,7 @@
             <a:fld id="{DBE77699-C466-4996-ADED-71C8160E04A2}" type="datetimeFigureOut">
               <a:rPr lang="en-US" smtClean="0"/>
               <a:pPr/>
-              <a:t>8/26/20</a:t>
+              <a:t>10/22/20</a:t>
             </a:fld>
             <a:endParaRPr lang="en-US"/>
           </a:p>
@@ -6664,7 +6665,7 @@
             <a:fld id="{DBE77699-C466-4996-ADED-71C8160E04A2}" type="datetimeFigureOut">
               <a:rPr lang="en-US" smtClean="0"/>
               <a:pPr/>
-              <a:t>8/26/20</a:t>
+              <a:t>10/22/20</a:t>
             </a:fld>
             <a:endParaRPr lang="en-US"/>
           </a:p>
@@ -6946,7 +6947,7 @@
             <a:fld id="{DBE77699-C466-4996-ADED-71C8160E04A2}" type="datetimeFigureOut">
               <a:rPr lang="en-US" smtClean="0"/>
               <a:pPr/>
-              <a:t>8/26/20</a:t>
+              <a:t>10/22/20</a:t>
             </a:fld>
             <a:endParaRPr lang="en-US"/>
           </a:p>
@@ -7362,7 +7363,7 @@
             <a:fld id="{DBE77699-C466-4996-ADED-71C8160E04A2}" type="datetimeFigureOut">
               <a:rPr lang="en-US" smtClean="0"/>
               <a:pPr/>
-              <a:t>8/26/20</a:t>
+              <a:t>10/22/20</a:t>
             </a:fld>
             <a:endParaRPr lang="en-US"/>
           </a:p>
@@ -7476,7 +7477,7 @@
             <a:fld id="{DBE77699-C466-4996-ADED-71C8160E04A2}" type="datetimeFigureOut">
               <a:rPr lang="en-US" smtClean="0"/>
               <a:pPr/>
-              <a:t>8/26/20</a:t>
+              <a:t>10/22/20</a:t>
             </a:fld>
             <a:endParaRPr lang="en-US"/>
           </a:p>
@@ -7568,7 +7569,7 @@
             <a:fld id="{DBE77699-C466-4996-ADED-71C8160E04A2}" type="datetimeFigureOut">
               <a:rPr lang="en-US" smtClean="0"/>
               <a:pPr/>
-              <a:t>8/26/20</a:t>
+              <a:t>10/22/20</a:t>
             </a:fld>
             <a:endParaRPr lang="en-US"/>
           </a:p>
@@ -7840,7 +7841,7 @@
             <a:fld id="{DBE77699-C466-4996-ADED-71C8160E04A2}" type="datetimeFigureOut">
               <a:rPr lang="en-US" smtClean="0"/>
               <a:pPr/>
-              <a:t>8/26/20</a:t>
+              <a:t>10/22/20</a:t>
             </a:fld>
             <a:endParaRPr lang="en-US"/>
           </a:p>
@@ -8089,7 +8090,7 @@
             <a:fld id="{DBE77699-C466-4996-ADED-71C8160E04A2}" type="datetimeFigureOut">
               <a:rPr lang="en-US" smtClean="0"/>
               <a:pPr/>
-              <a:t>8/26/20</a:t>
+              <a:t>10/22/20</a:t>
             </a:fld>
             <a:endParaRPr lang="en-US"/>
           </a:p>
@@ -8300,7 +8301,7 @@
             <a:fld id="{DBE77699-C466-4996-ADED-71C8160E04A2}" type="datetimeFigureOut">
               <a:rPr lang="en-US" smtClean="0"/>
               <a:pPr/>
-              <a:t>8/26/20</a:t>
+              <a:t>10/22/20</a:t>
             </a:fld>
             <a:endParaRPr lang="en-US"/>
           </a:p>
@@ -9536,6 +9537,619 @@
           <p:nvPr>
             <p:extLst>
               <p:ext uri="{D42A27DB-BD31-4B8C-83A1-F6EECF244321}">
+                <p14:modId xmlns:p14="http://schemas.microsoft.com/office/powerpoint/2010/main" val="2154142296"/>
+              </p:ext>
+            </p:extLst>
+          </p:nvPr>
+        </p:nvGraphicFramePr>
+        <p:xfrm>
+          <a:off x="381000" y="441960"/>
+          <a:ext cx="8229600" cy="5882640"/>
+        </p:xfrm>
+        <a:graphic>
+          <a:graphicData uri="http://schemas.openxmlformats.org/drawingml/2006/table">
+            <a:tbl>
+              <a:tblPr firstRow="1" bandRow="1">
+                <a:tableStyleId>{2D5ABB26-0587-4C30-8999-92F81FD0307C}</a:tableStyleId>
+              </a:tblPr>
+              <a:tblGrid>
+                <a:gridCol w="1752600">
+                  <a:extLst>
+                    <a:ext uri="{9D8B030D-6E8A-4147-A177-3AD203B41FA5}">
+                      <a16:colId xmlns:a16="http://schemas.microsoft.com/office/drawing/2014/main" val="3623029985"/>
+                    </a:ext>
+                  </a:extLst>
+                </a:gridCol>
+                <a:gridCol w="6477000">
+                  <a:extLst>
+                    <a:ext uri="{9D8B030D-6E8A-4147-A177-3AD203B41FA5}">
+                      <a16:colId xmlns:a16="http://schemas.microsoft.com/office/drawing/2014/main" val="4294323797"/>
+                    </a:ext>
+                  </a:extLst>
+                </a:gridCol>
+              </a:tblGrid>
+              <a:tr h="562738">
+                <a:tc>
+                  <a:txBody>
+                    <a:bodyPr/>
+                    <a:lstStyle/>
+                    <a:p>
+                      <a:pPr algn="r" rtl="0" fontAlgn="t">
+                        <a:spcBef>
+                          <a:spcPts val="0"/>
+                        </a:spcBef>
+                        <a:spcAft>
+                          <a:spcPts val="0"/>
+                        </a:spcAft>
+                      </a:pPr>
+                      <a:r>
+                        <a:rPr lang="en-US" sz="2400" b="1" i="0" u="none" strike="noStrike" dirty="0">
+                          <a:solidFill>
+                            <a:srgbClr val="009EC0"/>
+                          </a:solidFill>
+                          <a:effectLst/>
+                          <a:latin typeface="Arial" panose="020B0604020202020204" pitchFamily="34" charset="0"/>
+                        </a:rPr>
+                        <a:t>Noah</a:t>
+                      </a:r>
+                      <a:endParaRPr lang="en-US" sz="2400" b="1" dirty="0">
+                        <a:solidFill>
+                          <a:srgbClr val="009EC0"/>
+                        </a:solidFill>
+                        <a:effectLst/>
+                      </a:endParaRPr>
+                    </a:p>
+                  </a:txBody>
+                  <a:tcPr marL="63500" marR="63500" marT="63500" marB="63500"/>
+                </a:tc>
+                <a:tc>
+                  <a:txBody>
+                    <a:bodyPr/>
+                    <a:lstStyle/>
+                    <a:p>
+                      <a:pPr rtl="0" fontAlgn="t">
+                        <a:spcBef>
+                          <a:spcPts val="0"/>
+                        </a:spcBef>
+                        <a:spcAft>
+                          <a:spcPts val="0"/>
+                        </a:spcAft>
+                      </a:pPr>
+                      <a:r>
+                        <a:rPr lang="en-US" sz="2400" b="0" i="0" u="none" strike="noStrike">
+                          <a:solidFill>
+                            <a:schemeClr val="tx1"/>
+                          </a:solidFill>
+                          <a:effectLst/>
+                          <a:latin typeface="Arial" panose="020B0604020202020204" pitchFamily="34" charset="0"/>
+                        </a:rPr>
+                        <a:t>Built an ark for a future flood</a:t>
+                      </a:r>
+                      <a:endParaRPr lang="en-US" sz="2400">
+                        <a:solidFill>
+                          <a:schemeClr val="tx1"/>
+                        </a:solidFill>
+                        <a:effectLst/>
+                      </a:endParaRPr>
+                    </a:p>
+                  </a:txBody>
+                  <a:tcPr marL="63500" marR="63500" marT="63500" marB="63500"/>
+                </a:tc>
+                <a:extLst>
+                  <a:ext uri="{0D108BD9-81ED-4DB2-BD59-A6C34878D82A}">
+                    <a16:rowId xmlns:a16="http://schemas.microsoft.com/office/drawing/2014/main" val="3592000535"/>
+                  </a:ext>
+                </a:extLst>
+              </a:tr>
+              <a:tr h="980440">
+                <a:tc>
+                  <a:txBody>
+                    <a:bodyPr/>
+                    <a:lstStyle/>
+                    <a:p>
+                      <a:pPr algn="r" rtl="0" fontAlgn="t">
+                        <a:spcBef>
+                          <a:spcPts val="0"/>
+                        </a:spcBef>
+                        <a:spcAft>
+                          <a:spcPts val="0"/>
+                        </a:spcAft>
+                      </a:pPr>
+                      <a:r>
+                        <a:rPr lang="en-US" sz="2400" b="1" i="0" u="none" strike="noStrike" dirty="0">
+                          <a:solidFill>
+                            <a:srgbClr val="009EC0"/>
+                          </a:solidFill>
+                          <a:effectLst/>
+                          <a:latin typeface="Arial" panose="020B0604020202020204" pitchFamily="34" charset="0"/>
+                        </a:rPr>
+                        <a:t>Abraham</a:t>
+                      </a:r>
+                      <a:endParaRPr lang="en-US" sz="2400" b="1" dirty="0">
+                        <a:solidFill>
+                          <a:srgbClr val="009EC0"/>
+                        </a:solidFill>
+                        <a:effectLst/>
+                      </a:endParaRPr>
+                    </a:p>
+                  </a:txBody>
+                  <a:tcPr marL="63500" marR="63500" marT="63500" marB="63500"/>
+                </a:tc>
+                <a:tc>
+                  <a:txBody>
+                    <a:bodyPr/>
+                    <a:lstStyle/>
+                    <a:p>
+                      <a:pPr rtl="0" fontAlgn="t">
+                        <a:spcBef>
+                          <a:spcPts val="0"/>
+                        </a:spcBef>
+                        <a:spcAft>
+                          <a:spcPts val="0"/>
+                        </a:spcAft>
+                      </a:pPr>
+                      <a:r>
+                        <a:rPr lang="en-US" sz="2400" b="0" i="0" u="none" strike="noStrike" dirty="0">
+                          <a:solidFill>
+                            <a:schemeClr val="tx1"/>
+                          </a:solidFill>
+                          <a:effectLst/>
+                          <a:latin typeface="Arial" panose="020B0604020202020204" pitchFamily="34" charset="0"/>
+                        </a:rPr>
+                        <a:t>Left his homeland to a location he didn’t even know yet</a:t>
+                      </a:r>
+                      <a:endParaRPr lang="en-US" sz="2400" dirty="0">
+                        <a:solidFill>
+                          <a:schemeClr val="tx1"/>
+                        </a:solidFill>
+                        <a:effectLst/>
+                      </a:endParaRPr>
+                    </a:p>
+                  </a:txBody>
+                  <a:tcPr marL="63500" marR="63500" marT="63500" marB="63500"/>
+                </a:tc>
+                <a:extLst>
+                  <a:ext uri="{0D108BD9-81ED-4DB2-BD59-A6C34878D82A}">
+                    <a16:rowId xmlns:a16="http://schemas.microsoft.com/office/drawing/2014/main" val="2330484482"/>
+                  </a:ext>
+                </a:extLst>
+              </a:tr>
+              <a:tr h="980440">
+                <a:tc>
+                  <a:txBody>
+                    <a:bodyPr/>
+                    <a:lstStyle/>
+                    <a:p>
+                      <a:pPr algn="r" rtl="0" fontAlgn="t">
+                        <a:spcBef>
+                          <a:spcPts val="0"/>
+                        </a:spcBef>
+                        <a:spcAft>
+                          <a:spcPts val="0"/>
+                        </a:spcAft>
+                      </a:pPr>
+                      <a:r>
+                        <a:rPr lang="en-US" sz="2400" b="1" i="0" u="none" strike="noStrike" dirty="0">
+                          <a:solidFill>
+                            <a:srgbClr val="009EC0"/>
+                          </a:solidFill>
+                          <a:effectLst/>
+                          <a:latin typeface="Arial" panose="020B0604020202020204" pitchFamily="34" charset="0"/>
+                        </a:rPr>
+                        <a:t>Sarah</a:t>
+                      </a:r>
+                      <a:endParaRPr lang="en-US" sz="2400" b="1" dirty="0">
+                        <a:solidFill>
+                          <a:srgbClr val="009EC0"/>
+                        </a:solidFill>
+                        <a:effectLst/>
+                      </a:endParaRPr>
+                    </a:p>
+                  </a:txBody>
+                  <a:tcPr marL="63500" marR="63500" marT="63500" marB="63500"/>
+                </a:tc>
+                <a:tc>
+                  <a:txBody>
+                    <a:bodyPr/>
+                    <a:lstStyle/>
+                    <a:p>
+                      <a:pPr rtl="0" fontAlgn="t">
+                        <a:spcBef>
+                          <a:spcPts val="0"/>
+                        </a:spcBef>
+                        <a:spcAft>
+                          <a:spcPts val="0"/>
+                        </a:spcAft>
+                      </a:pPr>
+                      <a:r>
+                        <a:rPr lang="en-US" sz="2400" b="0" i="0" u="none" strike="noStrike" dirty="0">
+                          <a:solidFill>
+                            <a:schemeClr val="tx1"/>
+                          </a:solidFill>
+                          <a:effectLst/>
+                          <a:latin typeface="Arial" panose="020B0604020202020204" pitchFamily="34" charset="0"/>
+                        </a:rPr>
+                        <a:t>Believed the promise of a child (though she was old and barren)</a:t>
+                      </a:r>
+                      <a:endParaRPr lang="en-US" sz="2400" dirty="0">
+                        <a:solidFill>
+                          <a:schemeClr val="tx1"/>
+                        </a:solidFill>
+                        <a:effectLst/>
+                      </a:endParaRPr>
+                    </a:p>
+                  </a:txBody>
+                  <a:tcPr marL="63500" marR="63500" marT="63500" marB="63500"/>
+                </a:tc>
+                <a:extLst>
+                  <a:ext uri="{0D108BD9-81ED-4DB2-BD59-A6C34878D82A}">
+                    <a16:rowId xmlns:a16="http://schemas.microsoft.com/office/drawing/2014/main" val="1564031315"/>
+                  </a:ext>
+                </a:extLst>
+              </a:tr>
+              <a:tr h="980440">
+                <a:tc>
+                  <a:txBody>
+                    <a:bodyPr/>
+                    <a:lstStyle/>
+                    <a:p>
+                      <a:pPr algn="r" rtl="0" fontAlgn="t">
+                        <a:spcBef>
+                          <a:spcPts val="0"/>
+                        </a:spcBef>
+                        <a:spcAft>
+                          <a:spcPts val="0"/>
+                        </a:spcAft>
+                      </a:pPr>
+                      <a:r>
+                        <a:rPr lang="en-US" sz="2400" b="1" i="0" u="none" strike="noStrike" dirty="0">
+                          <a:solidFill>
+                            <a:srgbClr val="009EC0"/>
+                          </a:solidFill>
+                          <a:effectLst/>
+                          <a:latin typeface="Arial" panose="020B0604020202020204" pitchFamily="34" charset="0"/>
+                        </a:rPr>
+                        <a:t>Joseph</a:t>
+                      </a:r>
+                      <a:endParaRPr lang="en-US" sz="2400" b="1" dirty="0">
+                        <a:solidFill>
+                          <a:srgbClr val="009EC0"/>
+                        </a:solidFill>
+                        <a:effectLst/>
+                      </a:endParaRPr>
+                    </a:p>
+                  </a:txBody>
+                  <a:tcPr marL="63500" marR="63500" marT="63500" marB="63500"/>
+                </a:tc>
+                <a:tc>
+                  <a:txBody>
+                    <a:bodyPr/>
+                    <a:lstStyle/>
+                    <a:p>
+                      <a:pPr rtl="0" fontAlgn="t">
+                        <a:spcBef>
+                          <a:spcPts val="0"/>
+                        </a:spcBef>
+                        <a:spcAft>
+                          <a:spcPts val="0"/>
+                        </a:spcAft>
+                      </a:pPr>
+                      <a:r>
+                        <a:rPr lang="en-US" sz="2400" b="0" i="0" u="none" strike="noStrike" dirty="0">
+                          <a:solidFill>
+                            <a:schemeClr val="tx1"/>
+                          </a:solidFill>
+                          <a:effectLst/>
+                          <a:latin typeface="Arial" panose="020B0604020202020204" pitchFamily="34" charset="0"/>
+                        </a:rPr>
+                        <a:t>Spoke about the exodus of the Israelites and gave instructions about his bones</a:t>
+                      </a:r>
+                      <a:endParaRPr lang="en-US" sz="2400" dirty="0">
+                        <a:solidFill>
+                          <a:schemeClr val="tx1"/>
+                        </a:solidFill>
+                        <a:effectLst/>
+                      </a:endParaRPr>
+                    </a:p>
+                  </a:txBody>
+                  <a:tcPr marL="63500" marR="63500" marT="63500" marB="63500"/>
+                </a:tc>
+                <a:extLst>
+                  <a:ext uri="{0D108BD9-81ED-4DB2-BD59-A6C34878D82A}">
+                    <a16:rowId xmlns:a16="http://schemas.microsoft.com/office/drawing/2014/main" val="3045623234"/>
+                  </a:ext>
+                </a:extLst>
+              </a:tr>
+              <a:tr h="1398142">
+                <a:tc>
+                  <a:txBody>
+                    <a:bodyPr/>
+                    <a:lstStyle/>
+                    <a:p>
+                      <a:pPr algn="r" rtl="0" fontAlgn="t">
+                        <a:spcBef>
+                          <a:spcPts val="0"/>
+                        </a:spcBef>
+                        <a:spcAft>
+                          <a:spcPts val="0"/>
+                        </a:spcAft>
+                      </a:pPr>
+                      <a:r>
+                        <a:rPr lang="en-US" sz="2400" b="1" i="0" u="none" strike="noStrike" dirty="0">
+                          <a:solidFill>
+                            <a:srgbClr val="009EC0"/>
+                          </a:solidFill>
+                          <a:effectLst/>
+                          <a:latin typeface="Arial" panose="020B0604020202020204" pitchFamily="34" charset="0"/>
+                        </a:rPr>
+                        <a:t>Moses</a:t>
+                      </a:r>
+                      <a:endParaRPr lang="en-US" sz="2400" b="1" dirty="0">
+                        <a:solidFill>
+                          <a:srgbClr val="009EC0"/>
+                        </a:solidFill>
+                        <a:effectLst/>
+                      </a:endParaRPr>
+                    </a:p>
+                  </a:txBody>
+                  <a:tcPr marL="63500" marR="63500" marT="63500" marB="63500"/>
+                </a:tc>
+                <a:tc>
+                  <a:txBody>
+                    <a:bodyPr/>
+                    <a:lstStyle/>
+                    <a:p>
+                      <a:pPr rtl="0" fontAlgn="t">
+                        <a:spcBef>
+                          <a:spcPts val="0"/>
+                        </a:spcBef>
+                        <a:spcAft>
+                          <a:spcPts val="0"/>
+                        </a:spcAft>
+                      </a:pPr>
+                      <a:r>
+                        <a:rPr lang="en-US" sz="2400" b="0" i="0" u="none" strike="noStrike" dirty="0">
+                          <a:solidFill>
+                            <a:schemeClr val="tx1"/>
+                          </a:solidFill>
+                          <a:effectLst/>
+                          <a:latin typeface="Arial" panose="020B0604020202020204" pitchFamily="34" charset="0"/>
+                        </a:rPr>
+                        <a:t>“valued disgrace </a:t>
+                      </a:r>
+                      <a:r>
+                        <a:rPr lang="en-US" sz="2400" b="0" i="0" u="none" strike="noStrike" dirty="0">
+                          <a:solidFill>
+                            <a:schemeClr val="tx1"/>
+                          </a:solidFill>
+                          <a:effectLst/>
+                          <a:highlight>
+                            <a:srgbClr val="C00002"/>
+                          </a:highlight>
+                          <a:latin typeface="Arial" panose="020B0604020202020204" pitchFamily="34" charset="0"/>
+                        </a:rPr>
+                        <a:t> </a:t>
+                      </a:r>
+                      <a:r>
+                        <a:rPr lang="en-US" sz="2400" b="1" i="0" u="none" strike="noStrike" dirty="0">
+                          <a:solidFill>
+                            <a:schemeClr val="tx1"/>
+                          </a:solidFill>
+                          <a:effectLst/>
+                          <a:highlight>
+                            <a:srgbClr val="C00002"/>
+                          </a:highlight>
+                          <a:latin typeface="Arial" panose="020B0604020202020204" pitchFamily="34" charset="0"/>
+                        </a:rPr>
+                        <a:t>for Christ </a:t>
+                      </a:r>
+                      <a:r>
+                        <a:rPr lang="en-US" sz="2400" b="1" i="0" u="none" strike="noStrike" dirty="0">
+                          <a:solidFill>
+                            <a:schemeClr val="tx1"/>
+                          </a:solidFill>
+                          <a:effectLst/>
+                          <a:latin typeface="Arial" panose="020B0604020202020204" pitchFamily="34" charset="0"/>
+                        </a:rPr>
+                        <a:t> </a:t>
+                      </a:r>
+                      <a:r>
+                        <a:rPr lang="en-US" sz="2400" b="0" i="0" u="none" strike="noStrike" dirty="0">
+                          <a:solidFill>
+                            <a:schemeClr val="tx1"/>
+                          </a:solidFill>
+                          <a:effectLst/>
+                          <a:latin typeface="Arial" panose="020B0604020202020204" pitchFamily="34" charset="0"/>
+                        </a:rPr>
+                        <a:t>above the treasures of Egypt, for he was </a:t>
+                      </a:r>
+                      <a:r>
+                        <a:rPr lang="en-US" sz="2400" b="0" i="0" u="none" strike="noStrike" dirty="0">
+                          <a:solidFill>
+                            <a:schemeClr val="tx1"/>
+                          </a:solidFill>
+                          <a:effectLst/>
+                          <a:highlight>
+                            <a:srgbClr val="C00002"/>
+                          </a:highlight>
+                          <a:latin typeface="Arial" panose="020B0604020202020204" pitchFamily="34" charset="0"/>
+                        </a:rPr>
+                        <a:t> </a:t>
+                      </a:r>
+                      <a:r>
+                        <a:rPr lang="en-US" sz="2400" b="1" i="0" u="none" strike="noStrike" dirty="0">
+                          <a:solidFill>
+                            <a:schemeClr val="tx1"/>
+                          </a:solidFill>
+                          <a:effectLst/>
+                          <a:highlight>
+                            <a:srgbClr val="C00002"/>
+                          </a:highlight>
+                          <a:latin typeface="Arial" panose="020B0604020202020204" pitchFamily="34" charset="0"/>
+                        </a:rPr>
+                        <a:t>looking ahead</a:t>
+                      </a:r>
+                      <a:r>
+                        <a:rPr lang="en-US" sz="2400" b="0" i="0" u="none" strike="noStrike" dirty="0">
+                          <a:solidFill>
+                            <a:schemeClr val="tx1"/>
+                          </a:solidFill>
+                          <a:effectLst/>
+                          <a:highlight>
+                            <a:srgbClr val="C00002"/>
+                          </a:highlight>
+                          <a:latin typeface="Arial" panose="020B0604020202020204" pitchFamily="34" charset="0"/>
+                        </a:rPr>
+                        <a:t> </a:t>
+                      </a:r>
+                      <a:r>
+                        <a:rPr lang="en-US" sz="2400" b="0" i="0" u="none" strike="noStrike" dirty="0">
+                          <a:solidFill>
+                            <a:schemeClr val="tx1"/>
+                          </a:solidFill>
+                          <a:effectLst/>
+                          <a:latin typeface="Arial" panose="020B0604020202020204" pitchFamily="34" charset="0"/>
+                        </a:rPr>
+                        <a:t> to his reward”</a:t>
+                      </a:r>
+                      <a:endParaRPr lang="en-US" sz="2400" dirty="0">
+                        <a:solidFill>
+                          <a:schemeClr val="tx1"/>
+                        </a:solidFill>
+                        <a:effectLst/>
+                      </a:endParaRPr>
+                    </a:p>
+                  </a:txBody>
+                  <a:tcPr marL="63500" marR="63500" marT="63500" marB="63500"/>
+                </a:tc>
+                <a:extLst>
+                  <a:ext uri="{0D108BD9-81ED-4DB2-BD59-A6C34878D82A}">
+                    <a16:rowId xmlns:a16="http://schemas.microsoft.com/office/drawing/2014/main" val="1903344222"/>
+                  </a:ext>
+                </a:extLst>
+              </a:tr>
+              <a:tr h="980440">
+                <a:tc>
+                  <a:txBody>
+                    <a:bodyPr/>
+                    <a:lstStyle/>
+                    <a:p>
+                      <a:pPr algn="r" rtl="0" fontAlgn="t">
+                        <a:spcBef>
+                          <a:spcPts val="0"/>
+                        </a:spcBef>
+                        <a:spcAft>
+                          <a:spcPts val="0"/>
+                        </a:spcAft>
+                      </a:pPr>
+                      <a:r>
+                        <a:rPr lang="en-US" sz="2400" b="1" i="0" u="none" strike="noStrike" dirty="0">
+                          <a:solidFill>
+                            <a:srgbClr val="009EC0"/>
+                          </a:solidFill>
+                          <a:effectLst/>
+                          <a:latin typeface="Arial" panose="020B0604020202020204" pitchFamily="34" charset="0"/>
+                        </a:rPr>
+                        <a:t>Rahab</a:t>
+                      </a:r>
+                      <a:endParaRPr lang="en-US" sz="2400" b="1" dirty="0">
+                        <a:solidFill>
+                          <a:srgbClr val="009EC0"/>
+                        </a:solidFill>
+                        <a:effectLst/>
+                      </a:endParaRPr>
+                    </a:p>
+                  </a:txBody>
+                  <a:tcPr marL="63500" marR="63500" marT="63500" marB="63500"/>
+                </a:tc>
+                <a:tc>
+                  <a:txBody>
+                    <a:bodyPr/>
+                    <a:lstStyle/>
+                    <a:p>
+                      <a:pPr rtl="0" fontAlgn="t">
+                        <a:spcBef>
+                          <a:spcPts val="0"/>
+                        </a:spcBef>
+                        <a:spcAft>
+                          <a:spcPts val="0"/>
+                        </a:spcAft>
+                      </a:pPr>
+                      <a:r>
+                        <a:rPr lang="en-US" sz="2400" b="0" i="0" u="none" strike="noStrike" dirty="0">
+                          <a:solidFill>
+                            <a:schemeClr val="tx1"/>
+                          </a:solidFill>
+                          <a:effectLst/>
+                          <a:latin typeface="Arial" panose="020B0604020202020204" pitchFamily="34" charset="0"/>
+                        </a:rPr>
+                        <a:t>Welcomed the spies so that she could be later saved</a:t>
+                      </a:r>
+                      <a:endParaRPr lang="en-US" sz="2400" dirty="0">
+                        <a:solidFill>
+                          <a:schemeClr val="tx1"/>
+                        </a:solidFill>
+                        <a:effectLst/>
+                      </a:endParaRPr>
+                    </a:p>
+                  </a:txBody>
+                  <a:tcPr marL="63500" marR="63500" marT="63500" marB="63500"/>
+                </a:tc>
+                <a:extLst>
+                  <a:ext uri="{0D108BD9-81ED-4DB2-BD59-A6C34878D82A}">
+                    <a16:rowId xmlns:a16="http://schemas.microsoft.com/office/drawing/2014/main" val="270610797"/>
+                  </a:ext>
+                </a:extLst>
+              </a:tr>
+            </a:tbl>
+          </a:graphicData>
+        </a:graphic>
+      </p:graphicFrame>
+    </p:spTree>
+    <p:extLst>
+      <p:ext uri="{BB962C8B-B14F-4D97-AF65-F5344CB8AC3E}">
+        <p14:creationId xmlns:p14="http://schemas.microsoft.com/office/powerpoint/2010/main" val="3979849082"/>
+      </p:ext>
+    </p:extLst>
+  </p:cSld>
+  <p:clrMapOvr>
+    <a:masterClrMapping/>
+  </p:clrMapOvr>
+</p:sld>
+</file>
+
+<file path=ppt/slides/slide11.xml><?xml version="1.0" encoding="utf-8"?>
+<p:sld xmlns:a="http://schemas.openxmlformats.org/drawingml/2006/main" xmlns:r="http://schemas.openxmlformats.org/officeDocument/2006/relationships" xmlns:p="http://schemas.openxmlformats.org/presentationml/2006/main">
+  <p:cSld>
+    <p:spTree>
+      <p:nvGrpSpPr>
+        <p:cNvPr id="1" name=""/>
+        <p:cNvGrpSpPr/>
+        <p:nvPr/>
+      </p:nvGrpSpPr>
+      <p:grpSpPr>
+        <a:xfrm>
+          <a:off x="0" y="0"/>
+          <a:ext cx="0" cy="0"/>
+          <a:chOff x="0" y="0"/>
+          <a:chExt cx="0" cy="0"/>
+        </a:xfrm>
+      </p:grpSpPr>
+      <p:graphicFrame>
+        <p:nvGraphicFramePr>
+          <p:cNvPr id="5" name="Table 4">
+            <a:extLst>
+              <a:ext uri="{FF2B5EF4-FFF2-40B4-BE49-F238E27FC236}">
+                <a16:creationId xmlns:a16="http://schemas.microsoft.com/office/drawing/2014/main" id="{78E50748-036B-E142-AEF6-65352B0CB6E3}"/>
+              </a:ext>
+            </a:extLst>
+          </p:cNvPr>
+          <p:cNvGraphicFramePr>
+            <a:graphicFrameLocks noGrp="1"/>
+          </p:cNvGraphicFramePr>
+          <p:nvPr>
+            <p:extLst>
+              <p:ext uri="{D42A27DB-BD31-4B8C-83A1-F6EECF244321}">
                 <p14:modId xmlns:p14="http://schemas.microsoft.com/office/powerpoint/2010/main" val="116480599"/>
               </p:ext>
             </p:extLst>
@@ -10369,7 +10983,7 @@
 </p:sld>
 </file>
 
-<file path=ppt/slides/slide11.xml><?xml version="1.0" encoding="utf-8"?>
+<file path=ppt/slides/slide12.xml><?xml version="1.0" encoding="utf-8"?>
 <p:sld xmlns:a="http://schemas.openxmlformats.org/drawingml/2006/main" xmlns:r="http://schemas.openxmlformats.org/officeDocument/2006/relationships" xmlns:p="http://schemas.openxmlformats.org/presentationml/2006/main">
   <p:cSld>
     <p:spTree>
@@ -10484,7 +11098,7 @@
 </p:sld>
 </file>
 
-<file path=ppt/slides/slide12.xml><?xml version="1.0" encoding="utf-8"?>
+<file path=ppt/slides/slide13.xml><?xml version="1.0" encoding="utf-8"?>
 <p:sld xmlns:a="http://schemas.openxmlformats.org/drawingml/2006/main" xmlns:r="http://schemas.openxmlformats.org/officeDocument/2006/relationships" xmlns:p="http://schemas.openxmlformats.org/presentationml/2006/main">
   <p:cSld>
     <p:spTree>
@@ -10604,7 +11218,7 @@
 </p:sld>
 </file>
 
-<file path=ppt/slides/slide13.xml><?xml version="1.0" encoding="utf-8"?>
+<file path=ppt/slides/slide14.xml><?xml version="1.0" encoding="utf-8"?>
 <p:sld xmlns:a="http://schemas.openxmlformats.org/drawingml/2006/main" xmlns:r="http://schemas.openxmlformats.org/officeDocument/2006/relationships" xmlns:p="http://schemas.openxmlformats.org/presentationml/2006/main">
   <p:cSld>
     <p:spTree>
@@ -11145,7 +11759,7 @@
 </p:sld>
 </file>
 
-<file path=ppt/slides/slide14.xml><?xml version="1.0" encoding="utf-8"?>
+<file path=ppt/slides/slide15.xml><?xml version="1.0" encoding="utf-8"?>
 <p:sld xmlns:a="http://schemas.openxmlformats.org/drawingml/2006/main" xmlns:r="http://schemas.openxmlformats.org/officeDocument/2006/relationships" xmlns:p="http://schemas.openxmlformats.org/presentationml/2006/main">
   <p:cSld>
     <p:spTree>
@@ -12361,7 +12975,7 @@
 </p:sld>
 </file>
 
-<file path=ppt/slides/slide15.xml><?xml version="1.0" encoding="utf-8"?>
+<file path=ppt/slides/slide16.xml><?xml version="1.0" encoding="utf-8"?>
 <p:sld xmlns:a="http://schemas.openxmlformats.org/drawingml/2006/main" xmlns:r="http://schemas.openxmlformats.org/officeDocument/2006/relationships" xmlns:p="http://schemas.openxmlformats.org/presentationml/2006/main">
   <p:cSld>
     <p:spTree>
@@ -12481,7 +13095,7 @@
 </p:sld>
 </file>
 
-<file path=ppt/slides/slide16.xml><?xml version="1.0" encoding="utf-8"?>
+<file path=ppt/slides/slide17.xml><?xml version="1.0" encoding="utf-8"?>
 <p:sld xmlns:a="http://schemas.openxmlformats.org/drawingml/2006/main" xmlns:r="http://schemas.openxmlformats.org/officeDocument/2006/relationships" xmlns:p="http://schemas.openxmlformats.org/presentationml/2006/main">
   <p:cSld>
     <p:spTree>
@@ -12601,7 +13215,7 @@
 </p:sld>
 </file>
 
-<file path=ppt/slides/slide17.xml><?xml version="1.0" encoding="utf-8"?>
+<file path=ppt/slides/slide18.xml><?xml version="1.0" encoding="utf-8"?>
 <p:sld xmlns:a="http://schemas.openxmlformats.org/drawingml/2006/main" xmlns:r="http://schemas.openxmlformats.org/officeDocument/2006/relationships" xmlns:p="http://schemas.openxmlformats.org/presentationml/2006/main">
   <p:cSld>
     <p:spTree>
@@ -12716,7 +13330,7 @@
 </p:sld>
 </file>
 
-<file path=ppt/slides/slide18.xml><?xml version="1.0" encoding="utf-8"?>
+<file path=ppt/slides/slide19.xml><?xml version="1.0" encoding="utf-8"?>
 <p:sld xmlns:a="http://schemas.openxmlformats.org/drawingml/2006/main" xmlns:r="http://schemas.openxmlformats.org/officeDocument/2006/relationships" xmlns:p="http://schemas.openxmlformats.org/presentationml/2006/main">
   <p:cSld>
     <p:spTree>
@@ -13775,1089 +14389,6 @@
     <p:extLst>
       <p:ext uri="{BB962C8B-B14F-4D97-AF65-F5344CB8AC3E}">
         <p14:creationId xmlns:p14="http://schemas.microsoft.com/office/powerpoint/2010/main" val="1281610142"/>
-      </p:ext>
-    </p:extLst>
-  </p:cSld>
-  <p:clrMapOvr>
-    <a:masterClrMapping/>
-  </p:clrMapOvr>
-</p:sld>
-</file>
-
-<file path=ppt/slides/slide19.xml><?xml version="1.0" encoding="utf-8"?>
-<p:sld xmlns:a="http://schemas.openxmlformats.org/drawingml/2006/main" xmlns:r="http://schemas.openxmlformats.org/officeDocument/2006/relationships" xmlns:p="http://schemas.openxmlformats.org/presentationml/2006/main">
-  <p:cSld>
-    <p:spTree>
-      <p:nvGrpSpPr>
-        <p:cNvPr id="1" name=""/>
-        <p:cNvGrpSpPr/>
-        <p:nvPr/>
-      </p:nvGrpSpPr>
-      <p:grpSpPr>
-        <a:xfrm>
-          <a:off x="0" y="0"/>
-          <a:ext cx="0" cy="0"/>
-          <a:chOff x="0" y="0"/>
-          <a:chExt cx="0" cy="0"/>
-        </a:xfrm>
-      </p:grpSpPr>
-      <p:grpSp>
-        <p:nvGrpSpPr>
-          <p:cNvPr id="59" name="Group 58"/>
-          <p:cNvGrpSpPr/>
-          <p:nvPr/>
-        </p:nvGrpSpPr>
-        <p:grpSpPr>
-          <a:xfrm>
-            <a:off x="228600" y="5105400"/>
-            <a:ext cx="8610600" cy="1524000"/>
-            <a:chOff x="228600" y="1676400"/>
-            <a:chExt cx="8610600" cy="1524000"/>
-          </a:xfrm>
-        </p:grpSpPr>
-        <p:sp>
-          <p:nvSpPr>
-            <p:cNvPr id="60" name="Rounded Rectangle 59"/>
-            <p:cNvSpPr/>
-            <p:nvPr/>
-          </p:nvSpPr>
-          <p:spPr>
-            <a:xfrm>
-              <a:off x="228600" y="1676400"/>
-              <a:ext cx="8610600" cy="1524000"/>
-            </a:xfrm>
-            <a:prstGeom prst="roundRect">
-              <a:avLst/>
-            </a:prstGeom>
-            <a:solidFill>
-              <a:schemeClr val="tx1">
-                <a:alpha val="24000"/>
-              </a:schemeClr>
-            </a:solidFill>
-            <a:ln>
-              <a:noFill/>
-            </a:ln>
-          </p:spPr>
-          <p:style>
-            <a:lnRef idx="1">
-              <a:schemeClr val="accent1"/>
-            </a:lnRef>
-            <a:fillRef idx="3">
-              <a:schemeClr val="accent1"/>
-            </a:fillRef>
-            <a:effectRef idx="2">
-              <a:schemeClr val="accent1"/>
-            </a:effectRef>
-            <a:fontRef idx="minor">
-              <a:schemeClr val="lt1"/>
-            </a:fontRef>
-          </p:style>
-          <p:txBody>
-            <a:bodyPr rtlCol="0" anchor="ctr"/>
-            <a:lstStyle/>
-            <a:p>
-              <a:pPr algn="ctr"/>
-              <a:endParaRPr lang="en-US"/>
-            </a:p>
-          </p:txBody>
-        </p:sp>
-        <p:sp>
-          <p:nvSpPr>
-            <p:cNvPr id="61" name="TextBox 60"/>
-            <p:cNvSpPr txBox="1"/>
-            <p:nvPr/>
-          </p:nvSpPr>
-          <p:spPr>
-            <a:xfrm>
-              <a:off x="304800" y="2146012"/>
-              <a:ext cx="1752600" cy="584776"/>
-            </a:xfrm>
-            <a:prstGeom prst="rect">
-              <a:avLst/>
-            </a:prstGeom>
-            <a:noFill/>
-          </p:spPr>
-          <p:txBody>
-            <a:bodyPr wrap="square" rtlCol="0">
-              <a:spAutoFit/>
-            </a:bodyPr>
-            <a:lstStyle/>
-            <a:p>
-              <a:r>
-                <a:rPr lang="en-US" sz="3200" b="1" dirty="0">
-                  <a:solidFill>
-                    <a:srgbClr val="000000"/>
-                  </a:solidFill>
-                </a:rPr>
-                <a:t>Tertiary</a:t>
-              </a:r>
-              <a:endParaRPr lang="en-US" sz="2400" b="1" dirty="0">
-                <a:solidFill>
-                  <a:srgbClr val="000000"/>
-                </a:solidFill>
-              </a:endParaRPr>
-            </a:p>
-          </p:txBody>
-        </p:sp>
-      </p:grpSp>
-      <p:grpSp>
-        <p:nvGrpSpPr>
-          <p:cNvPr id="19" name="Group 18"/>
-          <p:cNvGrpSpPr/>
-          <p:nvPr/>
-        </p:nvGrpSpPr>
-        <p:grpSpPr>
-          <a:xfrm>
-            <a:off x="228600" y="3276600"/>
-            <a:ext cx="8610600" cy="1524000"/>
-            <a:chOff x="228600" y="1676400"/>
-            <a:chExt cx="8610600" cy="1524000"/>
-          </a:xfrm>
-        </p:grpSpPr>
-        <p:sp>
-          <p:nvSpPr>
-            <p:cNvPr id="20" name="Rounded Rectangle 19"/>
-            <p:cNvSpPr/>
-            <p:nvPr/>
-          </p:nvSpPr>
-          <p:spPr>
-            <a:xfrm>
-              <a:off x="228600" y="1676400"/>
-              <a:ext cx="8610600" cy="1524000"/>
-            </a:xfrm>
-            <a:prstGeom prst="roundRect">
-              <a:avLst/>
-            </a:prstGeom>
-            <a:solidFill>
-              <a:schemeClr val="tx1">
-                <a:alpha val="24000"/>
-              </a:schemeClr>
-            </a:solidFill>
-            <a:ln>
-              <a:noFill/>
-            </a:ln>
-          </p:spPr>
-          <p:style>
-            <a:lnRef idx="1">
-              <a:schemeClr val="accent1"/>
-            </a:lnRef>
-            <a:fillRef idx="3">
-              <a:schemeClr val="accent1"/>
-            </a:fillRef>
-            <a:effectRef idx="2">
-              <a:schemeClr val="accent1"/>
-            </a:effectRef>
-            <a:fontRef idx="minor">
-              <a:schemeClr val="lt1"/>
-            </a:fontRef>
-          </p:style>
-          <p:txBody>
-            <a:bodyPr rtlCol="0" anchor="ctr"/>
-            <a:lstStyle/>
-            <a:p>
-              <a:pPr algn="ctr"/>
-              <a:endParaRPr lang="en-US"/>
-            </a:p>
-          </p:txBody>
-        </p:sp>
-        <p:sp>
-          <p:nvSpPr>
-            <p:cNvPr id="21" name="TextBox 20"/>
-            <p:cNvSpPr txBox="1"/>
-            <p:nvPr/>
-          </p:nvSpPr>
-          <p:spPr>
-            <a:xfrm>
-              <a:off x="304800" y="2146012"/>
-              <a:ext cx="1981200" cy="584776"/>
-            </a:xfrm>
-            <a:prstGeom prst="rect">
-              <a:avLst/>
-            </a:prstGeom>
-            <a:noFill/>
-          </p:spPr>
-          <p:txBody>
-            <a:bodyPr wrap="square" rtlCol="0">
-              <a:spAutoFit/>
-            </a:bodyPr>
-            <a:lstStyle/>
-            <a:p>
-              <a:r>
-                <a:rPr lang="en-US" sz="3200" b="1" dirty="0">
-                  <a:solidFill>
-                    <a:srgbClr val="000000"/>
-                  </a:solidFill>
-                </a:rPr>
-                <a:t>Secondary</a:t>
-              </a:r>
-            </a:p>
-          </p:txBody>
-        </p:sp>
-      </p:grpSp>
-      <p:sp>
-        <p:nvSpPr>
-          <p:cNvPr id="6" name="TextBox 5"/>
-          <p:cNvSpPr txBox="1"/>
-          <p:nvPr/>
-        </p:nvSpPr>
-        <p:spPr>
-          <a:xfrm>
-            <a:off x="228600" y="152400"/>
-            <a:ext cx="8610600" cy="769441"/>
-          </a:xfrm>
-          <a:prstGeom prst="rect">
-            <a:avLst/>
-          </a:prstGeom>
-          <a:noFill/>
-        </p:spPr>
-        <p:txBody>
-          <a:bodyPr wrap="square" rtlCol="0">
-            <a:spAutoFit/>
-          </a:bodyPr>
-          <a:lstStyle/>
-          <a:p>
-            <a:r>
-              <a:rPr lang="en-US" sz="4400" b="1" dirty="0"/>
-              <a:t>Architecture</a:t>
-            </a:r>
-          </a:p>
-        </p:txBody>
-      </p:sp>
-      <p:sp>
-        <p:nvSpPr>
-          <p:cNvPr id="7" name="TextBox 6"/>
-          <p:cNvSpPr txBox="1"/>
-          <p:nvPr/>
-        </p:nvSpPr>
-        <p:spPr>
-          <a:xfrm>
-            <a:off x="228600" y="762000"/>
-            <a:ext cx="8610600" cy="461665"/>
-          </a:xfrm>
-          <a:prstGeom prst="rect">
-            <a:avLst/>
-          </a:prstGeom>
-          <a:noFill/>
-        </p:spPr>
-        <p:txBody>
-          <a:bodyPr wrap="square" rtlCol="0">
-            <a:spAutoFit/>
-          </a:bodyPr>
-          <a:lstStyle/>
-          <a:p>
-            <a:r>
-              <a:rPr lang="en-US" sz="2400" b="1" dirty="0">
-                <a:solidFill>
-                  <a:schemeClr val="bg1">
-                    <a:lumMod val="50000"/>
-                    <a:lumOff val="50000"/>
-                  </a:schemeClr>
-                </a:solidFill>
-              </a:rPr>
-              <a:t>This is the sub-title</a:t>
-            </a:r>
-          </a:p>
-        </p:txBody>
-      </p:sp>
-      <p:grpSp>
-        <p:nvGrpSpPr>
-          <p:cNvPr id="18" name="Group 17"/>
-          <p:cNvGrpSpPr/>
-          <p:nvPr/>
-        </p:nvGrpSpPr>
-        <p:grpSpPr>
-          <a:xfrm>
-            <a:off x="228600" y="1447800"/>
-            <a:ext cx="8610600" cy="1524000"/>
-            <a:chOff x="228600" y="1676400"/>
-            <a:chExt cx="8610600" cy="1524000"/>
-          </a:xfrm>
-        </p:grpSpPr>
-        <p:sp>
-          <p:nvSpPr>
-            <p:cNvPr id="9" name="Rounded Rectangle 8"/>
-            <p:cNvSpPr/>
-            <p:nvPr/>
-          </p:nvSpPr>
-          <p:spPr>
-            <a:xfrm>
-              <a:off x="228600" y="1676400"/>
-              <a:ext cx="8610600" cy="1524000"/>
-            </a:xfrm>
-            <a:prstGeom prst="roundRect">
-              <a:avLst/>
-            </a:prstGeom>
-            <a:solidFill>
-              <a:schemeClr val="tx1">
-                <a:alpha val="24000"/>
-              </a:schemeClr>
-            </a:solidFill>
-            <a:ln>
-              <a:noFill/>
-            </a:ln>
-          </p:spPr>
-          <p:style>
-            <a:lnRef idx="1">
-              <a:schemeClr val="accent1"/>
-            </a:lnRef>
-            <a:fillRef idx="3">
-              <a:schemeClr val="accent1"/>
-            </a:fillRef>
-            <a:effectRef idx="2">
-              <a:schemeClr val="accent1"/>
-            </a:effectRef>
-            <a:fontRef idx="minor">
-              <a:schemeClr val="lt1"/>
-            </a:fontRef>
-          </p:style>
-          <p:txBody>
-            <a:bodyPr rtlCol="0" anchor="ctr"/>
-            <a:lstStyle/>
-            <a:p>
-              <a:pPr algn="ctr"/>
-              <a:endParaRPr lang="en-US"/>
-            </a:p>
-          </p:txBody>
-        </p:sp>
-        <p:sp>
-          <p:nvSpPr>
-            <p:cNvPr id="10" name="TextBox 9"/>
-            <p:cNvSpPr txBox="1"/>
-            <p:nvPr/>
-          </p:nvSpPr>
-          <p:spPr>
-            <a:xfrm>
-              <a:off x="304800" y="2146012"/>
-              <a:ext cx="1526379" cy="584776"/>
-            </a:xfrm>
-            <a:prstGeom prst="rect">
-              <a:avLst/>
-            </a:prstGeom>
-            <a:noFill/>
-          </p:spPr>
-          <p:txBody>
-            <a:bodyPr wrap="none" rtlCol="0">
-              <a:spAutoFit/>
-            </a:bodyPr>
-            <a:lstStyle/>
-            <a:p>
-              <a:r>
-                <a:rPr lang="en-US" sz="3200" b="1" dirty="0">
-                  <a:solidFill>
-                    <a:schemeClr val="bg1"/>
-                  </a:solidFill>
-                </a:rPr>
-                <a:t>Primary</a:t>
-              </a:r>
-            </a:p>
-          </p:txBody>
-        </p:sp>
-      </p:grpSp>
-      <p:cxnSp>
-        <p:nvCxnSpPr>
-          <p:cNvPr id="4" name="Elbow Connector 3"/>
-          <p:cNvCxnSpPr>
-            <a:endCxn id="23" idx="2"/>
-          </p:cNvCxnSpPr>
-          <p:nvPr/>
-        </p:nvCxnSpPr>
-        <p:spPr>
-          <a:xfrm rot="5400000" flipH="1" flipV="1">
-            <a:off x="2590800" y="4953000"/>
-            <a:ext cx="914400" cy="12700"/>
-          </a:xfrm>
-          <a:prstGeom prst="bentConnector3">
-            <a:avLst>
-              <a:gd name="adj1" fmla="val -22097"/>
-            </a:avLst>
-          </a:prstGeom>
-          <a:ln>
-            <a:solidFill>
-              <a:schemeClr val="tx1"/>
-            </a:solidFill>
-            <a:tailEnd type="arrow"/>
-          </a:ln>
-          <a:effectLst/>
-        </p:spPr>
-        <p:style>
-          <a:lnRef idx="2">
-            <a:schemeClr val="accent1"/>
-          </a:lnRef>
-          <a:fillRef idx="0">
-            <a:schemeClr val="accent1"/>
-          </a:fillRef>
-          <a:effectRef idx="1">
-            <a:schemeClr val="accent1"/>
-          </a:effectRef>
-          <a:fontRef idx="minor">
-            <a:schemeClr val="tx1"/>
-          </a:fontRef>
-        </p:style>
-      </p:cxnSp>
-      <p:sp>
-        <p:nvSpPr>
-          <p:cNvPr id="17" name="Rounded Rectangle 16"/>
-          <p:cNvSpPr/>
-          <p:nvPr/>
-        </p:nvSpPr>
-        <p:spPr>
-          <a:xfrm>
-            <a:off x="2362200" y="5410200"/>
-            <a:ext cx="1371600" cy="914400"/>
-          </a:xfrm>
-          <a:prstGeom prst="roundRect">
-            <a:avLst/>
-          </a:prstGeom>
-          <a:solidFill>
-            <a:srgbClr val="009EC0"/>
-          </a:solidFill>
-          <a:ln>
-            <a:noFill/>
-          </a:ln>
-        </p:spPr>
-        <p:style>
-          <a:lnRef idx="1">
-            <a:schemeClr val="accent1"/>
-          </a:lnRef>
-          <a:fillRef idx="3">
-            <a:schemeClr val="accent1"/>
-          </a:fillRef>
-          <a:effectRef idx="2">
-            <a:schemeClr val="accent1"/>
-          </a:effectRef>
-          <a:fontRef idx="minor">
-            <a:schemeClr val="lt1"/>
-          </a:fontRef>
-        </p:style>
-        <p:txBody>
-          <a:bodyPr rtlCol="0" anchor="ctr"/>
-          <a:lstStyle/>
-          <a:p>
-            <a:pPr algn="ctr"/>
-            <a:r>
-              <a:rPr lang="en-US" b="1" dirty="0">
-                <a:solidFill>
-                  <a:schemeClr val="tx1"/>
-                </a:solidFill>
-              </a:rPr>
-              <a:t>Zeta</a:t>
-            </a:r>
-          </a:p>
-        </p:txBody>
-      </p:sp>
-      <p:cxnSp>
-        <p:nvCxnSpPr>
-          <p:cNvPr id="25" name="Elbow Connector 24"/>
-          <p:cNvCxnSpPr>
-            <a:stCxn id="23" idx="0"/>
-            <a:endCxn id="29" idx="2"/>
-          </p:cNvCxnSpPr>
-          <p:nvPr/>
-        </p:nvCxnSpPr>
-        <p:spPr>
-          <a:xfrm rot="5400000" flipH="1" flipV="1">
-            <a:off x="2590800" y="3124200"/>
-            <a:ext cx="914400" cy="12700"/>
-          </a:xfrm>
-          <a:prstGeom prst="bentConnector3">
-            <a:avLst>
-              <a:gd name="adj1" fmla="val -18917"/>
-            </a:avLst>
-          </a:prstGeom>
-          <a:ln>
-            <a:solidFill>
-              <a:schemeClr val="tx1"/>
-            </a:solidFill>
-            <a:tailEnd type="arrow"/>
-          </a:ln>
-          <a:effectLst/>
-        </p:spPr>
-        <p:style>
-          <a:lnRef idx="2">
-            <a:schemeClr val="accent1"/>
-          </a:lnRef>
-          <a:fillRef idx="0">
-            <a:schemeClr val="accent1"/>
-          </a:fillRef>
-          <a:effectRef idx="1">
-            <a:schemeClr val="accent1"/>
-          </a:effectRef>
-          <a:fontRef idx="minor">
-            <a:schemeClr val="tx1"/>
-          </a:fontRef>
-        </p:style>
-      </p:cxnSp>
-      <p:sp>
-        <p:nvSpPr>
-          <p:cNvPr id="23" name="Rounded Rectangle 22"/>
-          <p:cNvSpPr/>
-          <p:nvPr/>
-        </p:nvSpPr>
-        <p:spPr>
-          <a:xfrm>
-            <a:off x="2362200" y="3581400"/>
-            <a:ext cx="1371600" cy="914400"/>
-          </a:xfrm>
-          <a:prstGeom prst="roundRect">
-            <a:avLst/>
-          </a:prstGeom>
-          <a:solidFill>
-            <a:srgbClr val="009EC0"/>
-          </a:solidFill>
-          <a:ln>
-            <a:noFill/>
-          </a:ln>
-        </p:spPr>
-        <p:style>
-          <a:lnRef idx="1">
-            <a:schemeClr val="accent1"/>
-          </a:lnRef>
-          <a:fillRef idx="3">
-            <a:schemeClr val="accent1"/>
-          </a:fillRef>
-          <a:effectRef idx="2">
-            <a:schemeClr val="accent1"/>
-          </a:effectRef>
-          <a:fontRef idx="minor">
-            <a:schemeClr val="lt1"/>
-          </a:fontRef>
-        </p:style>
-        <p:txBody>
-          <a:bodyPr rtlCol="0" anchor="ctr"/>
-          <a:lstStyle/>
-          <a:p>
-            <a:pPr algn="ctr"/>
-            <a:r>
-              <a:rPr lang="en-US" b="1" dirty="0">
-                <a:solidFill>
-                  <a:schemeClr val="tx1"/>
-                </a:solidFill>
-              </a:rPr>
-              <a:t>Gamma</a:t>
-            </a:r>
-          </a:p>
-        </p:txBody>
-      </p:sp>
-      <p:cxnSp>
-        <p:nvCxnSpPr>
-          <p:cNvPr id="35" name="Elbow Connector 34"/>
-          <p:cNvCxnSpPr>
-            <a:stCxn id="29" idx="3"/>
-            <a:endCxn id="43" idx="1"/>
-          </p:cNvCxnSpPr>
-          <p:nvPr/>
-        </p:nvCxnSpPr>
-        <p:spPr>
-          <a:xfrm>
-            <a:off x="3733800" y="2209800"/>
-            <a:ext cx="990600" cy="12700"/>
-          </a:xfrm>
-          <a:prstGeom prst="bentConnector3">
-            <a:avLst>
-              <a:gd name="adj1" fmla="val -41990"/>
-            </a:avLst>
-          </a:prstGeom>
-          <a:ln>
-            <a:solidFill>
-              <a:schemeClr val="tx1"/>
-            </a:solidFill>
-            <a:tailEnd type="arrow"/>
-          </a:ln>
-          <a:effectLst/>
-        </p:spPr>
-        <p:style>
-          <a:lnRef idx="2">
-            <a:schemeClr val="accent1"/>
-          </a:lnRef>
-          <a:fillRef idx="0">
-            <a:schemeClr val="accent1"/>
-          </a:fillRef>
-          <a:effectRef idx="1">
-            <a:schemeClr val="accent1"/>
-          </a:effectRef>
-          <a:fontRef idx="minor">
-            <a:schemeClr val="tx1"/>
-          </a:fontRef>
-        </p:style>
-      </p:cxnSp>
-      <p:sp>
-        <p:nvSpPr>
-          <p:cNvPr id="29" name="Rounded Rectangle 28"/>
-          <p:cNvSpPr/>
-          <p:nvPr/>
-        </p:nvSpPr>
-        <p:spPr>
-          <a:xfrm>
-            <a:off x="2362200" y="1752600"/>
-            <a:ext cx="1371600" cy="914400"/>
-          </a:xfrm>
-          <a:prstGeom prst="roundRect">
-            <a:avLst/>
-          </a:prstGeom>
-          <a:solidFill>
-            <a:srgbClr val="009EC0"/>
-          </a:solidFill>
-          <a:ln>
-            <a:noFill/>
-          </a:ln>
-        </p:spPr>
-        <p:style>
-          <a:lnRef idx="1">
-            <a:schemeClr val="accent1"/>
-          </a:lnRef>
-          <a:fillRef idx="3">
-            <a:schemeClr val="accent1"/>
-          </a:fillRef>
-          <a:effectRef idx="2">
-            <a:schemeClr val="accent1"/>
-          </a:effectRef>
-          <a:fontRef idx="minor">
-            <a:schemeClr val="lt1"/>
-          </a:fontRef>
-        </p:style>
-        <p:txBody>
-          <a:bodyPr rtlCol="0" anchor="ctr"/>
-          <a:lstStyle/>
-          <a:p>
-            <a:pPr algn="ctr"/>
-            <a:r>
-              <a:rPr lang="en-US" b="1" dirty="0">
-                <a:solidFill>
-                  <a:schemeClr val="tx1"/>
-                </a:solidFill>
-              </a:rPr>
-              <a:t>Alpha</a:t>
-            </a:r>
-          </a:p>
-        </p:txBody>
-      </p:sp>
-      <p:cxnSp>
-        <p:nvCxnSpPr>
-          <p:cNvPr id="55" name="Elbow Connector 54"/>
-          <p:cNvCxnSpPr>
-            <a:stCxn id="43" idx="2"/>
-            <a:endCxn id="16" idx="0"/>
-          </p:cNvCxnSpPr>
-          <p:nvPr/>
-        </p:nvCxnSpPr>
-        <p:spPr>
-          <a:xfrm rot="5400000">
-            <a:off x="4953000" y="3124200"/>
-            <a:ext cx="914400" cy="12700"/>
-          </a:xfrm>
-          <a:prstGeom prst="bentConnector3">
-            <a:avLst>
-              <a:gd name="adj1" fmla="val -13615"/>
-            </a:avLst>
-          </a:prstGeom>
-          <a:ln>
-            <a:solidFill>
-              <a:schemeClr val="tx1"/>
-            </a:solidFill>
-            <a:tailEnd type="arrow"/>
-          </a:ln>
-          <a:effectLst/>
-        </p:spPr>
-        <p:style>
-          <a:lnRef idx="2">
-            <a:schemeClr val="accent1"/>
-          </a:lnRef>
-          <a:fillRef idx="0">
-            <a:schemeClr val="accent1"/>
-          </a:fillRef>
-          <a:effectRef idx="1">
-            <a:schemeClr val="accent1"/>
-          </a:effectRef>
-          <a:fontRef idx="minor">
-            <a:schemeClr val="tx1"/>
-          </a:fontRef>
-        </p:style>
-      </p:cxnSp>
-      <p:sp>
-        <p:nvSpPr>
-          <p:cNvPr id="43" name="Rounded Rectangle 42"/>
-          <p:cNvSpPr/>
-          <p:nvPr/>
-        </p:nvSpPr>
-        <p:spPr>
-          <a:xfrm>
-            <a:off x="4724400" y="1752600"/>
-            <a:ext cx="1371600" cy="914400"/>
-          </a:xfrm>
-          <a:prstGeom prst="roundRect">
-            <a:avLst/>
-          </a:prstGeom>
-          <a:solidFill>
-            <a:srgbClr val="009EC0"/>
-          </a:solidFill>
-          <a:ln>
-            <a:noFill/>
-          </a:ln>
-        </p:spPr>
-        <p:style>
-          <a:lnRef idx="1">
-            <a:schemeClr val="accent1"/>
-          </a:lnRef>
-          <a:fillRef idx="3">
-            <a:schemeClr val="accent1"/>
-          </a:fillRef>
-          <a:effectRef idx="2">
-            <a:schemeClr val="accent1"/>
-          </a:effectRef>
-          <a:fontRef idx="minor">
-            <a:schemeClr val="lt1"/>
-          </a:fontRef>
-        </p:style>
-        <p:txBody>
-          <a:bodyPr rtlCol="0" anchor="ctr"/>
-          <a:lstStyle/>
-          <a:p>
-            <a:pPr algn="ctr"/>
-            <a:r>
-              <a:rPr lang="en-US" b="1" dirty="0">
-                <a:solidFill>
-                  <a:schemeClr val="tx1"/>
-                </a:solidFill>
-              </a:rPr>
-              <a:t>Beta</a:t>
-            </a:r>
-          </a:p>
-        </p:txBody>
-      </p:sp>
-      <p:cxnSp>
-        <p:nvCxnSpPr>
-          <p:cNvPr id="62" name="Elbow Connector 61"/>
-          <p:cNvCxnSpPr>
-            <a:stCxn id="43" idx="2"/>
-            <a:endCxn id="2" idx="0"/>
-          </p:cNvCxnSpPr>
-          <p:nvPr/>
-        </p:nvCxnSpPr>
-        <p:spPr>
-          <a:xfrm rot="16200000" flipH="1">
-            <a:off x="6134100" y="1943100"/>
-            <a:ext cx="914400" cy="2362200"/>
-          </a:xfrm>
-          <a:prstGeom prst="bentConnector3">
-            <a:avLst>
-              <a:gd name="adj1" fmla="val 50000"/>
-            </a:avLst>
-          </a:prstGeom>
-          <a:ln>
-            <a:solidFill>
-              <a:schemeClr val="tx1"/>
-            </a:solidFill>
-            <a:tailEnd type="arrow"/>
-          </a:ln>
-          <a:effectLst/>
-        </p:spPr>
-        <p:style>
-          <a:lnRef idx="2">
-            <a:schemeClr val="accent1"/>
-          </a:lnRef>
-          <a:fillRef idx="0">
-            <a:schemeClr val="accent1"/>
-          </a:fillRef>
-          <a:effectRef idx="1">
-            <a:schemeClr val="accent1"/>
-          </a:effectRef>
-          <a:fontRef idx="minor">
-            <a:schemeClr val="tx1"/>
-          </a:fontRef>
-        </p:style>
-      </p:cxnSp>
-      <p:sp>
-        <p:nvSpPr>
-          <p:cNvPr id="66" name="Rounded Rectangle 65"/>
-          <p:cNvSpPr/>
-          <p:nvPr/>
-        </p:nvSpPr>
-        <p:spPr>
-          <a:xfrm>
-            <a:off x="7086600" y="5410200"/>
-            <a:ext cx="1371600" cy="914400"/>
-          </a:xfrm>
-          <a:prstGeom prst="roundRect">
-            <a:avLst/>
-          </a:prstGeom>
-          <a:solidFill>
-            <a:srgbClr val="CA5C0E"/>
-          </a:solidFill>
-          <a:ln>
-            <a:noFill/>
-          </a:ln>
-        </p:spPr>
-        <p:style>
-          <a:lnRef idx="1">
-            <a:schemeClr val="accent1"/>
-          </a:lnRef>
-          <a:fillRef idx="3">
-            <a:schemeClr val="accent1"/>
-          </a:fillRef>
-          <a:effectRef idx="2">
-            <a:schemeClr val="accent1"/>
-          </a:effectRef>
-          <a:fontRef idx="minor">
-            <a:schemeClr val="lt1"/>
-          </a:fontRef>
-        </p:style>
-        <p:txBody>
-          <a:bodyPr rtlCol="0" anchor="ctr"/>
-          <a:lstStyle/>
-          <a:p>
-            <a:pPr algn="ctr"/>
-            <a:r>
-              <a:rPr lang="en-US" b="1" dirty="0">
-                <a:solidFill>
-                  <a:schemeClr val="tx1"/>
-                </a:solidFill>
-              </a:rPr>
-              <a:t>Theta</a:t>
-            </a:r>
-          </a:p>
-        </p:txBody>
-      </p:sp>
-      <p:sp>
-        <p:nvSpPr>
-          <p:cNvPr id="67" name="Rounded Rectangle 66"/>
-          <p:cNvSpPr/>
-          <p:nvPr/>
-        </p:nvSpPr>
-        <p:spPr>
-          <a:xfrm>
-            <a:off x="4724400" y="5410200"/>
-            <a:ext cx="1371600" cy="914400"/>
-          </a:xfrm>
-          <a:prstGeom prst="roundRect">
-            <a:avLst/>
-          </a:prstGeom>
-          <a:solidFill>
-            <a:srgbClr val="CA5C0E"/>
-          </a:solidFill>
-          <a:ln>
-            <a:noFill/>
-          </a:ln>
-        </p:spPr>
-        <p:style>
-          <a:lnRef idx="1">
-            <a:schemeClr val="accent1"/>
-          </a:lnRef>
-          <a:fillRef idx="3">
-            <a:schemeClr val="accent1"/>
-          </a:fillRef>
-          <a:effectRef idx="2">
-            <a:schemeClr val="accent1"/>
-          </a:effectRef>
-          <a:fontRef idx="minor">
-            <a:schemeClr val="lt1"/>
-          </a:fontRef>
-        </p:style>
-        <p:txBody>
-          <a:bodyPr rtlCol="0" anchor="ctr"/>
-          <a:lstStyle/>
-          <a:p>
-            <a:pPr algn="ctr"/>
-            <a:r>
-              <a:rPr lang="en-US" b="1" dirty="0">
-                <a:solidFill>
-                  <a:schemeClr val="tx1"/>
-                </a:solidFill>
-              </a:rPr>
-              <a:t>Eta</a:t>
-            </a:r>
-          </a:p>
-        </p:txBody>
-      </p:sp>
-      <p:cxnSp>
-        <p:nvCxnSpPr>
-          <p:cNvPr id="68" name="Elbow Connector 67"/>
-          <p:cNvCxnSpPr>
-            <a:stCxn id="16" idx="2"/>
-            <a:endCxn id="67" idx="0"/>
-          </p:cNvCxnSpPr>
-          <p:nvPr/>
-        </p:nvCxnSpPr>
-        <p:spPr>
-          <a:xfrm rot="5400000">
-            <a:off x="4953000" y="4953000"/>
-            <a:ext cx="914400" cy="12700"/>
-          </a:xfrm>
-          <a:prstGeom prst="bentConnector3">
-            <a:avLst>
-              <a:gd name="adj1" fmla="val -44363"/>
-            </a:avLst>
-          </a:prstGeom>
-          <a:ln>
-            <a:solidFill>
-              <a:schemeClr val="tx1"/>
-            </a:solidFill>
-            <a:tailEnd type="arrow"/>
-          </a:ln>
-          <a:effectLst/>
-        </p:spPr>
-        <p:style>
-          <a:lnRef idx="2">
-            <a:schemeClr val="accent1"/>
-          </a:lnRef>
-          <a:fillRef idx="0">
-            <a:schemeClr val="accent1"/>
-          </a:fillRef>
-          <a:effectRef idx="1">
-            <a:schemeClr val="accent1"/>
-          </a:effectRef>
-          <a:fontRef idx="minor">
-            <a:schemeClr val="tx1"/>
-          </a:fontRef>
-        </p:style>
-      </p:cxnSp>
-      <p:sp>
-        <p:nvSpPr>
-          <p:cNvPr id="16" name="Rounded Rectangle 15"/>
-          <p:cNvSpPr/>
-          <p:nvPr/>
-        </p:nvSpPr>
-        <p:spPr>
-          <a:xfrm>
-            <a:off x="4724400" y="3581400"/>
-            <a:ext cx="1371600" cy="914400"/>
-          </a:xfrm>
-          <a:prstGeom prst="roundRect">
-            <a:avLst/>
-          </a:prstGeom>
-          <a:solidFill>
-            <a:srgbClr val="CA5C0E"/>
-          </a:solidFill>
-          <a:ln>
-            <a:noFill/>
-          </a:ln>
-        </p:spPr>
-        <p:style>
-          <a:lnRef idx="1">
-            <a:schemeClr val="accent1"/>
-          </a:lnRef>
-          <a:fillRef idx="3">
-            <a:schemeClr val="accent1"/>
-          </a:fillRef>
-          <a:effectRef idx="2">
-            <a:schemeClr val="accent1"/>
-          </a:effectRef>
-          <a:fontRef idx="minor">
-            <a:schemeClr val="lt1"/>
-          </a:fontRef>
-        </p:style>
-        <p:txBody>
-          <a:bodyPr rtlCol="0" anchor="ctr"/>
-          <a:lstStyle/>
-          <a:p>
-            <a:pPr algn="ctr"/>
-            <a:r>
-              <a:rPr lang="en-US" b="1" dirty="0">
-                <a:solidFill>
-                  <a:schemeClr val="tx1"/>
-                </a:solidFill>
-              </a:rPr>
-              <a:t>Delta</a:t>
-            </a:r>
-          </a:p>
-        </p:txBody>
-      </p:sp>
-      <p:cxnSp>
-        <p:nvCxnSpPr>
-          <p:cNvPr id="75" name="Elbow Connector 74"/>
-          <p:cNvCxnSpPr>
-            <a:stCxn id="2" idx="2"/>
-            <a:endCxn id="66" idx="0"/>
-          </p:cNvCxnSpPr>
-          <p:nvPr/>
-        </p:nvCxnSpPr>
-        <p:spPr>
-          <a:xfrm rot="5400000">
-            <a:off x="7315200" y="4953000"/>
-            <a:ext cx="914400" cy="12700"/>
-          </a:xfrm>
-          <a:prstGeom prst="bentConnector3">
-            <a:avLst>
-              <a:gd name="adj1" fmla="val -10435"/>
-            </a:avLst>
-          </a:prstGeom>
-          <a:ln>
-            <a:solidFill>
-              <a:schemeClr val="tx1"/>
-            </a:solidFill>
-            <a:tailEnd type="arrow"/>
-          </a:ln>
-          <a:effectLst/>
-        </p:spPr>
-        <p:style>
-          <a:lnRef idx="2">
-            <a:schemeClr val="accent1"/>
-          </a:lnRef>
-          <a:fillRef idx="0">
-            <a:schemeClr val="accent1"/>
-          </a:fillRef>
-          <a:effectRef idx="1">
-            <a:schemeClr val="accent1"/>
-          </a:effectRef>
-          <a:fontRef idx="minor">
-            <a:schemeClr val="tx1"/>
-          </a:fontRef>
-        </p:style>
-      </p:cxnSp>
-      <p:sp>
-        <p:nvSpPr>
-          <p:cNvPr id="2" name="Rounded Rectangle 1"/>
-          <p:cNvSpPr/>
-          <p:nvPr/>
-        </p:nvSpPr>
-        <p:spPr>
-          <a:xfrm>
-            <a:off x="7086600" y="3581400"/>
-            <a:ext cx="1371600" cy="914400"/>
-          </a:xfrm>
-          <a:prstGeom prst="roundRect">
-            <a:avLst/>
-          </a:prstGeom>
-          <a:solidFill>
-            <a:srgbClr val="CA5C0E"/>
-          </a:solidFill>
-          <a:ln>
-            <a:noFill/>
-          </a:ln>
-        </p:spPr>
-        <p:style>
-          <a:lnRef idx="1">
-            <a:schemeClr val="accent1"/>
-          </a:lnRef>
-          <a:fillRef idx="3">
-            <a:schemeClr val="accent1"/>
-          </a:fillRef>
-          <a:effectRef idx="2">
-            <a:schemeClr val="accent1"/>
-          </a:effectRef>
-          <a:fontRef idx="minor">
-            <a:schemeClr val="lt1"/>
-          </a:fontRef>
-        </p:style>
-        <p:txBody>
-          <a:bodyPr rtlCol="0" anchor="ctr"/>
-          <a:lstStyle/>
-          <a:p>
-            <a:pPr algn="ctr"/>
-            <a:r>
-              <a:rPr lang="en-US" b="1" dirty="0">
-                <a:solidFill>
-                  <a:schemeClr val="tx1"/>
-                </a:solidFill>
-              </a:rPr>
-              <a:t>Epsilon</a:t>
-            </a:r>
-          </a:p>
-        </p:txBody>
-      </p:sp>
-    </p:spTree>
-    <p:extLst>
-      <p:ext uri="{BB962C8B-B14F-4D97-AF65-F5344CB8AC3E}">
-        <p14:creationId xmlns:p14="http://schemas.microsoft.com/office/powerpoint/2010/main" val="1933787506"/>
       </p:ext>
     </p:extLst>
   </p:cSld>
@@ -16525,6 +16056,1089 @@
 </file>
 
 <file path=ppt/slides/slide20.xml><?xml version="1.0" encoding="utf-8"?>
+<p:sld xmlns:a="http://schemas.openxmlformats.org/drawingml/2006/main" xmlns:r="http://schemas.openxmlformats.org/officeDocument/2006/relationships" xmlns:p="http://schemas.openxmlformats.org/presentationml/2006/main">
+  <p:cSld>
+    <p:spTree>
+      <p:nvGrpSpPr>
+        <p:cNvPr id="1" name=""/>
+        <p:cNvGrpSpPr/>
+        <p:nvPr/>
+      </p:nvGrpSpPr>
+      <p:grpSpPr>
+        <a:xfrm>
+          <a:off x="0" y="0"/>
+          <a:ext cx="0" cy="0"/>
+          <a:chOff x="0" y="0"/>
+          <a:chExt cx="0" cy="0"/>
+        </a:xfrm>
+      </p:grpSpPr>
+      <p:grpSp>
+        <p:nvGrpSpPr>
+          <p:cNvPr id="59" name="Group 58"/>
+          <p:cNvGrpSpPr/>
+          <p:nvPr/>
+        </p:nvGrpSpPr>
+        <p:grpSpPr>
+          <a:xfrm>
+            <a:off x="228600" y="5105400"/>
+            <a:ext cx="8610600" cy="1524000"/>
+            <a:chOff x="228600" y="1676400"/>
+            <a:chExt cx="8610600" cy="1524000"/>
+          </a:xfrm>
+        </p:grpSpPr>
+        <p:sp>
+          <p:nvSpPr>
+            <p:cNvPr id="60" name="Rounded Rectangle 59"/>
+            <p:cNvSpPr/>
+            <p:nvPr/>
+          </p:nvSpPr>
+          <p:spPr>
+            <a:xfrm>
+              <a:off x="228600" y="1676400"/>
+              <a:ext cx="8610600" cy="1524000"/>
+            </a:xfrm>
+            <a:prstGeom prst="roundRect">
+              <a:avLst/>
+            </a:prstGeom>
+            <a:solidFill>
+              <a:schemeClr val="tx1">
+                <a:alpha val="24000"/>
+              </a:schemeClr>
+            </a:solidFill>
+            <a:ln>
+              <a:noFill/>
+            </a:ln>
+          </p:spPr>
+          <p:style>
+            <a:lnRef idx="1">
+              <a:schemeClr val="accent1"/>
+            </a:lnRef>
+            <a:fillRef idx="3">
+              <a:schemeClr val="accent1"/>
+            </a:fillRef>
+            <a:effectRef idx="2">
+              <a:schemeClr val="accent1"/>
+            </a:effectRef>
+            <a:fontRef idx="minor">
+              <a:schemeClr val="lt1"/>
+            </a:fontRef>
+          </p:style>
+          <p:txBody>
+            <a:bodyPr rtlCol="0" anchor="ctr"/>
+            <a:lstStyle/>
+            <a:p>
+              <a:pPr algn="ctr"/>
+              <a:endParaRPr lang="en-US"/>
+            </a:p>
+          </p:txBody>
+        </p:sp>
+        <p:sp>
+          <p:nvSpPr>
+            <p:cNvPr id="61" name="TextBox 60"/>
+            <p:cNvSpPr txBox="1"/>
+            <p:nvPr/>
+          </p:nvSpPr>
+          <p:spPr>
+            <a:xfrm>
+              <a:off x="304800" y="2146012"/>
+              <a:ext cx="1752600" cy="584776"/>
+            </a:xfrm>
+            <a:prstGeom prst="rect">
+              <a:avLst/>
+            </a:prstGeom>
+            <a:noFill/>
+          </p:spPr>
+          <p:txBody>
+            <a:bodyPr wrap="square" rtlCol="0">
+              <a:spAutoFit/>
+            </a:bodyPr>
+            <a:lstStyle/>
+            <a:p>
+              <a:r>
+                <a:rPr lang="en-US" sz="3200" b="1" dirty="0">
+                  <a:solidFill>
+                    <a:srgbClr val="000000"/>
+                  </a:solidFill>
+                </a:rPr>
+                <a:t>Tertiary</a:t>
+              </a:r>
+              <a:endParaRPr lang="en-US" sz="2400" b="1" dirty="0">
+                <a:solidFill>
+                  <a:srgbClr val="000000"/>
+                </a:solidFill>
+              </a:endParaRPr>
+            </a:p>
+          </p:txBody>
+        </p:sp>
+      </p:grpSp>
+      <p:grpSp>
+        <p:nvGrpSpPr>
+          <p:cNvPr id="19" name="Group 18"/>
+          <p:cNvGrpSpPr/>
+          <p:nvPr/>
+        </p:nvGrpSpPr>
+        <p:grpSpPr>
+          <a:xfrm>
+            <a:off x="228600" y="3276600"/>
+            <a:ext cx="8610600" cy="1524000"/>
+            <a:chOff x="228600" y="1676400"/>
+            <a:chExt cx="8610600" cy="1524000"/>
+          </a:xfrm>
+        </p:grpSpPr>
+        <p:sp>
+          <p:nvSpPr>
+            <p:cNvPr id="20" name="Rounded Rectangle 19"/>
+            <p:cNvSpPr/>
+            <p:nvPr/>
+          </p:nvSpPr>
+          <p:spPr>
+            <a:xfrm>
+              <a:off x="228600" y="1676400"/>
+              <a:ext cx="8610600" cy="1524000"/>
+            </a:xfrm>
+            <a:prstGeom prst="roundRect">
+              <a:avLst/>
+            </a:prstGeom>
+            <a:solidFill>
+              <a:schemeClr val="tx1">
+                <a:alpha val="24000"/>
+              </a:schemeClr>
+            </a:solidFill>
+            <a:ln>
+              <a:noFill/>
+            </a:ln>
+          </p:spPr>
+          <p:style>
+            <a:lnRef idx="1">
+              <a:schemeClr val="accent1"/>
+            </a:lnRef>
+            <a:fillRef idx="3">
+              <a:schemeClr val="accent1"/>
+            </a:fillRef>
+            <a:effectRef idx="2">
+              <a:schemeClr val="accent1"/>
+            </a:effectRef>
+            <a:fontRef idx="minor">
+              <a:schemeClr val="lt1"/>
+            </a:fontRef>
+          </p:style>
+          <p:txBody>
+            <a:bodyPr rtlCol="0" anchor="ctr"/>
+            <a:lstStyle/>
+            <a:p>
+              <a:pPr algn="ctr"/>
+              <a:endParaRPr lang="en-US"/>
+            </a:p>
+          </p:txBody>
+        </p:sp>
+        <p:sp>
+          <p:nvSpPr>
+            <p:cNvPr id="21" name="TextBox 20"/>
+            <p:cNvSpPr txBox="1"/>
+            <p:nvPr/>
+          </p:nvSpPr>
+          <p:spPr>
+            <a:xfrm>
+              <a:off x="304800" y="2146012"/>
+              <a:ext cx="1981200" cy="584776"/>
+            </a:xfrm>
+            <a:prstGeom prst="rect">
+              <a:avLst/>
+            </a:prstGeom>
+            <a:noFill/>
+          </p:spPr>
+          <p:txBody>
+            <a:bodyPr wrap="square" rtlCol="0">
+              <a:spAutoFit/>
+            </a:bodyPr>
+            <a:lstStyle/>
+            <a:p>
+              <a:r>
+                <a:rPr lang="en-US" sz="3200" b="1" dirty="0">
+                  <a:solidFill>
+                    <a:srgbClr val="000000"/>
+                  </a:solidFill>
+                </a:rPr>
+                <a:t>Secondary</a:t>
+              </a:r>
+            </a:p>
+          </p:txBody>
+        </p:sp>
+      </p:grpSp>
+      <p:sp>
+        <p:nvSpPr>
+          <p:cNvPr id="6" name="TextBox 5"/>
+          <p:cNvSpPr txBox="1"/>
+          <p:nvPr/>
+        </p:nvSpPr>
+        <p:spPr>
+          <a:xfrm>
+            <a:off x="228600" y="152400"/>
+            <a:ext cx="8610600" cy="769441"/>
+          </a:xfrm>
+          <a:prstGeom prst="rect">
+            <a:avLst/>
+          </a:prstGeom>
+          <a:noFill/>
+        </p:spPr>
+        <p:txBody>
+          <a:bodyPr wrap="square" rtlCol="0">
+            <a:spAutoFit/>
+          </a:bodyPr>
+          <a:lstStyle/>
+          <a:p>
+            <a:r>
+              <a:rPr lang="en-US" sz="4400" b="1" dirty="0"/>
+              <a:t>Architecture</a:t>
+            </a:r>
+          </a:p>
+        </p:txBody>
+      </p:sp>
+      <p:sp>
+        <p:nvSpPr>
+          <p:cNvPr id="7" name="TextBox 6"/>
+          <p:cNvSpPr txBox="1"/>
+          <p:nvPr/>
+        </p:nvSpPr>
+        <p:spPr>
+          <a:xfrm>
+            <a:off x="228600" y="762000"/>
+            <a:ext cx="8610600" cy="461665"/>
+          </a:xfrm>
+          <a:prstGeom prst="rect">
+            <a:avLst/>
+          </a:prstGeom>
+          <a:noFill/>
+        </p:spPr>
+        <p:txBody>
+          <a:bodyPr wrap="square" rtlCol="0">
+            <a:spAutoFit/>
+          </a:bodyPr>
+          <a:lstStyle/>
+          <a:p>
+            <a:r>
+              <a:rPr lang="en-US" sz="2400" b="1" dirty="0">
+                <a:solidFill>
+                  <a:schemeClr val="bg1">
+                    <a:lumMod val="50000"/>
+                    <a:lumOff val="50000"/>
+                  </a:schemeClr>
+                </a:solidFill>
+              </a:rPr>
+              <a:t>This is the sub-title</a:t>
+            </a:r>
+          </a:p>
+        </p:txBody>
+      </p:sp>
+      <p:grpSp>
+        <p:nvGrpSpPr>
+          <p:cNvPr id="18" name="Group 17"/>
+          <p:cNvGrpSpPr/>
+          <p:nvPr/>
+        </p:nvGrpSpPr>
+        <p:grpSpPr>
+          <a:xfrm>
+            <a:off x="228600" y="1447800"/>
+            <a:ext cx="8610600" cy="1524000"/>
+            <a:chOff x="228600" y="1676400"/>
+            <a:chExt cx="8610600" cy="1524000"/>
+          </a:xfrm>
+        </p:grpSpPr>
+        <p:sp>
+          <p:nvSpPr>
+            <p:cNvPr id="9" name="Rounded Rectangle 8"/>
+            <p:cNvSpPr/>
+            <p:nvPr/>
+          </p:nvSpPr>
+          <p:spPr>
+            <a:xfrm>
+              <a:off x="228600" y="1676400"/>
+              <a:ext cx="8610600" cy="1524000"/>
+            </a:xfrm>
+            <a:prstGeom prst="roundRect">
+              <a:avLst/>
+            </a:prstGeom>
+            <a:solidFill>
+              <a:schemeClr val="tx1">
+                <a:alpha val="24000"/>
+              </a:schemeClr>
+            </a:solidFill>
+            <a:ln>
+              <a:noFill/>
+            </a:ln>
+          </p:spPr>
+          <p:style>
+            <a:lnRef idx="1">
+              <a:schemeClr val="accent1"/>
+            </a:lnRef>
+            <a:fillRef idx="3">
+              <a:schemeClr val="accent1"/>
+            </a:fillRef>
+            <a:effectRef idx="2">
+              <a:schemeClr val="accent1"/>
+            </a:effectRef>
+            <a:fontRef idx="minor">
+              <a:schemeClr val="lt1"/>
+            </a:fontRef>
+          </p:style>
+          <p:txBody>
+            <a:bodyPr rtlCol="0" anchor="ctr"/>
+            <a:lstStyle/>
+            <a:p>
+              <a:pPr algn="ctr"/>
+              <a:endParaRPr lang="en-US"/>
+            </a:p>
+          </p:txBody>
+        </p:sp>
+        <p:sp>
+          <p:nvSpPr>
+            <p:cNvPr id="10" name="TextBox 9"/>
+            <p:cNvSpPr txBox="1"/>
+            <p:nvPr/>
+          </p:nvSpPr>
+          <p:spPr>
+            <a:xfrm>
+              <a:off x="304800" y="2146012"/>
+              <a:ext cx="1526379" cy="584776"/>
+            </a:xfrm>
+            <a:prstGeom prst="rect">
+              <a:avLst/>
+            </a:prstGeom>
+            <a:noFill/>
+          </p:spPr>
+          <p:txBody>
+            <a:bodyPr wrap="none" rtlCol="0">
+              <a:spAutoFit/>
+            </a:bodyPr>
+            <a:lstStyle/>
+            <a:p>
+              <a:r>
+                <a:rPr lang="en-US" sz="3200" b="1" dirty="0">
+                  <a:solidFill>
+                    <a:schemeClr val="bg1"/>
+                  </a:solidFill>
+                </a:rPr>
+                <a:t>Primary</a:t>
+              </a:r>
+            </a:p>
+          </p:txBody>
+        </p:sp>
+      </p:grpSp>
+      <p:cxnSp>
+        <p:nvCxnSpPr>
+          <p:cNvPr id="4" name="Elbow Connector 3"/>
+          <p:cNvCxnSpPr>
+            <a:endCxn id="23" idx="2"/>
+          </p:cNvCxnSpPr>
+          <p:nvPr/>
+        </p:nvCxnSpPr>
+        <p:spPr>
+          <a:xfrm rot="5400000" flipH="1" flipV="1">
+            <a:off x="2590800" y="4953000"/>
+            <a:ext cx="914400" cy="12700"/>
+          </a:xfrm>
+          <a:prstGeom prst="bentConnector3">
+            <a:avLst>
+              <a:gd name="adj1" fmla="val -22097"/>
+            </a:avLst>
+          </a:prstGeom>
+          <a:ln>
+            <a:solidFill>
+              <a:schemeClr val="tx1"/>
+            </a:solidFill>
+            <a:tailEnd type="arrow"/>
+          </a:ln>
+          <a:effectLst/>
+        </p:spPr>
+        <p:style>
+          <a:lnRef idx="2">
+            <a:schemeClr val="accent1"/>
+          </a:lnRef>
+          <a:fillRef idx="0">
+            <a:schemeClr val="accent1"/>
+          </a:fillRef>
+          <a:effectRef idx="1">
+            <a:schemeClr val="accent1"/>
+          </a:effectRef>
+          <a:fontRef idx="minor">
+            <a:schemeClr val="tx1"/>
+          </a:fontRef>
+        </p:style>
+      </p:cxnSp>
+      <p:sp>
+        <p:nvSpPr>
+          <p:cNvPr id="17" name="Rounded Rectangle 16"/>
+          <p:cNvSpPr/>
+          <p:nvPr/>
+        </p:nvSpPr>
+        <p:spPr>
+          <a:xfrm>
+            <a:off x="2362200" y="5410200"/>
+            <a:ext cx="1371600" cy="914400"/>
+          </a:xfrm>
+          <a:prstGeom prst="roundRect">
+            <a:avLst/>
+          </a:prstGeom>
+          <a:solidFill>
+            <a:srgbClr val="009EC0"/>
+          </a:solidFill>
+          <a:ln>
+            <a:noFill/>
+          </a:ln>
+        </p:spPr>
+        <p:style>
+          <a:lnRef idx="1">
+            <a:schemeClr val="accent1"/>
+          </a:lnRef>
+          <a:fillRef idx="3">
+            <a:schemeClr val="accent1"/>
+          </a:fillRef>
+          <a:effectRef idx="2">
+            <a:schemeClr val="accent1"/>
+          </a:effectRef>
+          <a:fontRef idx="minor">
+            <a:schemeClr val="lt1"/>
+          </a:fontRef>
+        </p:style>
+        <p:txBody>
+          <a:bodyPr rtlCol="0" anchor="ctr"/>
+          <a:lstStyle/>
+          <a:p>
+            <a:pPr algn="ctr"/>
+            <a:r>
+              <a:rPr lang="en-US" b="1" dirty="0">
+                <a:solidFill>
+                  <a:schemeClr val="tx1"/>
+                </a:solidFill>
+              </a:rPr>
+              <a:t>Zeta</a:t>
+            </a:r>
+          </a:p>
+        </p:txBody>
+      </p:sp>
+      <p:cxnSp>
+        <p:nvCxnSpPr>
+          <p:cNvPr id="25" name="Elbow Connector 24"/>
+          <p:cNvCxnSpPr>
+            <a:stCxn id="23" idx="0"/>
+            <a:endCxn id="29" idx="2"/>
+          </p:cNvCxnSpPr>
+          <p:nvPr/>
+        </p:nvCxnSpPr>
+        <p:spPr>
+          <a:xfrm rot="5400000" flipH="1" flipV="1">
+            <a:off x="2590800" y="3124200"/>
+            <a:ext cx="914400" cy="12700"/>
+          </a:xfrm>
+          <a:prstGeom prst="bentConnector3">
+            <a:avLst>
+              <a:gd name="adj1" fmla="val -18917"/>
+            </a:avLst>
+          </a:prstGeom>
+          <a:ln>
+            <a:solidFill>
+              <a:schemeClr val="tx1"/>
+            </a:solidFill>
+            <a:tailEnd type="arrow"/>
+          </a:ln>
+          <a:effectLst/>
+        </p:spPr>
+        <p:style>
+          <a:lnRef idx="2">
+            <a:schemeClr val="accent1"/>
+          </a:lnRef>
+          <a:fillRef idx="0">
+            <a:schemeClr val="accent1"/>
+          </a:fillRef>
+          <a:effectRef idx="1">
+            <a:schemeClr val="accent1"/>
+          </a:effectRef>
+          <a:fontRef idx="minor">
+            <a:schemeClr val="tx1"/>
+          </a:fontRef>
+        </p:style>
+      </p:cxnSp>
+      <p:sp>
+        <p:nvSpPr>
+          <p:cNvPr id="23" name="Rounded Rectangle 22"/>
+          <p:cNvSpPr/>
+          <p:nvPr/>
+        </p:nvSpPr>
+        <p:spPr>
+          <a:xfrm>
+            <a:off x="2362200" y="3581400"/>
+            <a:ext cx="1371600" cy="914400"/>
+          </a:xfrm>
+          <a:prstGeom prst="roundRect">
+            <a:avLst/>
+          </a:prstGeom>
+          <a:solidFill>
+            <a:srgbClr val="009EC0"/>
+          </a:solidFill>
+          <a:ln>
+            <a:noFill/>
+          </a:ln>
+        </p:spPr>
+        <p:style>
+          <a:lnRef idx="1">
+            <a:schemeClr val="accent1"/>
+          </a:lnRef>
+          <a:fillRef idx="3">
+            <a:schemeClr val="accent1"/>
+          </a:fillRef>
+          <a:effectRef idx="2">
+            <a:schemeClr val="accent1"/>
+          </a:effectRef>
+          <a:fontRef idx="minor">
+            <a:schemeClr val="lt1"/>
+          </a:fontRef>
+        </p:style>
+        <p:txBody>
+          <a:bodyPr rtlCol="0" anchor="ctr"/>
+          <a:lstStyle/>
+          <a:p>
+            <a:pPr algn="ctr"/>
+            <a:r>
+              <a:rPr lang="en-US" b="1" dirty="0">
+                <a:solidFill>
+                  <a:schemeClr val="tx1"/>
+                </a:solidFill>
+              </a:rPr>
+              <a:t>Gamma</a:t>
+            </a:r>
+          </a:p>
+        </p:txBody>
+      </p:sp>
+      <p:cxnSp>
+        <p:nvCxnSpPr>
+          <p:cNvPr id="35" name="Elbow Connector 34"/>
+          <p:cNvCxnSpPr>
+            <a:stCxn id="29" idx="3"/>
+            <a:endCxn id="43" idx="1"/>
+          </p:cNvCxnSpPr>
+          <p:nvPr/>
+        </p:nvCxnSpPr>
+        <p:spPr>
+          <a:xfrm>
+            <a:off x="3733800" y="2209800"/>
+            <a:ext cx="990600" cy="12700"/>
+          </a:xfrm>
+          <a:prstGeom prst="bentConnector3">
+            <a:avLst>
+              <a:gd name="adj1" fmla="val -41990"/>
+            </a:avLst>
+          </a:prstGeom>
+          <a:ln>
+            <a:solidFill>
+              <a:schemeClr val="tx1"/>
+            </a:solidFill>
+            <a:tailEnd type="arrow"/>
+          </a:ln>
+          <a:effectLst/>
+        </p:spPr>
+        <p:style>
+          <a:lnRef idx="2">
+            <a:schemeClr val="accent1"/>
+          </a:lnRef>
+          <a:fillRef idx="0">
+            <a:schemeClr val="accent1"/>
+          </a:fillRef>
+          <a:effectRef idx="1">
+            <a:schemeClr val="accent1"/>
+          </a:effectRef>
+          <a:fontRef idx="minor">
+            <a:schemeClr val="tx1"/>
+          </a:fontRef>
+        </p:style>
+      </p:cxnSp>
+      <p:sp>
+        <p:nvSpPr>
+          <p:cNvPr id="29" name="Rounded Rectangle 28"/>
+          <p:cNvSpPr/>
+          <p:nvPr/>
+        </p:nvSpPr>
+        <p:spPr>
+          <a:xfrm>
+            <a:off x="2362200" y="1752600"/>
+            <a:ext cx="1371600" cy="914400"/>
+          </a:xfrm>
+          <a:prstGeom prst="roundRect">
+            <a:avLst/>
+          </a:prstGeom>
+          <a:solidFill>
+            <a:srgbClr val="009EC0"/>
+          </a:solidFill>
+          <a:ln>
+            <a:noFill/>
+          </a:ln>
+        </p:spPr>
+        <p:style>
+          <a:lnRef idx="1">
+            <a:schemeClr val="accent1"/>
+          </a:lnRef>
+          <a:fillRef idx="3">
+            <a:schemeClr val="accent1"/>
+          </a:fillRef>
+          <a:effectRef idx="2">
+            <a:schemeClr val="accent1"/>
+          </a:effectRef>
+          <a:fontRef idx="minor">
+            <a:schemeClr val="lt1"/>
+          </a:fontRef>
+        </p:style>
+        <p:txBody>
+          <a:bodyPr rtlCol="0" anchor="ctr"/>
+          <a:lstStyle/>
+          <a:p>
+            <a:pPr algn="ctr"/>
+            <a:r>
+              <a:rPr lang="en-US" b="1" dirty="0">
+                <a:solidFill>
+                  <a:schemeClr val="tx1"/>
+                </a:solidFill>
+              </a:rPr>
+              <a:t>Alpha</a:t>
+            </a:r>
+          </a:p>
+        </p:txBody>
+      </p:sp>
+      <p:cxnSp>
+        <p:nvCxnSpPr>
+          <p:cNvPr id="55" name="Elbow Connector 54"/>
+          <p:cNvCxnSpPr>
+            <a:stCxn id="43" idx="2"/>
+            <a:endCxn id="16" idx="0"/>
+          </p:cNvCxnSpPr>
+          <p:nvPr/>
+        </p:nvCxnSpPr>
+        <p:spPr>
+          <a:xfrm rot="5400000">
+            <a:off x="4953000" y="3124200"/>
+            <a:ext cx="914400" cy="12700"/>
+          </a:xfrm>
+          <a:prstGeom prst="bentConnector3">
+            <a:avLst>
+              <a:gd name="adj1" fmla="val -13615"/>
+            </a:avLst>
+          </a:prstGeom>
+          <a:ln>
+            <a:solidFill>
+              <a:schemeClr val="tx1"/>
+            </a:solidFill>
+            <a:tailEnd type="arrow"/>
+          </a:ln>
+          <a:effectLst/>
+        </p:spPr>
+        <p:style>
+          <a:lnRef idx="2">
+            <a:schemeClr val="accent1"/>
+          </a:lnRef>
+          <a:fillRef idx="0">
+            <a:schemeClr val="accent1"/>
+          </a:fillRef>
+          <a:effectRef idx="1">
+            <a:schemeClr val="accent1"/>
+          </a:effectRef>
+          <a:fontRef idx="minor">
+            <a:schemeClr val="tx1"/>
+          </a:fontRef>
+        </p:style>
+      </p:cxnSp>
+      <p:sp>
+        <p:nvSpPr>
+          <p:cNvPr id="43" name="Rounded Rectangle 42"/>
+          <p:cNvSpPr/>
+          <p:nvPr/>
+        </p:nvSpPr>
+        <p:spPr>
+          <a:xfrm>
+            <a:off x="4724400" y="1752600"/>
+            <a:ext cx="1371600" cy="914400"/>
+          </a:xfrm>
+          <a:prstGeom prst="roundRect">
+            <a:avLst/>
+          </a:prstGeom>
+          <a:solidFill>
+            <a:srgbClr val="009EC0"/>
+          </a:solidFill>
+          <a:ln>
+            <a:noFill/>
+          </a:ln>
+        </p:spPr>
+        <p:style>
+          <a:lnRef idx="1">
+            <a:schemeClr val="accent1"/>
+          </a:lnRef>
+          <a:fillRef idx="3">
+            <a:schemeClr val="accent1"/>
+          </a:fillRef>
+          <a:effectRef idx="2">
+            <a:schemeClr val="accent1"/>
+          </a:effectRef>
+          <a:fontRef idx="minor">
+            <a:schemeClr val="lt1"/>
+          </a:fontRef>
+        </p:style>
+        <p:txBody>
+          <a:bodyPr rtlCol="0" anchor="ctr"/>
+          <a:lstStyle/>
+          <a:p>
+            <a:pPr algn="ctr"/>
+            <a:r>
+              <a:rPr lang="en-US" b="1" dirty="0">
+                <a:solidFill>
+                  <a:schemeClr val="tx1"/>
+                </a:solidFill>
+              </a:rPr>
+              <a:t>Beta</a:t>
+            </a:r>
+          </a:p>
+        </p:txBody>
+      </p:sp>
+      <p:cxnSp>
+        <p:nvCxnSpPr>
+          <p:cNvPr id="62" name="Elbow Connector 61"/>
+          <p:cNvCxnSpPr>
+            <a:stCxn id="43" idx="2"/>
+            <a:endCxn id="2" idx="0"/>
+          </p:cNvCxnSpPr>
+          <p:nvPr/>
+        </p:nvCxnSpPr>
+        <p:spPr>
+          <a:xfrm rot="16200000" flipH="1">
+            <a:off x="6134100" y="1943100"/>
+            <a:ext cx="914400" cy="2362200"/>
+          </a:xfrm>
+          <a:prstGeom prst="bentConnector3">
+            <a:avLst>
+              <a:gd name="adj1" fmla="val 50000"/>
+            </a:avLst>
+          </a:prstGeom>
+          <a:ln>
+            <a:solidFill>
+              <a:schemeClr val="tx1"/>
+            </a:solidFill>
+            <a:tailEnd type="arrow"/>
+          </a:ln>
+          <a:effectLst/>
+        </p:spPr>
+        <p:style>
+          <a:lnRef idx="2">
+            <a:schemeClr val="accent1"/>
+          </a:lnRef>
+          <a:fillRef idx="0">
+            <a:schemeClr val="accent1"/>
+          </a:fillRef>
+          <a:effectRef idx="1">
+            <a:schemeClr val="accent1"/>
+          </a:effectRef>
+          <a:fontRef idx="minor">
+            <a:schemeClr val="tx1"/>
+          </a:fontRef>
+        </p:style>
+      </p:cxnSp>
+      <p:sp>
+        <p:nvSpPr>
+          <p:cNvPr id="66" name="Rounded Rectangle 65"/>
+          <p:cNvSpPr/>
+          <p:nvPr/>
+        </p:nvSpPr>
+        <p:spPr>
+          <a:xfrm>
+            <a:off x="7086600" y="5410200"/>
+            <a:ext cx="1371600" cy="914400"/>
+          </a:xfrm>
+          <a:prstGeom prst="roundRect">
+            <a:avLst/>
+          </a:prstGeom>
+          <a:solidFill>
+            <a:srgbClr val="CA5C0E"/>
+          </a:solidFill>
+          <a:ln>
+            <a:noFill/>
+          </a:ln>
+        </p:spPr>
+        <p:style>
+          <a:lnRef idx="1">
+            <a:schemeClr val="accent1"/>
+          </a:lnRef>
+          <a:fillRef idx="3">
+            <a:schemeClr val="accent1"/>
+          </a:fillRef>
+          <a:effectRef idx="2">
+            <a:schemeClr val="accent1"/>
+          </a:effectRef>
+          <a:fontRef idx="minor">
+            <a:schemeClr val="lt1"/>
+          </a:fontRef>
+        </p:style>
+        <p:txBody>
+          <a:bodyPr rtlCol="0" anchor="ctr"/>
+          <a:lstStyle/>
+          <a:p>
+            <a:pPr algn="ctr"/>
+            <a:r>
+              <a:rPr lang="en-US" b="1" dirty="0">
+                <a:solidFill>
+                  <a:schemeClr val="tx1"/>
+                </a:solidFill>
+              </a:rPr>
+              <a:t>Theta</a:t>
+            </a:r>
+          </a:p>
+        </p:txBody>
+      </p:sp>
+      <p:sp>
+        <p:nvSpPr>
+          <p:cNvPr id="67" name="Rounded Rectangle 66"/>
+          <p:cNvSpPr/>
+          <p:nvPr/>
+        </p:nvSpPr>
+        <p:spPr>
+          <a:xfrm>
+            <a:off x="4724400" y="5410200"/>
+            <a:ext cx="1371600" cy="914400"/>
+          </a:xfrm>
+          <a:prstGeom prst="roundRect">
+            <a:avLst/>
+          </a:prstGeom>
+          <a:solidFill>
+            <a:srgbClr val="CA5C0E"/>
+          </a:solidFill>
+          <a:ln>
+            <a:noFill/>
+          </a:ln>
+        </p:spPr>
+        <p:style>
+          <a:lnRef idx="1">
+            <a:schemeClr val="accent1"/>
+          </a:lnRef>
+          <a:fillRef idx="3">
+            <a:schemeClr val="accent1"/>
+          </a:fillRef>
+          <a:effectRef idx="2">
+            <a:schemeClr val="accent1"/>
+          </a:effectRef>
+          <a:fontRef idx="minor">
+            <a:schemeClr val="lt1"/>
+          </a:fontRef>
+        </p:style>
+        <p:txBody>
+          <a:bodyPr rtlCol="0" anchor="ctr"/>
+          <a:lstStyle/>
+          <a:p>
+            <a:pPr algn="ctr"/>
+            <a:r>
+              <a:rPr lang="en-US" b="1" dirty="0">
+                <a:solidFill>
+                  <a:schemeClr val="tx1"/>
+                </a:solidFill>
+              </a:rPr>
+              <a:t>Eta</a:t>
+            </a:r>
+          </a:p>
+        </p:txBody>
+      </p:sp>
+      <p:cxnSp>
+        <p:nvCxnSpPr>
+          <p:cNvPr id="68" name="Elbow Connector 67"/>
+          <p:cNvCxnSpPr>
+            <a:stCxn id="16" idx="2"/>
+            <a:endCxn id="67" idx="0"/>
+          </p:cNvCxnSpPr>
+          <p:nvPr/>
+        </p:nvCxnSpPr>
+        <p:spPr>
+          <a:xfrm rot="5400000">
+            <a:off x="4953000" y="4953000"/>
+            <a:ext cx="914400" cy="12700"/>
+          </a:xfrm>
+          <a:prstGeom prst="bentConnector3">
+            <a:avLst>
+              <a:gd name="adj1" fmla="val -44363"/>
+            </a:avLst>
+          </a:prstGeom>
+          <a:ln>
+            <a:solidFill>
+              <a:schemeClr val="tx1"/>
+            </a:solidFill>
+            <a:tailEnd type="arrow"/>
+          </a:ln>
+          <a:effectLst/>
+        </p:spPr>
+        <p:style>
+          <a:lnRef idx="2">
+            <a:schemeClr val="accent1"/>
+          </a:lnRef>
+          <a:fillRef idx="0">
+            <a:schemeClr val="accent1"/>
+          </a:fillRef>
+          <a:effectRef idx="1">
+            <a:schemeClr val="accent1"/>
+          </a:effectRef>
+          <a:fontRef idx="minor">
+            <a:schemeClr val="tx1"/>
+          </a:fontRef>
+        </p:style>
+      </p:cxnSp>
+      <p:sp>
+        <p:nvSpPr>
+          <p:cNvPr id="16" name="Rounded Rectangle 15"/>
+          <p:cNvSpPr/>
+          <p:nvPr/>
+        </p:nvSpPr>
+        <p:spPr>
+          <a:xfrm>
+            <a:off x="4724400" y="3581400"/>
+            <a:ext cx="1371600" cy="914400"/>
+          </a:xfrm>
+          <a:prstGeom prst="roundRect">
+            <a:avLst/>
+          </a:prstGeom>
+          <a:solidFill>
+            <a:srgbClr val="CA5C0E"/>
+          </a:solidFill>
+          <a:ln>
+            <a:noFill/>
+          </a:ln>
+        </p:spPr>
+        <p:style>
+          <a:lnRef idx="1">
+            <a:schemeClr val="accent1"/>
+          </a:lnRef>
+          <a:fillRef idx="3">
+            <a:schemeClr val="accent1"/>
+          </a:fillRef>
+          <a:effectRef idx="2">
+            <a:schemeClr val="accent1"/>
+          </a:effectRef>
+          <a:fontRef idx="minor">
+            <a:schemeClr val="lt1"/>
+          </a:fontRef>
+        </p:style>
+        <p:txBody>
+          <a:bodyPr rtlCol="0" anchor="ctr"/>
+          <a:lstStyle/>
+          <a:p>
+            <a:pPr algn="ctr"/>
+            <a:r>
+              <a:rPr lang="en-US" b="1" dirty="0">
+                <a:solidFill>
+                  <a:schemeClr val="tx1"/>
+                </a:solidFill>
+              </a:rPr>
+              <a:t>Delta</a:t>
+            </a:r>
+          </a:p>
+        </p:txBody>
+      </p:sp>
+      <p:cxnSp>
+        <p:nvCxnSpPr>
+          <p:cNvPr id="75" name="Elbow Connector 74"/>
+          <p:cNvCxnSpPr>
+            <a:stCxn id="2" idx="2"/>
+            <a:endCxn id="66" idx="0"/>
+          </p:cNvCxnSpPr>
+          <p:nvPr/>
+        </p:nvCxnSpPr>
+        <p:spPr>
+          <a:xfrm rot="5400000">
+            <a:off x="7315200" y="4953000"/>
+            <a:ext cx="914400" cy="12700"/>
+          </a:xfrm>
+          <a:prstGeom prst="bentConnector3">
+            <a:avLst>
+              <a:gd name="adj1" fmla="val -10435"/>
+            </a:avLst>
+          </a:prstGeom>
+          <a:ln>
+            <a:solidFill>
+              <a:schemeClr val="tx1"/>
+            </a:solidFill>
+            <a:tailEnd type="arrow"/>
+          </a:ln>
+          <a:effectLst/>
+        </p:spPr>
+        <p:style>
+          <a:lnRef idx="2">
+            <a:schemeClr val="accent1"/>
+          </a:lnRef>
+          <a:fillRef idx="0">
+            <a:schemeClr val="accent1"/>
+          </a:fillRef>
+          <a:effectRef idx="1">
+            <a:schemeClr val="accent1"/>
+          </a:effectRef>
+          <a:fontRef idx="minor">
+            <a:schemeClr val="tx1"/>
+          </a:fontRef>
+        </p:style>
+      </p:cxnSp>
+      <p:sp>
+        <p:nvSpPr>
+          <p:cNvPr id="2" name="Rounded Rectangle 1"/>
+          <p:cNvSpPr/>
+          <p:nvPr/>
+        </p:nvSpPr>
+        <p:spPr>
+          <a:xfrm>
+            <a:off x="7086600" y="3581400"/>
+            <a:ext cx="1371600" cy="914400"/>
+          </a:xfrm>
+          <a:prstGeom prst="roundRect">
+            <a:avLst/>
+          </a:prstGeom>
+          <a:solidFill>
+            <a:srgbClr val="CA5C0E"/>
+          </a:solidFill>
+          <a:ln>
+            <a:noFill/>
+          </a:ln>
+        </p:spPr>
+        <p:style>
+          <a:lnRef idx="1">
+            <a:schemeClr val="accent1"/>
+          </a:lnRef>
+          <a:fillRef idx="3">
+            <a:schemeClr val="accent1"/>
+          </a:fillRef>
+          <a:effectRef idx="2">
+            <a:schemeClr val="accent1"/>
+          </a:effectRef>
+          <a:fontRef idx="minor">
+            <a:schemeClr val="lt1"/>
+          </a:fontRef>
+        </p:style>
+        <p:txBody>
+          <a:bodyPr rtlCol="0" anchor="ctr"/>
+          <a:lstStyle/>
+          <a:p>
+            <a:pPr algn="ctr"/>
+            <a:r>
+              <a:rPr lang="en-US" b="1" dirty="0">
+                <a:solidFill>
+                  <a:schemeClr val="tx1"/>
+                </a:solidFill>
+              </a:rPr>
+              <a:t>Epsilon</a:t>
+            </a:r>
+          </a:p>
+        </p:txBody>
+      </p:sp>
+    </p:spTree>
+    <p:extLst>
+      <p:ext uri="{BB962C8B-B14F-4D97-AF65-F5344CB8AC3E}">
+        <p14:creationId xmlns:p14="http://schemas.microsoft.com/office/powerpoint/2010/main" val="1933787506"/>
+      </p:ext>
+    </p:extLst>
+  </p:cSld>
+  <p:clrMapOvr>
+    <a:masterClrMapping/>
+  </p:clrMapOvr>
+</p:sld>
+</file>
+
+<file path=ppt/slides/slide21.xml><?xml version="1.0" encoding="utf-8"?>
 <p:sld xmlns:a="http://schemas.openxmlformats.org/drawingml/2006/main" xmlns:r="http://schemas.openxmlformats.org/officeDocument/2006/relationships" xmlns:p="http://schemas.openxmlformats.org/presentationml/2006/main">
   <p:cSld>
     <p:spTree>
@@ -17254,7 +17868,7 @@
 </p:sld>
 </file>
 
-<file path=ppt/slides/slide21.xml><?xml version="1.0" encoding="utf-8"?>
+<file path=ppt/slides/slide22.xml><?xml version="1.0" encoding="utf-8"?>
 <p:sld xmlns:a="http://schemas.openxmlformats.org/drawingml/2006/main" xmlns:r="http://schemas.openxmlformats.org/officeDocument/2006/relationships" xmlns:p="http://schemas.openxmlformats.org/presentationml/2006/main">
   <p:cSld>
     <p:spTree>
@@ -17410,7 +18024,7 @@
 </p:sld>
 </file>
 
-<file path=ppt/slides/slide22.xml><?xml version="1.0" encoding="utf-8"?>
+<file path=ppt/slides/slide23.xml><?xml version="1.0" encoding="utf-8"?>
 <p:sld xmlns:a="http://schemas.openxmlformats.org/drawingml/2006/main" xmlns:r="http://schemas.openxmlformats.org/officeDocument/2006/relationships" xmlns:p="http://schemas.openxmlformats.org/presentationml/2006/main">
   <p:cSld>
     <p:spTree>
@@ -18415,7 +19029,7 @@
 </p:sld>
 </file>
 
-<file path=ppt/slides/slide23.xml><?xml version="1.0" encoding="utf-8"?>
+<file path=ppt/slides/slide24.xml><?xml version="1.0" encoding="utf-8"?>
 <p:sld xmlns:a="http://schemas.openxmlformats.org/drawingml/2006/main" xmlns:r="http://schemas.openxmlformats.org/officeDocument/2006/relationships" xmlns:p="http://schemas.openxmlformats.org/presentationml/2006/main">
   <p:cSld>
     <p:spTree>
@@ -19435,7 +20049,7 @@
 </p:sld>
 </file>
 
-<file path=ppt/slides/slide24.xml><?xml version="1.0" encoding="utf-8"?>
+<file path=ppt/slides/slide25.xml><?xml version="1.0" encoding="utf-8"?>
 <p:sld xmlns:a="http://schemas.openxmlformats.org/drawingml/2006/main" xmlns:r="http://schemas.openxmlformats.org/officeDocument/2006/relationships" xmlns:p="http://schemas.openxmlformats.org/presentationml/2006/main">
   <p:cSld>
     <p:spTree>
@@ -20483,7 +21097,7 @@
 </p:sld>
 </file>
 
-<file path=ppt/slides/slide25.xml><?xml version="1.0" encoding="utf-8"?>
+<file path=ppt/slides/slide26.xml><?xml version="1.0" encoding="utf-8"?>
 <p:sld xmlns:a="http://schemas.openxmlformats.org/drawingml/2006/main" xmlns:r="http://schemas.openxmlformats.org/officeDocument/2006/relationships" xmlns:p="http://schemas.openxmlformats.org/presentationml/2006/main">
   <p:cSld>
     <p:spTree>
@@ -21217,7 +21831,7 @@
 </p:sld>
 </file>
 
-<file path=ppt/slides/slide26.xml><?xml version="1.0" encoding="utf-8"?>
+<file path=ppt/slides/slide27.xml><?xml version="1.0" encoding="utf-8"?>
 <p:sld xmlns:a="http://schemas.openxmlformats.org/drawingml/2006/main" xmlns:r="http://schemas.openxmlformats.org/officeDocument/2006/relationships" xmlns:p="http://schemas.openxmlformats.org/presentationml/2006/main">
   <p:cSld>
     <p:spTree>
@@ -21293,7 +21907,7 @@
 </p:sld>
 </file>
 
-<file path=ppt/slides/slide27.xml><?xml version="1.0" encoding="utf-8"?>
+<file path=ppt/slides/slide28.xml><?xml version="1.0" encoding="utf-8"?>
 <p:sld xmlns:a="http://schemas.openxmlformats.org/drawingml/2006/main" xmlns:r="http://schemas.openxmlformats.org/officeDocument/2006/relationships" xmlns:p="http://schemas.openxmlformats.org/presentationml/2006/main">
   <p:cSld>
     <p:spTree>
@@ -21418,7 +22032,7 @@
 </p:sld>
 </file>
 
-<file path=ppt/slides/slide28.xml><?xml version="1.0" encoding="utf-8"?>
+<file path=ppt/slides/slide29.xml><?xml version="1.0" encoding="utf-8"?>
 <p:sld xmlns:a="http://schemas.openxmlformats.org/drawingml/2006/main" xmlns:r="http://schemas.openxmlformats.org/officeDocument/2006/relationships" xmlns:p="http://schemas.openxmlformats.org/presentationml/2006/main">
   <p:cSld>
     <p:spTree>
@@ -21546,848 +22160,6 @@
     <p:extLst>
       <p:ext uri="{BB962C8B-B14F-4D97-AF65-F5344CB8AC3E}">
         <p14:creationId xmlns:p14="http://schemas.microsoft.com/office/powerpoint/2010/main" val="800204252"/>
-      </p:ext>
-    </p:extLst>
-  </p:cSld>
-  <p:clrMapOvr>
-    <a:masterClrMapping/>
-  </p:clrMapOvr>
-</p:sld>
-</file>
-
-<file path=ppt/slides/slide29.xml><?xml version="1.0" encoding="utf-8"?>
-<p:sld xmlns:a="http://schemas.openxmlformats.org/drawingml/2006/main" xmlns:r="http://schemas.openxmlformats.org/officeDocument/2006/relationships" xmlns:p="http://schemas.openxmlformats.org/presentationml/2006/main">
-  <p:cSld>
-    <p:spTree>
-      <p:nvGrpSpPr>
-        <p:cNvPr id="1" name=""/>
-        <p:cNvGrpSpPr/>
-        <p:nvPr/>
-      </p:nvGrpSpPr>
-      <p:grpSpPr>
-        <a:xfrm>
-          <a:off x="0" y="0"/>
-          <a:ext cx="0" cy="0"/>
-          <a:chOff x="0" y="0"/>
-          <a:chExt cx="0" cy="0"/>
-        </a:xfrm>
-      </p:grpSpPr>
-      <p:cxnSp>
-        <p:nvCxnSpPr>
-          <p:cNvPr id="4" name="Straight Connector 3"/>
-          <p:cNvCxnSpPr/>
-          <p:nvPr/>
-        </p:nvCxnSpPr>
-        <p:spPr>
-          <a:xfrm flipV="1">
-            <a:off x="4610100" y="3356645"/>
-            <a:ext cx="0" cy="457676"/>
-          </a:xfrm>
-          <a:prstGeom prst="line">
-            <a:avLst/>
-          </a:prstGeom>
-          <a:ln>
-            <a:solidFill>
-              <a:srgbClr val="248BF3"/>
-            </a:solidFill>
-          </a:ln>
-          <a:effectLst/>
-        </p:spPr>
-        <p:style>
-          <a:lnRef idx="2">
-            <a:schemeClr val="accent1"/>
-          </a:lnRef>
-          <a:fillRef idx="0">
-            <a:schemeClr val="accent1"/>
-          </a:fillRef>
-          <a:effectRef idx="1">
-            <a:schemeClr val="accent1"/>
-          </a:effectRef>
-          <a:fontRef idx="minor">
-            <a:schemeClr val="tx1"/>
-          </a:fontRef>
-        </p:style>
-      </p:cxnSp>
-      <p:sp>
-        <p:nvSpPr>
-          <p:cNvPr id="5" name="Rectangle 4"/>
-          <p:cNvSpPr/>
-          <p:nvPr/>
-        </p:nvSpPr>
-        <p:spPr>
-          <a:xfrm>
-            <a:off x="4610100" y="3366566"/>
-            <a:ext cx="2146300" cy="156267"/>
-          </a:xfrm>
-          <a:prstGeom prst="rect">
-            <a:avLst/>
-          </a:prstGeom>
-          <a:solidFill>
-            <a:srgbClr val="248BF3"/>
-          </a:solidFill>
-          <a:ln>
-            <a:solidFill>
-              <a:srgbClr val="248BF3"/>
-            </a:solidFill>
-          </a:ln>
-          <a:effectLst/>
-        </p:spPr>
-        <p:style>
-          <a:lnRef idx="1">
-            <a:schemeClr val="accent1"/>
-          </a:lnRef>
-          <a:fillRef idx="3">
-            <a:schemeClr val="accent1"/>
-          </a:fillRef>
-          <a:effectRef idx="2">
-            <a:schemeClr val="accent1"/>
-          </a:effectRef>
-          <a:fontRef idx="minor">
-            <a:schemeClr val="lt1"/>
-          </a:fontRef>
-        </p:style>
-        <p:txBody>
-          <a:bodyPr rtlCol="0" anchor="ctr"/>
-          <a:lstStyle/>
-          <a:p>
-            <a:pPr algn="ctr"/>
-            <a:endParaRPr lang="en-US"/>
-          </a:p>
-        </p:txBody>
-      </p:sp>
-      <p:cxnSp>
-        <p:nvCxnSpPr>
-          <p:cNvPr id="6" name="Straight Connector 5"/>
-          <p:cNvCxnSpPr/>
-          <p:nvPr/>
-        </p:nvCxnSpPr>
-        <p:spPr>
-          <a:xfrm flipV="1">
-            <a:off x="6756401" y="3356645"/>
-            <a:ext cx="0" cy="457676"/>
-          </a:xfrm>
-          <a:prstGeom prst="line">
-            <a:avLst/>
-          </a:prstGeom>
-          <a:ln>
-            <a:solidFill>
-              <a:srgbClr val="248BF3"/>
-            </a:solidFill>
-          </a:ln>
-          <a:effectLst/>
-        </p:spPr>
-        <p:style>
-          <a:lnRef idx="2">
-            <a:schemeClr val="accent1"/>
-          </a:lnRef>
-          <a:fillRef idx="0">
-            <a:schemeClr val="accent1"/>
-          </a:fillRef>
-          <a:effectRef idx="1">
-            <a:schemeClr val="accent1"/>
-          </a:effectRef>
-          <a:fontRef idx="minor">
-            <a:schemeClr val="tx1"/>
-          </a:fontRef>
-        </p:style>
-      </p:cxnSp>
-      <p:grpSp>
-        <p:nvGrpSpPr>
-          <p:cNvPr id="7" name="Group 6"/>
-          <p:cNvGrpSpPr/>
-          <p:nvPr/>
-        </p:nvGrpSpPr>
-        <p:grpSpPr>
-          <a:xfrm>
-            <a:off x="0" y="4039543"/>
-            <a:ext cx="8846611" cy="378893"/>
-            <a:chOff x="0" y="4551909"/>
-            <a:chExt cx="8846611" cy="378893"/>
-          </a:xfrm>
-        </p:grpSpPr>
-        <p:sp>
-          <p:nvSpPr>
-            <p:cNvPr id="8" name="TextBox 7"/>
-            <p:cNvSpPr txBox="1"/>
-            <p:nvPr/>
-          </p:nvSpPr>
-          <p:spPr>
-            <a:xfrm>
-              <a:off x="0" y="4551909"/>
-              <a:ext cx="537565" cy="369332"/>
-            </a:xfrm>
-            <a:prstGeom prst="rect">
-              <a:avLst/>
-            </a:prstGeom>
-            <a:noFill/>
-          </p:spPr>
-          <p:txBody>
-            <a:bodyPr wrap="none" rtlCol="0">
-              <a:spAutoFit/>
-            </a:bodyPr>
-            <a:lstStyle/>
-            <a:p>
-              <a:r>
-                <a:rPr lang="en-US" dirty="0"/>
-                <a:t>0 </a:t>
-              </a:r>
-              <a:r>
-                <a:rPr lang="en-US" sz="1200" dirty="0"/>
-                <a:t>AD</a:t>
-              </a:r>
-            </a:p>
-          </p:txBody>
-        </p:sp>
-        <p:sp>
-          <p:nvSpPr>
-            <p:cNvPr id="9" name="TextBox 8"/>
-            <p:cNvSpPr txBox="1"/>
-            <p:nvPr/>
-          </p:nvSpPr>
-          <p:spPr>
-            <a:xfrm>
-              <a:off x="8075058" y="4551909"/>
-              <a:ext cx="771553" cy="369332"/>
-            </a:xfrm>
-            <a:prstGeom prst="rect">
-              <a:avLst/>
-            </a:prstGeom>
-            <a:noFill/>
-          </p:spPr>
-          <p:txBody>
-            <a:bodyPr wrap="none" rtlCol="0">
-              <a:spAutoFit/>
-            </a:bodyPr>
-            <a:lstStyle/>
-            <a:p>
-              <a:r>
-                <a:rPr lang="en-US" dirty="0"/>
-                <a:t>100 </a:t>
-              </a:r>
-              <a:r>
-                <a:rPr lang="en-US" sz="1200" dirty="0"/>
-                <a:t>AD</a:t>
-              </a:r>
-            </a:p>
-          </p:txBody>
-        </p:sp>
-        <p:sp>
-          <p:nvSpPr>
-            <p:cNvPr id="10" name="TextBox 9"/>
-            <p:cNvSpPr txBox="1"/>
-            <p:nvPr/>
-          </p:nvSpPr>
-          <p:spPr>
-            <a:xfrm>
-              <a:off x="4293817" y="4561470"/>
-              <a:ext cx="654559" cy="369332"/>
-            </a:xfrm>
-            <a:prstGeom prst="rect">
-              <a:avLst/>
-            </a:prstGeom>
-            <a:noFill/>
-          </p:spPr>
-          <p:txBody>
-            <a:bodyPr wrap="none" rtlCol="0">
-              <a:spAutoFit/>
-            </a:bodyPr>
-            <a:lstStyle/>
-            <a:p>
-              <a:r>
-                <a:rPr lang="en-US" dirty="0"/>
-                <a:t>50 </a:t>
-              </a:r>
-              <a:r>
-                <a:rPr lang="en-US" sz="1200" dirty="0"/>
-                <a:t>AD</a:t>
-              </a:r>
-            </a:p>
-          </p:txBody>
-        </p:sp>
-      </p:grpSp>
-      <p:sp>
-        <p:nvSpPr>
-          <p:cNvPr id="11" name="TextBox 10"/>
-          <p:cNvSpPr txBox="1"/>
-          <p:nvPr/>
-        </p:nvSpPr>
-        <p:spPr>
-          <a:xfrm>
-            <a:off x="4610100" y="3506994"/>
-            <a:ext cx="2146300" cy="338554"/>
-          </a:xfrm>
-          <a:prstGeom prst="rect">
-            <a:avLst/>
-          </a:prstGeom>
-          <a:noFill/>
-        </p:spPr>
-        <p:txBody>
-          <a:bodyPr wrap="square" rtlCol="0">
-            <a:spAutoFit/>
-          </a:bodyPr>
-          <a:lstStyle/>
-          <a:p>
-            <a:r>
-              <a:rPr lang="en-US" sz="1600" dirty="0">
-                <a:solidFill>
-                  <a:srgbClr val="D7D7D7"/>
-                </a:solidFill>
-              </a:rPr>
-              <a:t>Gospels</a:t>
-            </a:r>
-            <a:r>
-              <a:rPr lang="en-US" sz="1400" dirty="0">
-                <a:solidFill>
-                  <a:srgbClr val="D7D7D7"/>
-                </a:solidFill>
-              </a:rPr>
-              <a:t> recorded</a:t>
-            </a:r>
-          </a:p>
-        </p:txBody>
-      </p:sp>
-      <p:sp>
-        <p:nvSpPr>
-          <p:cNvPr id="12" name="TextBox 11"/>
-          <p:cNvSpPr txBox="1"/>
-          <p:nvPr/>
-        </p:nvSpPr>
-        <p:spPr>
-          <a:xfrm>
-            <a:off x="4415954" y="2774781"/>
-            <a:ext cx="3441113" cy="584776"/>
-          </a:xfrm>
-          <a:prstGeom prst="rect">
-            <a:avLst/>
-          </a:prstGeom>
-          <a:noFill/>
-        </p:spPr>
-        <p:txBody>
-          <a:bodyPr wrap="square" rtlCol="0">
-            <a:spAutoFit/>
-          </a:bodyPr>
-          <a:lstStyle/>
-          <a:p>
-            <a:r>
-              <a:rPr lang="en-US" sz="1600" dirty="0">
-                <a:solidFill>
-                  <a:srgbClr val="D7D7D7"/>
-                </a:solidFill>
-              </a:rPr>
-              <a:t>Galatians, Thessalonians</a:t>
-            </a:r>
-          </a:p>
-          <a:p>
-            <a:r>
-              <a:rPr lang="en-US" sz="1600" dirty="0">
-                <a:solidFill>
-                  <a:srgbClr val="D7D7D7"/>
-                </a:solidFill>
-              </a:rPr>
-              <a:t>Corinthians</a:t>
-            </a:r>
-          </a:p>
-        </p:txBody>
-      </p:sp>
-      <p:grpSp>
-        <p:nvGrpSpPr>
-          <p:cNvPr id="13" name="Group 12"/>
-          <p:cNvGrpSpPr/>
-          <p:nvPr/>
-        </p:nvGrpSpPr>
-        <p:grpSpPr>
-          <a:xfrm>
-            <a:off x="4415954" y="2726578"/>
-            <a:ext cx="160171" cy="610064"/>
-            <a:chOff x="2876792" y="3687695"/>
-            <a:chExt cx="160171" cy="610064"/>
-          </a:xfrm>
-          <a:solidFill>
-            <a:srgbClr val="248BF3"/>
-          </a:solidFill>
-        </p:grpSpPr>
-        <p:cxnSp>
-          <p:nvCxnSpPr>
-            <p:cNvPr id="14" name="Straight Connector 13"/>
-            <p:cNvCxnSpPr>
-              <a:endCxn id="15" idx="2"/>
-            </p:cNvCxnSpPr>
-            <p:nvPr/>
-          </p:nvCxnSpPr>
-          <p:spPr>
-            <a:xfrm flipV="1">
-              <a:off x="2876792" y="3687695"/>
-              <a:ext cx="0" cy="610064"/>
-            </a:xfrm>
-            <a:prstGeom prst="line">
-              <a:avLst/>
-            </a:prstGeom>
-            <a:grpFill/>
-            <a:ln>
-              <a:solidFill>
-                <a:srgbClr val="248BF3"/>
-              </a:solidFill>
-            </a:ln>
-            <a:effectLst/>
-          </p:spPr>
-          <p:style>
-            <a:lnRef idx="2">
-              <a:schemeClr val="accent1"/>
-            </a:lnRef>
-            <a:fillRef idx="0">
-              <a:schemeClr val="accent1"/>
-            </a:fillRef>
-            <a:effectRef idx="1">
-              <a:schemeClr val="accent1"/>
-            </a:effectRef>
-            <a:fontRef idx="minor">
-              <a:schemeClr val="tx1"/>
-            </a:fontRef>
-          </p:style>
-        </p:cxnSp>
-        <p:sp>
-          <p:nvSpPr>
-            <p:cNvPr id="15" name="Right Triangle 14"/>
-            <p:cNvSpPr/>
-            <p:nvPr/>
-          </p:nvSpPr>
-          <p:spPr>
-            <a:xfrm flipV="1">
-              <a:off x="2876792" y="3687695"/>
-              <a:ext cx="160171" cy="149487"/>
-            </a:xfrm>
-            <a:prstGeom prst="rtTriangle">
-              <a:avLst/>
-            </a:prstGeom>
-            <a:grpFill/>
-            <a:ln>
-              <a:solidFill>
-                <a:srgbClr val="248BF3"/>
-              </a:solidFill>
-            </a:ln>
-            <a:effectLst/>
-          </p:spPr>
-          <p:style>
-            <a:lnRef idx="1">
-              <a:schemeClr val="accent1"/>
-            </a:lnRef>
-            <a:fillRef idx="3">
-              <a:schemeClr val="accent1"/>
-            </a:fillRef>
-            <a:effectRef idx="2">
-              <a:schemeClr val="accent1"/>
-            </a:effectRef>
-            <a:fontRef idx="minor">
-              <a:schemeClr val="lt1"/>
-            </a:fontRef>
-          </p:style>
-          <p:txBody>
-            <a:bodyPr rtlCol="0" anchor="ctr"/>
-            <a:lstStyle/>
-            <a:p>
-              <a:pPr algn="ctr"/>
-              <a:endParaRPr lang="en-US"/>
-            </a:p>
-          </p:txBody>
-        </p:sp>
-      </p:grpSp>
-      <p:sp>
-        <p:nvSpPr>
-          <p:cNvPr id="16" name="TextBox 15"/>
-          <p:cNvSpPr txBox="1"/>
-          <p:nvPr/>
-        </p:nvSpPr>
-        <p:spPr>
-          <a:xfrm>
-            <a:off x="8076129" y="2816778"/>
-            <a:ext cx="1067871" cy="338554"/>
-          </a:xfrm>
-          <a:prstGeom prst="rect">
-            <a:avLst/>
-          </a:prstGeom>
-          <a:noFill/>
-        </p:spPr>
-        <p:txBody>
-          <a:bodyPr wrap="square" rtlCol="0">
-            <a:spAutoFit/>
-          </a:bodyPr>
-          <a:lstStyle/>
-          <a:p>
-            <a:r>
-              <a:rPr lang="en-US" sz="1600" dirty="0">
-                <a:solidFill>
-                  <a:srgbClr val="D7D7D7"/>
-                </a:solidFill>
-              </a:rPr>
-              <a:t>Revelation</a:t>
-            </a:r>
-          </a:p>
-        </p:txBody>
-      </p:sp>
-      <p:grpSp>
-        <p:nvGrpSpPr>
-          <p:cNvPr id="17" name="Group 16"/>
-          <p:cNvGrpSpPr/>
-          <p:nvPr/>
-        </p:nvGrpSpPr>
-        <p:grpSpPr>
-          <a:xfrm>
-            <a:off x="8075058" y="2726578"/>
-            <a:ext cx="160171" cy="610064"/>
-            <a:chOff x="2876792" y="3687695"/>
-            <a:chExt cx="160171" cy="610064"/>
-          </a:xfrm>
-          <a:solidFill>
-            <a:srgbClr val="248BF3"/>
-          </a:solidFill>
-        </p:grpSpPr>
-        <p:cxnSp>
-          <p:nvCxnSpPr>
-            <p:cNvPr id="18" name="Straight Connector 17"/>
-            <p:cNvCxnSpPr>
-              <a:endCxn id="19" idx="2"/>
-            </p:cNvCxnSpPr>
-            <p:nvPr/>
-          </p:nvCxnSpPr>
-          <p:spPr>
-            <a:xfrm flipV="1">
-              <a:off x="2876792" y="3687695"/>
-              <a:ext cx="0" cy="610064"/>
-            </a:xfrm>
-            <a:prstGeom prst="line">
-              <a:avLst/>
-            </a:prstGeom>
-            <a:grpFill/>
-            <a:ln>
-              <a:solidFill>
-                <a:srgbClr val="248BF3"/>
-              </a:solidFill>
-            </a:ln>
-            <a:effectLst/>
-          </p:spPr>
-          <p:style>
-            <a:lnRef idx="2">
-              <a:schemeClr val="accent1"/>
-            </a:lnRef>
-            <a:fillRef idx="0">
-              <a:schemeClr val="accent1"/>
-            </a:fillRef>
-            <a:effectRef idx="1">
-              <a:schemeClr val="accent1"/>
-            </a:effectRef>
-            <a:fontRef idx="minor">
-              <a:schemeClr val="tx1"/>
-            </a:fontRef>
-          </p:style>
-        </p:cxnSp>
-        <p:sp>
-          <p:nvSpPr>
-            <p:cNvPr id="19" name="Right Triangle 18"/>
-            <p:cNvSpPr/>
-            <p:nvPr/>
-          </p:nvSpPr>
-          <p:spPr>
-            <a:xfrm flipV="1">
-              <a:off x="2876792" y="3687695"/>
-              <a:ext cx="160171" cy="149487"/>
-            </a:xfrm>
-            <a:prstGeom prst="rtTriangle">
-              <a:avLst/>
-            </a:prstGeom>
-            <a:grpFill/>
-            <a:ln>
-              <a:solidFill>
-                <a:srgbClr val="248BF3"/>
-              </a:solidFill>
-            </a:ln>
-            <a:effectLst/>
-          </p:spPr>
-          <p:style>
-            <a:lnRef idx="1">
-              <a:schemeClr val="accent1"/>
-            </a:lnRef>
-            <a:fillRef idx="3">
-              <a:schemeClr val="accent1"/>
-            </a:fillRef>
-            <a:effectRef idx="2">
-              <a:schemeClr val="accent1"/>
-            </a:effectRef>
-            <a:fontRef idx="minor">
-              <a:schemeClr val="lt1"/>
-            </a:fontRef>
-          </p:style>
-          <p:txBody>
-            <a:bodyPr rtlCol="0" anchor="ctr"/>
-            <a:lstStyle/>
-            <a:p>
-              <a:pPr algn="ctr"/>
-              <a:endParaRPr lang="en-US"/>
-            </a:p>
-          </p:txBody>
-        </p:sp>
-      </p:grpSp>
-      <p:cxnSp>
-        <p:nvCxnSpPr>
-          <p:cNvPr id="20" name="Straight Connector 19"/>
-          <p:cNvCxnSpPr/>
-          <p:nvPr/>
-        </p:nvCxnSpPr>
-        <p:spPr>
-          <a:xfrm flipV="1">
-            <a:off x="232834" y="3356645"/>
-            <a:ext cx="0" cy="457676"/>
-          </a:xfrm>
-          <a:prstGeom prst="line">
-            <a:avLst/>
-          </a:prstGeom>
-          <a:ln>
-            <a:solidFill>
-              <a:srgbClr val="248BF3"/>
-            </a:solidFill>
-          </a:ln>
-          <a:effectLst/>
-        </p:spPr>
-        <p:style>
-          <a:lnRef idx="2">
-            <a:schemeClr val="accent1"/>
-          </a:lnRef>
-          <a:fillRef idx="0">
-            <a:schemeClr val="accent1"/>
-          </a:fillRef>
-          <a:effectRef idx="1">
-            <a:schemeClr val="accent1"/>
-          </a:effectRef>
-          <a:fontRef idx="minor">
-            <a:schemeClr val="tx1"/>
-          </a:fontRef>
-        </p:style>
-      </p:cxnSp>
-      <p:sp>
-        <p:nvSpPr>
-          <p:cNvPr id="21" name="Rectangle 20"/>
-          <p:cNvSpPr/>
-          <p:nvPr/>
-        </p:nvSpPr>
-        <p:spPr>
-          <a:xfrm>
-            <a:off x="232834" y="3365471"/>
-            <a:ext cx="2643958" cy="157362"/>
-          </a:xfrm>
-          <a:prstGeom prst="rect">
-            <a:avLst/>
-          </a:prstGeom>
-          <a:solidFill>
-            <a:srgbClr val="248BF3"/>
-          </a:solidFill>
-          <a:ln>
-            <a:solidFill>
-              <a:srgbClr val="248BF3"/>
-            </a:solidFill>
-          </a:ln>
-          <a:effectLst/>
-        </p:spPr>
-        <p:style>
-          <a:lnRef idx="1">
-            <a:schemeClr val="accent1"/>
-          </a:lnRef>
-          <a:fillRef idx="3">
-            <a:schemeClr val="accent1"/>
-          </a:fillRef>
-          <a:effectRef idx="2">
-            <a:schemeClr val="accent1"/>
-          </a:effectRef>
-          <a:fontRef idx="minor">
-            <a:schemeClr val="lt1"/>
-          </a:fontRef>
-        </p:style>
-        <p:txBody>
-          <a:bodyPr rtlCol="0" anchor="ctr"/>
-          <a:lstStyle/>
-          <a:p>
-            <a:pPr algn="ctr"/>
-            <a:endParaRPr lang="en-US"/>
-          </a:p>
-        </p:txBody>
-      </p:sp>
-      <p:cxnSp>
-        <p:nvCxnSpPr>
-          <p:cNvPr id="22" name="Straight Connector 21"/>
-          <p:cNvCxnSpPr/>
-          <p:nvPr/>
-        </p:nvCxnSpPr>
-        <p:spPr>
-          <a:xfrm flipV="1">
-            <a:off x="2876792" y="3353744"/>
-            <a:ext cx="0" cy="457676"/>
-          </a:xfrm>
-          <a:prstGeom prst="line">
-            <a:avLst/>
-          </a:prstGeom>
-          <a:ln>
-            <a:solidFill>
-              <a:srgbClr val="248BF3"/>
-            </a:solidFill>
-          </a:ln>
-          <a:effectLst/>
-        </p:spPr>
-        <p:style>
-          <a:lnRef idx="2">
-            <a:schemeClr val="accent1"/>
-          </a:lnRef>
-          <a:fillRef idx="0">
-            <a:schemeClr val="accent1"/>
-          </a:fillRef>
-          <a:effectRef idx="1">
-            <a:schemeClr val="accent1"/>
-          </a:effectRef>
-          <a:fontRef idx="minor">
-            <a:schemeClr val="tx1"/>
-          </a:fontRef>
-        </p:style>
-      </p:cxnSp>
-      <p:sp>
-        <p:nvSpPr>
-          <p:cNvPr id="23" name="TextBox 22"/>
-          <p:cNvSpPr txBox="1"/>
-          <p:nvPr/>
-        </p:nvSpPr>
-        <p:spPr>
-          <a:xfrm>
-            <a:off x="232834" y="3522833"/>
-            <a:ext cx="2146300" cy="338554"/>
-          </a:xfrm>
-          <a:prstGeom prst="rect">
-            <a:avLst/>
-          </a:prstGeom>
-          <a:noFill/>
-        </p:spPr>
-        <p:txBody>
-          <a:bodyPr wrap="square" rtlCol="0">
-            <a:spAutoFit/>
-          </a:bodyPr>
-          <a:lstStyle/>
-          <a:p>
-            <a:r>
-              <a:rPr lang="en-US" sz="1600" dirty="0">
-                <a:solidFill>
-                  <a:srgbClr val="D7D7D7"/>
-                </a:solidFill>
-              </a:rPr>
-              <a:t>Jesus’ Life</a:t>
-            </a:r>
-            <a:endParaRPr lang="en-US" sz="1400" dirty="0">
-              <a:solidFill>
-                <a:srgbClr val="D7D7D7"/>
-              </a:solidFill>
-            </a:endParaRPr>
-          </a:p>
-        </p:txBody>
-      </p:sp>
-      <p:cxnSp>
-        <p:nvCxnSpPr>
-          <p:cNvPr id="24" name="Straight Connector 23"/>
-          <p:cNvCxnSpPr/>
-          <p:nvPr/>
-        </p:nvCxnSpPr>
-        <p:spPr>
-          <a:xfrm>
-            <a:off x="71581" y="3353744"/>
-            <a:ext cx="8714896" cy="0"/>
-          </a:xfrm>
-          <a:prstGeom prst="line">
-            <a:avLst/>
-          </a:prstGeom>
-          <a:ln>
-            <a:solidFill>
-              <a:srgbClr val="D7D7D7"/>
-            </a:solidFill>
-          </a:ln>
-          <a:effectLst/>
-        </p:spPr>
-        <p:style>
-          <a:lnRef idx="2">
-            <a:schemeClr val="accent1"/>
-          </a:lnRef>
-          <a:fillRef idx="0">
-            <a:schemeClr val="accent1"/>
-          </a:fillRef>
-          <a:effectRef idx="1">
-            <a:schemeClr val="accent1"/>
-          </a:effectRef>
-          <a:fontRef idx="minor">
-            <a:schemeClr val="tx1"/>
-          </a:fontRef>
-        </p:style>
-      </p:cxnSp>
-      <p:sp>
-        <p:nvSpPr>
-          <p:cNvPr id="46" name="TextBox 45"/>
-          <p:cNvSpPr txBox="1"/>
-          <p:nvPr/>
-        </p:nvSpPr>
-        <p:spPr>
-          <a:xfrm>
-            <a:off x="228600" y="152400"/>
-            <a:ext cx="8610600" cy="769441"/>
-          </a:xfrm>
-          <a:prstGeom prst="rect">
-            <a:avLst/>
-          </a:prstGeom>
-          <a:noFill/>
-        </p:spPr>
-        <p:txBody>
-          <a:bodyPr wrap="square" rtlCol="0">
-            <a:spAutoFit/>
-          </a:bodyPr>
-          <a:lstStyle/>
-          <a:p>
-            <a:r>
-              <a:rPr lang="en-US" sz="4400" b="1" dirty="0"/>
-              <a:t>Timeline</a:t>
-            </a:r>
-          </a:p>
-        </p:txBody>
-      </p:sp>
-      <p:sp>
-        <p:nvSpPr>
-          <p:cNvPr id="47" name="TextBox 46"/>
-          <p:cNvSpPr txBox="1"/>
-          <p:nvPr/>
-        </p:nvSpPr>
-        <p:spPr>
-          <a:xfrm>
-            <a:off x="228600" y="762000"/>
-            <a:ext cx="8610600" cy="461665"/>
-          </a:xfrm>
-          <a:prstGeom prst="rect">
-            <a:avLst/>
-          </a:prstGeom>
-          <a:noFill/>
-        </p:spPr>
-        <p:txBody>
-          <a:bodyPr wrap="square" rtlCol="0">
-            <a:spAutoFit/>
-          </a:bodyPr>
-          <a:lstStyle/>
-          <a:p>
-            <a:r>
-              <a:rPr lang="en-US" sz="2400" b="1" dirty="0">
-                <a:solidFill>
-                  <a:schemeClr val="bg1">
-                    <a:lumMod val="50000"/>
-                    <a:lumOff val="50000"/>
-                  </a:schemeClr>
-                </a:solidFill>
-              </a:rPr>
-              <a:t>This is the sub-title</a:t>
-            </a:r>
-          </a:p>
-        </p:txBody>
-      </p:sp>
-    </p:spTree>
-    <p:extLst>
-      <p:ext uri="{BB962C8B-B14F-4D97-AF65-F5344CB8AC3E}">
-        <p14:creationId xmlns:p14="http://schemas.microsoft.com/office/powerpoint/2010/main" val="1057289763"/>
       </p:ext>
     </p:extLst>
   </p:cSld>
@@ -23650,6 +23422,848 @@
 </file>
 
 <file path=ppt/slides/slide30.xml><?xml version="1.0" encoding="utf-8"?>
+<p:sld xmlns:a="http://schemas.openxmlformats.org/drawingml/2006/main" xmlns:r="http://schemas.openxmlformats.org/officeDocument/2006/relationships" xmlns:p="http://schemas.openxmlformats.org/presentationml/2006/main">
+  <p:cSld>
+    <p:spTree>
+      <p:nvGrpSpPr>
+        <p:cNvPr id="1" name=""/>
+        <p:cNvGrpSpPr/>
+        <p:nvPr/>
+      </p:nvGrpSpPr>
+      <p:grpSpPr>
+        <a:xfrm>
+          <a:off x="0" y="0"/>
+          <a:ext cx="0" cy="0"/>
+          <a:chOff x="0" y="0"/>
+          <a:chExt cx="0" cy="0"/>
+        </a:xfrm>
+      </p:grpSpPr>
+      <p:cxnSp>
+        <p:nvCxnSpPr>
+          <p:cNvPr id="4" name="Straight Connector 3"/>
+          <p:cNvCxnSpPr/>
+          <p:nvPr/>
+        </p:nvCxnSpPr>
+        <p:spPr>
+          <a:xfrm flipV="1">
+            <a:off x="4610100" y="3356645"/>
+            <a:ext cx="0" cy="457676"/>
+          </a:xfrm>
+          <a:prstGeom prst="line">
+            <a:avLst/>
+          </a:prstGeom>
+          <a:ln>
+            <a:solidFill>
+              <a:srgbClr val="248BF3"/>
+            </a:solidFill>
+          </a:ln>
+          <a:effectLst/>
+        </p:spPr>
+        <p:style>
+          <a:lnRef idx="2">
+            <a:schemeClr val="accent1"/>
+          </a:lnRef>
+          <a:fillRef idx="0">
+            <a:schemeClr val="accent1"/>
+          </a:fillRef>
+          <a:effectRef idx="1">
+            <a:schemeClr val="accent1"/>
+          </a:effectRef>
+          <a:fontRef idx="minor">
+            <a:schemeClr val="tx1"/>
+          </a:fontRef>
+        </p:style>
+      </p:cxnSp>
+      <p:sp>
+        <p:nvSpPr>
+          <p:cNvPr id="5" name="Rectangle 4"/>
+          <p:cNvSpPr/>
+          <p:nvPr/>
+        </p:nvSpPr>
+        <p:spPr>
+          <a:xfrm>
+            <a:off x="4610100" y="3366566"/>
+            <a:ext cx="2146300" cy="156267"/>
+          </a:xfrm>
+          <a:prstGeom prst="rect">
+            <a:avLst/>
+          </a:prstGeom>
+          <a:solidFill>
+            <a:srgbClr val="248BF3"/>
+          </a:solidFill>
+          <a:ln>
+            <a:solidFill>
+              <a:srgbClr val="248BF3"/>
+            </a:solidFill>
+          </a:ln>
+          <a:effectLst/>
+        </p:spPr>
+        <p:style>
+          <a:lnRef idx="1">
+            <a:schemeClr val="accent1"/>
+          </a:lnRef>
+          <a:fillRef idx="3">
+            <a:schemeClr val="accent1"/>
+          </a:fillRef>
+          <a:effectRef idx="2">
+            <a:schemeClr val="accent1"/>
+          </a:effectRef>
+          <a:fontRef idx="minor">
+            <a:schemeClr val="lt1"/>
+          </a:fontRef>
+        </p:style>
+        <p:txBody>
+          <a:bodyPr rtlCol="0" anchor="ctr"/>
+          <a:lstStyle/>
+          <a:p>
+            <a:pPr algn="ctr"/>
+            <a:endParaRPr lang="en-US"/>
+          </a:p>
+        </p:txBody>
+      </p:sp>
+      <p:cxnSp>
+        <p:nvCxnSpPr>
+          <p:cNvPr id="6" name="Straight Connector 5"/>
+          <p:cNvCxnSpPr/>
+          <p:nvPr/>
+        </p:nvCxnSpPr>
+        <p:spPr>
+          <a:xfrm flipV="1">
+            <a:off x="6756401" y="3356645"/>
+            <a:ext cx="0" cy="457676"/>
+          </a:xfrm>
+          <a:prstGeom prst="line">
+            <a:avLst/>
+          </a:prstGeom>
+          <a:ln>
+            <a:solidFill>
+              <a:srgbClr val="248BF3"/>
+            </a:solidFill>
+          </a:ln>
+          <a:effectLst/>
+        </p:spPr>
+        <p:style>
+          <a:lnRef idx="2">
+            <a:schemeClr val="accent1"/>
+          </a:lnRef>
+          <a:fillRef idx="0">
+            <a:schemeClr val="accent1"/>
+          </a:fillRef>
+          <a:effectRef idx="1">
+            <a:schemeClr val="accent1"/>
+          </a:effectRef>
+          <a:fontRef idx="minor">
+            <a:schemeClr val="tx1"/>
+          </a:fontRef>
+        </p:style>
+      </p:cxnSp>
+      <p:grpSp>
+        <p:nvGrpSpPr>
+          <p:cNvPr id="7" name="Group 6"/>
+          <p:cNvGrpSpPr/>
+          <p:nvPr/>
+        </p:nvGrpSpPr>
+        <p:grpSpPr>
+          <a:xfrm>
+            <a:off x="0" y="4039543"/>
+            <a:ext cx="8846611" cy="378893"/>
+            <a:chOff x="0" y="4551909"/>
+            <a:chExt cx="8846611" cy="378893"/>
+          </a:xfrm>
+        </p:grpSpPr>
+        <p:sp>
+          <p:nvSpPr>
+            <p:cNvPr id="8" name="TextBox 7"/>
+            <p:cNvSpPr txBox="1"/>
+            <p:nvPr/>
+          </p:nvSpPr>
+          <p:spPr>
+            <a:xfrm>
+              <a:off x="0" y="4551909"/>
+              <a:ext cx="537565" cy="369332"/>
+            </a:xfrm>
+            <a:prstGeom prst="rect">
+              <a:avLst/>
+            </a:prstGeom>
+            <a:noFill/>
+          </p:spPr>
+          <p:txBody>
+            <a:bodyPr wrap="none" rtlCol="0">
+              <a:spAutoFit/>
+            </a:bodyPr>
+            <a:lstStyle/>
+            <a:p>
+              <a:r>
+                <a:rPr lang="en-US" dirty="0"/>
+                <a:t>0 </a:t>
+              </a:r>
+              <a:r>
+                <a:rPr lang="en-US" sz="1200" dirty="0"/>
+                <a:t>AD</a:t>
+              </a:r>
+            </a:p>
+          </p:txBody>
+        </p:sp>
+        <p:sp>
+          <p:nvSpPr>
+            <p:cNvPr id="9" name="TextBox 8"/>
+            <p:cNvSpPr txBox="1"/>
+            <p:nvPr/>
+          </p:nvSpPr>
+          <p:spPr>
+            <a:xfrm>
+              <a:off x="8075058" y="4551909"/>
+              <a:ext cx="771553" cy="369332"/>
+            </a:xfrm>
+            <a:prstGeom prst="rect">
+              <a:avLst/>
+            </a:prstGeom>
+            <a:noFill/>
+          </p:spPr>
+          <p:txBody>
+            <a:bodyPr wrap="none" rtlCol="0">
+              <a:spAutoFit/>
+            </a:bodyPr>
+            <a:lstStyle/>
+            <a:p>
+              <a:r>
+                <a:rPr lang="en-US" dirty="0"/>
+                <a:t>100 </a:t>
+              </a:r>
+              <a:r>
+                <a:rPr lang="en-US" sz="1200" dirty="0"/>
+                <a:t>AD</a:t>
+              </a:r>
+            </a:p>
+          </p:txBody>
+        </p:sp>
+        <p:sp>
+          <p:nvSpPr>
+            <p:cNvPr id="10" name="TextBox 9"/>
+            <p:cNvSpPr txBox="1"/>
+            <p:nvPr/>
+          </p:nvSpPr>
+          <p:spPr>
+            <a:xfrm>
+              <a:off x="4293817" y="4561470"/>
+              <a:ext cx="654559" cy="369332"/>
+            </a:xfrm>
+            <a:prstGeom prst="rect">
+              <a:avLst/>
+            </a:prstGeom>
+            <a:noFill/>
+          </p:spPr>
+          <p:txBody>
+            <a:bodyPr wrap="none" rtlCol="0">
+              <a:spAutoFit/>
+            </a:bodyPr>
+            <a:lstStyle/>
+            <a:p>
+              <a:r>
+                <a:rPr lang="en-US" dirty="0"/>
+                <a:t>50 </a:t>
+              </a:r>
+              <a:r>
+                <a:rPr lang="en-US" sz="1200" dirty="0"/>
+                <a:t>AD</a:t>
+              </a:r>
+            </a:p>
+          </p:txBody>
+        </p:sp>
+      </p:grpSp>
+      <p:sp>
+        <p:nvSpPr>
+          <p:cNvPr id="11" name="TextBox 10"/>
+          <p:cNvSpPr txBox="1"/>
+          <p:nvPr/>
+        </p:nvSpPr>
+        <p:spPr>
+          <a:xfrm>
+            <a:off x="4610100" y="3506994"/>
+            <a:ext cx="2146300" cy="338554"/>
+          </a:xfrm>
+          <a:prstGeom prst="rect">
+            <a:avLst/>
+          </a:prstGeom>
+          <a:noFill/>
+        </p:spPr>
+        <p:txBody>
+          <a:bodyPr wrap="square" rtlCol="0">
+            <a:spAutoFit/>
+          </a:bodyPr>
+          <a:lstStyle/>
+          <a:p>
+            <a:r>
+              <a:rPr lang="en-US" sz="1600" dirty="0">
+                <a:solidFill>
+                  <a:srgbClr val="D7D7D7"/>
+                </a:solidFill>
+              </a:rPr>
+              <a:t>Gospels</a:t>
+            </a:r>
+            <a:r>
+              <a:rPr lang="en-US" sz="1400" dirty="0">
+                <a:solidFill>
+                  <a:srgbClr val="D7D7D7"/>
+                </a:solidFill>
+              </a:rPr>
+              <a:t> recorded</a:t>
+            </a:r>
+          </a:p>
+        </p:txBody>
+      </p:sp>
+      <p:sp>
+        <p:nvSpPr>
+          <p:cNvPr id="12" name="TextBox 11"/>
+          <p:cNvSpPr txBox="1"/>
+          <p:nvPr/>
+        </p:nvSpPr>
+        <p:spPr>
+          <a:xfrm>
+            <a:off x="4415954" y="2774781"/>
+            <a:ext cx="3441113" cy="584776"/>
+          </a:xfrm>
+          <a:prstGeom prst="rect">
+            <a:avLst/>
+          </a:prstGeom>
+          <a:noFill/>
+        </p:spPr>
+        <p:txBody>
+          <a:bodyPr wrap="square" rtlCol="0">
+            <a:spAutoFit/>
+          </a:bodyPr>
+          <a:lstStyle/>
+          <a:p>
+            <a:r>
+              <a:rPr lang="en-US" sz="1600" dirty="0">
+                <a:solidFill>
+                  <a:srgbClr val="D7D7D7"/>
+                </a:solidFill>
+              </a:rPr>
+              <a:t>Galatians, Thessalonians</a:t>
+            </a:r>
+          </a:p>
+          <a:p>
+            <a:r>
+              <a:rPr lang="en-US" sz="1600" dirty="0">
+                <a:solidFill>
+                  <a:srgbClr val="D7D7D7"/>
+                </a:solidFill>
+              </a:rPr>
+              <a:t>Corinthians</a:t>
+            </a:r>
+          </a:p>
+        </p:txBody>
+      </p:sp>
+      <p:grpSp>
+        <p:nvGrpSpPr>
+          <p:cNvPr id="13" name="Group 12"/>
+          <p:cNvGrpSpPr/>
+          <p:nvPr/>
+        </p:nvGrpSpPr>
+        <p:grpSpPr>
+          <a:xfrm>
+            <a:off x="4415954" y="2726578"/>
+            <a:ext cx="160171" cy="610064"/>
+            <a:chOff x="2876792" y="3687695"/>
+            <a:chExt cx="160171" cy="610064"/>
+          </a:xfrm>
+          <a:solidFill>
+            <a:srgbClr val="248BF3"/>
+          </a:solidFill>
+        </p:grpSpPr>
+        <p:cxnSp>
+          <p:nvCxnSpPr>
+            <p:cNvPr id="14" name="Straight Connector 13"/>
+            <p:cNvCxnSpPr>
+              <a:endCxn id="15" idx="2"/>
+            </p:cNvCxnSpPr>
+            <p:nvPr/>
+          </p:nvCxnSpPr>
+          <p:spPr>
+            <a:xfrm flipV="1">
+              <a:off x="2876792" y="3687695"/>
+              <a:ext cx="0" cy="610064"/>
+            </a:xfrm>
+            <a:prstGeom prst="line">
+              <a:avLst/>
+            </a:prstGeom>
+            <a:grpFill/>
+            <a:ln>
+              <a:solidFill>
+                <a:srgbClr val="248BF3"/>
+              </a:solidFill>
+            </a:ln>
+            <a:effectLst/>
+          </p:spPr>
+          <p:style>
+            <a:lnRef idx="2">
+              <a:schemeClr val="accent1"/>
+            </a:lnRef>
+            <a:fillRef idx="0">
+              <a:schemeClr val="accent1"/>
+            </a:fillRef>
+            <a:effectRef idx="1">
+              <a:schemeClr val="accent1"/>
+            </a:effectRef>
+            <a:fontRef idx="minor">
+              <a:schemeClr val="tx1"/>
+            </a:fontRef>
+          </p:style>
+        </p:cxnSp>
+        <p:sp>
+          <p:nvSpPr>
+            <p:cNvPr id="15" name="Right Triangle 14"/>
+            <p:cNvSpPr/>
+            <p:nvPr/>
+          </p:nvSpPr>
+          <p:spPr>
+            <a:xfrm flipV="1">
+              <a:off x="2876792" y="3687695"/>
+              <a:ext cx="160171" cy="149487"/>
+            </a:xfrm>
+            <a:prstGeom prst="rtTriangle">
+              <a:avLst/>
+            </a:prstGeom>
+            <a:grpFill/>
+            <a:ln>
+              <a:solidFill>
+                <a:srgbClr val="248BF3"/>
+              </a:solidFill>
+            </a:ln>
+            <a:effectLst/>
+          </p:spPr>
+          <p:style>
+            <a:lnRef idx="1">
+              <a:schemeClr val="accent1"/>
+            </a:lnRef>
+            <a:fillRef idx="3">
+              <a:schemeClr val="accent1"/>
+            </a:fillRef>
+            <a:effectRef idx="2">
+              <a:schemeClr val="accent1"/>
+            </a:effectRef>
+            <a:fontRef idx="minor">
+              <a:schemeClr val="lt1"/>
+            </a:fontRef>
+          </p:style>
+          <p:txBody>
+            <a:bodyPr rtlCol="0" anchor="ctr"/>
+            <a:lstStyle/>
+            <a:p>
+              <a:pPr algn="ctr"/>
+              <a:endParaRPr lang="en-US"/>
+            </a:p>
+          </p:txBody>
+        </p:sp>
+      </p:grpSp>
+      <p:sp>
+        <p:nvSpPr>
+          <p:cNvPr id="16" name="TextBox 15"/>
+          <p:cNvSpPr txBox="1"/>
+          <p:nvPr/>
+        </p:nvSpPr>
+        <p:spPr>
+          <a:xfrm>
+            <a:off x="8076129" y="2816778"/>
+            <a:ext cx="1067871" cy="338554"/>
+          </a:xfrm>
+          <a:prstGeom prst="rect">
+            <a:avLst/>
+          </a:prstGeom>
+          <a:noFill/>
+        </p:spPr>
+        <p:txBody>
+          <a:bodyPr wrap="square" rtlCol="0">
+            <a:spAutoFit/>
+          </a:bodyPr>
+          <a:lstStyle/>
+          <a:p>
+            <a:r>
+              <a:rPr lang="en-US" sz="1600" dirty="0">
+                <a:solidFill>
+                  <a:srgbClr val="D7D7D7"/>
+                </a:solidFill>
+              </a:rPr>
+              <a:t>Revelation</a:t>
+            </a:r>
+          </a:p>
+        </p:txBody>
+      </p:sp>
+      <p:grpSp>
+        <p:nvGrpSpPr>
+          <p:cNvPr id="17" name="Group 16"/>
+          <p:cNvGrpSpPr/>
+          <p:nvPr/>
+        </p:nvGrpSpPr>
+        <p:grpSpPr>
+          <a:xfrm>
+            <a:off x="8075058" y="2726578"/>
+            <a:ext cx="160171" cy="610064"/>
+            <a:chOff x="2876792" y="3687695"/>
+            <a:chExt cx="160171" cy="610064"/>
+          </a:xfrm>
+          <a:solidFill>
+            <a:srgbClr val="248BF3"/>
+          </a:solidFill>
+        </p:grpSpPr>
+        <p:cxnSp>
+          <p:nvCxnSpPr>
+            <p:cNvPr id="18" name="Straight Connector 17"/>
+            <p:cNvCxnSpPr>
+              <a:endCxn id="19" idx="2"/>
+            </p:cNvCxnSpPr>
+            <p:nvPr/>
+          </p:nvCxnSpPr>
+          <p:spPr>
+            <a:xfrm flipV="1">
+              <a:off x="2876792" y="3687695"/>
+              <a:ext cx="0" cy="610064"/>
+            </a:xfrm>
+            <a:prstGeom prst="line">
+              <a:avLst/>
+            </a:prstGeom>
+            <a:grpFill/>
+            <a:ln>
+              <a:solidFill>
+                <a:srgbClr val="248BF3"/>
+              </a:solidFill>
+            </a:ln>
+            <a:effectLst/>
+          </p:spPr>
+          <p:style>
+            <a:lnRef idx="2">
+              <a:schemeClr val="accent1"/>
+            </a:lnRef>
+            <a:fillRef idx="0">
+              <a:schemeClr val="accent1"/>
+            </a:fillRef>
+            <a:effectRef idx="1">
+              <a:schemeClr val="accent1"/>
+            </a:effectRef>
+            <a:fontRef idx="minor">
+              <a:schemeClr val="tx1"/>
+            </a:fontRef>
+          </p:style>
+        </p:cxnSp>
+        <p:sp>
+          <p:nvSpPr>
+            <p:cNvPr id="19" name="Right Triangle 18"/>
+            <p:cNvSpPr/>
+            <p:nvPr/>
+          </p:nvSpPr>
+          <p:spPr>
+            <a:xfrm flipV="1">
+              <a:off x="2876792" y="3687695"/>
+              <a:ext cx="160171" cy="149487"/>
+            </a:xfrm>
+            <a:prstGeom prst="rtTriangle">
+              <a:avLst/>
+            </a:prstGeom>
+            <a:grpFill/>
+            <a:ln>
+              <a:solidFill>
+                <a:srgbClr val="248BF3"/>
+              </a:solidFill>
+            </a:ln>
+            <a:effectLst/>
+          </p:spPr>
+          <p:style>
+            <a:lnRef idx="1">
+              <a:schemeClr val="accent1"/>
+            </a:lnRef>
+            <a:fillRef idx="3">
+              <a:schemeClr val="accent1"/>
+            </a:fillRef>
+            <a:effectRef idx="2">
+              <a:schemeClr val="accent1"/>
+            </a:effectRef>
+            <a:fontRef idx="minor">
+              <a:schemeClr val="lt1"/>
+            </a:fontRef>
+          </p:style>
+          <p:txBody>
+            <a:bodyPr rtlCol="0" anchor="ctr"/>
+            <a:lstStyle/>
+            <a:p>
+              <a:pPr algn="ctr"/>
+              <a:endParaRPr lang="en-US"/>
+            </a:p>
+          </p:txBody>
+        </p:sp>
+      </p:grpSp>
+      <p:cxnSp>
+        <p:nvCxnSpPr>
+          <p:cNvPr id="20" name="Straight Connector 19"/>
+          <p:cNvCxnSpPr/>
+          <p:nvPr/>
+        </p:nvCxnSpPr>
+        <p:spPr>
+          <a:xfrm flipV="1">
+            <a:off x="232834" y="3356645"/>
+            <a:ext cx="0" cy="457676"/>
+          </a:xfrm>
+          <a:prstGeom prst="line">
+            <a:avLst/>
+          </a:prstGeom>
+          <a:ln>
+            <a:solidFill>
+              <a:srgbClr val="248BF3"/>
+            </a:solidFill>
+          </a:ln>
+          <a:effectLst/>
+        </p:spPr>
+        <p:style>
+          <a:lnRef idx="2">
+            <a:schemeClr val="accent1"/>
+          </a:lnRef>
+          <a:fillRef idx="0">
+            <a:schemeClr val="accent1"/>
+          </a:fillRef>
+          <a:effectRef idx="1">
+            <a:schemeClr val="accent1"/>
+          </a:effectRef>
+          <a:fontRef idx="minor">
+            <a:schemeClr val="tx1"/>
+          </a:fontRef>
+        </p:style>
+      </p:cxnSp>
+      <p:sp>
+        <p:nvSpPr>
+          <p:cNvPr id="21" name="Rectangle 20"/>
+          <p:cNvSpPr/>
+          <p:nvPr/>
+        </p:nvSpPr>
+        <p:spPr>
+          <a:xfrm>
+            <a:off x="232834" y="3365471"/>
+            <a:ext cx="2643958" cy="157362"/>
+          </a:xfrm>
+          <a:prstGeom prst="rect">
+            <a:avLst/>
+          </a:prstGeom>
+          <a:solidFill>
+            <a:srgbClr val="248BF3"/>
+          </a:solidFill>
+          <a:ln>
+            <a:solidFill>
+              <a:srgbClr val="248BF3"/>
+            </a:solidFill>
+          </a:ln>
+          <a:effectLst/>
+        </p:spPr>
+        <p:style>
+          <a:lnRef idx="1">
+            <a:schemeClr val="accent1"/>
+          </a:lnRef>
+          <a:fillRef idx="3">
+            <a:schemeClr val="accent1"/>
+          </a:fillRef>
+          <a:effectRef idx="2">
+            <a:schemeClr val="accent1"/>
+          </a:effectRef>
+          <a:fontRef idx="minor">
+            <a:schemeClr val="lt1"/>
+          </a:fontRef>
+        </p:style>
+        <p:txBody>
+          <a:bodyPr rtlCol="0" anchor="ctr"/>
+          <a:lstStyle/>
+          <a:p>
+            <a:pPr algn="ctr"/>
+            <a:endParaRPr lang="en-US"/>
+          </a:p>
+        </p:txBody>
+      </p:sp>
+      <p:cxnSp>
+        <p:nvCxnSpPr>
+          <p:cNvPr id="22" name="Straight Connector 21"/>
+          <p:cNvCxnSpPr/>
+          <p:nvPr/>
+        </p:nvCxnSpPr>
+        <p:spPr>
+          <a:xfrm flipV="1">
+            <a:off x="2876792" y="3353744"/>
+            <a:ext cx="0" cy="457676"/>
+          </a:xfrm>
+          <a:prstGeom prst="line">
+            <a:avLst/>
+          </a:prstGeom>
+          <a:ln>
+            <a:solidFill>
+              <a:srgbClr val="248BF3"/>
+            </a:solidFill>
+          </a:ln>
+          <a:effectLst/>
+        </p:spPr>
+        <p:style>
+          <a:lnRef idx="2">
+            <a:schemeClr val="accent1"/>
+          </a:lnRef>
+          <a:fillRef idx="0">
+            <a:schemeClr val="accent1"/>
+          </a:fillRef>
+          <a:effectRef idx="1">
+            <a:schemeClr val="accent1"/>
+          </a:effectRef>
+          <a:fontRef idx="minor">
+            <a:schemeClr val="tx1"/>
+          </a:fontRef>
+        </p:style>
+      </p:cxnSp>
+      <p:sp>
+        <p:nvSpPr>
+          <p:cNvPr id="23" name="TextBox 22"/>
+          <p:cNvSpPr txBox="1"/>
+          <p:nvPr/>
+        </p:nvSpPr>
+        <p:spPr>
+          <a:xfrm>
+            <a:off x="232834" y="3522833"/>
+            <a:ext cx="2146300" cy="338554"/>
+          </a:xfrm>
+          <a:prstGeom prst="rect">
+            <a:avLst/>
+          </a:prstGeom>
+          <a:noFill/>
+        </p:spPr>
+        <p:txBody>
+          <a:bodyPr wrap="square" rtlCol="0">
+            <a:spAutoFit/>
+          </a:bodyPr>
+          <a:lstStyle/>
+          <a:p>
+            <a:r>
+              <a:rPr lang="en-US" sz="1600" dirty="0">
+                <a:solidFill>
+                  <a:srgbClr val="D7D7D7"/>
+                </a:solidFill>
+              </a:rPr>
+              <a:t>Jesus’ Life</a:t>
+            </a:r>
+            <a:endParaRPr lang="en-US" sz="1400" dirty="0">
+              <a:solidFill>
+                <a:srgbClr val="D7D7D7"/>
+              </a:solidFill>
+            </a:endParaRPr>
+          </a:p>
+        </p:txBody>
+      </p:sp>
+      <p:cxnSp>
+        <p:nvCxnSpPr>
+          <p:cNvPr id="24" name="Straight Connector 23"/>
+          <p:cNvCxnSpPr/>
+          <p:nvPr/>
+        </p:nvCxnSpPr>
+        <p:spPr>
+          <a:xfrm>
+            <a:off x="71581" y="3353744"/>
+            <a:ext cx="8714896" cy="0"/>
+          </a:xfrm>
+          <a:prstGeom prst="line">
+            <a:avLst/>
+          </a:prstGeom>
+          <a:ln>
+            <a:solidFill>
+              <a:srgbClr val="D7D7D7"/>
+            </a:solidFill>
+          </a:ln>
+          <a:effectLst/>
+        </p:spPr>
+        <p:style>
+          <a:lnRef idx="2">
+            <a:schemeClr val="accent1"/>
+          </a:lnRef>
+          <a:fillRef idx="0">
+            <a:schemeClr val="accent1"/>
+          </a:fillRef>
+          <a:effectRef idx="1">
+            <a:schemeClr val="accent1"/>
+          </a:effectRef>
+          <a:fontRef idx="minor">
+            <a:schemeClr val="tx1"/>
+          </a:fontRef>
+        </p:style>
+      </p:cxnSp>
+      <p:sp>
+        <p:nvSpPr>
+          <p:cNvPr id="46" name="TextBox 45"/>
+          <p:cNvSpPr txBox="1"/>
+          <p:nvPr/>
+        </p:nvSpPr>
+        <p:spPr>
+          <a:xfrm>
+            <a:off x="228600" y="152400"/>
+            <a:ext cx="8610600" cy="769441"/>
+          </a:xfrm>
+          <a:prstGeom prst="rect">
+            <a:avLst/>
+          </a:prstGeom>
+          <a:noFill/>
+        </p:spPr>
+        <p:txBody>
+          <a:bodyPr wrap="square" rtlCol="0">
+            <a:spAutoFit/>
+          </a:bodyPr>
+          <a:lstStyle/>
+          <a:p>
+            <a:r>
+              <a:rPr lang="en-US" sz="4400" b="1" dirty="0"/>
+              <a:t>Timeline</a:t>
+            </a:r>
+          </a:p>
+        </p:txBody>
+      </p:sp>
+      <p:sp>
+        <p:nvSpPr>
+          <p:cNvPr id="47" name="TextBox 46"/>
+          <p:cNvSpPr txBox="1"/>
+          <p:nvPr/>
+        </p:nvSpPr>
+        <p:spPr>
+          <a:xfrm>
+            <a:off x="228600" y="762000"/>
+            <a:ext cx="8610600" cy="461665"/>
+          </a:xfrm>
+          <a:prstGeom prst="rect">
+            <a:avLst/>
+          </a:prstGeom>
+          <a:noFill/>
+        </p:spPr>
+        <p:txBody>
+          <a:bodyPr wrap="square" rtlCol="0">
+            <a:spAutoFit/>
+          </a:bodyPr>
+          <a:lstStyle/>
+          <a:p>
+            <a:r>
+              <a:rPr lang="en-US" sz="2400" b="1" dirty="0">
+                <a:solidFill>
+                  <a:schemeClr val="bg1">
+                    <a:lumMod val="50000"/>
+                    <a:lumOff val="50000"/>
+                  </a:schemeClr>
+                </a:solidFill>
+              </a:rPr>
+              <a:t>This is the sub-title</a:t>
+            </a:r>
+          </a:p>
+        </p:txBody>
+      </p:sp>
+    </p:spTree>
+    <p:extLst>
+      <p:ext uri="{BB962C8B-B14F-4D97-AF65-F5344CB8AC3E}">
+        <p14:creationId xmlns:p14="http://schemas.microsoft.com/office/powerpoint/2010/main" val="1057289763"/>
+      </p:ext>
+    </p:extLst>
+  </p:cSld>
+  <p:clrMapOvr>
+    <a:masterClrMapping/>
+  </p:clrMapOvr>
+</p:sld>
+</file>
+
+<file path=ppt/slides/slide31.xml><?xml version="1.0" encoding="utf-8"?>
 <p:sld xmlns:a="http://schemas.openxmlformats.org/drawingml/2006/main" xmlns:r="http://schemas.openxmlformats.org/officeDocument/2006/relationships" xmlns:p="http://schemas.openxmlformats.org/presentationml/2006/main">
   <p:cSld>
     <p:spTree>
@@ -24741,7 +25355,7 @@
 </p:sld>
 </file>
 
-<file path=ppt/slides/slide31.xml><?xml version="1.0" encoding="utf-8"?>
+<file path=ppt/slides/slide32.xml><?xml version="1.0" encoding="utf-8"?>
 <p:sld xmlns:a="http://schemas.openxmlformats.org/drawingml/2006/main" xmlns:r="http://schemas.openxmlformats.org/officeDocument/2006/relationships" xmlns:p="http://schemas.openxmlformats.org/presentationml/2006/main">
   <p:cSld>
     <p:spTree>
@@ -25559,7 +26173,7 @@
 </p:sld>
 </file>
 
-<file path=ppt/slides/slide32.xml><?xml version="1.0" encoding="utf-8"?>
+<file path=ppt/slides/slide33.xml><?xml version="1.0" encoding="utf-8"?>
 <p:sld xmlns:a="http://schemas.openxmlformats.org/drawingml/2006/main" xmlns:r="http://schemas.openxmlformats.org/officeDocument/2006/relationships" xmlns:p="http://schemas.openxmlformats.org/presentationml/2006/main">
   <p:cSld>
     <p:spTree>
@@ -25778,7 +26392,7 @@
 </p:sld>
 </file>
 
-<file path=ppt/slides/slide33.xml><?xml version="1.0" encoding="utf-8"?>
+<file path=ppt/slides/slide34.xml><?xml version="1.0" encoding="utf-8"?>
 <p:sld xmlns:a="http://schemas.openxmlformats.org/drawingml/2006/main" xmlns:r="http://schemas.openxmlformats.org/officeDocument/2006/relationships" xmlns:p="http://schemas.openxmlformats.org/presentationml/2006/main">
   <p:cSld>
     <p:spTree>
@@ -26228,7 +26842,7 @@
 </p:sld>
 </file>
 
-<file path=ppt/slides/slide34.xml><?xml version="1.0" encoding="utf-8"?>
+<file path=ppt/slides/slide35.xml><?xml version="1.0" encoding="utf-8"?>
 <p:sld xmlns:a="http://schemas.openxmlformats.org/drawingml/2006/main" xmlns:r="http://schemas.openxmlformats.org/officeDocument/2006/relationships" xmlns:p="http://schemas.openxmlformats.org/presentationml/2006/main">
   <p:cSld>
     <p:spTree>
@@ -26494,633 +27108,6 @@
     <p:extLst>
       <p:ext uri="{BB962C8B-B14F-4D97-AF65-F5344CB8AC3E}">
         <p14:creationId xmlns:p14="http://schemas.microsoft.com/office/powerpoint/2010/main" val="590180934"/>
-      </p:ext>
-    </p:extLst>
-  </p:cSld>
-  <p:clrMapOvr>
-    <a:masterClrMapping/>
-  </p:clrMapOvr>
-  <p:timing>
-    <p:tnLst>
-      <p:par>
-        <p:cTn id="1" dur="indefinite" restart="never" nodeType="tmRoot">
-          <p:childTnLst>
-            <p:seq concurrent="1" nextAc="seek">
-              <p:cTn id="2" dur="indefinite" nodeType="mainSeq">
-                <p:childTnLst>
-                  <p:par>
-                    <p:cTn id="3" fill="hold">
-                      <p:stCondLst>
-                        <p:cond delay="indefinite"/>
-                        <p:cond evt="onBegin" delay="0">
-                          <p:tn val="2"/>
-                        </p:cond>
-                      </p:stCondLst>
-                      <p:childTnLst>
-                        <p:par>
-                          <p:cTn id="4" fill="hold">
-                            <p:stCondLst>
-                              <p:cond delay="0"/>
-                            </p:stCondLst>
-                            <p:childTnLst>
-                              <p:par>
-                                <p:cTn id="5" presetID="10" presetClass="entr" presetSubtype="0" fill="hold" grpId="0" nodeType="afterEffect">
-                                  <p:stCondLst>
-                                    <p:cond delay="1000"/>
-                                  </p:stCondLst>
-                                  <p:childTnLst>
-                                    <p:set>
-                                      <p:cBhvr>
-                                        <p:cTn id="6" dur="1" fill="hold">
-                                          <p:stCondLst>
-                                            <p:cond delay="0"/>
-                                          </p:stCondLst>
-                                        </p:cTn>
-                                        <p:tgtEl>
-                                          <p:spTgt spid="7"/>
-                                        </p:tgtEl>
-                                        <p:attrNameLst>
-                                          <p:attrName>style.visibility</p:attrName>
-                                        </p:attrNameLst>
-                                      </p:cBhvr>
-                                      <p:to>
-                                        <p:strVal val="visible"/>
-                                      </p:to>
-                                    </p:set>
-                                    <p:animEffect transition="in" filter="fade">
-                                      <p:cBhvr>
-                                        <p:cTn id="7" dur="100"/>
-                                        <p:tgtEl>
-                                          <p:spTgt spid="7"/>
-                                        </p:tgtEl>
-                                      </p:cBhvr>
-                                    </p:animEffect>
-                                  </p:childTnLst>
-                                </p:cTn>
-                              </p:par>
-                            </p:childTnLst>
-                          </p:cTn>
-                        </p:par>
-                        <p:par>
-                          <p:cTn id="8" fill="hold">
-                            <p:stCondLst>
-                              <p:cond delay="1100"/>
-                            </p:stCondLst>
-                            <p:childTnLst>
-                              <p:par>
-                                <p:cTn id="9" presetID="1" presetClass="entr" presetSubtype="0" fill="hold" grpId="2" nodeType="afterEffect">
-                                  <p:stCondLst>
-                                    <p:cond delay="0"/>
-                                  </p:stCondLst>
-                                  <p:childTnLst>
-                                    <p:set>
-                                      <p:cBhvr>
-                                        <p:cTn id="10" dur="1" fill="hold">
-                                          <p:stCondLst>
-                                            <p:cond delay="0"/>
-                                          </p:stCondLst>
-                                        </p:cTn>
-                                        <p:tgtEl>
-                                          <p:spTgt spid="5"/>
-                                        </p:tgtEl>
-                                        <p:attrNameLst>
-                                          <p:attrName>style.visibility</p:attrName>
-                                        </p:attrNameLst>
-                                      </p:cBhvr>
-                                      <p:to>
-                                        <p:strVal val="visible"/>
-                                      </p:to>
-                                    </p:set>
-                                  </p:childTnLst>
-                                </p:cTn>
-                              </p:par>
-                            </p:childTnLst>
-                          </p:cTn>
-                        </p:par>
-                        <p:par>
-                          <p:cTn id="11" fill="hold">
-                            <p:stCondLst>
-                              <p:cond delay="1100"/>
-                            </p:stCondLst>
-                            <p:childTnLst>
-                              <p:par>
-                                <p:cTn id="12" presetID="0" presetClass="path" presetSubtype="0" accel="50000" decel="50000" fill="hold" grpId="0" nodeType="afterEffect">
-                                  <p:stCondLst>
-                                    <p:cond delay="0"/>
-                                  </p:stCondLst>
-                                  <p:childTnLst>
-                                    <p:animMotion origin="layout" path="M 0.04236 -1.11111E-6 L 2.77778E-7 -1.11111E-6 " pathEditMode="relative" rAng="0" ptsTypes="AA">
-                                      <p:cBhvr>
-                                        <p:cTn id="13" dur="300" fill="hold"/>
-                                        <p:tgtEl>
-                                          <p:spTgt spid="5"/>
-                                        </p:tgtEl>
-                                        <p:attrNameLst>
-                                          <p:attrName>ppt_x</p:attrName>
-                                          <p:attrName>ppt_y</p:attrName>
-                                        </p:attrNameLst>
-                                      </p:cBhvr>
-                                      <p:rCtr x="-2118" y="0"/>
-                                    </p:animMotion>
-                                  </p:childTnLst>
-                                </p:cTn>
-                              </p:par>
-                              <p:par>
-                                <p:cTn id="14" presetID="10" presetClass="entr" presetSubtype="0" fill="hold" grpId="1" nodeType="withEffect">
-                                  <p:stCondLst>
-                                    <p:cond delay="0"/>
-                                  </p:stCondLst>
-                                  <p:childTnLst>
-                                    <p:set>
-                                      <p:cBhvr>
-                                        <p:cTn id="15" dur="1" fill="hold">
-                                          <p:stCondLst>
-                                            <p:cond delay="0"/>
-                                          </p:stCondLst>
-                                        </p:cTn>
-                                        <p:tgtEl>
-                                          <p:spTgt spid="5"/>
-                                        </p:tgtEl>
-                                        <p:attrNameLst>
-                                          <p:attrName>style.visibility</p:attrName>
-                                        </p:attrNameLst>
-                                      </p:cBhvr>
-                                      <p:to>
-                                        <p:strVal val="visible"/>
-                                      </p:to>
-                                    </p:set>
-                                    <p:animEffect transition="in" filter="fade">
-                                      <p:cBhvr>
-                                        <p:cTn id="16" dur="500"/>
-                                        <p:tgtEl>
-                                          <p:spTgt spid="5"/>
-                                        </p:tgtEl>
-                                      </p:cBhvr>
-                                    </p:animEffect>
-                                  </p:childTnLst>
-                                </p:cTn>
-                              </p:par>
-                            </p:childTnLst>
-                          </p:cTn>
-                        </p:par>
-                        <p:par>
-                          <p:cTn id="17" fill="hold">
-                            <p:stCondLst>
-                              <p:cond delay="1600"/>
-                            </p:stCondLst>
-                            <p:childTnLst>
-                              <p:par>
-                                <p:cTn id="18" presetID="10" presetClass="entr" presetSubtype="0" fill="hold" grpId="0" nodeType="afterEffect">
-                                  <p:stCondLst>
-                                    <p:cond delay="0"/>
-                                  </p:stCondLst>
-                                  <p:childTnLst>
-                                    <p:set>
-                                      <p:cBhvr>
-                                        <p:cTn id="19" dur="1" fill="hold">
-                                          <p:stCondLst>
-                                            <p:cond delay="0"/>
-                                          </p:stCondLst>
-                                        </p:cTn>
-                                        <p:tgtEl>
-                                          <p:spTgt spid="8"/>
-                                        </p:tgtEl>
-                                        <p:attrNameLst>
-                                          <p:attrName>style.visibility</p:attrName>
-                                        </p:attrNameLst>
-                                      </p:cBhvr>
-                                      <p:to>
-                                        <p:strVal val="visible"/>
-                                      </p:to>
-                                    </p:set>
-                                    <p:animEffect transition="in" filter="fade">
-                                      <p:cBhvr>
-                                        <p:cTn id="20" dur="300"/>
-                                        <p:tgtEl>
-                                          <p:spTgt spid="8"/>
-                                        </p:tgtEl>
-                                      </p:cBhvr>
-                                    </p:animEffect>
-                                  </p:childTnLst>
-                                </p:cTn>
-                              </p:par>
-                              <p:par>
-                                <p:cTn id="21" presetID="0" presetClass="path" presetSubtype="0" accel="50000" decel="50000" fill="hold" grpId="1" nodeType="withEffect">
-                                  <p:stCondLst>
-                                    <p:cond delay="0"/>
-                                  </p:stCondLst>
-                                  <p:childTnLst>
-                                    <p:animMotion origin="layout" path="M -3.05556E-6 0.0169 L -3.05556E-6 1.85185E-6 " pathEditMode="relative" rAng="0" ptsTypes="AA">
-                                      <p:cBhvr>
-                                        <p:cTn id="22" dur="200" fill="hold"/>
-                                        <p:tgtEl>
-                                          <p:spTgt spid="8"/>
-                                        </p:tgtEl>
-                                        <p:attrNameLst>
-                                          <p:attrName>ppt_x</p:attrName>
-                                          <p:attrName>ppt_y</p:attrName>
-                                        </p:attrNameLst>
-                                      </p:cBhvr>
-                                      <p:rCtr x="0" y="-856"/>
-                                    </p:animMotion>
-                                  </p:childTnLst>
-                                </p:cTn>
-                              </p:par>
-                            </p:childTnLst>
-                          </p:cTn>
-                        </p:par>
-                        <p:par>
-                          <p:cTn id="23" fill="hold">
-                            <p:stCondLst>
-                              <p:cond delay="1900"/>
-                            </p:stCondLst>
-                            <p:childTnLst>
-                              <p:par>
-                                <p:cTn id="24" presetID="10" presetClass="entr" presetSubtype="0" fill="hold" grpId="0" nodeType="afterEffect">
-                                  <p:stCondLst>
-                                    <p:cond delay="0"/>
-                                  </p:stCondLst>
-                                  <p:childTnLst>
-                                    <p:set>
-                                      <p:cBhvr>
-                                        <p:cTn id="25" dur="1" fill="hold">
-                                          <p:stCondLst>
-                                            <p:cond delay="0"/>
-                                          </p:stCondLst>
-                                        </p:cTn>
-                                        <p:tgtEl>
-                                          <p:spTgt spid="11"/>
-                                        </p:tgtEl>
-                                        <p:attrNameLst>
-                                          <p:attrName>style.visibility</p:attrName>
-                                        </p:attrNameLst>
-                                      </p:cBhvr>
-                                      <p:to>
-                                        <p:strVal val="visible"/>
-                                      </p:to>
-                                    </p:set>
-                                    <p:animEffect transition="in" filter="fade">
-                                      <p:cBhvr>
-                                        <p:cTn id="26" dur="200"/>
-                                        <p:tgtEl>
-                                          <p:spTgt spid="11"/>
-                                        </p:tgtEl>
-                                      </p:cBhvr>
-                                    </p:animEffect>
-                                  </p:childTnLst>
-                                </p:cTn>
-                              </p:par>
-                            </p:childTnLst>
-                          </p:cTn>
-                        </p:par>
-                        <p:par>
-                          <p:cTn id="27" fill="hold">
-                            <p:stCondLst>
-                              <p:cond delay="2100"/>
-                            </p:stCondLst>
-                            <p:childTnLst>
-                              <p:par>
-                                <p:cTn id="28" presetID="10" presetClass="entr" presetSubtype="0" fill="hold" grpId="0" nodeType="afterEffect">
-                                  <p:stCondLst>
-                                    <p:cond delay="0"/>
-                                  </p:stCondLst>
-                                  <p:childTnLst>
-                                    <p:set>
-                                      <p:cBhvr>
-                                        <p:cTn id="29" dur="1" fill="hold">
-                                          <p:stCondLst>
-                                            <p:cond delay="0"/>
-                                          </p:stCondLst>
-                                        </p:cTn>
-                                        <p:tgtEl>
-                                          <p:spTgt spid="10"/>
-                                        </p:tgtEl>
-                                        <p:attrNameLst>
-                                          <p:attrName>style.visibility</p:attrName>
-                                        </p:attrNameLst>
-                                      </p:cBhvr>
-                                      <p:to>
-                                        <p:strVal val="visible"/>
-                                      </p:to>
-                                    </p:set>
-                                    <p:animEffect transition="in" filter="fade">
-                                      <p:cBhvr>
-                                        <p:cTn id="30" dur="200"/>
-                                        <p:tgtEl>
-                                          <p:spTgt spid="10"/>
-                                        </p:tgtEl>
-                                      </p:cBhvr>
-                                    </p:animEffect>
-                                  </p:childTnLst>
-                                </p:cTn>
-                              </p:par>
-                            </p:childTnLst>
-                          </p:cTn>
-                        </p:par>
-                      </p:childTnLst>
-                    </p:cTn>
-                  </p:par>
-                </p:childTnLst>
-              </p:cTn>
-              <p:prevCondLst>
-                <p:cond evt="onPrev" delay="0">
-                  <p:tgtEl>
-                    <p:sldTgt/>
-                  </p:tgtEl>
-                </p:cond>
-              </p:prevCondLst>
-              <p:nextCondLst>
-                <p:cond evt="onNext" delay="0">
-                  <p:tgtEl>
-                    <p:sldTgt/>
-                  </p:tgtEl>
-                </p:cond>
-              </p:nextCondLst>
-            </p:seq>
-          </p:childTnLst>
-        </p:cTn>
-      </p:par>
-    </p:tnLst>
-    <p:bldLst>
-      <p:bldP spid="5" grpId="0" animBg="1"/>
-      <p:bldP spid="5" grpId="1" animBg="1"/>
-      <p:bldP spid="5" grpId="2" animBg="1"/>
-      <p:bldP spid="7" grpId="0" animBg="1"/>
-      <p:bldP spid="8" grpId="0"/>
-      <p:bldP spid="8" grpId="1"/>
-      <p:bldP spid="10" grpId="0" animBg="1"/>
-      <p:bldP spid="11" grpId="0" animBg="1"/>
-    </p:bldLst>
-  </p:timing>
-</p:sld>
-</file>
-
-<file path=ppt/slides/slide35.xml><?xml version="1.0" encoding="utf-8"?>
-<p:sld xmlns:a="http://schemas.openxmlformats.org/drawingml/2006/main" xmlns:r="http://schemas.openxmlformats.org/officeDocument/2006/relationships" xmlns:p="http://schemas.openxmlformats.org/presentationml/2006/main">
-  <p:cSld>
-    <p:spTree>
-      <p:nvGrpSpPr>
-        <p:cNvPr id="1" name=""/>
-        <p:cNvGrpSpPr/>
-        <p:nvPr/>
-      </p:nvGrpSpPr>
-      <p:grpSpPr>
-        <a:xfrm>
-          <a:off x="0" y="0"/>
-          <a:ext cx="0" cy="0"/>
-          <a:chOff x="0" y="0"/>
-          <a:chExt cx="0" cy="0"/>
-        </a:xfrm>
-      </p:grpSpPr>
-      <p:pic>
-        <p:nvPicPr>
-          <p:cNvPr id="3" name="Picture 2"/>
-          <p:cNvPicPr>
-            <a:picLocks noChangeAspect="1"/>
-          </p:cNvPicPr>
-          <p:nvPr/>
-        </p:nvPicPr>
-        <p:blipFill>
-          <a:blip r:embed="rId2">
-            <a:extLst>
-              <a:ext uri="{28A0092B-C50C-407E-A947-70E740481C1C}">
-                <a14:useLocalDpi xmlns:a14="http://schemas.microsoft.com/office/drawing/2010/main" val="0"/>
-              </a:ext>
-            </a:extLst>
-          </a:blip>
-          <a:srcRect/>
-          <a:stretch/>
-        </p:blipFill>
-        <p:spPr>
-          <a:xfrm>
-            <a:off x="1903562" y="0"/>
-            <a:ext cx="5336875" cy="6889384"/>
-          </a:xfrm>
-          <a:prstGeom prst="rect">
-            <a:avLst/>
-          </a:prstGeom>
-        </p:spPr>
-      </p:pic>
-      <p:sp>
-        <p:nvSpPr>
-          <p:cNvPr id="5" name="Rectangle 4"/>
-          <p:cNvSpPr/>
-          <p:nvPr/>
-        </p:nvSpPr>
-        <p:spPr>
-          <a:xfrm>
-            <a:off x="3630913" y="5433289"/>
-            <a:ext cx="3609524" cy="513696"/>
-          </a:xfrm>
-          <a:prstGeom prst="rect">
-            <a:avLst/>
-          </a:prstGeom>
-          <a:solidFill>
-            <a:schemeClr val="bg1"/>
-          </a:solidFill>
-          <a:ln>
-            <a:noFill/>
-          </a:ln>
-          <a:effectLst/>
-        </p:spPr>
-        <p:style>
-          <a:lnRef idx="1">
-            <a:schemeClr val="accent1"/>
-          </a:lnRef>
-          <a:fillRef idx="3">
-            <a:schemeClr val="accent1"/>
-          </a:fillRef>
-          <a:effectRef idx="2">
-            <a:schemeClr val="accent1"/>
-          </a:effectRef>
-          <a:fontRef idx="minor">
-            <a:schemeClr val="lt1"/>
-          </a:fontRef>
-        </p:style>
-        <p:txBody>
-          <a:bodyPr rtlCol="0" anchor="ctr"/>
-          <a:lstStyle/>
-          <a:p>
-            <a:endParaRPr lang="en-US" dirty="0"/>
-          </a:p>
-        </p:txBody>
-      </p:sp>
-      <p:sp>
-        <p:nvSpPr>
-          <p:cNvPr id="7" name="Rectangle 6"/>
-          <p:cNvSpPr/>
-          <p:nvPr/>
-        </p:nvSpPr>
-        <p:spPr>
-          <a:xfrm>
-            <a:off x="3585194" y="5433289"/>
-            <a:ext cx="45719" cy="523220"/>
-          </a:xfrm>
-          <a:prstGeom prst="rect">
-            <a:avLst/>
-          </a:prstGeom>
-          <a:solidFill>
-            <a:srgbClr val="009EC0"/>
-          </a:solidFill>
-          <a:ln>
-            <a:noFill/>
-          </a:ln>
-          <a:effectLst/>
-        </p:spPr>
-        <p:style>
-          <a:lnRef idx="1">
-            <a:schemeClr val="accent1"/>
-          </a:lnRef>
-          <a:fillRef idx="3">
-            <a:schemeClr val="accent1"/>
-          </a:fillRef>
-          <a:effectRef idx="2">
-            <a:schemeClr val="accent1"/>
-          </a:effectRef>
-          <a:fontRef idx="minor">
-            <a:schemeClr val="lt1"/>
-          </a:fontRef>
-        </p:style>
-        <p:txBody>
-          <a:bodyPr rtlCol="0" anchor="ctr"/>
-          <a:lstStyle/>
-          <a:p>
-            <a:pPr algn="ctr"/>
-            <a:endParaRPr lang="en-US"/>
-          </a:p>
-        </p:txBody>
-      </p:sp>
-      <p:sp>
-        <p:nvSpPr>
-          <p:cNvPr id="8" name="TextBox 7"/>
-          <p:cNvSpPr txBox="1"/>
-          <p:nvPr/>
-        </p:nvSpPr>
-        <p:spPr>
-          <a:xfrm>
-            <a:off x="3680427" y="5420380"/>
-            <a:ext cx="3747185" cy="523220"/>
-          </a:xfrm>
-          <a:prstGeom prst="rect">
-            <a:avLst/>
-          </a:prstGeom>
-          <a:noFill/>
-        </p:spPr>
-        <p:txBody>
-          <a:bodyPr wrap="square" rtlCol="0">
-            <a:spAutoFit/>
-          </a:bodyPr>
-          <a:lstStyle/>
-          <a:p>
-            <a:r>
-              <a:rPr lang="en-US" sz="2800" dirty="0">
-                <a:latin typeface="Avenir Book"/>
-                <a:cs typeface="Avenir Book"/>
-              </a:rPr>
-              <a:t>The Church at Auvers</a:t>
-            </a:r>
-          </a:p>
-        </p:txBody>
-      </p:sp>
-      <p:sp>
-        <p:nvSpPr>
-          <p:cNvPr id="10" name="Rectangle 9"/>
-          <p:cNvSpPr/>
-          <p:nvPr/>
-        </p:nvSpPr>
-        <p:spPr>
-          <a:xfrm>
-            <a:off x="3581400" y="5946984"/>
-            <a:ext cx="3659037" cy="143512"/>
-          </a:xfrm>
-          <a:prstGeom prst="rect">
-            <a:avLst/>
-          </a:prstGeom>
-          <a:solidFill>
-            <a:schemeClr val="bg1"/>
-          </a:solidFill>
-          <a:ln>
-            <a:noFill/>
-          </a:ln>
-        </p:spPr>
-        <p:style>
-          <a:lnRef idx="1">
-            <a:schemeClr val="accent1"/>
-          </a:lnRef>
-          <a:fillRef idx="3">
-            <a:schemeClr val="accent1"/>
-          </a:fillRef>
-          <a:effectRef idx="2">
-            <a:schemeClr val="accent1"/>
-          </a:effectRef>
-          <a:fontRef idx="minor">
-            <a:schemeClr val="lt1"/>
-          </a:fontRef>
-        </p:style>
-        <p:txBody>
-          <a:bodyPr lIns="164592" rtlCol="0" anchor="ctr"/>
-          <a:lstStyle/>
-          <a:p>
-            <a:r>
-              <a:rPr lang="en-US" sz="800" dirty="0">
-                <a:solidFill>
-                  <a:schemeClr val="tx1"/>
-                </a:solidFill>
-              </a:rPr>
-              <a:t>Vincent van Gogh (June 1890)</a:t>
-            </a:r>
-          </a:p>
-        </p:txBody>
-      </p:sp>
-      <p:sp>
-        <p:nvSpPr>
-          <p:cNvPr id="11" name="Rectangle 10"/>
-          <p:cNvSpPr/>
-          <p:nvPr/>
-        </p:nvSpPr>
-        <p:spPr>
-          <a:xfrm>
-            <a:off x="3581400" y="5942963"/>
-            <a:ext cx="49513" cy="147533"/>
-          </a:xfrm>
-          <a:prstGeom prst="rect">
-            <a:avLst/>
-          </a:prstGeom>
-          <a:solidFill>
-            <a:srgbClr val="009EC0"/>
-          </a:solidFill>
-          <a:ln>
-            <a:noFill/>
-          </a:ln>
-          <a:effectLst/>
-        </p:spPr>
-        <p:style>
-          <a:lnRef idx="1">
-            <a:schemeClr val="accent1"/>
-          </a:lnRef>
-          <a:fillRef idx="3">
-            <a:schemeClr val="accent1"/>
-          </a:fillRef>
-          <a:effectRef idx="2">
-            <a:schemeClr val="accent1"/>
-          </a:effectRef>
-          <a:fontRef idx="minor">
-            <a:schemeClr val="lt1"/>
-          </a:fontRef>
-        </p:style>
-        <p:txBody>
-          <a:bodyPr rtlCol="0" anchor="ctr"/>
-          <a:lstStyle/>
-          <a:p>
-            <a:pPr algn="ctr"/>
-            <a:endParaRPr lang="en-US"/>
-          </a:p>
-        </p:txBody>
-      </p:sp>
-    </p:spTree>
-    <p:extLst>
-      <p:ext uri="{BB962C8B-B14F-4D97-AF65-F5344CB8AC3E}">
-        <p14:creationId xmlns:p14="http://schemas.microsoft.com/office/powerpoint/2010/main" val="3831921398"/>
       </p:ext>
     </p:extLst>
   </p:cSld>
@@ -27536,6 +27523,633 @@
         </p:nvSpPr>
         <p:spPr>
           <a:xfrm>
+            <a:off x="3630913" y="5433289"/>
+            <a:ext cx="3609524" cy="513696"/>
+          </a:xfrm>
+          <a:prstGeom prst="rect">
+            <a:avLst/>
+          </a:prstGeom>
+          <a:solidFill>
+            <a:schemeClr val="bg1"/>
+          </a:solidFill>
+          <a:ln>
+            <a:noFill/>
+          </a:ln>
+          <a:effectLst/>
+        </p:spPr>
+        <p:style>
+          <a:lnRef idx="1">
+            <a:schemeClr val="accent1"/>
+          </a:lnRef>
+          <a:fillRef idx="3">
+            <a:schemeClr val="accent1"/>
+          </a:fillRef>
+          <a:effectRef idx="2">
+            <a:schemeClr val="accent1"/>
+          </a:effectRef>
+          <a:fontRef idx="minor">
+            <a:schemeClr val="lt1"/>
+          </a:fontRef>
+        </p:style>
+        <p:txBody>
+          <a:bodyPr rtlCol="0" anchor="ctr"/>
+          <a:lstStyle/>
+          <a:p>
+            <a:endParaRPr lang="en-US" dirty="0"/>
+          </a:p>
+        </p:txBody>
+      </p:sp>
+      <p:sp>
+        <p:nvSpPr>
+          <p:cNvPr id="7" name="Rectangle 6"/>
+          <p:cNvSpPr/>
+          <p:nvPr/>
+        </p:nvSpPr>
+        <p:spPr>
+          <a:xfrm>
+            <a:off x="3585194" y="5433289"/>
+            <a:ext cx="45719" cy="523220"/>
+          </a:xfrm>
+          <a:prstGeom prst="rect">
+            <a:avLst/>
+          </a:prstGeom>
+          <a:solidFill>
+            <a:srgbClr val="009EC0"/>
+          </a:solidFill>
+          <a:ln>
+            <a:noFill/>
+          </a:ln>
+          <a:effectLst/>
+        </p:spPr>
+        <p:style>
+          <a:lnRef idx="1">
+            <a:schemeClr val="accent1"/>
+          </a:lnRef>
+          <a:fillRef idx="3">
+            <a:schemeClr val="accent1"/>
+          </a:fillRef>
+          <a:effectRef idx="2">
+            <a:schemeClr val="accent1"/>
+          </a:effectRef>
+          <a:fontRef idx="minor">
+            <a:schemeClr val="lt1"/>
+          </a:fontRef>
+        </p:style>
+        <p:txBody>
+          <a:bodyPr rtlCol="0" anchor="ctr"/>
+          <a:lstStyle/>
+          <a:p>
+            <a:pPr algn="ctr"/>
+            <a:endParaRPr lang="en-US"/>
+          </a:p>
+        </p:txBody>
+      </p:sp>
+      <p:sp>
+        <p:nvSpPr>
+          <p:cNvPr id="8" name="TextBox 7"/>
+          <p:cNvSpPr txBox="1"/>
+          <p:nvPr/>
+        </p:nvSpPr>
+        <p:spPr>
+          <a:xfrm>
+            <a:off x="3680427" y="5420380"/>
+            <a:ext cx="3747185" cy="523220"/>
+          </a:xfrm>
+          <a:prstGeom prst="rect">
+            <a:avLst/>
+          </a:prstGeom>
+          <a:noFill/>
+        </p:spPr>
+        <p:txBody>
+          <a:bodyPr wrap="square" rtlCol="0">
+            <a:spAutoFit/>
+          </a:bodyPr>
+          <a:lstStyle/>
+          <a:p>
+            <a:r>
+              <a:rPr lang="en-US" sz="2800" dirty="0">
+                <a:latin typeface="Avenir Book"/>
+                <a:cs typeface="Avenir Book"/>
+              </a:rPr>
+              <a:t>The Church at Auvers</a:t>
+            </a:r>
+          </a:p>
+        </p:txBody>
+      </p:sp>
+      <p:sp>
+        <p:nvSpPr>
+          <p:cNvPr id="10" name="Rectangle 9"/>
+          <p:cNvSpPr/>
+          <p:nvPr/>
+        </p:nvSpPr>
+        <p:spPr>
+          <a:xfrm>
+            <a:off x="3581400" y="5946984"/>
+            <a:ext cx="3659037" cy="143512"/>
+          </a:xfrm>
+          <a:prstGeom prst="rect">
+            <a:avLst/>
+          </a:prstGeom>
+          <a:solidFill>
+            <a:schemeClr val="bg1"/>
+          </a:solidFill>
+          <a:ln>
+            <a:noFill/>
+          </a:ln>
+        </p:spPr>
+        <p:style>
+          <a:lnRef idx="1">
+            <a:schemeClr val="accent1"/>
+          </a:lnRef>
+          <a:fillRef idx="3">
+            <a:schemeClr val="accent1"/>
+          </a:fillRef>
+          <a:effectRef idx="2">
+            <a:schemeClr val="accent1"/>
+          </a:effectRef>
+          <a:fontRef idx="minor">
+            <a:schemeClr val="lt1"/>
+          </a:fontRef>
+        </p:style>
+        <p:txBody>
+          <a:bodyPr lIns="164592" rtlCol="0" anchor="ctr"/>
+          <a:lstStyle/>
+          <a:p>
+            <a:r>
+              <a:rPr lang="en-US" sz="800" dirty="0">
+                <a:solidFill>
+                  <a:schemeClr val="tx1"/>
+                </a:solidFill>
+              </a:rPr>
+              <a:t>Vincent van Gogh (June 1890)</a:t>
+            </a:r>
+          </a:p>
+        </p:txBody>
+      </p:sp>
+      <p:sp>
+        <p:nvSpPr>
+          <p:cNvPr id="11" name="Rectangle 10"/>
+          <p:cNvSpPr/>
+          <p:nvPr/>
+        </p:nvSpPr>
+        <p:spPr>
+          <a:xfrm>
+            <a:off x="3581400" y="5942963"/>
+            <a:ext cx="49513" cy="147533"/>
+          </a:xfrm>
+          <a:prstGeom prst="rect">
+            <a:avLst/>
+          </a:prstGeom>
+          <a:solidFill>
+            <a:srgbClr val="009EC0"/>
+          </a:solidFill>
+          <a:ln>
+            <a:noFill/>
+          </a:ln>
+          <a:effectLst/>
+        </p:spPr>
+        <p:style>
+          <a:lnRef idx="1">
+            <a:schemeClr val="accent1"/>
+          </a:lnRef>
+          <a:fillRef idx="3">
+            <a:schemeClr val="accent1"/>
+          </a:fillRef>
+          <a:effectRef idx="2">
+            <a:schemeClr val="accent1"/>
+          </a:effectRef>
+          <a:fontRef idx="minor">
+            <a:schemeClr val="lt1"/>
+          </a:fontRef>
+        </p:style>
+        <p:txBody>
+          <a:bodyPr rtlCol="0" anchor="ctr"/>
+          <a:lstStyle/>
+          <a:p>
+            <a:pPr algn="ctr"/>
+            <a:endParaRPr lang="en-US"/>
+          </a:p>
+        </p:txBody>
+      </p:sp>
+    </p:spTree>
+    <p:extLst>
+      <p:ext uri="{BB962C8B-B14F-4D97-AF65-F5344CB8AC3E}">
+        <p14:creationId xmlns:p14="http://schemas.microsoft.com/office/powerpoint/2010/main" val="3831921398"/>
+      </p:ext>
+    </p:extLst>
+  </p:cSld>
+  <p:clrMapOvr>
+    <a:masterClrMapping/>
+  </p:clrMapOvr>
+  <p:timing>
+    <p:tnLst>
+      <p:par>
+        <p:cTn id="1" dur="indefinite" restart="never" nodeType="tmRoot">
+          <p:childTnLst>
+            <p:seq concurrent="1" nextAc="seek">
+              <p:cTn id="2" dur="indefinite" nodeType="mainSeq">
+                <p:childTnLst>
+                  <p:par>
+                    <p:cTn id="3" fill="hold">
+                      <p:stCondLst>
+                        <p:cond delay="indefinite"/>
+                        <p:cond evt="onBegin" delay="0">
+                          <p:tn val="2"/>
+                        </p:cond>
+                      </p:stCondLst>
+                      <p:childTnLst>
+                        <p:par>
+                          <p:cTn id="4" fill="hold">
+                            <p:stCondLst>
+                              <p:cond delay="0"/>
+                            </p:stCondLst>
+                            <p:childTnLst>
+                              <p:par>
+                                <p:cTn id="5" presetID="10" presetClass="entr" presetSubtype="0" fill="hold" grpId="0" nodeType="afterEffect">
+                                  <p:stCondLst>
+                                    <p:cond delay="1000"/>
+                                  </p:stCondLst>
+                                  <p:childTnLst>
+                                    <p:set>
+                                      <p:cBhvr>
+                                        <p:cTn id="6" dur="1" fill="hold">
+                                          <p:stCondLst>
+                                            <p:cond delay="0"/>
+                                          </p:stCondLst>
+                                        </p:cTn>
+                                        <p:tgtEl>
+                                          <p:spTgt spid="7"/>
+                                        </p:tgtEl>
+                                        <p:attrNameLst>
+                                          <p:attrName>style.visibility</p:attrName>
+                                        </p:attrNameLst>
+                                      </p:cBhvr>
+                                      <p:to>
+                                        <p:strVal val="visible"/>
+                                      </p:to>
+                                    </p:set>
+                                    <p:animEffect transition="in" filter="fade">
+                                      <p:cBhvr>
+                                        <p:cTn id="7" dur="100"/>
+                                        <p:tgtEl>
+                                          <p:spTgt spid="7"/>
+                                        </p:tgtEl>
+                                      </p:cBhvr>
+                                    </p:animEffect>
+                                  </p:childTnLst>
+                                </p:cTn>
+                              </p:par>
+                            </p:childTnLst>
+                          </p:cTn>
+                        </p:par>
+                        <p:par>
+                          <p:cTn id="8" fill="hold">
+                            <p:stCondLst>
+                              <p:cond delay="1100"/>
+                            </p:stCondLst>
+                            <p:childTnLst>
+                              <p:par>
+                                <p:cTn id="9" presetID="1" presetClass="entr" presetSubtype="0" fill="hold" grpId="2" nodeType="afterEffect">
+                                  <p:stCondLst>
+                                    <p:cond delay="0"/>
+                                  </p:stCondLst>
+                                  <p:childTnLst>
+                                    <p:set>
+                                      <p:cBhvr>
+                                        <p:cTn id="10" dur="1" fill="hold">
+                                          <p:stCondLst>
+                                            <p:cond delay="0"/>
+                                          </p:stCondLst>
+                                        </p:cTn>
+                                        <p:tgtEl>
+                                          <p:spTgt spid="5"/>
+                                        </p:tgtEl>
+                                        <p:attrNameLst>
+                                          <p:attrName>style.visibility</p:attrName>
+                                        </p:attrNameLst>
+                                      </p:cBhvr>
+                                      <p:to>
+                                        <p:strVal val="visible"/>
+                                      </p:to>
+                                    </p:set>
+                                  </p:childTnLst>
+                                </p:cTn>
+                              </p:par>
+                            </p:childTnLst>
+                          </p:cTn>
+                        </p:par>
+                        <p:par>
+                          <p:cTn id="11" fill="hold">
+                            <p:stCondLst>
+                              <p:cond delay="1100"/>
+                            </p:stCondLst>
+                            <p:childTnLst>
+                              <p:par>
+                                <p:cTn id="12" presetID="0" presetClass="path" presetSubtype="0" accel="50000" decel="50000" fill="hold" grpId="0" nodeType="afterEffect">
+                                  <p:stCondLst>
+                                    <p:cond delay="0"/>
+                                  </p:stCondLst>
+                                  <p:childTnLst>
+                                    <p:animMotion origin="layout" path="M 0.04236 -1.11111E-6 L 2.77778E-7 -1.11111E-6 " pathEditMode="relative" rAng="0" ptsTypes="AA">
+                                      <p:cBhvr>
+                                        <p:cTn id="13" dur="300" fill="hold"/>
+                                        <p:tgtEl>
+                                          <p:spTgt spid="5"/>
+                                        </p:tgtEl>
+                                        <p:attrNameLst>
+                                          <p:attrName>ppt_x</p:attrName>
+                                          <p:attrName>ppt_y</p:attrName>
+                                        </p:attrNameLst>
+                                      </p:cBhvr>
+                                      <p:rCtr x="-2118" y="0"/>
+                                    </p:animMotion>
+                                  </p:childTnLst>
+                                </p:cTn>
+                              </p:par>
+                              <p:par>
+                                <p:cTn id="14" presetID="10" presetClass="entr" presetSubtype="0" fill="hold" grpId="1" nodeType="withEffect">
+                                  <p:stCondLst>
+                                    <p:cond delay="0"/>
+                                  </p:stCondLst>
+                                  <p:childTnLst>
+                                    <p:set>
+                                      <p:cBhvr>
+                                        <p:cTn id="15" dur="1" fill="hold">
+                                          <p:stCondLst>
+                                            <p:cond delay="0"/>
+                                          </p:stCondLst>
+                                        </p:cTn>
+                                        <p:tgtEl>
+                                          <p:spTgt spid="5"/>
+                                        </p:tgtEl>
+                                        <p:attrNameLst>
+                                          <p:attrName>style.visibility</p:attrName>
+                                        </p:attrNameLst>
+                                      </p:cBhvr>
+                                      <p:to>
+                                        <p:strVal val="visible"/>
+                                      </p:to>
+                                    </p:set>
+                                    <p:animEffect transition="in" filter="fade">
+                                      <p:cBhvr>
+                                        <p:cTn id="16" dur="500"/>
+                                        <p:tgtEl>
+                                          <p:spTgt spid="5"/>
+                                        </p:tgtEl>
+                                      </p:cBhvr>
+                                    </p:animEffect>
+                                  </p:childTnLst>
+                                </p:cTn>
+                              </p:par>
+                            </p:childTnLst>
+                          </p:cTn>
+                        </p:par>
+                        <p:par>
+                          <p:cTn id="17" fill="hold">
+                            <p:stCondLst>
+                              <p:cond delay="1600"/>
+                            </p:stCondLst>
+                            <p:childTnLst>
+                              <p:par>
+                                <p:cTn id="18" presetID="10" presetClass="entr" presetSubtype="0" fill="hold" grpId="0" nodeType="afterEffect">
+                                  <p:stCondLst>
+                                    <p:cond delay="0"/>
+                                  </p:stCondLst>
+                                  <p:childTnLst>
+                                    <p:set>
+                                      <p:cBhvr>
+                                        <p:cTn id="19" dur="1" fill="hold">
+                                          <p:stCondLst>
+                                            <p:cond delay="0"/>
+                                          </p:stCondLst>
+                                        </p:cTn>
+                                        <p:tgtEl>
+                                          <p:spTgt spid="8"/>
+                                        </p:tgtEl>
+                                        <p:attrNameLst>
+                                          <p:attrName>style.visibility</p:attrName>
+                                        </p:attrNameLst>
+                                      </p:cBhvr>
+                                      <p:to>
+                                        <p:strVal val="visible"/>
+                                      </p:to>
+                                    </p:set>
+                                    <p:animEffect transition="in" filter="fade">
+                                      <p:cBhvr>
+                                        <p:cTn id="20" dur="300"/>
+                                        <p:tgtEl>
+                                          <p:spTgt spid="8"/>
+                                        </p:tgtEl>
+                                      </p:cBhvr>
+                                    </p:animEffect>
+                                  </p:childTnLst>
+                                </p:cTn>
+                              </p:par>
+                              <p:par>
+                                <p:cTn id="21" presetID="0" presetClass="path" presetSubtype="0" accel="50000" decel="50000" fill="hold" grpId="1" nodeType="withEffect">
+                                  <p:stCondLst>
+                                    <p:cond delay="0"/>
+                                  </p:stCondLst>
+                                  <p:childTnLst>
+                                    <p:animMotion origin="layout" path="M -3.05556E-6 0.0169 L -3.05556E-6 1.85185E-6 " pathEditMode="relative" rAng="0" ptsTypes="AA">
+                                      <p:cBhvr>
+                                        <p:cTn id="22" dur="200" fill="hold"/>
+                                        <p:tgtEl>
+                                          <p:spTgt spid="8"/>
+                                        </p:tgtEl>
+                                        <p:attrNameLst>
+                                          <p:attrName>ppt_x</p:attrName>
+                                          <p:attrName>ppt_y</p:attrName>
+                                        </p:attrNameLst>
+                                      </p:cBhvr>
+                                      <p:rCtr x="0" y="-856"/>
+                                    </p:animMotion>
+                                  </p:childTnLst>
+                                </p:cTn>
+                              </p:par>
+                            </p:childTnLst>
+                          </p:cTn>
+                        </p:par>
+                        <p:par>
+                          <p:cTn id="23" fill="hold">
+                            <p:stCondLst>
+                              <p:cond delay="1900"/>
+                            </p:stCondLst>
+                            <p:childTnLst>
+                              <p:par>
+                                <p:cTn id="24" presetID="10" presetClass="entr" presetSubtype="0" fill="hold" grpId="0" nodeType="afterEffect">
+                                  <p:stCondLst>
+                                    <p:cond delay="0"/>
+                                  </p:stCondLst>
+                                  <p:childTnLst>
+                                    <p:set>
+                                      <p:cBhvr>
+                                        <p:cTn id="25" dur="1" fill="hold">
+                                          <p:stCondLst>
+                                            <p:cond delay="0"/>
+                                          </p:stCondLst>
+                                        </p:cTn>
+                                        <p:tgtEl>
+                                          <p:spTgt spid="11"/>
+                                        </p:tgtEl>
+                                        <p:attrNameLst>
+                                          <p:attrName>style.visibility</p:attrName>
+                                        </p:attrNameLst>
+                                      </p:cBhvr>
+                                      <p:to>
+                                        <p:strVal val="visible"/>
+                                      </p:to>
+                                    </p:set>
+                                    <p:animEffect transition="in" filter="fade">
+                                      <p:cBhvr>
+                                        <p:cTn id="26" dur="200"/>
+                                        <p:tgtEl>
+                                          <p:spTgt spid="11"/>
+                                        </p:tgtEl>
+                                      </p:cBhvr>
+                                    </p:animEffect>
+                                  </p:childTnLst>
+                                </p:cTn>
+                              </p:par>
+                            </p:childTnLst>
+                          </p:cTn>
+                        </p:par>
+                        <p:par>
+                          <p:cTn id="27" fill="hold">
+                            <p:stCondLst>
+                              <p:cond delay="2100"/>
+                            </p:stCondLst>
+                            <p:childTnLst>
+                              <p:par>
+                                <p:cTn id="28" presetID="10" presetClass="entr" presetSubtype="0" fill="hold" grpId="0" nodeType="afterEffect">
+                                  <p:stCondLst>
+                                    <p:cond delay="0"/>
+                                  </p:stCondLst>
+                                  <p:childTnLst>
+                                    <p:set>
+                                      <p:cBhvr>
+                                        <p:cTn id="29" dur="1" fill="hold">
+                                          <p:stCondLst>
+                                            <p:cond delay="0"/>
+                                          </p:stCondLst>
+                                        </p:cTn>
+                                        <p:tgtEl>
+                                          <p:spTgt spid="10"/>
+                                        </p:tgtEl>
+                                        <p:attrNameLst>
+                                          <p:attrName>style.visibility</p:attrName>
+                                        </p:attrNameLst>
+                                      </p:cBhvr>
+                                      <p:to>
+                                        <p:strVal val="visible"/>
+                                      </p:to>
+                                    </p:set>
+                                    <p:animEffect transition="in" filter="fade">
+                                      <p:cBhvr>
+                                        <p:cTn id="30" dur="200"/>
+                                        <p:tgtEl>
+                                          <p:spTgt spid="10"/>
+                                        </p:tgtEl>
+                                      </p:cBhvr>
+                                    </p:animEffect>
+                                  </p:childTnLst>
+                                </p:cTn>
+                              </p:par>
+                            </p:childTnLst>
+                          </p:cTn>
+                        </p:par>
+                      </p:childTnLst>
+                    </p:cTn>
+                  </p:par>
+                </p:childTnLst>
+              </p:cTn>
+              <p:prevCondLst>
+                <p:cond evt="onPrev" delay="0">
+                  <p:tgtEl>
+                    <p:sldTgt/>
+                  </p:tgtEl>
+                </p:cond>
+              </p:prevCondLst>
+              <p:nextCondLst>
+                <p:cond evt="onNext" delay="0">
+                  <p:tgtEl>
+                    <p:sldTgt/>
+                  </p:tgtEl>
+                </p:cond>
+              </p:nextCondLst>
+            </p:seq>
+          </p:childTnLst>
+        </p:cTn>
+      </p:par>
+    </p:tnLst>
+    <p:bldLst>
+      <p:bldP spid="5" grpId="0" animBg="1"/>
+      <p:bldP spid="5" grpId="1" animBg="1"/>
+      <p:bldP spid="5" grpId="2" animBg="1"/>
+      <p:bldP spid="7" grpId="0" animBg="1"/>
+      <p:bldP spid="8" grpId="0"/>
+      <p:bldP spid="8" grpId="1"/>
+      <p:bldP spid="10" grpId="0" animBg="1"/>
+      <p:bldP spid="11" grpId="0" animBg="1"/>
+    </p:bldLst>
+  </p:timing>
+</p:sld>
+</file>
+
+<file path=ppt/slides/slide37.xml><?xml version="1.0" encoding="utf-8"?>
+<p:sld xmlns:a="http://schemas.openxmlformats.org/drawingml/2006/main" xmlns:r="http://schemas.openxmlformats.org/officeDocument/2006/relationships" xmlns:p="http://schemas.openxmlformats.org/presentationml/2006/main">
+  <p:cSld>
+    <p:spTree>
+      <p:nvGrpSpPr>
+        <p:cNvPr id="1" name=""/>
+        <p:cNvGrpSpPr/>
+        <p:nvPr/>
+      </p:nvGrpSpPr>
+      <p:grpSpPr>
+        <a:xfrm>
+          <a:off x="0" y="0"/>
+          <a:ext cx="0" cy="0"/>
+          <a:chOff x="0" y="0"/>
+          <a:chExt cx="0" cy="0"/>
+        </a:xfrm>
+      </p:grpSpPr>
+      <p:pic>
+        <p:nvPicPr>
+          <p:cNvPr id="3" name="Picture 2"/>
+          <p:cNvPicPr>
+            <a:picLocks noChangeAspect="1"/>
+          </p:cNvPicPr>
+          <p:nvPr/>
+        </p:nvPicPr>
+        <p:blipFill>
+          <a:blip r:embed="rId2">
+            <a:extLst>
+              <a:ext uri="{28A0092B-C50C-407E-A947-70E740481C1C}">
+                <a14:useLocalDpi xmlns:a14="http://schemas.microsoft.com/office/drawing/2010/main" val="0"/>
+              </a:ext>
+            </a:extLst>
+          </a:blip>
+          <a:srcRect/>
+          <a:stretch/>
+        </p:blipFill>
+        <p:spPr>
+          <a:xfrm>
+            <a:off x="1903562" y="0"/>
+            <a:ext cx="5336875" cy="6889384"/>
+          </a:xfrm>
+          <a:prstGeom prst="rect">
+            <a:avLst/>
+          </a:prstGeom>
+        </p:spPr>
+      </p:pic>
+      <p:sp>
+        <p:nvSpPr>
+          <p:cNvPr id="5" name="Rectangle 4"/>
+          <p:cNvSpPr/>
+          <p:nvPr/>
+        </p:nvSpPr>
+        <p:spPr>
+          <a:xfrm>
             <a:off x="4191000" y="5606668"/>
             <a:ext cx="2703212" cy="483827"/>
           </a:xfrm>
@@ -27936,7 +28550,7 @@
 </p:sld>
 </file>
 
-<file path=ppt/slides/slide37.xml><?xml version="1.0" encoding="utf-8"?>
+<file path=ppt/slides/slide38.xml><?xml version="1.0" encoding="utf-8"?>
 <p:sld xmlns:a="http://schemas.openxmlformats.org/drawingml/2006/main" xmlns:r="http://schemas.openxmlformats.org/officeDocument/2006/relationships" xmlns:p="http://schemas.openxmlformats.org/presentationml/2006/main">
   <p:cSld>
     <p:spTree>
@@ -28443,7 +29057,7 @@
 </p:sld>
 </file>
 
-<file path=ppt/slides/slide38.xml><?xml version="1.0" encoding="utf-8"?>
+<file path=ppt/slides/slide39.xml><?xml version="1.0" encoding="utf-8"?>
 <p:sld xmlns:a="http://schemas.openxmlformats.org/drawingml/2006/main" xmlns:r="http://schemas.openxmlformats.org/officeDocument/2006/relationships" xmlns:p="http://schemas.openxmlformats.org/presentationml/2006/main">
   <p:cSld>
     <p:spTree>
@@ -29126,7 +29740,858 @@
 </p:sld>
 </file>
 
-<file path=ppt/slides/slide39.xml><?xml version="1.0" encoding="utf-8"?>
+<file path=ppt/slides/slide4.xml><?xml version="1.0" encoding="utf-8"?>
+<p:sld xmlns:a="http://schemas.openxmlformats.org/drawingml/2006/main" xmlns:r="http://schemas.openxmlformats.org/officeDocument/2006/relationships" xmlns:p="http://schemas.openxmlformats.org/presentationml/2006/main">
+  <p:cSld>
+    <p:spTree>
+      <p:nvGrpSpPr>
+        <p:cNvPr id="1" name=""/>
+        <p:cNvGrpSpPr/>
+        <p:nvPr/>
+      </p:nvGrpSpPr>
+      <p:grpSpPr>
+        <a:xfrm>
+          <a:off x="0" y="0"/>
+          <a:ext cx="0" cy="0"/>
+          <a:chOff x="0" y="0"/>
+          <a:chExt cx="0" cy="0"/>
+        </a:xfrm>
+      </p:grpSpPr>
+      <p:cxnSp>
+        <p:nvCxnSpPr>
+          <p:cNvPr id="5" name="Curved Connector 4">
+            <a:extLst>
+              <a:ext uri="{FF2B5EF4-FFF2-40B4-BE49-F238E27FC236}">
+                <a16:creationId xmlns:a16="http://schemas.microsoft.com/office/drawing/2014/main" id="{9B938FB6-1E76-1940-B2BE-9F802CF659B0}"/>
+              </a:ext>
+            </a:extLst>
+          </p:cNvPr>
+          <p:cNvCxnSpPr>
+            <a:cxnSpLocks/>
+            <a:stCxn id="9" idx="6"/>
+            <a:endCxn id="7" idx="2"/>
+          </p:cNvCxnSpPr>
+          <p:nvPr/>
+        </p:nvCxnSpPr>
+        <p:spPr>
+          <a:xfrm flipV="1">
+            <a:off x="1219200" y="1866900"/>
+            <a:ext cx="1524000" cy="1295400"/>
+          </a:xfrm>
+          <a:prstGeom prst="curvedConnector3">
+            <a:avLst>
+              <a:gd name="adj1" fmla="val 50000"/>
+            </a:avLst>
+          </a:prstGeom>
+          <a:ln w="76200" cap="rnd">
+            <a:solidFill>
+              <a:schemeClr val="tx1">
+                <a:lumMod val="50000"/>
+              </a:schemeClr>
+            </a:solidFill>
+          </a:ln>
+        </p:spPr>
+        <p:style>
+          <a:lnRef idx="1">
+            <a:schemeClr val="accent1"/>
+          </a:lnRef>
+          <a:fillRef idx="0">
+            <a:schemeClr val="accent1"/>
+          </a:fillRef>
+          <a:effectRef idx="0">
+            <a:schemeClr val="accent1"/>
+          </a:effectRef>
+          <a:fontRef idx="minor">
+            <a:schemeClr val="tx1"/>
+          </a:fontRef>
+        </p:style>
+      </p:cxnSp>
+      <p:cxnSp>
+        <p:nvCxnSpPr>
+          <p:cNvPr id="11" name="Curved Connector 10">
+            <a:extLst>
+              <a:ext uri="{FF2B5EF4-FFF2-40B4-BE49-F238E27FC236}">
+                <a16:creationId xmlns:a16="http://schemas.microsoft.com/office/drawing/2014/main" id="{5A36A0B3-50D8-6B4A-AA51-EDB81BC12C2A}"/>
+              </a:ext>
+            </a:extLst>
+          </p:cNvPr>
+          <p:cNvCxnSpPr>
+            <a:cxnSpLocks/>
+            <a:stCxn id="9" idx="6"/>
+            <a:endCxn id="12" idx="2"/>
+          </p:cNvCxnSpPr>
+          <p:nvPr/>
+        </p:nvCxnSpPr>
+        <p:spPr>
+          <a:xfrm>
+            <a:off x="1219200" y="3162300"/>
+            <a:ext cx="1524929" cy="1295400"/>
+          </a:xfrm>
+          <a:prstGeom prst="curvedConnector3">
+            <a:avLst>
+              <a:gd name="adj1" fmla="val 50000"/>
+            </a:avLst>
+          </a:prstGeom>
+          <a:ln w="76200" cap="rnd">
+            <a:solidFill>
+              <a:schemeClr val="tx1">
+                <a:lumMod val="50000"/>
+              </a:schemeClr>
+            </a:solidFill>
+          </a:ln>
+        </p:spPr>
+        <p:style>
+          <a:lnRef idx="1">
+            <a:schemeClr val="accent1"/>
+          </a:lnRef>
+          <a:fillRef idx="0">
+            <a:schemeClr val="accent1"/>
+          </a:fillRef>
+          <a:effectRef idx="0">
+            <a:schemeClr val="accent1"/>
+          </a:effectRef>
+          <a:fontRef idx="minor">
+            <a:schemeClr val="tx1"/>
+          </a:fontRef>
+        </p:style>
+      </p:cxnSp>
+      <p:sp>
+        <p:nvSpPr>
+          <p:cNvPr id="9" name="Oval 8">
+            <a:extLst>
+              <a:ext uri="{FF2B5EF4-FFF2-40B4-BE49-F238E27FC236}">
+                <a16:creationId xmlns:a16="http://schemas.microsoft.com/office/drawing/2014/main" id="{7081BB5B-827A-9546-BDD3-8E9316908DEF}"/>
+              </a:ext>
+            </a:extLst>
+          </p:cNvPr>
+          <p:cNvSpPr/>
+          <p:nvPr/>
+        </p:nvSpPr>
+        <p:spPr>
+          <a:xfrm>
+            <a:off x="1143000" y="3124200"/>
+            <a:ext cx="76200" cy="76200"/>
+          </a:xfrm>
+          <a:prstGeom prst="ellipse">
+            <a:avLst/>
+          </a:prstGeom>
+          <a:solidFill>
+            <a:schemeClr val="tx1"/>
+          </a:solidFill>
+          <a:ln>
+            <a:noFill/>
+          </a:ln>
+        </p:spPr>
+        <p:style>
+          <a:lnRef idx="2">
+            <a:schemeClr val="accent1">
+              <a:shade val="50000"/>
+            </a:schemeClr>
+          </a:lnRef>
+          <a:fillRef idx="1">
+            <a:schemeClr val="accent1"/>
+          </a:fillRef>
+          <a:effectRef idx="0">
+            <a:schemeClr val="accent1"/>
+          </a:effectRef>
+          <a:fontRef idx="minor">
+            <a:schemeClr val="lt1"/>
+          </a:fontRef>
+        </p:style>
+        <p:txBody>
+          <a:bodyPr rtlCol="0" anchor="ctr"/>
+          <a:lstStyle/>
+          <a:p>
+            <a:pPr algn="ctr"/>
+            <a:endParaRPr lang="en-US"/>
+          </a:p>
+        </p:txBody>
+      </p:sp>
+      <p:cxnSp>
+        <p:nvCxnSpPr>
+          <p:cNvPr id="16" name="Straight Connector 15">
+            <a:extLst>
+              <a:ext uri="{FF2B5EF4-FFF2-40B4-BE49-F238E27FC236}">
+                <a16:creationId xmlns:a16="http://schemas.microsoft.com/office/drawing/2014/main" id="{FC2E88EE-D5B4-3049-A3E9-5A006597FCEE}"/>
+              </a:ext>
+            </a:extLst>
+          </p:cNvPr>
+          <p:cNvCxnSpPr>
+            <a:cxnSpLocks/>
+            <a:stCxn id="7" idx="6"/>
+            <a:endCxn id="32" idx="2"/>
+          </p:cNvCxnSpPr>
+          <p:nvPr/>
+        </p:nvCxnSpPr>
+        <p:spPr>
+          <a:xfrm>
+            <a:off x="2819400" y="1866900"/>
+            <a:ext cx="2133600" cy="0"/>
+          </a:xfrm>
+          <a:prstGeom prst="line">
+            <a:avLst/>
+          </a:prstGeom>
+          <a:ln w="76200" cap="rnd">
+            <a:gradFill>
+              <a:gsLst>
+                <a:gs pos="0">
+                  <a:schemeClr val="bg1">
+                    <a:lumMod val="50000"/>
+                    <a:lumOff val="50000"/>
+                  </a:schemeClr>
+                </a:gs>
+                <a:gs pos="100000">
+                  <a:srgbClr val="009EC0"/>
+                </a:gs>
+              </a:gsLst>
+              <a:lin ang="0" scaled="0"/>
+            </a:gradFill>
+          </a:ln>
+        </p:spPr>
+        <p:style>
+          <a:lnRef idx="1">
+            <a:schemeClr val="accent1"/>
+          </a:lnRef>
+          <a:fillRef idx="0">
+            <a:schemeClr val="accent1"/>
+          </a:fillRef>
+          <a:effectRef idx="0">
+            <a:schemeClr val="accent1"/>
+          </a:effectRef>
+          <a:fontRef idx="minor">
+            <a:schemeClr val="tx1"/>
+          </a:fontRef>
+        </p:style>
+      </p:cxnSp>
+      <p:sp>
+        <p:nvSpPr>
+          <p:cNvPr id="7" name="Oval 6">
+            <a:extLst>
+              <a:ext uri="{FF2B5EF4-FFF2-40B4-BE49-F238E27FC236}">
+                <a16:creationId xmlns:a16="http://schemas.microsoft.com/office/drawing/2014/main" id="{BDA1C427-8721-544F-ABBB-597FF3981365}"/>
+              </a:ext>
+            </a:extLst>
+          </p:cNvPr>
+          <p:cNvSpPr/>
+          <p:nvPr/>
+        </p:nvSpPr>
+        <p:spPr>
+          <a:xfrm>
+            <a:off x="2743200" y="1828800"/>
+            <a:ext cx="76200" cy="76200"/>
+          </a:xfrm>
+          <a:prstGeom prst="ellipse">
+            <a:avLst/>
+          </a:prstGeom>
+          <a:solidFill>
+            <a:schemeClr val="tx1"/>
+          </a:solidFill>
+          <a:ln>
+            <a:noFill/>
+          </a:ln>
+        </p:spPr>
+        <p:style>
+          <a:lnRef idx="2">
+            <a:schemeClr val="accent1">
+              <a:shade val="50000"/>
+            </a:schemeClr>
+          </a:lnRef>
+          <a:fillRef idx="1">
+            <a:schemeClr val="accent1"/>
+          </a:fillRef>
+          <a:effectRef idx="0">
+            <a:schemeClr val="accent1"/>
+          </a:effectRef>
+          <a:fontRef idx="minor">
+            <a:schemeClr val="lt1"/>
+          </a:fontRef>
+        </p:style>
+        <p:txBody>
+          <a:bodyPr rtlCol="0" anchor="ctr"/>
+          <a:lstStyle/>
+          <a:p>
+            <a:pPr algn="ctr"/>
+            <a:endParaRPr lang="en-US"/>
+          </a:p>
+        </p:txBody>
+      </p:sp>
+      <p:cxnSp>
+        <p:nvCxnSpPr>
+          <p:cNvPr id="19" name="Straight Connector 18">
+            <a:extLst>
+              <a:ext uri="{FF2B5EF4-FFF2-40B4-BE49-F238E27FC236}">
+                <a16:creationId xmlns:a16="http://schemas.microsoft.com/office/drawing/2014/main" id="{118A1FA4-FD97-E74E-AED2-BA992E50A980}"/>
+              </a:ext>
+            </a:extLst>
+          </p:cNvPr>
+          <p:cNvCxnSpPr>
+            <a:cxnSpLocks/>
+            <a:stCxn id="32" idx="6"/>
+          </p:cNvCxnSpPr>
+          <p:nvPr/>
+        </p:nvCxnSpPr>
+        <p:spPr>
+          <a:xfrm>
+            <a:off x="5029200" y="1866900"/>
+            <a:ext cx="3124200" cy="0"/>
+          </a:xfrm>
+          <a:prstGeom prst="line">
+            <a:avLst/>
+          </a:prstGeom>
+          <a:ln w="76200" cap="rnd">
+            <a:solidFill>
+              <a:srgbClr val="009EC0"/>
+            </a:solidFill>
+          </a:ln>
+        </p:spPr>
+        <p:style>
+          <a:lnRef idx="1">
+            <a:schemeClr val="accent1"/>
+          </a:lnRef>
+          <a:fillRef idx="0">
+            <a:schemeClr val="accent1"/>
+          </a:fillRef>
+          <a:effectRef idx="0">
+            <a:schemeClr val="accent1"/>
+          </a:effectRef>
+          <a:fontRef idx="minor">
+            <a:schemeClr val="tx1"/>
+          </a:fontRef>
+        </p:style>
+      </p:cxnSp>
+      <p:cxnSp>
+        <p:nvCxnSpPr>
+          <p:cNvPr id="20" name="Curved Connector 19">
+            <a:extLst>
+              <a:ext uri="{FF2B5EF4-FFF2-40B4-BE49-F238E27FC236}">
+                <a16:creationId xmlns:a16="http://schemas.microsoft.com/office/drawing/2014/main" id="{D1B0A368-0E53-0C47-ADE5-9A9CC605C370}"/>
+              </a:ext>
+            </a:extLst>
+          </p:cNvPr>
+          <p:cNvCxnSpPr>
+            <a:cxnSpLocks/>
+            <a:stCxn id="12" idx="6"/>
+          </p:cNvCxnSpPr>
+          <p:nvPr/>
+        </p:nvCxnSpPr>
+        <p:spPr>
+          <a:xfrm flipV="1">
+            <a:off x="2820329" y="3162300"/>
+            <a:ext cx="1544336" cy="1295400"/>
+          </a:xfrm>
+          <a:prstGeom prst="curvedConnector3">
+            <a:avLst>
+              <a:gd name="adj1" fmla="val 50000"/>
+            </a:avLst>
+          </a:prstGeom>
+          <a:ln w="76200" cap="rnd">
+            <a:solidFill>
+              <a:schemeClr val="tx1">
+                <a:lumMod val="50000"/>
+              </a:schemeClr>
+            </a:solidFill>
+          </a:ln>
+        </p:spPr>
+        <p:style>
+          <a:lnRef idx="1">
+            <a:schemeClr val="accent1"/>
+          </a:lnRef>
+          <a:fillRef idx="0">
+            <a:schemeClr val="accent1"/>
+          </a:fillRef>
+          <a:effectRef idx="0">
+            <a:schemeClr val="accent1"/>
+          </a:effectRef>
+          <a:fontRef idx="minor">
+            <a:schemeClr val="tx1"/>
+          </a:fontRef>
+        </p:style>
+      </p:cxnSp>
+      <p:cxnSp>
+        <p:nvCxnSpPr>
+          <p:cNvPr id="21" name="Curved Connector 20">
+            <a:extLst>
+              <a:ext uri="{FF2B5EF4-FFF2-40B4-BE49-F238E27FC236}">
+                <a16:creationId xmlns:a16="http://schemas.microsoft.com/office/drawing/2014/main" id="{9D9F6B60-2FF2-5144-B028-3E5C40120FFE}"/>
+              </a:ext>
+            </a:extLst>
+          </p:cNvPr>
+          <p:cNvCxnSpPr>
+            <a:cxnSpLocks/>
+            <a:stCxn id="12" idx="6"/>
+          </p:cNvCxnSpPr>
+          <p:nvPr/>
+        </p:nvCxnSpPr>
+        <p:spPr>
+          <a:xfrm>
+            <a:off x="2820329" y="4457700"/>
+            <a:ext cx="1545265" cy="1295400"/>
+          </a:xfrm>
+          <a:prstGeom prst="curvedConnector3">
+            <a:avLst>
+              <a:gd name="adj1" fmla="val 50000"/>
+            </a:avLst>
+          </a:prstGeom>
+          <a:ln w="76200" cap="rnd">
+            <a:solidFill>
+              <a:schemeClr val="tx1">
+                <a:lumMod val="50000"/>
+              </a:schemeClr>
+            </a:solidFill>
+            <a:tailEnd type="diamond"/>
+          </a:ln>
+        </p:spPr>
+        <p:style>
+          <a:lnRef idx="1">
+            <a:schemeClr val="accent1"/>
+          </a:lnRef>
+          <a:fillRef idx="0">
+            <a:schemeClr val="accent1"/>
+          </a:fillRef>
+          <a:effectRef idx="0">
+            <a:schemeClr val="accent1"/>
+          </a:effectRef>
+          <a:fontRef idx="minor">
+            <a:schemeClr val="tx1"/>
+          </a:fontRef>
+        </p:style>
+      </p:cxnSp>
+      <p:sp>
+        <p:nvSpPr>
+          <p:cNvPr id="12" name="Oval 11">
+            <a:extLst>
+              <a:ext uri="{FF2B5EF4-FFF2-40B4-BE49-F238E27FC236}">
+                <a16:creationId xmlns:a16="http://schemas.microsoft.com/office/drawing/2014/main" id="{4CFD51FF-9F17-4249-952F-4B95918527B4}"/>
+              </a:ext>
+            </a:extLst>
+          </p:cNvPr>
+          <p:cNvSpPr/>
+          <p:nvPr/>
+        </p:nvSpPr>
+        <p:spPr>
+          <a:xfrm>
+            <a:off x="2744129" y="4419600"/>
+            <a:ext cx="76200" cy="76200"/>
+          </a:xfrm>
+          <a:prstGeom prst="ellipse">
+            <a:avLst/>
+          </a:prstGeom>
+          <a:solidFill>
+            <a:schemeClr val="tx1"/>
+          </a:solidFill>
+          <a:ln>
+            <a:noFill/>
+          </a:ln>
+        </p:spPr>
+        <p:style>
+          <a:lnRef idx="2">
+            <a:schemeClr val="accent1">
+              <a:shade val="50000"/>
+            </a:schemeClr>
+          </a:lnRef>
+          <a:fillRef idx="1">
+            <a:schemeClr val="accent1"/>
+          </a:fillRef>
+          <a:effectRef idx="0">
+            <a:schemeClr val="accent1"/>
+          </a:effectRef>
+          <a:fontRef idx="minor">
+            <a:schemeClr val="lt1"/>
+          </a:fontRef>
+        </p:style>
+        <p:txBody>
+          <a:bodyPr rtlCol="0" anchor="ctr"/>
+          <a:lstStyle/>
+          <a:p>
+            <a:pPr algn="ctr"/>
+            <a:endParaRPr lang="en-US"/>
+          </a:p>
+        </p:txBody>
+      </p:sp>
+      <p:cxnSp>
+        <p:nvCxnSpPr>
+          <p:cNvPr id="26" name="Straight Connector 25">
+            <a:extLst>
+              <a:ext uri="{FF2B5EF4-FFF2-40B4-BE49-F238E27FC236}">
+                <a16:creationId xmlns:a16="http://schemas.microsoft.com/office/drawing/2014/main" id="{5A852021-CC8B-C147-88EB-229D628C5D9A}"/>
+              </a:ext>
+            </a:extLst>
+          </p:cNvPr>
+          <p:cNvCxnSpPr>
+            <a:cxnSpLocks/>
+          </p:cNvCxnSpPr>
+          <p:nvPr/>
+        </p:nvCxnSpPr>
+        <p:spPr>
+          <a:xfrm>
+            <a:off x="4440865" y="3162300"/>
+            <a:ext cx="2340935" cy="0"/>
+          </a:xfrm>
+          <a:prstGeom prst="line">
+            <a:avLst/>
+          </a:prstGeom>
+          <a:ln w="76200" cap="rnd">
+            <a:gradFill>
+              <a:gsLst>
+                <a:gs pos="0">
+                  <a:schemeClr val="bg1">
+                    <a:lumMod val="50000"/>
+                    <a:lumOff val="50000"/>
+                  </a:schemeClr>
+                </a:gs>
+                <a:gs pos="100000">
+                  <a:srgbClr val="CA5C0E"/>
+                </a:gs>
+              </a:gsLst>
+              <a:lin ang="0" scaled="0"/>
+            </a:gradFill>
+          </a:ln>
+        </p:spPr>
+        <p:style>
+          <a:lnRef idx="1">
+            <a:schemeClr val="accent1"/>
+          </a:lnRef>
+          <a:fillRef idx="0">
+            <a:schemeClr val="accent1"/>
+          </a:fillRef>
+          <a:effectRef idx="0">
+            <a:schemeClr val="accent1"/>
+          </a:effectRef>
+          <a:fontRef idx="minor">
+            <a:schemeClr val="tx1"/>
+          </a:fontRef>
+        </p:style>
+      </p:cxnSp>
+      <p:sp>
+        <p:nvSpPr>
+          <p:cNvPr id="24" name="Oval 23">
+            <a:extLst>
+              <a:ext uri="{FF2B5EF4-FFF2-40B4-BE49-F238E27FC236}">
+                <a16:creationId xmlns:a16="http://schemas.microsoft.com/office/drawing/2014/main" id="{EA336485-A85D-3E4B-A7F0-DDFF1CBAB292}"/>
+              </a:ext>
+            </a:extLst>
+          </p:cNvPr>
+          <p:cNvSpPr/>
+          <p:nvPr/>
+        </p:nvSpPr>
+        <p:spPr>
+          <a:xfrm>
+            <a:off x="4364665" y="3124200"/>
+            <a:ext cx="76200" cy="76200"/>
+          </a:xfrm>
+          <a:prstGeom prst="ellipse">
+            <a:avLst/>
+          </a:prstGeom>
+          <a:solidFill>
+            <a:schemeClr val="tx1"/>
+          </a:solidFill>
+          <a:ln>
+            <a:noFill/>
+          </a:ln>
+        </p:spPr>
+        <p:style>
+          <a:lnRef idx="2">
+            <a:schemeClr val="accent1">
+              <a:shade val="50000"/>
+            </a:schemeClr>
+          </a:lnRef>
+          <a:fillRef idx="1">
+            <a:schemeClr val="accent1"/>
+          </a:fillRef>
+          <a:effectRef idx="0">
+            <a:schemeClr val="accent1"/>
+          </a:effectRef>
+          <a:fontRef idx="minor">
+            <a:schemeClr val="lt1"/>
+          </a:fontRef>
+        </p:style>
+        <p:txBody>
+          <a:bodyPr rtlCol="0" anchor="ctr"/>
+          <a:lstStyle/>
+          <a:p>
+            <a:pPr algn="ctr"/>
+            <a:endParaRPr lang="en-US"/>
+          </a:p>
+        </p:txBody>
+      </p:sp>
+      <p:cxnSp>
+        <p:nvCxnSpPr>
+          <p:cNvPr id="28" name="Straight Connector 27">
+            <a:extLst>
+              <a:ext uri="{FF2B5EF4-FFF2-40B4-BE49-F238E27FC236}">
+                <a16:creationId xmlns:a16="http://schemas.microsoft.com/office/drawing/2014/main" id="{C94D8232-BC6C-2547-8644-EA580E321B33}"/>
+              </a:ext>
+            </a:extLst>
+          </p:cNvPr>
+          <p:cNvCxnSpPr>
+            <a:cxnSpLocks/>
+            <a:stCxn id="25" idx="6"/>
+          </p:cNvCxnSpPr>
+          <p:nvPr/>
+        </p:nvCxnSpPr>
+        <p:spPr>
+          <a:xfrm flipV="1">
+            <a:off x="6858000" y="3153471"/>
+            <a:ext cx="1295400" cy="8829"/>
+          </a:xfrm>
+          <a:prstGeom prst="line">
+            <a:avLst/>
+          </a:prstGeom>
+          <a:ln w="76200" cap="rnd">
+            <a:solidFill>
+              <a:srgbClr val="CA5C0E"/>
+            </a:solidFill>
+          </a:ln>
+        </p:spPr>
+        <p:style>
+          <a:lnRef idx="1">
+            <a:schemeClr val="accent1"/>
+          </a:lnRef>
+          <a:fillRef idx="0">
+            <a:schemeClr val="accent1"/>
+          </a:fillRef>
+          <a:effectRef idx="0">
+            <a:schemeClr val="accent1"/>
+          </a:effectRef>
+          <a:fontRef idx="minor">
+            <a:schemeClr val="tx1"/>
+          </a:fontRef>
+        </p:style>
+      </p:cxnSp>
+      <p:sp>
+        <p:nvSpPr>
+          <p:cNvPr id="25" name="Oval 24">
+            <a:extLst>
+              <a:ext uri="{FF2B5EF4-FFF2-40B4-BE49-F238E27FC236}">
+                <a16:creationId xmlns:a16="http://schemas.microsoft.com/office/drawing/2014/main" id="{0AF15001-071A-FA4A-93AA-C38B1FF88421}"/>
+              </a:ext>
+            </a:extLst>
+          </p:cNvPr>
+          <p:cNvSpPr/>
+          <p:nvPr/>
+        </p:nvSpPr>
+        <p:spPr>
+          <a:xfrm>
+            <a:off x="6781800" y="3124200"/>
+            <a:ext cx="76200" cy="76200"/>
+          </a:xfrm>
+          <a:prstGeom prst="ellipse">
+            <a:avLst/>
+          </a:prstGeom>
+          <a:solidFill>
+            <a:schemeClr val="tx1"/>
+          </a:solidFill>
+          <a:ln>
+            <a:noFill/>
+          </a:ln>
+        </p:spPr>
+        <p:style>
+          <a:lnRef idx="2">
+            <a:schemeClr val="accent1">
+              <a:shade val="50000"/>
+            </a:schemeClr>
+          </a:lnRef>
+          <a:fillRef idx="1">
+            <a:schemeClr val="accent1"/>
+          </a:fillRef>
+          <a:effectRef idx="0">
+            <a:schemeClr val="accent1"/>
+          </a:effectRef>
+          <a:fontRef idx="minor">
+            <a:schemeClr val="lt1"/>
+          </a:fontRef>
+        </p:style>
+        <p:txBody>
+          <a:bodyPr rtlCol="0" anchor="ctr"/>
+          <a:lstStyle/>
+          <a:p>
+            <a:pPr algn="ctr"/>
+            <a:endParaRPr lang="en-US"/>
+          </a:p>
+        </p:txBody>
+      </p:sp>
+      <p:sp>
+        <p:nvSpPr>
+          <p:cNvPr id="32" name="Oval 31">
+            <a:extLst>
+              <a:ext uri="{FF2B5EF4-FFF2-40B4-BE49-F238E27FC236}">
+                <a16:creationId xmlns:a16="http://schemas.microsoft.com/office/drawing/2014/main" id="{A57DE36E-B6FD-6A45-AF73-E18479E3242D}"/>
+              </a:ext>
+            </a:extLst>
+          </p:cNvPr>
+          <p:cNvSpPr/>
+          <p:nvPr/>
+        </p:nvSpPr>
+        <p:spPr>
+          <a:xfrm>
+            <a:off x="4953000" y="1828800"/>
+            <a:ext cx="76200" cy="76200"/>
+          </a:xfrm>
+          <a:prstGeom prst="ellipse">
+            <a:avLst/>
+          </a:prstGeom>
+          <a:solidFill>
+            <a:schemeClr val="tx1"/>
+          </a:solidFill>
+          <a:ln>
+            <a:noFill/>
+          </a:ln>
+        </p:spPr>
+        <p:style>
+          <a:lnRef idx="2">
+            <a:schemeClr val="accent1">
+              <a:shade val="50000"/>
+            </a:schemeClr>
+          </a:lnRef>
+          <a:fillRef idx="1">
+            <a:schemeClr val="accent1"/>
+          </a:fillRef>
+          <a:effectRef idx="0">
+            <a:schemeClr val="accent1"/>
+          </a:effectRef>
+          <a:fontRef idx="minor">
+            <a:schemeClr val="lt1"/>
+          </a:fontRef>
+        </p:style>
+        <p:txBody>
+          <a:bodyPr rtlCol="0" anchor="ctr"/>
+          <a:lstStyle/>
+          <a:p>
+            <a:pPr algn="ctr"/>
+            <a:endParaRPr lang="en-US"/>
+          </a:p>
+        </p:txBody>
+      </p:sp>
+      <p:sp>
+        <p:nvSpPr>
+          <p:cNvPr id="35" name="TextBox 34">
+            <a:extLst>
+              <a:ext uri="{FF2B5EF4-FFF2-40B4-BE49-F238E27FC236}">
+                <a16:creationId xmlns:a16="http://schemas.microsoft.com/office/drawing/2014/main" id="{E794DC2D-1B4E-3E45-BF67-BC40CD5566B8}"/>
+              </a:ext>
+            </a:extLst>
+          </p:cNvPr>
+          <p:cNvSpPr txBox="1"/>
+          <p:nvPr/>
+        </p:nvSpPr>
+        <p:spPr>
+          <a:xfrm>
+            <a:off x="509782" y="2968805"/>
+            <a:ext cx="647293" cy="369332"/>
+          </a:xfrm>
+          <a:prstGeom prst="rect">
+            <a:avLst/>
+          </a:prstGeom>
+          <a:noFill/>
+        </p:spPr>
+        <p:txBody>
+          <a:bodyPr wrap="none" rtlCol="0">
+            <a:spAutoFit/>
+          </a:bodyPr>
+          <a:lstStyle/>
+          <a:p>
+            <a:r>
+              <a:rPr lang="en-US" b="1" dirty="0"/>
+              <a:t>Start</a:t>
+            </a:r>
+          </a:p>
+        </p:txBody>
+      </p:sp>
+      <p:sp>
+        <p:nvSpPr>
+          <p:cNvPr id="36" name="TextBox 35">
+            <a:extLst>
+              <a:ext uri="{FF2B5EF4-FFF2-40B4-BE49-F238E27FC236}">
+                <a16:creationId xmlns:a16="http://schemas.microsoft.com/office/drawing/2014/main" id="{F0E5A40E-2C24-F646-9D28-C9734CA6D325}"/>
+              </a:ext>
+            </a:extLst>
+          </p:cNvPr>
+          <p:cNvSpPr txBox="1"/>
+          <p:nvPr/>
+        </p:nvSpPr>
+        <p:spPr>
+          <a:xfrm>
+            <a:off x="2457653" y="1101356"/>
+            <a:ext cx="647293" cy="369332"/>
+          </a:xfrm>
+          <a:prstGeom prst="rect">
+            <a:avLst/>
+          </a:prstGeom>
+          <a:noFill/>
+        </p:spPr>
+        <p:txBody>
+          <a:bodyPr wrap="square" rtlCol="0">
+            <a:spAutoFit/>
+          </a:bodyPr>
+          <a:lstStyle/>
+          <a:p>
+            <a:r>
+              <a:rPr lang="en-US" dirty="0"/>
+              <a:t>Start</a:t>
+            </a:r>
+          </a:p>
+        </p:txBody>
+      </p:sp>
+      <p:cxnSp>
+        <p:nvCxnSpPr>
+          <p:cNvPr id="38" name="Straight Arrow Connector 37">
+            <a:extLst>
+              <a:ext uri="{FF2B5EF4-FFF2-40B4-BE49-F238E27FC236}">
+                <a16:creationId xmlns:a16="http://schemas.microsoft.com/office/drawing/2014/main" id="{805949FE-65B2-C84F-A054-E799F2E0968B}"/>
+              </a:ext>
+            </a:extLst>
+          </p:cNvPr>
+          <p:cNvCxnSpPr>
+            <a:cxnSpLocks/>
+            <a:stCxn id="36" idx="2"/>
+            <a:endCxn id="7" idx="0"/>
+          </p:cNvCxnSpPr>
+          <p:nvPr/>
+        </p:nvCxnSpPr>
+        <p:spPr>
+          <a:xfrm>
+            <a:off x="2781300" y="1470688"/>
+            <a:ext cx="0" cy="358112"/>
+          </a:xfrm>
+          <a:prstGeom prst="straightConnector1">
+            <a:avLst/>
+          </a:prstGeom>
+          <a:ln w="12700">
+            <a:solidFill>
+              <a:schemeClr val="tx1"/>
+            </a:solidFill>
+            <a:tailEnd type="arrow" w="lg" len="lg"/>
+          </a:ln>
+        </p:spPr>
+        <p:style>
+          <a:lnRef idx="1">
+            <a:schemeClr val="accent1"/>
+          </a:lnRef>
+          <a:fillRef idx="0">
+            <a:schemeClr val="accent1"/>
+          </a:fillRef>
+          <a:effectRef idx="0">
+            <a:schemeClr val="accent1"/>
+          </a:effectRef>
+          <a:fontRef idx="minor">
+            <a:schemeClr val="tx1"/>
+          </a:fontRef>
+        </p:style>
+      </p:cxnSp>
+    </p:spTree>
+    <p:extLst>
+      <p:ext uri="{BB962C8B-B14F-4D97-AF65-F5344CB8AC3E}">
+        <p14:creationId xmlns:p14="http://schemas.microsoft.com/office/powerpoint/2010/main" val="1753811591"/>
+      </p:ext>
+    </p:extLst>
+  </p:cSld>
+  <p:clrMapOvr>
+    <a:masterClrMapping/>
+  </p:clrMapOvr>
+</p:sld>
+</file>
+
+<file path=ppt/slides/slide40.xml><?xml version="1.0" encoding="utf-8"?>
 <p:sld xmlns:a="http://schemas.openxmlformats.org/drawingml/2006/main" xmlns:r="http://schemas.openxmlformats.org/officeDocument/2006/relationships" xmlns:p="http://schemas.openxmlformats.org/presentationml/2006/main">
   <p:cSld>
     <p:spTree>
@@ -29815,7 +31280,494 @@
 </p:sld>
 </file>
 
-<file path=ppt/slides/slide4.xml><?xml version="1.0" encoding="utf-8"?>
+<file path=ppt/slides/slide41.xml><?xml version="1.0" encoding="utf-8"?>
+<p:sld xmlns:a="http://schemas.openxmlformats.org/drawingml/2006/main" xmlns:r="http://schemas.openxmlformats.org/officeDocument/2006/relationships" xmlns:p="http://schemas.openxmlformats.org/presentationml/2006/main">
+  <p:cSld>
+    <p:spTree>
+      <p:nvGrpSpPr>
+        <p:cNvPr id="1" name=""/>
+        <p:cNvGrpSpPr/>
+        <p:nvPr/>
+      </p:nvGrpSpPr>
+      <p:grpSpPr>
+        <a:xfrm>
+          <a:off x="0" y="0"/>
+          <a:ext cx="0" cy="0"/>
+          <a:chOff x="0" y="0"/>
+          <a:chExt cx="0" cy="0"/>
+        </a:xfrm>
+      </p:grpSpPr>
+      <p:pic>
+        <p:nvPicPr>
+          <p:cNvPr id="4" name="Picture 3" descr="A close up of a tree&#10;&#10;Description automatically generated">
+            <a:extLst>
+              <a:ext uri="{FF2B5EF4-FFF2-40B4-BE49-F238E27FC236}">
+                <a16:creationId xmlns:a16="http://schemas.microsoft.com/office/drawing/2014/main" id="{A00E638A-6078-FA48-AA46-860CD171BA40}"/>
+              </a:ext>
+            </a:extLst>
+          </p:cNvPr>
+          <p:cNvPicPr>
+            <a:picLocks noChangeAspect="1"/>
+          </p:cNvPicPr>
+          <p:nvPr/>
+        </p:nvPicPr>
+        <p:blipFill>
+          <a:blip r:embed="rId2">
+            <a:extLst>
+              <a:ext uri="{28A0092B-C50C-407E-A947-70E740481C1C}">
+                <a14:useLocalDpi xmlns:a14="http://schemas.microsoft.com/office/drawing/2010/main" val="0"/>
+              </a:ext>
+            </a:extLst>
+          </a:blip>
+          <a:stretch>
+            <a:fillRect/>
+          </a:stretch>
+        </p:blipFill>
+        <p:spPr>
+          <a:xfrm>
+            <a:off x="0" y="-7620"/>
+            <a:ext cx="17183100" cy="6873240"/>
+          </a:xfrm>
+          <a:prstGeom prst="rect">
+            <a:avLst/>
+          </a:prstGeom>
+        </p:spPr>
+      </p:pic>
+      <p:sp>
+        <p:nvSpPr>
+          <p:cNvPr id="5" name="Rectangle 4"/>
+          <p:cNvSpPr/>
+          <p:nvPr/>
+        </p:nvSpPr>
+        <p:spPr>
+          <a:xfrm>
+            <a:off x="1676400" y="3015868"/>
+            <a:ext cx="5334000" cy="1327532"/>
+          </a:xfrm>
+          <a:prstGeom prst="rect">
+            <a:avLst/>
+          </a:prstGeom>
+          <a:solidFill>
+            <a:schemeClr val="bg1">
+              <a:alpha val="60000"/>
+            </a:schemeClr>
+          </a:solidFill>
+          <a:ln w="34925">
+            <a:solidFill>
+              <a:schemeClr val="tx1"/>
+            </a:solidFill>
+          </a:ln>
+          <a:effectLst/>
+        </p:spPr>
+        <p:style>
+          <a:lnRef idx="1">
+            <a:schemeClr val="accent1"/>
+          </a:lnRef>
+          <a:fillRef idx="3">
+            <a:schemeClr val="accent1"/>
+          </a:fillRef>
+          <a:effectRef idx="2">
+            <a:schemeClr val="accent1"/>
+          </a:effectRef>
+          <a:fontRef idx="minor">
+            <a:schemeClr val="lt1"/>
+          </a:fontRef>
+        </p:style>
+        <p:txBody>
+          <a:bodyPr rtlCol="0" anchor="ctr"/>
+          <a:lstStyle/>
+          <a:p>
+            <a:endParaRPr lang="en-US" dirty="0"/>
+          </a:p>
+        </p:txBody>
+      </p:sp>
+      <p:sp>
+        <p:nvSpPr>
+          <p:cNvPr id="8" name="TextBox 7"/>
+          <p:cNvSpPr txBox="1"/>
+          <p:nvPr/>
+        </p:nvSpPr>
+        <p:spPr>
+          <a:xfrm>
+            <a:off x="1752600" y="3059668"/>
+            <a:ext cx="5181600" cy="1200329"/>
+          </a:xfrm>
+          <a:prstGeom prst="rect">
+            <a:avLst/>
+          </a:prstGeom>
+          <a:noFill/>
+        </p:spPr>
+        <p:txBody>
+          <a:bodyPr wrap="square" rtlCol="0">
+            <a:spAutoFit/>
+          </a:bodyPr>
+          <a:lstStyle/>
+          <a:p>
+            <a:r>
+              <a:rPr lang="en-US" dirty="0"/>
+              <a:t>But </a:t>
+            </a:r>
+            <a:r>
+              <a:rPr lang="en-US" b="1" u="sng" dirty="0"/>
+              <a:t>we are a colony of heaven</a:t>
+            </a:r>
+            <a:r>
+              <a:rPr lang="en-US" b="1" dirty="0"/>
+              <a:t> </a:t>
+            </a:r>
+            <a:r>
+              <a:rPr lang="en-US" dirty="0"/>
+              <a:t>on earth as we cling tightly to our life-giver, the Lord Jesus Christ,</a:t>
+            </a:r>
+            <a:r>
+              <a:rPr lang="en-US" baseline="30000" dirty="0"/>
+              <a:t> </a:t>
+            </a:r>
+            <a:r>
+              <a:rPr lang="en-US" dirty="0"/>
+              <a:t>…</a:t>
+            </a:r>
+          </a:p>
+          <a:p>
+            <a:r>
+              <a:rPr lang="en-US" dirty="0"/>
+              <a:t>using his matchless power, he continually subdues everything to himself.</a:t>
+            </a:r>
+            <a:endParaRPr lang="en-US" dirty="0">
+              <a:latin typeface="Avenir Book"/>
+              <a:cs typeface="Avenir Book"/>
+            </a:endParaRPr>
+          </a:p>
+        </p:txBody>
+      </p:sp>
+      <p:sp>
+        <p:nvSpPr>
+          <p:cNvPr id="10" name="Rectangle 9"/>
+          <p:cNvSpPr/>
+          <p:nvPr/>
+        </p:nvSpPr>
+        <p:spPr>
+          <a:xfrm>
+            <a:off x="3124200" y="4287070"/>
+            <a:ext cx="2438400" cy="152400"/>
+          </a:xfrm>
+          <a:prstGeom prst="rect">
+            <a:avLst/>
+          </a:prstGeom>
+          <a:solidFill>
+            <a:schemeClr val="tx1"/>
+          </a:solidFill>
+          <a:ln>
+            <a:noFill/>
+          </a:ln>
+          <a:effectLst/>
+        </p:spPr>
+        <p:style>
+          <a:lnRef idx="1">
+            <a:schemeClr val="accent1"/>
+          </a:lnRef>
+          <a:fillRef idx="3">
+            <a:schemeClr val="accent1"/>
+          </a:fillRef>
+          <a:effectRef idx="2">
+            <a:schemeClr val="accent1"/>
+          </a:effectRef>
+          <a:fontRef idx="minor">
+            <a:schemeClr val="lt1"/>
+          </a:fontRef>
+        </p:style>
+        <p:txBody>
+          <a:bodyPr rtlCol="0" anchor="ctr"/>
+          <a:lstStyle/>
+          <a:p>
+            <a:pPr algn="ctr"/>
+            <a:r>
+              <a:rPr lang="en-US" sz="800" dirty="0">
+                <a:solidFill>
+                  <a:schemeClr val="bg1"/>
+                </a:solidFill>
+              </a:rPr>
+              <a:t>Philippians 3:20-21</a:t>
+            </a:r>
+          </a:p>
+        </p:txBody>
+      </p:sp>
+    </p:spTree>
+    <p:extLst>
+      <p:ext uri="{BB962C8B-B14F-4D97-AF65-F5344CB8AC3E}">
+        <p14:creationId xmlns:p14="http://schemas.microsoft.com/office/powerpoint/2010/main" val="1030309952"/>
+      </p:ext>
+    </p:extLst>
+  </p:cSld>
+  <p:clrMapOvr>
+    <a:masterClrMapping/>
+  </p:clrMapOvr>
+  <p:timing>
+    <p:tnLst>
+      <p:par>
+        <p:cTn id="1" dur="indefinite" restart="never" nodeType="tmRoot">
+          <p:childTnLst>
+            <p:seq concurrent="1" nextAc="seek">
+              <p:cTn id="2" dur="indefinite" nodeType="mainSeq">
+                <p:childTnLst>
+                  <p:par>
+                    <p:cTn id="3" fill="hold">
+                      <p:stCondLst>
+                        <p:cond delay="indefinite"/>
+                        <p:cond evt="onBegin" delay="0">
+                          <p:tn val="2"/>
+                        </p:cond>
+                      </p:stCondLst>
+                      <p:childTnLst>
+                        <p:par>
+                          <p:cTn id="4" fill="hold">
+                            <p:stCondLst>
+                              <p:cond delay="0"/>
+                            </p:stCondLst>
+                            <p:childTnLst>
+                              <p:par>
+                                <p:cTn id="5" presetID="1" presetClass="entr" presetSubtype="0" fill="hold" grpId="2" nodeType="afterEffect">
+                                  <p:stCondLst>
+                                    <p:cond delay="1000"/>
+                                  </p:stCondLst>
+                                  <p:childTnLst>
+                                    <p:set>
+                                      <p:cBhvr>
+                                        <p:cTn id="6" dur="1" fill="hold">
+                                          <p:stCondLst>
+                                            <p:cond delay="0"/>
+                                          </p:stCondLst>
+                                        </p:cTn>
+                                        <p:tgtEl>
+                                          <p:spTgt spid="5"/>
+                                        </p:tgtEl>
+                                        <p:attrNameLst>
+                                          <p:attrName>style.visibility</p:attrName>
+                                        </p:attrNameLst>
+                                      </p:cBhvr>
+                                      <p:to>
+                                        <p:strVal val="visible"/>
+                                      </p:to>
+                                    </p:set>
+                                  </p:childTnLst>
+                                </p:cTn>
+                              </p:par>
+                            </p:childTnLst>
+                          </p:cTn>
+                        </p:par>
+                        <p:par>
+                          <p:cTn id="7" fill="hold">
+                            <p:stCondLst>
+                              <p:cond delay="1000"/>
+                            </p:stCondLst>
+                            <p:childTnLst>
+                              <p:par>
+                                <p:cTn id="8" presetID="0" presetClass="path" presetSubtype="0" accel="50000" decel="50000" fill="hold" grpId="0" nodeType="afterEffect">
+                                  <p:stCondLst>
+                                    <p:cond delay="0"/>
+                                  </p:stCondLst>
+                                  <p:childTnLst>
+                                    <p:animMotion origin="layout" path="M 0.04236 2.22222E-6 L 3.61111E-6 2.22222E-6 " pathEditMode="relative" rAng="0" ptsTypes="AA">
+                                      <p:cBhvr>
+                                        <p:cTn id="9" dur="300" fill="hold"/>
+                                        <p:tgtEl>
+                                          <p:spTgt spid="5"/>
+                                        </p:tgtEl>
+                                        <p:attrNameLst>
+                                          <p:attrName>ppt_x</p:attrName>
+                                          <p:attrName>ppt_y</p:attrName>
+                                        </p:attrNameLst>
+                                      </p:cBhvr>
+                                      <p:rCtr x="-2118" y="0"/>
+                                    </p:animMotion>
+                                  </p:childTnLst>
+                                </p:cTn>
+                              </p:par>
+                              <p:par>
+                                <p:cTn id="10" presetID="10" presetClass="entr" presetSubtype="0" fill="hold" grpId="1" nodeType="withEffect">
+                                  <p:stCondLst>
+                                    <p:cond delay="0"/>
+                                  </p:stCondLst>
+                                  <p:childTnLst>
+                                    <p:set>
+                                      <p:cBhvr>
+                                        <p:cTn id="11" dur="1" fill="hold">
+                                          <p:stCondLst>
+                                            <p:cond delay="0"/>
+                                          </p:stCondLst>
+                                        </p:cTn>
+                                        <p:tgtEl>
+                                          <p:spTgt spid="5"/>
+                                        </p:tgtEl>
+                                        <p:attrNameLst>
+                                          <p:attrName>style.visibility</p:attrName>
+                                        </p:attrNameLst>
+                                      </p:cBhvr>
+                                      <p:to>
+                                        <p:strVal val="visible"/>
+                                      </p:to>
+                                    </p:set>
+                                    <p:animEffect transition="in" filter="fade">
+                                      <p:cBhvr>
+                                        <p:cTn id="12" dur="500"/>
+                                        <p:tgtEl>
+                                          <p:spTgt spid="5"/>
+                                        </p:tgtEl>
+                                      </p:cBhvr>
+                                    </p:animEffect>
+                                  </p:childTnLst>
+                                </p:cTn>
+                              </p:par>
+                            </p:childTnLst>
+                          </p:cTn>
+                        </p:par>
+                        <p:par>
+                          <p:cTn id="13" fill="hold">
+                            <p:stCondLst>
+                              <p:cond delay="1500"/>
+                            </p:stCondLst>
+                            <p:childTnLst>
+                              <p:par>
+                                <p:cTn id="14" presetID="10" presetClass="entr" presetSubtype="0" fill="hold" grpId="0" nodeType="afterEffect">
+                                  <p:stCondLst>
+                                    <p:cond delay="0"/>
+                                  </p:stCondLst>
+                                  <p:childTnLst>
+                                    <p:set>
+                                      <p:cBhvr>
+                                        <p:cTn id="15" dur="1" fill="hold">
+                                          <p:stCondLst>
+                                            <p:cond delay="0"/>
+                                          </p:stCondLst>
+                                        </p:cTn>
+                                        <p:tgtEl>
+                                          <p:spTgt spid="8"/>
+                                        </p:tgtEl>
+                                        <p:attrNameLst>
+                                          <p:attrName>style.visibility</p:attrName>
+                                        </p:attrNameLst>
+                                      </p:cBhvr>
+                                      <p:to>
+                                        <p:strVal val="visible"/>
+                                      </p:to>
+                                    </p:set>
+                                    <p:animEffect transition="in" filter="fade">
+                                      <p:cBhvr>
+                                        <p:cTn id="16" dur="300"/>
+                                        <p:tgtEl>
+                                          <p:spTgt spid="8"/>
+                                        </p:tgtEl>
+                                      </p:cBhvr>
+                                    </p:animEffect>
+                                  </p:childTnLst>
+                                </p:cTn>
+                              </p:par>
+                              <p:par>
+                                <p:cTn id="17" presetID="0" presetClass="path" presetSubtype="0" accel="50000" decel="50000" fill="hold" grpId="1" nodeType="withEffect">
+                                  <p:stCondLst>
+                                    <p:cond delay="0"/>
+                                  </p:stCondLst>
+                                  <p:childTnLst>
+                                    <p:animMotion origin="layout" path="M 3.88889E-6 0.0169 L 3.88889E-6 -4.44444E-6 " pathEditMode="relative" rAng="0" ptsTypes="AA">
+                                      <p:cBhvr>
+                                        <p:cTn id="18" dur="200" fill="hold"/>
+                                        <p:tgtEl>
+                                          <p:spTgt spid="8"/>
+                                        </p:tgtEl>
+                                        <p:attrNameLst>
+                                          <p:attrName>ppt_x</p:attrName>
+                                          <p:attrName>ppt_y</p:attrName>
+                                        </p:attrNameLst>
+                                      </p:cBhvr>
+                                      <p:rCtr x="0" y="-856"/>
+                                    </p:animMotion>
+                                  </p:childTnLst>
+                                </p:cTn>
+                              </p:par>
+                            </p:childTnLst>
+                          </p:cTn>
+                        </p:par>
+                        <p:par>
+                          <p:cTn id="19" fill="hold">
+                            <p:stCondLst>
+                              <p:cond delay="1800"/>
+                            </p:stCondLst>
+                            <p:childTnLst>
+                              <p:par>
+                                <p:cTn id="20" presetID="10" presetClass="entr" presetSubtype="0" fill="hold" grpId="0" nodeType="afterEffect">
+                                  <p:stCondLst>
+                                    <p:cond delay="0"/>
+                                  </p:stCondLst>
+                                  <p:childTnLst>
+                                    <p:set>
+                                      <p:cBhvr>
+                                        <p:cTn id="21" dur="1" fill="hold">
+                                          <p:stCondLst>
+                                            <p:cond delay="0"/>
+                                          </p:stCondLst>
+                                        </p:cTn>
+                                        <p:tgtEl>
+                                          <p:spTgt spid="10"/>
+                                        </p:tgtEl>
+                                        <p:attrNameLst>
+                                          <p:attrName>style.visibility</p:attrName>
+                                        </p:attrNameLst>
+                                      </p:cBhvr>
+                                      <p:to>
+                                        <p:strVal val="visible"/>
+                                      </p:to>
+                                    </p:set>
+                                    <p:animEffect transition="in" filter="fade">
+                                      <p:cBhvr>
+                                        <p:cTn id="22" dur="200"/>
+                                        <p:tgtEl>
+                                          <p:spTgt spid="10"/>
+                                        </p:tgtEl>
+                                      </p:cBhvr>
+                                    </p:animEffect>
+                                  </p:childTnLst>
+                                </p:cTn>
+                              </p:par>
+                            </p:childTnLst>
+                          </p:cTn>
+                        </p:par>
+                      </p:childTnLst>
+                    </p:cTn>
+                  </p:par>
+                </p:childTnLst>
+              </p:cTn>
+              <p:prevCondLst>
+                <p:cond evt="onPrev" delay="0">
+                  <p:tgtEl>
+                    <p:sldTgt/>
+                  </p:tgtEl>
+                </p:cond>
+              </p:prevCondLst>
+              <p:nextCondLst>
+                <p:cond evt="onNext" delay="0">
+                  <p:tgtEl>
+                    <p:sldTgt/>
+                  </p:tgtEl>
+                </p:cond>
+              </p:nextCondLst>
+            </p:seq>
+          </p:childTnLst>
+        </p:cTn>
+      </p:par>
+    </p:tnLst>
+    <p:bldLst>
+      <p:bldP spid="5" grpId="0" animBg="1"/>
+      <p:bldP spid="5" grpId="1" animBg="1"/>
+      <p:bldP spid="5" grpId="2" animBg="1"/>
+      <p:bldP spid="8" grpId="0"/>
+      <p:bldP spid="8" grpId="1"/>
+      <p:bldP spid="10" grpId="0" animBg="1"/>
+    </p:bldLst>
+  </p:timing>
+</p:sld>
+</file>
+
+<file path=ppt/slides/slide5.xml><?xml version="1.0" encoding="utf-8"?>
 <p:sld xmlns:a="http://schemas.openxmlformats.org/drawingml/2006/main" xmlns:r="http://schemas.openxmlformats.org/officeDocument/2006/relationships" xmlns:p="http://schemas.openxmlformats.org/presentationml/2006/main">
   <p:cSld>
     <p:spTree>
@@ -31817,494 +33769,7 @@
 </p:sld>
 </file>
 
-<file path=ppt/slides/slide40.xml><?xml version="1.0" encoding="utf-8"?>
-<p:sld xmlns:a="http://schemas.openxmlformats.org/drawingml/2006/main" xmlns:r="http://schemas.openxmlformats.org/officeDocument/2006/relationships" xmlns:p="http://schemas.openxmlformats.org/presentationml/2006/main">
-  <p:cSld>
-    <p:spTree>
-      <p:nvGrpSpPr>
-        <p:cNvPr id="1" name=""/>
-        <p:cNvGrpSpPr/>
-        <p:nvPr/>
-      </p:nvGrpSpPr>
-      <p:grpSpPr>
-        <a:xfrm>
-          <a:off x="0" y="0"/>
-          <a:ext cx="0" cy="0"/>
-          <a:chOff x="0" y="0"/>
-          <a:chExt cx="0" cy="0"/>
-        </a:xfrm>
-      </p:grpSpPr>
-      <p:pic>
-        <p:nvPicPr>
-          <p:cNvPr id="4" name="Picture 3" descr="A close up of a tree&#10;&#10;Description automatically generated">
-            <a:extLst>
-              <a:ext uri="{FF2B5EF4-FFF2-40B4-BE49-F238E27FC236}">
-                <a16:creationId xmlns:a16="http://schemas.microsoft.com/office/drawing/2014/main" id="{A00E638A-6078-FA48-AA46-860CD171BA40}"/>
-              </a:ext>
-            </a:extLst>
-          </p:cNvPr>
-          <p:cNvPicPr>
-            <a:picLocks noChangeAspect="1"/>
-          </p:cNvPicPr>
-          <p:nvPr/>
-        </p:nvPicPr>
-        <p:blipFill>
-          <a:blip r:embed="rId2">
-            <a:extLst>
-              <a:ext uri="{28A0092B-C50C-407E-A947-70E740481C1C}">
-                <a14:useLocalDpi xmlns:a14="http://schemas.microsoft.com/office/drawing/2010/main" val="0"/>
-              </a:ext>
-            </a:extLst>
-          </a:blip>
-          <a:stretch>
-            <a:fillRect/>
-          </a:stretch>
-        </p:blipFill>
-        <p:spPr>
-          <a:xfrm>
-            <a:off x="0" y="-7620"/>
-            <a:ext cx="17183100" cy="6873240"/>
-          </a:xfrm>
-          <a:prstGeom prst="rect">
-            <a:avLst/>
-          </a:prstGeom>
-        </p:spPr>
-      </p:pic>
-      <p:sp>
-        <p:nvSpPr>
-          <p:cNvPr id="5" name="Rectangle 4"/>
-          <p:cNvSpPr/>
-          <p:nvPr/>
-        </p:nvSpPr>
-        <p:spPr>
-          <a:xfrm>
-            <a:off x="1676400" y="3015868"/>
-            <a:ext cx="5334000" cy="1327532"/>
-          </a:xfrm>
-          <a:prstGeom prst="rect">
-            <a:avLst/>
-          </a:prstGeom>
-          <a:solidFill>
-            <a:schemeClr val="bg1">
-              <a:alpha val="60000"/>
-            </a:schemeClr>
-          </a:solidFill>
-          <a:ln w="34925">
-            <a:solidFill>
-              <a:schemeClr val="tx1"/>
-            </a:solidFill>
-          </a:ln>
-          <a:effectLst/>
-        </p:spPr>
-        <p:style>
-          <a:lnRef idx="1">
-            <a:schemeClr val="accent1"/>
-          </a:lnRef>
-          <a:fillRef idx="3">
-            <a:schemeClr val="accent1"/>
-          </a:fillRef>
-          <a:effectRef idx="2">
-            <a:schemeClr val="accent1"/>
-          </a:effectRef>
-          <a:fontRef idx="minor">
-            <a:schemeClr val="lt1"/>
-          </a:fontRef>
-        </p:style>
-        <p:txBody>
-          <a:bodyPr rtlCol="0" anchor="ctr"/>
-          <a:lstStyle/>
-          <a:p>
-            <a:endParaRPr lang="en-US" dirty="0"/>
-          </a:p>
-        </p:txBody>
-      </p:sp>
-      <p:sp>
-        <p:nvSpPr>
-          <p:cNvPr id="8" name="TextBox 7"/>
-          <p:cNvSpPr txBox="1"/>
-          <p:nvPr/>
-        </p:nvSpPr>
-        <p:spPr>
-          <a:xfrm>
-            <a:off x="1752600" y="3059668"/>
-            <a:ext cx="5181600" cy="1200329"/>
-          </a:xfrm>
-          <a:prstGeom prst="rect">
-            <a:avLst/>
-          </a:prstGeom>
-          <a:noFill/>
-        </p:spPr>
-        <p:txBody>
-          <a:bodyPr wrap="square" rtlCol="0">
-            <a:spAutoFit/>
-          </a:bodyPr>
-          <a:lstStyle/>
-          <a:p>
-            <a:r>
-              <a:rPr lang="en-US" dirty="0"/>
-              <a:t>But </a:t>
-            </a:r>
-            <a:r>
-              <a:rPr lang="en-US" b="1" u="sng" dirty="0"/>
-              <a:t>we are a colony of heaven</a:t>
-            </a:r>
-            <a:r>
-              <a:rPr lang="en-US" b="1" dirty="0"/>
-              <a:t> </a:t>
-            </a:r>
-            <a:r>
-              <a:rPr lang="en-US" dirty="0"/>
-              <a:t>on earth as we cling tightly to our life-giver, the Lord Jesus Christ,</a:t>
-            </a:r>
-            <a:r>
-              <a:rPr lang="en-US" baseline="30000" dirty="0"/>
-              <a:t> </a:t>
-            </a:r>
-            <a:r>
-              <a:rPr lang="en-US" dirty="0"/>
-              <a:t>…</a:t>
-            </a:r>
-          </a:p>
-          <a:p>
-            <a:r>
-              <a:rPr lang="en-US" dirty="0"/>
-              <a:t>using his matchless power, he continually subdues everything to himself.</a:t>
-            </a:r>
-            <a:endParaRPr lang="en-US" dirty="0">
-              <a:latin typeface="Avenir Book"/>
-              <a:cs typeface="Avenir Book"/>
-            </a:endParaRPr>
-          </a:p>
-        </p:txBody>
-      </p:sp>
-      <p:sp>
-        <p:nvSpPr>
-          <p:cNvPr id="10" name="Rectangle 9"/>
-          <p:cNvSpPr/>
-          <p:nvPr/>
-        </p:nvSpPr>
-        <p:spPr>
-          <a:xfrm>
-            <a:off x="3124200" y="4287070"/>
-            <a:ext cx="2438400" cy="152400"/>
-          </a:xfrm>
-          <a:prstGeom prst="rect">
-            <a:avLst/>
-          </a:prstGeom>
-          <a:solidFill>
-            <a:schemeClr val="tx1"/>
-          </a:solidFill>
-          <a:ln>
-            <a:noFill/>
-          </a:ln>
-          <a:effectLst/>
-        </p:spPr>
-        <p:style>
-          <a:lnRef idx="1">
-            <a:schemeClr val="accent1"/>
-          </a:lnRef>
-          <a:fillRef idx="3">
-            <a:schemeClr val="accent1"/>
-          </a:fillRef>
-          <a:effectRef idx="2">
-            <a:schemeClr val="accent1"/>
-          </a:effectRef>
-          <a:fontRef idx="minor">
-            <a:schemeClr val="lt1"/>
-          </a:fontRef>
-        </p:style>
-        <p:txBody>
-          <a:bodyPr rtlCol="0" anchor="ctr"/>
-          <a:lstStyle/>
-          <a:p>
-            <a:pPr algn="ctr"/>
-            <a:r>
-              <a:rPr lang="en-US" sz="800" dirty="0">
-                <a:solidFill>
-                  <a:schemeClr val="bg1"/>
-                </a:solidFill>
-              </a:rPr>
-              <a:t>Philippians 3:20-21</a:t>
-            </a:r>
-          </a:p>
-        </p:txBody>
-      </p:sp>
-    </p:spTree>
-    <p:extLst>
-      <p:ext uri="{BB962C8B-B14F-4D97-AF65-F5344CB8AC3E}">
-        <p14:creationId xmlns:p14="http://schemas.microsoft.com/office/powerpoint/2010/main" val="1030309952"/>
-      </p:ext>
-    </p:extLst>
-  </p:cSld>
-  <p:clrMapOvr>
-    <a:masterClrMapping/>
-  </p:clrMapOvr>
-  <p:timing>
-    <p:tnLst>
-      <p:par>
-        <p:cTn id="1" dur="indefinite" restart="never" nodeType="tmRoot">
-          <p:childTnLst>
-            <p:seq concurrent="1" nextAc="seek">
-              <p:cTn id="2" dur="indefinite" nodeType="mainSeq">
-                <p:childTnLst>
-                  <p:par>
-                    <p:cTn id="3" fill="hold">
-                      <p:stCondLst>
-                        <p:cond delay="indefinite"/>
-                        <p:cond evt="onBegin" delay="0">
-                          <p:tn val="2"/>
-                        </p:cond>
-                      </p:stCondLst>
-                      <p:childTnLst>
-                        <p:par>
-                          <p:cTn id="4" fill="hold">
-                            <p:stCondLst>
-                              <p:cond delay="0"/>
-                            </p:stCondLst>
-                            <p:childTnLst>
-                              <p:par>
-                                <p:cTn id="5" presetID="1" presetClass="entr" presetSubtype="0" fill="hold" grpId="2" nodeType="afterEffect">
-                                  <p:stCondLst>
-                                    <p:cond delay="1000"/>
-                                  </p:stCondLst>
-                                  <p:childTnLst>
-                                    <p:set>
-                                      <p:cBhvr>
-                                        <p:cTn id="6" dur="1" fill="hold">
-                                          <p:stCondLst>
-                                            <p:cond delay="0"/>
-                                          </p:stCondLst>
-                                        </p:cTn>
-                                        <p:tgtEl>
-                                          <p:spTgt spid="5"/>
-                                        </p:tgtEl>
-                                        <p:attrNameLst>
-                                          <p:attrName>style.visibility</p:attrName>
-                                        </p:attrNameLst>
-                                      </p:cBhvr>
-                                      <p:to>
-                                        <p:strVal val="visible"/>
-                                      </p:to>
-                                    </p:set>
-                                  </p:childTnLst>
-                                </p:cTn>
-                              </p:par>
-                            </p:childTnLst>
-                          </p:cTn>
-                        </p:par>
-                        <p:par>
-                          <p:cTn id="7" fill="hold">
-                            <p:stCondLst>
-                              <p:cond delay="1000"/>
-                            </p:stCondLst>
-                            <p:childTnLst>
-                              <p:par>
-                                <p:cTn id="8" presetID="0" presetClass="path" presetSubtype="0" accel="50000" decel="50000" fill="hold" grpId="0" nodeType="afterEffect">
-                                  <p:stCondLst>
-                                    <p:cond delay="0"/>
-                                  </p:stCondLst>
-                                  <p:childTnLst>
-                                    <p:animMotion origin="layout" path="M 0.04236 2.22222E-6 L 3.61111E-6 2.22222E-6 " pathEditMode="relative" rAng="0" ptsTypes="AA">
-                                      <p:cBhvr>
-                                        <p:cTn id="9" dur="300" fill="hold"/>
-                                        <p:tgtEl>
-                                          <p:spTgt spid="5"/>
-                                        </p:tgtEl>
-                                        <p:attrNameLst>
-                                          <p:attrName>ppt_x</p:attrName>
-                                          <p:attrName>ppt_y</p:attrName>
-                                        </p:attrNameLst>
-                                      </p:cBhvr>
-                                      <p:rCtr x="-2118" y="0"/>
-                                    </p:animMotion>
-                                  </p:childTnLst>
-                                </p:cTn>
-                              </p:par>
-                              <p:par>
-                                <p:cTn id="10" presetID="10" presetClass="entr" presetSubtype="0" fill="hold" grpId="1" nodeType="withEffect">
-                                  <p:stCondLst>
-                                    <p:cond delay="0"/>
-                                  </p:stCondLst>
-                                  <p:childTnLst>
-                                    <p:set>
-                                      <p:cBhvr>
-                                        <p:cTn id="11" dur="1" fill="hold">
-                                          <p:stCondLst>
-                                            <p:cond delay="0"/>
-                                          </p:stCondLst>
-                                        </p:cTn>
-                                        <p:tgtEl>
-                                          <p:spTgt spid="5"/>
-                                        </p:tgtEl>
-                                        <p:attrNameLst>
-                                          <p:attrName>style.visibility</p:attrName>
-                                        </p:attrNameLst>
-                                      </p:cBhvr>
-                                      <p:to>
-                                        <p:strVal val="visible"/>
-                                      </p:to>
-                                    </p:set>
-                                    <p:animEffect transition="in" filter="fade">
-                                      <p:cBhvr>
-                                        <p:cTn id="12" dur="500"/>
-                                        <p:tgtEl>
-                                          <p:spTgt spid="5"/>
-                                        </p:tgtEl>
-                                      </p:cBhvr>
-                                    </p:animEffect>
-                                  </p:childTnLst>
-                                </p:cTn>
-                              </p:par>
-                            </p:childTnLst>
-                          </p:cTn>
-                        </p:par>
-                        <p:par>
-                          <p:cTn id="13" fill="hold">
-                            <p:stCondLst>
-                              <p:cond delay="1500"/>
-                            </p:stCondLst>
-                            <p:childTnLst>
-                              <p:par>
-                                <p:cTn id="14" presetID="10" presetClass="entr" presetSubtype="0" fill="hold" grpId="0" nodeType="afterEffect">
-                                  <p:stCondLst>
-                                    <p:cond delay="0"/>
-                                  </p:stCondLst>
-                                  <p:childTnLst>
-                                    <p:set>
-                                      <p:cBhvr>
-                                        <p:cTn id="15" dur="1" fill="hold">
-                                          <p:stCondLst>
-                                            <p:cond delay="0"/>
-                                          </p:stCondLst>
-                                        </p:cTn>
-                                        <p:tgtEl>
-                                          <p:spTgt spid="8"/>
-                                        </p:tgtEl>
-                                        <p:attrNameLst>
-                                          <p:attrName>style.visibility</p:attrName>
-                                        </p:attrNameLst>
-                                      </p:cBhvr>
-                                      <p:to>
-                                        <p:strVal val="visible"/>
-                                      </p:to>
-                                    </p:set>
-                                    <p:animEffect transition="in" filter="fade">
-                                      <p:cBhvr>
-                                        <p:cTn id="16" dur="300"/>
-                                        <p:tgtEl>
-                                          <p:spTgt spid="8"/>
-                                        </p:tgtEl>
-                                      </p:cBhvr>
-                                    </p:animEffect>
-                                  </p:childTnLst>
-                                </p:cTn>
-                              </p:par>
-                              <p:par>
-                                <p:cTn id="17" presetID="0" presetClass="path" presetSubtype="0" accel="50000" decel="50000" fill="hold" grpId="1" nodeType="withEffect">
-                                  <p:stCondLst>
-                                    <p:cond delay="0"/>
-                                  </p:stCondLst>
-                                  <p:childTnLst>
-                                    <p:animMotion origin="layout" path="M 3.88889E-6 0.0169 L 3.88889E-6 -4.44444E-6 " pathEditMode="relative" rAng="0" ptsTypes="AA">
-                                      <p:cBhvr>
-                                        <p:cTn id="18" dur="200" fill="hold"/>
-                                        <p:tgtEl>
-                                          <p:spTgt spid="8"/>
-                                        </p:tgtEl>
-                                        <p:attrNameLst>
-                                          <p:attrName>ppt_x</p:attrName>
-                                          <p:attrName>ppt_y</p:attrName>
-                                        </p:attrNameLst>
-                                      </p:cBhvr>
-                                      <p:rCtr x="0" y="-856"/>
-                                    </p:animMotion>
-                                  </p:childTnLst>
-                                </p:cTn>
-                              </p:par>
-                            </p:childTnLst>
-                          </p:cTn>
-                        </p:par>
-                        <p:par>
-                          <p:cTn id="19" fill="hold">
-                            <p:stCondLst>
-                              <p:cond delay="1800"/>
-                            </p:stCondLst>
-                            <p:childTnLst>
-                              <p:par>
-                                <p:cTn id="20" presetID="10" presetClass="entr" presetSubtype="0" fill="hold" grpId="0" nodeType="afterEffect">
-                                  <p:stCondLst>
-                                    <p:cond delay="0"/>
-                                  </p:stCondLst>
-                                  <p:childTnLst>
-                                    <p:set>
-                                      <p:cBhvr>
-                                        <p:cTn id="21" dur="1" fill="hold">
-                                          <p:stCondLst>
-                                            <p:cond delay="0"/>
-                                          </p:stCondLst>
-                                        </p:cTn>
-                                        <p:tgtEl>
-                                          <p:spTgt spid="10"/>
-                                        </p:tgtEl>
-                                        <p:attrNameLst>
-                                          <p:attrName>style.visibility</p:attrName>
-                                        </p:attrNameLst>
-                                      </p:cBhvr>
-                                      <p:to>
-                                        <p:strVal val="visible"/>
-                                      </p:to>
-                                    </p:set>
-                                    <p:animEffect transition="in" filter="fade">
-                                      <p:cBhvr>
-                                        <p:cTn id="22" dur="200"/>
-                                        <p:tgtEl>
-                                          <p:spTgt spid="10"/>
-                                        </p:tgtEl>
-                                      </p:cBhvr>
-                                    </p:animEffect>
-                                  </p:childTnLst>
-                                </p:cTn>
-                              </p:par>
-                            </p:childTnLst>
-                          </p:cTn>
-                        </p:par>
-                      </p:childTnLst>
-                    </p:cTn>
-                  </p:par>
-                </p:childTnLst>
-              </p:cTn>
-              <p:prevCondLst>
-                <p:cond evt="onPrev" delay="0">
-                  <p:tgtEl>
-                    <p:sldTgt/>
-                  </p:tgtEl>
-                </p:cond>
-              </p:prevCondLst>
-              <p:nextCondLst>
-                <p:cond evt="onNext" delay="0">
-                  <p:tgtEl>
-                    <p:sldTgt/>
-                  </p:tgtEl>
-                </p:cond>
-              </p:nextCondLst>
-            </p:seq>
-          </p:childTnLst>
-        </p:cTn>
-      </p:par>
-    </p:tnLst>
-    <p:bldLst>
-      <p:bldP spid="5" grpId="0" animBg="1"/>
-      <p:bldP spid="5" grpId="1" animBg="1"/>
-      <p:bldP spid="5" grpId="2" animBg="1"/>
-      <p:bldP spid="8" grpId="0"/>
-      <p:bldP spid="8" grpId="1"/>
-      <p:bldP spid="10" grpId="0" animBg="1"/>
-    </p:bldLst>
-  </p:timing>
-</p:sld>
-</file>
-
-<file path=ppt/slides/slide5.xml><?xml version="1.0" encoding="utf-8"?>
+<file path=ppt/slides/slide6.xml><?xml version="1.0" encoding="utf-8"?>
 <p:sld xmlns:a="http://schemas.openxmlformats.org/drawingml/2006/main" xmlns:r="http://schemas.openxmlformats.org/officeDocument/2006/relationships" xmlns:p="http://schemas.openxmlformats.org/presentationml/2006/main">
   <p:cSld>
     <p:spTree>
@@ -34115,7 +35580,7 @@
 </p:sld>
 </file>
 
-<file path=ppt/slides/slide6.xml><?xml version="1.0" encoding="utf-8"?>
+<file path=ppt/slides/slide7.xml><?xml version="1.0" encoding="utf-8"?>
 <p:sld xmlns:a="http://schemas.openxmlformats.org/drawingml/2006/main" xmlns:r="http://schemas.openxmlformats.org/officeDocument/2006/relationships" xmlns:p="http://schemas.openxmlformats.org/presentationml/2006/main" show="0">
   <p:cSld>
     <p:spTree>
@@ -36127,7 +37592,7 @@
 </p:sld>
 </file>
 
-<file path=ppt/slides/slide7.xml><?xml version="1.0" encoding="utf-8"?>
+<file path=ppt/slides/slide8.xml><?xml version="1.0" encoding="utf-8"?>
 <p:sld xmlns:a="http://schemas.openxmlformats.org/drawingml/2006/main" xmlns:r="http://schemas.openxmlformats.org/officeDocument/2006/relationships" xmlns:p="http://schemas.openxmlformats.org/presentationml/2006/main" show="0">
   <p:cSld>
     <p:spTree>
@@ -38214,7 +39679,7 @@
 </p:sld>
 </file>
 
-<file path=ppt/slides/slide8.xml><?xml version="1.0" encoding="utf-8"?>
+<file path=ppt/slides/slide9.xml><?xml version="1.0" encoding="utf-8"?>
 <p:sld xmlns:a="http://schemas.openxmlformats.org/drawingml/2006/main" xmlns:r="http://schemas.openxmlformats.org/officeDocument/2006/relationships" xmlns:p="http://schemas.openxmlformats.org/presentationml/2006/main">
   <p:cSld>
     <p:spTree>
@@ -38933,619 +40398,6 @@
       <p:bldP spid="13" grpId="0"/>
     </p:bldLst>
   </p:timing>
-</p:sld>
-</file>
-
-<file path=ppt/slides/slide9.xml><?xml version="1.0" encoding="utf-8"?>
-<p:sld xmlns:a="http://schemas.openxmlformats.org/drawingml/2006/main" xmlns:r="http://schemas.openxmlformats.org/officeDocument/2006/relationships" xmlns:p="http://schemas.openxmlformats.org/presentationml/2006/main">
-  <p:cSld>
-    <p:spTree>
-      <p:nvGrpSpPr>
-        <p:cNvPr id="1" name=""/>
-        <p:cNvGrpSpPr/>
-        <p:nvPr/>
-      </p:nvGrpSpPr>
-      <p:grpSpPr>
-        <a:xfrm>
-          <a:off x="0" y="0"/>
-          <a:ext cx="0" cy="0"/>
-          <a:chOff x="0" y="0"/>
-          <a:chExt cx="0" cy="0"/>
-        </a:xfrm>
-      </p:grpSpPr>
-      <p:graphicFrame>
-        <p:nvGraphicFramePr>
-          <p:cNvPr id="5" name="Table 4">
-            <a:extLst>
-              <a:ext uri="{FF2B5EF4-FFF2-40B4-BE49-F238E27FC236}">
-                <a16:creationId xmlns:a16="http://schemas.microsoft.com/office/drawing/2014/main" id="{78E50748-036B-E142-AEF6-65352B0CB6E3}"/>
-              </a:ext>
-            </a:extLst>
-          </p:cNvPr>
-          <p:cNvGraphicFramePr>
-            <a:graphicFrameLocks noGrp="1"/>
-          </p:cNvGraphicFramePr>
-          <p:nvPr>
-            <p:extLst>
-              <p:ext uri="{D42A27DB-BD31-4B8C-83A1-F6EECF244321}">
-                <p14:modId xmlns:p14="http://schemas.microsoft.com/office/powerpoint/2010/main" val="2154142296"/>
-              </p:ext>
-            </p:extLst>
-          </p:nvPr>
-        </p:nvGraphicFramePr>
-        <p:xfrm>
-          <a:off x="381000" y="441960"/>
-          <a:ext cx="8229600" cy="5882640"/>
-        </p:xfrm>
-        <a:graphic>
-          <a:graphicData uri="http://schemas.openxmlformats.org/drawingml/2006/table">
-            <a:tbl>
-              <a:tblPr firstRow="1" bandRow="1">
-                <a:tableStyleId>{2D5ABB26-0587-4C30-8999-92F81FD0307C}</a:tableStyleId>
-              </a:tblPr>
-              <a:tblGrid>
-                <a:gridCol w="1752600">
-                  <a:extLst>
-                    <a:ext uri="{9D8B030D-6E8A-4147-A177-3AD203B41FA5}">
-                      <a16:colId xmlns:a16="http://schemas.microsoft.com/office/drawing/2014/main" val="3623029985"/>
-                    </a:ext>
-                  </a:extLst>
-                </a:gridCol>
-                <a:gridCol w="6477000">
-                  <a:extLst>
-                    <a:ext uri="{9D8B030D-6E8A-4147-A177-3AD203B41FA5}">
-                      <a16:colId xmlns:a16="http://schemas.microsoft.com/office/drawing/2014/main" val="4294323797"/>
-                    </a:ext>
-                  </a:extLst>
-                </a:gridCol>
-              </a:tblGrid>
-              <a:tr h="562738">
-                <a:tc>
-                  <a:txBody>
-                    <a:bodyPr/>
-                    <a:lstStyle/>
-                    <a:p>
-                      <a:pPr algn="r" rtl="0" fontAlgn="t">
-                        <a:spcBef>
-                          <a:spcPts val="0"/>
-                        </a:spcBef>
-                        <a:spcAft>
-                          <a:spcPts val="0"/>
-                        </a:spcAft>
-                      </a:pPr>
-                      <a:r>
-                        <a:rPr lang="en-US" sz="2400" b="1" i="0" u="none" strike="noStrike" dirty="0">
-                          <a:solidFill>
-                            <a:srgbClr val="009EC0"/>
-                          </a:solidFill>
-                          <a:effectLst/>
-                          <a:latin typeface="Arial" panose="020B0604020202020204" pitchFamily="34" charset="0"/>
-                        </a:rPr>
-                        <a:t>Noah</a:t>
-                      </a:r>
-                      <a:endParaRPr lang="en-US" sz="2400" b="1" dirty="0">
-                        <a:solidFill>
-                          <a:srgbClr val="009EC0"/>
-                        </a:solidFill>
-                        <a:effectLst/>
-                      </a:endParaRPr>
-                    </a:p>
-                  </a:txBody>
-                  <a:tcPr marL="63500" marR="63500" marT="63500" marB="63500"/>
-                </a:tc>
-                <a:tc>
-                  <a:txBody>
-                    <a:bodyPr/>
-                    <a:lstStyle/>
-                    <a:p>
-                      <a:pPr rtl="0" fontAlgn="t">
-                        <a:spcBef>
-                          <a:spcPts val="0"/>
-                        </a:spcBef>
-                        <a:spcAft>
-                          <a:spcPts val="0"/>
-                        </a:spcAft>
-                      </a:pPr>
-                      <a:r>
-                        <a:rPr lang="en-US" sz="2400" b="0" i="0" u="none" strike="noStrike">
-                          <a:solidFill>
-                            <a:schemeClr val="tx1"/>
-                          </a:solidFill>
-                          <a:effectLst/>
-                          <a:latin typeface="Arial" panose="020B0604020202020204" pitchFamily="34" charset="0"/>
-                        </a:rPr>
-                        <a:t>Built an ark for a future flood</a:t>
-                      </a:r>
-                      <a:endParaRPr lang="en-US" sz="2400">
-                        <a:solidFill>
-                          <a:schemeClr val="tx1"/>
-                        </a:solidFill>
-                        <a:effectLst/>
-                      </a:endParaRPr>
-                    </a:p>
-                  </a:txBody>
-                  <a:tcPr marL="63500" marR="63500" marT="63500" marB="63500"/>
-                </a:tc>
-                <a:extLst>
-                  <a:ext uri="{0D108BD9-81ED-4DB2-BD59-A6C34878D82A}">
-                    <a16:rowId xmlns:a16="http://schemas.microsoft.com/office/drawing/2014/main" val="3592000535"/>
-                  </a:ext>
-                </a:extLst>
-              </a:tr>
-              <a:tr h="980440">
-                <a:tc>
-                  <a:txBody>
-                    <a:bodyPr/>
-                    <a:lstStyle/>
-                    <a:p>
-                      <a:pPr algn="r" rtl="0" fontAlgn="t">
-                        <a:spcBef>
-                          <a:spcPts val="0"/>
-                        </a:spcBef>
-                        <a:spcAft>
-                          <a:spcPts val="0"/>
-                        </a:spcAft>
-                      </a:pPr>
-                      <a:r>
-                        <a:rPr lang="en-US" sz="2400" b="1" i="0" u="none" strike="noStrike" dirty="0">
-                          <a:solidFill>
-                            <a:srgbClr val="009EC0"/>
-                          </a:solidFill>
-                          <a:effectLst/>
-                          <a:latin typeface="Arial" panose="020B0604020202020204" pitchFamily="34" charset="0"/>
-                        </a:rPr>
-                        <a:t>Abraham</a:t>
-                      </a:r>
-                      <a:endParaRPr lang="en-US" sz="2400" b="1" dirty="0">
-                        <a:solidFill>
-                          <a:srgbClr val="009EC0"/>
-                        </a:solidFill>
-                        <a:effectLst/>
-                      </a:endParaRPr>
-                    </a:p>
-                  </a:txBody>
-                  <a:tcPr marL="63500" marR="63500" marT="63500" marB="63500"/>
-                </a:tc>
-                <a:tc>
-                  <a:txBody>
-                    <a:bodyPr/>
-                    <a:lstStyle/>
-                    <a:p>
-                      <a:pPr rtl="0" fontAlgn="t">
-                        <a:spcBef>
-                          <a:spcPts val="0"/>
-                        </a:spcBef>
-                        <a:spcAft>
-                          <a:spcPts val="0"/>
-                        </a:spcAft>
-                      </a:pPr>
-                      <a:r>
-                        <a:rPr lang="en-US" sz="2400" b="0" i="0" u="none" strike="noStrike" dirty="0">
-                          <a:solidFill>
-                            <a:schemeClr val="tx1"/>
-                          </a:solidFill>
-                          <a:effectLst/>
-                          <a:latin typeface="Arial" panose="020B0604020202020204" pitchFamily="34" charset="0"/>
-                        </a:rPr>
-                        <a:t>Left his homeland to a location he didn’t even know yet</a:t>
-                      </a:r>
-                      <a:endParaRPr lang="en-US" sz="2400" dirty="0">
-                        <a:solidFill>
-                          <a:schemeClr val="tx1"/>
-                        </a:solidFill>
-                        <a:effectLst/>
-                      </a:endParaRPr>
-                    </a:p>
-                  </a:txBody>
-                  <a:tcPr marL="63500" marR="63500" marT="63500" marB="63500"/>
-                </a:tc>
-                <a:extLst>
-                  <a:ext uri="{0D108BD9-81ED-4DB2-BD59-A6C34878D82A}">
-                    <a16:rowId xmlns:a16="http://schemas.microsoft.com/office/drawing/2014/main" val="2330484482"/>
-                  </a:ext>
-                </a:extLst>
-              </a:tr>
-              <a:tr h="980440">
-                <a:tc>
-                  <a:txBody>
-                    <a:bodyPr/>
-                    <a:lstStyle/>
-                    <a:p>
-                      <a:pPr algn="r" rtl="0" fontAlgn="t">
-                        <a:spcBef>
-                          <a:spcPts val="0"/>
-                        </a:spcBef>
-                        <a:spcAft>
-                          <a:spcPts val="0"/>
-                        </a:spcAft>
-                      </a:pPr>
-                      <a:r>
-                        <a:rPr lang="en-US" sz="2400" b="1" i="0" u="none" strike="noStrike" dirty="0">
-                          <a:solidFill>
-                            <a:srgbClr val="009EC0"/>
-                          </a:solidFill>
-                          <a:effectLst/>
-                          <a:latin typeface="Arial" panose="020B0604020202020204" pitchFamily="34" charset="0"/>
-                        </a:rPr>
-                        <a:t>Sarah</a:t>
-                      </a:r>
-                      <a:endParaRPr lang="en-US" sz="2400" b="1" dirty="0">
-                        <a:solidFill>
-                          <a:srgbClr val="009EC0"/>
-                        </a:solidFill>
-                        <a:effectLst/>
-                      </a:endParaRPr>
-                    </a:p>
-                  </a:txBody>
-                  <a:tcPr marL="63500" marR="63500" marT="63500" marB="63500"/>
-                </a:tc>
-                <a:tc>
-                  <a:txBody>
-                    <a:bodyPr/>
-                    <a:lstStyle/>
-                    <a:p>
-                      <a:pPr rtl="0" fontAlgn="t">
-                        <a:spcBef>
-                          <a:spcPts val="0"/>
-                        </a:spcBef>
-                        <a:spcAft>
-                          <a:spcPts val="0"/>
-                        </a:spcAft>
-                      </a:pPr>
-                      <a:r>
-                        <a:rPr lang="en-US" sz="2400" b="0" i="0" u="none" strike="noStrike" dirty="0">
-                          <a:solidFill>
-                            <a:schemeClr val="tx1"/>
-                          </a:solidFill>
-                          <a:effectLst/>
-                          <a:latin typeface="Arial" panose="020B0604020202020204" pitchFamily="34" charset="0"/>
-                        </a:rPr>
-                        <a:t>Believed the promise of a child (though she was old and barren)</a:t>
-                      </a:r>
-                      <a:endParaRPr lang="en-US" sz="2400" dirty="0">
-                        <a:solidFill>
-                          <a:schemeClr val="tx1"/>
-                        </a:solidFill>
-                        <a:effectLst/>
-                      </a:endParaRPr>
-                    </a:p>
-                  </a:txBody>
-                  <a:tcPr marL="63500" marR="63500" marT="63500" marB="63500"/>
-                </a:tc>
-                <a:extLst>
-                  <a:ext uri="{0D108BD9-81ED-4DB2-BD59-A6C34878D82A}">
-                    <a16:rowId xmlns:a16="http://schemas.microsoft.com/office/drawing/2014/main" val="1564031315"/>
-                  </a:ext>
-                </a:extLst>
-              </a:tr>
-              <a:tr h="980440">
-                <a:tc>
-                  <a:txBody>
-                    <a:bodyPr/>
-                    <a:lstStyle/>
-                    <a:p>
-                      <a:pPr algn="r" rtl="0" fontAlgn="t">
-                        <a:spcBef>
-                          <a:spcPts val="0"/>
-                        </a:spcBef>
-                        <a:spcAft>
-                          <a:spcPts val="0"/>
-                        </a:spcAft>
-                      </a:pPr>
-                      <a:r>
-                        <a:rPr lang="en-US" sz="2400" b="1" i="0" u="none" strike="noStrike" dirty="0">
-                          <a:solidFill>
-                            <a:srgbClr val="009EC0"/>
-                          </a:solidFill>
-                          <a:effectLst/>
-                          <a:latin typeface="Arial" panose="020B0604020202020204" pitchFamily="34" charset="0"/>
-                        </a:rPr>
-                        <a:t>Joseph</a:t>
-                      </a:r>
-                      <a:endParaRPr lang="en-US" sz="2400" b="1" dirty="0">
-                        <a:solidFill>
-                          <a:srgbClr val="009EC0"/>
-                        </a:solidFill>
-                        <a:effectLst/>
-                      </a:endParaRPr>
-                    </a:p>
-                  </a:txBody>
-                  <a:tcPr marL="63500" marR="63500" marT="63500" marB="63500"/>
-                </a:tc>
-                <a:tc>
-                  <a:txBody>
-                    <a:bodyPr/>
-                    <a:lstStyle/>
-                    <a:p>
-                      <a:pPr rtl="0" fontAlgn="t">
-                        <a:spcBef>
-                          <a:spcPts val="0"/>
-                        </a:spcBef>
-                        <a:spcAft>
-                          <a:spcPts val="0"/>
-                        </a:spcAft>
-                      </a:pPr>
-                      <a:r>
-                        <a:rPr lang="en-US" sz="2400" b="0" i="0" u="none" strike="noStrike" dirty="0">
-                          <a:solidFill>
-                            <a:schemeClr val="tx1"/>
-                          </a:solidFill>
-                          <a:effectLst/>
-                          <a:latin typeface="Arial" panose="020B0604020202020204" pitchFamily="34" charset="0"/>
-                        </a:rPr>
-                        <a:t>Spoke about the exodus of the Israelites and gave instructions about his bones</a:t>
-                      </a:r>
-                      <a:endParaRPr lang="en-US" sz="2400" dirty="0">
-                        <a:solidFill>
-                          <a:schemeClr val="tx1"/>
-                        </a:solidFill>
-                        <a:effectLst/>
-                      </a:endParaRPr>
-                    </a:p>
-                  </a:txBody>
-                  <a:tcPr marL="63500" marR="63500" marT="63500" marB="63500"/>
-                </a:tc>
-                <a:extLst>
-                  <a:ext uri="{0D108BD9-81ED-4DB2-BD59-A6C34878D82A}">
-                    <a16:rowId xmlns:a16="http://schemas.microsoft.com/office/drawing/2014/main" val="3045623234"/>
-                  </a:ext>
-                </a:extLst>
-              </a:tr>
-              <a:tr h="1398142">
-                <a:tc>
-                  <a:txBody>
-                    <a:bodyPr/>
-                    <a:lstStyle/>
-                    <a:p>
-                      <a:pPr algn="r" rtl="0" fontAlgn="t">
-                        <a:spcBef>
-                          <a:spcPts val="0"/>
-                        </a:spcBef>
-                        <a:spcAft>
-                          <a:spcPts val="0"/>
-                        </a:spcAft>
-                      </a:pPr>
-                      <a:r>
-                        <a:rPr lang="en-US" sz="2400" b="1" i="0" u="none" strike="noStrike" dirty="0">
-                          <a:solidFill>
-                            <a:srgbClr val="009EC0"/>
-                          </a:solidFill>
-                          <a:effectLst/>
-                          <a:latin typeface="Arial" panose="020B0604020202020204" pitchFamily="34" charset="0"/>
-                        </a:rPr>
-                        <a:t>Moses</a:t>
-                      </a:r>
-                      <a:endParaRPr lang="en-US" sz="2400" b="1" dirty="0">
-                        <a:solidFill>
-                          <a:srgbClr val="009EC0"/>
-                        </a:solidFill>
-                        <a:effectLst/>
-                      </a:endParaRPr>
-                    </a:p>
-                  </a:txBody>
-                  <a:tcPr marL="63500" marR="63500" marT="63500" marB="63500"/>
-                </a:tc>
-                <a:tc>
-                  <a:txBody>
-                    <a:bodyPr/>
-                    <a:lstStyle/>
-                    <a:p>
-                      <a:pPr rtl="0" fontAlgn="t">
-                        <a:spcBef>
-                          <a:spcPts val="0"/>
-                        </a:spcBef>
-                        <a:spcAft>
-                          <a:spcPts val="0"/>
-                        </a:spcAft>
-                      </a:pPr>
-                      <a:r>
-                        <a:rPr lang="en-US" sz="2400" b="0" i="0" u="none" strike="noStrike" dirty="0">
-                          <a:solidFill>
-                            <a:schemeClr val="tx1"/>
-                          </a:solidFill>
-                          <a:effectLst/>
-                          <a:latin typeface="Arial" panose="020B0604020202020204" pitchFamily="34" charset="0"/>
-                        </a:rPr>
-                        <a:t>“valued disgrace </a:t>
-                      </a:r>
-                      <a:r>
-                        <a:rPr lang="en-US" sz="2400" b="0" i="0" u="none" strike="noStrike" dirty="0">
-                          <a:solidFill>
-                            <a:schemeClr val="tx1"/>
-                          </a:solidFill>
-                          <a:effectLst/>
-                          <a:highlight>
-                            <a:srgbClr val="C00002"/>
-                          </a:highlight>
-                          <a:latin typeface="Arial" panose="020B0604020202020204" pitchFamily="34" charset="0"/>
-                        </a:rPr>
-                        <a:t> </a:t>
-                      </a:r>
-                      <a:r>
-                        <a:rPr lang="en-US" sz="2400" b="1" i="0" u="none" strike="noStrike" dirty="0">
-                          <a:solidFill>
-                            <a:schemeClr val="tx1"/>
-                          </a:solidFill>
-                          <a:effectLst/>
-                          <a:highlight>
-                            <a:srgbClr val="C00002"/>
-                          </a:highlight>
-                          <a:latin typeface="Arial" panose="020B0604020202020204" pitchFamily="34" charset="0"/>
-                        </a:rPr>
-                        <a:t>for Christ </a:t>
-                      </a:r>
-                      <a:r>
-                        <a:rPr lang="en-US" sz="2400" b="1" i="0" u="none" strike="noStrike" dirty="0">
-                          <a:solidFill>
-                            <a:schemeClr val="tx1"/>
-                          </a:solidFill>
-                          <a:effectLst/>
-                          <a:latin typeface="Arial" panose="020B0604020202020204" pitchFamily="34" charset="0"/>
-                        </a:rPr>
-                        <a:t> </a:t>
-                      </a:r>
-                      <a:r>
-                        <a:rPr lang="en-US" sz="2400" b="0" i="0" u="none" strike="noStrike" dirty="0">
-                          <a:solidFill>
-                            <a:schemeClr val="tx1"/>
-                          </a:solidFill>
-                          <a:effectLst/>
-                          <a:latin typeface="Arial" panose="020B0604020202020204" pitchFamily="34" charset="0"/>
-                        </a:rPr>
-                        <a:t>above the treasures of Egypt, for he was </a:t>
-                      </a:r>
-                      <a:r>
-                        <a:rPr lang="en-US" sz="2400" b="0" i="0" u="none" strike="noStrike" dirty="0">
-                          <a:solidFill>
-                            <a:schemeClr val="tx1"/>
-                          </a:solidFill>
-                          <a:effectLst/>
-                          <a:highlight>
-                            <a:srgbClr val="C00002"/>
-                          </a:highlight>
-                          <a:latin typeface="Arial" panose="020B0604020202020204" pitchFamily="34" charset="0"/>
-                        </a:rPr>
-                        <a:t> </a:t>
-                      </a:r>
-                      <a:r>
-                        <a:rPr lang="en-US" sz="2400" b="1" i="0" u="none" strike="noStrike" dirty="0">
-                          <a:solidFill>
-                            <a:schemeClr val="tx1"/>
-                          </a:solidFill>
-                          <a:effectLst/>
-                          <a:highlight>
-                            <a:srgbClr val="C00002"/>
-                          </a:highlight>
-                          <a:latin typeface="Arial" panose="020B0604020202020204" pitchFamily="34" charset="0"/>
-                        </a:rPr>
-                        <a:t>looking ahead</a:t>
-                      </a:r>
-                      <a:r>
-                        <a:rPr lang="en-US" sz="2400" b="0" i="0" u="none" strike="noStrike" dirty="0">
-                          <a:solidFill>
-                            <a:schemeClr val="tx1"/>
-                          </a:solidFill>
-                          <a:effectLst/>
-                          <a:highlight>
-                            <a:srgbClr val="C00002"/>
-                          </a:highlight>
-                          <a:latin typeface="Arial" panose="020B0604020202020204" pitchFamily="34" charset="0"/>
-                        </a:rPr>
-                        <a:t> </a:t>
-                      </a:r>
-                      <a:r>
-                        <a:rPr lang="en-US" sz="2400" b="0" i="0" u="none" strike="noStrike" dirty="0">
-                          <a:solidFill>
-                            <a:schemeClr val="tx1"/>
-                          </a:solidFill>
-                          <a:effectLst/>
-                          <a:latin typeface="Arial" panose="020B0604020202020204" pitchFamily="34" charset="0"/>
-                        </a:rPr>
-                        <a:t> to his reward”</a:t>
-                      </a:r>
-                      <a:endParaRPr lang="en-US" sz="2400" dirty="0">
-                        <a:solidFill>
-                          <a:schemeClr val="tx1"/>
-                        </a:solidFill>
-                        <a:effectLst/>
-                      </a:endParaRPr>
-                    </a:p>
-                  </a:txBody>
-                  <a:tcPr marL="63500" marR="63500" marT="63500" marB="63500"/>
-                </a:tc>
-                <a:extLst>
-                  <a:ext uri="{0D108BD9-81ED-4DB2-BD59-A6C34878D82A}">
-                    <a16:rowId xmlns:a16="http://schemas.microsoft.com/office/drawing/2014/main" val="1903344222"/>
-                  </a:ext>
-                </a:extLst>
-              </a:tr>
-              <a:tr h="980440">
-                <a:tc>
-                  <a:txBody>
-                    <a:bodyPr/>
-                    <a:lstStyle/>
-                    <a:p>
-                      <a:pPr algn="r" rtl="0" fontAlgn="t">
-                        <a:spcBef>
-                          <a:spcPts val="0"/>
-                        </a:spcBef>
-                        <a:spcAft>
-                          <a:spcPts val="0"/>
-                        </a:spcAft>
-                      </a:pPr>
-                      <a:r>
-                        <a:rPr lang="en-US" sz="2400" b="1" i="0" u="none" strike="noStrike" dirty="0">
-                          <a:solidFill>
-                            <a:srgbClr val="009EC0"/>
-                          </a:solidFill>
-                          <a:effectLst/>
-                          <a:latin typeface="Arial" panose="020B0604020202020204" pitchFamily="34" charset="0"/>
-                        </a:rPr>
-                        <a:t>Rahab</a:t>
-                      </a:r>
-                      <a:endParaRPr lang="en-US" sz="2400" b="1" dirty="0">
-                        <a:solidFill>
-                          <a:srgbClr val="009EC0"/>
-                        </a:solidFill>
-                        <a:effectLst/>
-                      </a:endParaRPr>
-                    </a:p>
-                  </a:txBody>
-                  <a:tcPr marL="63500" marR="63500" marT="63500" marB="63500"/>
-                </a:tc>
-                <a:tc>
-                  <a:txBody>
-                    <a:bodyPr/>
-                    <a:lstStyle/>
-                    <a:p>
-                      <a:pPr rtl="0" fontAlgn="t">
-                        <a:spcBef>
-                          <a:spcPts val="0"/>
-                        </a:spcBef>
-                        <a:spcAft>
-                          <a:spcPts val="0"/>
-                        </a:spcAft>
-                      </a:pPr>
-                      <a:r>
-                        <a:rPr lang="en-US" sz="2400" b="0" i="0" u="none" strike="noStrike" dirty="0">
-                          <a:solidFill>
-                            <a:schemeClr val="tx1"/>
-                          </a:solidFill>
-                          <a:effectLst/>
-                          <a:latin typeface="Arial" panose="020B0604020202020204" pitchFamily="34" charset="0"/>
-                        </a:rPr>
-                        <a:t>Welcomed the spies so that she could be later saved</a:t>
-                      </a:r>
-                      <a:endParaRPr lang="en-US" sz="2400" dirty="0">
-                        <a:solidFill>
-                          <a:schemeClr val="tx1"/>
-                        </a:solidFill>
-                        <a:effectLst/>
-                      </a:endParaRPr>
-                    </a:p>
-                  </a:txBody>
-                  <a:tcPr marL="63500" marR="63500" marT="63500" marB="63500"/>
-                </a:tc>
-                <a:extLst>
-                  <a:ext uri="{0D108BD9-81ED-4DB2-BD59-A6C34878D82A}">
-                    <a16:rowId xmlns:a16="http://schemas.microsoft.com/office/drawing/2014/main" val="270610797"/>
-                  </a:ext>
-                </a:extLst>
-              </a:tr>
-            </a:tbl>
-          </a:graphicData>
-        </a:graphic>
-      </p:graphicFrame>
-    </p:spTree>
-    <p:extLst>
-      <p:ext uri="{BB962C8B-B14F-4D97-AF65-F5344CB8AC3E}">
-        <p14:creationId xmlns:p14="http://schemas.microsoft.com/office/powerpoint/2010/main" val="3979849082"/>
-      </p:ext>
-    </p:extLst>
-  </p:cSld>
-  <p:clrMapOvr>
-    <a:masterClrMapping/>
-  </p:clrMapOvr>
 </p:sld>
 </file>
 

--- a/companion-website/public/files/Template.pptx
+++ b/companion-website/public/files/Template.pptx
@@ -5,7 +5,7 @@
     <p:sldMasterId id="2147483648" r:id="rId1"/>
   </p:sldMasterIdLst>
   <p:notesMasterIdLst>
-    <p:notesMasterId r:id="rId43"/>
+    <p:notesMasterId r:id="rId44"/>
   </p:notesMasterIdLst>
   <p:sldIdLst>
     <p:sldId id="275" r:id="rId2"/>
@@ -17,38 +17,39 @@
     <p:sldId id="436" r:id="rId8"/>
     <p:sldId id="434" r:id="rId9"/>
     <p:sldId id="437" r:id="rId10"/>
-    <p:sldId id="449" r:id="rId11"/>
-    <p:sldId id="450" r:id="rId12"/>
-    <p:sldId id="259" r:id="rId13"/>
-    <p:sldId id="435" r:id="rId14"/>
-    <p:sldId id="457" r:id="rId15"/>
-    <p:sldId id="459" r:id="rId16"/>
-    <p:sldId id="441" r:id="rId17"/>
-    <p:sldId id="442" r:id="rId18"/>
-    <p:sldId id="261" r:id="rId19"/>
-    <p:sldId id="262" r:id="rId20"/>
-    <p:sldId id="265" r:id="rId21"/>
-    <p:sldId id="263" r:id="rId22"/>
-    <p:sldId id="264" r:id="rId23"/>
-    <p:sldId id="447" r:id="rId24"/>
-    <p:sldId id="448" r:id="rId25"/>
-    <p:sldId id="455" r:id="rId26"/>
-    <p:sldId id="458" r:id="rId27"/>
-    <p:sldId id="438" r:id="rId28"/>
-    <p:sldId id="439" r:id="rId29"/>
-    <p:sldId id="445" r:id="rId30"/>
-    <p:sldId id="267" r:id="rId31"/>
-    <p:sldId id="269" r:id="rId32"/>
-    <p:sldId id="270" r:id="rId33"/>
-    <p:sldId id="268" r:id="rId34"/>
-    <p:sldId id="446" r:id="rId35"/>
-    <p:sldId id="271" r:id="rId36"/>
-    <p:sldId id="444" r:id="rId37"/>
-    <p:sldId id="440" r:id="rId38"/>
-    <p:sldId id="451" r:id="rId39"/>
-    <p:sldId id="452" r:id="rId40"/>
-    <p:sldId id="453" r:id="rId41"/>
-    <p:sldId id="443" r:id="rId42"/>
+    <p:sldId id="461" r:id="rId11"/>
+    <p:sldId id="449" r:id="rId12"/>
+    <p:sldId id="450" r:id="rId13"/>
+    <p:sldId id="259" r:id="rId14"/>
+    <p:sldId id="435" r:id="rId15"/>
+    <p:sldId id="457" r:id="rId16"/>
+    <p:sldId id="459" r:id="rId17"/>
+    <p:sldId id="441" r:id="rId18"/>
+    <p:sldId id="442" r:id="rId19"/>
+    <p:sldId id="261" r:id="rId20"/>
+    <p:sldId id="262" r:id="rId21"/>
+    <p:sldId id="265" r:id="rId22"/>
+    <p:sldId id="263" r:id="rId23"/>
+    <p:sldId id="264" r:id="rId24"/>
+    <p:sldId id="447" r:id="rId25"/>
+    <p:sldId id="448" r:id="rId26"/>
+    <p:sldId id="455" r:id="rId27"/>
+    <p:sldId id="458" r:id="rId28"/>
+    <p:sldId id="438" r:id="rId29"/>
+    <p:sldId id="439" r:id="rId30"/>
+    <p:sldId id="445" r:id="rId31"/>
+    <p:sldId id="267" r:id="rId32"/>
+    <p:sldId id="269" r:id="rId33"/>
+    <p:sldId id="270" r:id="rId34"/>
+    <p:sldId id="268" r:id="rId35"/>
+    <p:sldId id="446" r:id="rId36"/>
+    <p:sldId id="271" r:id="rId37"/>
+    <p:sldId id="444" r:id="rId38"/>
+    <p:sldId id="440" r:id="rId39"/>
+    <p:sldId id="451" r:id="rId40"/>
+    <p:sldId id="452" r:id="rId41"/>
+    <p:sldId id="453" r:id="rId42"/>
+    <p:sldId id="443" r:id="rId43"/>
   </p:sldIdLst>
   <p:sldSz cx="9144000" cy="6858000" type="screen4x3"/>
   <p:notesSz cx="6858000" cy="9144000"/>
@@ -3920,7 +3921,7 @@
           <a:p>
             <a:fld id="{8F7EB338-8BB0-B64B-9F79-C87EA24D723F}" type="datetimeFigureOut">
               <a:rPr lang="en-US" smtClean="0"/>
-              <a:t>10/22/20</a:t>
+              <a:t>11/8/20</a:t>
             </a:fld>
             <a:endParaRPr lang="en-US"/>
           </a:p>
@@ -4336,7 +4337,7 @@
           <a:p>
             <a:fld id="{0A2C3B37-55FA-284F-9E83-751B4EA6E9B4}" type="slidenum">
               <a:rPr lang="en-US" smtClean="0"/>
-              <a:t>24</a:t>
+              <a:t>25</a:t>
             </a:fld>
             <a:endParaRPr lang="en-US"/>
           </a:p>
@@ -4420,7 +4421,7 @@
           <a:p>
             <a:fld id="{0A2C3B37-55FA-284F-9E83-751B4EA6E9B4}" type="slidenum">
               <a:rPr lang="en-US" smtClean="0"/>
-              <a:t>25</a:t>
+              <a:t>26</a:t>
             </a:fld>
             <a:endParaRPr lang="en-US"/>
           </a:p>
@@ -4773,7 +4774,7 @@
           <a:p>
             <a:fld id="{0A2C3B37-55FA-284F-9E83-751B4EA6E9B4}" type="slidenum">
               <a:rPr lang="en-US" smtClean="0"/>
-              <a:t>19</a:t>
+              <a:t>20</a:t>
             </a:fld>
             <a:endParaRPr lang="en-US"/>
           </a:p>
@@ -4874,7 +4875,7 @@
           <a:p>
             <a:fld id="{0A2C3B37-55FA-284F-9E83-751B4EA6E9B4}" type="slidenum">
               <a:rPr lang="en-US" smtClean="0"/>
-              <a:t>20</a:t>
+              <a:t>21</a:t>
             </a:fld>
             <a:endParaRPr lang="en-US"/>
           </a:p>
@@ -4962,7 +4963,7 @@
           <a:p>
             <a:fld id="{0A2C3B37-55FA-284F-9E83-751B4EA6E9B4}" type="slidenum">
               <a:rPr lang="en-US" smtClean="0"/>
-              <a:t>21</a:t>
+              <a:t>22</a:t>
             </a:fld>
             <a:endParaRPr lang="en-US"/>
           </a:p>
@@ -5046,7 +5047,7 @@
           <a:p>
             <a:fld id="{0A2C3B37-55FA-284F-9E83-751B4EA6E9B4}" type="slidenum">
               <a:rPr lang="en-US" smtClean="0"/>
-              <a:t>22</a:t>
+              <a:t>23</a:t>
             </a:fld>
             <a:endParaRPr lang="en-US"/>
           </a:p>
@@ -5130,7 +5131,7 @@
           <a:p>
             <a:fld id="{0A2C3B37-55FA-284F-9E83-751B4EA6E9B4}" type="slidenum">
               <a:rPr lang="en-US" smtClean="0"/>
-              <a:t>23</a:t>
+              <a:t>24</a:t>
             </a:fld>
             <a:endParaRPr lang="en-US"/>
           </a:p>
@@ -5333,7 +5334,7 @@
             <a:fld id="{DBE77699-C466-4996-ADED-71C8160E04A2}" type="datetimeFigureOut">
               <a:rPr lang="en-US" smtClean="0"/>
               <a:pPr/>
-              <a:t>10/22/20</a:t>
+              <a:t>11/8/20</a:t>
             </a:fld>
             <a:endParaRPr lang="en-US"/>
           </a:p>
@@ -5498,7 +5499,7 @@
             <a:fld id="{DBE77699-C466-4996-ADED-71C8160E04A2}" type="datetimeFigureOut">
               <a:rPr lang="en-US" smtClean="0"/>
               <a:pPr/>
-              <a:t>10/22/20</a:t>
+              <a:t>11/8/20</a:t>
             </a:fld>
             <a:endParaRPr lang="en-US"/>
           </a:p>
@@ -5673,7 +5674,7 @@
             <a:fld id="{DBE77699-C466-4996-ADED-71C8160E04A2}" type="datetimeFigureOut">
               <a:rPr lang="en-US" smtClean="0"/>
               <a:pPr/>
-              <a:t>10/22/20</a:t>
+              <a:t>11/8/20</a:t>
             </a:fld>
             <a:endParaRPr lang="en-US"/>
           </a:p>
@@ -5852,7 +5853,7 @@
             <a:fld id="{DBE77699-C466-4996-ADED-71C8160E04A2}" type="datetimeFigureOut">
               <a:rPr lang="en-US" smtClean="0"/>
               <a:pPr/>
-              <a:t>10/22/20</a:t>
+              <a:t>11/8/20</a:t>
             </a:fld>
             <a:endParaRPr lang="en-US"/>
           </a:p>
@@ -6015,7 +6016,7 @@
             <a:fld id="{DBE77699-C466-4996-ADED-71C8160E04A2}" type="datetimeFigureOut">
               <a:rPr lang="en-US" smtClean="0"/>
               <a:pPr/>
-              <a:t>10/22/20</a:t>
+              <a:t>11/8/20</a:t>
             </a:fld>
             <a:endParaRPr lang="en-US"/>
           </a:p>
@@ -6423,7 +6424,7 @@
             <a:fld id="{DBE77699-C466-4996-ADED-71C8160E04A2}" type="datetimeFigureOut">
               <a:rPr lang="en-US" smtClean="0"/>
               <a:pPr/>
-              <a:t>10/22/20</a:t>
+              <a:t>11/8/20</a:t>
             </a:fld>
             <a:endParaRPr lang="en-US"/>
           </a:p>
@@ -6665,7 +6666,7 @@
             <a:fld id="{DBE77699-C466-4996-ADED-71C8160E04A2}" type="datetimeFigureOut">
               <a:rPr lang="en-US" smtClean="0"/>
               <a:pPr/>
-              <a:t>10/22/20</a:t>
+              <a:t>11/8/20</a:t>
             </a:fld>
             <a:endParaRPr lang="en-US"/>
           </a:p>
@@ -6947,7 +6948,7 @@
             <a:fld id="{DBE77699-C466-4996-ADED-71C8160E04A2}" type="datetimeFigureOut">
               <a:rPr lang="en-US" smtClean="0"/>
               <a:pPr/>
-              <a:t>10/22/20</a:t>
+              <a:t>11/8/20</a:t>
             </a:fld>
             <a:endParaRPr lang="en-US"/>
           </a:p>
@@ -7363,7 +7364,7 @@
             <a:fld id="{DBE77699-C466-4996-ADED-71C8160E04A2}" type="datetimeFigureOut">
               <a:rPr lang="en-US" smtClean="0"/>
               <a:pPr/>
-              <a:t>10/22/20</a:t>
+              <a:t>11/8/20</a:t>
             </a:fld>
             <a:endParaRPr lang="en-US"/>
           </a:p>
@@ -7477,7 +7478,7 @@
             <a:fld id="{DBE77699-C466-4996-ADED-71C8160E04A2}" type="datetimeFigureOut">
               <a:rPr lang="en-US" smtClean="0"/>
               <a:pPr/>
-              <a:t>10/22/20</a:t>
+              <a:t>11/8/20</a:t>
             </a:fld>
             <a:endParaRPr lang="en-US"/>
           </a:p>
@@ -7569,7 +7570,7 @@
             <a:fld id="{DBE77699-C466-4996-ADED-71C8160E04A2}" type="datetimeFigureOut">
               <a:rPr lang="en-US" smtClean="0"/>
               <a:pPr/>
-              <a:t>10/22/20</a:t>
+              <a:t>11/8/20</a:t>
             </a:fld>
             <a:endParaRPr lang="en-US"/>
           </a:p>
@@ -7841,7 +7842,7 @@
             <a:fld id="{DBE77699-C466-4996-ADED-71C8160E04A2}" type="datetimeFigureOut">
               <a:rPr lang="en-US" smtClean="0"/>
               <a:pPr/>
-              <a:t>10/22/20</a:t>
+              <a:t>11/8/20</a:t>
             </a:fld>
             <a:endParaRPr lang="en-US"/>
           </a:p>
@@ -8090,7 +8091,7 @@
             <a:fld id="{DBE77699-C466-4996-ADED-71C8160E04A2}" type="datetimeFigureOut">
               <a:rPr lang="en-US" smtClean="0"/>
               <a:pPr/>
-              <a:t>10/22/20</a:t>
+              <a:t>11/8/20</a:t>
             </a:fld>
             <a:endParaRPr lang="en-US"/>
           </a:p>
@@ -8301,7 +8302,7 @@
             <a:fld id="{DBE77699-C466-4996-ADED-71C8160E04A2}" type="datetimeFigureOut">
               <a:rPr lang="en-US" smtClean="0"/>
               <a:pPr/>
-              <a:t>10/22/20</a:t>
+              <a:t>11/8/20</a:t>
             </a:fld>
             <a:endParaRPr lang="en-US"/>
           </a:p>
@@ -9522,6 +9523,879 @@
           <a:chExt cx="0" cy="0"/>
         </a:xfrm>
       </p:grpSpPr>
+      <p:grpSp>
+        <p:nvGrpSpPr>
+          <p:cNvPr id="6" name="Group 5">
+            <a:extLst>
+              <a:ext uri="{FF2B5EF4-FFF2-40B4-BE49-F238E27FC236}">
+                <a16:creationId xmlns:a16="http://schemas.microsoft.com/office/drawing/2014/main" id="{7738E1E5-C42A-7441-9238-0A5B6B194B7A}"/>
+              </a:ext>
+            </a:extLst>
+          </p:cNvPr>
+          <p:cNvGrpSpPr/>
+          <p:nvPr/>
+        </p:nvGrpSpPr>
+        <p:grpSpPr>
+          <a:xfrm>
+            <a:off x="2269700" y="3760836"/>
+            <a:ext cx="1295400" cy="1147465"/>
+            <a:chOff x="3581401" y="609600"/>
+            <a:chExt cx="1295400" cy="1147465"/>
+          </a:xfrm>
+        </p:grpSpPr>
+        <p:sp>
+          <p:nvSpPr>
+            <p:cNvPr id="4" name="TextBox 3">
+              <a:extLst>
+                <a:ext uri="{FF2B5EF4-FFF2-40B4-BE49-F238E27FC236}">
+                  <a16:creationId xmlns:a16="http://schemas.microsoft.com/office/drawing/2014/main" id="{65322F88-8253-BB41-B5C2-3CD9668AD64A}"/>
+                </a:ext>
+              </a:extLst>
+            </p:cNvPr>
+            <p:cNvSpPr txBox="1"/>
+            <p:nvPr/>
+          </p:nvSpPr>
+          <p:spPr>
+            <a:xfrm>
+              <a:off x="3919242" y="609600"/>
+              <a:ext cx="607859" cy="769441"/>
+            </a:xfrm>
+            <a:prstGeom prst="rect">
+              <a:avLst/>
+            </a:prstGeom>
+            <a:noFill/>
+          </p:spPr>
+          <p:txBody>
+            <a:bodyPr wrap="none" rtlCol="0">
+              <a:spAutoFit/>
+            </a:bodyPr>
+            <a:lstStyle/>
+            <a:p>
+              <a:r>
+                <a:rPr lang="en-US" sz="4400" dirty="0">
+                  <a:solidFill>
+                    <a:srgbClr val="01B902"/>
+                  </a:solidFill>
+                  <a:latin typeface="+mj-lt"/>
+                  <a:ea typeface="Verdana" panose="020B0604030504040204" pitchFamily="34" charset="0"/>
+                  <a:cs typeface="Verdana" panose="020B0604030504040204" pitchFamily="34" charset="0"/>
+                </a:rPr>
+                <a:t>✓</a:t>
+              </a:r>
+            </a:p>
+          </p:txBody>
+        </p:sp>
+        <p:sp>
+          <p:nvSpPr>
+            <p:cNvPr id="5" name="TextBox 4">
+              <a:extLst>
+                <a:ext uri="{FF2B5EF4-FFF2-40B4-BE49-F238E27FC236}">
+                  <a16:creationId xmlns:a16="http://schemas.microsoft.com/office/drawing/2014/main" id="{0CA1E542-9638-3943-A8B3-4C66986C4B3A}"/>
+                </a:ext>
+              </a:extLst>
+            </p:cNvPr>
+            <p:cNvSpPr txBox="1"/>
+            <p:nvPr/>
+          </p:nvSpPr>
+          <p:spPr>
+            <a:xfrm>
+              <a:off x="3581401" y="1295400"/>
+              <a:ext cx="1295400" cy="461665"/>
+            </a:xfrm>
+            <a:prstGeom prst="rect">
+              <a:avLst/>
+            </a:prstGeom>
+            <a:noFill/>
+          </p:spPr>
+          <p:txBody>
+            <a:bodyPr wrap="square" lIns="0" rIns="0" rtlCol="0">
+              <a:spAutoFit/>
+            </a:bodyPr>
+            <a:lstStyle/>
+            <a:p>
+              <a:pPr algn="ctr"/>
+              <a:r>
+                <a:rPr lang="en-US" sz="2400" dirty="0">
+                  <a:solidFill>
+                    <a:srgbClr val="01B902"/>
+                  </a:solidFill>
+                </a:rPr>
+                <a:t>Jacob</a:t>
+              </a:r>
+            </a:p>
+          </p:txBody>
+        </p:sp>
+      </p:grpSp>
+      <p:grpSp>
+        <p:nvGrpSpPr>
+          <p:cNvPr id="7" name="Group 6">
+            <a:extLst>
+              <a:ext uri="{FF2B5EF4-FFF2-40B4-BE49-F238E27FC236}">
+                <a16:creationId xmlns:a16="http://schemas.microsoft.com/office/drawing/2014/main" id="{34B37308-9200-7B4A-A1FF-3A65FCB57B5A}"/>
+              </a:ext>
+            </a:extLst>
+          </p:cNvPr>
+          <p:cNvGrpSpPr/>
+          <p:nvPr/>
+        </p:nvGrpSpPr>
+        <p:grpSpPr>
+          <a:xfrm>
+            <a:off x="4183741" y="3733579"/>
+            <a:ext cx="1295400" cy="1147465"/>
+            <a:chOff x="3581401" y="609600"/>
+            <a:chExt cx="1295400" cy="1147465"/>
+          </a:xfrm>
+        </p:grpSpPr>
+        <p:sp>
+          <p:nvSpPr>
+            <p:cNvPr id="8" name="TextBox 7">
+              <a:extLst>
+                <a:ext uri="{FF2B5EF4-FFF2-40B4-BE49-F238E27FC236}">
+                  <a16:creationId xmlns:a16="http://schemas.microsoft.com/office/drawing/2014/main" id="{341C951F-48EB-864C-9DF8-6CCADCBD20FD}"/>
+                </a:ext>
+              </a:extLst>
+            </p:cNvPr>
+            <p:cNvSpPr txBox="1"/>
+            <p:nvPr/>
+          </p:nvSpPr>
+          <p:spPr>
+            <a:xfrm>
+              <a:off x="3919242" y="609600"/>
+              <a:ext cx="646331" cy="769441"/>
+            </a:xfrm>
+            <a:prstGeom prst="rect">
+              <a:avLst/>
+            </a:prstGeom>
+            <a:noFill/>
+          </p:spPr>
+          <p:txBody>
+            <a:bodyPr wrap="none" rtlCol="0">
+              <a:spAutoFit/>
+            </a:bodyPr>
+            <a:lstStyle/>
+            <a:p>
+              <a:r>
+                <a:rPr lang="en-US" sz="4400" dirty="0">
+                  <a:solidFill>
+                    <a:srgbClr val="C00000"/>
+                  </a:solidFill>
+                  <a:latin typeface="Verdana" panose="020B0604030504040204" pitchFamily="34" charset="0"/>
+                  <a:ea typeface="Verdana" panose="020B0604030504040204" pitchFamily="34" charset="0"/>
+                  <a:cs typeface="Verdana" panose="020B0604030504040204" pitchFamily="34" charset="0"/>
+                </a:rPr>
+                <a:t>✕</a:t>
+              </a:r>
+            </a:p>
+          </p:txBody>
+        </p:sp>
+        <p:sp>
+          <p:nvSpPr>
+            <p:cNvPr id="9" name="TextBox 8">
+              <a:extLst>
+                <a:ext uri="{FF2B5EF4-FFF2-40B4-BE49-F238E27FC236}">
+                  <a16:creationId xmlns:a16="http://schemas.microsoft.com/office/drawing/2014/main" id="{C2F0A0AC-B47C-4943-A944-099C0A57ABB8}"/>
+                </a:ext>
+              </a:extLst>
+            </p:cNvPr>
+            <p:cNvSpPr txBox="1"/>
+            <p:nvPr/>
+          </p:nvSpPr>
+          <p:spPr>
+            <a:xfrm>
+              <a:off x="3581401" y="1295400"/>
+              <a:ext cx="1295400" cy="461665"/>
+            </a:xfrm>
+            <a:prstGeom prst="rect">
+              <a:avLst/>
+            </a:prstGeom>
+            <a:noFill/>
+          </p:spPr>
+          <p:txBody>
+            <a:bodyPr wrap="square" lIns="0" rIns="0" rtlCol="0">
+              <a:spAutoFit/>
+            </a:bodyPr>
+            <a:lstStyle/>
+            <a:p>
+              <a:pPr algn="ctr"/>
+              <a:r>
+                <a:rPr lang="en-US" sz="2400" dirty="0">
+                  <a:solidFill>
+                    <a:srgbClr val="C00000"/>
+                  </a:solidFill>
+                </a:rPr>
+                <a:t>Esau</a:t>
+              </a:r>
+            </a:p>
+          </p:txBody>
+        </p:sp>
+      </p:grpSp>
+      <p:grpSp>
+        <p:nvGrpSpPr>
+          <p:cNvPr id="10" name="Group 9">
+            <a:extLst>
+              <a:ext uri="{FF2B5EF4-FFF2-40B4-BE49-F238E27FC236}">
+                <a16:creationId xmlns:a16="http://schemas.microsoft.com/office/drawing/2014/main" id="{39A353BE-3712-7540-B079-09BDB2F6B2D9}"/>
+              </a:ext>
+            </a:extLst>
+          </p:cNvPr>
+          <p:cNvGrpSpPr/>
+          <p:nvPr/>
+        </p:nvGrpSpPr>
+        <p:grpSpPr>
+          <a:xfrm>
+            <a:off x="3238041" y="1985444"/>
+            <a:ext cx="1295400" cy="1147465"/>
+            <a:chOff x="3581401" y="609600"/>
+            <a:chExt cx="1295400" cy="1147465"/>
+          </a:xfrm>
+        </p:grpSpPr>
+        <p:sp>
+          <p:nvSpPr>
+            <p:cNvPr id="11" name="TextBox 10">
+              <a:extLst>
+                <a:ext uri="{FF2B5EF4-FFF2-40B4-BE49-F238E27FC236}">
+                  <a16:creationId xmlns:a16="http://schemas.microsoft.com/office/drawing/2014/main" id="{3979E0A3-AB72-3A49-8036-925BEB1CE377}"/>
+                </a:ext>
+              </a:extLst>
+            </p:cNvPr>
+            <p:cNvSpPr txBox="1"/>
+            <p:nvPr/>
+          </p:nvSpPr>
+          <p:spPr>
+            <a:xfrm>
+              <a:off x="3919242" y="609600"/>
+              <a:ext cx="607859" cy="769441"/>
+            </a:xfrm>
+            <a:prstGeom prst="rect">
+              <a:avLst/>
+            </a:prstGeom>
+            <a:noFill/>
+          </p:spPr>
+          <p:txBody>
+            <a:bodyPr wrap="none" rtlCol="0">
+              <a:spAutoFit/>
+            </a:bodyPr>
+            <a:lstStyle/>
+            <a:p>
+              <a:r>
+                <a:rPr lang="en-US" sz="4400" dirty="0">
+                  <a:solidFill>
+                    <a:srgbClr val="01B902"/>
+                  </a:solidFill>
+                  <a:latin typeface="+mj-lt"/>
+                  <a:ea typeface="Verdana" panose="020B0604030504040204" pitchFamily="34" charset="0"/>
+                  <a:cs typeface="Verdana" panose="020B0604030504040204" pitchFamily="34" charset="0"/>
+                </a:rPr>
+                <a:t>✓</a:t>
+              </a:r>
+            </a:p>
+          </p:txBody>
+        </p:sp>
+        <p:sp>
+          <p:nvSpPr>
+            <p:cNvPr id="12" name="TextBox 11">
+              <a:extLst>
+                <a:ext uri="{FF2B5EF4-FFF2-40B4-BE49-F238E27FC236}">
+                  <a16:creationId xmlns:a16="http://schemas.microsoft.com/office/drawing/2014/main" id="{E0D8FB1A-28C4-D54C-9F92-FA7CCBE97848}"/>
+                </a:ext>
+              </a:extLst>
+            </p:cNvPr>
+            <p:cNvSpPr txBox="1"/>
+            <p:nvPr/>
+          </p:nvSpPr>
+          <p:spPr>
+            <a:xfrm>
+              <a:off x="3581401" y="1295400"/>
+              <a:ext cx="1295400" cy="461665"/>
+            </a:xfrm>
+            <a:prstGeom prst="rect">
+              <a:avLst/>
+            </a:prstGeom>
+            <a:noFill/>
+          </p:spPr>
+          <p:txBody>
+            <a:bodyPr wrap="square" lIns="0" rIns="0" rtlCol="0">
+              <a:spAutoFit/>
+            </a:bodyPr>
+            <a:lstStyle/>
+            <a:p>
+              <a:pPr algn="ctr"/>
+              <a:r>
+                <a:rPr lang="en-US" sz="2400" dirty="0">
+                  <a:solidFill>
+                    <a:srgbClr val="01B902"/>
+                  </a:solidFill>
+                </a:rPr>
+                <a:t>Isaac</a:t>
+              </a:r>
+            </a:p>
+          </p:txBody>
+        </p:sp>
+      </p:grpSp>
+      <p:grpSp>
+        <p:nvGrpSpPr>
+          <p:cNvPr id="13" name="Group 12">
+            <a:extLst>
+              <a:ext uri="{FF2B5EF4-FFF2-40B4-BE49-F238E27FC236}">
+                <a16:creationId xmlns:a16="http://schemas.microsoft.com/office/drawing/2014/main" id="{B44AB891-A9F8-1E4D-9CCE-D722ED3D81F7}"/>
+              </a:ext>
+            </a:extLst>
+          </p:cNvPr>
+          <p:cNvGrpSpPr/>
+          <p:nvPr/>
+        </p:nvGrpSpPr>
+        <p:grpSpPr>
+          <a:xfrm>
+            <a:off x="5029200" y="1985444"/>
+            <a:ext cx="1295400" cy="1147465"/>
+            <a:chOff x="3581401" y="609600"/>
+            <a:chExt cx="1295400" cy="1147465"/>
+          </a:xfrm>
+        </p:grpSpPr>
+        <p:sp>
+          <p:nvSpPr>
+            <p:cNvPr id="14" name="TextBox 13">
+              <a:extLst>
+                <a:ext uri="{FF2B5EF4-FFF2-40B4-BE49-F238E27FC236}">
+                  <a16:creationId xmlns:a16="http://schemas.microsoft.com/office/drawing/2014/main" id="{91094957-F590-594A-97E4-F4764ED83232}"/>
+                </a:ext>
+              </a:extLst>
+            </p:cNvPr>
+            <p:cNvSpPr txBox="1"/>
+            <p:nvPr/>
+          </p:nvSpPr>
+          <p:spPr>
+            <a:xfrm>
+              <a:off x="3919242" y="609600"/>
+              <a:ext cx="646331" cy="769441"/>
+            </a:xfrm>
+            <a:prstGeom prst="rect">
+              <a:avLst/>
+            </a:prstGeom>
+            <a:noFill/>
+          </p:spPr>
+          <p:txBody>
+            <a:bodyPr wrap="none" rtlCol="0">
+              <a:spAutoFit/>
+            </a:bodyPr>
+            <a:lstStyle/>
+            <a:p>
+              <a:r>
+                <a:rPr lang="en-US" sz="4400" dirty="0">
+                  <a:solidFill>
+                    <a:srgbClr val="C00000"/>
+                  </a:solidFill>
+                  <a:latin typeface="Verdana" panose="020B0604030504040204" pitchFamily="34" charset="0"/>
+                  <a:ea typeface="Verdana" panose="020B0604030504040204" pitchFamily="34" charset="0"/>
+                  <a:cs typeface="Verdana" panose="020B0604030504040204" pitchFamily="34" charset="0"/>
+                </a:rPr>
+                <a:t>✕</a:t>
+              </a:r>
+            </a:p>
+          </p:txBody>
+        </p:sp>
+        <p:sp>
+          <p:nvSpPr>
+            <p:cNvPr id="15" name="TextBox 14">
+              <a:extLst>
+                <a:ext uri="{FF2B5EF4-FFF2-40B4-BE49-F238E27FC236}">
+                  <a16:creationId xmlns:a16="http://schemas.microsoft.com/office/drawing/2014/main" id="{B7ADB320-5451-7C4B-A2D5-9C503FEC8710}"/>
+                </a:ext>
+              </a:extLst>
+            </p:cNvPr>
+            <p:cNvSpPr txBox="1"/>
+            <p:nvPr/>
+          </p:nvSpPr>
+          <p:spPr>
+            <a:xfrm>
+              <a:off x="3581401" y="1295400"/>
+              <a:ext cx="1295400" cy="461665"/>
+            </a:xfrm>
+            <a:prstGeom prst="rect">
+              <a:avLst/>
+            </a:prstGeom>
+            <a:noFill/>
+          </p:spPr>
+          <p:txBody>
+            <a:bodyPr wrap="square" lIns="0" rIns="0" rtlCol="0">
+              <a:spAutoFit/>
+            </a:bodyPr>
+            <a:lstStyle/>
+            <a:p>
+              <a:pPr algn="ctr"/>
+              <a:r>
+                <a:rPr lang="en-US" sz="2400" dirty="0">
+                  <a:solidFill>
+                    <a:srgbClr val="C00000"/>
+                  </a:solidFill>
+                </a:rPr>
+                <a:t>Ishmael</a:t>
+              </a:r>
+            </a:p>
+          </p:txBody>
+        </p:sp>
+      </p:grpSp>
+      <p:grpSp>
+        <p:nvGrpSpPr>
+          <p:cNvPr id="16" name="Group 15">
+            <a:extLst>
+              <a:ext uri="{FF2B5EF4-FFF2-40B4-BE49-F238E27FC236}">
+                <a16:creationId xmlns:a16="http://schemas.microsoft.com/office/drawing/2014/main" id="{4F47C323-B82B-1144-9227-22A14F6E2930}"/>
+              </a:ext>
+            </a:extLst>
+          </p:cNvPr>
+          <p:cNvGrpSpPr/>
+          <p:nvPr/>
+        </p:nvGrpSpPr>
+        <p:grpSpPr>
+          <a:xfrm>
+            <a:off x="4183741" y="304800"/>
+            <a:ext cx="1295400" cy="1147465"/>
+            <a:chOff x="3581401" y="609600"/>
+            <a:chExt cx="1295400" cy="1147465"/>
+          </a:xfrm>
+        </p:grpSpPr>
+        <p:sp>
+          <p:nvSpPr>
+            <p:cNvPr id="17" name="TextBox 16">
+              <a:extLst>
+                <a:ext uri="{FF2B5EF4-FFF2-40B4-BE49-F238E27FC236}">
+                  <a16:creationId xmlns:a16="http://schemas.microsoft.com/office/drawing/2014/main" id="{3EBB8BAF-56F5-3343-9031-5265AFA2DF7E}"/>
+                </a:ext>
+              </a:extLst>
+            </p:cNvPr>
+            <p:cNvSpPr txBox="1"/>
+            <p:nvPr/>
+          </p:nvSpPr>
+          <p:spPr>
+            <a:xfrm>
+              <a:off x="3919242" y="609600"/>
+              <a:ext cx="607859" cy="769441"/>
+            </a:xfrm>
+            <a:prstGeom prst="rect">
+              <a:avLst/>
+            </a:prstGeom>
+            <a:noFill/>
+          </p:spPr>
+          <p:txBody>
+            <a:bodyPr wrap="none" rtlCol="0">
+              <a:spAutoFit/>
+            </a:bodyPr>
+            <a:lstStyle/>
+            <a:p>
+              <a:r>
+                <a:rPr lang="en-US" sz="4400" dirty="0">
+                  <a:solidFill>
+                    <a:srgbClr val="01B902"/>
+                  </a:solidFill>
+                  <a:latin typeface="+mj-lt"/>
+                  <a:ea typeface="Verdana" panose="020B0604030504040204" pitchFamily="34" charset="0"/>
+                  <a:cs typeface="Verdana" panose="020B0604030504040204" pitchFamily="34" charset="0"/>
+                </a:rPr>
+                <a:t>✓</a:t>
+              </a:r>
+            </a:p>
+          </p:txBody>
+        </p:sp>
+        <p:sp>
+          <p:nvSpPr>
+            <p:cNvPr id="18" name="TextBox 17">
+              <a:extLst>
+                <a:ext uri="{FF2B5EF4-FFF2-40B4-BE49-F238E27FC236}">
+                  <a16:creationId xmlns:a16="http://schemas.microsoft.com/office/drawing/2014/main" id="{1037F2E4-ED1D-0543-9174-95978D507C28}"/>
+                </a:ext>
+              </a:extLst>
+            </p:cNvPr>
+            <p:cNvSpPr txBox="1"/>
+            <p:nvPr/>
+          </p:nvSpPr>
+          <p:spPr>
+            <a:xfrm>
+              <a:off x="3581401" y="1295400"/>
+              <a:ext cx="1295400" cy="461665"/>
+            </a:xfrm>
+            <a:prstGeom prst="rect">
+              <a:avLst/>
+            </a:prstGeom>
+            <a:noFill/>
+          </p:spPr>
+          <p:txBody>
+            <a:bodyPr wrap="square" lIns="0" rIns="0" rtlCol="0">
+              <a:spAutoFit/>
+            </a:bodyPr>
+            <a:lstStyle/>
+            <a:p>
+              <a:pPr algn="ctr"/>
+              <a:r>
+                <a:rPr lang="en-US" sz="2400" dirty="0">
+                  <a:solidFill>
+                    <a:srgbClr val="01B902"/>
+                  </a:solidFill>
+                </a:rPr>
+                <a:t>Abraham</a:t>
+              </a:r>
+            </a:p>
+          </p:txBody>
+        </p:sp>
+      </p:grpSp>
+      <p:cxnSp>
+        <p:nvCxnSpPr>
+          <p:cNvPr id="22" name="Elbow Connector 21">
+            <a:extLst>
+              <a:ext uri="{FF2B5EF4-FFF2-40B4-BE49-F238E27FC236}">
+                <a16:creationId xmlns:a16="http://schemas.microsoft.com/office/drawing/2014/main" id="{546067EF-63A4-4B4D-A02A-751E275EBD05}"/>
+              </a:ext>
+            </a:extLst>
+          </p:cNvPr>
+          <p:cNvCxnSpPr>
+            <a:cxnSpLocks/>
+            <a:stCxn id="18" idx="2"/>
+            <a:endCxn id="14" idx="0"/>
+          </p:cNvCxnSpPr>
+          <p:nvPr/>
+        </p:nvCxnSpPr>
+        <p:spPr>
+          <a:xfrm rot="16200000" flipH="1">
+            <a:off x="4994235" y="1289471"/>
+            <a:ext cx="533179" cy="858766"/>
+          </a:xfrm>
+          <a:prstGeom prst="bentConnector3">
+            <a:avLst>
+              <a:gd name="adj1" fmla="val 50000"/>
+            </a:avLst>
+          </a:prstGeom>
+          <a:ln w="19050">
+            <a:solidFill>
+              <a:srgbClr val="C00002"/>
+            </a:solidFill>
+            <a:prstDash val="dash"/>
+          </a:ln>
+        </p:spPr>
+        <p:style>
+          <a:lnRef idx="1">
+            <a:schemeClr val="accent1"/>
+          </a:lnRef>
+          <a:fillRef idx="0">
+            <a:schemeClr val="accent1"/>
+          </a:fillRef>
+          <a:effectRef idx="0">
+            <a:schemeClr val="accent1"/>
+          </a:effectRef>
+          <a:fontRef idx="minor">
+            <a:schemeClr val="tx1"/>
+          </a:fontRef>
+        </p:style>
+      </p:cxnSp>
+      <p:cxnSp>
+        <p:nvCxnSpPr>
+          <p:cNvPr id="20" name="Elbow Connector 19">
+            <a:extLst>
+              <a:ext uri="{FF2B5EF4-FFF2-40B4-BE49-F238E27FC236}">
+                <a16:creationId xmlns:a16="http://schemas.microsoft.com/office/drawing/2014/main" id="{38FFAEA3-1EF8-0146-AB56-3E77637F2F05}"/>
+              </a:ext>
+            </a:extLst>
+          </p:cNvPr>
+          <p:cNvCxnSpPr>
+            <a:stCxn id="18" idx="2"/>
+            <a:endCxn id="11" idx="0"/>
+          </p:cNvCxnSpPr>
+          <p:nvPr/>
+        </p:nvCxnSpPr>
+        <p:spPr>
+          <a:xfrm rot="5400000">
+            <a:off x="4089038" y="1243040"/>
+            <a:ext cx="533179" cy="951629"/>
+          </a:xfrm>
+          <a:prstGeom prst="bentConnector3">
+            <a:avLst/>
+          </a:prstGeom>
+          <a:ln w="19050">
+            <a:solidFill>
+              <a:srgbClr val="01B902"/>
+            </a:solidFill>
+          </a:ln>
+        </p:spPr>
+        <p:style>
+          <a:lnRef idx="1">
+            <a:schemeClr val="accent1"/>
+          </a:lnRef>
+          <a:fillRef idx="0">
+            <a:schemeClr val="accent1"/>
+          </a:fillRef>
+          <a:effectRef idx="0">
+            <a:schemeClr val="accent1"/>
+          </a:effectRef>
+          <a:fontRef idx="minor">
+            <a:schemeClr val="tx1"/>
+          </a:fontRef>
+        </p:style>
+      </p:cxnSp>
+      <p:cxnSp>
+        <p:nvCxnSpPr>
+          <p:cNvPr id="25" name="Elbow Connector 24">
+            <a:extLst>
+              <a:ext uri="{FF2B5EF4-FFF2-40B4-BE49-F238E27FC236}">
+                <a16:creationId xmlns:a16="http://schemas.microsoft.com/office/drawing/2014/main" id="{0169709F-3A27-5D49-BD15-3EEF128139E9}"/>
+              </a:ext>
+            </a:extLst>
+          </p:cNvPr>
+          <p:cNvCxnSpPr>
+            <a:cxnSpLocks/>
+            <a:endCxn id="8" idx="0"/>
+          </p:cNvCxnSpPr>
+          <p:nvPr/>
+        </p:nvCxnSpPr>
+        <p:spPr>
+          <a:xfrm>
+            <a:off x="3879811" y="3446872"/>
+            <a:ext cx="964937" cy="286707"/>
+          </a:xfrm>
+          <a:prstGeom prst="bentConnector2">
+            <a:avLst/>
+          </a:prstGeom>
+          <a:ln w="19050">
+            <a:solidFill>
+              <a:srgbClr val="C00002"/>
+            </a:solidFill>
+            <a:prstDash val="dash"/>
+          </a:ln>
+        </p:spPr>
+        <p:style>
+          <a:lnRef idx="1">
+            <a:schemeClr val="accent1"/>
+          </a:lnRef>
+          <a:fillRef idx="0">
+            <a:schemeClr val="accent1"/>
+          </a:fillRef>
+          <a:effectRef idx="0">
+            <a:schemeClr val="accent1"/>
+          </a:effectRef>
+          <a:fontRef idx="minor">
+            <a:schemeClr val="tx1"/>
+          </a:fontRef>
+        </p:style>
+      </p:cxnSp>
+      <p:cxnSp>
+        <p:nvCxnSpPr>
+          <p:cNvPr id="29" name="Elbow Connector 28">
+            <a:extLst>
+              <a:ext uri="{FF2B5EF4-FFF2-40B4-BE49-F238E27FC236}">
+                <a16:creationId xmlns:a16="http://schemas.microsoft.com/office/drawing/2014/main" id="{84E13B72-9935-5848-9A6B-7D55F8093A07}"/>
+              </a:ext>
+            </a:extLst>
+          </p:cNvPr>
+          <p:cNvCxnSpPr>
+            <a:cxnSpLocks/>
+            <a:stCxn id="12" idx="2"/>
+            <a:endCxn id="4" idx="0"/>
+          </p:cNvCxnSpPr>
+          <p:nvPr/>
+        </p:nvCxnSpPr>
+        <p:spPr>
+          <a:xfrm rot="5400000">
+            <a:off x="3084643" y="2959737"/>
+            <a:ext cx="627927" cy="974270"/>
+          </a:xfrm>
+          <a:prstGeom prst="bentConnector3">
+            <a:avLst>
+              <a:gd name="adj1" fmla="val 50000"/>
+            </a:avLst>
+          </a:prstGeom>
+          <a:ln w="19050">
+            <a:solidFill>
+              <a:srgbClr val="01B902"/>
+            </a:solidFill>
+          </a:ln>
+        </p:spPr>
+        <p:style>
+          <a:lnRef idx="1">
+            <a:schemeClr val="accent1"/>
+          </a:lnRef>
+          <a:fillRef idx="0">
+            <a:schemeClr val="accent1"/>
+          </a:fillRef>
+          <a:effectRef idx="0">
+            <a:schemeClr val="accent1"/>
+          </a:effectRef>
+          <a:fontRef idx="minor">
+            <a:schemeClr val="tx1"/>
+          </a:fontRef>
+        </p:style>
+      </p:cxnSp>
+      <p:grpSp>
+        <p:nvGrpSpPr>
+          <p:cNvPr id="37" name="Group 36">
+            <a:extLst>
+              <a:ext uri="{FF2B5EF4-FFF2-40B4-BE49-F238E27FC236}">
+                <a16:creationId xmlns:a16="http://schemas.microsoft.com/office/drawing/2014/main" id="{0AD9B418-1320-7541-90DB-C904299F7EAB}"/>
+              </a:ext>
+            </a:extLst>
+          </p:cNvPr>
+          <p:cNvGrpSpPr/>
+          <p:nvPr/>
+        </p:nvGrpSpPr>
+        <p:grpSpPr>
+          <a:xfrm>
+            <a:off x="2263770" y="5414444"/>
+            <a:ext cx="1295400" cy="1147465"/>
+            <a:chOff x="3581401" y="609600"/>
+            <a:chExt cx="1295400" cy="1147465"/>
+          </a:xfrm>
+        </p:grpSpPr>
+        <p:sp>
+          <p:nvSpPr>
+            <p:cNvPr id="38" name="TextBox 37">
+              <a:extLst>
+                <a:ext uri="{FF2B5EF4-FFF2-40B4-BE49-F238E27FC236}">
+                  <a16:creationId xmlns:a16="http://schemas.microsoft.com/office/drawing/2014/main" id="{29620320-A1D1-2A4F-A5F3-67DFAA1C70AF}"/>
+                </a:ext>
+              </a:extLst>
+            </p:cNvPr>
+            <p:cNvSpPr txBox="1"/>
+            <p:nvPr/>
+          </p:nvSpPr>
+          <p:spPr>
+            <a:xfrm>
+              <a:off x="3919242" y="609600"/>
+              <a:ext cx="607859" cy="769441"/>
+            </a:xfrm>
+            <a:prstGeom prst="rect">
+              <a:avLst/>
+            </a:prstGeom>
+            <a:noFill/>
+          </p:spPr>
+          <p:txBody>
+            <a:bodyPr wrap="none" rtlCol="0">
+              <a:spAutoFit/>
+            </a:bodyPr>
+            <a:lstStyle/>
+            <a:p>
+              <a:r>
+                <a:rPr lang="en-US" sz="4400" dirty="0">
+                  <a:solidFill>
+                    <a:srgbClr val="01B902"/>
+                  </a:solidFill>
+                  <a:latin typeface="+mj-lt"/>
+                  <a:ea typeface="Verdana" panose="020B0604030504040204" pitchFamily="34" charset="0"/>
+                  <a:cs typeface="Verdana" panose="020B0604030504040204" pitchFamily="34" charset="0"/>
+                </a:rPr>
+                <a:t>✓</a:t>
+              </a:r>
+            </a:p>
+          </p:txBody>
+        </p:sp>
+        <p:sp>
+          <p:nvSpPr>
+            <p:cNvPr id="39" name="TextBox 38">
+              <a:extLst>
+                <a:ext uri="{FF2B5EF4-FFF2-40B4-BE49-F238E27FC236}">
+                  <a16:creationId xmlns:a16="http://schemas.microsoft.com/office/drawing/2014/main" id="{B974DC55-44CD-FB45-9F67-E03854FA0D46}"/>
+                </a:ext>
+              </a:extLst>
+            </p:cNvPr>
+            <p:cNvSpPr txBox="1"/>
+            <p:nvPr/>
+          </p:nvSpPr>
+          <p:spPr>
+            <a:xfrm>
+              <a:off x="3581401" y="1295400"/>
+              <a:ext cx="1295400" cy="461665"/>
+            </a:xfrm>
+            <a:prstGeom prst="rect">
+              <a:avLst/>
+            </a:prstGeom>
+            <a:noFill/>
+          </p:spPr>
+          <p:txBody>
+            <a:bodyPr wrap="square" lIns="0" rIns="0" rtlCol="0">
+              <a:spAutoFit/>
+            </a:bodyPr>
+            <a:lstStyle/>
+            <a:p>
+              <a:pPr algn="ctr"/>
+              <a:r>
+                <a:rPr lang="en-US" sz="2400" dirty="0">
+                  <a:solidFill>
+                    <a:srgbClr val="01B902"/>
+                  </a:solidFill>
+                </a:rPr>
+                <a:t>Jesus</a:t>
+              </a:r>
+            </a:p>
+          </p:txBody>
+        </p:sp>
+      </p:grpSp>
+      <p:cxnSp>
+        <p:nvCxnSpPr>
+          <p:cNvPr id="48" name="Straight Connector 47">
+            <a:extLst>
+              <a:ext uri="{FF2B5EF4-FFF2-40B4-BE49-F238E27FC236}">
+                <a16:creationId xmlns:a16="http://schemas.microsoft.com/office/drawing/2014/main" id="{3EB3B3F6-F159-8F46-87F6-3719BC3488D2}"/>
+              </a:ext>
+            </a:extLst>
+          </p:cNvPr>
+          <p:cNvCxnSpPr/>
+          <p:nvPr/>
+        </p:nvCxnSpPr>
+        <p:spPr>
+          <a:xfrm>
+            <a:off x="2911470" y="4908301"/>
+            <a:ext cx="0" cy="434408"/>
+          </a:xfrm>
+          <a:prstGeom prst="line">
+            <a:avLst/>
+          </a:prstGeom>
+          <a:ln w="19050">
+            <a:solidFill>
+              <a:srgbClr val="01B902"/>
+            </a:solidFill>
+          </a:ln>
+        </p:spPr>
+        <p:style>
+          <a:lnRef idx="1">
+            <a:schemeClr val="accent1"/>
+          </a:lnRef>
+          <a:fillRef idx="0">
+            <a:schemeClr val="accent1"/>
+          </a:fillRef>
+          <a:effectRef idx="0">
+            <a:schemeClr val="accent1"/>
+          </a:effectRef>
+          <a:fontRef idx="minor">
+            <a:schemeClr val="tx1"/>
+          </a:fontRef>
+        </p:style>
+      </p:cxnSp>
+    </p:spTree>
+    <p:extLst>
+      <p:ext uri="{BB962C8B-B14F-4D97-AF65-F5344CB8AC3E}">
+        <p14:creationId xmlns:p14="http://schemas.microsoft.com/office/powerpoint/2010/main" val="2657140874"/>
+      </p:ext>
+    </p:extLst>
+  </p:cSld>
+  <p:clrMapOvr>
+    <a:masterClrMapping/>
+  </p:clrMapOvr>
+</p:sld>
+</file>
+
+<file path=ppt/slides/slide11.xml><?xml version="1.0" encoding="utf-8"?>
+<p:sld xmlns:a="http://schemas.openxmlformats.org/drawingml/2006/main" xmlns:r="http://schemas.openxmlformats.org/officeDocument/2006/relationships" xmlns:p="http://schemas.openxmlformats.org/presentationml/2006/main">
+  <p:cSld>
+    <p:spTree>
+      <p:nvGrpSpPr>
+        <p:cNvPr id="1" name=""/>
+        <p:cNvGrpSpPr/>
+        <p:nvPr/>
+      </p:nvGrpSpPr>
+      <p:grpSpPr>
+        <a:xfrm>
+          <a:off x="0" y="0"/>
+          <a:ext cx="0" cy="0"/>
+          <a:chOff x="0" y="0"/>
+          <a:chExt cx="0" cy="0"/>
+        </a:xfrm>
+      </p:grpSpPr>
       <p:graphicFrame>
         <p:nvGraphicFramePr>
           <p:cNvPr id="5" name="Table 4">
@@ -10118,7 +10992,7 @@
 </p:sld>
 </file>
 
-<file path=ppt/slides/slide11.xml><?xml version="1.0" encoding="utf-8"?>
+<file path=ppt/slides/slide12.xml><?xml version="1.0" encoding="utf-8"?>
 <p:sld xmlns:a="http://schemas.openxmlformats.org/drawingml/2006/main" xmlns:r="http://schemas.openxmlformats.org/officeDocument/2006/relationships" xmlns:p="http://schemas.openxmlformats.org/presentationml/2006/main">
   <p:cSld>
     <p:spTree>
@@ -10983,7 +11857,7 @@
 </p:sld>
 </file>
 
-<file path=ppt/slides/slide12.xml><?xml version="1.0" encoding="utf-8"?>
+<file path=ppt/slides/slide13.xml><?xml version="1.0" encoding="utf-8"?>
 <p:sld xmlns:a="http://schemas.openxmlformats.org/drawingml/2006/main" xmlns:r="http://schemas.openxmlformats.org/officeDocument/2006/relationships" xmlns:p="http://schemas.openxmlformats.org/presentationml/2006/main">
   <p:cSld>
     <p:spTree>
@@ -11098,7 +11972,7 @@
 </p:sld>
 </file>
 
-<file path=ppt/slides/slide13.xml><?xml version="1.0" encoding="utf-8"?>
+<file path=ppt/slides/slide14.xml><?xml version="1.0" encoding="utf-8"?>
 <p:sld xmlns:a="http://schemas.openxmlformats.org/drawingml/2006/main" xmlns:r="http://schemas.openxmlformats.org/officeDocument/2006/relationships" xmlns:p="http://schemas.openxmlformats.org/presentationml/2006/main">
   <p:cSld>
     <p:spTree>
@@ -11218,7 +12092,7 @@
 </p:sld>
 </file>
 
-<file path=ppt/slides/slide14.xml><?xml version="1.0" encoding="utf-8"?>
+<file path=ppt/slides/slide15.xml><?xml version="1.0" encoding="utf-8"?>
 <p:sld xmlns:a="http://schemas.openxmlformats.org/drawingml/2006/main" xmlns:r="http://schemas.openxmlformats.org/officeDocument/2006/relationships" xmlns:p="http://schemas.openxmlformats.org/presentationml/2006/main">
   <p:cSld>
     <p:spTree>
@@ -11759,7 +12633,7 @@
 </p:sld>
 </file>
 
-<file path=ppt/slides/slide15.xml><?xml version="1.0" encoding="utf-8"?>
+<file path=ppt/slides/slide16.xml><?xml version="1.0" encoding="utf-8"?>
 <p:sld xmlns:a="http://schemas.openxmlformats.org/drawingml/2006/main" xmlns:r="http://schemas.openxmlformats.org/officeDocument/2006/relationships" xmlns:p="http://schemas.openxmlformats.org/presentationml/2006/main">
   <p:cSld>
     <p:spTree>
@@ -12975,7 +13849,7 @@
 </p:sld>
 </file>
 
-<file path=ppt/slides/slide16.xml><?xml version="1.0" encoding="utf-8"?>
+<file path=ppt/slides/slide17.xml><?xml version="1.0" encoding="utf-8"?>
 <p:sld xmlns:a="http://schemas.openxmlformats.org/drawingml/2006/main" xmlns:r="http://schemas.openxmlformats.org/officeDocument/2006/relationships" xmlns:p="http://schemas.openxmlformats.org/presentationml/2006/main">
   <p:cSld>
     <p:spTree>
@@ -13095,7 +13969,7 @@
 </p:sld>
 </file>
 
-<file path=ppt/slides/slide17.xml><?xml version="1.0" encoding="utf-8"?>
+<file path=ppt/slides/slide18.xml><?xml version="1.0" encoding="utf-8"?>
 <p:sld xmlns:a="http://schemas.openxmlformats.org/drawingml/2006/main" xmlns:r="http://schemas.openxmlformats.org/officeDocument/2006/relationships" xmlns:p="http://schemas.openxmlformats.org/presentationml/2006/main">
   <p:cSld>
     <p:spTree>
@@ -13215,7 +14089,7 @@
 </p:sld>
 </file>
 
-<file path=ppt/slides/slide18.xml><?xml version="1.0" encoding="utf-8"?>
+<file path=ppt/slides/slide19.xml><?xml version="1.0" encoding="utf-8"?>
 <p:sld xmlns:a="http://schemas.openxmlformats.org/drawingml/2006/main" xmlns:r="http://schemas.openxmlformats.org/officeDocument/2006/relationships" xmlns:p="http://schemas.openxmlformats.org/presentationml/2006/main">
   <p:cSld>
     <p:spTree>
@@ -13323,1074 +14197,6 @@
         </a:graphic>
       </p:graphicFrame>
     </p:spTree>
-  </p:cSld>
-  <p:clrMapOvr>
-    <a:masterClrMapping/>
-  </p:clrMapOvr>
-</p:sld>
-</file>
-
-<file path=ppt/slides/slide19.xml><?xml version="1.0" encoding="utf-8"?>
-<p:sld xmlns:a="http://schemas.openxmlformats.org/drawingml/2006/main" xmlns:r="http://schemas.openxmlformats.org/officeDocument/2006/relationships" xmlns:p="http://schemas.openxmlformats.org/presentationml/2006/main">
-  <p:cSld>
-    <p:spTree>
-      <p:nvGrpSpPr>
-        <p:cNvPr id="1" name=""/>
-        <p:cNvGrpSpPr/>
-        <p:nvPr/>
-      </p:nvGrpSpPr>
-      <p:grpSpPr>
-        <a:xfrm>
-          <a:off x="0" y="0"/>
-          <a:ext cx="0" cy="0"/>
-          <a:chOff x="0" y="0"/>
-          <a:chExt cx="0" cy="0"/>
-        </a:xfrm>
-      </p:grpSpPr>
-      <p:grpSp>
-        <p:nvGrpSpPr>
-          <p:cNvPr id="19" name="Group 18"/>
-          <p:cNvGrpSpPr/>
-          <p:nvPr/>
-        </p:nvGrpSpPr>
-        <p:grpSpPr>
-          <a:xfrm>
-            <a:off x="228600" y="3276600"/>
-            <a:ext cx="8610600" cy="1524000"/>
-            <a:chOff x="228600" y="1676400"/>
-            <a:chExt cx="8610600" cy="1524000"/>
-          </a:xfrm>
-        </p:grpSpPr>
-        <p:sp>
-          <p:nvSpPr>
-            <p:cNvPr id="20" name="Rounded Rectangle 19"/>
-            <p:cNvSpPr/>
-            <p:nvPr/>
-          </p:nvSpPr>
-          <p:spPr>
-            <a:xfrm>
-              <a:off x="228600" y="1676400"/>
-              <a:ext cx="8610600" cy="1524000"/>
-            </a:xfrm>
-            <a:prstGeom prst="roundRect">
-              <a:avLst/>
-            </a:prstGeom>
-            <a:solidFill>
-              <a:schemeClr val="tx1">
-                <a:alpha val="24000"/>
-              </a:schemeClr>
-            </a:solidFill>
-            <a:ln>
-              <a:noFill/>
-            </a:ln>
-          </p:spPr>
-          <p:style>
-            <a:lnRef idx="1">
-              <a:schemeClr val="accent1"/>
-            </a:lnRef>
-            <a:fillRef idx="3">
-              <a:schemeClr val="accent1"/>
-            </a:fillRef>
-            <a:effectRef idx="2">
-              <a:schemeClr val="accent1"/>
-            </a:effectRef>
-            <a:fontRef idx="minor">
-              <a:schemeClr val="lt1"/>
-            </a:fontRef>
-          </p:style>
-          <p:txBody>
-            <a:bodyPr rtlCol="0" anchor="ctr"/>
-            <a:lstStyle/>
-            <a:p>
-              <a:pPr algn="ctr"/>
-              <a:endParaRPr lang="en-US"/>
-            </a:p>
-          </p:txBody>
-        </p:sp>
-        <p:sp>
-          <p:nvSpPr>
-            <p:cNvPr id="21" name="TextBox 20"/>
-            <p:cNvSpPr txBox="1"/>
-            <p:nvPr/>
-          </p:nvSpPr>
-          <p:spPr>
-            <a:xfrm>
-              <a:off x="7162801" y="2819400"/>
-              <a:ext cx="1447800" cy="369332"/>
-            </a:xfrm>
-            <a:prstGeom prst="rect">
-              <a:avLst/>
-            </a:prstGeom>
-            <a:noFill/>
-          </p:spPr>
-          <p:txBody>
-            <a:bodyPr wrap="square" rtlCol="0">
-              <a:spAutoFit/>
-            </a:bodyPr>
-            <a:lstStyle/>
-            <a:p>
-              <a:pPr algn="r"/>
-              <a:r>
-                <a:rPr lang="en-US" dirty="0"/>
-                <a:t>Secondary</a:t>
-              </a:r>
-            </a:p>
-          </p:txBody>
-        </p:sp>
-      </p:grpSp>
-      <p:sp>
-        <p:nvSpPr>
-          <p:cNvPr id="6" name="TextBox 5"/>
-          <p:cNvSpPr txBox="1"/>
-          <p:nvPr/>
-        </p:nvSpPr>
-        <p:spPr>
-          <a:xfrm>
-            <a:off x="228600" y="152400"/>
-            <a:ext cx="8610600" cy="769441"/>
-          </a:xfrm>
-          <a:prstGeom prst="rect">
-            <a:avLst/>
-          </a:prstGeom>
-          <a:noFill/>
-        </p:spPr>
-        <p:txBody>
-          <a:bodyPr wrap="square" rtlCol="0">
-            <a:spAutoFit/>
-          </a:bodyPr>
-          <a:lstStyle/>
-          <a:p>
-            <a:r>
-              <a:rPr lang="en-US" sz="4400" b="1" dirty="0"/>
-              <a:t>Architecture</a:t>
-            </a:r>
-          </a:p>
-        </p:txBody>
-      </p:sp>
-      <p:sp>
-        <p:nvSpPr>
-          <p:cNvPr id="7" name="TextBox 6"/>
-          <p:cNvSpPr txBox="1"/>
-          <p:nvPr/>
-        </p:nvSpPr>
-        <p:spPr>
-          <a:xfrm>
-            <a:off x="228600" y="762000"/>
-            <a:ext cx="8610600" cy="461665"/>
-          </a:xfrm>
-          <a:prstGeom prst="rect">
-            <a:avLst/>
-          </a:prstGeom>
-          <a:noFill/>
-        </p:spPr>
-        <p:txBody>
-          <a:bodyPr wrap="square" rtlCol="0">
-            <a:spAutoFit/>
-          </a:bodyPr>
-          <a:lstStyle/>
-          <a:p>
-            <a:r>
-              <a:rPr lang="en-US" sz="2400" b="1" dirty="0">
-                <a:solidFill>
-                  <a:schemeClr val="bg1">
-                    <a:lumMod val="50000"/>
-                    <a:lumOff val="50000"/>
-                  </a:schemeClr>
-                </a:solidFill>
-              </a:rPr>
-              <a:t>This is the sub-title</a:t>
-            </a:r>
-          </a:p>
-        </p:txBody>
-      </p:sp>
-      <p:grpSp>
-        <p:nvGrpSpPr>
-          <p:cNvPr id="18" name="Group 17"/>
-          <p:cNvGrpSpPr/>
-          <p:nvPr/>
-        </p:nvGrpSpPr>
-        <p:grpSpPr>
-          <a:xfrm>
-            <a:off x="228600" y="1447800"/>
-            <a:ext cx="8610600" cy="1524000"/>
-            <a:chOff x="228600" y="1676400"/>
-            <a:chExt cx="8610600" cy="1524000"/>
-          </a:xfrm>
-        </p:grpSpPr>
-        <p:sp>
-          <p:nvSpPr>
-            <p:cNvPr id="9" name="Rounded Rectangle 8"/>
-            <p:cNvSpPr/>
-            <p:nvPr/>
-          </p:nvSpPr>
-          <p:spPr>
-            <a:xfrm>
-              <a:off x="228600" y="1676400"/>
-              <a:ext cx="8610600" cy="1524000"/>
-            </a:xfrm>
-            <a:prstGeom prst="roundRect">
-              <a:avLst/>
-            </a:prstGeom>
-            <a:solidFill>
-              <a:schemeClr val="tx1">
-                <a:alpha val="24000"/>
-              </a:schemeClr>
-            </a:solidFill>
-            <a:ln>
-              <a:noFill/>
-            </a:ln>
-          </p:spPr>
-          <p:style>
-            <a:lnRef idx="1">
-              <a:schemeClr val="accent1"/>
-            </a:lnRef>
-            <a:fillRef idx="3">
-              <a:schemeClr val="accent1"/>
-            </a:fillRef>
-            <a:effectRef idx="2">
-              <a:schemeClr val="accent1"/>
-            </a:effectRef>
-            <a:fontRef idx="minor">
-              <a:schemeClr val="lt1"/>
-            </a:fontRef>
-          </p:style>
-          <p:txBody>
-            <a:bodyPr rtlCol="0" anchor="ctr"/>
-            <a:lstStyle/>
-            <a:p>
-              <a:pPr algn="ctr"/>
-              <a:endParaRPr lang="en-US"/>
-            </a:p>
-          </p:txBody>
-        </p:sp>
-        <p:sp>
-          <p:nvSpPr>
-            <p:cNvPr id="10" name="TextBox 9"/>
-            <p:cNvSpPr txBox="1"/>
-            <p:nvPr/>
-          </p:nvSpPr>
-          <p:spPr>
-            <a:xfrm>
-              <a:off x="7620000" y="2819400"/>
-              <a:ext cx="917288" cy="369332"/>
-            </a:xfrm>
-            <a:prstGeom prst="rect">
-              <a:avLst/>
-            </a:prstGeom>
-            <a:noFill/>
-          </p:spPr>
-          <p:txBody>
-            <a:bodyPr wrap="none" rtlCol="0">
-              <a:spAutoFit/>
-            </a:bodyPr>
-            <a:lstStyle/>
-            <a:p>
-              <a:r>
-                <a:rPr lang="en-US" dirty="0"/>
-                <a:t>Primary</a:t>
-              </a:r>
-            </a:p>
-          </p:txBody>
-        </p:sp>
-      </p:grpSp>
-      <p:cxnSp>
-        <p:nvCxnSpPr>
-          <p:cNvPr id="4" name="Elbow Connector 3"/>
-          <p:cNvCxnSpPr>
-            <a:stCxn id="17" idx="3"/>
-          </p:cNvCxnSpPr>
-          <p:nvPr/>
-        </p:nvCxnSpPr>
-        <p:spPr>
-          <a:xfrm>
-            <a:off x="1828800" y="4038600"/>
-            <a:ext cx="685800" cy="12700"/>
-          </a:xfrm>
-          <a:prstGeom prst="bentConnector3">
-            <a:avLst>
-              <a:gd name="adj1" fmla="val -3383"/>
-            </a:avLst>
-          </a:prstGeom>
-          <a:ln>
-            <a:solidFill>
-              <a:schemeClr val="tx1"/>
-            </a:solidFill>
-            <a:tailEnd type="arrow"/>
-          </a:ln>
-          <a:effectLst/>
-        </p:spPr>
-        <p:style>
-          <a:lnRef idx="2">
-            <a:schemeClr val="accent1"/>
-          </a:lnRef>
-          <a:fillRef idx="0">
-            <a:schemeClr val="accent1"/>
-          </a:fillRef>
-          <a:effectRef idx="1">
-            <a:schemeClr val="accent1"/>
-          </a:effectRef>
-          <a:fontRef idx="minor">
-            <a:schemeClr val="tx1"/>
-          </a:fontRef>
-        </p:style>
-      </p:cxnSp>
-      <p:sp>
-        <p:nvSpPr>
-          <p:cNvPr id="17" name="Rounded Rectangle 16"/>
-          <p:cNvSpPr/>
-          <p:nvPr/>
-        </p:nvSpPr>
-        <p:spPr>
-          <a:xfrm>
-            <a:off x="457200" y="3581400"/>
-            <a:ext cx="1371600" cy="914400"/>
-          </a:xfrm>
-          <a:prstGeom prst="roundRect">
-            <a:avLst/>
-          </a:prstGeom>
-          <a:solidFill>
-            <a:srgbClr val="009EC0"/>
-          </a:solidFill>
-          <a:ln>
-            <a:noFill/>
-          </a:ln>
-        </p:spPr>
-        <p:style>
-          <a:lnRef idx="1">
-            <a:schemeClr val="accent1"/>
-          </a:lnRef>
-          <a:fillRef idx="3">
-            <a:schemeClr val="accent1"/>
-          </a:fillRef>
-          <a:effectRef idx="2">
-            <a:schemeClr val="accent1"/>
-          </a:effectRef>
-          <a:fontRef idx="minor">
-            <a:schemeClr val="lt1"/>
-          </a:fontRef>
-        </p:style>
-        <p:txBody>
-          <a:bodyPr rtlCol="0" anchor="ctr"/>
-          <a:lstStyle/>
-          <a:p>
-            <a:pPr algn="ctr"/>
-            <a:r>
-              <a:rPr lang="en-US" b="1" dirty="0">
-                <a:solidFill>
-                  <a:schemeClr val="tx1"/>
-                </a:solidFill>
-              </a:rPr>
-              <a:t>Delta</a:t>
-            </a:r>
-          </a:p>
-        </p:txBody>
-      </p:sp>
-      <p:cxnSp>
-        <p:nvCxnSpPr>
-          <p:cNvPr id="25" name="Elbow Connector 24"/>
-          <p:cNvCxnSpPr>
-            <a:stCxn id="23" idx="0"/>
-            <a:endCxn id="29" idx="2"/>
-          </p:cNvCxnSpPr>
-          <p:nvPr/>
-        </p:nvCxnSpPr>
-        <p:spPr>
-          <a:xfrm rot="5400000" flipH="1" flipV="1">
-            <a:off x="2743200" y="3124200"/>
-            <a:ext cx="914400" cy="12700"/>
-          </a:xfrm>
-          <a:prstGeom prst="bentConnector3">
-            <a:avLst>
-              <a:gd name="adj1" fmla="val -27581"/>
-            </a:avLst>
-          </a:prstGeom>
-          <a:ln>
-            <a:solidFill>
-              <a:schemeClr val="tx1"/>
-            </a:solidFill>
-            <a:tailEnd type="arrow"/>
-          </a:ln>
-          <a:effectLst/>
-        </p:spPr>
-        <p:style>
-          <a:lnRef idx="2">
-            <a:schemeClr val="accent1"/>
-          </a:lnRef>
-          <a:fillRef idx="0">
-            <a:schemeClr val="accent1"/>
-          </a:fillRef>
-          <a:effectRef idx="1">
-            <a:schemeClr val="accent1"/>
-          </a:effectRef>
-          <a:fontRef idx="minor">
-            <a:schemeClr val="tx1"/>
-          </a:fontRef>
-        </p:style>
-      </p:cxnSp>
-      <p:sp>
-        <p:nvSpPr>
-          <p:cNvPr id="23" name="Rounded Rectangle 22"/>
-          <p:cNvSpPr/>
-          <p:nvPr/>
-        </p:nvSpPr>
-        <p:spPr>
-          <a:xfrm>
-            <a:off x="2514600" y="3581400"/>
-            <a:ext cx="1371600" cy="914400"/>
-          </a:xfrm>
-          <a:prstGeom prst="roundRect">
-            <a:avLst/>
-          </a:prstGeom>
-          <a:solidFill>
-            <a:srgbClr val="009EC0"/>
-          </a:solidFill>
-          <a:ln>
-            <a:noFill/>
-          </a:ln>
-        </p:spPr>
-        <p:style>
-          <a:lnRef idx="1">
-            <a:schemeClr val="accent1"/>
-          </a:lnRef>
-          <a:fillRef idx="3">
-            <a:schemeClr val="accent1"/>
-          </a:fillRef>
-          <a:effectRef idx="2">
-            <a:schemeClr val="accent1"/>
-          </a:effectRef>
-          <a:fontRef idx="minor">
-            <a:schemeClr val="lt1"/>
-          </a:fontRef>
-        </p:style>
-        <p:txBody>
-          <a:bodyPr rtlCol="0" anchor="ctr"/>
-          <a:lstStyle/>
-          <a:p>
-            <a:pPr algn="ctr"/>
-            <a:r>
-              <a:rPr lang="en-US" b="1" dirty="0">
-                <a:solidFill>
-                  <a:schemeClr val="tx1"/>
-                </a:solidFill>
-              </a:rPr>
-              <a:t>Gamma</a:t>
-            </a:r>
-          </a:p>
-        </p:txBody>
-      </p:sp>
-      <p:cxnSp>
-        <p:nvCxnSpPr>
-          <p:cNvPr id="35" name="Elbow Connector 34"/>
-          <p:cNvCxnSpPr>
-            <a:stCxn id="29" idx="3"/>
-            <a:endCxn id="43" idx="1"/>
-          </p:cNvCxnSpPr>
-          <p:nvPr/>
-        </p:nvCxnSpPr>
-        <p:spPr>
-          <a:xfrm>
-            <a:off x="3886200" y="2209800"/>
-            <a:ext cx="685800" cy="12700"/>
-          </a:xfrm>
-          <a:prstGeom prst="bentConnector3">
-            <a:avLst>
-              <a:gd name="adj1" fmla="val -46757"/>
-            </a:avLst>
-          </a:prstGeom>
-          <a:ln>
-            <a:solidFill>
-              <a:schemeClr val="tx1"/>
-            </a:solidFill>
-            <a:tailEnd type="arrow"/>
-          </a:ln>
-          <a:effectLst/>
-        </p:spPr>
-        <p:style>
-          <a:lnRef idx="2">
-            <a:schemeClr val="accent1"/>
-          </a:lnRef>
-          <a:fillRef idx="0">
-            <a:schemeClr val="accent1"/>
-          </a:fillRef>
-          <a:effectRef idx="1">
-            <a:schemeClr val="accent1"/>
-          </a:effectRef>
-          <a:fontRef idx="minor">
-            <a:schemeClr val="tx1"/>
-          </a:fontRef>
-        </p:style>
-      </p:cxnSp>
-      <p:sp>
-        <p:nvSpPr>
-          <p:cNvPr id="29" name="Rounded Rectangle 28"/>
-          <p:cNvSpPr/>
-          <p:nvPr/>
-        </p:nvSpPr>
-        <p:spPr>
-          <a:xfrm>
-            <a:off x="2514600" y="1752600"/>
-            <a:ext cx="1371600" cy="914400"/>
-          </a:xfrm>
-          <a:prstGeom prst="roundRect">
-            <a:avLst/>
-          </a:prstGeom>
-          <a:solidFill>
-            <a:srgbClr val="009EC0"/>
-          </a:solidFill>
-          <a:ln>
-            <a:noFill/>
-          </a:ln>
-        </p:spPr>
-        <p:style>
-          <a:lnRef idx="1">
-            <a:schemeClr val="accent1"/>
-          </a:lnRef>
-          <a:fillRef idx="3">
-            <a:schemeClr val="accent1"/>
-          </a:fillRef>
-          <a:effectRef idx="2">
-            <a:schemeClr val="accent1"/>
-          </a:effectRef>
-          <a:fontRef idx="minor">
-            <a:schemeClr val="lt1"/>
-          </a:fontRef>
-        </p:style>
-        <p:txBody>
-          <a:bodyPr rtlCol="0" anchor="ctr"/>
-          <a:lstStyle/>
-          <a:p>
-            <a:pPr algn="ctr"/>
-            <a:r>
-              <a:rPr lang="en-US" b="1" dirty="0">
-                <a:solidFill>
-                  <a:schemeClr val="tx1"/>
-                </a:solidFill>
-              </a:rPr>
-              <a:t>Alpha</a:t>
-            </a:r>
-          </a:p>
-        </p:txBody>
-      </p:sp>
-      <p:cxnSp>
-        <p:nvCxnSpPr>
-          <p:cNvPr id="55" name="Elbow Connector 54"/>
-          <p:cNvCxnSpPr>
-            <a:stCxn id="43" idx="2"/>
-            <a:endCxn id="16" idx="0"/>
-          </p:cNvCxnSpPr>
-          <p:nvPr/>
-        </p:nvCxnSpPr>
-        <p:spPr>
-          <a:xfrm rot="5400000">
-            <a:off x="4800600" y="3124200"/>
-            <a:ext cx="914400" cy="12700"/>
-          </a:xfrm>
-          <a:prstGeom prst="bentConnector3">
-            <a:avLst>
-              <a:gd name="adj1" fmla="val -53858"/>
-            </a:avLst>
-          </a:prstGeom>
-          <a:ln>
-            <a:solidFill>
-              <a:schemeClr val="tx1"/>
-            </a:solidFill>
-            <a:tailEnd type="arrow"/>
-          </a:ln>
-          <a:effectLst/>
-        </p:spPr>
-        <p:style>
-          <a:lnRef idx="2">
-            <a:schemeClr val="accent1"/>
-          </a:lnRef>
-          <a:fillRef idx="0">
-            <a:schemeClr val="accent1"/>
-          </a:fillRef>
-          <a:effectRef idx="1">
-            <a:schemeClr val="accent1"/>
-          </a:effectRef>
-          <a:fontRef idx="minor">
-            <a:schemeClr val="tx1"/>
-          </a:fontRef>
-        </p:style>
-      </p:cxnSp>
-      <p:sp>
-        <p:nvSpPr>
-          <p:cNvPr id="43" name="Rounded Rectangle 42"/>
-          <p:cNvSpPr/>
-          <p:nvPr/>
-        </p:nvSpPr>
-        <p:spPr>
-          <a:xfrm>
-            <a:off x="4572000" y="1752600"/>
-            <a:ext cx="1371600" cy="914400"/>
-          </a:xfrm>
-          <a:prstGeom prst="roundRect">
-            <a:avLst/>
-          </a:prstGeom>
-          <a:solidFill>
-            <a:srgbClr val="009EC0"/>
-          </a:solidFill>
-          <a:ln>
-            <a:noFill/>
-          </a:ln>
-        </p:spPr>
-        <p:style>
-          <a:lnRef idx="1">
-            <a:schemeClr val="accent1"/>
-          </a:lnRef>
-          <a:fillRef idx="3">
-            <a:schemeClr val="accent1"/>
-          </a:fillRef>
-          <a:effectRef idx="2">
-            <a:schemeClr val="accent1"/>
-          </a:effectRef>
-          <a:fontRef idx="minor">
-            <a:schemeClr val="lt1"/>
-          </a:fontRef>
-        </p:style>
-        <p:txBody>
-          <a:bodyPr rtlCol="0" anchor="ctr"/>
-          <a:lstStyle/>
-          <a:p>
-            <a:pPr algn="ctr"/>
-            <a:r>
-              <a:rPr lang="en-US" b="1" dirty="0">
-                <a:solidFill>
-                  <a:schemeClr val="tx1"/>
-                </a:solidFill>
-              </a:rPr>
-              <a:t>Beta</a:t>
-            </a:r>
-          </a:p>
-        </p:txBody>
-      </p:sp>
-      <p:grpSp>
-        <p:nvGrpSpPr>
-          <p:cNvPr id="59" name="Group 58"/>
-          <p:cNvGrpSpPr/>
-          <p:nvPr/>
-        </p:nvGrpSpPr>
-        <p:grpSpPr>
-          <a:xfrm>
-            <a:off x="228600" y="5105400"/>
-            <a:ext cx="8610600" cy="1524000"/>
-            <a:chOff x="228600" y="1676400"/>
-            <a:chExt cx="8610600" cy="1524000"/>
-          </a:xfrm>
-        </p:grpSpPr>
-        <p:sp>
-          <p:nvSpPr>
-            <p:cNvPr id="60" name="Rounded Rectangle 59"/>
-            <p:cNvSpPr/>
-            <p:nvPr/>
-          </p:nvSpPr>
-          <p:spPr>
-            <a:xfrm>
-              <a:off x="228600" y="1676400"/>
-              <a:ext cx="8610600" cy="1524000"/>
-            </a:xfrm>
-            <a:prstGeom prst="roundRect">
-              <a:avLst/>
-            </a:prstGeom>
-            <a:solidFill>
-              <a:schemeClr val="tx1">
-                <a:alpha val="24000"/>
-              </a:schemeClr>
-            </a:solidFill>
-            <a:ln>
-              <a:noFill/>
-            </a:ln>
-          </p:spPr>
-          <p:style>
-            <a:lnRef idx="1">
-              <a:schemeClr val="accent1"/>
-            </a:lnRef>
-            <a:fillRef idx="3">
-              <a:schemeClr val="accent1"/>
-            </a:fillRef>
-            <a:effectRef idx="2">
-              <a:schemeClr val="accent1"/>
-            </a:effectRef>
-            <a:fontRef idx="minor">
-              <a:schemeClr val="lt1"/>
-            </a:fontRef>
-          </p:style>
-          <p:txBody>
-            <a:bodyPr rtlCol="0" anchor="ctr"/>
-            <a:lstStyle/>
-            <a:p>
-              <a:pPr algn="ctr"/>
-              <a:endParaRPr lang="en-US"/>
-            </a:p>
-          </p:txBody>
-        </p:sp>
-        <p:sp>
-          <p:nvSpPr>
-            <p:cNvPr id="61" name="TextBox 60"/>
-            <p:cNvSpPr txBox="1"/>
-            <p:nvPr/>
-          </p:nvSpPr>
-          <p:spPr>
-            <a:xfrm>
-              <a:off x="7162801" y="2819400"/>
-              <a:ext cx="1447800" cy="369332"/>
-            </a:xfrm>
-            <a:prstGeom prst="rect">
-              <a:avLst/>
-            </a:prstGeom>
-            <a:noFill/>
-          </p:spPr>
-          <p:txBody>
-            <a:bodyPr wrap="square" rtlCol="0">
-              <a:spAutoFit/>
-            </a:bodyPr>
-            <a:lstStyle/>
-            <a:p>
-              <a:pPr algn="r"/>
-              <a:r>
-                <a:rPr lang="en-US" dirty="0"/>
-                <a:t>Tertiary</a:t>
-              </a:r>
-            </a:p>
-          </p:txBody>
-        </p:sp>
-      </p:grpSp>
-      <p:cxnSp>
-        <p:nvCxnSpPr>
-          <p:cNvPr id="62" name="Elbow Connector 61"/>
-          <p:cNvCxnSpPr>
-            <a:stCxn id="43" idx="2"/>
-            <a:endCxn id="2" idx="0"/>
-          </p:cNvCxnSpPr>
-          <p:nvPr/>
-        </p:nvCxnSpPr>
-        <p:spPr>
-          <a:xfrm rot="16200000" flipH="1">
-            <a:off x="5829300" y="2095500"/>
-            <a:ext cx="914400" cy="2057400"/>
-          </a:xfrm>
-          <a:prstGeom prst="bentConnector3">
-            <a:avLst>
-              <a:gd name="adj1" fmla="val 50000"/>
-            </a:avLst>
-          </a:prstGeom>
-          <a:ln>
-            <a:solidFill>
-              <a:schemeClr val="tx1"/>
-            </a:solidFill>
-            <a:tailEnd type="arrow"/>
-          </a:ln>
-          <a:effectLst/>
-        </p:spPr>
-        <p:style>
-          <a:lnRef idx="2">
-            <a:schemeClr val="accent1"/>
-          </a:lnRef>
-          <a:fillRef idx="0">
-            <a:schemeClr val="accent1"/>
-          </a:fillRef>
-          <a:effectRef idx="1">
-            <a:schemeClr val="accent1"/>
-          </a:effectRef>
-          <a:fontRef idx="minor">
-            <a:schemeClr val="tx1"/>
-          </a:fontRef>
-        </p:style>
-      </p:cxnSp>
-      <p:sp>
-        <p:nvSpPr>
-          <p:cNvPr id="66" name="Rounded Rectangle 65"/>
-          <p:cNvSpPr/>
-          <p:nvPr/>
-        </p:nvSpPr>
-        <p:spPr>
-          <a:xfrm>
-            <a:off x="6629400" y="5410200"/>
-            <a:ext cx="1371600" cy="914400"/>
-          </a:xfrm>
-          <a:prstGeom prst="roundRect">
-            <a:avLst/>
-          </a:prstGeom>
-          <a:solidFill>
-            <a:srgbClr val="CA5C0E"/>
-          </a:solidFill>
-          <a:ln>
-            <a:noFill/>
-          </a:ln>
-        </p:spPr>
-        <p:style>
-          <a:lnRef idx="1">
-            <a:schemeClr val="accent1"/>
-          </a:lnRef>
-          <a:fillRef idx="3">
-            <a:schemeClr val="accent1"/>
-          </a:fillRef>
-          <a:effectRef idx="2">
-            <a:schemeClr val="accent1"/>
-          </a:effectRef>
-          <a:fontRef idx="minor">
-            <a:schemeClr val="lt1"/>
-          </a:fontRef>
-        </p:style>
-        <p:txBody>
-          <a:bodyPr rtlCol="0" anchor="ctr"/>
-          <a:lstStyle/>
-          <a:p>
-            <a:pPr algn="ctr"/>
-            <a:r>
-              <a:rPr lang="en-US" b="1" dirty="0">
-                <a:solidFill>
-                  <a:schemeClr val="tx1"/>
-                </a:solidFill>
-              </a:rPr>
-              <a:t>Theta</a:t>
-            </a:r>
-          </a:p>
-        </p:txBody>
-      </p:sp>
-      <p:sp>
-        <p:nvSpPr>
-          <p:cNvPr id="67" name="Rounded Rectangle 66"/>
-          <p:cNvSpPr/>
-          <p:nvPr/>
-        </p:nvSpPr>
-        <p:spPr>
-          <a:xfrm>
-            <a:off x="4572000" y="5410200"/>
-            <a:ext cx="1371600" cy="914400"/>
-          </a:xfrm>
-          <a:prstGeom prst="roundRect">
-            <a:avLst/>
-          </a:prstGeom>
-          <a:solidFill>
-            <a:srgbClr val="CA5C0E"/>
-          </a:solidFill>
-          <a:ln>
-            <a:noFill/>
-          </a:ln>
-        </p:spPr>
-        <p:style>
-          <a:lnRef idx="1">
-            <a:schemeClr val="accent1"/>
-          </a:lnRef>
-          <a:fillRef idx="3">
-            <a:schemeClr val="accent1"/>
-          </a:fillRef>
-          <a:effectRef idx="2">
-            <a:schemeClr val="accent1"/>
-          </a:effectRef>
-          <a:fontRef idx="minor">
-            <a:schemeClr val="lt1"/>
-          </a:fontRef>
-        </p:style>
-        <p:txBody>
-          <a:bodyPr rtlCol="0" anchor="ctr"/>
-          <a:lstStyle/>
-          <a:p>
-            <a:pPr algn="ctr"/>
-            <a:r>
-              <a:rPr lang="en-US" b="1" dirty="0">
-                <a:solidFill>
-                  <a:schemeClr val="tx1"/>
-                </a:solidFill>
-              </a:rPr>
-              <a:t>Eta</a:t>
-            </a:r>
-          </a:p>
-        </p:txBody>
-      </p:sp>
-      <p:cxnSp>
-        <p:nvCxnSpPr>
-          <p:cNvPr id="68" name="Elbow Connector 67"/>
-          <p:cNvCxnSpPr>
-            <a:stCxn id="16" idx="2"/>
-            <a:endCxn id="67" idx="0"/>
-          </p:cNvCxnSpPr>
-          <p:nvPr/>
-        </p:nvCxnSpPr>
-        <p:spPr>
-          <a:xfrm rot="5400000">
-            <a:off x="4800600" y="4953000"/>
-            <a:ext cx="914400" cy="12700"/>
-          </a:xfrm>
-          <a:prstGeom prst="bentConnector3">
-            <a:avLst>
-              <a:gd name="adj1" fmla="val -22576"/>
-            </a:avLst>
-          </a:prstGeom>
-          <a:ln>
-            <a:solidFill>
-              <a:schemeClr val="tx1"/>
-            </a:solidFill>
-            <a:tailEnd type="arrow"/>
-          </a:ln>
-          <a:effectLst/>
-        </p:spPr>
-        <p:style>
-          <a:lnRef idx="2">
-            <a:schemeClr val="accent1"/>
-          </a:lnRef>
-          <a:fillRef idx="0">
-            <a:schemeClr val="accent1"/>
-          </a:fillRef>
-          <a:effectRef idx="1">
-            <a:schemeClr val="accent1"/>
-          </a:effectRef>
-          <a:fontRef idx="minor">
-            <a:schemeClr val="tx1"/>
-          </a:fontRef>
-        </p:style>
-      </p:cxnSp>
-      <p:sp>
-        <p:nvSpPr>
-          <p:cNvPr id="16" name="Rounded Rectangle 15"/>
-          <p:cNvSpPr/>
-          <p:nvPr/>
-        </p:nvSpPr>
-        <p:spPr>
-          <a:xfrm>
-            <a:off x="4572000" y="3581400"/>
-            <a:ext cx="1371600" cy="914400"/>
-          </a:xfrm>
-          <a:prstGeom prst="roundRect">
-            <a:avLst/>
-          </a:prstGeom>
-          <a:solidFill>
-            <a:srgbClr val="CA5C0E"/>
-          </a:solidFill>
-          <a:ln>
-            <a:noFill/>
-          </a:ln>
-        </p:spPr>
-        <p:style>
-          <a:lnRef idx="1">
-            <a:schemeClr val="accent1"/>
-          </a:lnRef>
-          <a:fillRef idx="3">
-            <a:schemeClr val="accent1"/>
-          </a:fillRef>
-          <a:effectRef idx="2">
-            <a:schemeClr val="accent1"/>
-          </a:effectRef>
-          <a:fontRef idx="minor">
-            <a:schemeClr val="lt1"/>
-          </a:fontRef>
-        </p:style>
-        <p:txBody>
-          <a:bodyPr rtlCol="0" anchor="ctr"/>
-          <a:lstStyle/>
-          <a:p>
-            <a:pPr algn="ctr"/>
-            <a:r>
-              <a:rPr lang="en-US" b="1" dirty="0">
-                <a:solidFill>
-                  <a:schemeClr val="tx1"/>
-                </a:solidFill>
-              </a:rPr>
-              <a:t>Epsilon</a:t>
-            </a:r>
-          </a:p>
-        </p:txBody>
-      </p:sp>
-      <p:cxnSp>
-        <p:nvCxnSpPr>
-          <p:cNvPr id="75" name="Elbow Connector 74"/>
-          <p:cNvCxnSpPr>
-            <a:stCxn id="2" idx="2"/>
-            <a:endCxn id="66" idx="0"/>
-          </p:cNvCxnSpPr>
-          <p:nvPr/>
-        </p:nvCxnSpPr>
-        <p:spPr>
-          <a:xfrm rot="5400000">
-            <a:off x="6858000" y="4953000"/>
-            <a:ext cx="914400" cy="12700"/>
-          </a:xfrm>
-          <a:prstGeom prst="bentConnector3">
-            <a:avLst>
-              <a:gd name="adj1" fmla="val -35089"/>
-            </a:avLst>
-          </a:prstGeom>
-          <a:ln>
-            <a:solidFill>
-              <a:schemeClr val="tx1"/>
-            </a:solidFill>
-            <a:tailEnd type="arrow"/>
-          </a:ln>
-          <a:effectLst/>
-        </p:spPr>
-        <p:style>
-          <a:lnRef idx="2">
-            <a:schemeClr val="accent1"/>
-          </a:lnRef>
-          <a:fillRef idx="0">
-            <a:schemeClr val="accent1"/>
-          </a:fillRef>
-          <a:effectRef idx="1">
-            <a:schemeClr val="accent1"/>
-          </a:effectRef>
-          <a:fontRef idx="minor">
-            <a:schemeClr val="tx1"/>
-          </a:fontRef>
-        </p:style>
-      </p:cxnSp>
-      <p:sp>
-        <p:nvSpPr>
-          <p:cNvPr id="2" name="Rounded Rectangle 1"/>
-          <p:cNvSpPr/>
-          <p:nvPr/>
-        </p:nvSpPr>
-        <p:spPr>
-          <a:xfrm>
-            <a:off x="6629400" y="3581400"/>
-            <a:ext cx="1371600" cy="914400"/>
-          </a:xfrm>
-          <a:prstGeom prst="roundRect">
-            <a:avLst/>
-          </a:prstGeom>
-          <a:solidFill>
-            <a:srgbClr val="CA5C0E"/>
-          </a:solidFill>
-          <a:ln>
-            <a:noFill/>
-          </a:ln>
-        </p:spPr>
-        <p:style>
-          <a:lnRef idx="1">
-            <a:schemeClr val="accent1"/>
-          </a:lnRef>
-          <a:fillRef idx="3">
-            <a:schemeClr val="accent1"/>
-          </a:fillRef>
-          <a:effectRef idx="2">
-            <a:schemeClr val="accent1"/>
-          </a:effectRef>
-          <a:fontRef idx="minor">
-            <a:schemeClr val="lt1"/>
-          </a:fontRef>
-        </p:style>
-        <p:txBody>
-          <a:bodyPr rtlCol="0" anchor="ctr"/>
-          <a:lstStyle/>
-          <a:p>
-            <a:pPr algn="ctr"/>
-            <a:r>
-              <a:rPr lang="en-US" b="1" dirty="0">
-                <a:solidFill>
-                  <a:schemeClr val="tx1"/>
-                </a:solidFill>
-              </a:rPr>
-              <a:t>Zeta</a:t>
-            </a:r>
-          </a:p>
-        </p:txBody>
-      </p:sp>
-    </p:spTree>
-    <p:extLst>
-      <p:ext uri="{BB962C8B-B14F-4D97-AF65-F5344CB8AC3E}">
-        <p14:creationId xmlns:p14="http://schemas.microsoft.com/office/powerpoint/2010/main" val="1281610142"/>
-      </p:ext>
-    </p:extLst>
   </p:cSld>
   <p:clrMapOvr>
     <a:masterClrMapping/>
@@ -16074,6 +15880,1074 @@
       </p:grpSpPr>
       <p:grpSp>
         <p:nvGrpSpPr>
+          <p:cNvPr id="19" name="Group 18"/>
+          <p:cNvGrpSpPr/>
+          <p:nvPr/>
+        </p:nvGrpSpPr>
+        <p:grpSpPr>
+          <a:xfrm>
+            <a:off x="228600" y="3276600"/>
+            <a:ext cx="8610600" cy="1524000"/>
+            <a:chOff x="228600" y="1676400"/>
+            <a:chExt cx="8610600" cy="1524000"/>
+          </a:xfrm>
+        </p:grpSpPr>
+        <p:sp>
+          <p:nvSpPr>
+            <p:cNvPr id="20" name="Rounded Rectangle 19"/>
+            <p:cNvSpPr/>
+            <p:nvPr/>
+          </p:nvSpPr>
+          <p:spPr>
+            <a:xfrm>
+              <a:off x="228600" y="1676400"/>
+              <a:ext cx="8610600" cy="1524000"/>
+            </a:xfrm>
+            <a:prstGeom prst="roundRect">
+              <a:avLst/>
+            </a:prstGeom>
+            <a:solidFill>
+              <a:schemeClr val="tx1">
+                <a:alpha val="24000"/>
+              </a:schemeClr>
+            </a:solidFill>
+            <a:ln>
+              <a:noFill/>
+            </a:ln>
+          </p:spPr>
+          <p:style>
+            <a:lnRef idx="1">
+              <a:schemeClr val="accent1"/>
+            </a:lnRef>
+            <a:fillRef idx="3">
+              <a:schemeClr val="accent1"/>
+            </a:fillRef>
+            <a:effectRef idx="2">
+              <a:schemeClr val="accent1"/>
+            </a:effectRef>
+            <a:fontRef idx="minor">
+              <a:schemeClr val="lt1"/>
+            </a:fontRef>
+          </p:style>
+          <p:txBody>
+            <a:bodyPr rtlCol="0" anchor="ctr"/>
+            <a:lstStyle/>
+            <a:p>
+              <a:pPr algn="ctr"/>
+              <a:endParaRPr lang="en-US"/>
+            </a:p>
+          </p:txBody>
+        </p:sp>
+        <p:sp>
+          <p:nvSpPr>
+            <p:cNvPr id="21" name="TextBox 20"/>
+            <p:cNvSpPr txBox="1"/>
+            <p:nvPr/>
+          </p:nvSpPr>
+          <p:spPr>
+            <a:xfrm>
+              <a:off x="7162801" y="2819400"/>
+              <a:ext cx="1447800" cy="369332"/>
+            </a:xfrm>
+            <a:prstGeom prst="rect">
+              <a:avLst/>
+            </a:prstGeom>
+            <a:noFill/>
+          </p:spPr>
+          <p:txBody>
+            <a:bodyPr wrap="square" rtlCol="0">
+              <a:spAutoFit/>
+            </a:bodyPr>
+            <a:lstStyle/>
+            <a:p>
+              <a:pPr algn="r"/>
+              <a:r>
+                <a:rPr lang="en-US" dirty="0"/>
+                <a:t>Secondary</a:t>
+              </a:r>
+            </a:p>
+          </p:txBody>
+        </p:sp>
+      </p:grpSp>
+      <p:sp>
+        <p:nvSpPr>
+          <p:cNvPr id="6" name="TextBox 5"/>
+          <p:cNvSpPr txBox="1"/>
+          <p:nvPr/>
+        </p:nvSpPr>
+        <p:spPr>
+          <a:xfrm>
+            <a:off x="228600" y="152400"/>
+            <a:ext cx="8610600" cy="769441"/>
+          </a:xfrm>
+          <a:prstGeom prst="rect">
+            <a:avLst/>
+          </a:prstGeom>
+          <a:noFill/>
+        </p:spPr>
+        <p:txBody>
+          <a:bodyPr wrap="square" rtlCol="0">
+            <a:spAutoFit/>
+          </a:bodyPr>
+          <a:lstStyle/>
+          <a:p>
+            <a:r>
+              <a:rPr lang="en-US" sz="4400" b="1" dirty="0"/>
+              <a:t>Architecture</a:t>
+            </a:r>
+          </a:p>
+        </p:txBody>
+      </p:sp>
+      <p:sp>
+        <p:nvSpPr>
+          <p:cNvPr id="7" name="TextBox 6"/>
+          <p:cNvSpPr txBox="1"/>
+          <p:nvPr/>
+        </p:nvSpPr>
+        <p:spPr>
+          <a:xfrm>
+            <a:off x="228600" y="762000"/>
+            <a:ext cx="8610600" cy="461665"/>
+          </a:xfrm>
+          <a:prstGeom prst="rect">
+            <a:avLst/>
+          </a:prstGeom>
+          <a:noFill/>
+        </p:spPr>
+        <p:txBody>
+          <a:bodyPr wrap="square" rtlCol="0">
+            <a:spAutoFit/>
+          </a:bodyPr>
+          <a:lstStyle/>
+          <a:p>
+            <a:r>
+              <a:rPr lang="en-US" sz="2400" b="1" dirty="0">
+                <a:solidFill>
+                  <a:schemeClr val="bg1">
+                    <a:lumMod val="50000"/>
+                    <a:lumOff val="50000"/>
+                  </a:schemeClr>
+                </a:solidFill>
+              </a:rPr>
+              <a:t>This is the sub-title</a:t>
+            </a:r>
+          </a:p>
+        </p:txBody>
+      </p:sp>
+      <p:grpSp>
+        <p:nvGrpSpPr>
+          <p:cNvPr id="18" name="Group 17"/>
+          <p:cNvGrpSpPr/>
+          <p:nvPr/>
+        </p:nvGrpSpPr>
+        <p:grpSpPr>
+          <a:xfrm>
+            <a:off x="228600" y="1447800"/>
+            <a:ext cx="8610600" cy="1524000"/>
+            <a:chOff x="228600" y="1676400"/>
+            <a:chExt cx="8610600" cy="1524000"/>
+          </a:xfrm>
+        </p:grpSpPr>
+        <p:sp>
+          <p:nvSpPr>
+            <p:cNvPr id="9" name="Rounded Rectangle 8"/>
+            <p:cNvSpPr/>
+            <p:nvPr/>
+          </p:nvSpPr>
+          <p:spPr>
+            <a:xfrm>
+              <a:off x="228600" y="1676400"/>
+              <a:ext cx="8610600" cy="1524000"/>
+            </a:xfrm>
+            <a:prstGeom prst="roundRect">
+              <a:avLst/>
+            </a:prstGeom>
+            <a:solidFill>
+              <a:schemeClr val="tx1">
+                <a:alpha val="24000"/>
+              </a:schemeClr>
+            </a:solidFill>
+            <a:ln>
+              <a:noFill/>
+            </a:ln>
+          </p:spPr>
+          <p:style>
+            <a:lnRef idx="1">
+              <a:schemeClr val="accent1"/>
+            </a:lnRef>
+            <a:fillRef idx="3">
+              <a:schemeClr val="accent1"/>
+            </a:fillRef>
+            <a:effectRef idx="2">
+              <a:schemeClr val="accent1"/>
+            </a:effectRef>
+            <a:fontRef idx="minor">
+              <a:schemeClr val="lt1"/>
+            </a:fontRef>
+          </p:style>
+          <p:txBody>
+            <a:bodyPr rtlCol="0" anchor="ctr"/>
+            <a:lstStyle/>
+            <a:p>
+              <a:pPr algn="ctr"/>
+              <a:endParaRPr lang="en-US"/>
+            </a:p>
+          </p:txBody>
+        </p:sp>
+        <p:sp>
+          <p:nvSpPr>
+            <p:cNvPr id="10" name="TextBox 9"/>
+            <p:cNvSpPr txBox="1"/>
+            <p:nvPr/>
+          </p:nvSpPr>
+          <p:spPr>
+            <a:xfrm>
+              <a:off x="7620000" y="2819400"/>
+              <a:ext cx="917288" cy="369332"/>
+            </a:xfrm>
+            <a:prstGeom prst="rect">
+              <a:avLst/>
+            </a:prstGeom>
+            <a:noFill/>
+          </p:spPr>
+          <p:txBody>
+            <a:bodyPr wrap="none" rtlCol="0">
+              <a:spAutoFit/>
+            </a:bodyPr>
+            <a:lstStyle/>
+            <a:p>
+              <a:r>
+                <a:rPr lang="en-US" dirty="0"/>
+                <a:t>Primary</a:t>
+              </a:r>
+            </a:p>
+          </p:txBody>
+        </p:sp>
+      </p:grpSp>
+      <p:cxnSp>
+        <p:nvCxnSpPr>
+          <p:cNvPr id="4" name="Elbow Connector 3"/>
+          <p:cNvCxnSpPr>
+            <a:stCxn id="17" idx="3"/>
+          </p:cNvCxnSpPr>
+          <p:nvPr/>
+        </p:nvCxnSpPr>
+        <p:spPr>
+          <a:xfrm>
+            <a:off x="1828800" y="4038600"/>
+            <a:ext cx="685800" cy="12700"/>
+          </a:xfrm>
+          <a:prstGeom prst="bentConnector3">
+            <a:avLst>
+              <a:gd name="adj1" fmla="val -3383"/>
+            </a:avLst>
+          </a:prstGeom>
+          <a:ln>
+            <a:solidFill>
+              <a:schemeClr val="tx1"/>
+            </a:solidFill>
+            <a:tailEnd type="arrow"/>
+          </a:ln>
+          <a:effectLst/>
+        </p:spPr>
+        <p:style>
+          <a:lnRef idx="2">
+            <a:schemeClr val="accent1"/>
+          </a:lnRef>
+          <a:fillRef idx="0">
+            <a:schemeClr val="accent1"/>
+          </a:fillRef>
+          <a:effectRef idx="1">
+            <a:schemeClr val="accent1"/>
+          </a:effectRef>
+          <a:fontRef idx="minor">
+            <a:schemeClr val="tx1"/>
+          </a:fontRef>
+        </p:style>
+      </p:cxnSp>
+      <p:sp>
+        <p:nvSpPr>
+          <p:cNvPr id="17" name="Rounded Rectangle 16"/>
+          <p:cNvSpPr/>
+          <p:nvPr/>
+        </p:nvSpPr>
+        <p:spPr>
+          <a:xfrm>
+            <a:off x="457200" y="3581400"/>
+            <a:ext cx="1371600" cy="914400"/>
+          </a:xfrm>
+          <a:prstGeom prst="roundRect">
+            <a:avLst/>
+          </a:prstGeom>
+          <a:solidFill>
+            <a:srgbClr val="009EC0"/>
+          </a:solidFill>
+          <a:ln>
+            <a:noFill/>
+          </a:ln>
+        </p:spPr>
+        <p:style>
+          <a:lnRef idx="1">
+            <a:schemeClr val="accent1"/>
+          </a:lnRef>
+          <a:fillRef idx="3">
+            <a:schemeClr val="accent1"/>
+          </a:fillRef>
+          <a:effectRef idx="2">
+            <a:schemeClr val="accent1"/>
+          </a:effectRef>
+          <a:fontRef idx="minor">
+            <a:schemeClr val="lt1"/>
+          </a:fontRef>
+        </p:style>
+        <p:txBody>
+          <a:bodyPr rtlCol="0" anchor="ctr"/>
+          <a:lstStyle/>
+          <a:p>
+            <a:pPr algn="ctr"/>
+            <a:r>
+              <a:rPr lang="en-US" b="1" dirty="0">
+                <a:solidFill>
+                  <a:schemeClr val="tx1"/>
+                </a:solidFill>
+              </a:rPr>
+              <a:t>Delta</a:t>
+            </a:r>
+          </a:p>
+        </p:txBody>
+      </p:sp>
+      <p:cxnSp>
+        <p:nvCxnSpPr>
+          <p:cNvPr id="25" name="Elbow Connector 24"/>
+          <p:cNvCxnSpPr>
+            <a:stCxn id="23" idx="0"/>
+            <a:endCxn id="29" idx="2"/>
+          </p:cNvCxnSpPr>
+          <p:nvPr/>
+        </p:nvCxnSpPr>
+        <p:spPr>
+          <a:xfrm rot="5400000" flipH="1" flipV="1">
+            <a:off x="2743200" y="3124200"/>
+            <a:ext cx="914400" cy="12700"/>
+          </a:xfrm>
+          <a:prstGeom prst="bentConnector3">
+            <a:avLst>
+              <a:gd name="adj1" fmla="val -27581"/>
+            </a:avLst>
+          </a:prstGeom>
+          <a:ln>
+            <a:solidFill>
+              <a:schemeClr val="tx1"/>
+            </a:solidFill>
+            <a:tailEnd type="arrow"/>
+          </a:ln>
+          <a:effectLst/>
+        </p:spPr>
+        <p:style>
+          <a:lnRef idx="2">
+            <a:schemeClr val="accent1"/>
+          </a:lnRef>
+          <a:fillRef idx="0">
+            <a:schemeClr val="accent1"/>
+          </a:fillRef>
+          <a:effectRef idx="1">
+            <a:schemeClr val="accent1"/>
+          </a:effectRef>
+          <a:fontRef idx="minor">
+            <a:schemeClr val="tx1"/>
+          </a:fontRef>
+        </p:style>
+      </p:cxnSp>
+      <p:sp>
+        <p:nvSpPr>
+          <p:cNvPr id="23" name="Rounded Rectangle 22"/>
+          <p:cNvSpPr/>
+          <p:nvPr/>
+        </p:nvSpPr>
+        <p:spPr>
+          <a:xfrm>
+            <a:off x="2514600" y="3581400"/>
+            <a:ext cx="1371600" cy="914400"/>
+          </a:xfrm>
+          <a:prstGeom prst="roundRect">
+            <a:avLst/>
+          </a:prstGeom>
+          <a:solidFill>
+            <a:srgbClr val="009EC0"/>
+          </a:solidFill>
+          <a:ln>
+            <a:noFill/>
+          </a:ln>
+        </p:spPr>
+        <p:style>
+          <a:lnRef idx="1">
+            <a:schemeClr val="accent1"/>
+          </a:lnRef>
+          <a:fillRef idx="3">
+            <a:schemeClr val="accent1"/>
+          </a:fillRef>
+          <a:effectRef idx="2">
+            <a:schemeClr val="accent1"/>
+          </a:effectRef>
+          <a:fontRef idx="minor">
+            <a:schemeClr val="lt1"/>
+          </a:fontRef>
+        </p:style>
+        <p:txBody>
+          <a:bodyPr rtlCol="0" anchor="ctr"/>
+          <a:lstStyle/>
+          <a:p>
+            <a:pPr algn="ctr"/>
+            <a:r>
+              <a:rPr lang="en-US" b="1" dirty="0">
+                <a:solidFill>
+                  <a:schemeClr val="tx1"/>
+                </a:solidFill>
+              </a:rPr>
+              <a:t>Gamma</a:t>
+            </a:r>
+          </a:p>
+        </p:txBody>
+      </p:sp>
+      <p:cxnSp>
+        <p:nvCxnSpPr>
+          <p:cNvPr id="35" name="Elbow Connector 34"/>
+          <p:cNvCxnSpPr>
+            <a:stCxn id="29" idx="3"/>
+            <a:endCxn id="43" idx="1"/>
+          </p:cNvCxnSpPr>
+          <p:nvPr/>
+        </p:nvCxnSpPr>
+        <p:spPr>
+          <a:xfrm>
+            <a:off x="3886200" y="2209800"/>
+            <a:ext cx="685800" cy="12700"/>
+          </a:xfrm>
+          <a:prstGeom prst="bentConnector3">
+            <a:avLst>
+              <a:gd name="adj1" fmla="val -46757"/>
+            </a:avLst>
+          </a:prstGeom>
+          <a:ln>
+            <a:solidFill>
+              <a:schemeClr val="tx1"/>
+            </a:solidFill>
+            <a:tailEnd type="arrow"/>
+          </a:ln>
+          <a:effectLst/>
+        </p:spPr>
+        <p:style>
+          <a:lnRef idx="2">
+            <a:schemeClr val="accent1"/>
+          </a:lnRef>
+          <a:fillRef idx="0">
+            <a:schemeClr val="accent1"/>
+          </a:fillRef>
+          <a:effectRef idx="1">
+            <a:schemeClr val="accent1"/>
+          </a:effectRef>
+          <a:fontRef idx="minor">
+            <a:schemeClr val="tx1"/>
+          </a:fontRef>
+        </p:style>
+      </p:cxnSp>
+      <p:sp>
+        <p:nvSpPr>
+          <p:cNvPr id="29" name="Rounded Rectangle 28"/>
+          <p:cNvSpPr/>
+          <p:nvPr/>
+        </p:nvSpPr>
+        <p:spPr>
+          <a:xfrm>
+            <a:off x="2514600" y="1752600"/>
+            <a:ext cx="1371600" cy="914400"/>
+          </a:xfrm>
+          <a:prstGeom prst="roundRect">
+            <a:avLst/>
+          </a:prstGeom>
+          <a:solidFill>
+            <a:srgbClr val="009EC0"/>
+          </a:solidFill>
+          <a:ln>
+            <a:noFill/>
+          </a:ln>
+        </p:spPr>
+        <p:style>
+          <a:lnRef idx="1">
+            <a:schemeClr val="accent1"/>
+          </a:lnRef>
+          <a:fillRef idx="3">
+            <a:schemeClr val="accent1"/>
+          </a:fillRef>
+          <a:effectRef idx="2">
+            <a:schemeClr val="accent1"/>
+          </a:effectRef>
+          <a:fontRef idx="minor">
+            <a:schemeClr val="lt1"/>
+          </a:fontRef>
+        </p:style>
+        <p:txBody>
+          <a:bodyPr rtlCol="0" anchor="ctr"/>
+          <a:lstStyle/>
+          <a:p>
+            <a:pPr algn="ctr"/>
+            <a:r>
+              <a:rPr lang="en-US" b="1" dirty="0">
+                <a:solidFill>
+                  <a:schemeClr val="tx1"/>
+                </a:solidFill>
+              </a:rPr>
+              <a:t>Alpha</a:t>
+            </a:r>
+          </a:p>
+        </p:txBody>
+      </p:sp>
+      <p:cxnSp>
+        <p:nvCxnSpPr>
+          <p:cNvPr id="55" name="Elbow Connector 54"/>
+          <p:cNvCxnSpPr>
+            <a:stCxn id="43" idx="2"/>
+            <a:endCxn id="16" idx="0"/>
+          </p:cNvCxnSpPr>
+          <p:nvPr/>
+        </p:nvCxnSpPr>
+        <p:spPr>
+          <a:xfrm rot="5400000">
+            <a:off x="4800600" y="3124200"/>
+            <a:ext cx="914400" cy="12700"/>
+          </a:xfrm>
+          <a:prstGeom prst="bentConnector3">
+            <a:avLst>
+              <a:gd name="adj1" fmla="val -53858"/>
+            </a:avLst>
+          </a:prstGeom>
+          <a:ln>
+            <a:solidFill>
+              <a:schemeClr val="tx1"/>
+            </a:solidFill>
+            <a:tailEnd type="arrow"/>
+          </a:ln>
+          <a:effectLst/>
+        </p:spPr>
+        <p:style>
+          <a:lnRef idx="2">
+            <a:schemeClr val="accent1"/>
+          </a:lnRef>
+          <a:fillRef idx="0">
+            <a:schemeClr val="accent1"/>
+          </a:fillRef>
+          <a:effectRef idx="1">
+            <a:schemeClr val="accent1"/>
+          </a:effectRef>
+          <a:fontRef idx="minor">
+            <a:schemeClr val="tx1"/>
+          </a:fontRef>
+        </p:style>
+      </p:cxnSp>
+      <p:sp>
+        <p:nvSpPr>
+          <p:cNvPr id="43" name="Rounded Rectangle 42"/>
+          <p:cNvSpPr/>
+          <p:nvPr/>
+        </p:nvSpPr>
+        <p:spPr>
+          <a:xfrm>
+            <a:off x="4572000" y="1752600"/>
+            <a:ext cx="1371600" cy="914400"/>
+          </a:xfrm>
+          <a:prstGeom prst="roundRect">
+            <a:avLst/>
+          </a:prstGeom>
+          <a:solidFill>
+            <a:srgbClr val="009EC0"/>
+          </a:solidFill>
+          <a:ln>
+            <a:noFill/>
+          </a:ln>
+        </p:spPr>
+        <p:style>
+          <a:lnRef idx="1">
+            <a:schemeClr val="accent1"/>
+          </a:lnRef>
+          <a:fillRef idx="3">
+            <a:schemeClr val="accent1"/>
+          </a:fillRef>
+          <a:effectRef idx="2">
+            <a:schemeClr val="accent1"/>
+          </a:effectRef>
+          <a:fontRef idx="minor">
+            <a:schemeClr val="lt1"/>
+          </a:fontRef>
+        </p:style>
+        <p:txBody>
+          <a:bodyPr rtlCol="0" anchor="ctr"/>
+          <a:lstStyle/>
+          <a:p>
+            <a:pPr algn="ctr"/>
+            <a:r>
+              <a:rPr lang="en-US" b="1" dirty="0">
+                <a:solidFill>
+                  <a:schemeClr val="tx1"/>
+                </a:solidFill>
+              </a:rPr>
+              <a:t>Beta</a:t>
+            </a:r>
+          </a:p>
+        </p:txBody>
+      </p:sp>
+      <p:grpSp>
+        <p:nvGrpSpPr>
+          <p:cNvPr id="59" name="Group 58"/>
+          <p:cNvGrpSpPr/>
+          <p:nvPr/>
+        </p:nvGrpSpPr>
+        <p:grpSpPr>
+          <a:xfrm>
+            <a:off x="228600" y="5105400"/>
+            <a:ext cx="8610600" cy="1524000"/>
+            <a:chOff x="228600" y="1676400"/>
+            <a:chExt cx="8610600" cy="1524000"/>
+          </a:xfrm>
+        </p:grpSpPr>
+        <p:sp>
+          <p:nvSpPr>
+            <p:cNvPr id="60" name="Rounded Rectangle 59"/>
+            <p:cNvSpPr/>
+            <p:nvPr/>
+          </p:nvSpPr>
+          <p:spPr>
+            <a:xfrm>
+              <a:off x="228600" y="1676400"/>
+              <a:ext cx="8610600" cy="1524000"/>
+            </a:xfrm>
+            <a:prstGeom prst="roundRect">
+              <a:avLst/>
+            </a:prstGeom>
+            <a:solidFill>
+              <a:schemeClr val="tx1">
+                <a:alpha val="24000"/>
+              </a:schemeClr>
+            </a:solidFill>
+            <a:ln>
+              <a:noFill/>
+            </a:ln>
+          </p:spPr>
+          <p:style>
+            <a:lnRef idx="1">
+              <a:schemeClr val="accent1"/>
+            </a:lnRef>
+            <a:fillRef idx="3">
+              <a:schemeClr val="accent1"/>
+            </a:fillRef>
+            <a:effectRef idx="2">
+              <a:schemeClr val="accent1"/>
+            </a:effectRef>
+            <a:fontRef idx="minor">
+              <a:schemeClr val="lt1"/>
+            </a:fontRef>
+          </p:style>
+          <p:txBody>
+            <a:bodyPr rtlCol="0" anchor="ctr"/>
+            <a:lstStyle/>
+            <a:p>
+              <a:pPr algn="ctr"/>
+              <a:endParaRPr lang="en-US"/>
+            </a:p>
+          </p:txBody>
+        </p:sp>
+        <p:sp>
+          <p:nvSpPr>
+            <p:cNvPr id="61" name="TextBox 60"/>
+            <p:cNvSpPr txBox="1"/>
+            <p:nvPr/>
+          </p:nvSpPr>
+          <p:spPr>
+            <a:xfrm>
+              <a:off x="7162801" y="2819400"/>
+              <a:ext cx="1447800" cy="369332"/>
+            </a:xfrm>
+            <a:prstGeom prst="rect">
+              <a:avLst/>
+            </a:prstGeom>
+            <a:noFill/>
+          </p:spPr>
+          <p:txBody>
+            <a:bodyPr wrap="square" rtlCol="0">
+              <a:spAutoFit/>
+            </a:bodyPr>
+            <a:lstStyle/>
+            <a:p>
+              <a:pPr algn="r"/>
+              <a:r>
+                <a:rPr lang="en-US" dirty="0"/>
+                <a:t>Tertiary</a:t>
+              </a:r>
+            </a:p>
+          </p:txBody>
+        </p:sp>
+      </p:grpSp>
+      <p:cxnSp>
+        <p:nvCxnSpPr>
+          <p:cNvPr id="62" name="Elbow Connector 61"/>
+          <p:cNvCxnSpPr>
+            <a:stCxn id="43" idx="2"/>
+            <a:endCxn id="2" idx="0"/>
+          </p:cNvCxnSpPr>
+          <p:nvPr/>
+        </p:nvCxnSpPr>
+        <p:spPr>
+          <a:xfrm rot="16200000" flipH="1">
+            <a:off x="5829300" y="2095500"/>
+            <a:ext cx="914400" cy="2057400"/>
+          </a:xfrm>
+          <a:prstGeom prst="bentConnector3">
+            <a:avLst>
+              <a:gd name="adj1" fmla="val 50000"/>
+            </a:avLst>
+          </a:prstGeom>
+          <a:ln>
+            <a:solidFill>
+              <a:schemeClr val="tx1"/>
+            </a:solidFill>
+            <a:tailEnd type="arrow"/>
+          </a:ln>
+          <a:effectLst/>
+        </p:spPr>
+        <p:style>
+          <a:lnRef idx="2">
+            <a:schemeClr val="accent1"/>
+          </a:lnRef>
+          <a:fillRef idx="0">
+            <a:schemeClr val="accent1"/>
+          </a:fillRef>
+          <a:effectRef idx="1">
+            <a:schemeClr val="accent1"/>
+          </a:effectRef>
+          <a:fontRef idx="minor">
+            <a:schemeClr val="tx1"/>
+          </a:fontRef>
+        </p:style>
+      </p:cxnSp>
+      <p:sp>
+        <p:nvSpPr>
+          <p:cNvPr id="66" name="Rounded Rectangle 65"/>
+          <p:cNvSpPr/>
+          <p:nvPr/>
+        </p:nvSpPr>
+        <p:spPr>
+          <a:xfrm>
+            <a:off x="6629400" y="5410200"/>
+            <a:ext cx="1371600" cy="914400"/>
+          </a:xfrm>
+          <a:prstGeom prst="roundRect">
+            <a:avLst/>
+          </a:prstGeom>
+          <a:solidFill>
+            <a:srgbClr val="CA5C0E"/>
+          </a:solidFill>
+          <a:ln>
+            <a:noFill/>
+          </a:ln>
+        </p:spPr>
+        <p:style>
+          <a:lnRef idx="1">
+            <a:schemeClr val="accent1"/>
+          </a:lnRef>
+          <a:fillRef idx="3">
+            <a:schemeClr val="accent1"/>
+          </a:fillRef>
+          <a:effectRef idx="2">
+            <a:schemeClr val="accent1"/>
+          </a:effectRef>
+          <a:fontRef idx="minor">
+            <a:schemeClr val="lt1"/>
+          </a:fontRef>
+        </p:style>
+        <p:txBody>
+          <a:bodyPr rtlCol="0" anchor="ctr"/>
+          <a:lstStyle/>
+          <a:p>
+            <a:pPr algn="ctr"/>
+            <a:r>
+              <a:rPr lang="en-US" b="1" dirty="0">
+                <a:solidFill>
+                  <a:schemeClr val="tx1"/>
+                </a:solidFill>
+              </a:rPr>
+              <a:t>Theta</a:t>
+            </a:r>
+          </a:p>
+        </p:txBody>
+      </p:sp>
+      <p:sp>
+        <p:nvSpPr>
+          <p:cNvPr id="67" name="Rounded Rectangle 66"/>
+          <p:cNvSpPr/>
+          <p:nvPr/>
+        </p:nvSpPr>
+        <p:spPr>
+          <a:xfrm>
+            <a:off x="4572000" y="5410200"/>
+            <a:ext cx="1371600" cy="914400"/>
+          </a:xfrm>
+          <a:prstGeom prst="roundRect">
+            <a:avLst/>
+          </a:prstGeom>
+          <a:solidFill>
+            <a:srgbClr val="CA5C0E"/>
+          </a:solidFill>
+          <a:ln>
+            <a:noFill/>
+          </a:ln>
+        </p:spPr>
+        <p:style>
+          <a:lnRef idx="1">
+            <a:schemeClr val="accent1"/>
+          </a:lnRef>
+          <a:fillRef idx="3">
+            <a:schemeClr val="accent1"/>
+          </a:fillRef>
+          <a:effectRef idx="2">
+            <a:schemeClr val="accent1"/>
+          </a:effectRef>
+          <a:fontRef idx="minor">
+            <a:schemeClr val="lt1"/>
+          </a:fontRef>
+        </p:style>
+        <p:txBody>
+          <a:bodyPr rtlCol="0" anchor="ctr"/>
+          <a:lstStyle/>
+          <a:p>
+            <a:pPr algn="ctr"/>
+            <a:r>
+              <a:rPr lang="en-US" b="1" dirty="0">
+                <a:solidFill>
+                  <a:schemeClr val="tx1"/>
+                </a:solidFill>
+              </a:rPr>
+              <a:t>Eta</a:t>
+            </a:r>
+          </a:p>
+        </p:txBody>
+      </p:sp>
+      <p:cxnSp>
+        <p:nvCxnSpPr>
+          <p:cNvPr id="68" name="Elbow Connector 67"/>
+          <p:cNvCxnSpPr>
+            <a:stCxn id="16" idx="2"/>
+            <a:endCxn id="67" idx="0"/>
+          </p:cNvCxnSpPr>
+          <p:nvPr/>
+        </p:nvCxnSpPr>
+        <p:spPr>
+          <a:xfrm rot="5400000">
+            <a:off x="4800600" y="4953000"/>
+            <a:ext cx="914400" cy="12700"/>
+          </a:xfrm>
+          <a:prstGeom prst="bentConnector3">
+            <a:avLst>
+              <a:gd name="adj1" fmla="val -22576"/>
+            </a:avLst>
+          </a:prstGeom>
+          <a:ln>
+            <a:solidFill>
+              <a:schemeClr val="tx1"/>
+            </a:solidFill>
+            <a:tailEnd type="arrow"/>
+          </a:ln>
+          <a:effectLst/>
+        </p:spPr>
+        <p:style>
+          <a:lnRef idx="2">
+            <a:schemeClr val="accent1"/>
+          </a:lnRef>
+          <a:fillRef idx="0">
+            <a:schemeClr val="accent1"/>
+          </a:fillRef>
+          <a:effectRef idx="1">
+            <a:schemeClr val="accent1"/>
+          </a:effectRef>
+          <a:fontRef idx="minor">
+            <a:schemeClr val="tx1"/>
+          </a:fontRef>
+        </p:style>
+      </p:cxnSp>
+      <p:sp>
+        <p:nvSpPr>
+          <p:cNvPr id="16" name="Rounded Rectangle 15"/>
+          <p:cNvSpPr/>
+          <p:nvPr/>
+        </p:nvSpPr>
+        <p:spPr>
+          <a:xfrm>
+            <a:off x="4572000" y="3581400"/>
+            <a:ext cx="1371600" cy="914400"/>
+          </a:xfrm>
+          <a:prstGeom prst="roundRect">
+            <a:avLst/>
+          </a:prstGeom>
+          <a:solidFill>
+            <a:srgbClr val="CA5C0E"/>
+          </a:solidFill>
+          <a:ln>
+            <a:noFill/>
+          </a:ln>
+        </p:spPr>
+        <p:style>
+          <a:lnRef idx="1">
+            <a:schemeClr val="accent1"/>
+          </a:lnRef>
+          <a:fillRef idx="3">
+            <a:schemeClr val="accent1"/>
+          </a:fillRef>
+          <a:effectRef idx="2">
+            <a:schemeClr val="accent1"/>
+          </a:effectRef>
+          <a:fontRef idx="minor">
+            <a:schemeClr val="lt1"/>
+          </a:fontRef>
+        </p:style>
+        <p:txBody>
+          <a:bodyPr rtlCol="0" anchor="ctr"/>
+          <a:lstStyle/>
+          <a:p>
+            <a:pPr algn="ctr"/>
+            <a:r>
+              <a:rPr lang="en-US" b="1" dirty="0">
+                <a:solidFill>
+                  <a:schemeClr val="tx1"/>
+                </a:solidFill>
+              </a:rPr>
+              <a:t>Epsilon</a:t>
+            </a:r>
+          </a:p>
+        </p:txBody>
+      </p:sp>
+      <p:cxnSp>
+        <p:nvCxnSpPr>
+          <p:cNvPr id="75" name="Elbow Connector 74"/>
+          <p:cNvCxnSpPr>
+            <a:stCxn id="2" idx="2"/>
+            <a:endCxn id="66" idx="0"/>
+          </p:cNvCxnSpPr>
+          <p:nvPr/>
+        </p:nvCxnSpPr>
+        <p:spPr>
+          <a:xfrm rot="5400000">
+            <a:off x="6858000" y="4953000"/>
+            <a:ext cx="914400" cy="12700"/>
+          </a:xfrm>
+          <a:prstGeom prst="bentConnector3">
+            <a:avLst>
+              <a:gd name="adj1" fmla="val -35089"/>
+            </a:avLst>
+          </a:prstGeom>
+          <a:ln>
+            <a:solidFill>
+              <a:schemeClr val="tx1"/>
+            </a:solidFill>
+            <a:tailEnd type="arrow"/>
+          </a:ln>
+          <a:effectLst/>
+        </p:spPr>
+        <p:style>
+          <a:lnRef idx="2">
+            <a:schemeClr val="accent1"/>
+          </a:lnRef>
+          <a:fillRef idx="0">
+            <a:schemeClr val="accent1"/>
+          </a:fillRef>
+          <a:effectRef idx="1">
+            <a:schemeClr val="accent1"/>
+          </a:effectRef>
+          <a:fontRef idx="minor">
+            <a:schemeClr val="tx1"/>
+          </a:fontRef>
+        </p:style>
+      </p:cxnSp>
+      <p:sp>
+        <p:nvSpPr>
+          <p:cNvPr id="2" name="Rounded Rectangle 1"/>
+          <p:cNvSpPr/>
+          <p:nvPr/>
+        </p:nvSpPr>
+        <p:spPr>
+          <a:xfrm>
+            <a:off x="6629400" y="3581400"/>
+            <a:ext cx="1371600" cy="914400"/>
+          </a:xfrm>
+          <a:prstGeom prst="roundRect">
+            <a:avLst/>
+          </a:prstGeom>
+          <a:solidFill>
+            <a:srgbClr val="CA5C0E"/>
+          </a:solidFill>
+          <a:ln>
+            <a:noFill/>
+          </a:ln>
+        </p:spPr>
+        <p:style>
+          <a:lnRef idx="1">
+            <a:schemeClr val="accent1"/>
+          </a:lnRef>
+          <a:fillRef idx="3">
+            <a:schemeClr val="accent1"/>
+          </a:fillRef>
+          <a:effectRef idx="2">
+            <a:schemeClr val="accent1"/>
+          </a:effectRef>
+          <a:fontRef idx="minor">
+            <a:schemeClr val="lt1"/>
+          </a:fontRef>
+        </p:style>
+        <p:txBody>
+          <a:bodyPr rtlCol="0" anchor="ctr"/>
+          <a:lstStyle/>
+          <a:p>
+            <a:pPr algn="ctr"/>
+            <a:r>
+              <a:rPr lang="en-US" b="1" dirty="0">
+                <a:solidFill>
+                  <a:schemeClr val="tx1"/>
+                </a:solidFill>
+              </a:rPr>
+              <a:t>Zeta</a:t>
+            </a:r>
+          </a:p>
+        </p:txBody>
+      </p:sp>
+    </p:spTree>
+    <p:extLst>
+      <p:ext uri="{BB962C8B-B14F-4D97-AF65-F5344CB8AC3E}">
+        <p14:creationId xmlns:p14="http://schemas.microsoft.com/office/powerpoint/2010/main" val="1281610142"/>
+      </p:ext>
+    </p:extLst>
+  </p:cSld>
+  <p:clrMapOvr>
+    <a:masterClrMapping/>
+  </p:clrMapOvr>
+</p:sld>
+</file>
+
+<file path=ppt/slides/slide21.xml><?xml version="1.0" encoding="utf-8"?>
+<p:sld xmlns:a="http://schemas.openxmlformats.org/drawingml/2006/main" xmlns:r="http://schemas.openxmlformats.org/officeDocument/2006/relationships" xmlns:p="http://schemas.openxmlformats.org/presentationml/2006/main">
+  <p:cSld>
+    <p:spTree>
+      <p:nvGrpSpPr>
+        <p:cNvPr id="1" name=""/>
+        <p:cNvGrpSpPr/>
+        <p:nvPr/>
+      </p:nvGrpSpPr>
+      <p:grpSpPr>
+        <a:xfrm>
+          <a:off x="0" y="0"/>
+          <a:ext cx="0" cy="0"/>
+          <a:chOff x="0" y="0"/>
+          <a:chExt cx="0" cy="0"/>
+        </a:xfrm>
+      </p:grpSpPr>
+      <p:grpSp>
+        <p:nvGrpSpPr>
           <p:cNvPr id="59" name="Group 58"/>
           <p:cNvGrpSpPr/>
           <p:nvPr/>
@@ -17138,7 +18012,7 @@
 </p:sld>
 </file>
 
-<file path=ppt/slides/slide21.xml><?xml version="1.0" encoding="utf-8"?>
+<file path=ppt/slides/slide22.xml><?xml version="1.0" encoding="utf-8"?>
 <p:sld xmlns:a="http://schemas.openxmlformats.org/drawingml/2006/main" xmlns:r="http://schemas.openxmlformats.org/officeDocument/2006/relationships" xmlns:p="http://schemas.openxmlformats.org/presentationml/2006/main">
   <p:cSld>
     <p:spTree>
@@ -17868,7 +18742,7 @@
 </p:sld>
 </file>
 
-<file path=ppt/slides/slide22.xml><?xml version="1.0" encoding="utf-8"?>
+<file path=ppt/slides/slide23.xml><?xml version="1.0" encoding="utf-8"?>
 <p:sld xmlns:a="http://schemas.openxmlformats.org/drawingml/2006/main" xmlns:r="http://schemas.openxmlformats.org/officeDocument/2006/relationships" xmlns:p="http://schemas.openxmlformats.org/presentationml/2006/main">
   <p:cSld>
     <p:spTree>
@@ -18024,7 +18898,7 @@
 </p:sld>
 </file>
 
-<file path=ppt/slides/slide23.xml><?xml version="1.0" encoding="utf-8"?>
+<file path=ppt/slides/slide24.xml><?xml version="1.0" encoding="utf-8"?>
 <p:sld xmlns:a="http://schemas.openxmlformats.org/drawingml/2006/main" xmlns:r="http://schemas.openxmlformats.org/officeDocument/2006/relationships" xmlns:p="http://schemas.openxmlformats.org/presentationml/2006/main">
   <p:cSld>
     <p:spTree>
@@ -19029,7 +19903,7 @@
 </p:sld>
 </file>
 
-<file path=ppt/slides/slide24.xml><?xml version="1.0" encoding="utf-8"?>
+<file path=ppt/slides/slide25.xml><?xml version="1.0" encoding="utf-8"?>
 <p:sld xmlns:a="http://schemas.openxmlformats.org/drawingml/2006/main" xmlns:r="http://schemas.openxmlformats.org/officeDocument/2006/relationships" xmlns:p="http://schemas.openxmlformats.org/presentationml/2006/main">
   <p:cSld>
     <p:spTree>
@@ -20049,7 +20923,7 @@
 </p:sld>
 </file>
 
-<file path=ppt/slides/slide25.xml><?xml version="1.0" encoding="utf-8"?>
+<file path=ppt/slides/slide26.xml><?xml version="1.0" encoding="utf-8"?>
 <p:sld xmlns:a="http://schemas.openxmlformats.org/drawingml/2006/main" xmlns:r="http://schemas.openxmlformats.org/officeDocument/2006/relationships" xmlns:p="http://schemas.openxmlformats.org/presentationml/2006/main">
   <p:cSld>
     <p:spTree>
@@ -21097,7 +21971,7 @@
 </p:sld>
 </file>
 
-<file path=ppt/slides/slide26.xml><?xml version="1.0" encoding="utf-8"?>
+<file path=ppt/slides/slide27.xml><?xml version="1.0" encoding="utf-8"?>
 <p:sld xmlns:a="http://schemas.openxmlformats.org/drawingml/2006/main" xmlns:r="http://schemas.openxmlformats.org/officeDocument/2006/relationships" xmlns:p="http://schemas.openxmlformats.org/presentationml/2006/main">
   <p:cSld>
     <p:spTree>
@@ -21831,7 +22705,7 @@
 </p:sld>
 </file>
 
-<file path=ppt/slides/slide27.xml><?xml version="1.0" encoding="utf-8"?>
+<file path=ppt/slides/slide28.xml><?xml version="1.0" encoding="utf-8"?>
 <p:sld xmlns:a="http://schemas.openxmlformats.org/drawingml/2006/main" xmlns:r="http://schemas.openxmlformats.org/officeDocument/2006/relationships" xmlns:p="http://schemas.openxmlformats.org/presentationml/2006/main">
   <p:cSld>
     <p:spTree>
@@ -21907,7 +22781,7 @@
 </p:sld>
 </file>
 
-<file path=ppt/slides/slide28.xml><?xml version="1.0" encoding="utf-8"?>
+<file path=ppt/slides/slide29.xml><?xml version="1.0" encoding="utf-8"?>
 <p:sld xmlns:a="http://schemas.openxmlformats.org/drawingml/2006/main" xmlns:r="http://schemas.openxmlformats.org/officeDocument/2006/relationships" xmlns:p="http://schemas.openxmlformats.org/presentationml/2006/main">
   <p:cSld>
     <p:spTree>
@@ -22023,143 +22897,6 @@
     <p:extLst>
       <p:ext uri="{BB962C8B-B14F-4D97-AF65-F5344CB8AC3E}">
         <p14:creationId xmlns:p14="http://schemas.microsoft.com/office/powerpoint/2010/main" val="2726019658"/>
-      </p:ext>
-    </p:extLst>
-  </p:cSld>
-  <p:clrMapOvr>
-    <a:masterClrMapping/>
-  </p:clrMapOvr>
-</p:sld>
-</file>
-
-<file path=ppt/slides/slide29.xml><?xml version="1.0" encoding="utf-8"?>
-<p:sld xmlns:a="http://schemas.openxmlformats.org/drawingml/2006/main" xmlns:r="http://schemas.openxmlformats.org/officeDocument/2006/relationships" xmlns:p="http://schemas.openxmlformats.org/presentationml/2006/main">
-  <p:cSld>
-    <p:spTree>
-      <p:nvGrpSpPr>
-        <p:cNvPr id="1" name=""/>
-        <p:cNvGrpSpPr/>
-        <p:nvPr/>
-      </p:nvGrpSpPr>
-      <p:grpSpPr>
-        <a:xfrm>
-          <a:off x="0" y="0"/>
-          <a:ext cx="0" cy="0"/>
-          <a:chOff x="0" y="0"/>
-          <a:chExt cx="0" cy="0"/>
-        </a:xfrm>
-      </p:grpSpPr>
-      <p:sp>
-        <p:nvSpPr>
-          <p:cNvPr id="2" name="Title 1">
-            <a:extLst>
-              <a:ext uri="{FF2B5EF4-FFF2-40B4-BE49-F238E27FC236}">
-                <a16:creationId xmlns:a16="http://schemas.microsoft.com/office/drawing/2014/main" id="{C8F392D1-A4F5-744A-9239-99BC6612F901}"/>
-              </a:ext>
-            </a:extLst>
-          </p:cNvPr>
-          <p:cNvSpPr>
-            <a:spLocks noGrp="1"/>
-          </p:cNvSpPr>
-          <p:nvPr>
-            <p:ph type="title"/>
-          </p:nvPr>
-        </p:nvSpPr>
-        <p:spPr>
-          <a:xfrm>
-            <a:off x="457200" y="152400"/>
-            <a:ext cx="8686800" cy="3962400"/>
-          </a:xfrm>
-        </p:spPr>
-        <p:txBody>
-          <a:bodyPr anchor="b" anchorCtr="0">
-            <a:normAutofit/>
-          </a:bodyPr>
-          <a:lstStyle/>
-          <a:p>
-            <a:pPr>
-              <a:tabLst>
-                <a:tab pos="91440" algn="l"/>
-              </a:tabLst>
-            </a:pPr>
-            <a:r>
-              <a:rPr lang="en-US" sz="4300" dirty="0"/>
-              <a:t>“This is the sort of truth that is hard to explain because it is a fact; but it is a fact to which </a:t>
-            </a:r>
-            <a:r>
-              <a:rPr lang="en-US" sz="4300" dirty="0">
-                <a:highlight>
-                  <a:srgbClr val="C00002"/>
-                </a:highlight>
-              </a:rPr>
-              <a:t>we can call witnesses</a:t>
-            </a:r>
-            <a:r>
-              <a:rPr lang="en-US" sz="4300" dirty="0"/>
-              <a:t>”</a:t>
-            </a:r>
-          </a:p>
-        </p:txBody>
-      </p:sp>
-      <p:sp>
-        <p:nvSpPr>
-          <p:cNvPr id="3" name="Text Placeholder 2">
-            <a:extLst>
-              <a:ext uri="{FF2B5EF4-FFF2-40B4-BE49-F238E27FC236}">
-                <a16:creationId xmlns:a16="http://schemas.microsoft.com/office/drawing/2014/main" id="{D79591E0-89A3-7048-B1C5-91B4FFFB65C9}"/>
-              </a:ext>
-            </a:extLst>
-          </p:cNvPr>
-          <p:cNvSpPr>
-            <a:spLocks noGrp="1"/>
-          </p:cNvSpPr>
-          <p:nvPr>
-            <p:ph type="body" sz="quarter" idx="13"/>
-          </p:nvPr>
-        </p:nvSpPr>
-        <p:spPr>
-          <a:xfrm>
-            <a:off x="114300" y="4495800"/>
-            <a:ext cx="8915400" cy="1371600"/>
-          </a:xfrm>
-        </p:spPr>
-        <p:txBody>
-          <a:bodyPr>
-            <a:normAutofit lnSpcReduction="10000"/>
-          </a:bodyPr>
-          <a:lstStyle/>
-          <a:p>
-            <a:pPr algn="l"/>
-            <a:r>
-              <a:rPr lang="en-US" sz="4400" cap="all" dirty="0">
-                <a:solidFill>
-                  <a:srgbClr val="009EC0"/>
-                </a:solidFill>
-              </a:rPr>
-              <a:t>G.K. Chesterton</a:t>
-            </a:r>
-            <a:br>
-              <a:rPr lang="en-US" sz="4400" dirty="0">
-                <a:solidFill>
-                  <a:srgbClr val="009EC0"/>
-                </a:solidFill>
-              </a:rPr>
-            </a:br>
-            <a:r>
-              <a:rPr lang="en-US" sz="4400" b="0" i="1" dirty="0">
-                <a:solidFill>
-                  <a:srgbClr val="009EC0"/>
-                </a:solidFill>
-              </a:rPr>
-              <a:t>The Everlasting Man</a:t>
-            </a:r>
-          </a:p>
-        </p:txBody>
-      </p:sp>
-    </p:spTree>
-    <p:extLst>
-      <p:ext uri="{BB962C8B-B14F-4D97-AF65-F5344CB8AC3E}">
-        <p14:creationId xmlns:p14="http://schemas.microsoft.com/office/powerpoint/2010/main" val="800204252"/>
       </p:ext>
     </p:extLst>
   </p:cSld>
@@ -23438,6 +24175,143 @@
           <a:chExt cx="0" cy="0"/>
         </a:xfrm>
       </p:grpSpPr>
+      <p:sp>
+        <p:nvSpPr>
+          <p:cNvPr id="2" name="Title 1">
+            <a:extLst>
+              <a:ext uri="{FF2B5EF4-FFF2-40B4-BE49-F238E27FC236}">
+                <a16:creationId xmlns:a16="http://schemas.microsoft.com/office/drawing/2014/main" id="{C8F392D1-A4F5-744A-9239-99BC6612F901}"/>
+              </a:ext>
+            </a:extLst>
+          </p:cNvPr>
+          <p:cNvSpPr>
+            <a:spLocks noGrp="1"/>
+          </p:cNvSpPr>
+          <p:nvPr>
+            <p:ph type="title"/>
+          </p:nvPr>
+        </p:nvSpPr>
+        <p:spPr>
+          <a:xfrm>
+            <a:off x="457200" y="152400"/>
+            <a:ext cx="8686800" cy="3962400"/>
+          </a:xfrm>
+        </p:spPr>
+        <p:txBody>
+          <a:bodyPr anchor="b" anchorCtr="0">
+            <a:normAutofit/>
+          </a:bodyPr>
+          <a:lstStyle/>
+          <a:p>
+            <a:pPr>
+              <a:tabLst>
+                <a:tab pos="91440" algn="l"/>
+              </a:tabLst>
+            </a:pPr>
+            <a:r>
+              <a:rPr lang="en-US" sz="4300" dirty="0"/>
+              <a:t>“This is the sort of truth that is hard to explain because it is a fact; but it is a fact to which </a:t>
+            </a:r>
+            <a:r>
+              <a:rPr lang="en-US" sz="4300" dirty="0">
+                <a:highlight>
+                  <a:srgbClr val="C00002"/>
+                </a:highlight>
+              </a:rPr>
+              <a:t>we can call witnesses</a:t>
+            </a:r>
+            <a:r>
+              <a:rPr lang="en-US" sz="4300" dirty="0"/>
+              <a:t>”</a:t>
+            </a:r>
+          </a:p>
+        </p:txBody>
+      </p:sp>
+      <p:sp>
+        <p:nvSpPr>
+          <p:cNvPr id="3" name="Text Placeholder 2">
+            <a:extLst>
+              <a:ext uri="{FF2B5EF4-FFF2-40B4-BE49-F238E27FC236}">
+                <a16:creationId xmlns:a16="http://schemas.microsoft.com/office/drawing/2014/main" id="{D79591E0-89A3-7048-B1C5-91B4FFFB65C9}"/>
+              </a:ext>
+            </a:extLst>
+          </p:cNvPr>
+          <p:cNvSpPr>
+            <a:spLocks noGrp="1"/>
+          </p:cNvSpPr>
+          <p:nvPr>
+            <p:ph type="body" sz="quarter" idx="13"/>
+          </p:nvPr>
+        </p:nvSpPr>
+        <p:spPr>
+          <a:xfrm>
+            <a:off x="114300" y="4495800"/>
+            <a:ext cx="8915400" cy="1371600"/>
+          </a:xfrm>
+        </p:spPr>
+        <p:txBody>
+          <a:bodyPr>
+            <a:normAutofit lnSpcReduction="10000"/>
+          </a:bodyPr>
+          <a:lstStyle/>
+          <a:p>
+            <a:pPr algn="l"/>
+            <a:r>
+              <a:rPr lang="en-US" sz="4400" cap="all" dirty="0">
+                <a:solidFill>
+                  <a:srgbClr val="009EC0"/>
+                </a:solidFill>
+              </a:rPr>
+              <a:t>G.K. Chesterton</a:t>
+            </a:r>
+            <a:br>
+              <a:rPr lang="en-US" sz="4400" dirty="0">
+                <a:solidFill>
+                  <a:srgbClr val="009EC0"/>
+                </a:solidFill>
+              </a:rPr>
+            </a:br>
+            <a:r>
+              <a:rPr lang="en-US" sz="4400" b="0" i="1" dirty="0">
+                <a:solidFill>
+                  <a:srgbClr val="009EC0"/>
+                </a:solidFill>
+              </a:rPr>
+              <a:t>The Everlasting Man</a:t>
+            </a:r>
+          </a:p>
+        </p:txBody>
+      </p:sp>
+    </p:spTree>
+    <p:extLst>
+      <p:ext uri="{BB962C8B-B14F-4D97-AF65-F5344CB8AC3E}">
+        <p14:creationId xmlns:p14="http://schemas.microsoft.com/office/powerpoint/2010/main" val="800204252"/>
+      </p:ext>
+    </p:extLst>
+  </p:cSld>
+  <p:clrMapOvr>
+    <a:masterClrMapping/>
+  </p:clrMapOvr>
+</p:sld>
+</file>
+
+<file path=ppt/slides/slide31.xml><?xml version="1.0" encoding="utf-8"?>
+<p:sld xmlns:a="http://schemas.openxmlformats.org/drawingml/2006/main" xmlns:r="http://schemas.openxmlformats.org/officeDocument/2006/relationships" xmlns:p="http://schemas.openxmlformats.org/presentationml/2006/main">
+  <p:cSld>
+    <p:spTree>
+      <p:nvGrpSpPr>
+        <p:cNvPr id="1" name=""/>
+        <p:cNvGrpSpPr/>
+        <p:nvPr/>
+      </p:nvGrpSpPr>
+      <p:grpSpPr>
+        <a:xfrm>
+          <a:off x="0" y="0"/>
+          <a:ext cx="0" cy="0"/>
+          <a:chOff x="0" y="0"/>
+          <a:chExt cx="0" cy="0"/>
+        </a:xfrm>
+      </p:grpSpPr>
       <p:cxnSp>
         <p:nvCxnSpPr>
           <p:cNvPr id="4" name="Straight Connector 3"/>
@@ -24263,7 +25137,7 @@
 </p:sld>
 </file>
 
-<file path=ppt/slides/slide31.xml><?xml version="1.0" encoding="utf-8"?>
+<file path=ppt/slides/slide32.xml><?xml version="1.0" encoding="utf-8"?>
 <p:sld xmlns:a="http://schemas.openxmlformats.org/drawingml/2006/main" xmlns:r="http://schemas.openxmlformats.org/officeDocument/2006/relationships" xmlns:p="http://schemas.openxmlformats.org/presentationml/2006/main">
   <p:cSld>
     <p:spTree>
@@ -25355,7 +26229,7 @@
 </p:sld>
 </file>
 
-<file path=ppt/slides/slide32.xml><?xml version="1.0" encoding="utf-8"?>
+<file path=ppt/slides/slide33.xml><?xml version="1.0" encoding="utf-8"?>
 <p:sld xmlns:a="http://schemas.openxmlformats.org/drawingml/2006/main" xmlns:r="http://schemas.openxmlformats.org/officeDocument/2006/relationships" xmlns:p="http://schemas.openxmlformats.org/presentationml/2006/main">
   <p:cSld>
     <p:spTree>
@@ -26173,7 +27047,7 @@
 </p:sld>
 </file>
 
-<file path=ppt/slides/slide33.xml><?xml version="1.0" encoding="utf-8"?>
+<file path=ppt/slides/slide34.xml><?xml version="1.0" encoding="utf-8"?>
 <p:sld xmlns:a="http://schemas.openxmlformats.org/drawingml/2006/main" xmlns:r="http://schemas.openxmlformats.org/officeDocument/2006/relationships" xmlns:p="http://schemas.openxmlformats.org/presentationml/2006/main">
   <p:cSld>
     <p:spTree>
@@ -26392,7 +27266,7 @@
 </p:sld>
 </file>
 
-<file path=ppt/slides/slide34.xml><?xml version="1.0" encoding="utf-8"?>
+<file path=ppt/slides/slide35.xml><?xml version="1.0" encoding="utf-8"?>
 <p:sld xmlns:a="http://schemas.openxmlformats.org/drawingml/2006/main" xmlns:r="http://schemas.openxmlformats.org/officeDocument/2006/relationships" xmlns:p="http://schemas.openxmlformats.org/presentationml/2006/main">
   <p:cSld>
     <p:spTree>
@@ -26842,7 +27716,7 @@
 </p:sld>
 </file>
 
-<file path=ppt/slides/slide35.xml><?xml version="1.0" encoding="utf-8"?>
+<file path=ppt/slides/slide36.xml><?xml version="1.0" encoding="utf-8"?>
 <p:sld xmlns:a="http://schemas.openxmlformats.org/drawingml/2006/main" xmlns:r="http://schemas.openxmlformats.org/officeDocument/2006/relationships" xmlns:p="http://schemas.openxmlformats.org/presentationml/2006/main">
   <p:cSld>
     <p:spTree>
@@ -27108,633 +27982,6 @@
     <p:extLst>
       <p:ext uri="{BB962C8B-B14F-4D97-AF65-F5344CB8AC3E}">
         <p14:creationId xmlns:p14="http://schemas.microsoft.com/office/powerpoint/2010/main" val="590180934"/>
-      </p:ext>
-    </p:extLst>
-  </p:cSld>
-  <p:clrMapOvr>
-    <a:masterClrMapping/>
-  </p:clrMapOvr>
-  <p:timing>
-    <p:tnLst>
-      <p:par>
-        <p:cTn id="1" dur="indefinite" restart="never" nodeType="tmRoot">
-          <p:childTnLst>
-            <p:seq concurrent="1" nextAc="seek">
-              <p:cTn id="2" dur="indefinite" nodeType="mainSeq">
-                <p:childTnLst>
-                  <p:par>
-                    <p:cTn id="3" fill="hold">
-                      <p:stCondLst>
-                        <p:cond delay="indefinite"/>
-                        <p:cond evt="onBegin" delay="0">
-                          <p:tn val="2"/>
-                        </p:cond>
-                      </p:stCondLst>
-                      <p:childTnLst>
-                        <p:par>
-                          <p:cTn id="4" fill="hold">
-                            <p:stCondLst>
-                              <p:cond delay="0"/>
-                            </p:stCondLst>
-                            <p:childTnLst>
-                              <p:par>
-                                <p:cTn id="5" presetID="10" presetClass="entr" presetSubtype="0" fill="hold" grpId="0" nodeType="afterEffect">
-                                  <p:stCondLst>
-                                    <p:cond delay="1000"/>
-                                  </p:stCondLst>
-                                  <p:childTnLst>
-                                    <p:set>
-                                      <p:cBhvr>
-                                        <p:cTn id="6" dur="1" fill="hold">
-                                          <p:stCondLst>
-                                            <p:cond delay="0"/>
-                                          </p:stCondLst>
-                                        </p:cTn>
-                                        <p:tgtEl>
-                                          <p:spTgt spid="7"/>
-                                        </p:tgtEl>
-                                        <p:attrNameLst>
-                                          <p:attrName>style.visibility</p:attrName>
-                                        </p:attrNameLst>
-                                      </p:cBhvr>
-                                      <p:to>
-                                        <p:strVal val="visible"/>
-                                      </p:to>
-                                    </p:set>
-                                    <p:animEffect transition="in" filter="fade">
-                                      <p:cBhvr>
-                                        <p:cTn id="7" dur="100"/>
-                                        <p:tgtEl>
-                                          <p:spTgt spid="7"/>
-                                        </p:tgtEl>
-                                      </p:cBhvr>
-                                    </p:animEffect>
-                                  </p:childTnLst>
-                                </p:cTn>
-                              </p:par>
-                            </p:childTnLst>
-                          </p:cTn>
-                        </p:par>
-                        <p:par>
-                          <p:cTn id="8" fill="hold">
-                            <p:stCondLst>
-                              <p:cond delay="1100"/>
-                            </p:stCondLst>
-                            <p:childTnLst>
-                              <p:par>
-                                <p:cTn id="9" presetID="1" presetClass="entr" presetSubtype="0" fill="hold" grpId="2" nodeType="afterEffect">
-                                  <p:stCondLst>
-                                    <p:cond delay="0"/>
-                                  </p:stCondLst>
-                                  <p:childTnLst>
-                                    <p:set>
-                                      <p:cBhvr>
-                                        <p:cTn id="10" dur="1" fill="hold">
-                                          <p:stCondLst>
-                                            <p:cond delay="0"/>
-                                          </p:stCondLst>
-                                        </p:cTn>
-                                        <p:tgtEl>
-                                          <p:spTgt spid="5"/>
-                                        </p:tgtEl>
-                                        <p:attrNameLst>
-                                          <p:attrName>style.visibility</p:attrName>
-                                        </p:attrNameLst>
-                                      </p:cBhvr>
-                                      <p:to>
-                                        <p:strVal val="visible"/>
-                                      </p:to>
-                                    </p:set>
-                                  </p:childTnLst>
-                                </p:cTn>
-                              </p:par>
-                            </p:childTnLst>
-                          </p:cTn>
-                        </p:par>
-                        <p:par>
-                          <p:cTn id="11" fill="hold">
-                            <p:stCondLst>
-                              <p:cond delay="1100"/>
-                            </p:stCondLst>
-                            <p:childTnLst>
-                              <p:par>
-                                <p:cTn id="12" presetID="0" presetClass="path" presetSubtype="0" accel="50000" decel="50000" fill="hold" grpId="0" nodeType="afterEffect">
-                                  <p:stCondLst>
-                                    <p:cond delay="0"/>
-                                  </p:stCondLst>
-                                  <p:childTnLst>
-                                    <p:animMotion origin="layout" path="M 0.04236 -1.11111E-6 L 2.77778E-7 -1.11111E-6 " pathEditMode="relative" rAng="0" ptsTypes="AA">
-                                      <p:cBhvr>
-                                        <p:cTn id="13" dur="300" fill="hold"/>
-                                        <p:tgtEl>
-                                          <p:spTgt spid="5"/>
-                                        </p:tgtEl>
-                                        <p:attrNameLst>
-                                          <p:attrName>ppt_x</p:attrName>
-                                          <p:attrName>ppt_y</p:attrName>
-                                        </p:attrNameLst>
-                                      </p:cBhvr>
-                                      <p:rCtr x="-2118" y="0"/>
-                                    </p:animMotion>
-                                  </p:childTnLst>
-                                </p:cTn>
-                              </p:par>
-                              <p:par>
-                                <p:cTn id="14" presetID="10" presetClass="entr" presetSubtype="0" fill="hold" grpId="1" nodeType="withEffect">
-                                  <p:stCondLst>
-                                    <p:cond delay="0"/>
-                                  </p:stCondLst>
-                                  <p:childTnLst>
-                                    <p:set>
-                                      <p:cBhvr>
-                                        <p:cTn id="15" dur="1" fill="hold">
-                                          <p:stCondLst>
-                                            <p:cond delay="0"/>
-                                          </p:stCondLst>
-                                        </p:cTn>
-                                        <p:tgtEl>
-                                          <p:spTgt spid="5"/>
-                                        </p:tgtEl>
-                                        <p:attrNameLst>
-                                          <p:attrName>style.visibility</p:attrName>
-                                        </p:attrNameLst>
-                                      </p:cBhvr>
-                                      <p:to>
-                                        <p:strVal val="visible"/>
-                                      </p:to>
-                                    </p:set>
-                                    <p:animEffect transition="in" filter="fade">
-                                      <p:cBhvr>
-                                        <p:cTn id="16" dur="500"/>
-                                        <p:tgtEl>
-                                          <p:spTgt spid="5"/>
-                                        </p:tgtEl>
-                                      </p:cBhvr>
-                                    </p:animEffect>
-                                  </p:childTnLst>
-                                </p:cTn>
-                              </p:par>
-                            </p:childTnLst>
-                          </p:cTn>
-                        </p:par>
-                        <p:par>
-                          <p:cTn id="17" fill="hold">
-                            <p:stCondLst>
-                              <p:cond delay="1600"/>
-                            </p:stCondLst>
-                            <p:childTnLst>
-                              <p:par>
-                                <p:cTn id="18" presetID="10" presetClass="entr" presetSubtype="0" fill="hold" grpId="0" nodeType="afterEffect">
-                                  <p:stCondLst>
-                                    <p:cond delay="0"/>
-                                  </p:stCondLst>
-                                  <p:childTnLst>
-                                    <p:set>
-                                      <p:cBhvr>
-                                        <p:cTn id="19" dur="1" fill="hold">
-                                          <p:stCondLst>
-                                            <p:cond delay="0"/>
-                                          </p:stCondLst>
-                                        </p:cTn>
-                                        <p:tgtEl>
-                                          <p:spTgt spid="8"/>
-                                        </p:tgtEl>
-                                        <p:attrNameLst>
-                                          <p:attrName>style.visibility</p:attrName>
-                                        </p:attrNameLst>
-                                      </p:cBhvr>
-                                      <p:to>
-                                        <p:strVal val="visible"/>
-                                      </p:to>
-                                    </p:set>
-                                    <p:animEffect transition="in" filter="fade">
-                                      <p:cBhvr>
-                                        <p:cTn id="20" dur="300"/>
-                                        <p:tgtEl>
-                                          <p:spTgt spid="8"/>
-                                        </p:tgtEl>
-                                      </p:cBhvr>
-                                    </p:animEffect>
-                                  </p:childTnLst>
-                                </p:cTn>
-                              </p:par>
-                              <p:par>
-                                <p:cTn id="21" presetID="0" presetClass="path" presetSubtype="0" accel="50000" decel="50000" fill="hold" grpId="1" nodeType="withEffect">
-                                  <p:stCondLst>
-                                    <p:cond delay="0"/>
-                                  </p:stCondLst>
-                                  <p:childTnLst>
-                                    <p:animMotion origin="layout" path="M -3.05556E-6 0.0169 L -3.05556E-6 1.85185E-6 " pathEditMode="relative" rAng="0" ptsTypes="AA">
-                                      <p:cBhvr>
-                                        <p:cTn id="22" dur="200" fill="hold"/>
-                                        <p:tgtEl>
-                                          <p:spTgt spid="8"/>
-                                        </p:tgtEl>
-                                        <p:attrNameLst>
-                                          <p:attrName>ppt_x</p:attrName>
-                                          <p:attrName>ppt_y</p:attrName>
-                                        </p:attrNameLst>
-                                      </p:cBhvr>
-                                      <p:rCtr x="0" y="-856"/>
-                                    </p:animMotion>
-                                  </p:childTnLst>
-                                </p:cTn>
-                              </p:par>
-                            </p:childTnLst>
-                          </p:cTn>
-                        </p:par>
-                        <p:par>
-                          <p:cTn id="23" fill="hold">
-                            <p:stCondLst>
-                              <p:cond delay="1900"/>
-                            </p:stCondLst>
-                            <p:childTnLst>
-                              <p:par>
-                                <p:cTn id="24" presetID="10" presetClass="entr" presetSubtype="0" fill="hold" grpId="0" nodeType="afterEffect">
-                                  <p:stCondLst>
-                                    <p:cond delay="0"/>
-                                  </p:stCondLst>
-                                  <p:childTnLst>
-                                    <p:set>
-                                      <p:cBhvr>
-                                        <p:cTn id="25" dur="1" fill="hold">
-                                          <p:stCondLst>
-                                            <p:cond delay="0"/>
-                                          </p:stCondLst>
-                                        </p:cTn>
-                                        <p:tgtEl>
-                                          <p:spTgt spid="11"/>
-                                        </p:tgtEl>
-                                        <p:attrNameLst>
-                                          <p:attrName>style.visibility</p:attrName>
-                                        </p:attrNameLst>
-                                      </p:cBhvr>
-                                      <p:to>
-                                        <p:strVal val="visible"/>
-                                      </p:to>
-                                    </p:set>
-                                    <p:animEffect transition="in" filter="fade">
-                                      <p:cBhvr>
-                                        <p:cTn id="26" dur="200"/>
-                                        <p:tgtEl>
-                                          <p:spTgt spid="11"/>
-                                        </p:tgtEl>
-                                      </p:cBhvr>
-                                    </p:animEffect>
-                                  </p:childTnLst>
-                                </p:cTn>
-                              </p:par>
-                            </p:childTnLst>
-                          </p:cTn>
-                        </p:par>
-                        <p:par>
-                          <p:cTn id="27" fill="hold">
-                            <p:stCondLst>
-                              <p:cond delay="2100"/>
-                            </p:stCondLst>
-                            <p:childTnLst>
-                              <p:par>
-                                <p:cTn id="28" presetID="10" presetClass="entr" presetSubtype="0" fill="hold" grpId="0" nodeType="afterEffect">
-                                  <p:stCondLst>
-                                    <p:cond delay="0"/>
-                                  </p:stCondLst>
-                                  <p:childTnLst>
-                                    <p:set>
-                                      <p:cBhvr>
-                                        <p:cTn id="29" dur="1" fill="hold">
-                                          <p:stCondLst>
-                                            <p:cond delay="0"/>
-                                          </p:stCondLst>
-                                        </p:cTn>
-                                        <p:tgtEl>
-                                          <p:spTgt spid="10"/>
-                                        </p:tgtEl>
-                                        <p:attrNameLst>
-                                          <p:attrName>style.visibility</p:attrName>
-                                        </p:attrNameLst>
-                                      </p:cBhvr>
-                                      <p:to>
-                                        <p:strVal val="visible"/>
-                                      </p:to>
-                                    </p:set>
-                                    <p:animEffect transition="in" filter="fade">
-                                      <p:cBhvr>
-                                        <p:cTn id="30" dur="200"/>
-                                        <p:tgtEl>
-                                          <p:spTgt spid="10"/>
-                                        </p:tgtEl>
-                                      </p:cBhvr>
-                                    </p:animEffect>
-                                  </p:childTnLst>
-                                </p:cTn>
-                              </p:par>
-                            </p:childTnLst>
-                          </p:cTn>
-                        </p:par>
-                      </p:childTnLst>
-                    </p:cTn>
-                  </p:par>
-                </p:childTnLst>
-              </p:cTn>
-              <p:prevCondLst>
-                <p:cond evt="onPrev" delay="0">
-                  <p:tgtEl>
-                    <p:sldTgt/>
-                  </p:tgtEl>
-                </p:cond>
-              </p:prevCondLst>
-              <p:nextCondLst>
-                <p:cond evt="onNext" delay="0">
-                  <p:tgtEl>
-                    <p:sldTgt/>
-                  </p:tgtEl>
-                </p:cond>
-              </p:nextCondLst>
-            </p:seq>
-          </p:childTnLst>
-        </p:cTn>
-      </p:par>
-    </p:tnLst>
-    <p:bldLst>
-      <p:bldP spid="5" grpId="0" animBg="1"/>
-      <p:bldP spid="5" grpId="1" animBg="1"/>
-      <p:bldP spid="5" grpId="2" animBg="1"/>
-      <p:bldP spid="7" grpId="0" animBg="1"/>
-      <p:bldP spid="8" grpId="0"/>
-      <p:bldP spid="8" grpId="1"/>
-      <p:bldP spid="10" grpId="0" animBg="1"/>
-      <p:bldP spid="11" grpId="0" animBg="1"/>
-    </p:bldLst>
-  </p:timing>
-</p:sld>
-</file>
-
-<file path=ppt/slides/slide36.xml><?xml version="1.0" encoding="utf-8"?>
-<p:sld xmlns:a="http://schemas.openxmlformats.org/drawingml/2006/main" xmlns:r="http://schemas.openxmlformats.org/officeDocument/2006/relationships" xmlns:p="http://schemas.openxmlformats.org/presentationml/2006/main">
-  <p:cSld>
-    <p:spTree>
-      <p:nvGrpSpPr>
-        <p:cNvPr id="1" name=""/>
-        <p:cNvGrpSpPr/>
-        <p:nvPr/>
-      </p:nvGrpSpPr>
-      <p:grpSpPr>
-        <a:xfrm>
-          <a:off x="0" y="0"/>
-          <a:ext cx="0" cy="0"/>
-          <a:chOff x="0" y="0"/>
-          <a:chExt cx="0" cy="0"/>
-        </a:xfrm>
-      </p:grpSpPr>
-      <p:pic>
-        <p:nvPicPr>
-          <p:cNvPr id="3" name="Picture 2"/>
-          <p:cNvPicPr>
-            <a:picLocks noChangeAspect="1"/>
-          </p:cNvPicPr>
-          <p:nvPr/>
-        </p:nvPicPr>
-        <p:blipFill>
-          <a:blip r:embed="rId2">
-            <a:extLst>
-              <a:ext uri="{28A0092B-C50C-407E-A947-70E740481C1C}">
-                <a14:useLocalDpi xmlns:a14="http://schemas.microsoft.com/office/drawing/2010/main" val="0"/>
-              </a:ext>
-            </a:extLst>
-          </a:blip>
-          <a:srcRect/>
-          <a:stretch/>
-        </p:blipFill>
-        <p:spPr>
-          <a:xfrm>
-            <a:off x="1903562" y="0"/>
-            <a:ext cx="5336875" cy="6889384"/>
-          </a:xfrm>
-          <a:prstGeom prst="rect">
-            <a:avLst/>
-          </a:prstGeom>
-        </p:spPr>
-      </p:pic>
-      <p:sp>
-        <p:nvSpPr>
-          <p:cNvPr id="5" name="Rectangle 4"/>
-          <p:cNvSpPr/>
-          <p:nvPr/>
-        </p:nvSpPr>
-        <p:spPr>
-          <a:xfrm>
-            <a:off x="3630913" y="5433289"/>
-            <a:ext cx="3609524" cy="513696"/>
-          </a:xfrm>
-          <a:prstGeom prst="rect">
-            <a:avLst/>
-          </a:prstGeom>
-          <a:solidFill>
-            <a:schemeClr val="bg1"/>
-          </a:solidFill>
-          <a:ln>
-            <a:noFill/>
-          </a:ln>
-          <a:effectLst/>
-        </p:spPr>
-        <p:style>
-          <a:lnRef idx="1">
-            <a:schemeClr val="accent1"/>
-          </a:lnRef>
-          <a:fillRef idx="3">
-            <a:schemeClr val="accent1"/>
-          </a:fillRef>
-          <a:effectRef idx="2">
-            <a:schemeClr val="accent1"/>
-          </a:effectRef>
-          <a:fontRef idx="minor">
-            <a:schemeClr val="lt1"/>
-          </a:fontRef>
-        </p:style>
-        <p:txBody>
-          <a:bodyPr rtlCol="0" anchor="ctr"/>
-          <a:lstStyle/>
-          <a:p>
-            <a:endParaRPr lang="en-US" dirty="0"/>
-          </a:p>
-        </p:txBody>
-      </p:sp>
-      <p:sp>
-        <p:nvSpPr>
-          <p:cNvPr id="7" name="Rectangle 6"/>
-          <p:cNvSpPr/>
-          <p:nvPr/>
-        </p:nvSpPr>
-        <p:spPr>
-          <a:xfrm>
-            <a:off x="3585194" y="5433289"/>
-            <a:ext cx="45719" cy="523220"/>
-          </a:xfrm>
-          <a:prstGeom prst="rect">
-            <a:avLst/>
-          </a:prstGeom>
-          <a:solidFill>
-            <a:srgbClr val="009EC0"/>
-          </a:solidFill>
-          <a:ln>
-            <a:noFill/>
-          </a:ln>
-          <a:effectLst/>
-        </p:spPr>
-        <p:style>
-          <a:lnRef idx="1">
-            <a:schemeClr val="accent1"/>
-          </a:lnRef>
-          <a:fillRef idx="3">
-            <a:schemeClr val="accent1"/>
-          </a:fillRef>
-          <a:effectRef idx="2">
-            <a:schemeClr val="accent1"/>
-          </a:effectRef>
-          <a:fontRef idx="minor">
-            <a:schemeClr val="lt1"/>
-          </a:fontRef>
-        </p:style>
-        <p:txBody>
-          <a:bodyPr rtlCol="0" anchor="ctr"/>
-          <a:lstStyle/>
-          <a:p>
-            <a:pPr algn="ctr"/>
-            <a:endParaRPr lang="en-US"/>
-          </a:p>
-        </p:txBody>
-      </p:sp>
-      <p:sp>
-        <p:nvSpPr>
-          <p:cNvPr id="8" name="TextBox 7"/>
-          <p:cNvSpPr txBox="1"/>
-          <p:nvPr/>
-        </p:nvSpPr>
-        <p:spPr>
-          <a:xfrm>
-            <a:off x="3680427" y="5420380"/>
-            <a:ext cx="3747185" cy="523220"/>
-          </a:xfrm>
-          <a:prstGeom prst="rect">
-            <a:avLst/>
-          </a:prstGeom>
-          <a:noFill/>
-        </p:spPr>
-        <p:txBody>
-          <a:bodyPr wrap="square" rtlCol="0">
-            <a:spAutoFit/>
-          </a:bodyPr>
-          <a:lstStyle/>
-          <a:p>
-            <a:r>
-              <a:rPr lang="en-US" sz="2800" dirty="0">
-                <a:latin typeface="Avenir Book"/>
-                <a:cs typeface="Avenir Book"/>
-              </a:rPr>
-              <a:t>The Church at Auvers</a:t>
-            </a:r>
-          </a:p>
-        </p:txBody>
-      </p:sp>
-      <p:sp>
-        <p:nvSpPr>
-          <p:cNvPr id="10" name="Rectangle 9"/>
-          <p:cNvSpPr/>
-          <p:nvPr/>
-        </p:nvSpPr>
-        <p:spPr>
-          <a:xfrm>
-            <a:off x="3581400" y="5946984"/>
-            <a:ext cx="3659037" cy="143512"/>
-          </a:xfrm>
-          <a:prstGeom prst="rect">
-            <a:avLst/>
-          </a:prstGeom>
-          <a:solidFill>
-            <a:schemeClr val="bg1"/>
-          </a:solidFill>
-          <a:ln>
-            <a:noFill/>
-          </a:ln>
-        </p:spPr>
-        <p:style>
-          <a:lnRef idx="1">
-            <a:schemeClr val="accent1"/>
-          </a:lnRef>
-          <a:fillRef idx="3">
-            <a:schemeClr val="accent1"/>
-          </a:fillRef>
-          <a:effectRef idx="2">
-            <a:schemeClr val="accent1"/>
-          </a:effectRef>
-          <a:fontRef idx="minor">
-            <a:schemeClr val="lt1"/>
-          </a:fontRef>
-        </p:style>
-        <p:txBody>
-          <a:bodyPr lIns="164592" rtlCol="0" anchor="ctr"/>
-          <a:lstStyle/>
-          <a:p>
-            <a:r>
-              <a:rPr lang="en-US" sz="800" dirty="0">
-                <a:solidFill>
-                  <a:schemeClr val="tx1"/>
-                </a:solidFill>
-              </a:rPr>
-              <a:t>Vincent van Gogh (June 1890)</a:t>
-            </a:r>
-          </a:p>
-        </p:txBody>
-      </p:sp>
-      <p:sp>
-        <p:nvSpPr>
-          <p:cNvPr id="11" name="Rectangle 10"/>
-          <p:cNvSpPr/>
-          <p:nvPr/>
-        </p:nvSpPr>
-        <p:spPr>
-          <a:xfrm>
-            <a:off x="3581400" y="5942963"/>
-            <a:ext cx="49513" cy="147533"/>
-          </a:xfrm>
-          <a:prstGeom prst="rect">
-            <a:avLst/>
-          </a:prstGeom>
-          <a:solidFill>
-            <a:srgbClr val="009EC0"/>
-          </a:solidFill>
-          <a:ln>
-            <a:noFill/>
-          </a:ln>
-          <a:effectLst/>
-        </p:spPr>
-        <p:style>
-          <a:lnRef idx="1">
-            <a:schemeClr val="accent1"/>
-          </a:lnRef>
-          <a:fillRef idx="3">
-            <a:schemeClr val="accent1"/>
-          </a:fillRef>
-          <a:effectRef idx="2">
-            <a:schemeClr val="accent1"/>
-          </a:effectRef>
-          <a:fontRef idx="minor">
-            <a:schemeClr val="lt1"/>
-          </a:fontRef>
-        </p:style>
-        <p:txBody>
-          <a:bodyPr rtlCol="0" anchor="ctr"/>
-          <a:lstStyle/>
-          <a:p>
-            <a:pPr algn="ctr"/>
-            <a:endParaRPr lang="en-US"/>
-          </a:p>
-        </p:txBody>
-      </p:sp>
-    </p:spTree>
-    <p:extLst>
-      <p:ext uri="{BB962C8B-B14F-4D97-AF65-F5344CB8AC3E}">
-        <p14:creationId xmlns:p14="http://schemas.microsoft.com/office/powerpoint/2010/main" val="3831921398"/>
       </p:ext>
     </p:extLst>
   </p:cSld>
@@ -28150,6 +28397,633 @@
         </p:nvSpPr>
         <p:spPr>
           <a:xfrm>
+            <a:off x="3630913" y="5433289"/>
+            <a:ext cx="3609524" cy="513696"/>
+          </a:xfrm>
+          <a:prstGeom prst="rect">
+            <a:avLst/>
+          </a:prstGeom>
+          <a:solidFill>
+            <a:schemeClr val="bg1"/>
+          </a:solidFill>
+          <a:ln>
+            <a:noFill/>
+          </a:ln>
+          <a:effectLst/>
+        </p:spPr>
+        <p:style>
+          <a:lnRef idx="1">
+            <a:schemeClr val="accent1"/>
+          </a:lnRef>
+          <a:fillRef idx="3">
+            <a:schemeClr val="accent1"/>
+          </a:fillRef>
+          <a:effectRef idx="2">
+            <a:schemeClr val="accent1"/>
+          </a:effectRef>
+          <a:fontRef idx="minor">
+            <a:schemeClr val="lt1"/>
+          </a:fontRef>
+        </p:style>
+        <p:txBody>
+          <a:bodyPr rtlCol="0" anchor="ctr"/>
+          <a:lstStyle/>
+          <a:p>
+            <a:endParaRPr lang="en-US" dirty="0"/>
+          </a:p>
+        </p:txBody>
+      </p:sp>
+      <p:sp>
+        <p:nvSpPr>
+          <p:cNvPr id="7" name="Rectangle 6"/>
+          <p:cNvSpPr/>
+          <p:nvPr/>
+        </p:nvSpPr>
+        <p:spPr>
+          <a:xfrm>
+            <a:off x="3585194" y="5433289"/>
+            <a:ext cx="45719" cy="523220"/>
+          </a:xfrm>
+          <a:prstGeom prst="rect">
+            <a:avLst/>
+          </a:prstGeom>
+          <a:solidFill>
+            <a:srgbClr val="009EC0"/>
+          </a:solidFill>
+          <a:ln>
+            <a:noFill/>
+          </a:ln>
+          <a:effectLst/>
+        </p:spPr>
+        <p:style>
+          <a:lnRef idx="1">
+            <a:schemeClr val="accent1"/>
+          </a:lnRef>
+          <a:fillRef idx="3">
+            <a:schemeClr val="accent1"/>
+          </a:fillRef>
+          <a:effectRef idx="2">
+            <a:schemeClr val="accent1"/>
+          </a:effectRef>
+          <a:fontRef idx="minor">
+            <a:schemeClr val="lt1"/>
+          </a:fontRef>
+        </p:style>
+        <p:txBody>
+          <a:bodyPr rtlCol="0" anchor="ctr"/>
+          <a:lstStyle/>
+          <a:p>
+            <a:pPr algn="ctr"/>
+            <a:endParaRPr lang="en-US"/>
+          </a:p>
+        </p:txBody>
+      </p:sp>
+      <p:sp>
+        <p:nvSpPr>
+          <p:cNvPr id="8" name="TextBox 7"/>
+          <p:cNvSpPr txBox="1"/>
+          <p:nvPr/>
+        </p:nvSpPr>
+        <p:spPr>
+          <a:xfrm>
+            <a:off x="3680427" y="5420380"/>
+            <a:ext cx="3747185" cy="523220"/>
+          </a:xfrm>
+          <a:prstGeom prst="rect">
+            <a:avLst/>
+          </a:prstGeom>
+          <a:noFill/>
+        </p:spPr>
+        <p:txBody>
+          <a:bodyPr wrap="square" rtlCol="0">
+            <a:spAutoFit/>
+          </a:bodyPr>
+          <a:lstStyle/>
+          <a:p>
+            <a:r>
+              <a:rPr lang="en-US" sz="2800" dirty="0">
+                <a:latin typeface="Avenir Book"/>
+                <a:cs typeface="Avenir Book"/>
+              </a:rPr>
+              <a:t>The Church at Auvers</a:t>
+            </a:r>
+          </a:p>
+        </p:txBody>
+      </p:sp>
+      <p:sp>
+        <p:nvSpPr>
+          <p:cNvPr id="10" name="Rectangle 9"/>
+          <p:cNvSpPr/>
+          <p:nvPr/>
+        </p:nvSpPr>
+        <p:spPr>
+          <a:xfrm>
+            <a:off x="3581400" y="5946984"/>
+            <a:ext cx="3659037" cy="143512"/>
+          </a:xfrm>
+          <a:prstGeom prst="rect">
+            <a:avLst/>
+          </a:prstGeom>
+          <a:solidFill>
+            <a:schemeClr val="bg1"/>
+          </a:solidFill>
+          <a:ln>
+            <a:noFill/>
+          </a:ln>
+        </p:spPr>
+        <p:style>
+          <a:lnRef idx="1">
+            <a:schemeClr val="accent1"/>
+          </a:lnRef>
+          <a:fillRef idx="3">
+            <a:schemeClr val="accent1"/>
+          </a:fillRef>
+          <a:effectRef idx="2">
+            <a:schemeClr val="accent1"/>
+          </a:effectRef>
+          <a:fontRef idx="minor">
+            <a:schemeClr val="lt1"/>
+          </a:fontRef>
+        </p:style>
+        <p:txBody>
+          <a:bodyPr lIns="164592" rtlCol="0" anchor="ctr"/>
+          <a:lstStyle/>
+          <a:p>
+            <a:r>
+              <a:rPr lang="en-US" sz="800" dirty="0">
+                <a:solidFill>
+                  <a:schemeClr val="tx1"/>
+                </a:solidFill>
+              </a:rPr>
+              <a:t>Vincent van Gogh (June 1890)</a:t>
+            </a:r>
+          </a:p>
+        </p:txBody>
+      </p:sp>
+      <p:sp>
+        <p:nvSpPr>
+          <p:cNvPr id="11" name="Rectangle 10"/>
+          <p:cNvSpPr/>
+          <p:nvPr/>
+        </p:nvSpPr>
+        <p:spPr>
+          <a:xfrm>
+            <a:off x="3581400" y="5942963"/>
+            <a:ext cx="49513" cy="147533"/>
+          </a:xfrm>
+          <a:prstGeom prst="rect">
+            <a:avLst/>
+          </a:prstGeom>
+          <a:solidFill>
+            <a:srgbClr val="009EC0"/>
+          </a:solidFill>
+          <a:ln>
+            <a:noFill/>
+          </a:ln>
+          <a:effectLst/>
+        </p:spPr>
+        <p:style>
+          <a:lnRef idx="1">
+            <a:schemeClr val="accent1"/>
+          </a:lnRef>
+          <a:fillRef idx="3">
+            <a:schemeClr val="accent1"/>
+          </a:fillRef>
+          <a:effectRef idx="2">
+            <a:schemeClr val="accent1"/>
+          </a:effectRef>
+          <a:fontRef idx="minor">
+            <a:schemeClr val="lt1"/>
+          </a:fontRef>
+        </p:style>
+        <p:txBody>
+          <a:bodyPr rtlCol="0" anchor="ctr"/>
+          <a:lstStyle/>
+          <a:p>
+            <a:pPr algn="ctr"/>
+            <a:endParaRPr lang="en-US"/>
+          </a:p>
+        </p:txBody>
+      </p:sp>
+    </p:spTree>
+    <p:extLst>
+      <p:ext uri="{BB962C8B-B14F-4D97-AF65-F5344CB8AC3E}">
+        <p14:creationId xmlns:p14="http://schemas.microsoft.com/office/powerpoint/2010/main" val="3831921398"/>
+      </p:ext>
+    </p:extLst>
+  </p:cSld>
+  <p:clrMapOvr>
+    <a:masterClrMapping/>
+  </p:clrMapOvr>
+  <p:timing>
+    <p:tnLst>
+      <p:par>
+        <p:cTn id="1" dur="indefinite" restart="never" nodeType="tmRoot">
+          <p:childTnLst>
+            <p:seq concurrent="1" nextAc="seek">
+              <p:cTn id="2" dur="indefinite" nodeType="mainSeq">
+                <p:childTnLst>
+                  <p:par>
+                    <p:cTn id="3" fill="hold">
+                      <p:stCondLst>
+                        <p:cond delay="indefinite"/>
+                        <p:cond evt="onBegin" delay="0">
+                          <p:tn val="2"/>
+                        </p:cond>
+                      </p:stCondLst>
+                      <p:childTnLst>
+                        <p:par>
+                          <p:cTn id="4" fill="hold">
+                            <p:stCondLst>
+                              <p:cond delay="0"/>
+                            </p:stCondLst>
+                            <p:childTnLst>
+                              <p:par>
+                                <p:cTn id="5" presetID="10" presetClass="entr" presetSubtype="0" fill="hold" grpId="0" nodeType="afterEffect">
+                                  <p:stCondLst>
+                                    <p:cond delay="1000"/>
+                                  </p:stCondLst>
+                                  <p:childTnLst>
+                                    <p:set>
+                                      <p:cBhvr>
+                                        <p:cTn id="6" dur="1" fill="hold">
+                                          <p:stCondLst>
+                                            <p:cond delay="0"/>
+                                          </p:stCondLst>
+                                        </p:cTn>
+                                        <p:tgtEl>
+                                          <p:spTgt spid="7"/>
+                                        </p:tgtEl>
+                                        <p:attrNameLst>
+                                          <p:attrName>style.visibility</p:attrName>
+                                        </p:attrNameLst>
+                                      </p:cBhvr>
+                                      <p:to>
+                                        <p:strVal val="visible"/>
+                                      </p:to>
+                                    </p:set>
+                                    <p:animEffect transition="in" filter="fade">
+                                      <p:cBhvr>
+                                        <p:cTn id="7" dur="100"/>
+                                        <p:tgtEl>
+                                          <p:spTgt spid="7"/>
+                                        </p:tgtEl>
+                                      </p:cBhvr>
+                                    </p:animEffect>
+                                  </p:childTnLst>
+                                </p:cTn>
+                              </p:par>
+                            </p:childTnLst>
+                          </p:cTn>
+                        </p:par>
+                        <p:par>
+                          <p:cTn id="8" fill="hold">
+                            <p:stCondLst>
+                              <p:cond delay="1100"/>
+                            </p:stCondLst>
+                            <p:childTnLst>
+                              <p:par>
+                                <p:cTn id="9" presetID="1" presetClass="entr" presetSubtype="0" fill="hold" grpId="2" nodeType="afterEffect">
+                                  <p:stCondLst>
+                                    <p:cond delay="0"/>
+                                  </p:stCondLst>
+                                  <p:childTnLst>
+                                    <p:set>
+                                      <p:cBhvr>
+                                        <p:cTn id="10" dur="1" fill="hold">
+                                          <p:stCondLst>
+                                            <p:cond delay="0"/>
+                                          </p:stCondLst>
+                                        </p:cTn>
+                                        <p:tgtEl>
+                                          <p:spTgt spid="5"/>
+                                        </p:tgtEl>
+                                        <p:attrNameLst>
+                                          <p:attrName>style.visibility</p:attrName>
+                                        </p:attrNameLst>
+                                      </p:cBhvr>
+                                      <p:to>
+                                        <p:strVal val="visible"/>
+                                      </p:to>
+                                    </p:set>
+                                  </p:childTnLst>
+                                </p:cTn>
+                              </p:par>
+                            </p:childTnLst>
+                          </p:cTn>
+                        </p:par>
+                        <p:par>
+                          <p:cTn id="11" fill="hold">
+                            <p:stCondLst>
+                              <p:cond delay="1100"/>
+                            </p:stCondLst>
+                            <p:childTnLst>
+                              <p:par>
+                                <p:cTn id="12" presetID="0" presetClass="path" presetSubtype="0" accel="50000" decel="50000" fill="hold" grpId="0" nodeType="afterEffect">
+                                  <p:stCondLst>
+                                    <p:cond delay="0"/>
+                                  </p:stCondLst>
+                                  <p:childTnLst>
+                                    <p:animMotion origin="layout" path="M 0.04236 -1.11111E-6 L 2.77778E-7 -1.11111E-6 " pathEditMode="relative" rAng="0" ptsTypes="AA">
+                                      <p:cBhvr>
+                                        <p:cTn id="13" dur="300" fill="hold"/>
+                                        <p:tgtEl>
+                                          <p:spTgt spid="5"/>
+                                        </p:tgtEl>
+                                        <p:attrNameLst>
+                                          <p:attrName>ppt_x</p:attrName>
+                                          <p:attrName>ppt_y</p:attrName>
+                                        </p:attrNameLst>
+                                      </p:cBhvr>
+                                      <p:rCtr x="-2118" y="0"/>
+                                    </p:animMotion>
+                                  </p:childTnLst>
+                                </p:cTn>
+                              </p:par>
+                              <p:par>
+                                <p:cTn id="14" presetID="10" presetClass="entr" presetSubtype="0" fill="hold" grpId="1" nodeType="withEffect">
+                                  <p:stCondLst>
+                                    <p:cond delay="0"/>
+                                  </p:stCondLst>
+                                  <p:childTnLst>
+                                    <p:set>
+                                      <p:cBhvr>
+                                        <p:cTn id="15" dur="1" fill="hold">
+                                          <p:stCondLst>
+                                            <p:cond delay="0"/>
+                                          </p:stCondLst>
+                                        </p:cTn>
+                                        <p:tgtEl>
+                                          <p:spTgt spid="5"/>
+                                        </p:tgtEl>
+                                        <p:attrNameLst>
+                                          <p:attrName>style.visibility</p:attrName>
+                                        </p:attrNameLst>
+                                      </p:cBhvr>
+                                      <p:to>
+                                        <p:strVal val="visible"/>
+                                      </p:to>
+                                    </p:set>
+                                    <p:animEffect transition="in" filter="fade">
+                                      <p:cBhvr>
+                                        <p:cTn id="16" dur="500"/>
+                                        <p:tgtEl>
+                                          <p:spTgt spid="5"/>
+                                        </p:tgtEl>
+                                      </p:cBhvr>
+                                    </p:animEffect>
+                                  </p:childTnLst>
+                                </p:cTn>
+                              </p:par>
+                            </p:childTnLst>
+                          </p:cTn>
+                        </p:par>
+                        <p:par>
+                          <p:cTn id="17" fill="hold">
+                            <p:stCondLst>
+                              <p:cond delay="1600"/>
+                            </p:stCondLst>
+                            <p:childTnLst>
+                              <p:par>
+                                <p:cTn id="18" presetID="10" presetClass="entr" presetSubtype="0" fill="hold" grpId="0" nodeType="afterEffect">
+                                  <p:stCondLst>
+                                    <p:cond delay="0"/>
+                                  </p:stCondLst>
+                                  <p:childTnLst>
+                                    <p:set>
+                                      <p:cBhvr>
+                                        <p:cTn id="19" dur="1" fill="hold">
+                                          <p:stCondLst>
+                                            <p:cond delay="0"/>
+                                          </p:stCondLst>
+                                        </p:cTn>
+                                        <p:tgtEl>
+                                          <p:spTgt spid="8"/>
+                                        </p:tgtEl>
+                                        <p:attrNameLst>
+                                          <p:attrName>style.visibility</p:attrName>
+                                        </p:attrNameLst>
+                                      </p:cBhvr>
+                                      <p:to>
+                                        <p:strVal val="visible"/>
+                                      </p:to>
+                                    </p:set>
+                                    <p:animEffect transition="in" filter="fade">
+                                      <p:cBhvr>
+                                        <p:cTn id="20" dur="300"/>
+                                        <p:tgtEl>
+                                          <p:spTgt spid="8"/>
+                                        </p:tgtEl>
+                                      </p:cBhvr>
+                                    </p:animEffect>
+                                  </p:childTnLst>
+                                </p:cTn>
+                              </p:par>
+                              <p:par>
+                                <p:cTn id="21" presetID="0" presetClass="path" presetSubtype="0" accel="50000" decel="50000" fill="hold" grpId="1" nodeType="withEffect">
+                                  <p:stCondLst>
+                                    <p:cond delay="0"/>
+                                  </p:stCondLst>
+                                  <p:childTnLst>
+                                    <p:animMotion origin="layout" path="M -3.05556E-6 0.0169 L -3.05556E-6 1.85185E-6 " pathEditMode="relative" rAng="0" ptsTypes="AA">
+                                      <p:cBhvr>
+                                        <p:cTn id="22" dur="200" fill="hold"/>
+                                        <p:tgtEl>
+                                          <p:spTgt spid="8"/>
+                                        </p:tgtEl>
+                                        <p:attrNameLst>
+                                          <p:attrName>ppt_x</p:attrName>
+                                          <p:attrName>ppt_y</p:attrName>
+                                        </p:attrNameLst>
+                                      </p:cBhvr>
+                                      <p:rCtr x="0" y="-856"/>
+                                    </p:animMotion>
+                                  </p:childTnLst>
+                                </p:cTn>
+                              </p:par>
+                            </p:childTnLst>
+                          </p:cTn>
+                        </p:par>
+                        <p:par>
+                          <p:cTn id="23" fill="hold">
+                            <p:stCondLst>
+                              <p:cond delay="1900"/>
+                            </p:stCondLst>
+                            <p:childTnLst>
+                              <p:par>
+                                <p:cTn id="24" presetID="10" presetClass="entr" presetSubtype="0" fill="hold" grpId="0" nodeType="afterEffect">
+                                  <p:stCondLst>
+                                    <p:cond delay="0"/>
+                                  </p:stCondLst>
+                                  <p:childTnLst>
+                                    <p:set>
+                                      <p:cBhvr>
+                                        <p:cTn id="25" dur="1" fill="hold">
+                                          <p:stCondLst>
+                                            <p:cond delay="0"/>
+                                          </p:stCondLst>
+                                        </p:cTn>
+                                        <p:tgtEl>
+                                          <p:spTgt spid="11"/>
+                                        </p:tgtEl>
+                                        <p:attrNameLst>
+                                          <p:attrName>style.visibility</p:attrName>
+                                        </p:attrNameLst>
+                                      </p:cBhvr>
+                                      <p:to>
+                                        <p:strVal val="visible"/>
+                                      </p:to>
+                                    </p:set>
+                                    <p:animEffect transition="in" filter="fade">
+                                      <p:cBhvr>
+                                        <p:cTn id="26" dur="200"/>
+                                        <p:tgtEl>
+                                          <p:spTgt spid="11"/>
+                                        </p:tgtEl>
+                                      </p:cBhvr>
+                                    </p:animEffect>
+                                  </p:childTnLst>
+                                </p:cTn>
+                              </p:par>
+                            </p:childTnLst>
+                          </p:cTn>
+                        </p:par>
+                        <p:par>
+                          <p:cTn id="27" fill="hold">
+                            <p:stCondLst>
+                              <p:cond delay="2100"/>
+                            </p:stCondLst>
+                            <p:childTnLst>
+                              <p:par>
+                                <p:cTn id="28" presetID="10" presetClass="entr" presetSubtype="0" fill="hold" grpId="0" nodeType="afterEffect">
+                                  <p:stCondLst>
+                                    <p:cond delay="0"/>
+                                  </p:stCondLst>
+                                  <p:childTnLst>
+                                    <p:set>
+                                      <p:cBhvr>
+                                        <p:cTn id="29" dur="1" fill="hold">
+                                          <p:stCondLst>
+                                            <p:cond delay="0"/>
+                                          </p:stCondLst>
+                                        </p:cTn>
+                                        <p:tgtEl>
+                                          <p:spTgt spid="10"/>
+                                        </p:tgtEl>
+                                        <p:attrNameLst>
+                                          <p:attrName>style.visibility</p:attrName>
+                                        </p:attrNameLst>
+                                      </p:cBhvr>
+                                      <p:to>
+                                        <p:strVal val="visible"/>
+                                      </p:to>
+                                    </p:set>
+                                    <p:animEffect transition="in" filter="fade">
+                                      <p:cBhvr>
+                                        <p:cTn id="30" dur="200"/>
+                                        <p:tgtEl>
+                                          <p:spTgt spid="10"/>
+                                        </p:tgtEl>
+                                      </p:cBhvr>
+                                    </p:animEffect>
+                                  </p:childTnLst>
+                                </p:cTn>
+                              </p:par>
+                            </p:childTnLst>
+                          </p:cTn>
+                        </p:par>
+                      </p:childTnLst>
+                    </p:cTn>
+                  </p:par>
+                </p:childTnLst>
+              </p:cTn>
+              <p:prevCondLst>
+                <p:cond evt="onPrev" delay="0">
+                  <p:tgtEl>
+                    <p:sldTgt/>
+                  </p:tgtEl>
+                </p:cond>
+              </p:prevCondLst>
+              <p:nextCondLst>
+                <p:cond evt="onNext" delay="0">
+                  <p:tgtEl>
+                    <p:sldTgt/>
+                  </p:tgtEl>
+                </p:cond>
+              </p:nextCondLst>
+            </p:seq>
+          </p:childTnLst>
+        </p:cTn>
+      </p:par>
+    </p:tnLst>
+    <p:bldLst>
+      <p:bldP spid="5" grpId="0" animBg="1"/>
+      <p:bldP spid="5" grpId="1" animBg="1"/>
+      <p:bldP spid="5" grpId="2" animBg="1"/>
+      <p:bldP spid="7" grpId="0" animBg="1"/>
+      <p:bldP spid="8" grpId="0"/>
+      <p:bldP spid="8" grpId="1"/>
+      <p:bldP spid="10" grpId="0" animBg="1"/>
+      <p:bldP spid="11" grpId="0" animBg="1"/>
+    </p:bldLst>
+  </p:timing>
+</p:sld>
+</file>
+
+<file path=ppt/slides/slide38.xml><?xml version="1.0" encoding="utf-8"?>
+<p:sld xmlns:a="http://schemas.openxmlformats.org/drawingml/2006/main" xmlns:r="http://schemas.openxmlformats.org/officeDocument/2006/relationships" xmlns:p="http://schemas.openxmlformats.org/presentationml/2006/main">
+  <p:cSld>
+    <p:spTree>
+      <p:nvGrpSpPr>
+        <p:cNvPr id="1" name=""/>
+        <p:cNvGrpSpPr/>
+        <p:nvPr/>
+      </p:nvGrpSpPr>
+      <p:grpSpPr>
+        <a:xfrm>
+          <a:off x="0" y="0"/>
+          <a:ext cx="0" cy="0"/>
+          <a:chOff x="0" y="0"/>
+          <a:chExt cx="0" cy="0"/>
+        </a:xfrm>
+      </p:grpSpPr>
+      <p:pic>
+        <p:nvPicPr>
+          <p:cNvPr id="3" name="Picture 2"/>
+          <p:cNvPicPr>
+            <a:picLocks noChangeAspect="1"/>
+          </p:cNvPicPr>
+          <p:nvPr/>
+        </p:nvPicPr>
+        <p:blipFill>
+          <a:blip r:embed="rId2">
+            <a:extLst>
+              <a:ext uri="{28A0092B-C50C-407E-A947-70E740481C1C}">
+                <a14:useLocalDpi xmlns:a14="http://schemas.microsoft.com/office/drawing/2010/main" val="0"/>
+              </a:ext>
+            </a:extLst>
+          </a:blip>
+          <a:srcRect/>
+          <a:stretch/>
+        </p:blipFill>
+        <p:spPr>
+          <a:xfrm>
+            <a:off x="1903562" y="0"/>
+            <a:ext cx="5336875" cy="6889384"/>
+          </a:xfrm>
+          <a:prstGeom prst="rect">
+            <a:avLst/>
+          </a:prstGeom>
+        </p:spPr>
+      </p:pic>
+      <p:sp>
+        <p:nvSpPr>
+          <p:cNvPr id="5" name="Rectangle 4"/>
+          <p:cNvSpPr/>
+          <p:nvPr/>
+        </p:nvSpPr>
+        <p:spPr>
+          <a:xfrm>
             <a:off x="4191000" y="5606668"/>
             <a:ext cx="2703212" cy="483827"/>
           </a:xfrm>
@@ -28550,7 +29424,7 @@
 </p:sld>
 </file>
 
-<file path=ppt/slides/slide38.xml><?xml version="1.0" encoding="utf-8"?>
+<file path=ppt/slides/slide39.xml><?xml version="1.0" encoding="utf-8"?>
 <p:sld xmlns:a="http://schemas.openxmlformats.org/drawingml/2006/main" xmlns:r="http://schemas.openxmlformats.org/officeDocument/2006/relationships" xmlns:p="http://schemas.openxmlformats.org/presentationml/2006/main">
   <p:cSld>
     <p:spTree>
@@ -29057,7 +29931,858 @@
 </p:sld>
 </file>
 
-<file path=ppt/slides/slide39.xml><?xml version="1.0" encoding="utf-8"?>
+<file path=ppt/slides/slide4.xml><?xml version="1.0" encoding="utf-8"?>
+<p:sld xmlns:a="http://schemas.openxmlformats.org/drawingml/2006/main" xmlns:r="http://schemas.openxmlformats.org/officeDocument/2006/relationships" xmlns:p="http://schemas.openxmlformats.org/presentationml/2006/main">
+  <p:cSld>
+    <p:spTree>
+      <p:nvGrpSpPr>
+        <p:cNvPr id="1" name=""/>
+        <p:cNvGrpSpPr/>
+        <p:nvPr/>
+      </p:nvGrpSpPr>
+      <p:grpSpPr>
+        <a:xfrm>
+          <a:off x="0" y="0"/>
+          <a:ext cx="0" cy="0"/>
+          <a:chOff x="0" y="0"/>
+          <a:chExt cx="0" cy="0"/>
+        </a:xfrm>
+      </p:grpSpPr>
+      <p:cxnSp>
+        <p:nvCxnSpPr>
+          <p:cNvPr id="5" name="Curved Connector 4">
+            <a:extLst>
+              <a:ext uri="{FF2B5EF4-FFF2-40B4-BE49-F238E27FC236}">
+                <a16:creationId xmlns:a16="http://schemas.microsoft.com/office/drawing/2014/main" id="{9B938FB6-1E76-1940-B2BE-9F802CF659B0}"/>
+              </a:ext>
+            </a:extLst>
+          </p:cNvPr>
+          <p:cNvCxnSpPr>
+            <a:cxnSpLocks/>
+            <a:stCxn id="9" idx="6"/>
+            <a:endCxn id="7" idx="2"/>
+          </p:cNvCxnSpPr>
+          <p:nvPr/>
+        </p:nvCxnSpPr>
+        <p:spPr>
+          <a:xfrm flipV="1">
+            <a:off x="1219200" y="1866900"/>
+            <a:ext cx="1524000" cy="1295400"/>
+          </a:xfrm>
+          <a:prstGeom prst="curvedConnector3">
+            <a:avLst>
+              <a:gd name="adj1" fmla="val 50000"/>
+            </a:avLst>
+          </a:prstGeom>
+          <a:ln w="76200" cap="rnd">
+            <a:solidFill>
+              <a:schemeClr val="tx1">
+                <a:lumMod val="50000"/>
+              </a:schemeClr>
+            </a:solidFill>
+          </a:ln>
+        </p:spPr>
+        <p:style>
+          <a:lnRef idx="1">
+            <a:schemeClr val="accent1"/>
+          </a:lnRef>
+          <a:fillRef idx="0">
+            <a:schemeClr val="accent1"/>
+          </a:fillRef>
+          <a:effectRef idx="0">
+            <a:schemeClr val="accent1"/>
+          </a:effectRef>
+          <a:fontRef idx="minor">
+            <a:schemeClr val="tx1"/>
+          </a:fontRef>
+        </p:style>
+      </p:cxnSp>
+      <p:cxnSp>
+        <p:nvCxnSpPr>
+          <p:cNvPr id="11" name="Curved Connector 10">
+            <a:extLst>
+              <a:ext uri="{FF2B5EF4-FFF2-40B4-BE49-F238E27FC236}">
+                <a16:creationId xmlns:a16="http://schemas.microsoft.com/office/drawing/2014/main" id="{5A36A0B3-50D8-6B4A-AA51-EDB81BC12C2A}"/>
+              </a:ext>
+            </a:extLst>
+          </p:cNvPr>
+          <p:cNvCxnSpPr>
+            <a:cxnSpLocks/>
+            <a:stCxn id="9" idx="6"/>
+            <a:endCxn id="12" idx="2"/>
+          </p:cNvCxnSpPr>
+          <p:nvPr/>
+        </p:nvCxnSpPr>
+        <p:spPr>
+          <a:xfrm>
+            <a:off x="1219200" y="3162300"/>
+            <a:ext cx="1524929" cy="1295400"/>
+          </a:xfrm>
+          <a:prstGeom prst="curvedConnector3">
+            <a:avLst>
+              <a:gd name="adj1" fmla="val 50000"/>
+            </a:avLst>
+          </a:prstGeom>
+          <a:ln w="76200" cap="rnd">
+            <a:solidFill>
+              <a:schemeClr val="tx1">
+                <a:lumMod val="50000"/>
+              </a:schemeClr>
+            </a:solidFill>
+          </a:ln>
+        </p:spPr>
+        <p:style>
+          <a:lnRef idx="1">
+            <a:schemeClr val="accent1"/>
+          </a:lnRef>
+          <a:fillRef idx="0">
+            <a:schemeClr val="accent1"/>
+          </a:fillRef>
+          <a:effectRef idx="0">
+            <a:schemeClr val="accent1"/>
+          </a:effectRef>
+          <a:fontRef idx="minor">
+            <a:schemeClr val="tx1"/>
+          </a:fontRef>
+        </p:style>
+      </p:cxnSp>
+      <p:sp>
+        <p:nvSpPr>
+          <p:cNvPr id="9" name="Oval 8">
+            <a:extLst>
+              <a:ext uri="{FF2B5EF4-FFF2-40B4-BE49-F238E27FC236}">
+                <a16:creationId xmlns:a16="http://schemas.microsoft.com/office/drawing/2014/main" id="{7081BB5B-827A-9546-BDD3-8E9316908DEF}"/>
+              </a:ext>
+            </a:extLst>
+          </p:cNvPr>
+          <p:cNvSpPr/>
+          <p:nvPr/>
+        </p:nvSpPr>
+        <p:spPr>
+          <a:xfrm>
+            <a:off x="1143000" y="3124200"/>
+            <a:ext cx="76200" cy="76200"/>
+          </a:xfrm>
+          <a:prstGeom prst="ellipse">
+            <a:avLst/>
+          </a:prstGeom>
+          <a:solidFill>
+            <a:schemeClr val="tx1"/>
+          </a:solidFill>
+          <a:ln>
+            <a:noFill/>
+          </a:ln>
+        </p:spPr>
+        <p:style>
+          <a:lnRef idx="2">
+            <a:schemeClr val="accent1">
+              <a:shade val="50000"/>
+            </a:schemeClr>
+          </a:lnRef>
+          <a:fillRef idx="1">
+            <a:schemeClr val="accent1"/>
+          </a:fillRef>
+          <a:effectRef idx="0">
+            <a:schemeClr val="accent1"/>
+          </a:effectRef>
+          <a:fontRef idx="minor">
+            <a:schemeClr val="lt1"/>
+          </a:fontRef>
+        </p:style>
+        <p:txBody>
+          <a:bodyPr rtlCol="0" anchor="ctr"/>
+          <a:lstStyle/>
+          <a:p>
+            <a:pPr algn="ctr"/>
+            <a:endParaRPr lang="en-US"/>
+          </a:p>
+        </p:txBody>
+      </p:sp>
+      <p:cxnSp>
+        <p:nvCxnSpPr>
+          <p:cNvPr id="16" name="Straight Connector 15">
+            <a:extLst>
+              <a:ext uri="{FF2B5EF4-FFF2-40B4-BE49-F238E27FC236}">
+                <a16:creationId xmlns:a16="http://schemas.microsoft.com/office/drawing/2014/main" id="{FC2E88EE-D5B4-3049-A3E9-5A006597FCEE}"/>
+              </a:ext>
+            </a:extLst>
+          </p:cNvPr>
+          <p:cNvCxnSpPr>
+            <a:cxnSpLocks/>
+            <a:stCxn id="7" idx="6"/>
+            <a:endCxn id="32" idx="2"/>
+          </p:cNvCxnSpPr>
+          <p:nvPr/>
+        </p:nvCxnSpPr>
+        <p:spPr>
+          <a:xfrm>
+            <a:off x="2819400" y="1866900"/>
+            <a:ext cx="2133600" cy="0"/>
+          </a:xfrm>
+          <a:prstGeom prst="line">
+            <a:avLst/>
+          </a:prstGeom>
+          <a:ln w="76200" cap="rnd">
+            <a:gradFill>
+              <a:gsLst>
+                <a:gs pos="0">
+                  <a:schemeClr val="bg1">
+                    <a:lumMod val="50000"/>
+                    <a:lumOff val="50000"/>
+                  </a:schemeClr>
+                </a:gs>
+                <a:gs pos="100000">
+                  <a:srgbClr val="009EC0"/>
+                </a:gs>
+              </a:gsLst>
+              <a:lin ang="0" scaled="0"/>
+            </a:gradFill>
+          </a:ln>
+        </p:spPr>
+        <p:style>
+          <a:lnRef idx="1">
+            <a:schemeClr val="accent1"/>
+          </a:lnRef>
+          <a:fillRef idx="0">
+            <a:schemeClr val="accent1"/>
+          </a:fillRef>
+          <a:effectRef idx="0">
+            <a:schemeClr val="accent1"/>
+          </a:effectRef>
+          <a:fontRef idx="minor">
+            <a:schemeClr val="tx1"/>
+          </a:fontRef>
+        </p:style>
+      </p:cxnSp>
+      <p:sp>
+        <p:nvSpPr>
+          <p:cNvPr id="7" name="Oval 6">
+            <a:extLst>
+              <a:ext uri="{FF2B5EF4-FFF2-40B4-BE49-F238E27FC236}">
+                <a16:creationId xmlns:a16="http://schemas.microsoft.com/office/drawing/2014/main" id="{BDA1C427-8721-544F-ABBB-597FF3981365}"/>
+              </a:ext>
+            </a:extLst>
+          </p:cNvPr>
+          <p:cNvSpPr/>
+          <p:nvPr/>
+        </p:nvSpPr>
+        <p:spPr>
+          <a:xfrm>
+            <a:off x="2743200" y="1828800"/>
+            <a:ext cx="76200" cy="76200"/>
+          </a:xfrm>
+          <a:prstGeom prst="ellipse">
+            <a:avLst/>
+          </a:prstGeom>
+          <a:solidFill>
+            <a:schemeClr val="tx1"/>
+          </a:solidFill>
+          <a:ln>
+            <a:noFill/>
+          </a:ln>
+        </p:spPr>
+        <p:style>
+          <a:lnRef idx="2">
+            <a:schemeClr val="accent1">
+              <a:shade val="50000"/>
+            </a:schemeClr>
+          </a:lnRef>
+          <a:fillRef idx="1">
+            <a:schemeClr val="accent1"/>
+          </a:fillRef>
+          <a:effectRef idx="0">
+            <a:schemeClr val="accent1"/>
+          </a:effectRef>
+          <a:fontRef idx="minor">
+            <a:schemeClr val="lt1"/>
+          </a:fontRef>
+        </p:style>
+        <p:txBody>
+          <a:bodyPr rtlCol="0" anchor="ctr"/>
+          <a:lstStyle/>
+          <a:p>
+            <a:pPr algn="ctr"/>
+            <a:endParaRPr lang="en-US"/>
+          </a:p>
+        </p:txBody>
+      </p:sp>
+      <p:cxnSp>
+        <p:nvCxnSpPr>
+          <p:cNvPr id="19" name="Straight Connector 18">
+            <a:extLst>
+              <a:ext uri="{FF2B5EF4-FFF2-40B4-BE49-F238E27FC236}">
+                <a16:creationId xmlns:a16="http://schemas.microsoft.com/office/drawing/2014/main" id="{118A1FA4-FD97-E74E-AED2-BA992E50A980}"/>
+              </a:ext>
+            </a:extLst>
+          </p:cNvPr>
+          <p:cNvCxnSpPr>
+            <a:cxnSpLocks/>
+            <a:stCxn id="32" idx="6"/>
+          </p:cNvCxnSpPr>
+          <p:nvPr/>
+        </p:nvCxnSpPr>
+        <p:spPr>
+          <a:xfrm>
+            <a:off x="5029200" y="1866900"/>
+            <a:ext cx="3124200" cy="0"/>
+          </a:xfrm>
+          <a:prstGeom prst="line">
+            <a:avLst/>
+          </a:prstGeom>
+          <a:ln w="76200" cap="rnd">
+            <a:solidFill>
+              <a:srgbClr val="009EC0"/>
+            </a:solidFill>
+          </a:ln>
+        </p:spPr>
+        <p:style>
+          <a:lnRef idx="1">
+            <a:schemeClr val="accent1"/>
+          </a:lnRef>
+          <a:fillRef idx="0">
+            <a:schemeClr val="accent1"/>
+          </a:fillRef>
+          <a:effectRef idx="0">
+            <a:schemeClr val="accent1"/>
+          </a:effectRef>
+          <a:fontRef idx="minor">
+            <a:schemeClr val="tx1"/>
+          </a:fontRef>
+        </p:style>
+      </p:cxnSp>
+      <p:cxnSp>
+        <p:nvCxnSpPr>
+          <p:cNvPr id="20" name="Curved Connector 19">
+            <a:extLst>
+              <a:ext uri="{FF2B5EF4-FFF2-40B4-BE49-F238E27FC236}">
+                <a16:creationId xmlns:a16="http://schemas.microsoft.com/office/drawing/2014/main" id="{D1B0A368-0E53-0C47-ADE5-9A9CC605C370}"/>
+              </a:ext>
+            </a:extLst>
+          </p:cNvPr>
+          <p:cNvCxnSpPr>
+            <a:cxnSpLocks/>
+            <a:stCxn id="12" idx="6"/>
+          </p:cNvCxnSpPr>
+          <p:nvPr/>
+        </p:nvCxnSpPr>
+        <p:spPr>
+          <a:xfrm flipV="1">
+            <a:off x="2820329" y="3162300"/>
+            <a:ext cx="1544336" cy="1295400"/>
+          </a:xfrm>
+          <a:prstGeom prst="curvedConnector3">
+            <a:avLst>
+              <a:gd name="adj1" fmla="val 50000"/>
+            </a:avLst>
+          </a:prstGeom>
+          <a:ln w="76200" cap="rnd">
+            <a:solidFill>
+              <a:schemeClr val="tx1">
+                <a:lumMod val="50000"/>
+              </a:schemeClr>
+            </a:solidFill>
+          </a:ln>
+        </p:spPr>
+        <p:style>
+          <a:lnRef idx="1">
+            <a:schemeClr val="accent1"/>
+          </a:lnRef>
+          <a:fillRef idx="0">
+            <a:schemeClr val="accent1"/>
+          </a:fillRef>
+          <a:effectRef idx="0">
+            <a:schemeClr val="accent1"/>
+          </a:effectRef>
+          <a:fontRef idx="minor">
+            <a:schemeClr val="tx1"/>
+          </a:fontRef>
+        </p:style>
+      </p:cxnSp>
+      <p:cxnSp>
+        <p:nvCxnSpPr>
+          <p:cNvPr id="21" name="Curved Connector 20">
+            <a:extLst>
+              <a:ext uri="{FF2B5EF4-FFF2-40B4-BE49-F238E27FC236}">
+                <a16:creationId xmlns:a16="http://schemas.microsoft.com/office/drawing/2014/main" id="{9D9F6B60-2FF2-5144-B028-3E5C40120FFE}"/>
+              </a:ext>
+            </a:extLst>
+          </p:cNvPr>
+          <p:cNvCxnSpPr>
+            <a:cxnSpLocks/>
+            <a:stCxn id="12" idx="6"/>
+          </p:cNvCxnSpPr>
+          <p:nvPr/>
+        </p:nvCxnSpPr>
+        <p:spPr>
+          <a:xfrm>
+            <a:off x="2820329" y="4457700"/>
+            <a:ext cx="1545265" cy="1295400"/>
+          </a:xfrm>
+          <a:prstGeom prst="curvedConnector3">
+            <a:avLst>
+              <a:gd name="adj1" fmla="val 50000"/>
+            </a:avLst>
+          </a:prstGeom>
+          <a:ln w="76200" cap="rnd">
+            <a:solidFill>
+              <a:schemeClr val="tx1">
+                <a:lumMod val="50000"/>
+              </a:schemeClr>
+            </a:solidFill>
+            <a:tailEnd type="diamond"/>
+          </a:ln>
+        </p:spPr>
+        <p:style>
+          <a:lnRef idx="1">
+            <a:schemeClr val="accent1"/>
+          </a:lnRef>
+          <a:fillRef idx="0">
+            <a:schemeClr val="accent1"/>
+          </a:fillRef>
+          <a:effectRef idx="0">
+            <a:schemeClr val="accent1"/>
+          </a:effectRef>
+          <a:fontRef idx="minor">
+            <a:schemeClr val="tx1"/>
+          </a:fontRef>
+        </p:style>
+      </p:cxnSp>
+      <p:sp>
+        <p:nvSpPr>
+          <p:cNvPr id="12" name="Oval 11">
+            <a:extLst>
+              <a:ext uri="{FF2B5EF4-FFF2-40B4-BE49-F238E27FC236}">
+                <a16:creationId xmlns:a16="http://schemas.microsoft.com/office/drawing/2014/main" id="{4CFD51FF-9F17-4249-952F-4B95918527B4}"/>
+              </a:ext>
+            </a:extLst>
+          </p:cNvPr>
+          <p:cNvSpPr/>
+          <p:nvPr/>
+        </p:nvSpPr>
+        <p:spPr>
+          <a:xfrm>
+            <a:off x="2744129" y="4419600"/>
+            <a:ext cx="76200" cy="76200"/>
+          </a:xfrm>
+          <a:prstGeom prst="ellipse">
+            <a:avLst/>
+          </a:prstGeom>
+          <a:solidFill>
+            <a:schemeClr val="tx1"/>
+          </a:solidFill>
+          <a:ln>
+            <a:noFill/>
+          </a:ln>
+        </p:spPr>
+        <p:style>
+          <a:lnRef idx="2">
+            <a:schemeClr val="accent1">
+              <a:shade val="50000"/>
+            </a:schemeClr>
+          </a:lnRef>
+          <a:fillRef idx="1">
+            <a:schemeClr val="accent1"/>
+          </a:fillRef>
+          <a:effectRef idx="0">
+            <a:schemeClr val="accent1"/>
+          </a:effectRef>
+          <a:fontRef idx="minor">
+            <a:schemeClr val="lt1"/>
+          </a:fontRef>
+        </p:style>
+        <p:txBody>
+          <a:bodyPr rtlCol="0" anchor="ctr"/>
+          <a:lstStyle/>
+          <a:p>
+            <a:pPr algn="ctr"/>
+            <a:endParaRPr lang="en-US"/>
+          </a:p>
+        </p:txBody>
+      </p:sp>
+      <p:cxnSp>
+        <p:nvCxnSpPr>
+          <p:cNvPr id="26" name="Straight Connector 25">
+            <a:extLst>
+              <a:ext uri="{FF2B5EF4-FFF2-40B4-BE49-F238E27FC236}">
+                <a16:creationId xmlns:a16="http://schemas.microsoft.com/office/drawing/2014/main" id="{5A852021-CC8B-C147-88EB-229D628C5D9A}"/>
+              </a:ext>
+            </a:extLst>
+          </p:cNvPr>
+          <p:cNvCxnSpPr>
+            <a:cxnSpLocks/>
+          </p:cNvCxnSpPr>
+          <p:nvPr/>
+        </p:nvCxnSpPr>
+        <p:spPr>
+          <a:xfrm>
+            <a:off x="4440865" y="3162300"/>
+            <a:ext cx="2340935" cy="0"/>
+          </a:xfrm>
+          <a:prstGeom prst="line">
+            <a:avLst/>
+          </a:prstGeom>
+          <a:ln w="76200" cap="rnd">
+            <a:gradFill>
+              <a:gsLst>
+                <a:gs pos="0">
+                  <a:schemeClr val="bg1">
+                    <a:lumMod val="50000"/>
+                    <a:lumOff val="50000"/>
+                  </a:schemeClr>
+                </a:gs>
+                <a:gs pos="100000">
+                  <a:srgbClr val="CA5C0E"/>
+                </a:gs>
+              </a:gsLst>
+              <a:lin ang="0" scaled="0"/>
+            </a:gradFill>
+          </a:ln>
+        </p:spPr>
+        <p:style>
+          <a:lnRef idx="1">
+            <a:schemeClr val="accent1"/>
+          </a:lnRef>
+          <a:fillRef idx="0">
+            <a:schemeClr val="accent1"/>
+          </a:fillRef>
+          <a:effectRef idx="0">
+            <a:schemeClr val="accent1"/>
+          </a:effectRef>
+          <a:fontRef idx="minor">
+            <a:schemeClr val="tx1"/>
+          </a:fontRef>
+        </p:style>
+      </p:cxnSp>
+      <p:sp>
+        <p:nvSpPr>
+          <p:cNvPr id="24" name="Oval 23">
+            <a:extLst>
+              <a:ext uri="{FF2B5EF4-FFF2-40B4-BE49-F238E27FC236}">
+                <a16:creationId xmlns:a16="http://schemas.microsoft.com/office/drawing/2014/main" id="{EA336485-A85D-3E4B-A7F0-DDFF1CBAB292}"/>
+              </a:ext>
+            </a:extLst>
+          </p:cNvPr>
+          <p:cNvSpPr/>
+          <p:nvPr/>
+        </p:nvSpPr>
+        <p:spPr>
+          <a:xfrm>
+            <a:off x="4364665" y="3124200"/>
+            <a:ext cx="76200" cy="76200"/>
+          </a:xfrm>
+          <a:prstGeom prst="ellipse">
+            <a:avLst/>
+          </a:prstGeom>
+          <a:solidFill>
+            <a:schemeClr val="tx1"/>
+          </a:solidFill>
+          <a:ln>
+            <a:noFill/>
+          </a:ln>
+        </p:spPr>
+        <p:style>
+          <a:lnRef idx="2">
+            <a:schemeClr val="accent1">
+              <a:shade val="50000"/>
+            </a:schemeClr>
+          </a:lnRef>
+          <a:fillRef idx="1">
+            <a:schemeClr val="accent1"/>
+          </a:fillRef>
+          <a:effectRef idx="0">
+            <a:schemeClr val="accent1"/>
+          </a:effectRef>
+          <a:fontRef idx="minor">
+            <a:schemeClr val="lt1"/>
+          </a:fontRef>
+        </p:style>
+        <p:txBody>
+          <a:bodyPr rtlCol="0" anchor="ctr"/>
+          <a:lstStyle/>
+          <a:p>
+            <a:pPr algn="ctr"/>
+            <a:endParaRPr lang="en-US"/>
+          </a:p>
+        </p:txBody>
+      </p:sp>
+      <p:cxnSp>
+        <p:nvCxnSpPr>
+          <p:cNvPr id="28" name="Straight Connector 27">
+            <a:extLst>
+              <a:ext uri="{FF2B5EF4-FFF2-40B4-BE49-F238E27FC236}">
+                <a16:creationId xmlns:a16="http://schemas.microsoft.com/office/drawing/2014/main" id="{C94D8232-BC6C-2547-8644-EA580E321B33}"/>
+              </a:ext>
+            </a:extLst>
+          </p:cNvPr>
+          <p:cNvCxnSpPr>
+            <a:cxnSpLocks/>
+            <a:stCxn id="25" idx="6"/>
+          </p:cNvCxnSpPr>
+          <p:nvPr/>
+        </p:nvCxnSpPr>
+        <p:spPr>
+          <a:xfrm flipV="1">
+            <a:off x="6858000" y="3153471"/>
+            <a:ext cx="1295400" cy="8829"/>
+          </a:xfrm>
+          <a:prstGeom prst="line">
+            <a:avLst/>
+          </a:prstGeom>
+          <a:ln w="76200" cap="rnd">
+            <a:solidFill>
+              <a:srgbClr val="CA5C0E"/>
+            </a:solidFill>
+          </a:ln>
+        </p:spPr>
+        <p:style>
+          <a:lnRef idx="1">
+            <a:schemeClr val="accent1"/>
+          </a:lnRef>
+          <a:fillRef idx="0">
+            <a:schemeClr val="accent1"/>
+          </a:fillRef>
+          <a:effectRef idx="0">
+            <a:schemeClr val="accent1"/>
+          </a:effectRef>
+          <a:fontRef idx="minor">
+            <a:schemeClr val="tx1"/>
+          </a:fontRef>
+        </p:style>
+      </p:cxnSp>
+      <p:sp>
+        <p:nvSpPr>
+          <p:cNvPr id="25" name="Oval 24">
+            <a:extLst>
+              <a:ext uri="{FF2B5EF4-FFF2-40B4-BE49-F238E27FC236}">
+                <a16:creationId xmlns:a16="http://schemas.microsoft.com/office/drawing/2014/main" id="{0AF15001-071A-FA4A-93AA-C38B1FF88421}"/>
+              </a:ext>
+            </a:extLst>
+          </p:cNvPr>
+          <p:cNvSpPr/>
+          <p:nvPr/>
+        </p:nvSpPr>
+        <p:spPr>
+          <a:xfrm>
+            <a:off x="6781800" y="3124200"/>
+            <a:ext cx="76200" cy="76200"/>
+          </a:xfrm>
+          <a:prstGeom prst="ellipse">
+            <a:avLst/>
+          </a:prstGeom>
+          <a:solidFill>
+            <a:schemeClr val="tx1"/>
+          </a:solidFill>
+          <a:ln>
+            <a:noFill/>
+          </a:ln>
+        </p:spPr>
+        <p:style>
+          <a:lnRef idx="2">
+            <a:schemeClr val="accent1">
+              <a:shade val="50000"/>
+            </a:schemeClr>
+          </a:lnRef>
+          <a:fillRef idx="1">
+            <a:schemeClr val="accent1"/>
+          </a:fillRef>
+          <a:effectRef idx="0">
+            <a:schemeClr val="accent1"/>
+          </a:effectRef>
+          <a:fontRef idx="minor">
+            <a:schemeClr val="lt1"/>
+          </a:fontRef>
+        </p:style>
+        <p:txBody>
+          <a:bodyPr rtlCol="0" anchor="ctr"/>
+          <a:lstStyle/>
+          <a:p>
+            <a:pPr algn="ctr"/>
+            <a:endParaRPr lang="en-US"/>
+          </a:p>
+        </p:txBody>
+      </p:sp>
+      <p:sp>
+        <p:nvSpPr>
+          <p:cNvPr id="32" name="Oval 31">
+            <a:extLst>
+              <a:ext uri="{FF2B5EF4-FFF2-40B4-BE49-F238E27FC236}">
+                <a16:creationId xmlns:a16="http://schemas.microsoft.com/office/drawing/2014/main" id="{A57DE36E-B6FD-6A45-AF73-E18479E3242D}"/>
+              </a:ext>
+            </a:extLst>
+          </p:cNvPr>
+          <p:cNvSpPr/>
+          <p:nvPr/>
+        </p:nvSpPr>
+        <p:spPr>
+          <a:xfrm>
+            <a:off x="4953000" y="1828800"/>
+            <a:ext cx="76200" cy="76200"/>
+          </a:xfrm>
+          <a:prstGeom prst="ellipse">
+            <a:avLst/>
+          </a:prstGeom>
+          <a:solidFill>
+            <a:schemeClr val="tx1"/>
+          </a:solidFill>
+          <a:ln>
+            <a:noFill/>
+          </a:ln>
+        </p:spPr>
+        <p:style>
+          <a:lnRef idx="2">
+            <a:schemeClr val="accent1">
+              <a:shade val="50000"/>
+            </a:schemeClr>
+          </a:lnRef>
+          <a:fillRef idx="1">
+            <a:schemeClr val="accent1"/>
+          </a:fillRef>
+          <a:effectRef idx="0">
+            <a:schemeClr val="accent1"/>
+          </a:effectRef>
+          <a:fontRef idx="minor">
+            <a:schemeClr val="lt1"/>
+          </a:fontRef>
+        </p:style>
+        <p:txBody>
+          <a:bodyPr rtlCol="0" anchor="ctr"/>
+          <a:lstStyle/>
+          <a:p>
+            <a:pPr algn="ctr"/>
+            <a:endParaRPr lang="en-US"/>
+          </a:p>
+        </p:txBody>
+      </p:sp>
+      <p:sp>
+        <p:nvSpPr>
+          <p:cNvPr id="35" name="TextBox 34">
+            <a:extLst>
+              <a:ext uri="{FF2B5EF4-FFF2-40B4-BE49-F238E27FC236}">
+                <a16:creationId xmlns:a16="http://schemas.microsoft.com/office/drawing/2014/main" id="{E794DC2D-1B4E-3E45-BF67-BC40CD5566B8}"/>
+              </a:ext>
+            </a:extLst>
+          </p:cNvPr>
+          <p:cNvSpPr txBox="1"/>
+          <p:nvPr/>
+        </p:nvSpPr>
+        <p:spPr>
+          <a:xfrm>
+            <a:off x="509782" y="2968805"/>
+            <a:ext cx="647293" cy="369332"/>
+          </a:xfrm>
+          <a:prstGeom prst="rect">
+            <a:avLst/>
+          </a:prstGeom>
+          <a:noFill/>
+        </p:spPr>
+        <p:txBody>
+          <a:bodyPr wrap="none" rtlCol="0">
+            <a:spAutoFit/>
+          </a:bodyPr>
+          <a:lstStyle/>
+          <a:p>
+            <a:r>
+              <a:rPr lang="en-US" b="1" dirty="0"/>
+              <a:t>Start</a:t>
+            </a:r>
+          </a:p>
+        </p:txBody>
+      </p:sp>
+      <p:sp>
+        <p:nvSpPr>
+          <p:cNvPr id="36" name="TextBox 35">
+            <a:extLst>
+              <a:ext uri="{FF2B5EF4-FFF2-40B4-BE49-F238E27FC236}">
+                <a16:creationId xmlns:a16="http://schemas.microsoft.com/office/drawing/2014/main" id="{F0E5A40E-2C24-F646-9D28-C9734CA6D325}"/>
+              </a:ext>
+            </a:extLst>
+          </p:cNvPr>
+          <p:cNvSpPr txBox="1"/>
+          <p:nvPr/>
+        </p:nvSpPr>
+        <p:spPr>
+          <a:xfrm>
+            <a:off x="2457653" y="1101356"/>
+            <a:ext cx="647293" cy="369332"/>
+          </a:xfrm>
+          <a:prstGeom prst="rect">
+            <a:avLst/>
+          </a:prstGeom>
+          <a:noFill/>
+        </p:spPr>
+        <p:txBody>
+          <a:bodyPr wrap="square" rtlCol="0">
+            <a:spAutoFit/>
+          </a:bodyPr>
+          <a:lstStyle/>
+          <a:p>
+            <a:r>
+              <a:rPr lang="en-US" dirty="0"/>
+              <a:t>Start</a:t>
+            </a:r>
+          </a:p>
+        </p:txBody>
+      </p:sp>
+      <p:cxnSp>
+        <p:nvCxnSpPr>
+          <p:cNvPr id="38" name="Straight Arrow Connector 37">
+            <a:extLst>
+              <a:ext uri="{FF2B5EF4-FFF2-40B4-BE49-F238E27FC236}">
+                <a16:creationId xmlns:a16="http://schemas.microsoft.com/office/drawing/2014/main" id="{805949FE-65B2-C84F-A054-E799F2E0968B}"/>
+              </a:ext>
+            </a:extLst>
+          </p:cNvPr>
+          <p:cNvCxnSpPr>
+            <a:cxnSpLocks/>
+            <a:stCxn id="36" idx="2"/>
+            <a:endCxn id="7" idx="0"/>
+          </p:cNvCxnSpPr>
+          <p:nvPr/>
+        </p:nvCxnSpPr>
+        <p:spPr>
+          <a:xfrm>
+            <a:off x="2781300" y="1470688"/>
+            <a:ext cx="0" cy="358112"/>
+          </a:xfrm>
+          <a:prstGeom prst="straightConnector1">
+            <a:avLst/>
+          </a:prstGeom>
+          <a:ln w="12700">
+            <a:solidFill>
+              <a:schemeClr val="tx1"/>
+            </a:solidFill>
+            <a:tailEnd type="arrow" w="lg" len="lg"/>
+          </a:ln>
+        </p:spPr>
+        <p:style>
+          <a:lnRef idx="1">
+            <a:schemeClr val="accent1"/>
+          </a:lnRef>
+          <a:fillRef idx="0">
+            <a:schemeClr val="accent1"/>
+          </a:fillRef>
+          <a:effectRef idx="0">
+            <a:schemeClr val="accent1"/>
+          </a:effectRef>
+          <a:fontRef idx="minor">
+            <a:schemeClr val="tx1"/>
+          </a:fontRef>
+        </p:style>
+      </p:cxnSp>
+    </p:spTree>
+    <p:extLst>
+      <p:ext uri="{BB962C8B-B14F-4D97-AF65-F5344CB8AC3E}">
+        <p14:creationId xmlns:p14="http://schemas.microsoft.com/office/powerpoint/2010/main" val="1753811591"/>
+      </p:ext>
+    </p:extLst>
+  </p:cSld>
+  <p:clrMapOvr>
+    <a:masterClrMapping/>
+  </p:clrMapOvr>
+</p:sld>
+</file>
+
+<file path=ppt/slides/slide40.xml><?xml version="1.0" encoding="utf-8"?>
 <p:sld xmlns:a="http://schemas.openxmlformats.org/drawingml/2006/main" xmlns:r="http://schemas.openxmlformats.org/officeDocument/2006/relationships" xmlns:p="http://schemas.openxmlformats.org/presentationml/2006/main">
   <p:cSld>
     <p:spTree>
@@ -29740,858 +31465,7 @@
 </p:sld>
 </file>
 
-<file path=ppt/slides/slide4.xml><?xml version="1.0" encoding="utf-8"?>
-<p:sld xmlns:a="http://schemas.openxmlformats.org/drawingml/2006/main" xmlns:r="http://schemas.openxmlformats.org/officeDocument/2006/relationships" xmlns:p="http://schemas.openxmlformats.org/presentationml/2006/main">
-  <p:cSld>
-    <p:spTree>
-      <p:nvGrpSpPr>
-        <p:cNvPr id="1" name=""/>
-        <p:cNvGrpSpPr/>
-        <p:nvPr/>
-      </p:nvGrpSpPr>
-      <p:grpSpPr>
-        <a:xfrm>
-          <a:off x="0" y="0"/>
-          <a:ext cx="0" cy="0"/>
-          <a:chOff x="0" y="0"/>
-          <a:chExt cx="0" cy="0"/>
-        </a:xfrm>
-      </p:grpSpPr>
-      <p:cxnSp>
-        <p:nvCxnSpPr>
-          <p:cNvPr id="5" name="Curved Connector 4">
-            <a:extLst>
-              <a:ext uri="{FF2B5EF4-FFF2-40B4-BE49-F238E27FC236}">
-                <a16:creationId xmlns:a16="http://schemas.microsoft.com/office/drawing/2014/main" id="{9B938FB6-1E76-1940-B2BE-9F802CF659B0}"/>
-              </a:ext>
-            </a:extLst>
-          </p:cNvPr>
-          <p:cNvCxnSpPr>
-            <a:cxnSpLocks/>
-            <a:stCxn id="9" idx="6"/>
-            <a:endCxn id="7" idx="2"/>
-          </p:cNvCxnSpPr>
-          <p:nvPr/>
-        </p:nvCxnSpPr>
-        <p:spPr>
-          <a:xfrm flipV="1">
-            <a:off x="1219200" y="1866900"/>
-            <a:ext cx="1524000" cy="1295400"/>
-          </a:xfrm>
-          <a:prstGeom prst="curvedConnector3">
-            <a:avLst>
-              <a:gd name="adj1" fmla="val 50000"/>
-            </a:avLst>
-          </a:prstGeom>
-          <a:ln w="76200" cap="rnd">
-            <a:solidFill>
-              <a:schemeClr val="tx1">
-                <a:lumMod val="50000"/>
-              </a:schemeClr>
-            </a:solidFill>
-          </a:ln>
-        </p:spPr>
-        <p:style>
-          <a:lnRef idx="1">
-            <a:schemeClr val="accent1"/>
-          </a:lnRef>
-          <a:fillRef idx="0">
-            <a:schemeClr val="accent1"/>
-          </a:fillRef>
-          <a:effectRef idx="0">
-            <a:schemeClr val="accent1"/>
-          </a:effectRef>
-          <a:fontRef idx="minor">
-            <a:schemeClr val="tx1"/>
-          </a:fontRef>
-        </p:style>
-      </p:cxnSp>
-      <p:cxnSp>
-        <p:nvCxnSpPr>
-          <p:cNvPr id="11" name="Curved Connector 10">
-            <a:extLst>
-              <a:ext uri="{FF2B5EF4-FFF2-40B4-BE49-F238E27FC236}">
-                <a16:creationId xmlns:a16="http://schemas.microsoft.com/office/drawing/2014/main" id="{5A36A0B3-50D8-6B4A-AA51-EDB81BC12C2A}"/>
-              </a:ext>
-            </a:extLst>
-          </p:cNvPr>
-          <p:cNvCxnSpPr>
-            <a:cxnSpLocks/>
-            <a:stCxn id="9" idx="6"/>
-            <a:endCxn id="12" idx="2"/>
-          </p:cNvCxnSpPr>
-          <p:nvPr/>
-        </p:nvCxnSpPr>
-        <p:spPr>
-          <a:xfrm>
-            <a:off x="1219200" y="3162300"/>
-            <a:ext cx="1524929" cy="1295400"/>
-          </a:xfrm>
-          <a:prstGeom prst="curvedConnector3">
-            <a:avLst>
-              <a:gd name="adj1" fmla="val 50000"/>
-            </a:avLst>
-          </a:prstGeom>
-          <a:ln w="76200" cap="rnd">
-            <a:solidFill>
-              <a:schemeClr val="tx1">
-                <a:lumMod val="50000"/>
-              </a:schemeClr>
-            </a:solidFill>
-          </a:ln>
-        </p:spPr>
-        <p:style>
-          <a:lnRef idx="1">
-            <a:schemeClr val="accent1"/>
-          </a:lnRef>
-          <a:fillRef idx="0">
-            <a:schemeClr val="accent1"/>
-          </a:fillRef>
-          <a:effectRef idx="0">
-            <a:schemeClr val="accent1"/>
-          </a:effectRef>
-          <a:fontRef idx="minor">
-            <a:schemeClr val="tx1"/>
-          </a:fontRef>
-        </p:style>
-      </p:cxnSp>
-      <p:sp>
-        <p:nvSpPr>
-          <p:cNvPr id="9" name="Oval 8">
-            <a:extLst>
-              <a:ext uri="{FF2B5EF4-FFF2-40B4-BE49-F238E27FC236}">
-                <a16:creationId xmlns:a16="http://schemas.microsoft.com/office/drawing/2014/main" id="{7081BB5B-827A-9546-BDD3-8E9316908DEF}"/>
-              </a:ext>
-            </a:extLst>
-          </p:cNvPr>
-          <p:cNvSpPr/>
-          <p:nvPr/>
-        </p:nvSpPr>
-        <p:spPr>
-          <a:xfrm>
-            <a:off x="1143000" y="3124200"/>
-            <a:ext cx="76200" cy="76200"/>
-          </a:xfrm>
-          <a:prstGeom prst="ellipse">
-            <a:avLst/>
-          </a:prstGeom>
-          <a:solidFill>
-            <a:schemeClr val="tx1"/>
-          </a:solidFill>
-          <a:ln>
-            <a:noFill/>
-          </a:ln>
-        </p:spPr>
-        <p:style>
-          <a:lnRef idx="2">
-            <a:schemeClr val="accent1">
-              <a:shade val="50000"/>
-            </a:schemeClr>
-          </a:lnRef>
-          <a:fillRef idx="1">
-            <a:schemeClr val="accent1"/>
-          </a:fillRef>
-          <a:effectRef idx="0">
-            <a:schemeClr val="accent1"/>
-          </a:effectRef>
-          <a:fontRef idx="minor">
-            <a:schemeClr val="lt1"/>
-          </a:fontRef>
-        </p:style>
-        <p:txBody>
-          <a:bodyPr rtlCol="0" anchor="ctr"/>
-          <a:lstStyle/>
-          <a:p>
-            <a:pPr algn="ctr"/>
-            <a:endParaRPr lang="en-US"/>
-          </a:p>
-        </p:txBody>
-      </p:sp>
-      <p:cxnSp>
-        <p:nvCxnSpPr>
-          <p:cNvPr id="16" name="Straight Connector 15">
-            <a:extLst>
-              <a:ext uri="{FF2B5EF4-FFF2-40B4-BE49-F238E27FC236}">
-                <a16:creationId xmlns:a16="http://schemas.microsoft.com/office/drawing/2014/main" id="{FC2E88EE-D5B4-3049-A3E9-5A006597FCEE}"/>
-              </a:ext>
-            </a:extLst>
-          </p:cNvPr>
-          <p:cNvCxnSpPr>
-            <a:cxnSpLocks/>
-            <a:stCxn id="7" idx="6"/>
-            <a:endCxn id="32" idx="2"/>
-          </p:cNvCxnSpPr>
-          <p:nvPr/>
-        </p:nvCxnSpPr>
-        <p:spPr>
-          <a:xfrm>
-            <a:off x="2819400" y="1866900"/>
-            <a:ext cx="2133600" cy="0"/>
-          </a:xfrm>
-          <a:prstGeom prst="line">
-            <a:avLst/>
-          </a:prstGeom>
-          <a:ln w="76200" cap="rnd">
-            <a:gradFill>
-              <a:gsLst>
-                <a:gs pos="0">
-                  <a:schemeClr val="bg1">
-                    <a:lumMod val="50000"/>
-                    <a:lumOff val="50000"/>
-                  </a:schemeClr>
-                </a:gs>
-                <a:gs pos="100000">
-                  <a:srgbClr val="009EC0"/>
-                </a:gs>
-              </a:gsLst>
-              <a:lin ang="0" scaled="0"/>
-            </a:gradFill>
-          </a:ln>
-        </p:spPr>
-        <p:style>
-          <a:lnRef idx="1">
-            <a:schemeClr val="accent1"/>
-          </a:lnRef>
-          <a:fillRef idx="0">
-            <a:schemeClr val="accent1"/>
-          </a:fillRef>
-          <a:effectRef idx="0">
-            <a:schemeClr val="accent1"/>
-          </a:effectRef>
-          <a:fontRef idx="minor">
-            <a:schemeClr val="tx1"/>
-          </a:fontRef>
-        </p:style>
-      </p:cxnSp>
-      <p:sp>
-        <p:nvSpPr>
-          <p:cNvPr id="7" name="Oval 6">
-            <a:extLst>
-              <a:ext uri="{FF2B5EF4-FFF2-40B4-BE49-F238E27FC236}">
-                <a16:creationId xmlns:a16="http://schemas.microsoft.com/office/drawing/2014/main" id="{BDA1C427-8721-544F-ABBB-597FF3981365}"/>
-              </a:ext>
-            </a:extLst>
-          </p:cNvPr>
-          <p:cNvSpPr/>
-          <p:nvPr/>
-        </p:nvSpPr>
-        <p:spPr>
-          <a:xfrm>
-            <a:off x="2743200" y="1828800"/>
-            <a:ext cx="76200" cy="76200"/>
-          </a:xfrm>
-          <a:prstGeom prst="ellipse">
-            <a:avLst/>
-          </a:prstGeom>
-          <a:solidFill>
-            <a:schemeClr val="tx1"/>
-          </a:solidFill>
-          <a:ln>
-            <a:noFill/>
-          </a:ln>
-        </p:spPr>
-        <p:style>
-          <a:lnRef idx="2">
-            <a:schemeClr val="accent1">
-              <a:shade val="50000"/>
-            </a:schemeClr>
-          </a:lnRef>
-          <a:fillRef idx="1">
-            <a:schemeClr val="accent1"/>
-          </a:fillRef>
-          <a:effectRef idx="0">
-            <a:schemeClr val="accent1"/>
-          </a:effectRef>
-          <a:fontRef idx="minor">
-            <a:schemeClr val="lt1"/>
-          </a:fontRef>
-        </p:style>
-        <p:txBody>
-          <a:bodyPr rtlCol="0" anchor="ctr"/>
-          <a:lstStyle/>
-          <a:p>
-            <a:pPr algn="ctr"/>
-            <a:endParaRPr lang="en-US"/>
-          </a:p>
-        </p:txBody>
-      </p:sp>
-      <p:cxnSp>
-        <p:nvCxnSpPr>
-          <p:cNvPr id="19" name="Straight Connector 18">
-            <a:extLst>
-              <a:ext uri="{FF2B5EF4-FFF2-40B4-BE49-F238E27FC236}">
-                <a16:creationId xmlns:a16="http://schemas.microsoft.com/office/drawing/2014/main" id="{118A1FA4-FD97-E74E-AED2-BA992E50A980}"/>
-              </a:ext>
-            </a:extLst>
-          </p:cNvPr>
-          <p:cNvCxnSpPr>
-            <a:cxnSpLocks/>
-            <a:stCxn id="32" idx="6"/>
-          </p:cNvCxnSpPr>
-          <p:nvPr/>
-        </p:nvCxnSpPr>
-        <p:spPr>
-          <a:xfrm>
-            <a:off x="5029200" y="1866900"/>
-            <a:ext cx="3124200" cy="0"/>
-          </a:xfrm>
-          <a:prstGeom prst="line">
-            <a:avLst/>
-          </a:prstGeom>
-          <a:ln w="76200" cap="rnd">
-            <a:solidFill>
-              <a:srgbClr val="009EC0"/>
-            </a:solidFill>
-          </a:ln>
-        </p:spPr>
-        <p:style>
-          <a:lnRef idx="1">
-            <a:schemeClr val="accent1"/>
-          </a:lnRef>
-          <a:fillRef idx="0">
-            <a:schemeClr val="accent1"/>
-          </a:fillRef>
-          <a:effectRef idx="0">
-            <a:schemeClr val="accent1"/>
-          </a:effectRef>
-          <a:fontRef idx="minor">
-            <a:schemeClr val="tx1"/>
-          </a:fontRef>
-        </p:style>
-      </p:cxnSp>
-      <p:cxnSp>
-        <p:nvCxnSpPr>
-          <p:cNvPr id="20" name="Curved Connector 19">
-            <a:extLst>
-              <a:ext uri="{FF2B5EF4-FFF2-40B4-BE49-F238E27FC236}">
-                <a16:creationId xmlns:a16="http://schemas.microsoft.com/office/drawing/2014/main" id="{D1B0A368-0E53-0C47-ADE5-9A9CC605C370}"/>
-              </a:ext>
-            </a:extLst>
-          </p:cNvPr>
-          <p:cNvCxnSpPr>
-            <a:cxnSpLocks/>
-            <a:stCxn id="12" idx="6"/>
-          </p:cNvCxnSpPr>
-          <p:nvPr/>
-        </p:nvCxnSpPr>
-        <p:spPr>
-          <a:xfrm flipV="1">
-            <a:off x="2820329" y="3162300"/>
-            <a:ext cx="1544336" cy="1295400"/>
-          </a:xfrm>
-          <a:prstGeom prst="curvedConnector3">
-            <a:avLst>
-              <a:gd name="adj1" fmla="val 50000"/>
-            </a:avLst>
-          </a:prstGeom>
-          <a:ln w="76200" cap="rnd">
-            <a:solidFill>
-              <a:schemeClr val="tx1">
-                <a:lumMod val="50000"/>
-              </a:schemeClr>
-            </a:solidFill>
-          </a:ln>
-        </p:spPr>
-        <p:style>
-          <a:lnRef idx="1">
-            <a:schemeClr val="accent1"/>
-          </a:lnRef>
-          <a:fillRef idx="0">
-            <a:schemeClr val="accent1"/>
-          </a:fillRef>
-          <a:effectRef idx="0">
-            <a:schemeClr val="accent1"/>
-          </a:effectRef>
-          <a:fontRef idx="minor">
-            <a:schemeClr val="tx1"/>
-          </a:fontRef>
-        </p:style>
-      </p:cxnSp>
-      <p:cxnSp>
-        <p:nvCxnSpPr>
-          <p:cNvPr id="21" name="Curved Connector 20">
-            <a:extLst>
-              <a:ext uri="{FF2B5EF4-FFF2-40B4-BE49-F238E27FC236}">
-                <a16:creationId xmlns:a16="http://schemas.microsoft.com/office/drawing/2014/main" id="{9D9F6B60-2FF2-5144-B028-3E5C40120FFE}"/>
-              </a:ext>
-            </a:extLst>
-          </p:cNvPr>
-          <p:cNvCxnSpPr>
-            <a:cxnSpLocks/>
-            <a:stCxn id="12" idx="6"/>
-          </p:cNvCxnSpPr>
-          <p:nvPr/>
-        </p:nvCxnSpPr>
-        <p:spPr>
-          <a:xfrm>
-            <a:off x="2820329" y="4457700"/>
-            <a:ext cx="1545265" cy="1295400"/>
-          </a:xfrm>
-          <a:prstGeom prst="curvedConnector3">
-            <a:avLst>
-              <a:gd name="adj1" fmla="val 50000"/>
-            </a:avLst>
-          </a:prstGeom>
-          <a:ln w="76200" cap="rnd">
-            <a:solidFill>
-              <a:schemeClr val="tx1">
-                <a:lumMod val="50000"/>
-              </a:schemeClr>
-            </a:solidFill>
-            <a:tailEnd type="diamond"/>
-          </a:ln>
-        </p:spPr>
-        <p:style>
-          <a:lnRef idx="1">
-            <a:schemeClr val="accent1"/>
-          </a:lnRef>
-          <a:fillRef idx="0">
-            <a:schemeClr val="accent1"/>
-          </a:fillRef>
-          <a:effectRef idx="0">
-            <a:schemeClr val="accent1"/>
-          </a:effectRef>
-          <a:fontRef idx="minor">
-            <a:schemeClr val="tx1"/>
-          </a:fontRef>
-        </p:style>
-      </p:cxnSp>
-      <p:sp>
-        <p:nvSpPr>
-          <p:cNvPr id="12" name="Oval 11">
-            <a:extLst>
-              <a:ext uri="{FF2B5EF4-FFF2-40B4-BE49-F238E27FC236}">
-                <a16:creationId xmlns:a16="http://schemas.microsoft.com/office/drawing/2014/main" id="{4CFD51FF-9F17-4249-952F-4B95918527B4}"/>
-              </a:ext>
-            </a:extLst>
-          </p:cNvPr>
-          <p:cNvSpPr/>
-          <p:nvPr/>
-        </p:nvSpPr>
-        <p:spPr>
-          <a:xfrm>
-            <a:off x="2744129" y="4419600"/>
-            <a:ext cx="76200" cy="76200"/>
-          </a:xfrm>
-          <a:prstGeom prst="ellipse">
-            <a:avLst/>
-          </a:prstGeom>
-          <a:solidFill>
-            <a:schemeClr val="tx1"/>
-          </a:solidFill>
-          <a:ln>
-            <a:noFill/>
-          </a:ln>
-        </p:spPr>
-        <p:style>
-          <a:lnRef idx="2">
-            <a:schemeClr val="accent1">
-              <a:shade val="50000"/>
-            </a:schemeClr>
-          </a:lnRef>
-          <a:fillRef idx="1">
-            <a:schemeClr val="accent1"/>
-          </a:fillRef>
-          <a:effectRef idx="0">
-            <a:schemeClr val="accent1"/>
-          </a:effectRef>
-          <a:fontRef idx="minor">
-            <a:schemeClr val="lt1"/>
-          </a:fontRef>
-        </p:style>
-        <p:txBody>
-          <a:bodyPr rtlCol="0" anchor="ctr"/>
-          <a:lstStyle/>
-          <a:p>
-            <a:pPr algn="ctr"/>
-            <a:endParaRPr lang="en-US"/>
-          </a:p>
-        </p:txBody>
-      </p:sp>
-      <p:cxnSp>
-        <p:nvCxnSpPr>
-          <p:cNvPr id="26" name="Straight Connector 25">
-            <a:extLst>
-              <a:ext uri="{FF2B5EF4-FFF2-40B4-BE49-F238E27FC236}">
-                <a16:creationId xmlns:a16="http://schemas.microsoft.com/office/drawing/2014/main" id="{5A852021-CC8B-C147-88EB-229D628C5D9A}"/>
-              </a:ext>
-            </a:extLst>
-          </p:cNvPr>
-          <p:cNvCxnSpPr>
-            <a:cxnSpLocks/>
-          </p:cNvCxnSpPr>
-          <p:nvPr/>
-        </p:nvCxnSpPr>
-        <p:spPr>
-          <a:xfrm>
-            <a:off x="4440865" y="3162300"/>
-            <a:ext cx="2340935" cy="0"/>
-          </a:xfrm>
-          <a:prstGeom prst="line">
-            <a:avLst/>
-          </a:prstGeom>
-          <a:ln w="76200" cap="rnd">
-            <a:gradFill>
-              <a:gsLst>
-                <a:gs pos="0">
-                  <a:schemeClr val="bg1">
-                    <a:lumMod val="50000"/>
-                    <a:lumOff val="50000"/>
-                  </a:schemeClr>
-                </a:gs>
-                <a:gs pos="100000">
-                  <a:srgbClr val="CA5C0E"/>
-                </a:gs>
-              </a:gsLst>
-              <a:lin ang="0" scaled="0"/>
-            </a:gradFill>
-          </a:ln>
-        </p:spPr>
-        <p:style>
-          <a:lnRef idx="1">
-            <a:schemeClr val="accent1"/>
-          </a:lnRef>
-          <a:fillRef idx="0">
-            <a:schemeClr val="accent1"/>
-          </a:fillRef>
-          <a:effectRef idx="0">
-            <a:schemeClr val="accent1"/>
-          </a:effectRef>
-          <a:fontRef idx="minor">
-            <a:schemeClr val="tx1"/>
-          </a:fontRef>
-        </p:style>
-      </p:cxnSp>
-      <p:sp>
-        <p:nvSpPr>
-          <p:cNvPr id="24" name="Oval 23">
-            <a:extLst>
-              <a:ext uri="{FF2B5EF4-FFF2-40B4-BE49-F238E27FC236}">
-                <a16:creationId xmlns:a16="http://schemas.microsoft.com/office/drawing/2014/main" id="{EA336485-A85D-3E4B-A7F0-DDFF1CBAB292}"/>
-              </a:ext>
-            </a:extLst>
-          </p:cNvPr>
-          <p:cNvSpPr/>
-          <p:nvPr/>
-        </p:nvSpPr>
-        <p:spPr>
-          <a:xfrm>
-            <a:off x="4364665" y="3124200"/>
-            <a:ext cx="76200" cy="76200"/>
-          </a:xfrm>
-          <a:prstGeom prst="ellipse">
-            <a:avLst/>
-          </a:prstGeom>
-          <a:solidFill>
-            <a:schemeClr val="tx1"/>
-          </a:solidFill>
-          <a:ln>
-            <a:noFill/>
-          </a:ln>
-        </p:spPr>
-        <p:style>
-          <a:lnRef idx="2">
-            <a:schemeClr val="accent1">
-              <a:shade val="50000"/>
-            </a:schemeClr>
-          </a:lnRef>
-          <a:fillRef idx="1">
-            <a:schemeClr val="accent1"/>
-          </a:fillRef>
-          <a:effectRef idx="0">
-            <a:schemeClr val="accent1"/>
-          </a:effectRef>
-          <a:fontRef idx="minor">
-            <a:schemeClr val="lt1"/>
-          </a:fontRef>
-        </p:style>
-        <p:txBody>
-          <a:bodyPr rtlCol="0" anchor="ctr"/>
-          <a:lstStyle/>
-          <a:p>
-            <a:pPr algn="ctr"/>
-            <a:endParaRPr lang="en-US"/>
-          </a:p>
-        </p:txBody>
-      </p:sp>
-      <p:cxnSp>
-        <p:nvCxnSpPr>
-          <p:cNvPr id="28" name="Straight Connector 27">
-            <a:extLst>
-              <a:ext uri="{FF2B5EF4-FFF2-40B4-BE49-F238E27FC236}">
-                <a16:creationId xmlns:a16="http://schemas.microsoft.com/office/drawing/2014/main" id="{C94D8232-BC6C-2547-8644-EA580E321B33}"/>
-              </a:ext>
-            </a:extLst>
-          </p:cNvPr>
-          <p:cNvCxnSpPr>
-            <a:cxnSpLocks/>
-            <a:stCxn id="25" idx="6"/>
-          </p:cNvCxnSpPr>
-          <p:nvPr/>
-        </p:nvCxnSpPr>
-        <p:spPr>
-          <a:xfrm flipV="1">
-            <a:off x="6858000" y="3153471"/>
-            <a:ext cx="1295400" cy="8829"/>
-          </a:xfrm>
-          <a:prstGeom prst="line">
-            <a:avLst/>
-          </a:prstGeom>
-          <a:ln w="76200" cap="rnd">
-            <a:solidFill>
-              <a:srgbClr val="CA5C0E"/>
-            </a:solidFill>
-          </a:ln>
-        </p:spPr>
-        <p:style>
-          <a:lnRef idx="1">
-            <a:schemeClr val="accent1"/>
-          </a:lnRef>
-          <a:fillRef idx="0">
-            <a:schemeClr val="accent1"/>
-          </a:fillRef>
-          <a:effectRef idx="0">
-            <a:schemeClr val="accent1"/>
-          </a:effectRef>
-          <a:fontRef idx="minor">
-            <a:schemeClr val="tx1"/>
-          </a:fontRef>
-        </p:style>
-      </p:cxnSp>
-      <p:sp>
-        <p:nvSpPr>
-          <p:cNvPr id="25" name="Oval 24">
-            <a:extLst>
-              <a:ext uri="{FF2B5EF4-FFF2-40B4-BE49-F238E27FC236}">
-                <a16:creationId xmlns:a16="http://schemas.microsoft.com/office/drawing/2014/main" id="{0AF15001-071A-FA4A-93AA-C38B1FF88421}"/>
-              </a:ext>
-            </a:extLst>
-          </p:cNvPr>
-          <p:cNvSpPr/>
-          <p:nvPr/>
-        </p:nvSpPr>
-        <p:spPr>
-          <a:xfrm>
-            <a:off x="6781800" y="3124200"/>
-            <a:ext cx="76200" cy="76200"/>
-          </a:xfrm>
-          <a:prstGeom prst="ellipse">
-            <a:avLst/>
-          </a:prstGeom>
-          <a:solidFill>
-            <a:schemeClr val="tx1"/>
-          </a:solidFill>
-          <a:ln>
-            <a:noFill/>
-          </a:ln>
-        </p:spPr>
-        <p:style>
-          <a:lnRef idx="2">
-            <a:schemeClr val="accent1">
-              <a:shade val="50000"/>
-            </a:schemeClr>
-          </a:lnRef>
-          <a:fillRef idx="1">
-            <a:schemeClr val="accent1"/>
-          </a:fillRef>
-          <a:effectRef idx="0">
-            <a:schemeClr val="accent1"/>
-          </a:effectRef>
-          <a:fontRef idx="minor">
-            <a:schemeClr val="lt1"/>
-          </a:fontRef>
-        </p:style>
-        <p:txBody>
-          <a:bodyPr rtlCol="0" anchor="ctr"/>
-          <a:lstStyle/>
-          <a:p>
-            <a:pPr algn="ctr"/>
-            <a:endParaRPr lang="en-US"/>
-          </a:p>
-        </p:txBody>
-      </p:sp>
-      <p:sp>
-        <p:nvSpPr>
-          <p:cNvPr id="32" name="Oval 31">
-            <a:extLst>
-              <a:ext uri="{FF2B5EF4-FFF2-40B4-BE49-F238E27FC236}">
-                <a16:creationId xmlns:a16="http://schemas.microsoft.com/office/drawing/2014/main" id="{A57DE36E-B6FD-6A45-AF73-E18479E3242D}"/>
-              </a:ext>
-            </a:extLst>
-          </p:cNvPr>
-          <p:cNvSpPr/>
-          <p:nvPr/>
-        </p:nvSpPr>
-        <p:spPr>
-          <a:xfrm>
-            <a:off x="4953000" y="1828800"/>
-            <a:ext cx="76200" cy="76200"/>
-          </a:xfrm>
-          <a:prstGeom prst="ellipse">
-            <a:avLst/>
-          </a:prstGeom>
-          <a:solidFill>
-            <a:schemeClr val="tx1"/>
-          </a:solidFill>
-          <a:ln>
-            <a:noFill/>
-          </a:ln>
-        </p:spPr>
-        <p:style>
-          <a:lnRef idx="2">
-            <a:schemeClr val="accent1">
-              <a:shade val="50000"/>
-            </a:schemeClr>
-          </a:lnRef>
-          <a:fillRef idx="1">
-            <a:schemeClr val="accent1"/>
-          </a:fillRef>
-          <a:effectRef idx="0">
-            <a:schemeClr val="accent1"/>
-          </a:effectRef>
-          <a:fontRef idx="minor">
-            <a:schemeClr val="lt1"/>
-          </a:fontRef>
-        </p:style>
-        <p:txBody>
-          <a:bodyPr rtlCol="0" anchor="ctr"/>
-          <a:lstStyle/>
-          <a:p>
-            <a:pPr algn="ctr"/>
-            <a:endParaRPr lang="en-US"/>
-          </a:p>
-        </p:txBody>
-      </p:sp>
-      <p:sp>
-        <p:nvSpPr>
-          <p:cNvPr id="35" name="TextBox 34">
-            <a:extLst>
-              <a:ext uri="{FF2B5EF4-FFF2-40B4-BE49-F238E27FC236}">
-                <a16:creationId xmlns:a16="http://schemas.microsoft.com/office/drawing/2014/main" id="{E794DC2D-1B4E-3E45-BF67-BC40CD5566B8}"/>
-              </a:ext>
-            </a:extLst>
-          </p:cNvPr>
-          <p:cNvSpPr txBox="1"/>
-          <p:nvPr/>
-        </p:nvSpPr>
-        <p:spPr>
-          <a:xfrm>
-            <a:off x="509782" y="2968805"/>
-            <a:ext cx="647293" cy="369332"/>
-          </a:xfrm>
-          <a:prstGeom prst="rect">
-            <a:avLst/>
-          </a:prstGeom>
-          <a:noFill/>
-        </p:spPr>
-        <p:txBody>
-          <a:bodyPr wrap="none" rtlCol="0">
-            <a:spAutoFit/>
-          </a:bodyPr>
-          <a:lstStyle/>
-          <a:p>
-            <a:r>
-              <a:rPr lang="en-US" b="1" dirty="0"/>
-              <a:t>Start</a:t>
-            </a:r>
-          </a:p>
-        </p:txBody>
-      </p:sp>
-      <p:sp>
-        <p:nvSpPr>
-          <p:cNvPr id="36" name="TextBox 35">
-            <a:extLst>
-              <a:ext uri="{FF2B5EF4-FFF2-40B4-BE49-F238E27FC236}">
-                <a16:creationId xmlns:a16="http://schemas.microsoft.com/office/drawing/2014/main" id="{F0E5A40E-2C24-F646-9D28-C9734CA6D325}"/>
-              </a:ext>
-            </a:extLst>
-          </p:cNvPr>
-          <p:cNvSpPr txBox="1"/>
-          <p:nvPr/>
-        </p:nvSpPr>
-        <p:spPr>
-          <a:xfrm>
-            <a:off x="2457653" y="1101356"/>
-            <a:ext cx="647293" cy="369332"/>
-          </a:xfrm>
-          <a:prstGeom prst="rect">
-            <a:avLst/>
-          </a:prstGeom>
-          <a:noFill/>
-        </p:spPr>
-        <p:txBody>
-          <a:bodyPr wrap="square" rtlCol="0">
-            <a:spAutoFit/>
-          </a:bodyPr>
-          <a:lstStyle/>
-          <a:p>
-            <a:r>
-              <a:rPr lang="en-US" dirty="0"/>
-              <a:t>Start</a:t>
-            </a:r>
-          </a:p>
-        </p:txBody>
-      </p:sp>
-      <p:cxnSp>
-        <p:nvCxnSpPr>
-          <p:cNvPr id="38" name="Straight Arrow Connector 37">
-            <a:extLst>
-              <a:ext uri="{FF2B5EF4-FFF2-40B4-BE49-F238E27FC236}">
-                <a16:creationId xmlns:a16="http://schemas.microsoft.com/office/drawing/2014/main" id="{805949FE-65B2-C84F-A054-E799F2E0968B}"/>
-              </a:ext>
-            </a:extLst>
-          </p:cNvPr>
-          <p:cNvCxnSpPr>
-            <a:cxnSpLocks/>
-            <a:stCxn id="36" idx="2"/>
-            <a:endCxn id="7" idx="0"/>
-          </p:cNvCxnSpPr>
-          <p:nvPr/>
-        </p:nvCxnSpPr>
-        <p:spPr>
-          <a:xfrm>
-            <a:off x="2781300" y="1470688"/>
-            <a:ext cx="0" cy="358112"/>
-          </a:xfrm>
-          <a:prstGeom prst="straightConnector1">
-            <a:avLst/>
-          </a:prstGeom>
-          <a:ln w="12700">
-            <a:solidFill>
-              <a:schemeClr val="tx1"/>
-            </a:solidFill>
-            <a:tailEnd type="arrow" w="lg" len="lg"/>
-          </a:ln>
-        </p:spPr>
-        <p:style>
-          <a:lnRef idx="1">
-            <a:schemeClr val="accent1"/>
-          </a:lnRef>
-          <a:fillRef idx="0">
-            <a:schemeClr val="accent1"/>
-          </a:fillRef>
-          <a:effectRef idx="0">
-            <a:schemeClr val="accent1"/>
-          </a:effectRef>
-          <a:fontRef idx="minor">
-            <a:schemeClr val="tx1"/>
-          </a:fontRef>
-        </p:style>
-      </p:cxnSp>
-    </p:spTree>
-    <p:extLst>
-      <p:ext uri="{BB962C8B-B14F-4D97-AF65-F5344CB8AC3E}">
-        <p14:creationId xmlns:p14="http://schemas.microsoft.com/office/powerpoint/2010/main" val="1753811591"/>
-      </p:ext>
-    </p:extLst>
-  </p:cSld>
-  <p:clrMapOvr>
-    <a:masterClrMapping/>
-  </p:clrMapOvr>
-</p:sld>
-</file>
-
-<file path=ppt/slides/slide40.xml><?xml version="1.0" encoding="utf-8"?>
+<file path=ppt/slides/slide41.xml><?xml version="1.0" encoding="utf-8"?>
 <p:sld xmlns:a="http://schemas.openxmlformats.org/drawingml/2006/main" xmlns:r="http://schemas.openxmlformats.org/officeDocument/2006/relationships" xmlns:p="http://schemas.openxmlformats.org/presentationml/2006/main">
   <p:cSld>
     <p:spTree>
@@ -31280,7 +32154,7 @@
 </p:sld>
 </file>
 
-<file path=ppt/slides/slide41.xml><?xml version="1.0" encoding="utf-8"?>
+<file path=ppt/slides/slide42.xml><?xml version="1.0" encoding="utf-8"?>
 <p:sld xmlns:a="http://schemas.openxmlformats.org/drawingml/2006/main" xmlns:r="http://schemas.openxmlformats.org/officeDocument/2006/relationships" xmlns:p="http://schemas.openxmlformats.org/presentationml/2006/main">
   <p:cSld>
     <p:spTree>
